--- a/BerkeleyClass/CS290Spring2013/Lectures/entropy_talk.pptx
+++ b/BerkeleyClass/CS290Spring2013/Lectures/entropy_talk.pptx
@@ -10094,8 +10094,8 @@
             </p:nvSpPr>
             <p:spPr>
               <a:xfrm>
-                <a:off x="190500" y="1059873"/>
-                <a:ext cx="8763000" cy="5036127"/>
+                <a:off x="266700" y="1136073"/>
+                <a:ext cx="8496300" cy="5036127"/>
               </a:xfrm>
             </p:spPr>
             <p:txBody>
@@ -10120,7 +10120,7 @@
                 </a:pPr>
                 <a:r>
                   <a:rPr lang="en-US" sz="1800" dirty="0"/>
-                  <a:t>Entropy only makes sense with respect to probability distributions.</a:t>
+                  <a:t>Entropy is defined with respect to probability distributions.</a:t>
                 </a:r>
               </a:p>
               <a:p>
@@ -10398,13 +10398,13 @@
             </p:nvSpPr>
             <p:spPr>
               <a:xfrm>
-                <a:off x="190500" y="1059873"/>
-                <a:ext cx="8763000" cy="5036127"/>
+                <a:off x="266700" y="1136073"/>
+                <a:ext cx="8496300" cy="5036127"/>
               </a:xfrm>
               <a:blipFill>
                 <a:blip r:embed="rId3"/>
                 <a:stretch>
-                  <a:fillRect l="-434" t="-1256" r="-578"/>
+                  <a:fillRect l="-746" t="-1256" b="-5025"/>
                 </a:stretch>
               </a:blipFill>
             </p:spPr>
@@ -10524,8 +10524,8 @@
             </p:nvSpPr>
             <p:spPr>
               <a:xfrm>
-                <a:off x="190500" y="1371600"/>
-                <a:ext cx="8763000" cy="4801523"/>
+                <a:off x="426027" y="1523077"/>
+                <a:ext cx="8260773" cy="4801523"/>
               </a:xfrm>
             </p:spPr>
             <p:txBody>
@@ -11347,13 +11347,13 @@
             </p:nvSpPr>
             <p:spPr>
               <a:xfrm>
-                <a:off x="190500" y="1371600"/>
-                <a:ext cx="8763000" cy="4801523"/>
+                <a:off x="426027" y="1523077"/>
+                <a:ext cx="8260773" cy="4801523"/>
               </a:xfrm>
               <a:blipFill>
                 <a:blip r:embed="rId3"/>
                 <a:stretch>
-                  <a:fillRect l="-434" t="-1319" r="-289"/>
+                  <a:fillRect l="-614" t="-1319" r="-461"/>
                 </a:stretch>
               </a:blipFill>
             </p:spPr>
@@ -11444,7 +11444,7 @@
         </p:nvSpPr>
         <p:spPr>
           <a:xfrm>
-            <a:off x="685800" y="228600"/>
+            <a:off x="685800" y="76200"/>
             <a:ext cx="7772400" cy="838200"/>
           </a:xfrm>
         </p:spPr>
@@ -11473,8 +11473,8 @@
             </p:nvSpPr>
             <p:spPr>
               <a:xfrm>
-                <a:off x="228600" y="1447800"/>
-                <a:ext cx="8686800" cy="3810000"/>
+                <a:off x="381000" y="1828800"/>
+                <a:ext cx="8458200" cy="3810000"/>
               </a:xfrm>
             </p:spPr>
             <p:txBody>
@@ -12428,13 +12428,13 @@
             </p:nvSpPr>
             <p:spPr>
               <a:xfrm>
-                <a:off x="228600" y="1447800"/>
-                <a:ext cx="8686800" cy="3810000"/>
+                <a:off x="381000" y="1828800"/>
+                <a:ext cx="8458200" cy="3810000"/>
               </a:xfrm>
               <a:blipFill>
                 <a:blip r:embed="rId3"/>
                 <a:stretch>
-                  <a:fillRect l="-730" t="-1661"/>
+                  <a:fillRect l="-751" t="-1661"/>
                 </a:stretch>
               </a:blipFill>
             </p:spPr>
@@ -12549,8 +12549,8 @@
             </p:nvSpPr>
             <p:spPr>
               <a:xfrm>
-                <a:off x="190500" y="1364673"/>
-                <a:ext cx="8763000" cy="5036127"/>
+                <a:off x="419100" y="1447800"/>
+                <a:ext cx="8420100" cy="5036127"/>
               </a:xfrm>
             </p:spPr>
             <p:txBody>
@@ -12564,7 +12564,7 @@
                 </a:pPr>
                 <a:r>
                   <a:rPr lang="en-US" sz="2000" dirty="0"/>
-                  <a:t>Renyi : </a:t>
+                  <a:t>Renyi entropy: </a:t>
                 </a:r>
                 <a14:m>
                   <m:oMath xmlns:m="http://schemas.openxmlformats.org/officeDocument/2006/math">
@@ -12779,7 +12779,7 @@
                 </a:pPr>
                 <a:r>
                   <a:rPr lang="en-US" sz="2000" dirty="0"/>
-                  <a:t>Min entropy: </a:t>
+                  <a:t>“Min” entropy: </a:t>
                 </a:r>
                 <a14:m>
                   <m:oMath xmlns:m="http://schemas.openxmlformats.org/officeDocument/2006/math">
@@ -13327,14 +13327,25 @@
                       <a:rPr lang="en-US" sz="2000" b="0" i="1" smtClean="0">
                         <a:latin typeface="Cambria Math" panose="02040503050406030204" pitchFamily="18" charset="0"/>
                       </a:rPr>
+                      <m:t> </m:t>
+                    </m:r>
+                    <m:r>
+                      <a:rPr lang="en-US" sz="2000" b="0" i="1" smtClean="0">
+                        <a:latin typeface="Cambria Math" panose="02040503050406030204" pitchFamily="18" charset="0"/>
+                      </a:rPr>
                       <m:t>𝑗</m:t>
                     </m:r>
                     <m:r>
                       <a:rPr lang="en-US" sz="2000" b="0" i="1" smtClean="0">
                         <a:latin typeface="Cambria Math" panose="02040503050406030204" pitchFamily="18" charset="0"/>
-                        <a:ea typeface="Cambria Math" panose="02040503050406030204" pitchFamily="18" charset="0"/>
                       </a:rPr>
-                      <m:t>≠1</m:t>
+                      <m:t>=2,3, …,</m:t>
+                    </m:r>
+                    <m:r>
+                      <a:rPr lang="en-US" sz="2000" b="0" i="1" smtClean="0">
+                        <a:latin typeface="Cambria Math" panose="02040503050406030204" pitchFamily="18" charset="0"/>
+                      </a:rPr>
+                      <m:t>𝑛</m:t>
                     </m:r>
                   </m:oMath>
                 </a14:m>
@@ -13348,7 +13359,7 @@
                 </a:pPr>
                 <a:r>
                   <a:rPr lang="en-US" sz="2000" dirty="0"/>
-                  <a:t>An optimal adversarial guessing strategy is to guess </a:t>
+                  <a:t>An optimal adversarial strategy is to guess </a:t>
                 </a:r>
                 <a14:m>
                   <m:oMath xmlns:m="http://schemas.openxmlformats.org/officeDocument/2006/math">
@@ -13381,7 +13392,7 @@
                 </a14:m>
                 <a:r>
                   <a:rPr lang="en-US" sz="2000" dirty="0"/>
-                  <a:t> all the time.  You’ll succeed half the time.</a:t>
+                  <a:t> all the time, thus succeeding half the time.</a:t>
                 </a:r>
               </a:p>
               <a:p>
@@ -13806,13 +13817,13 @@
             </p:nvSpPr>
             <p:spPr>
               <a:xfrm>
-                <a:off x="190500" y="1364673"/>
-                <a:ext cx="8763000" cy="5036127"/>
+                <a:off x="419100" y="1447800"/>
+                <a:ext cx="8420100" cy="5036127"/>
               </a:xfrm>
               <a:blipFill>
                 <a:blip r:embed="rId3"/>
                 <a:stretch>
-                  <a:fillRect l="-434" t="-8794" r="-1301"/>
+                  <a:fillRect l="-754" t="-9068" r="-1357"/>
                 </a:stretch>
               </a:blipFill>
             </p:spPr>
@@ -14012,7 +14023,15 @@
             </a:pPr>
             <a:r>
               <a:rPr lang="en-US" sz="2000" dirty="0"/>
-              <a:t>    distribution is easy: ask a</a:t>
+              <a:t>    distribution is easy: </a:t>
+            </a:r>
+            <a:r>
+              <a:rPr lang="en-US" sz="2000" dirty="0">
+                <a:solidFill>
+                  <a:srgbClr val="0066CC"/>
+                </a:solidFill>
+              </a:rPr>
+              <a:t>ask a</a:t>
             </a:r>
           </a:p>
           <a:p>
@@ -14020,7 +14039,11 @@
               <a:buNone/>
             </a:pPr>
             <a:r>
-              <a:rPr lang="en-US" sz="2000" dirty="0"/>
+              <a:rPr lang="en-US" sz="2000" dirty="0">
+                <a:solidFill>
+                  <a:srgbClr val="0066CC"/>
+                </a:solidFill>
+              </a:rPr>
               <a:t>    physicist</a:t>
             </a:r>
           </a:p>
@@ -14177,8 +14200,8 @@
         </p:nvSpPr>
         <p:spPr>
           <a:xfrm>
-            <a:off x="91440" y="1066800"/>
-            <a:ext cx="8686800" cy="4419600"/>
+            <a:off x="304800" y="1143000"/>
+            <a:ext cx="8473440" cy="4419600"/>
           </a:xfrm>
         </p:spPr>
         <p:txBody>
@@ -14280,19 +14303,6 @@
                 <a:latin typeface="Arial" pitchFamily="34" charset="0"/>
                 <a:cs typeface="Arial" pitchFamily="34" charset="0"/>
               </a:rPr>
-              <a:t>Memory stats</a:t>
-            </a:r>
-          </a:p>
-          <a:p>
-            <a:pPr lvl="1"/>
-            <a:r>
-              <a:rPr lang="en-US" sz="2000" dirty="0">
-                <a:solidFill>
-                  <a:schemeClr val="accent6"/>
-                </a:solidFill>
-                <a:latin typeface="Arial" pitchFamily="34" charset="0"/>
-                <a:cs typeface="Arial" pitchFamily="34" charset="0"/>
-              </a:rPr>
               <a:t>Cursor, mouse</a:t>
             </a:r>
           </a:p>
@@ -14368,11 +14378,51 @@
                 <a:latin typeface="Arial" pitchFamily="34" charset="0"/>
                 <a:cs typeface="Arial" pitchFamily="34" charset="0"/>
               </a:rPr>
-              <a:t>except for …</a:t>
+              <a:t>except for  jitter</a:t>
+            </a:r>
+          </a:p>
+          <a:p>
+            <a:pPr marL="0" indent="0">
+              <a:buNone/>
+            </a:pPr>
+            <a:r>
+              <a:rPr lang="en-US" sz="2000" dirty="0">
+                <a:solidFill>
+                  <a:srgbClr val="33CC33"/>
+                </a:solidFill>
+                <a:latin typeface="Arial" pitchFamily="34" charset="0"/>
+                <a:cs typeface="Arial" pitchFamily="34" charset="0"/>
+              </a:rPr>
+              <a:t>     then you can </a:t>
+            </a:r>
+            <a:r>
+              <a:rPr lang="en-US" sz="2000" dirty="0">
+                <a:solidFill>
+                  <a:srgbClr val="0066CC"/>
+                </a:solidFill>
+                <a:latin typeface="Arial" pitchFamily="34" charset="0"/>
+                <a:cs typeface="Arial" pitchFamily="34" charset="0"/>
+              </a:rPr>
+              <a:t>ask a </a:t>
+            </a:r>
+          </a:p>
+          <a:p>
+            <a:pPr marL="0" indent="0">
+              <a:buNone/>
+            </a:pPr>
+            <a:r>
+              <a:rPr lang="en-US" sz="2000" dirty="0">
+                <a:solidFill>
+                  <a:srgbClr val="0066CC"/>
+                </a:solidFill>
+                <a:latin typeface="Arial" pitchFamily="34" charset="0"/>
+                <a:cs typeface="Arial" pitchFamily="34" charset="0"/>
+              </a:rPr>
+              <a:t>     cryptographer</a:t>
             </a:r>
             <a:endParaRPr lang="en-US" sz="2000" dirty="0">
               <a:solidFill>
-                <a:srgbClr val="33CC33"/>
+                <a:srgbClr val="0066CC"/>
               </a:solidFill>
             </a:endParaRPr>
           </a:p>
@@ -14444,8 +14494,8 @@
         </p:blipFill>
         <p:spPr bwMode="auto">
           <a:xfrm>
-            <a:off x="3886200" y="3038475"/>
-            <a:ext cx="5257800" cy="3286125"/>
+            <a:off x="4191000" y="3276600"/>
+            <a:ext cx="4876800" cy="3048000"/>
           </a:xfrm>
           <a:prstGeom prst="rect">
             <a:avLst/>
@@ -14532,8 +14582,8 @@
         </p:nvSpPr>
         <p:spPr>
           <a:xfrm>
-            <a:off x="228600" y="1371600"/>
-            <a:ext cx="8686800" cy="5029200"/>
+            <a:off x="228600" y="1676400"/>
+            <a:ext cx="8686800" cy="4724400"/>
           </a:xfrm>
         </p:spPr>
         <p:txBody>
@@ -14569,7 +14619,7 @@
             </a:pPr>
             <a:r>
               <a:rPr lang="en-US" sz="2000" dirty="0"/>
-              <a:t>Netscape browser example is famous</a:t>
+              <a:t>Netscape browser attack is famous example</a:t>
             </a:r>
           </a:p>
           <a:p>
@@ -14580,7 +14630,7 @@
             </a:pPr>
             <a:r>
               <a:rPr lang="en-US" sz="2000" dirty="0"/>
-              <a:t>Debian entropy loss (Mind your p’s and q’)</a:t>
+              <a:t>More recent Debian entropy attack (Mind your p’s and q’s) is another</a:t>
             </a:r>
           </a:p>
           <a:p>
@@ -14591,7 +14641,7 @@
             </a:pPr>
             <a:r>
               <a:rPr lang="en-US" sz="2000" dirty="0"/>
-              <a:t>Hall of fame for epic fails</a:t>
+              <a:t>Hall of fame, epic fails for bad entropy</a:t>
             </a:r>
           </a:p>
           <a:p>
@@ -14602,7 +14652,7 @@
             </a:pPr>
             <a:r>
               <a:rPr lang="en-US" sz="1800" dirty="0"/>
-              <a:t>“But the entropy input looked random”</a:t>
+              <a:t>“But the entropy looked random”</a:t>
             </a:r>
           </a:p>
           <a:p>
@@ -14624,7 +14674,7 @@
             </a:pPr>
             <a:r>
               <a:rPr lang="en-US" sz="1800" dirty="0"/>
-              <a:t>“No one could guess the values, it’s too complex”</a:t>
+              <a:t>“No one could guess the sample values, it’s too complex”</a:t>
             </a:r>
           </a:p>
           <a:p>
@@ -14635,18 +14685,7 @@
             </a:pPr>
             <a:r>
               <a:rPr lang="en-US" sz="2000" dirty="0"/>
-              <a:t>State compromise extension attacks</a:t>
-            </a:r>
-          </a:p>
-          <a:p>
-            <a:pPr lvl="1">
-              <a:lnSpc>
-                <a:spcPct val="90000"/>
-              </a:lnSpc>
-            </a:pPr>
-            <a:r>
-              <a:rPr lang="en-US" sz="2000" dirty="0"/>
-              <a:t>Iterative guessing attacks</a:t>
+              <a:t>Intrusion (read privileged entropy pool)</a:t>
             </a:r>
           </a:p>
           <a:p>
@@ -14657,7 +14696,7 @@
             </a:pPr>
             <a:r>
               <a:rPr lang="en-US" sz="2000" dirty="0"/>
-              <a:t>Intrusion (read privileged entropy pool)</a:t>
+              <a:t>Incremental guessing attacks</a:t>
             </a:r>
           </a:p>
           <a:p>
@@ -14767,7 +14806,7 @@
         </p:nvSpPr>
         <p:spPr>
           <a:xfrm>
-            <a:off x="228600" y="1102360"/>
+            <a:off x="228600" y="1447800"/>
             <a:ext cx="8686800" cy="4724400"/>
           </a:xfrm>
         </p:spPr>
@@ -15548,7 +15587,7 @@
                 </a14:m>
                 <a:r>
                   <a:rPr lang="en-US" sz="2000" dirty="0"/>
-                  <a:t>‘s (usually one byte per sample as specified by 800-90B) are the noise source for constructing a seed</a:t>
+                  <a:t>‘s (usually one byte per sample as specified by NIST 800-90B) are the noise source for constructing a seed</a:t>
                 </a:r>
               </a:p>
               <a:p>
@@ -15744,8 +15783,8 @@
           </a:p>
         </p:txBody>
       </p:sp>
-      <mc:AlternateContent xmlns:mc="http://schemas.openxmlformats.org/markup-compatibility/2006">
-        <mc:Choice xmlns:a14="http://schemas.microsoft.com/office/drawing/2010/main" Requires="a14">
+      <mc:AlternateContent xmlns:mc="http://schemas.openxmlformats.org/markup-compatibility/2006" xmlns:a14="http://schemas.microsoft.com/office/drawing/2010/main">
+        <mc:Choice Requires="a14">
           <p:sp>
             <p:nvSpPr>
               <p:cNvPr id="24581" name="Rectangle 3"/>
@@ -15997,7 +16036,7 @@
             </p:txBody>
           </p:sp>
         </mc:Choice>
-        <mc:Fallback>
+        <mc:Fallback xmlns="">
           <p:sp>
             <p:nvSpPr>
               <p:cNvPr id="24581" name="Rectangle 3"/>
@@ -16270,7 +16309,7 @@
           <a:p>
             <a:r>
               <a:rPr lang="en-US" sz="2000" dirty="0"/>
-              <a:t>CPU topology and caches used jointly by multiple CPUs </a:t>
+              <a:t>CPU topology and caches used jointly by multiple CPUs affect execution time.</a:t>
             </a:r>
           </a:p>
           <a:p>
@@ -16814,7 +16853,7 @@
         <p:spPr>
           <a:xfrm>
             <a:off x="228600" y="1219200"/>
-            <a:ext cx="8763000" cy="4493538"/>
+            <a:ext cx="8763000" cy="5078313"/>
           </a:xfrm>
           <a:prstGeom prst="rect">
             <a:avLst/>
@@ -16827,7 +16866,7 @@
           <a:lstStyle/>
           <a:p>
             <a:r>
-              <a:rPr lang="en-US" sz="1400" dirty="0" err="1">
+              <a:rPr lang="en-US" sz="1600" dirty="0" err="1">
                 <a:solidFill>
                   <a:srgbClr val="000000"/>
                 </a:solidFill>
@@ -16837,7 +16876,7 @@
               <a:t>jlm@New-MacBook-Pro</a:t>
             </a:r>
             <a:r>
-              <a:rPr lang="en-US" sz="1400" dirty="0">
+              <a:rPr lang="en-US" sz="1600" dirty="0">
                 <a:solidFill>
                   <a:srgbClr val="000000"/>
                 </a:solidFill>
@@ -16847,7 +16886,7 @@
               <a:t> </a:t>
             </a:r>
             <a:r>
-              <a:rPr lang="en-US" sz="1400" dirty="0" err="1">
+              <a:rPr lang="en-US" sz="1600" dirty="0" err="1">
                 <a:solidFill>
                   <a:srgbClr val="000000"/>
                 </a:solidFill>
@@ -16857,7 +16896,7 @@
               <a:t>cryptobin</a:t>
             </a:r>
             <a:r>
-              <a:rPr lang="en-US" sz="1400" dirty="0">
+              <a:rPr lang="en-US" sz="1600" dirty="0">
                 <a:solidFill>
                   <a:srgbClr val="000000"/>
                 </a:solidFill>
@@ -16867,7 +16906,7 @@
               <a:t> % ./</a:t>
             </a:r>
             <a:r>
-              <a:rPr lang="en-US" sz="1400" dirty="0" err="1">
+              <a:rPr lang="en-US" sz="1600" dirty="0" err="1">
                 <a:solidFill>
                   <a:srgbClr val="000000"/>
                 </a:solidFill>
@@ -16877,7 +16916,7 @@
               <a:t>test_full_rng.exe</a:t>
             </a:r>
             <a:r>
-              <a:rPr lang="en-US" sz="1400" dirty="0">
+              <a:rPr lang="en-US" sz="1600" dirty="0">
                 <a:solidFill>
                   <a:srgbClr val="000000"/>
                 </a:solidFill>
@@ -16887,7 +16926,7 @@
               <a:t> -</a:t>
             </a:r>
             <a:r>
-              <a:rPr lang="en-US" sz="1400" dirty="0" err="1">
+              <a:rPr lang="en-US" sz="1600" dirty="0" err="1">
                 <a:solidFill>
                   <a:srgbClr val="000000"/>
                 </a:solidFill>
@@ -16897,7 +16936,7 @@
               <a:t>print_all</a:t>
             </a:r>
             <a:r>
-              <a:rPr lang="en-US" sz="1400" dirty="0">
+              <a:rPr lang="en-US" sz="1600" dirty="0">
                 <a:solidFill>
                   <a:srgbClr val="000000"/>
                 </a:solidFill>
@@ -16907,7 +16946,7 @@
               <a:t>=true</a:t>
             </a:r>
             <a:br>
-              <a:rPr lang="en-US" sz="1400" dirty="0">
+              <a:rPr lang="en-US" sz="1600" dirty="0">
                 <a:solidFill>
                   <a:srgbClr val="000000"/>
                 </a:solidFill>
@@ -16916,7 +16955,7 @@
               </a:rPr>
             </a:br>
             <a:r>
-              <a:rPr lang="en-US" sz="1400" dirty="0">
+              <a:rPr lang="en-US" sz="1600" dirty="0">
                 <a:solidFill>
                   <a:srgbClr val="000000"/>
                 </a:solidFill>
@@ -16928,7 +16967,7 @@
           </a:p>
           <a:p>
             <a:r>
-              <a:rPr lang="en-US" sz="1400" dirty="0">
+              <a:rPr lang="en-US" sz="1600" dirty="0">
                 <a:solidFill>
                   <a:srgbClr val="000000"/>
                 </a:solidFill>
@@ -16940,7 +16979,7 @@
           </a:p>
           <a:p>
             <a:r>
-              <a:rPr lang="en-US" sz="1400" dirty="0">
+              <a:rPr lang="en-US" sz="1600" dirty="0">
                 <a:solidFill>
                   <a:srgbClr val="000000"/>
                 </a:solidFill>
@@ -16952,7 +16991,7 @@
           </a:p>
           <a:p>
             <a:r>
-              <a:rPr lang="en-US" sz="1400" dirty="0">
+              <a:rPr lang="en-US" sz="1600" dirty="0">
                 <a:solidFill>
                   <a:srgbClr val="000000"/>
                 </a:solidFill>
@@ -16964,7 +17003,7 @@
           </a:p>
           <a:p>
             <a:r>
-              <a:rPr lang="en-US" sz="1400" dirty="0">
+              <a:rPr lang="en-US" sz="1600" dirty="0">
                 <a:solidFill>
                   <a:srgbClr val="000000"/>
                 </a:solidFill>
@@ -16976,7 +17015,7 @@
           </a:p>
           <a:p>
             <a:r>
-              <a:rPr lang="en-US" sz="1400" dirty="0">
+              <a:rPr lang="en-US" sz="1600" dirty="0">
                 <a:solidFill>
                   <a:srgbClr val="000000"/>
                 </a:solidFill>
@@ -16987,7 +17026,7 @@
             </a:r>
           </a:p>
           <a:p>
-            <a:endParaRPr lang="en-US" sz="1400" dirty="0">
+            <a:endParaRPr lang="en-US" sz="1600" dirty="0">
               <a:solidFill>
                 <a:srgbClr val="000000"/>
               </a:solidFill>
@@ -16997,7 +17036,7 @@
           </a:p>
           <a:p>
             <a:r>
-              <a:rPr lang="en-US" sz="1400" dirty="0">
+              <a:rPr lang="en-US" sz="1600" dirty="0">
                 <a:solidFill>
                   <a:srgbClr val="000000"/>
                 </a:solidFill>
@@ -17009,7 +17048,7 @@
           </a:p>
           <a:p>
             <a:r>
-              <a:rPr lang="en-US" sz="1400" dirty="0">
+              <a:rPr lang="en-US" sz="1600" dirty="0">
                 <a:solidFill>
                   <a:srgbClr val="000000"/>
                 </a:solidFill>
@@ -17021,7 +17060,7 @@
           </a:p>
           <a:p>
             <a:r>
-              <a:rPr lang="en-US" sz="1400" dirty="0">
+              <a:rPr lang="en-US" sz="1600" dirty="0">
                 <a:solidFill>
                   <a:srgbClr val="000000"/>
                 </a:solidFill>
@@ -17033,7 +17072,7 @@
           </a:p>
           <a:p>
             <a:r>
-              <a:rPr lang="en-US" sz="1400" dirty="0">
+              <a:rPr lang="en-US" sz="1600" dirty="0">
                 <a:solidFill>
                   <a:srgbClr val="000000"/>
                 </a:solidFill>
@@ -17045,7 +17084,7 @@
           </a:p>
           <a:p>
             <a:r>
-              <a:rPr lang="en-US" sz="1400" dirty="0">
+              <a:rPr lang="en-US" sz="1600" dirty="0">
                 <a:solidFill>
                   <a:srgbClr val="000000"/>
                 </a:solidFill>
@@ -17057,7 +17096,7 @@
           </a:p>
           <a:p>
             <a:r>
-              <a:rPr lang="en-US" sz="1400" dirty="0">
+              <a:rPr lang="en-US" sz="1600" dirty="0">
                 <a:solidFill>
                   <a:srgbClr val="000000"/>
                 </a:solidFill>
@@ -17069,7 +17108,7 @@
           </a:p>
           <a:p>
             <a:r>
-              <a:rPr lang="en-US" sz="1400" dirty="0">
+              <a:rPr lang="en-US" sz="1600" dirty="0">
                 <a:solidFill>
                   <a:srgbClr val="000000"/>
                 </a:solidFill>
@@ -17081,7 +17120,7 @@
           </a:p>
           <a:p>
             <a:r>
-              <a:rPr lang="en-US" sz="1400" dirty="0">
+              <a:rPr lang="en-US" sz="1600" dirty="0">
                 <a:solidFill>
                   <a:srgbClr val="000000"/>
                 </a:solidFill>
@@ -17093,7 +17132,7 @@
           </a:p>
           <a:p>
             <a:r>
-              <a:rPr lang="en-US" sz="1400" dirty="0">
+              <a:rPr lang="en-US" sz="1600" dirty="0">
                 <a:solidFill>
                   <a:srgbClr val="000000"/>
                 </a:solidFill>
@@ -17105,7 +17144,7 @@
           </a:p>
           <a:p>
             <a:r>
-              <a:rPr lang="en-US" sz="1400" dirty="0">
+              <a:rPr lang="en-US" sz="1600" dirty="0">
                 <a:solidFill>
                   <a:srgbClr val="000000"/>
                 </a:solidFill>
@@ -17117,7 +17156,7 @@
           </a:p>
           <a:p>
             <a:r>
-              <a:rPr lang="en-US" sz="1400" dirty="0">
+              <a:rPr lang="en-US" sz="1600" dirty="0">
                 <a:solidFill>
                   <a:srgbClr val="000000"/>
                 </a:solidFill>
@@ -17241,8 +17280,8 @@
         </p:nvSpPr>
         <p:spPr>
           <a:xfrm>
-            <a:off x="603979" y="1360706"/>
-            <a:ext cx="8082821" cy="4278094"/>
+            <a:off x="342900" y="1219200"/>
+            <a:ext cx="8458200" cy="4832092"/>
           </a:xfrm>
           <a:prstGeom prst="rect">
             <a:avLst/>
@@ -17255,7 +17294,7 @@
           <a:lstStyle/>
           <a:p>
             <a:r>
-              <a:rPr lang="en-US" sz="1400" dirty="0">
+              <a:rPr lang="en-US" sz="1600" dirty="0">
                 <a:solidFill>
                   <a:srgbClr val="000000"/>
                 </a:solidFill>
@@ -17267,7 +17306,7 @@
           </a:p>
           <a:p>
             <a:r>
-              <a:rPr lang="en-US" sz="1400" dirty="0">
+              <a:rPr lang="en-US" sz="1600" dirty="0">
                 <a:solidFill>
                   <a:srgbClr val="000000"/>
                 </a:solidFill>
@@ -17279,7 +17318,7 @@
           </a:p>
           <a:p>
             <a:r>
-              <a:rPr lang="en-US" sz="1400" dirty="0">
+              <a:rPr lang="en-US" sz="1600" dirty="0">
                 <a:solidFill>
                   <a:srgbClr val="000000"/>
                 </a:solidFill>
@@ -17291,7 +17330,7 @@
           </a:p>
           <a:p>
             <a:r>
-              <a:rPr lang="en-US" sz="1400" dirty="0">
+              <a:rPr lang="en-US" sz="1600" dirty="0">
                 <a:solidFill>
                   <a:srgbClr val="000000"/>
                 </a:solidFill>
@@ -17303,7 +17342,7 @@
           </a:p>
           <a:p>
             <a:r>
-              <a:rPr lang="en-US" sz="1400" dirty="0">
+              <a:rPr lang="en-US" sz="1600" dirty="0">
                 <a:solidFill>
                   <a:srgbClr val="000000"/>
                 </a:solidFill>
@@ -17315,7 +17354,7 @@
           </a:p>
           <a:p>
             <a:r>
-              <a:rPr lang="en-US" sz="1400" dirty="0">
+              <a:rPr lang="en-US" sz="1600" dirty="0">
                 <a:solidFill>
                   <a:srgbClr val="000000"/>
                 </a:solidFill>
@@ -17325,7 +17364,7 @@
               <a:t>seed: 56580a6f33dffb67271838514b72609d292960989636c17b593018764b2c3caf36ebf42e</a:t>
             </a:r>
             <a:br>
-              <a:rPr lang="en-US" sz="1400" dirty="0">
+              <a:rPr lang="en-US" sz="1600" dirty="0">
                 <a:solidFill>
                   <a:srgbClr val="000000"/>
                 </a:solidFill>
@@ -17333,7 +17372,7 @@
                 <a:cs typeface="Calibri" panose="020F0502020204030204" pitchFamily="34" charset="0"/>
               </a:rPr>
             </a:br>
-            <a:endParaRPr lang="en-US" sz="1400" dirty="0">
+            <a:endParaRPr lang="en-US" sz="1600" dirty="0">
               <a:solidFill>
                 <a:srgbClr val="000000"/>
               </a:solidFill>
@@ -17343,7 +17382,7 @@
           </a:p>
           <a:p>
             <a:r>
-              <a:rPr lang="en-US" sz="1400" dirty="0">
+              <a:rPr lang="en-US" sz="1600" dirty="0">
                 <a:solidFill>
                   <a:srgbClr val="000000"/>
                 </a:solidFill>
@@ -17355,7 +17394,7 @@
           </a:p>
           <a:p>
             <a:r>
-              <a:rPr lang="en-US" sz="1400" dirty="0">
+              <a:rPr lang="en-US" sz="1600" dirty="0">
                 <a:solidFill>
                   <a:srgbClr val="000000"/>
                 </a:solidFill>
@@ -17367,7 +17406,7 @@
           </a:p>
           <a:p>
             <a:r>
-              <a:rPr lang="en-US" sz="1400" dirty="0">
+              <a:rPr lang="en-US" sz="1600" dirty="0">
                 <a:solidFill>
                   <a:srgbClr val="000000"/>
                 </a:solidFill>
@@ -17379,7 +17418,7 @@
           </a:p>
           <a:p>
             <a:r>
-              <a:rPr lang="en-US" sz="1400" dirty="0">
+              <a:rPr lang="en-US" sz="1600" dirty="0">
                 <a:solidFill>
                   <a:srgbClr val="000000"/>
                 </a:solidFill>
@@ -17391,7 +17430,7 @@
           </a:p>
           <a:p>
             <a:r>
-              <a:rPr lang="en-US" sz="1400" dirty="0">
+              <a:rPr lang="en-US" sz="1600" dirty="0">
                 <a:solidFill>
                   <a:srgbClr val="000000"/>
                 </a:solidFill>
@@ -17403,7 +17442,7 @@
           </a:p>
           <a:p>
             <a:r>
-              <a:rPr lang="en-US" sz="1400" dirty="0">
+              <a:rPr lang="en-US" sz="1600" dirty="0">
                 <a:solidFill>
                   <a:srgbClr val="000000"/>
                 </a:solidFill>
@@ -17415,7 +17454,7 @@
           </a:p>
           <a:p>
             <a:r>
-              <a:rPr lang="en-US" sz="1400" dirty="0">
+              <a:rPr lang="en-US" sz="1600" dirty="0">
                 <a:solidFill>
                   <a:srgbClr val="000000"/>
                 </a:solidFill>
@@ -17427,7 +17466,7 @@
           </a:p>
           <a:p>
             <a:r>
-              <a:rPr lang="en-US" sz="1400" dirty="0">
+              <a:rPr lang="en-US" sz="1600" dirty="0">
                 <a:solidFill>
                   <a:srgbClr val="000000"/>
                 </a:solidFill>
@@ -17439,7 +17478,7 @@
           </a:p>
           <a:p>
             <a:r>
-              <a:rPr lang="en-US" sz="1400" dirty="0">
+              <a:rPr lang="en-US" sz="1600" dirty="0">
                 <a:solidFill>
                   <a:srgbClr val="000000"/>
                 </a:solidFill>
@@ -17451,7 +17490,7 @@
           </a:p>
           <a:p>
             <a:r>
-              <a:rPr lang="en-US" sz="1400" dirty="0">
+              <a:rPr lang="en-US" sz="1600" dirty="0">
                 <a:solidFill>
                   <a:srgbClr val="000000"/>
                 </a:solidFill>
@@ -17463,7 +17502,7 @@
           </a:p>
           <a:p>
             <a:r>
-              <a:rPr lang="en-US" sz="1400" dirty="0">
+              <a:rPr lang="en-US" sz="1600" dirty="0">
                 <a:solidFill>
                   <a:srgbClr val="000000"/>
                 </a:solidFill>
@@ -17568,7 +17607,7 @@
               <a:rPr lang="en-US" sz="2000" dirty="0">
                 <a:latin typeface="Calibri" panose="020F0502020204030204" pitchFamily="34" charset="0"/>
               </a:rPr>
-              <a:t>Used five different blocks including two from Mueller</a:t>
+              <a:t>Used five different blocks for jitter including two from Mueller</a:t>
             </a:r>
           </a:p>
           <a:p>
@@ -17581,7 +17620,7 @@
               <a:rPr lang="en-US" sz="2000" dirty="0">
                 <a:latin typeface="Calibri" panose="020F0502020204030204" pitchFamily="34" charset="0"/>
               </a:rPr>
-              <a:t>For each 8-bit (as required by NIST) noise sample, the  estimated entropy varied from 1 bit/sample to over 4 bits/sample</a:t>
+              <a:t>For each 8-bit (as required by NIST) noise sample, the estimated entropy varied from 1 bit/sample to over 4 bits/sample over the jitter blocks</a:t>
             </a:r>
           </a:p>
           <a:p>
@@ -18187,8 +18226,8 @@
         </p:nvSpPr>
         <p:spPr>
           <a:xfrm>
-            <a:off x="228600" y="1600200"/>
-            <a:ext cx="8686800" cy="4404360"/>
+            <a:off x="533400" y="1676400"/>
+            <a:ext cx="8229600" cy="4404360"/>
           </a:xfrm>
         </p:spPr>
         <p:txBody>
@@ -18536,8 +18575,8 @@
         </p:blipFill>
         <p:spPr>
           <a:xfrm>
-            <a:off x="457200" y="1447800"/>
-            <a:ext cx="8458200" cy="4419599"/>
+            <a:off x="557151" y="1752600"/>
+            <a:ext cx="7848600" cy="4190999"/>
           </a:xfrm>
           <a:prstGeom prst="rect">
             <a:avLst/>
@@ -18872,8 +18911,8 @@
         </p:nvSpPr>
         <p:spPr>
           <a:xfrm>
-            <a:off x="228600" y="1904999"/>
-            <a:ext cx="8686800" cy="3850037"/>
+            <a:off x="609600" y="1905000"/>
+            <a:ext cx="8153400" cy="3773836"/>
           </a:xfrm>
         </p:spPr>
         <p:txBody>
@@ -19202,8 +19241,8 @@
         </p:blipFill>
         <p:spPr>
           <a:xfrm>
-            <a:off x="304800" y="1371600"/>
-            <a:ext cx="8839199" cy="4495800"/>
+            <a:off x="533401" y="1828800"/>
+            <a:ext cx="7924799" cy="4038600"/>
           </a:xfrm>
           <a:prstGeom prst="rect">
             <a:avLst/>
@@ -19280,7 +19319,7 @@
         </p:nvSpPr>
         <p:spPr>
           <a:xfrm>
-            <a:off x="609600" y="1676400"/>
+            <a:off x="609600" y="1828800"/>
             <a:ext cx="8229600" cy="4404360"/>
           </a:xfrm>
         </p:spPr>
@@ -19660,8 +19699,8 @@
         </p:blipFill>
         <p:spPr bwMode="auto">
           <a:xfrm>
-            <a:off x="533400" y="1447800"/>
-            <a:ext cx="7620000" cy="4969565"/>
+            <a:off x="1066800" y="1447800"/>
+            <a:ext cx="6781800" cy="4422913"/>
           </a:xfrm>
           <a:prstGeom prst="rect">
             <a:avLst/>
@@ -19748,8 +19787,8 @@
         </p:nvSpPr>
         <p:spPr>
           <a:xfrm>
-            <a:off x="228600" y="1828800"/>
-            <a:ext cx="8458200" cy="4175760"/>
+            <a:off x="571500" y="1981200"/>
+            <a:ext cx="8001000" cy="4023360"/>
           </a:xfrm>
         </p:spPr>
         <p:txBody>
@@ -20097,8 +20136,8 @@
         </p:blipFill>
         <p:spPr>
           <a:xfrm>
-            <a:off x="0" y="1295400"/>
-            <a:ext cx="8458200" cy="4724399"/>
+            <a:off x="681842" y="1600200"/>
+            <a:ext cx="7772400" cy="4267199"/>
           </a:xfrm>
           <a:prstGeom prst="rect">
             <a:avLst/>
@@ -20175,8 +20214,8 @@
         </p:nvSpPr>
         <p:spPr>
           <a:xfrm>
-            <a:off x="228600" y="1905000"/>
-            <a:ext cx="8686800" cy="4099560"/>
+            <a:off x="228600" y="2133600"/>
+            <a:ext cx="8382000" cy="3870960"/>
           </a:xfrm>
         </p:spPr>
         <p:txBody>
@@ -20192,7 +20231,7 @@
               <a:rPr lang="en-US" sz="2000" dirty="0">
                 <a:latin typeface="Calibri" panose="020F0502020204030204" pitchFamily="34" charset="0"/>
               </a:rPr>
-              <a:t>Work out hardware model in detail including.</a:t>
+              <a:t>Work out hardware model in detail.</a:t>
             </a:r>
           </a:p>
           <a:p>
@@ -20346,8 +20385,8 @@
         </p:nvSpPr>
         <p:spPr>
           <a:xfrm>
-            <a:off x="228600" y="1524000"/>
-            <a:ext cx="8686800" cy="4724400"/>
+            <a:off x="457200" y="1676400"/>
+            <a:ext cx="8229600" cy="4648200"/>
           </a:xfrm>
         </p:spPr>
         <p:txBody>

--- a/BerkeleyClass/CS290Spring2013/Lectures/entropy_talk.pptx
+++ b/BerkeleyClass/CS290Spring2013/Lectures/entropy_talk.pptx
@@ -10080,8 +10080,8 @@
           </a:p>
         </p:txBody>
       </p:sp>
-      <mc:AlternateContent xmlns:mc="http://schemas.openxmlformats.org/markup-compatibility/2006">
-        <mc:Choice xmlns:a14="http://schemas.microsoft.com/office/drawing/2010/main" Requires="a14">
+      <mc:AlternateContent xmlns:mc="http://schemas.openxmlformats.org/markup-compatibility/2006" xmlns:a14="http://schemas.microsoft.com/office/drawing/2010/main">
+        <mc:Choice Requires="a14">
           <p:sp>
             <p:nvSpPr>
               <p:cNvPr id="24581" name="Rectangle 3"/>
@@ -10385,7 +10385,7 @@
             </p:txBody>
           </p:sp>
         </mc:Choice>
-        <mc:Fallback>
+        <mc:Fallback xmlns="">
           <p:sp>
             <p:nvSpPr>
               <p:cNvPr id="24581" name="Rectangle 3"/>
@@ -10510,8 +10510,8 @@
           </a:p>
         </p:txBody>
       </p:sp>
-      <mc:AlternateContent xmlns:mc="http://schemas.openxmlformats.org/markup-compatibility/2006">
-        <mc:Choice xmlns:a14="http://schemas.microsoft.com/office/drawing/2010/main" Requires="a14">
+      <mc:AlternateContent xmlns:mc="http://schemas.openxmlformats.org/markup-compatibility/2006" xmlns:a14="http://schemas.microsoft.com/office/drawing/2010/main">
+        <mc:Choice Requires="a14">
           <p:sp>
             <p:nvSpPr>
               <p:cNvPr id="24581" name="Rectangle 3"/>
@@ -11334,7 +11334,7 @@
             </p:txBody>
           </p:sp>
         </mc:Choice>
-        <mc:Fallback>
+        <mc:Fallback xmlns="">
           <p:sp>
             <p:nvSpPr>
               <p:cNvPr id="24581" name="Rectangle 3"/>
@@ -11459,8 +11459,8 @@
           </a:p>
         </p:txBody>
       </p:sp>
-      <mc:AlternateContent xmlns:mc="http://schemas.openxmlformats.org/markup-compatibility/2006">
-        <mc:Choice xmlns:a14="http://schemas.microsoft.com/office/drawing/2010/main" Requires="a14">
+      <mc:AlternateContent xmlns:mc="http://schemas.openxmlformats.org/markup-compatibility/2006" xmlns:a14="http://schemas.microsoft.com/office/drawing/2010/main">
+        <mc:Choice Requires="a14">
           <p:sp>
             <p:nvSpPr>
               <p:cNvPr id="23557" name="Rectangle 3"/>
@@ -12415,7 +12415,7 @@
             </p:txBody>
           </p:sp>
         </mc:Choice>
-        <mc:Fallback>
+        <mc:Fallback xmlns="">
           <p:sp>
             <p:nvSpPr>
               <p:cNvPr id="23557" name="Rectangle 3"/>
@@ -12549,8 +12549,8 @@
             </p:nvSpPr>
             <p:spPr>
               <a:xfrm>
-                <a:off x="419100" y="1447800"/>
-                <a:ext cx="8420100" cy="5036127"/>
+                <a:off x="654133" y="1439883"/>
+                <a:ext cx="8032173" cy="5036127"/>
               </a:xfrm>
             </p:spPr>
             <p:txBody>
@@ -13321,13 +13321,7 @@
                       <a:rPr lang="en-US" sz="2000" b="0" i="1" smtClean="0">
                         <a:latin typeface="Cambria Math" panose="02040503050406030204" pitchFamily="18" charset="0"/>
                       </a:rPr>
-                      <m:t>, </m:t>
-                    </m:r>
-                    <m:r>
-                      <a:rPr lang="en-US" sz="2000" b="0" i="1" smtClean="0">
-                        <a:latin typeface="Cambria Math" panose="02040503050406030204" pitchFamily="18" charset="0"/>
-                      </a:rPr>
-                      <m:t> </m:t>
+                      <m:t>,  </m:t>
                     </m:r>
                     <m:r>
                       <a:rPr lang="en-US" sz="2000" b="0" i="1" smtClean="0">
@@ -13817,13 +13811,13 @@
             </p:nvSpPr>
             <p:spPr>
               <a:xfrm>
-                <a:off x="419100" y="1447800"/>
-                <a:ext cx="8420100" cy="5036127"/>
+                <a:off x="654133" y="1439883"/>
+                <a:ext cx="8032173" cy="5036127"/>
               </a:xfrm>
               <a:blipFill>
                 <a:blip r:embed="rId3"/>
                 <a:stretch>
-                  <a:fillRect l="-754" t="-9068" r="-1357"/>
+                  <a:fillRect l="-632" t="-9068" r="-316"/>
                 </a:stretch>
               </a:blipFill>
             </p:spPr>
@@ -14117,8 +14111,8 @@
         </p:blipFill>
         <p:spPr bwMode="auto">
           <a:xfrm>
-            <a:off x="4335516" y="3048000"/>
-            <a:ext cx="4808484" cy="3429000"/>
+            <a:off x="4542299" y="3276600"/>
+            <a:ext cx="4594774" cy="3276600"/>
           </a:xfrm>
           <a:prstGeom prst="rect">
             <a:avLst/>
@@ -14582,8 +14576,8 @@
         </p:nvSpPr>
         <p:spPr>
           <a:xfrm>
-            <a:off x="228600" y="1676400"/>
-            <a:ext cx="8686800" cy="4724400"/>
+            <a:off x="495300" y="1600200"/>
+            <a:ext cx="8153400" cy="4800600"/>
           </a:xfrm>
         </p:spPr>
         <p:txBody>
@@ -14854,7 +14848,7 @@
             </a:pPr>
             <a:r>
               <a:rPr lang="en-US" sz="2000" dirty="0"/>
-              <a:t>2016:  People who don’t have a good probability model for their noise sources don’t have entropy</a:t>
+              <a:t>2016:  People who don’t have a good probability model for their noise sources, don’t have entropy</a:t>
             </a:r>
           </a:p>
           <a:p>
@@ -14865,7 +14859,7 @@
             </a:pPr>
             <a:r>
               <a:rPr lang="en-US" sz="1800" dirty="0"/>
-              <a:t>Let’s use hardware as a model, they have distributions</a:t>
+              <a:t>Let’s use hardware as a model, hardware sources have distributions</a:t>
             </a:r>
           </a:p>
           <a:p>
@@ -14898,7 +14892,15 @@
             </a:pPr>
             <a:r>
               <a:rPr lang="en-US" sz="1800" dirty="0"/>
-              <a:t>Hey, should software entropy have more lax standards? [No!]</a:t>
+              <a:t>Hey, should software entropy have more lax standards? </a:t>
+            </a:r>
+            <a:r>
+              <a:rPr lang="en-US" sz="1800" dirty="0">
+                <a:solidFill>
+                  <a:srgbClr val="FF0000"/>
+                </a:solidFill>
+              </a:rPr>
+              <a:t>[No!]</a:t>
             </a:r>
           </a:p>
           <a:p>
@@ -15059,7 +15061,7 @@
         </p:nvSpPr>
         <p:spPr>
           <a:xfrm>
-            <a:off x="228600" y="1295400"/>
+            <a:off x="228600" y="1219200"/>
             <a:ext cx="8686800" cy="4724400"/>
           </a:xfrm>
         </p:spPr>
@@ -15111,6 +15113,14 @@
             </a:r>
           </a:p>
           <a:p>
+            <a:pPr lvl="1">
+              <a:lnSpc>
+                <a:spcPct val="90000"/>
+              </a:lnSpc>
+            </a:pPr>
+            <a:endParaRPr lang="en-US" sz="2000" dirty="0"/>
+          </a:p>
+          <a:p>
             <a:pPr>
               <a:lnSpc>
                 <a:spcPct val="90000"/>
@@ -15128,23 +15138,23 @@
               </a:lnSpc>
             </a:pPr>
             <a:r>
-              <a:rPr lang="en-US" sz="2000" dirty="0"/>
+              <a:rPr lang="en-US" sz="1800" dirty="0"/>
               <a:t>B. </a:t>
             </a:r>
             <a:r>
-              <a:rPr lang="en-US" sz="2000" dirty="0" err="1"/>
+              <a:rPr lang="en-US" sz="1800" dirty="0" err="1"/>
               <a:t>Sunar</a:t>
             </a:r>
             <a:r>
-              <a:rPr lang="en-US" sz="2000" dirty="0"/>
+              <a:rPr lang="en-US" sz="1800" dirty="0"/>
               <a:t>, W. J. Martin, D. R. Stinson, </a:t>
             </a:r>
             <a:r>
-              <a:rPr lang="en-US" sz="2000" i="1" dirty="0"/>
+              <a:rPr lang="en-US" sz="1800" i="1" dirty="0"/>
               <a:t>A Provably Secure True Random Number Generator with Built-in Tolerance to Active Attacks </a:t>
             </a:r>
             <a:r>
-              <a:rPr lang="en-US" sz="2000" dirty="0"/>
+              <a:rPr lang="en-US" sz="1800" dirty="0"/>
               <a:t>IEEE.  Mostly HW focused.</a:t>
             </a:r>
           </a:p>
@@ -15155,7 +15165,7 @@
               </a:lnSpc>
             </a:pPr>
             <a:r>
-              <a:rPr lang="en-US" sz="2000" dirty="0"/>
+              <a:rPr lang="en-US" sz="1800" dirty="0"/>
               <a:t>Stinson part 2:  What about software based on predicting execution time on modern processor? </a:t>
             </a:r>
           </a:p>
@@ -15166,43 +15176,43 @@
               </a:lnSpc>
             </a:pPr>
             <a:r>
-              <a:rPr lang="en-US" sz="2000" dirty="0"/>
+              <a:rPr lang="en-US" sz="1800" dirty="0"/>
               <a:t>Works on small processors too: Keaton Mowery, Michael Wei, David </a:t>
             </a:r>
             <a:r>
-              <a:rPr lang="en-US" sz="2000" dirty="0" err="1"/>
+              <a:rPr lang="en-US" sz="1800" dirty="0" err="1"/>
               <a:t>Kohlbrenner</a:t>
             </a:r>
             <a:r>
-              <a:rPr lang="en-US" sz="2000" dirty="0"/>
+              <a:rPr lang="en-US" sz="1800" dirty="0"/>
               <a:t>, </a:t>
             </a:r>
             <a:r>
-              <a:rPr lang="en-US" sz="2000" dirty="0" err="1"/>
+              <a:rPr lang="en-US" sz="1800" dirty="0" err="1"/>
               <a:t>Hovav</a:t>
             </a:r>
             <a:r>
-              <a:rPr lang="en-US" sz="2000" dirty="0"/>
+              <a:rPr lang="en-US" sz="1800" dirty="0"/>
               <a:t> </a:t>
             </a:r>
             <a:r>
-              <a:rPr lang="en-US" sz="2000" dirty="0" err="1"/>
+              <a:rPr lang="en-US" sz="1800" dirty="0" err="1"/>
               <a:t>Shacham</a:t>
             </a:r>
             <a:r>
-              <a:rPr lang="en-US" sz="2000" dirty="0"/>
+              <a:rPr lang="en-US" sz="1800" dirty="0"/>
               <a:t>, and Steven Swanson, </a:t>
             </a:r>
             <a:r>
-              <a:rPr lang="en-US" sz="2000" i="1" dirty="0"/>
+              <a:rPr lang="en-US" sz="1800" i="1" dirty="0"/>
               <a:t>Welcome to the </a:t>
             </a:r>
             <a:r>
-              <a:rPr lang="en-US" sz="2000" i="1" dirty="0" err="1"/>
+              <a:rPr lang="en-US" sz="1800" i="1" dirty="0" err="1"/>
               <a:t>Entropics</a:t>
             </a:r>
             <a:r>
-              <a:rPr lang="en-US" sz="2000" i="1" dirty="0"/>
+              <a:rPr lang="en-US" sz="1800" i="1" dirty="0"/>
               <a:t>: Boot-Time Entropy in Embedded Devices</a:t>
             </a:r>
           </a:p>
@@ -15213,11 +15223,11 @@
               </a:lnSpc>
             </a:pPr>
             <a:r>
-              <a:rPr lang="en-US" sz="2000" dirty="0"/>
+              <a:rPr lang="en-US" sz="1800" dirty="0"/>
               <a:t>Mueller, </a:t>
             </a:r>
             <a:r>
-              <a:rPr lang="en-US" sz="2000" i="1" dirty="0"/>
+              <a:rPr lang="en-US" sz="1800" i="1" dirty="0"/>
               <a:t>CPU Time Jitter Based Non-Physical True Random Number Generator </a:t>
             </a:r>
           </a:p>
@@ -15228,9 +15238,10 @@
               </a:lnSpc>
             </a:pPr>
             <a:r>
-              <a:rPr lang="en-US" sz="2000" dirty="0"/>
+              <a:rPr lang="en-US" sz="1800" dirty="0"/>
               <a:t>There’s lots more</a:t>
             </a:r>
+            <a:endParaRPr lang="en-US" sz="2000" dirty="0"/>
           </a:p>
         </p:txBody>
       </p:sp>
@@ -15321,8 +15332,8 @@
           </a:p>
         </p:txBody>
       </p:sp>
-      <mc:AlternateContent xmlns:mc="http://schemas.openxmlformats.org/markup-compatibility/2006">
-        <mc:Choice xmlns:a14="http://schemas.microsoft.com/office/drawing/2010/main" Requires="a14">
+      <mc:AlternateContent xmlns:mc="http://schemas.openxmlformats.org/markup-compatibility/2006" xmlns:a14="http://schemas.microsoft.com/office/drawing/2010/main">
+        <mc:Choice Requires="a14">
           <p:sp>
             <p:nvSpPr>
               <p:cNvPr id="23557" name="Rectangle 3"/>
@@ -15658,7 +15669,7 @@
             </p:txBody>
           </p:sp>
         </mc:Choice>
-        <mc:Fallback>
+        <mc:Fallback xmlns="">
           <p:sp>
             <p:nvSpPr>
               <p:cNvPr id="23557" name="Rectangle 3"/>
@@ -15797,7 +15808,7 @@
             </p:nvSpPr>
             <p:spPr>
               <a:xfrm>
-                <a:off x="342900" y="2050473"/>
+                <a:off x="342900" y="2279073"/>
                 <a:ext cx="8420100" cy="3512127"/>
               </a:xfrm>
             </p:spPr>
@@ -16049,7 +16060,7 @@
             </p:nvSpPr>
             <p:spPr>
               <a:xfrm>
-                <a:off x="342900" y="2050473"/>
+                <a:off x="342900" y="2279073"/>
                 <a:ext cx="8420100" cy="3512127"/>
               </a:xfrm>
               <a:blipFill>
@@ -16262,8 +16273,8 @@
         </p:nvSpPr>
         <p:spPr>
           <a:xfrm>
-            <a:off x="228600" y="1676400"/>
-            <a:ext cx="8686800" cy="4724400"/>
+            <a:off x="419100" y="1549730"/>
+            <a:ext cx="8305800" cy="4724400"/>
           </a:xfrm>
         </p:spPr>
         <p:txBody>
@@ -16272,7 +16283,7 @@
           <a:p>
             <a:r>
               <a:rPr lang="en-US" sz="2000" dirty="0"/>
-              <a:t>CPU instruction pipelines fill level affects execution time of an instruction. These pipelines therefore add to the CPU execution jitter. </a:t>
+              <a:t>CPU instruction pipelines fill level affects execution time of an instruction. These pipelines add to execution jitter. </a:t>
             </a:r>
           </a:p>
           <a:p>
@@ -16394,7 +16405,7 @@
         </p:nvSpPr>
         <p:spPr>
           <a:xfrm>
-            <a:off x="685800" y="228600"/>
+            <a:off x="685800" y="0"/>
             <a:ext cx="7772400" cy="838200"/>
           </a:xfrm>
         </p:spPr>
@@ -16421,8 +16432,8 @@
         </p:nvSpPr>
         <p:spPr>
           <a:xfrm>
-            <a:off x="228600" y="1524000"/>
-            <a:ext cx="8686800" cy="4724400"/>
+            <a:off x="682831" y="1676399"/>
+            <a:ext cx="7851569" cy="4555177"/>
           </a:xfrm>
         </p:spPr>
         <p:txBody>
@@ -16567,7 +16578,7 @@
         </p:nvSpPr>
         <p:spPr>
           <a:xfrm>
-            <a:off x="672353" y="51099"/>
+            <a:off x="672353" y="152400"/>
             <a:ext cx="7772400" cy="838200"/>
           </a:xfrm>
         </p:spPr>
@@ -16594,8 +16605,8 @@
         </p:nvSpPr>
         <p:spPr>
           <a:xfrm>
-            <a:off x="228600" y="1447800"/>
-            <a:ext cx="8686800" cy="4556760"/>
+            <a:off x="519953" y="1600200"/>
+            <a:ext cx="7924800" cy="4495800"/>
           </a:xfrm>
         </p:spPr>
         <p:txBody>
@@ -16609,7 +16620,15 @@
             </a:pPr>
             <a:r>
               <a:rPr lang="en-US" sz="2000" dirty="0"/>
-              <a:t>I built a fully NIST compliant in my existing open source crypto project (which I use for teaching) with justified HW and SW entropy in about three weekends</a:t>
+              <a:t>I built a fully NIST compliant in my </a:t>
+            </a:r>
+            <a:r>
+              <a:rPr lang="en-US" sz="2000"/>
+              <a:t>existing open-source </a:t>
+            </a:r>
+            <a:r>
+              <a:rPr lang="en-US" sz="2000" dirty="0"/>
+              <a:t>crypto project (which I use for teaching) with justified HW and SW entropy in about three weekends</a:t>
             </a:r>
           </a:p>
           <a:p>
@@ -17590,8 +17609,8 @@
         </p:nvSpPr>
         <p:spPr>
           <a:xfrm>
-            <a:off x="228600" y="1828800"/>
-            <a:ext cx="8686800" cy="4175760"/>
+            <a:off x="720436" y="1905000"/>
+            <a:ext cx="7772400" cy="4099560"/>
           </a:xfrm>
         </p:spPr>
         <p:txBody>
@@ -17605,7 +17624,8 @@
             </a:pPr>
             <a:r>
               <a:rPr lang="en-US" sz="2000" dirty="0">
-                <a:latin typeface="Calibri" panose="020F0502020204030204" pitchFamily="34" charset="0"/>
+                <a:latin typeface="Arial" panose="020B0604020202020204" pitchFamily="34" charset="0"/>
+                <a:cs typeface="Arial" panose="020B0604020202020204" pitchFamily="34" charset="0"/>
               </a:rPr>
               <a:t>Used five different blocks for jitter including two from Mueller</a:t>
             </a:r>
@@ -17618,7 +17638,8 @@
             </a:pPr>
             <a:r>
               <a:rPr lang="en-US" sz="2000" dirty="0">
-                <a:latin typeface="Calibri" panose="020F0502020204030204" pitchFamily="34" charset="0"/>
+                <a:latin typeface="Arial" panose="020B0604020202020204" pitchFamily="34" charset="0"/>
+                <a:cs typeface="Arial" panose="020B0604020202020204" pitchFamily="34" charset="0"/>
               </a:rPr>
               <a:t>For each 8-bit (as required by NIST) noise sample, the estimated entropy varied from 1 bit/sample to over 4 bits/sample over the jitter blocks</a:t>
             </a:r>
@@ -17631,7 +17652,8 @@
             </a:pPr>
             <a:r>
               <a:rPr lang="en-US" sz="2000" dirty="0">
-                <a:latin typeface="Calibri" panose="020F0502020204030204" pitchFamily="34" charset="0"/>
+                <a:latin typeface="Arial" panose="020B0604020202020204" pitchFamily="34" charset="0"/>
+                <a:cs typeface="Arial" panose="020B0604020202020204" pitchFamily="34" charset="0"/>
               </a:rPr>
               <a:t>By contrast, interrupt samples are estimated (in a way that does not comply with 800-90B) at tenths of bits per sample</a:t>
             </a:r>
@@ -17644,7 +17666,8 @@
             </a:pPr>
             <a:r>
               <a:rPr lang="en-US" sz="2000" dirty="0">
-                <a:latin typeface="Calibri" panose="020F0502020204030204" pitchFamily="34" charset="0"/>
+                <a:latin typeface="Arial" panose="020B0604020202020204" pitchFamily="34" charset="0"/>
+                <a:cs typeface="Arial" panose="020B0604020202020204" pitchFamily="34" charset="0"/>
               </a:rPr>
               <a:t>Jitter gives amazingly high rate (This is why Linux and Apple adopted it especially for boot entropy)</a:t>
             </a:r>
@@ -17657,7 +17680,8 @@
             </a:pPr>
             <a:r>
               <a:rPr lang="en-US" sz="2000" dirty="0">
-                <a:latin typeface="Calibri" panose="020F0502020204030204" pitchFamily="34" charset="0"/>
+                <a:latin typeface="Arial" panose="020B0604020202020204" pitchFamily="34" charset="0"/>
+                <a:cs typeface="Arial" panose="020B0604020202020204" pitchFamily="34" charset="0"/>
               </a:rPr>
               <a:t>Can’t be tampered with by adversary</a:t>
             </a:r>
@@ -17670,7 +17694,8 @@
             </a:pPr>
             <a:r>
               <a:rPr lang="en-US" sz="2000" dirty="0">
-                <a:latin typeface="Calibri" panose="020F0502020204030204" pitchFamily="34" charset="0"/>
+                <a:latin typeface="Arial" panose="020B0604020202020204" pitchFamily="34" charset="0"/>
+                <a:cs typeface="Arial" panose="020B0604020202020204" pitchFamily="34" charset="0"/>
               </a:rPr>
               <a:t>Most important: Can be analyzed and justified.</a:t>
             </a:r>
@@ -17683,7 +17708,8 @@
             </a:pPr>
             <a:r>
               <a:rPr lang="en-US" sz="2000" dirty="0">
-                <a:latin typeface="Calibri" panose="020F0502020204030204" pitchFamily="34" charset="0"/>
+                <a:latin typeface="Arial" panose="020B0604020202020204" pitchFamily="34" charset="0"/>
+                <a:cs typeface="Arial" panose="020B0604020202020204" pitchFamily="34" charset="0"/>
               </a:rPr>
               <a:t>Isn’t this just an academic concern?</a:t>
             </a:r>
@@ -17696,7 +17722,8 @@
             </a:pPr>
             <a:r>
               <a:rPr lang="en-US" sz="2000" dirty="0">
-                <a:latin typeface="Calibri" panose="020F0502020204030204" pitchFamily="34" charset="0"/>
+                <a:latin typeface="Arial" panose="020B0604020202020204" pitchFamily="34" charset="0"/>
+                <a:cs typeface="Arial" panose="020B0604020202020204" pitchFamily="34" charset="0"/>
               </a:rPr>
               <a:t>No!</a:t>
             </a:r>
@@ -17802,8 +17829,8 @@
         </p:nvSpPr>
         <p:spPr>
           <a:xfrm>
-            <a:off x="457200" y="1600200"/>
-            <a:ext cx="8229600" cy="4404360"/>
+            <a:off x="714499" y="1676400"/>
+            <a:ext cx="7772400" cy="4328160"/>
           </a:xfrm>
         </p:spPr>
         <p:txBody>
@@ -18226,8 +18253,8 @@
         </p:nvSpPr>
         <p:spPr>
           <a:xfrm>
-            <a:off x="533400" y="1676400"/>
-            <a:ext cx="8229600" cy="4404360"/>
+            <a:off x="838200" y="1676400"/>
+            <a:ext cx="7772400" cy="4404360"/>
           </a:xfrm>
         </p:spPr>
         <p:txBody>
@@ -20214,8 +20241,8 @@
         </p:nvSpPr>
         <p:spPr>
           <a:xfrm>
-            <a:off x="228600" y="2133600"/>
-            <a:ext cx="8382000" cy="3870960"/>
+            <a:off x="457200" y="1905000"/>
+            <a:ext cx="8001000" cy="3870960"/>
           </a:xfrm>
         </p:spPr>
         <p:txBody>
@@ -20229,7 +20256,8 @@
             </a:pPr>
             <a:r>
               <a:rPr lang="en-US" sz="2000" dirty="0">
-                <a:latin typeface="Calibri" panose="020F0502020204030204" pitchFamily="34" charset="0"/>
+                <a:latin typeface="Arial" panose="020B0604020202020204" pitchFamily="34" charset="0"/>
+                <a:cs typeface="Arial" panose="020B0604020202020204" pitchFamily="34" charset="0"/>
               </a:rPr>
               <a:t>Work out hardware model in detail.</a:t>
             </a:r>
@@ -20242,7 +20270,8 @@
             </a:pPr>
             <a:r>
               <a:rPr lang="en-US" sz="2000" dirty="0">
-                <a:latin typeface="Calibri" panose="020F0502020204030204" pitchFamily="34" charset="0"/>
+                <a:latin typeface="Arial" panose="020B0604020202020204" pitchFamily="34" charset="0"/>
+                <a:cs typeface="Arial" panose="020B0604020202020204" pitchFamily="34" charset="0"/>
               </a:rPr>
               <a:t>Combine complicated jitter sources to obtain different distributions (the “mixture problem”)</a:t>
             </a:r>
@@ -20255,7 +20284,8 @@
             </a:pPr>
             <a:r>
               <a:rPr lang="en-US" sz="2000" dirty="0">
-                <a:latin typeface="Calibri" panose="020F0502020204030204" pitchFamily="34" charset="0"/>
+                <a:latin typeface="Arial" panose="020B0604020202020204" pitchFamily="34" charset="0"/>
+                <a:cs typeface="Arial" panose="020B0604020202020204" pitchFamily="34" charset="0"/>
               </a:rPr>
               <a:t>Done completely and accurately, this is interesting research!</a:t>
             </a:r>
@@ -20268,7 +20298,8 @@
             </a:pPr>
             <a:r>
               <a:rPr lang="en-US" sz="2000" dirty="0">
-                <a:latin typeface="Calibri" panose="020F0502020204030204" pitchFamily="34" charset="0"/>
+                <a:latin typeface="Arial" panose="020B0604020202020204" pitchFamily="34" charset="0"/>
+                <a:cs typeface="Arial" panose="020B0604020202020204" pitchFamily="34" charset="0"/>
               </a:rPr>
               <a:t>The level of proof in this presentation is informal or heuristic (which is all NIST demands for now) but NIST will increase level of rigor required.</a:t>
             </a:r>
@@ -20445,7 +20476,7 @@
                 <a:latin typeface="Arial" panose="020B0604020202020204" pitchFamily="34" charset="0"/>
                 <a:cs typeface="Arial" panose="020B0604020202020204" pitchFamily="34" charset="0"/>
               </a:rPr>
-              <a:t>In cryptography, don’t trust anything you can’t quantifiably analyze --- you’re only fooling yourself (and your customers)</a:t>
+              <a:t>In cryptography, don’t trust anything you can’t quantifiably analyze --- you’re only fooling yourself </a:t>
             </a:r>
           </a:p>
           <a:p>
@@ -20454,13 +20485,10 @@
                 <a:spcPct val="90000"/>
               </a:lnSpc>
             </a:pPr>
-            <a:r>
-              <a:rPr lang="en-US" sz="2000" dirty="0">
-                <a:latin typeface="Arial" panose="020B0604020202020204" pitchFamily="34" charset="0"/>
-                <a:cs typeface="Arial" panose="020B0604020202020204" pitchFamily="34" charset="0"/>
-              </a:rPr>
-              <a:t>Widely accepted despite initial skepticism: Linux, (some) BSD and Apple versions in use and compliant</a:t>
-            </a:r>
+            <a:endParaRPr lang="en-US" sz="2000" dirty="0">
+              <a:latin typeface="Arial" panose="020B0604020202020204" pitchFamily="34" charset="0"/>
+              <a:cs typeface="Arial" panose="020B0604020202020204" pitchFamily="34" charset="0"/>
+            </a:endParaRPr>
           </a:p>
           <a:p>
             <a:pPr>
@@ -20530,6 +20558,20 @@
                 <a:cs typeface="Arial" panose="020B0604020202020204" pitchFamily="34" charset="0"/>
               </a:rPr>
               <a:t>Works on embedded devices</a:t>
+            </a:r>
+          </a:p>
+          <a:p>
+            <a:pPr lvl="1">
+              <a:lnSpc>
+                <a:spcPct val="90000"/>
+              </a:lnSpc>
+            </a:pPr>
+            <a:r>
+              <a:rPr lang="en-US" sz="2000" dirty="0">
+                <a:latin typeface="Arial" panose="020B0604020202020204" pitchFamily="34" charset="0"/>
+                <a:cs typeface="Arial" panose="020B0604020202020204" pitchFamily="34" charset="0"/>
+              </a:rPr>
+              <a:t>Widely accepted despite initial skepticism: Linux, (some) BSD versions and Apple</a:t>
             </a:r>
           </a:p>
           <a:p>

--- a/BerkeleyClass/CS290Spring2013/Lectures/entropy_talk.pptx
+++ b/BerkeleyClass/CS290Spring2013/Lectures/entropy_talk.pptx
@@ -10079,8 +10079,8 @@
           </a:p>
         </p:txBody>
       </p:sp>
-      <mc:AlternateContent xmlns:mc="http://schemas.openxmlformats.org/markup-compatibility/2006">
-        <mc:Choice xmlns:a14="http://schemas.microsoft.com/office/drawing/2010/main" Requires="a14">
+      <mc:AlternateContent xmlns:mc="http://schemas.openxmlformats.org/markup-compatibility/2006" xmlns:a14="http://schemas.microsoft.com/office/drawing/2010/main">
+        <mc:Choice Requires="a14">
           <p:sp>
             <p:nvSpPr>
               <p:cNvPr id="23557" name="Rectangle 3"/>
@@ -11044,7 +11044,7 @@
             </p:txBody>
           </p:sp>
         </mc:Choice>
-        <mc:Fallback>
+        <mc:Fallback xmlns="">
           <p:sp>
             <p:nvSpPr>
               <p:cNvPr id="23557" name="Rectangle 3"/>
@@ -11164,8 +11164,8 @@
           </a:p>
         </p:txBody>
       </p:sp>
-      <mc:AlternateContent xmlns:mc="http://schemas.openxmlformats.org/markup-compatibility/2006">
-        <mc:Choice xmlns:a14="http://schemas.microsoft.com/office/drawing/2010/main" Requires="a14">
+      <mc:AlternateContent xmlns:mc="http://schemas.openxmlformats.org/markup-compatibility/2006" xmlns:a14="http://schemas.microsoft.com/office/drawing/2010/main">
+        <mc:Choice Requires="a14">
           <p:sp>
             <p:nvSpPr>
               <p:cNvPr id="24581" name="Rectangle 3"/>
@@ -12427,7 +12427,7 @@
             </p:txBody>
           </p:sp>
         </mc:Choice>
-        <mc:Fallback>
+        <mc:Fallback xmlns="">
           <p:sp>
             <p:nvSpPr>
               <p:cNvPr id="24581" name="Rectangle 3"/>
@@ -14876,8 +14876,8 @@
           </a:p>
         </p:txBody>
       </p:sp>
-      <mc:AlternateContent xmlns:mc="http://schemas.openxmlformats.org/markup-compatibility/2006">
-        <mc:Choice xmlns:a14="http://schemas.microsoft.com/office/drawing/2010/main" Requires="a14">
+      <mc:AlternateContent xmlns:mc="http://schemas.openxmlformats.org/markup-compatibility/2006" xmlns:a14="http://schemas.microsoft.com/office/drawing/2010/main">
+        <mc:Choice Requires="a14">
           <p:sp>
             <p:nvSpPr>
               <p:cNvPr id="24581" name="Rectangle 3"/>
@@ -15129,7 +15129,7 @@
             </p:txBody>
           </p:sp>
         </mc:Choice>
-        <mc:Fallback>
+        <mc:Fallback xmlns="">
           <p:sp>
             <p:nvSpPr>
               <p:cNvPr id="24581" name="Rectangle 3"/>
@@ -19163,7 +19163,7 @@
                 <a:latin typeface="Arial" panose="020B0604020202020204" pitchFamily="34" charset="0"/>
                 <a:cs typeface="Arial" panose="020B0604020202020204" pitchFamily="34" charset="0"/>
               </a:rPr>
-              <a:t>The level of proof in this presentation is informal or “heuristic” (which is all NIST demands for now) but NIST will increase level of rigor required.  However, these arguments can be developed to products a full stochastic model NSA would be proud of.</a:t>
+              <a:t>The level of proof in this presentation is informal or “heuristic” (which is all NIST demands for now) but NIST will increase level of rigor required.  However, these arguments can be developed to justify a full stochastic model NSA would be proud of.</a:t>
             </a:r>
           </a:p>
           <a:p>
@@ -20598,8 +20598,8 @@
           </a:p>
         </p:txBody>
       </p:sp>
-      <mc:AlternateContent xmlns:mc="http://schemas.openxmlformats.org/markup-compatibility/2006">
-        <mc:Choice xmlns:a14="http://schemas.microsoft.com/office/drawing/2010/main" Requires="a14">
+      <mc:AlternateContent xmlns:mc="http://schemas.openxmlformats.org/markup-compatibility/2006" xmlns:a14="http://schemas.microsoft.com/office/drawing/2010/main">
+        <mc:Choice Requires="a14">
           <p:sp>
             <p:nvSpPr>
               <p:cNvPr id="24581" name="Rectangle 3"/>
@@ -20920,7 +20920,7 @@
             </p:txBody>
           </p:sp>
         </mc:Choice>
-        <mc:Fallback>
+        <mc:Fallback xmlns="">
           <p:sp>
             <p:nvSpPr>
               <p:cNvPr id="24581" name="Rectangle 3"/>
@@ -21045,8 +21045,8 @@
           </a:p>
         </p:txBody>
       </p:sp>
-      <mc:AlternateContent xmlns:mc="http://schemas.openxmlformats.org/markup-compatibility/2006">
-        <mc:Choice xmlns:a14="http://schemas.microsoft.com/office/drawing/2010/main" Requires="a14">
+      <mc:AlternateContent xmlns:mc="http://schemas.openxmlformats.org/markup-compatibility/2006" xmlns:a14="http://schemas.microsoft.com/office/drawing/2010/main">
+        <mc:Choice Requires="a14">
           <p:sp>
             <p:nvSpPr>
               <p:cNvPr id="24581" name="Rectangle 3"/>
@@ -21893,7 +21893,7 @@
             </p:txBody>
           </p:sp>
         </mc:Choice>
-        <mc:Fallback>
+        <mc:Fallback xmlns="">
           <p:sp>
             <p:nvSpPr>
               <p:cNvPr id="24581" name="Rectangle 3"/>

--- a/BerkeleyClass/CS290Spring2013/Lectures/entropy_talk.pptx
+++ b/BerkeleyClass/CS290Spring2013/Lectures/entropy_talk.pptx
@@ -12581,7 +12581,7 @@
             <a:pPr lvl="1"/>
             <a:r>
               <a:rPr lang="en-US" sz="2000" dirty="0"/>
-              <a:t>Thermodynamics</a:t>
+              <a:t>Thermodynamics (Johnson noise, …)</a:t>
             </a:r>
           </a:p>
           <a:p>
@@ -13279,7 +13279,7 @@
             </a:pPr>
             <a:r>
               <a:rPr lang="en-US" sz="2000" dirty="0"/>
-              <a:t>2016:  People who don’t have a good probability model for their noise sources, don’t have entropy</a:t>
+              <a:t>2016:  People who don’t have a good probability model for their noise sources, don’t have entropy.</a:t>
             </a:r>
           </a:p>
           <a:p>
@@ -13331,7 +13331,7 @@
             </a:pPr>
             <a:r>
               <a:rPr lang="en-US" sz="2000" dirty="0"/>
-              <a:t>2018: No, seriously, you have to justify entropy estimators even for a software noise source, so you need source probability models</a:t>
+              <a:t>2018: No, seriously, you have to justify entropy estimators even for a software noise source, so you need source probability models.</a:t>
             </a:r>
           </a:p>
           <a:p>
@@ -13507,7 +13507,7 @@
             </a:pPr>
             <a:r>
               <a:rPr lang="en-US" sz="2000" dirty="0"/>
-              <a:t>High quality and relatively easy (i.e.- possible) to analyze</a:t>
+              <a:t>High quality and relatively easy (i.e.- possible) to analyze.</a:t>
             </a:r>
           </a:p>
           <a:p>
@@ -13752,8 +13752,8 @@
           </a:p>
         </p:txBody>
       </p:sp>
-      <mc:AlternateContent xmlns:mc="http://schemas.openxmlformats.org/markup-compatibility/2006" xmlns:a14="http://schemas.microsoft.com/office/drawing/2010/main">
-        <mc:Choice Requires="a14">
+      <mc:AlternateContent xmlns:mc="http://schemas.openxmlformats.org/markup-compatibility/2006">
+        <mc:Choice xmlns:a14="http://schemas.microsoft.com/office/drawing/2010/main" Requires="a14">
           <p:sp>
             <p:nvSpPr>
               <p:cNvPr id="23557" name="Rectangle 3"/>
@@ -14018,7 +14018,7 @@
                 </a14:m>
                 <a:r>
                   <a:rPr lang="en-US" sz="2000" dirty="0"/>
-                  <a:t>‘s (usually one byte per sample as specified by NIST 800-90B) are the noise source for constructing a seed</a:t>
+                  <a:t>‘s (usually one byte per sample as specified by NIST 800-90B) are the noise source for constructing a seed.</a:t>
                 </a:r>
               </a:p>
               <a:p>
@@ -14089,7 +14089,7 @@
             </p:txBody>
           </p:sp>
         </mc:Choice>
-        <mc:Fallback xmlns="">
+        <mc:Fallback>
           <p:sp>
             <p:nvSpPr>
               <p:cNvPr id="23557" name="Rectangle 3"/>
@@ -15536,7 +15536,7 @@
             </a:pPr>
             <a:r>
               <a:rPr lang="en-US" sz="2000" dirty="0"/>
-              <a:t>I built a (basically) fully NIST compliant RNG in my existing open-source crypto project (which I use for teaching) with justified HW and SW entropy in about three weekends</a:t>
+              <a:t>I built a (basically) fully NIST compliant RNG in my existing open-source crypto project (which I use for teaching) with justified HW and SW entropy in about three weekends.</a:t>
             </a:r>
           </a:p>
           <a:p>
@@ -15547,7 +15547,7 @@
             </a:pPr>
             <a:r>
               <a:rPr lang="en-US" sz="2000" dirty="0"/>
-              <a:t>Used standard NIST 800-90B certified SHA-256 hash-df based DBRG</a:t>
+              <a:t>Used standard NIST 800-90A certified SHA-256 hash-df based DBRG.</a:t>
             </a:r>
           </a:p>
           <a:p>
@@ -15590,7 +15590,7 @@
             </a:r>
             <a:r>
               <a:rPr lang="en-US" sz="2000" dirty="0"/>
-              <a:t>)</a:t>
+              <a:t>).</a:t>
             </a:r>
           </a:p>
           <a:p>
@@ -16563,7 +16563,7 @@
                 <a:latin typeface="Arial" panose="020B0604020202020204" pitchFamily="34" charset="0"/>
                 <a:cs typeface="Arial" panose="020B0604020202020204" pitchFamily="34" charset="0"/>
               </a:rPr>
-              <a:t>For each 8-bit (as required by NIST) noise sample, the estimated entropy varied from 1 bit/sample to over 4 bits/sample over the jitter blocks</a:t>
+              <a:t>For each 8-bit (as required by NIST) noise sample, the estimated entropy varied from 1.8 bit/sample to over 6 bits/sample (!) over the jitter blocks</a:t>
             </a:r>
           </a:p>
           <a:p>
@@ -16577,21 +16577,7 @@
                 <a:latin typeface="Arial" panose="020B0604020202020204" pitchFamily="34" charset="0"/>
                 <a:cs typeface="Arial" panose="020B0604020202020204" pitchFamily="34" charset="0"/>
               </a:rPr>
-              <a:t>Interrupt samples are estimated (in a way that does not comply with 800-90B) at tenths of bits per sample</a:t>
-            </a:r>
-          </a:p>
-          <a:p>
-            <a:pPr>
-              <a:lnSpc>
-                <a:spcPct val="90000"/>
-              </a:lnSpc>
-            </a:pPr>
-            <a:r>
-              <a:rPr lang="en-US" sz="2000" dirty="0">
-                <a:latin typeface="Arial" panose="020B0604020202020204" pitchFamily="34" charset="0"/>
-                <a:cs typeface="Arial" panose="020B0604020202020204" pitchFamily="34" charset="0"/>
-              </a:rPr>
-              <a:t>Jitter gives amazingly high rate independent of other activity (This is why Linux and Apple adopted it especially for boot entropy)</a:t>
+              <a:t>Jitter gives amazingly high rate independent of other activity (This is why Linux and Apple adopted it especially for boot entropy).  By contrast, interrupt arrival samples are estimated (in a way that does not comply with 800-90B) at tenths of bits per sample</a:t>
             </a:r>
           </a:p>
           <a:p>
@@ -19163,7 +19149,21 @@
                 <a:latin typeface="Arial" panose="020B0604020202020204" pitchFamily="34" charset="0"/>
                 <a:cs typeface="Arial" panose="020B0604020202020204" pitchFamily="34" charset="0"/>
               </a:rPr>
-              <a:t>The level of proof in this presentation is informal or “heuristic” (which is all NIST demands for now) but NIST will increase level of rigor required.  However, these arguments can be developed to justify a full stochastic model NSA would be proud of.</a:t>
+              <a:t>The level of proof in this presentation is informal or “heuristic” (which is all NIST demands for now).</a:t>
+            </a:r>
+          </a:p>
+          <a:p>
+            <a:pPr>
+              <a:lnSpc>
+                <a:spcPct val="90000"/>
+              </a:lnSpc>
+            </a:pPr>
+            <a:r>
+              <a:rPr lang="en-US" sz="2000" dirty="0">
+                <a:latin typeface="Arial" panose="020B0604020202020204" pitchFamily="34" charset="0"/>
+                <a:cs typeface="Arial" panose="020B0604020202020204" pitchFamily="34" charset="0"/>
+              </a:rPr>
+              <a:t>NIST will increase level of rigor required.  However, these arguments can be developed to justify a full stochastic model NSA would be proud of.</a:t>
             </a:r>
           </a:p>
           <a:p>
@@ -19610,7 +19610,7 @@
         <p:spPr>
           <a:xfrm>
             <a:off x="338014" y="1828800"/>
-            <a:ext cx="8348786" cy="4419600"/>
+            <a:ext cx="8348786" cy="4770537"/>
           </a:xfrm>
           <a:prstGeom prst="rect">
             <a:avLst/>
@@ -19658,8 +19658,22 @@
                 <a:latin typeface="+mn-lt"/>
                 <a:cs typeface="Calibri" panose="020F0502020204030204" pitchFamily="34" charset="0"/>
               </a:rPr>
-              <a:t>Entropy Subsystem including characterized noise source, health tests, entropy conditioning.  This is the critical component which prevents adversaries from guessing keys.  The output of this system is a seed containing enough “entropy” (more later) to generate keys</a:t>
-            </a:r>
+              <a:t>Entropy Subsystem including characterized noise source, health </a:t>
+            </a:r>
+            <a:r>
+              <a:rPr lang="en-US" sz="2000" dirty="0">
+                <a:latin typeface="Arial" panose="020B0604020202020204" pitchFamily="34" charset="0"/>
+                <a:cs typeface="Arial" panose="020B0604020202020204" pitchFamily="34" charset="0"/>
+              </a:rPr>
+              <a:t>tests, entropy conditioning.  This is the critical component which prevents adversaries from guessing keys.  The output of this system is a seed containing enough “entropy” (more later) to generate keys. The entropy subsystem (the hard part) is specified in NIST 800-90B.  This is the hard part.</a:t>
+            </a:r>
+          </a:p>
+          <a:p>
+            <a:pPr lvl="1"/>
+            <a:endParaRPr lang="en-US" sz="2000" dirty="0">
+              <a:latin typeface="+mn-lt"/>
+              <a:cs typeface="Calibri" panose="020F0502020204030204" pitchFamily="34" charset="0"/>
+            </a:endParaRPr>
           </a:p>
           <a:p>
             <a:pPr marL="800100" lvl="1" indent="-342900">
@@ -19671,20 +19685,7 @@
                 <a:latin typeface="+mn-lt"/>
                 <a:cs typeface="Calibri" panose="020F0502020204030204" pitchFamily="34" charset="0"/>
               </a:rPr>
-              <a:t>A deterministic random number generator (DRNG).  This takes a seed and safely produces a long sequence of cryptographically secure random numbers.  This is specified in NIST 800-90A</a:t>
-            </a:r>
-          </a:p>
-          <a:p>
-            <a:pPr marL="800100" lvl="1" indent="-342900">
-              <a:buFont typeface="Arial" panose="020B0604020202020204" pitchFamily="34" charset="0"/>
-              <a:buChar char="•"/>
-            </a:pPr>
-            <a:r>
-              <a:rPr lang="en-US" sz="2000" dirty="0">
-                <a:latin typeface="+mn-lt"/>
-                <a:cs typeface="Calibri" panose="020F0502020204030204" pitchFamily="34" charset="0"/>
-              </a:rPr>
-              <a:t>The entropy subsystem (the hard part) is specified in NIST 800-90B.  This is the hard part.</a:t>
+              <a:t>A deterministic random number generator (DRNG).  This takes a seed and safely produces a long sequence of cryptographically secure random numbers.  This is specified in NIST 800-90A.  This is the easy part.</a:t>
             </a:r>
           </a:p>
           <a:p>
@@ -20598,8 +20599,8 @@
           </a:p>
         </p:txBody>
       </p:sp>
-      <mc:AlternateContent xmlns:mc="http://schemas.openxmlformats.org/markup-compatibility/2006" xmlns:a14="http://schemas.microsoft.com/office/drawing/2010/main">
-        <mc:Choice Requires="a14">
+      <mc:AlternateContent xmlns:mc="http://schemas.openxmlformats.org/markup-compatibility/2006">
+        <mc:Choice xmlns:a14="http://schemas.microsoft.com/office/drawing/2010/main" Requires="a14">
           <p:sp>
             <p:nvSpPr>
               <p:cNvPr id="24581" name="Rectangle 3"/>
@@ -20627,7 +20628,7 @@
                 </a:pPr>
                 <a:r>
                   <a:rPr lang="en-US" sz="2000" dirty="0"/>
-                  <a:t>Entropy is a measure of uncertainty or equivocation; It comes from thermal physics.</a:t>
+                  <a:t>Entropy is a measure of uncertainty or equivocation. It comes from thermal physics.</a:t>
                 </a:r>
               </a:p>
               <a:p>
@@ -20920,7 +20921,7 @@
             </p:txBody>
           </p:sp>
         </mc:Choice>
-        <mc:Fallback xmlns="">
+        <mc:Fallback>
           <p:sp>
             <p:nvSpPr>
               <p:cNvPr id="24581" name="Rectangle 3"/>
@@ -21045,8 +21046,8 @@
           </a:p>
         </p:txBody>
       </p:sp>
-      <mc:AlternateContent xmlns:mc="http://schemas.openxmlformats.org/markup-compatibility/2006" xmlns:a14="http://schemas.microsoft.com/office/drawing/2010/main">
-        <mc:Choice Requires="a14">
+      <mc:AlternateContent xmlns:mc="http://schemas.openxmlformats.org/markup-compatibility/2006">
+        <mc:Choice xmlns:a14="http://schemas.microsoft.com/office/drawing/2010/main" Requires="a14">
           <p:sp>
             <p:nvSpPr>
               <p:cNvPr id="24581" name="Rectangle 3"/>
@@ -21581,7 +21582,7 @@
                 </a:pPr>
                 <a:r>
                   <a:rPr lang="en-US" sz="2000" dirty="0"/>
-                  <a:t>For a probability distribution to be useful, is should be </a:t>
+                  <a:t>For a probability distribution to be useful, it should be </a:t>
                 </a:r>
                 <a:r>
                   <a:rPr lang="en-US" sz="2000" i="1" dirty="0">
@@ -21593,7 +21594,7 @@
                 </a:r>
                 <a:r>
                   <a:rPr lang="en-US" sz="2000" dirty="0"/>
-                  <a:t>, that is every time you perform an experiment, the probability distribution should be the same.  This does </a:t>
+                  <a:t>, that is, every time you perform an experiment, the probability distribution should be the same.  This does </a:t>
                 </a:r>
                 <a:r>
                   <a:rPr lang="en-US" sz="2000" i="1" dirty="0"/>
@@ -21893,7 +21894,7 @@
             </p:txBody>
           </p:sp>
         </mc:Choice>
-        <mc:Fallback xmlns="">
+        <mc:Fallback>
           <p:sp>
             <p:nvSpPr>
               <p:cNvPr id="24581" name="Rectangle 3"/>
@@ -21912,7 +21913,7 @@
               <a:blipFill>
                 <a:blip r:embed="rId3"/>
                 <a:stretch>
-                  <a:fillRect l="-614" t="-1319" r="-461"/>
+                  <a:fillRect l="-614" t="-1319"/>
                 </a:stretch>
               </a:blipFill>
             </p:spPr>

--- a/BerkeleyClass/CS290Spring2013/Lectures/entropy_talk.pptx
+++ b/BerkeleyClass/CS290Spring2013/Lectures/entropy_talk.pptx
@@ -13752,8 +13752,8 @@
           </a:p>
         </p:txBody>
       </p:sp>
-      <mc:AlternateContent xmlns:mc="http://schemas.openxmlformats.org/markup-compatibility/2006">
-        <mc:Choice xmlns:a14="http://schemas.microsoft.com/office/drawing/2010/main" Requires="a14">
+      <mc:AlternateContent xmlns:mc="http://schemas.openxmlformats.org/markup-compatibility/2006" xmlns:a14="http://schemas.microsoft.com/office/drawing/2010/main">
+        <mc:Choice Requires="a14">
           <p:sp>
             <p:nvSpPr>
               <p:cNvPr id="23557" name="Rectangle 3"/>
@@ -14089,7 +14089,7 @@
             </p:txBody>
           </p:sp>
         </mc:Choice>
-        <mc:Fallback>
+        <mc:Fallback xmlns="">
           <p:sp>
             <p:nvSpPr>
               <p:cNvPr id="23557" name="Rectangle 3"/>
@@ -15850,7 +15850,7 @@
                 <a:latin typeface="Calibri" panose="020F0502020204030204" pitchFamily="34" charset="0"/>
                 <a:cs typeface="Calibri" panose="020F0502020204030204" pitchFamily="34" charset="0"/>
               </a:rPr>
-              <a:t> -</a:t>
+              <a:t> --</a:t>
             </a:r>
             <a:r>
               <a:rPr lang="en-US" sz="1600" dirty="0" err="1">
@@ -19474,7 +19474,28 @@
                 <a:latin typeface="Arial" panose="020B0604020202020204" pitchFamily="34" charset="0"/>
                 <a:cs typeface="Arial" panose="020B0604020202020204" pitchFamily="34" charset="0"/>
               </a:rPr>
-              <a:t>Jettisons previous software entropy “pseudo-science”</a:t>
+              <a:t>You can stop drinking the </a:t>
+            </a:r>
+            <a:r>
+              <a:rPr lang="en-US" sz="2000" dirty="0" err="1">
+                <a:latin typeface="Arial" panose="020B0604020202020204" pitchFamily="34" charset="0"/>
+                <a:cs typeface="Arial" panose="020B0604020202020204" pitchFamily="34" charset="0"/>
+              </a:rPr>
+              <a:t>kool-aid</a:t>
+            </a:r>
+            <a:r>
+              <a:rPr lang="en-US" sz="2000">
+                <a:latin typeface="Arial" panose="020B0604020202020204" pitchFamily="34" charset="0"/>
+                <a:cs typeface="Arial" panose="020B0604020202020204" pitchFamily="34" charset="0"/>
+              </a:rPr>
+              <a:t>: Jettisons </a:t>
+            </a:r>
+            <a:r>
+              <a:rPr lang="en-US" sz="2000" dirty="0">
+                <a:latin typeface="Arial" panose="020B0604020202020204" pitchFamily="34" charset="0"/>
+                <a:cs typeface="Arial" panose="020B0604020202020204" pitchFamily="34" charset="0"/>
+              </a:rPr>
+              <a:t>previous software entropy “pseudo-science”</a:t>
             </a:r>
           </a:p>
         </p:txBody>
@@ -19610,7 +19631,7 @@
         <p:spPr>
           <a:xfrm>
             <a:off x="338014" y="1828800"/>
-            <a:ext cx="8348786" cy="4770537"/>
+            <a:ext cx="8348786" cy="4462760"/>
           </a:xfrm>
           <a:prstGeom prst="rect">
             <a:avLst/>
@@ -19667,9 +19688,6 @@
               </a:rPr>
               <a:t>tests, entropy conditioning.  This is the critical component which prevents adversaries from guessing keys.  The output of this system is a seed containing enough “entropy” (more later) to generate keys. The entropy subsystem (the hard part) is specified in NIST 800-90B.  This is the hard part.</a:t>
             </a:r>
-          </a:p>
-          <a:p>
-            <a:pPr lvl="1"/>
             <a:endParaRPr lang="en-US" sz="2000" dirty="0">
               <a:latin typeface="+mn-lt"/>
               <a:cs typeface="Calibri" panose="020F0502020204030204" pitchFamily="34" charset="0"/>
@@ -20599,8 +20617,8 @@
           </a:p>
         </p:txBody>
       </p:sp>
-      <mc:AlternateContent xmlns:mc="http://schemas.openxmlformats.org/markup-compatibility/2006">
-        <mc:Choice xmlns:a14="http://schemas.microsoft.com/office/drawing/2010/main" Requires="a14">
+      <mc:AlternateContent xmlns:mc="http://schemas.openxmlformats.org/markup-compatibility/2006" xmlns:a14="http://schemas.microsoft.com/office/drawing/2010/main">
+        <mc:Choice Requires="a14">
           <p:sp>
             <p:nvSpPr>
               <p:cNvPr id="24581" name="Rectangle 3"/>
@@ -20921,7 +20939,7 @@
             </p:txBody>
           </p:sp>
         </mc:Choice>
-        <mc:Fallback>
+        <mc:Fallback xmlns="">
           <p:sp>
             <p:nvSpPr>
               <p:cNvPr id="24581" name="Rectangle 3"/>
@@ -21046,8 +21064,8 @@
           </a:p>
         </p:txBody>
       </p:sp>
-      <mc:AlternateContent xmlns:mc="http://schemas.openxmlformats.org/markup-compatibility/2006">
-        <mc:Choice xmlns:a14="http://schemas.microsoft.com/office/drawing/2010/main" Requires="a14">
+      <mc:AlternateContent xmlns:mc="http://schemas.openxmlformats.org/markup-compatibility/2006" xmlns:a14="http://schemas.microsoft.com/office/drawing/2010/main">
+        <mc:Choice Requires="a14">
           <p:sp>
             <p:nvSpPr>
               <p:cNvPr id="24581" name="Rectangle 3"/>
@@ -21894,7 +21912,7 @@
             </p:txBody>
           </p:sp>
         </mc:Choice>
-        <mc:Fallback>
+        <mc:Fallback xmlns="">
           <p:sp>
             <p:nvSpPr>
               <p:cNvPr id="24581" name="Rectangle 3"/>

--- a/BerkeleyClass/CS290Spring2013/Lectures/entropy_talk.pptx
+++ b/BerkeleyClass/CS290Spring2013/Lectures/entropy_talk.pptx
@@ -12564,7 +12564,7 @@
         </p:nvSpPr>
         <p:spPr>
           <a:xfrm>
-            <a:off x="185226" y="1295400"/>
+            <a:off x="185226" y="1371600"/>
             <a:ext cx="8577774" cy="4876800"/>
           </a:xfrm>
         </p:spPr>
@@ -12646,20 +12646,7 @@
                   <a:srgbClr val="0066CC"/>
                 </a:solidFill>
               </a:rPr>
-              <a:t>ask a</a:t>
-            </a:r>
-          </a:p>
-          <a:p>
-            <a:pPr marL="0" indent="0">
-              <a:buNone/>
-            </a:pPr>
-            <a:r>
-              <a:rPr lang="en-US" sz="2000" dirty="0">
-                <a:solidFill>
-                  <a:srgbClr val="0066CC"/>
-                </a:solidFill>
-              </a:rPr>
-              <a:t>    physicist</a:t>
+              <a:t>ask a physicist</a:t>
             </a:r>
           </a:p>
           <a:p>
@@ -13257,7 +13244,7 @@
             </a:pPr>
             <a:r>
               <a:rPr lang="en-US" sz="1800" dirty="0"/>
-              <a:t>Justification for entropy is ad hoc or non-existent: “interrupt arrival times are impossible to guess.” (wrong).</a:t>
+              <a:t>Justification for software entropy is ad hoc or non-existent: “interrupt arrival times are impossible to guess.” (wrong).</a:t>
             </a:r>
           </a:p>
           <a:p>
@@ -13586,7 +13573,7 @@
             </a:pPr>
             <a:r>
               <a:rPr lang="en-US" sz="1800" dirty="0"/>
-              <a:t>Stinson part 2:  What about software based on predicting execution time on modern processor? </a:t>
+              <a:t>Stinson, part 2:  What about software based on predicting execution time on modern processor? </a:t>
             </a:r>
           </a:p>
           <a:p>
@@ -13633,7 +13620,7 @@
             </a:r>
             <a:r>
               <a:rPr lang="en-US" sz="1800" i="1" dirty="0"/>
-              <a:t>: Boot-Time Entropy in Embedded Devices</a:t>
+              <a:t>: Boot-Time Entropy in Embedded Devices.</a:t>
             </a:r>
           </a:p>
           <a:p>
@@ -14508,7 +14495,7 @@
           <a:p>
             <a:r>
               <a:rPr lang="en-US" sz="2000" dirty="0"/>
-              <a:t>Moving of the execution of processes from one CPU to another</a:t>
+              <a:t>Moving processes from one CPU to another</a:t>
             </a:r>
           </a:p>
           <a:p>
@@ -14528,7 +14515,7 @@
           <a:p>
             <a:r>
               <a:rPr lang="en-US" sz="2000" dirty="0"/>
-              <a:t>Large memory segments whose access times may vary due to the physical distance from the CPU. </a:t>
+              <a:t>Large memory segments whose access times vary due to the physical distance from the CPU. </a:t>
             </a:r>
           </a:p>
           <a:p>
@@ -14876,8 +14863,8 @@
           </a:p>
         </p:txBody>
       </p:sp>
-      <mc:AlternateContent xmlns:mc="http://schemas.openxmlformats.org/markup-compatibility/2006" xmlns:a14="http://schemas.microsoft.com/office/drawing/2010/main">
-        <mc:Choice Requires="a14">
+      <mc:AlternateContent xmlns:mc="http://schemas.openxmlformats.org/markup-compatibility/2006">
+        <mc:Choice xmlns:a14="http://schemas.microsoft.com/office/drawing/2010/main" Requires="a14">
           <p:sp>
             <p:nvSpPr>
               <p:cNvPr id="24581" name="Rectangle 3"/>
@@ -14890,7 +14877,7 @@
             </p:nvSpPr>
             <p:spPr>
               <a:xfrm>
-                <a:off x="344170" y="2126673"/>
+                <a:off x="344170" y="2431473"/>
                 <a:ext cx="8420100" cy="3512127"/>
               </a:xfrm>
             </p:spPr>
@@ -15129,7 +15116,7 @@
             </p:txBody>
           </p:sp>
         </mc:Choice>
-        <mc:Fallback xmlns="">
+        <mc:Fallback>
           <p:sp>
             <p:nvSpPr>
               <p:cNvPr id="24581" name="Rectangle 3"/>
@@ -15142,7 +15129,7 @@
             </p:nvSpPr>
             <p:spPr>
               <a:xfrm>
-                <a:off x="344170" y="2126673"/>
+                <a:off x="344170" y="2431473"/>
                 <a:ext cx="8420100" cy="3512127"/>
               </a:xfrm>
               <a:blipFill>
@@ -15521,8 +15508,8 @@
         </p:nvSpPr>
         <p:spPr>
           <a:xfrm>
-            <a:off x="304800" y="1600200"/>
-            <a:ext cx="8382000" cy="4495800"/>
+            <a:off x="304800" y="1752600"/>
+            <a:ext cx="8382000" cy="4343400"/>
           </a:xfrm>
         </p:spPr>
         <p:txBody>
@@ -15544,6 +15531,9 @@
               <a:lnSpc>
                 <a:spcPct val="90000"/>
               </a:lnSpc>
+              <a:spcBef>
+                <a:spcPts val="0"/>
+              </a:spcBef>
             </a:pPr>
             <a:r>
               <a:rPr lang="en-US" sz="2000" dirty="0"/>
@@ -15555,6 +15545,9 @@
               <a:lnSpc>
                 <a:spcPct val="90000"/>
               </a:lnSpc>
+              <a:spcBef>
+                <a:spcPts val="0"/>
+              </a:spcBef>
             </a:pPr>
             <a:r>
               <a:rPr lang="en-US" sz="2000" dirty="0"/>
@@ -15598,6 +15591,9 @@
               <a:lnSpc>
                 <a:spcPct val="90000"/>
               </a:lnSpc>
+              <a:spcBef>
+                <a:spcPts val="0"/>
+              </a:spcBef>
             </a:pPr>
             <a:r>
               <a:rPr lang="en-US" sz="2000" dirty="0"/>
@@ -15609,10 +15605,13 @@
               <a:lnSpc>
                 <a:spcPct val="90000"/>
               </a:lnSpc>
+              <a:spcBef>
+                <a:spcPts val="0"/>
+              </a:spcBef>
             </a:pPr>
             <a:r>
               <a:rPr lang="en-US" sz="2000" dirty="0"/>
-              <a:t>Implemented full health and restart tests</a:t>
+              <a:t>Implemented full health and restart tests.</a:t>
             </a:r>
           </a:p>
           <a:p>
@@ -15620,10 +15619,13 @@
               <a:lnSpc>
                 <a:spcPct val="90000"/>
               </a:lnSpc>
+              <a:spcBef>
+                <a:spcPts val="0"/>
+              </a:spcBef>
             </a:pPr>
             <a:r>
               <a:rPr lang="en-US" sz="2000" dirty="0"/>
-              <a:t>Both HW and SW entropy qualified</a:t>
+              <a:t>Both HW and SW entropy qualified.</a:t>
             </a:r>
           </a:p>
           <a:p>
@@ -15631,10 +15633,13 @@
               <a:lnSpc>
                 <a:spcPct val="90000"/>
               </a:lnSpc>
+              <a:spcBef>
+                <a:spcPts val="0"/>
+              </a:spcBef>
             </a:pPr>
             <a:r>
               <a:rPr lang="en-US" sz="2000" dirty="0"/>
-              <a:t>All in user mode (kernel version is almost identical)</a:t>
+              <a:t>All in user mode (kernel version is almost identical).</a:t>
             </a:r>
           </a:p>
           <a:p>
@@ -17833,7 +17838,7 @@
         </p:nvSpPr>
         <p:spPr>
           <a:xfrm>
-            <a:off x="457200" y="1524000"/>
+            <a:off x="457200" y="1676400"/>
             <a:ext cx="8229600" cy="4495800"/>
           </a:xfrm>
         </p:spPr>
@@ -19488,7 +19493,7 @@
                 <a:latin typeface="Arial" panose="020B0604020202020204" pitchFamily="34" charset="0"/>
                 <a:cs typeface="Arial" panose="020B0604020202020204" pitchFamily="34" charset="0"/>
               </a:rPr>
-              <a:t>: Jettisons </a:t>
+              <a:t>: Jettison </a:t>
             </a:r>
             <a:r>
               <a:rPr lang="en-US" sz="2000" dirty="0">
@@ -19686,7 +19691,7 @@
                 <a:latin typeface="Arial" panose="020B0604020202020204" pitchFamily="34" charset="0"/>
                 <a:cs typeface="Arial" panose="020B0604020202020204" pitchFamily="34" charset="0"/>
               </a:rPr>
-              <a:t>tests, entropy conditioning.  This is the critical component which prevents adversaries from guessing keys.  The output of this system is a seed containing enough “entropy” (more later) to generate keys. The entropy subsystem (the hard part) is specified in NIST 800-90B.  This is the hard part.</a:t>
+              <a:t>tests, entropy conditioning.  This is the critical component which prevents adversaries from guessing keys.  The output of this system is a seed containing enough “entropy” (more later) to generate keys. The entropy subsystem is specified in NIST 800-90B.  This is the hard part.</a:t>
             </a:r>
             <a:endParaRPr lang="en-US" sz="2000" dirty="0">
               <a:latin typeface="+mn-lt"/>

--- a/BerkeleyClass/CS290Spring2013/Lectures/entropy_talk.pptx
+++ b/BerkeleyClass/CS290Spring2013/Lectures/entropy_talk.pptx
@@ -14434,7 +14434,7 @@
         </p:nvSpPr>
         <p:spPr>
           <a:xfrm>
-            <a:off x="685800" y="0"/>
+            <a:off x="685800" y="152400"/>
             <a:ext cx="7772400" cy="838200"/>
           </a:xfrm>
         </p:spPr>
@@ -14505,7 +14505,7 @@
             </a:r>
             <a:r>
               <a:rPr lang="en-US" sz="2000" i="1" dirty="0"/>
-              <a:t>This is not the same as interrupt arrival time</a:t>
+              <a:t>This is not the same as interrupt arrival time.</a:t>
             </a:r>
             <a:r>
               <a:rPr lang="en-US" sz="2000" dirty="0"/>
@@ -14613,7 +14613,7 @@
         </p:nvSpPr>
         <p:spPr>
           <a:xfrm>
-            <a:off x="228600" y="0"/>
+            <a:off x="228600" y="76200"/>
             <a:ext cx="8763000" cy="914400"/>
           </a:xfrm>
         </p:spPr>
@@ -14675,7 +14675,7 @@
         </p:nvSpPr>
         <p:spPr>
           <a:xfrm>
-            <a:off x="152400" y="990600"/>
+            <a:off x="152400" y="1295400"/>
             <a:ext cx="8763000" cy="4648200"/>
           </a:xfrm>
         </p:spPr>
@@ -14863,8 +14863,8 @@
           </a:p>
         </p:txBody>
       </p:sp>
-      <mc:AlternateContent xmlns:mc="http://schemas.openxmlformats.org/markup-compatibility/2006">
-        <mc:Choice xmlns:a14="http://schemas.microsoft.com/office/drawing/2010/main" Requires="a14">
+      <mc:AlternateContent xmlns:mc="http://schemas.openxmlformats.org/markup-compatibility/2006" xmlns:a14="http://schemas.microsoft.com/office/drawing/2010/main">
+        <mc:Choice Requires="a14">
           <p:sp>
             <p:nvSpPr>
               <p:cNvPr id="24581" name="Rectangle 3"/>
@@ -15116,7 +15116,7 @@
             </p:txBody>
           </p:sp>
         </mc:Choice>
-        <mc:Fallback>
+        <mc:Fallback xmlns="">
           <p:sp>
             <p:nvSpPr>
               <p:cNvPr id="24581" name="Rectangle 3"/>
@@ -15226,7 +15226,7 @@
         </p:nvSpPr>
         <p:spPr>
           <a:xfrm>
-            <a:off x="228600" y="0"/>
+            <a:off x="228600" y="152400"/>
             <a:ext cx="8763000" cy="1219200"/>
           </a:xfrm>
         </p:spPr>
@@ -15288,8 +15288,8 @@
         </p:nvSpPr>
         <p:spPr>
           <a:xfrm>
-            <a:off x="228600" y="1524000"/>
-            <a:ext cx="8534400" cy="4648200"/>
+            <a:off x="152400" y="1752600"/>
+            <a:ext cx="8763000" cy="4648200"/>
           </a:xfrm>
         </p:spPr>
         <p:txBody>
@@ -15417,23 +15417,7 @@
                   <a:schemeClr val="accent2"/>
                 </a:solidFill>
               </a:rPr>
-              <a:t>I don’t know of any credible </a:t>
-            </a:r>
-            <a:r>
-              <a:rPr lang="en-US" sz="2000">
-                <a:solidFill>
-                  <a:schemeClr val="accent2"/>
-                </a:solidFill>
-              </a:rPr>
-              <a:t>analysis of </a:t>
-            </a:r>
-            <a:r>
-              <a:rPr lang="en-US" sz="2000" dirty="0">
-                <a:solidFill>
-                  <a:schemeClr val="accent2"/>
-                </a:solidFill>
-              </a:rPr>
-              <a:t>interrupt noise and I’ve looked hard.</a:t>
+              <a:t>I don’t know of any credible analysis of interrupt noise and I’ve looked hard.</a:t>
             </a:r>
           </a:p>
         </p:txBody>
@@ -15508,8 +15492,8 @@
         </p:nvSpPr>
         <p:spPr>
           <a:xfrm>
-            <a:off x="304800" y="1752600"/>
-            <a:ext cx="8382000" cy="4343400"/>
+            <a:off x="381000" y="1676400"/>
+            <a:ext cx="8153400" cy="4267200"/>
           </a:xfrm>
         </p:spPr>
         <p:txBody>
@@ -16907,27 +16891,7 @@
                 <a:latin typeface="Calibri" panose="020F0502020204030204" pitchFamily="34" charset="0"/>
                 <a:cs typeface="Calibri" panose="020F0502020204030204" pitchFamily="34" charset="0"/>
               </a:rPr>
-              <a:t> entropy:  2.927, </a:t>
-            </a:r>
-            <a:r>
-              <a:rPr lang="en-US" sz="1800" dirty="0" err="1">
-                <a:solidFill>
-                  <a:srgbClr val="0066CC"/>
-                </a:solidFill>
-                <a:latin typeface="Calibri" panose="020F0502020204030204" pitchFamily="34" charset="0"/>
-                <a:cs typeface="Calibri" panose="020F0502020204030204" pitchFamily="34" charset="0"/>
-              </a:rPr>
-              <a:t>min_entropy</a:t>
-            </a:r>
-            <a:r>
-              <a:rPr lang="en-US" sz="1800" dirty="0">
-                <a:solidFill>
-                  <a:srgbClr val="0066CC"/>
-                </a:solidFill>
-                <a:latin typeface="Calibri" panose="020F0502020204030204" pitchFamily="34" charset="0"/>
-                <a:cs typeface="Calibri" panose="020F0502020204030204" pitchFamily="34" charset="0"/>
-              </a:rPr>
-              <a:t>:  2.204</a:t>
+              <a:t> entropy:  2.927, min entropy:  2.204</a:t>
             </a:r>
           </a:p>
         </p:txBody>
@@ -17320,27 +17284,7 @@
                 <a:latin typeface="Calibri" panose="020F0502020204030204" pitchFamily="34" charset="0"/>
                 <a:cs typeface="Calibri" panose="020F0502020204030204" pitchFamily="34" charset="0"/>
               </a:rPr>
-              <a:t> entropy:  2.858, </a:t>
-            </a:r>
-            <a:r>
-              <a:rPr lang="en-US" sz="1800" dirty="0" err="1">
-                <a:solidFill>
-                  <a:srgbClr val="0066CC"/>
-                </a:solidFill>
-                <a:latin typeface="Calibri" panose="020F0502020204030204" pitchFamily="34" charset="0"/>
-                <a:cs typeface="Calibri" panose="020F0502020204030204" pitchFamily="34" charset="0"/>
-              </a:rPr>
-              <a:t>min_entropy</a:t>
-            </a:r>
-            <a:r>
-              <a:rPr lang="en-US" sz="1800" dirty="0">
-                <a:solidFill>
-                  <a:srgbClr val="0066CC"/>
-                </a:solidFill>
-                <a:latin typeface="Calibri" panose="020F0502020204030204" pitchFamily="34" charset="0"/>
-                <a:cs typeface="Calibri" panose="020F0502020204030204" pitchFamily="34" charset="0"/>
-              </a:rPr>
-              <a:t>:  1.806</a:t>
+              <a:t> entropy:  2.858, min entropy:  1.806</a:t>
             </a:r>
           </a:p>
         </p:txBody>
@@ -17714,27 +17658,7 @@
                 <a:latin typeface="Calibri" panose="020F0502020204030204" pitchFamily="34" charset="0"/>
                 <a:cs typeface="Calibri" panose="020F0502020204030204" pitchFamily="34" charset="0"/>
               </a:rPr>
-              <a:t> entropy:  3.967, </a:t>
-            </a:r>
-            <a:r>
-              <a:rPr lang="en-US" sz="1800" dirty="0" err="1">
-                <a:solidFill>
-                  <a:srgbClr val="0066CC"/>
-                </a:solidFill>
-                <a:latin typeface="Calibri" panose="020F0502020204030204" pitchFamily="34" charset="0"/>
-                <a:cs typeface="Calibri" panose="020F0502020204030204" pitchFamily="34" charset="0"/>
-              </a:rPr>
-              <a:t>min_entropy</a:t>
-            </a:r>
-            <a:r>
-              <a:rPr lang="en-US" sz="1800" dirty="0">
-                <a:solidFill>
-                  <a:srgbClr val="0066CC"/>
-                </a:solidFill>
-                <a:latin typeface="Calibri" panose="020F0502020204030204" pitchFamily="34" charset="0"/>
-                <a:cs typeface="Calibri" panose="020F0502020204030204" pitchFamily="34" charset="0"/>
-              </a:rPr>
-              <a:t>:  3.279</a:t>
+              <a:t> entropy:  3.967, min entropy:  3.279</a:t>
             </a:r>
           </a:p>
         </p:txBody>
@@ -18406,27 +18330,7 @@
                 <a:latin typeface="Calibri" panose="020F0502020204030204" pitchFamily="34" charset="0"/>
                 <a:cs typeface="Calibri" panose="020F0502020204030204" pitchFamily="34" charset="0"/>
               </a:rPr>
-              <a:t> entropy:  5.873, </a:t>
-            </a:r>
-            <a:r>
-              <a:rPr lang="en-US" sz="1800" dirty="0" err="1">
-                <a:solidFill>
-                  <a:srgbClr val="0066CC"/>
-                </a:solidFill>
-                <a:latin typeface="Calibri" panose="020F0502020204030204" pitchFamily="34" charset="0"/>
-                <a:cs typeface="Calibri" panose="020F0502020204030204" pitchFamily="34" charset="0"/>
-              </a:rPr>
-              <a:t>min_entropy</a:t>
-            </a:r>
-            <a:r>
-              <a:rPr lang="en-US" sz="1800" dirty="0">
-                <a:solidFill>
-                  <a:srgbClr val="0066CC"/>
-                </a:solidFill>
-                <a:latin typeface="Calibri" panose="020F0502020204030204" pitchFamily="34" charset="0"/>
-                <a:cs typeface="Calibri" panose="020F0502020204030204" pitchFamily="34" charset="0"/>
-              </a:rPr>
-              <a:t>:  4.573</a:t>
+              <a:t> entropy:  5.873, min entropy:  4.573</a:t>
             </a:r>
             <a:br>
               <a:rPr lang="en-US" sz="2400" dirty="0"/>
@@ -18863,27 +18767,7 @@
                 <a:latin typeface="Calibri" panose="020F0502020204030204" pitchFamily="34" charset="0"/>
                 <a:cs typeface="Calibri" panose="020F0502020204030204" pitchFamily="34" charset="0"/>
               </a:rPr>
-              <a:t> entropy:  7.637, </a:t>
-            </a:r>
-            <a:r>
-              <a:rPr lang="en-US" sz="1800" dirty="0" err="1">
-                <a:solidFill>
-                  <a:srgbClr val="0066CC"/>
-                </a:solidFill>
-                <a:latin typeface="Calibri" panose="020F0502020204030204" pitchFamily="34" charset="0"/>
-                <a:cs typeface="Calibri" panose="020F0502020204030204" pitchFamily="34" charset="0"/>
-              </a:rPr>
-              <a:t>min_entropy</a:t>
-            </a:r>
-            <a:r>
-              <a:rPr lang="en-US" sz="1800" dirty="0">
-                <a:solidFill>
-                  <a:srgbClr val="0066CC"/>
-                </a:solidFill>
-                <a:latin typeface="Calibri" panose="020F0502020204030204" pitchFamily="34" charset="0"/>
-                <a:cs typeface="Calibri" panose="020F0502020204030204" pitchFamily="34" charset="0"/>
-              </a:rPr>
-              <a:t>:  6.506</a:t>
+              <a:t> entropy:  7.637, min entropy:  6.506</a:t>
             </a:r>
           </a:p>
         </p:txBody>
@@ -19108,7 +18992,7 @@
         </p:nvSpPr>
         <p:spPr>
           <a:xfrm>
-            <a:off x="571500" y="1943100"/>
+            <a:off x="571500" y="1981200"/>
             <a:ext cx="8001000" cy="2971800"/>
           </a:xfrm>
         </p:spPr>
@@ -19154,7 +19038,7 @@
                 <a:latin typeface="Arial" panose="020B0604020202020204" pitchFamily="34" charset="0"/>
                 <a:cs typeface="Arial" panose="020B0604020202020204" pitchFamily="34" charset="0"/>
               </a:rPr>
-              <a:t>The level of proof in this presentation is informal or “heuristic” (which is all NIST demands for now).</a:t>
+              <a:t>The level of proof in this presentation is informal or “heuristic,” which is all NIST demands for now.</a:t>
             </a:r>
           </a:p>
           <a:p>
@@ -19168,7 +19052,7 @@
                 <a:latin typeface="Arial" panose="020B0604020202020204" pitchFamily="34" charset="0"/>
                 <a:cs typeface="Arial" panose="020B0604020202020204" pitchFamily="34" charset="0"/>
               </a:rPr>
-              <a:t>NIST will increase level of rigor required.  However, these arguments can be developed to justify a full stochastic model NSA would be proud of.</a:t>
+              <a:t>NIST will increase level of rigor required in future standards.  These arguments can be developed to justify a full stochastic model NSA would be proud of.</a:t>
             </a:r>
           </a:p>
           <a:p>
@@ -19346,7 +19230,7 @@
                 <a:latin typeface="Arial" panose="020B0604020202020204" pitchFamily="34" charset="0"/>
                 <a:cs typeface="Arial" panose="020B0604020202020204" pitchFamily="34" charset="0"/>
               </a:rPr>
-              <a:t>Sometimes there are good surprises in entropy (jitter)</a:t>
+              <a:t>In cryptography, don’t trust anything you can’t quantifiably analyze --- you’re only fooling yourself </a:t>
             </a:r>
           </a:p>
           <a:p>
@@ -19363,7 +19247,7 @@
                 <a:latin typeface="Arial" panose="020B0604020202020204" pitchFamily="34" charset="0"/>
                 <a:cs typeface="Arial" panose="020B0604020202020204" pitchFamily="34" charset="0"/>
               </a:rPr>
-              <a:t>In cryptography, don’t trust anything you can’t quantifiably analyze --- you’re only fooling yourself </a:t>
+              <a:t>In cryptography, sometimes there are good surprises (jitter)</a:t>
             </a:r>
           </a:p>
           <a:p>
@@ -19489,18 +19373,11 @@
               <a:t>kool-aid</a:t>
             </a:r>
             <a:r>
-              <a:rPr lang="en-US" sz="2000">
-                <a:latin typeface="Arial" panose="020B0604020202020204" pitchFamily="34" charset="0"/>
-                <a:cs typeface="Arial" panose="020B0604020202020204" pitchFamily="34" charset="0"/>
-              </a:rPr>
-              <a:t>: Jettison </a:t>
-            </a:r>
-            <a:r>
               <a:rPr lang="en-US" sz="2000" dirty="0">
                 <a:latin typeface="Arial" panose="020B0604020202020204" pitchFamily="34" charset="0"/>
                 <a:cs typeface="Arial" panose="020B0604020202020204" pitchFamily="34" charset="0"/>
               </a:rPr>
-              <a:t>previous software entropy “pseudo-science”</a:t>
+              <a:t>: Jettison previous software entropy “pseudo-science”</a:t>
             </a:r>
           </a:p>
         </p:txBody>

--- a/BerkeleyClass/CS290Spring2013/Lectures/entropy_talk.pptx
+++ b/BerkeleyClass/CS290Spring2013/Lectures/entropy_talk.pptx
@@ -12638,7 +12638,7 @@
             </a:pPr>
             <a:r>
               <a:rPr lang="en-US" sz="2000" dirty="0"/>
-              <a:t>    distribution is easy: </a:t>
+              <a:t>     distribution is easy: </a:t>
             </a:r>
             <a:r>
               <a:rPr lang="en-US" sz="2000" dirty="0">
@@ -13739,8 +13739,8 @@
           </a:p>
         </p:txBody>
       </p:sp>
-      <mc:AlternateContent xmlns:mc="http://schemas.openxmlformats.org/markup-compatibility/2006" xmlns:a14="http://schemas.microsoft.com/office/drawing/2010/main">
-        <mc:Choice Requires="a14">
+      <mc:AlternateContent xmlns:mc="http://schemas.openxmlformats.org/markup-compatibility/2006">
+        <mc:Choice xmlns:a14="http://schemas.microsoft.com/office/drawing/2010/main" Requires="a14">
           <p:sp>
             <p:nvSpPr>
               <p:cNvPr id="23557" name="Rectangle 3"/>
@@ -14001,11 +14001,18 @@
                         </m:r>
                       </m:sub>
                     </m:sSub>
+                    <m:r>
+                      <a:rPr lang="en-US" sz="2000" b="0" i="0" smtClean="0">
+                        <a:latin typeface="Cambria Math" panose="02040503050406030204" pitchFamily="18" charset="0"/>
+                        <a:ea typeface="Cambria Math" panose="02040503050406030204" pitchFamily="18" charset="0"/>
+                      </a:rPr>
+                      <m:t>′</m:t>
+                    </m:r>
                   </m:oMath>
                 </a14:m>
                 <a:r>
                   <a:rPr lang="en-US" sz="2000" dirty="0"/>
-                  <a:t>‘s (usually one byte per sample as specified by NIST 800-90B) are the noise source for constructing a seed.</a:t>
+                  <a:t>s (usually one byte per sample as specified by NIST 800-90B) are the noise source for constructing a seed.</a:t>
                 </a:r>
               </a:p>
               <a:p>
@@ -14076,7 +14083,7 @@
             </p:txBody>
           </p:sp>
         </mc:Choice>
-        <mc:Fallback xmlns="">
+        <mc:Fallback>
           <p:sp>
             <p:nvSpPr>
               <p:cNvPr id="23557" name="Rectangle 3"/>
@@ -16556,7 +16563,7 @@
             </a:r>
           </a:p>
           <a:p>
-            <a:pPr>
+            <a:pPr lvl="1">
               <a:lnSpc>
                 <a:spcPct val="90000"/>
               </a:lnSpc>
@@ -16566,21 +16573,7 @@
                 <a:latin typeface="Arial" panose="020B0604020202020204" pitchFamily="34" charset="0"/>
                 <a:cs typeface="Arial" panose="020B0604020202020204" pitchFamily="34" charset="0"/>
               </a:rPr>
-              <a:t>Jitter gives amazingly high rate independent of other activity (This is why Linux and Apple adopted it especially for boot entropy).  By contrast, interrupt arrival samples are estimated (in a way that does not comply with 800-90B) at tenths of bits per sample</a:t>
-            </a:r>
-          </a:p>
-          <a:p>
-            <a:pPr>
-              <a:lnSpc>
-                <a:spcPct val="90000"/>
-              </a:lnSpc>
-            </a:pPr>
-            <a:r>
-              <a:rPr lang="en-US" sz="2000" dirty="0">
-                <a:latin typeface="Arial" panose="020B0604020202020204" pitchFamily="34" charset="0"/>
-                <a:cs typeface="Arial" panose="020B0604020202020204" pitchFamily="34" charset="0"/>
-              </a:rPr>
-              <a:t>Can’t be tampered with by adversary</a:t>
+              <a:t>Jitter gives amazingly high rate independent of other activity Can’t be tampered with by adversary</a:t>
             </a:r>
           </a:p>
           <a:p>
@@ -19024,7 +19017,7 @@
                 <a:latin typeface="Arial" panose="020B0604020202020204" pitchFamily="34" charset="0"/>
                 <a:cs typeface="Arial" panose="020B0604020202020204" pitchFamily="34" charset="0"/>
               </a:rPr>
-              <a:t>Combine complicated jitter sources to obtain different distributions (the “mixture problem”).  Done completely and accurately, this is interesting research!</a:t>
+              <a:t>Combine complicated jitter sources to obtain different distributions (the “mixture problem”).  Done accurately, this is interesting research!</a:t>
             </a:r>
           </a:p>
           <a:p>
@@ -19230,8 +19223,19 @@
                 <a:latin typeface="Arial" panose="020B0604020202020204" pitchFamily="34" charset="0"/>
                 <a:cs typeface="Arial" panose="020B0604020202020204" pitchFamily="34" charset="0"/>
               </a:rPr>
-              <a:t>In cryptography, don’t trust anything you can’t quantifiably analyze --- you’re only fooling yourself </a:t>
-            </a:r>
+              <a:t>In cryptography, don’t trust anything you can’t quantifiably analyze --- you’re only </a:t>
+            </a:r>
+            <a:r>
+              <a:rPr lang="en-US" sz="2000">
+                <a:latin typeface="Arial" panose="020B0604020202020204" pitchFamily="34" charset="0"/>
+                <a:cs typeface="Arial" panose="020B0604020202020204" pitchFamily="34" charset="0"/>
+              </a:rPr>
+              <a:t>fooling yourself.</a:t>
+            </a:r>
+            <a:endParaRPr lang="en-US" sz="2000" dirty="0">
+              <a:latin typeface="Arial" panose="020B0604020202020204" pitchFamily="34" charset="0"/>
+              <a:cs typeface="Arial" panose="020B0604020202020204" pitchFamily="34" charset="0"/>
+            </a:endParaRPr>
           </a:p>
           <a:p>
             <a:pPr lvl="1">
@@ -19247,7 +19251,7 @@
                 <a:latin typeface="Arial" panose="020B0604020202020204" pitchFamily="34" charset="0"/>
                 <a:cs typeface="Arial" panose="020B0604020202020204" pitchFamily="34" charset="0"/>
               </a:rPr>
-              <a:t>In cryptography, sometimes there are good surprises (jitter)</a:t>
+              <a:t>In cryptography, sometimes there are good surprises (jitter).</a:t>
             </a:r>
           </a:p>
           <a:p>
@@ -19278,7 +19282,7 @@
                 <a:latin typeface="Arial" panose="020B0604020202020204" pitchFamily="34" charset="0"/>
                 <a:cs typeface="Arial" panose="020B0604020202020204" pitchFamily="34" charset="0"/>
               </a:rPr>
-              <a:t>No entropy starvation at boot</a:t>
+              <a:t>No entropy starvation at boot.</a:t>
             </a:r>
           </a:p>
           <a:p>
@@ -19295,7 +19299,7 @@
                 <a:latin typeface="Arial" panose="020B0604020202020204" pitchFamily="34" charset="0"/>
                 <a:cs typeface="Arial" panose="020B0604020202020204" pitchFamily="34" charset="0"/>
               </a:rPr>
-              <a:t>Defense in depth (qualified HW and SW entropy)</a:t>
+              <a:t>Defense in depth (qualified HW and SW entropy).</a:t>
             </a:r>
           </a:p>
           <a:p>
@@ -19329,7 +19333,7 @@
                 <a:latin typeface="Arial" panose="020B0604020202020204" pitchFamily="34" charset="0"/>
                 <a:cs typeface="Arial" panose="020B0604020202020204" pitchFamily="34" charset="0"/>
               </a:rPr>
-              <a:t>Works on all devices (even embedded devices)</a:t>
+              <a:t>Works on all devices (even embedded devices).</a:t>
             </a:r>
           </a:p>
           <a:p>
@@ -19346,7 +19350,7 @@
                 <a:latin typeface="Arial" panose="020B0604020202020204" pitchFamily="34" charset="0"/>
                 <a:cs typeface="Arial" panose="020B0604020202020204" pitchFamily="34" charset="0"/>
               </a:rPr>
-              <a:t>Widely accepted despite initial skepticism: Linux, (some) BSD versions and Apple (during boot)</a:t>
+              <a:t>Widely accepted despite initial skepticism: Linux, (some) BSD versions and Apple (during boot).</a:t>
             </a:r>
           </a:p>
           <a:p>
@@ -19377,7 +19381,7 @@
                 <a:latin typeface="Arial" panose="020B0604020202020204" pitchFamily="34" charset="0"/>
                 <a:cs typeface="Arial" panose="020B0604020202020204" pitchFamily="34" charset="0"/>
               </a:rPr>
-              <a:t>: Jettison previous software entropy “pseudo-science”</a:t>
+              <a:t>: Jettison previous software entropy “pseudo-science.”</a:t>
             </a:r>
           </a:p>
         </p:txBody>
@@ -19854,7 +19858,7 @@
             </a:pPr>
             <a:r>
               <a:rPr lang="en-US" sz="2000" dirty="0"/>
-              <a:t>So, a “seed “ with full entropy is critical</a:t>
+              <a:t>So, a “seed”  with full entropy is critical</a:t>
             </a:r>
           </a:p>
           <a:p>

--- a/BerkeleyClass/CS290Spring2013/Lectures/entropy_talk.pptx
+++ b/BerkeleyClass/CS290Spring2013/Lectures/entropy_talk.pptx
@@ -12725,7 +12725,7 @@
         </p:blipFill>
         <p:spPr bwMode="auto">
           <a:xfrm>
-            <a:off x="5397140" y="3886200"/>
+            <a:off x="5397140" y="3581400"/>
             <a:ext cx="3739932" cy="2667000"/>
           </a:xfrm>
           <a:prstGeom prst="rect">
@@ -12808,7 +12808,7 @@
         </p:nvSpPr>
         <p:spPr>
           <a:xfrm>
-            <a:off x="304800" y="1143000"/>
+            <a:off x="304800" y="990600"/>
             <a:ext cx="8473440" cy="5181600"/>
           </a:xfrm>
         </p:spPr>
@@ -12836,7 +12836,7 @@
             </a:r>
             <a:r>
               <a:rPr lang="en-US" sz="2000" dirty="0"/>
-              <a:t> is bad. Why? Don’t know distribution, also entropy starvation, non-stationarity. </a:t>
+              <a:t> is bad. Why? Don’t know distribution, also entropy starvation, non-stationarity. Vulnerable to side channels. </a:t>
             </a:r>
             <a:r>
               <a:rPr lang="en-US" sz="2000" dirty="0">
@@ -12848,7 +12848,7 @@
             </a:r>
             <a:r>
               <a:rPr lang="en-US" sz="2000" dirty="0"/>
-              <a:t> is good but new.)</a:t>
+              <a:t> is new and evidently does not have these drawbacks.)</a:t>
             </a:r>
           </a:p>
           <a:p>
@@ -13119,7 +13119,7 @@
         </p:blipFill>
         <p:spPr bwMode="auto">
           <a:xfrm>
-            <a:off x="4191000" y="3276600"/>
+            <a:off x="4114800" y="3048000"/>
             <a:ext cx="4876800" cy="3048000"/>
           </a:xfrm>
           <a:prstGeom prst="rect">
@@ -13137,6 +13137,44 @@
           </a:extLst>
         </p:spPr>
       </p:pic>
+      <p:sp>
+        <p:nvSpPr>
+          <p:cNvPr id="2" name="TextBox 1">
+            <a:extLst>
+              <a:ext uri="{FF2B5EF4-FFF2-40B4-BE49-F238E27FC236}">
+                <a16:creationId xmlns:a16="http://schemas.microsoft.com/office/drawing/2014/main" id="{8926CA5D-2F0F-2241-B1EF-B54C131F2C9A}"/>
+              </a:ext>
+            </a:extLst>
+          </p:cNvPr>
+          <p:cNvSpPr txBox="1"/>
+          <p:nvPr/>
+        </p:nvSpPr>
+        <p:spPr>
+          <a:xfrm>
+            <a:off x="4541520" y="6096000"/>
+            <a:ext cx="2468880" cy="307777"/>
+          </a:xfrm>
+          <a:prstGeom prst="rect">
+            <a:avLst/>
+          </a:prstGeom>
+          <a:noFill/>
+        </p:spPr>
+        <p:txBody>
+          <a:bodyPr wrap="square" rtlCol="0">
+            <a:spAutoFit/>
+          </a:bodyPr>
+          <a:lstStyle/>
+          <a:p>
+            <a:r>
+              <a:rPr lang="en-US" sz="1400" dirty="0">
+                <a:latin typeface="Arial" panose="020B0604020202020204" pitchFamily="34" charset="0"/>
+                <a:cs typeface="Arial" panose="020B0604020202020204" pitchFamily="34" charset="0"/>
+              </a:rPr>
+              <a:t>Jitter entropy from Mueller</a:t>
+            </a:r>
+          </a:p>
+        </p:txBody>
+      </p:sp>
     </p:spTree>
     <p:extLst>
       <p:ext uri="{BB962C8B-B14F-4D97-AF65-F5344CB8AC3E}">
@@ -13739,8 +13777,8 @@
           </a:p>
         </p:txBody>
       </p:sp>
-      <mc:AlternateContent xmlns:mc="http://schemas.openxmlformats.org/markup-compatibility/2006">
-        <mc:Choice xmlns:a14="http://schemas.microsoft.com/office/drawing/2010/main" Requires="a14">
+      <mc:AlternateContent xmlns:mc="http://schemas.openxmlformats.org/markup-compatibility/2006" xmlns:a14="http://schemas.microsoft.com/office/drawing/2010/main">
+        <mc:Choice Requires="a14">
           <p:sp>
             <p:nvSpPr>
               <p:cNvPr id="23557" name="Rectangle 3"/>
@@ -14083,7 +14121,7 @@
             </p:txBody>
           </p:sp>
         </mc:Choice>
-        <mc:Fallback>
+        <mc:Fallback xmlns="">
           <p:sp>
             <p:nvSpPr>
               <p:cNvPr id="23557" name="Rectangle 3"/>
@@ -14476,36 +14514,66 @@
           <a:bodyPr/>
           <a:lstStyle/>
           <a:p>
+            <a:pPr>
+              <a:spcBef>
+                <a:spcPts val="0"/>
+              </a:spcBef>
+            </a:pPr>
             <a:r>
               <a:rPr lang="en-US" sz="2000" dirty="0"/>
               <a:t>CPU frequency scaling depending on the work-load.</a:t>
             </a:r>
           </a:p>
           <a:p>
+            <a:pPr>
+              <a:spcBef>
+                <a:spcPts val="0"/>
+              </a:spcBef>
+            </a:pPr>
             <a:r>
               <a:rPr lang="en-US" sz="2000" dirty="0"/>
               <a:t>Branch prediction units</a:t>
             </a:r>
           </a:p>
           <a:p>
+            <a:pPr>
+              <a:spcBef>
+                <a:spcPts val="0"/>
+              </a:spcBef>
+            </a:pPr>
             <a:r>
               <a:rPr lang="en-US" sz="2000" dirty="0"/>
               <a:t>TLB hits and misses </a:t>
             </a:r>
           </a:p>
           <a:p>
+            <a:pPr>
+              <a:spcBef>
+                <a:spcPts val="0"/>
+              </a:spcBef>
+            </a:pPr>
             <a:r>
               <a:rPr lang="en-US" sz="2000" dirty="0"/>
               <a:t>Kernel locks</a:t>
             </a:r>
           </a:p>
           <a:p>
+            <a:pPr>
+              <a:spcBef>
+                <a:spcPts val="0"/>
+              </a:spcBef>
+            </a:pPr>
             <a:r>
               <a:rPr lang="en-US" sz="2000" dirty="0"/>
               <a:t>Moving processes from one CPU to another</a:t>
             </a:r>
           </a:p>
           <a:p>
+            <a:pPr>
+              <a:spcBef>
+                <a:spcPts val="0"/>
+              </a:spcBef>
+            </a:pPr>
             <a:r>
               <a:rPr lang="en-US" sz="2000" dirty="0"/>
               <a:t>Hardware interrupts can occur regardless what the operating system was doing in the meanwhile.  [</a:t>
@@ -14520,22 +14588,56 @@
             </a:r>
           </a:p>
           <a:p>
+            <a:pPr>
+              <a:spcBef>
+                <a:spcPts val="0"/>
+              </a:spcBef>
+            </a:pPr>
             <a:r>
               <a:rPr lang="en-US" sz="2000" dirty="0"/>
               <a:t>Large memory segments whose access times vary due to the physical distance from the CPU. </a:t>
             </a:r>
           </a:p>
           <a:p>
+            <a:pPr marL="0" indent="0">
+              <a:spcBef>
+                <a:spcPts val="0"/>
+              </a:spcBef>
+              <a:buNone/>
+            </a:pPr>
+            <a:endParaRPr lang="en-US" sz="2000" dirty="0"/>
+          </a:p>
+          <a:p>
+            <a:pPr>
+              <a:spcBef>
+                <a:spcPts val="0"/>
+              </a:spcBef>
+            </a:pPr>
             <a:r>
               <a:rPr lang="en-US" sz="2000" dirty="0"/>
               <a:t>Aren’t these variations predictable?</a:t>
             </a:r>
           </a:p>
           <a:p>
-            <a:pPr lvl="1"/>
+            <a:pPr lvl="1">
+              <a:spcBef>
+                <a:spcPts val="0"/>
+              </a:spcBef>
+            </a:pPr>
             <a:r>
               <a:rPr lang="en-US" sz="2000" dirty="0"/>
-              <a:t>Amazingly, no!</a:t>
+              <a:t>Amazingly, no </a:t>
+            </a:r>
+          </a:p>
+          <a:p>
+            <a:pPr lvl="1">
+              <a:spcBef>
+                <a:spcPts val="0"/>
+              </a:spcBef>
+            </a:pPr>
+            <a:r>
+              <a:rPr lang="en-US" sz="2000" dirty="0"/>
+              <a:t>An adversary outside the kernel basically can’t affect them.</a:t>
             </a:r>
           </a:p>
           <a:p>
@@ -14573,7 +14675,7 @@
               </a:pPr>
               <a:t>18</a:t>
             </a:fld>
-            <a:endParaRPr lang="en-US"/>
+            <a:endParaRPr lang="en-US" dirty="0"/>
           </a:p>
         </p:txBody>
       </p:sp>
@@ -14682,8 +14784,8 @@
         </p:nvSpPr>
         <p:spPr>
           <a:xfrm>
-            <a:off x="152400" y="1295400"/>
-            <a:ext cx="8763000" cy="4648200"/>
+            <a:off x="76200" y="1295400"/>
+            <a:ext cx="8991600" cy="4648200"/>
           </a:xfrm>
         </p:spPr>
         <p:txBody>
@@ -14730,7 +14832,7 @@
             </a:pPr>
             <a:r>
               <a:rPr lang="en-US" sz="1800" dirty="0"/>
-              <a:t>Some sources of variation derived from physical phase jitter where there are existing models.  Like hardware in this respect.  </a:t>
+              <a:t>Some sources of variation derived from physical phase jitter (HW).</a:t>
             </a:r>
           </a:p>
           <a:p>
@@ -14741,7 +14843,7 @@
             </a:pPr>
             <a:r>
               <a:rPr lang="en-US" sz="1800" dirty="0"/>
-              <a:t>Easy to pick good, short blocks to measure on any CPU, each CPU varies only slightly in measurable entropy even as architectures change.</a:t>
+              <a:t>Easy to pick good, short blocks to measure on any CPU even as architectures change.</a:t>
             </a:r>
           </a:p>
           <a:p>
@@ -14752,7 +14854,18 @@
             </a:pPr>
             <a:r>
               <a:rPr lang="en-US" sz="1800" dirty="0"/>
-              <a:t>All the models are stationary.  You can validate stationarity with chi squared tests.</a:t>
+              <a:t>You can validate stationarity with chi squared tests.</a:t>
+            </a:r>
+          </a:p>
+          <a:p>
+            <a:pPr lvl="2">
+              <a:spcBef>
+                <a:spcPts val="0"/>
+              </a:spcBef>
+            </a:pPr>
+            <a:r>
+              <a:rPr lang="en-US" sz="1800" dirty="0"/>
+              <a:t>Important for “boot entropy,” where critical machine keys are derived.</a:t>
             </a:r>
           </a:p>
           <a:p>
@@ -14763,29 +14876,7 @@
             </a:pPr>
             <a:r>
               <a:rPr lang="en-US" sz="1800" dirty="0"/>
-              <a:t>Basically, doesn’t depend on activity</a:t>
-            </a:r>
-          </a:p>
-          <a:p>
-            <a:pPr lvl="2">
-              <a:spcBef>
-                <a:spcPts val="0"/>
-              </a:spcBef>
-            </a:pPr>
-            <a:r>
-              <a:rPr lang="en-US" sz="1800" dirty="0"/>
-              <a:t>Important for “boot entropy,” where critical machine keys are derived.</a:t>
-            </a:r>
-          </a:p>
-          <a:p>
-            <a:pPr lvl="1">
-              <a:spcBef>
-                <a:spcPts val="0"/>
-              </a:spcBef>
-            </a:pPr>
-            <a:r>
-              <a:rPr lang="en-US" sz="1800" dirty="0"/>
-              <a:t>Naturally “unobservable” by adversary</a:t>
+              <a:t>Naturally “unobservable” by adversary. Protected from side channels.</a:t>
             </a:r>
           </a:p>
           <a:p>
@@ -15295,7 +15386,7 @@
         </p:nvSpPr>
         <p:spPr>
           <a:xfrm>
-            <a:off x="152400" y="1752600"/>
+            <a:off x="190500" y="1523010"/>
             <a:ext cx="8763000" cy="4648200"/>
           </a:xfrm>
         </p:spPr>
@@ -15365,7 +15456,15 @@
             </a:pPr>
             <a:r>
               <a:rPr lang="en-US" sz="1800" dirty="0"/>
-              <a:t>Past attacks exploited “observable” interrupt artifacts by adversary.</a:t>
+              <a:t>Past attacks exploited “observable” interrupt artifacts by adversary.  Also subject to side channel attacks (see </a:t>
+            </a:r>
+            <a:r>
+              <a:rPr lang="en-US" sz="1800" dirty="0" err="1"/>
+              <a:t>Dodis</a:t>
+            </a:r>
+            <a:r>
+              <a:rPr lang="en-US" sz="1800" dirty="0"/>
+              <a:t> et. al., 2014).</a:t>
             </a:r>
           </a:p>
           <a:p>
@@ -16726,6 +16825,24 @@
         <p:txBody>
           <a:bodyPr/>
           <a:lstStyle/>
+          <a:p>
+            <a:r>
+              <a:rPr lang="en-US" sz="1800" dirty="0">
+                <a:latin typeface="Calibri" panose="020F0502020204030204" pitchFamily="34" charset="0"/>
+                <a:cs typeface="Calibri" panose="020F0502020204030204" pitchFamily="34" charset="0"/>
+              </a:rPr>
+              <a:t>Based on a simple loop adding to an accumulator (Optimization turned off!)</a:t>
+            </a:r>
+          </a:p>
+          <a:p>
+            <a:pPr marL="0" indent="0">
+              <a:buNone/>
+            </a:pPr>
+            <a:endParaRPr lang="en-US" sz="1800" dirty="0">
+              <a:latin typeface="Calibri" panose="020F0502020204030204" pitchFamily="34" charset="0"/>
+              <a:cs typeface="Calibri" panose="020F0502020204030204" pitchFamily="34" charset="0"/>
+            </a:endParaRPr>
+          </a:p>
           <a:p>
             <a:pPr marL="0" indent="0">
               <a:buNone/>
@@ -17873,20 +17990,6 @@
             </a:pPr>
             <a:r>
               <a:rPr lang="en-US" sz="1800" dirty="0"/>
-              <a:t>“No one can predict interrupt arrival times”</a:t>
-            </a:r>
-          </a:p>
-          <a:p>
-            <a:pPr lvl="2">
-              <a:lnSpc>
-                <a:spcPct val="90000"/>
-              </a:lnSpc>
-              <a:spcBef>
-                <a:spcPts val="0"/>
-              </a:spcBef>
-            </a:pPr>
-            <a:r>
-              <a:rPr lang="en-US" sz="1800" dirty="0"/>
               <a:t>“No one could guess the sample values, it’s too complex”</a:t>
             </a:r>
           </a:p>
@@ -18158,13 +18261,31 @@
         </p:nvSpPr>
         <p:spPr>
           <a:xfrm>
-            <a:off x="609600" y="1828800"/>
-            <a:ext cx="8229600" cy="4404360"/>
+            <a:off x="609600" y="1447800"/>
+            <a:ext cx="8229600" cy="4785360"/>
           </a:xfrm>
         </p:spPr>
         <p:txBody>
           <a:bodyPr/>
           <a:lstStyle/>
+          <a:p>
+            <a:r>
+              <a:rPr lang="en-US" sz="1800" dirty="0">
+                <a:latin typeface="Calibri" panose="020F0502020204030204" pitchFamily="34" charset="0"/>
+                <a:cs typeface="Calibri" panose="020F0502020204030204" pitchFamily="34" charset="0"/>
+              </a:rPr>
+              <a:t>Memory jitter comes from CPU/DRAM clock differences and cache fill wait states.</a:t>
+            </a:r>
+          </a:p>
+          <a:p>
+            <a:pPr marL="0" indent="0">
+              <a:buNone/>
+            </a:pPr>
+            <a:endParaRPr lang="en-US" sz="1800" dirty="0">
+              <a:latin typeface="Calibri" panose="020F0502020204030204" pitchFamily="34" charset="0"/>
+              <a:cs typeface="Calibri" panose="020F0502020204030204" pitchFamily="34" charset="0"/>
+            </a:endParaRPr>
+          </a:p>
           <a:p>
             <a:pPr marL="0" indent="0">
               <a:buNone/>
@@ -18592,13 +18713,31 @@
         </p:nvSpPr>
         <p:spPr>
           <a:xfrm>
-            <a:off x="571500" y="1981200"/>
-            <a:ext cx="8001000" cy="4023360"/>
+            <a:off x="571500" y="1676400"/>
+            <a:ext cx="8001000" cy="4328160"/>
           </a:xfrm>
         </p:spPr>
         <p:txBody>
           <a:bodyPr/>
           <a:lstStyle/>
+          <a:p>
+            <a:r>
+              <a:rPr lang="en-US" sz="1800" dirty="0">
+                <a:latin typeface="Calibri" panose="020F0502020204030204" pitchFamily="34" charset="0"/>
+                <a:cs typeface="Calibri" panose="020F0502020204030204" pitchFamily="34" charset="0"/>
+              </a:rPr>
+              <a:t>Hash jitter is based on the combined effect of all the sources of variation exhibited in the course of multiple SHA-3 digest computations.</a:t>
+            </a:r>
+          </a:p>
+          <a:p>
+            <a:pPr marL="0" indent="0">
+              <a:buNone/>
+            </a:pPr>
+            <a:endParaRPr lang="en-US" sz="1800" dirty="0">
+              <a:latin typeface="Calibri" panose="020F0502020204030204" pitchFamily="34" charset="0"/>
+              <a:cs typeface="Calibri" panose="020F0502020204030204" pitchFamily="34" charset="0"/>
+            </a:endParaRPr>
+          </a:p>
           <a:p>
             <a:pPr marL="0" indent="0">
               <a:buNone/>
@@ -20368,8 +20507,8 @@
         </p:blipFill>
         <p:spPr bwMode="auto">
           <a:xfrm>
-            <a:off x="1981200" y="2224587"/>
-            <a:ext cx="5617554" cy="4557213"/>
+            <a:off x="1981200" y="2306503"/>
+            <a:ext cx="4953000" cy="4018097"/>
           </a:xfrm>
           <a:prstGeom prst="rect">
             <a:avLst/>
@@ -20422,7 +20561,7 @@
               <a:rPr lang="en-US" sz="2400" dirty="0">
                 <a:latin typeface="+mn-lt"/>
               </a:rPr>
-              <a:t>This is the hard part</a:t>
+              <a:t>This is the hard part we’ll talk about.</a:t>
             </a:r>
           </a:p>
           <a:p>

--- a/BerkeleyClass/CS290Spring2013/Lectures/entropy_talk.pptx
+++ b/BerkeleyClass/CS290Spring2013/Lectures/entropy_talk.pptx
@@ -5,10 +5,10 @@
     <p:sldMasterId id="2147483649" r:id="rId1"/>
   </p:sldMasterIdLst>
   <p:notesMasterIdLst>
-    <p:notesMasterId r:id="rId38"/>
+    <p:notesMasterId r:id="rId41"/>
   </p:notesMasterIdLst>
   <p:handoutMasterIdLst>
-    <p:handoutMasterId r:id="rId39"/>
+    <p:handoutMasterId r:id="rId42"/>
   </p:handoutMasterIdLst>
   <p:sldIdLst>
     <p:sldId id="3175" r:id="rId2"/>
@@ -47,6 +47,9 @@
     <p:sldId id="3798" r:id="rId35"/>
     <p:sldId id="3787" r:id="rId36"/>
     <p:sldId id="3789" r:id="rId37"/>
+    <p:sldId id="3804" r:id="rId38"/>
+    <p:sldId id="3805" r:id="rId39"/>
+    <p:sldId id="3806" r:id="rId40"/>
   </p:sldIdLst>
   <p:sldSz cx="9144000" cy="6858000" type="screen4x3"/>
   <p:notesSz cx="7010400" cy="9296400"/>
@@ -3493,6 +3496,306 @@
     <p:extLst>
       <p:ext uri="{BB962C8B-B14F-4D97-AF65-F5344CB8AC3E}">
         <p14:creationId xmlns:p14="http://schemas.microsoft.com/office/powerpoint/2010/main" val="1035154100"/>
+      </p:ext>
+    </p:extLst>
+  </p:cSld>
+  <p:clrMapOvr>
+    <a:masterClrMapping/>
+  </p:clrMapOvr>
+</p:notes>
+</file>
+
+<file path=ppt/notesSlides/notesSlide33.xml><?xml version="1.0" encoding="utf-8"?>
+<p:notes xmlns:a="http://schemas.openxmlformats.org/drawingml/2006/main" xmlns:r="http://schemas.openxmlformats.org/officeDocument/2006/relationships" xmlns:p="http://schemas.openxmlformats.org/presentationml/2006/main">
+  <p:cSld>
+    <p:spTree>
+      <p:nvGrpSpPr>
+        <p:cNvPr id="1" name=""/>
+        <p:cNvGrpSpPr/>
+        <p:nvPr/>
+      </p:nvGrpSpPr>
+      <p:grpSpPr>
+        <a:xfrm>
+          <a:off x="0" y="0"/>
+          <a:ext cx="0" cy="0"/>
+          <a:chOff x="0" y="0"/>
+          <a:chExt cx="0" cy="0"/>
+        </a:xfrm>
+      </p:grpSpPr>
+      <p:sp>
+        <p:nvSpPr>
+          <p:cNvPr id="95234" name="Rectangle 7"/>
+          <p:cNvSpPr>
+            <a:spLocks noGrp="1" noChangeArrowheads="1"/>
+          </p:cNvSpPr>
+          <p:nvPr>
+            <p:ph type="sldNum" sz="quarter" idx="5"/>
+          </p:nvPr>
+        </p:nvSpPr>
+        <p:spPr>
+          <a:noFill/>
+        </p:spPr>
+        <p:txBody>
+          <a:bodyPr/>
+          <a:lstStyle/>
+          <a:p>
+            <a:fld id="{86016DC7-F49B-4F50-9A32-E9E9CFA38878}" type="slidenum">
+              <a:rPr lang="en-US" smtClean="0"/>
+              <a:pPr/>
+              <a:t>37</a:t>
+            </a:fld>
+            <a:endParaRPr lang="en-US"/>
+          </a:p>
+        </p:txBody>
+      </p:sp>
+      <p:sp>
+        <p:nvSpPr>
+          <p:cNvPr id="95235" name="Rectangle 2"/>
+          <p:cNvSpPr>
+            <a:spLocks noGrp="1" noRot="1" noChangeAspect="1" noChangeArrowheads="1" noTextEdit="1"/>
+          </p:cNvSpPr>
+          <p:nvPr>
+            <p:ph type="sldImg"/>
+          </p:nvPr>
+        </p:nvSpPr>
+        <p:spPr>
+          <a:xfrm>
+            <a:off x="1169988" y="687388"/>
+            <a:ext cx="4673600" cy="3505200"/>
+          </a:xfrm>
+          <a:ln/>
+        </p:spPr>
+      </p:sp>
+      <p:sp>
+        <p:nvSpPr>
+          <p:cNvPr id="95236" name="Rectangle 3"/>
+          <p:cNvSpPr>
+            <a:spLocks noGrp="1" noChangeArrowheads="1"/>
+          </p:cNvSpPr>
+          <p:nvPr>
+            <p:ph type="body" idx="1"/>
+          </p:nvPr>
+        </p:nvSpPr>
+        <p:spPr>
+          <a:xfrm>
+            <a:off x="914400" y="4421188"/>
+            <a:ext cx="5184775" cy="4191000"/>
+          </a:xfrm>
+          <a:noFill/>
+          <a:ln w="9525"/>
+        </p:spPr>
+        <p:txBody>
+          <a:bodyPr/>
+          <a:lstStyle/>
+          <a:p>
+            <a:endParaRPr lang="en-US"/>
+          </a:p>
+        </p:txBody>
+      </p:sp>
+    </p:spTree>
+    <p:extLst>
+      <p:ext uri="{BB962C8B-B14F-4D97-AF65-F5344CB8AC3E}">
+        <p14:creationId xmlns:p14="http://schemas.microsoft.com/office/powerpoint/2010/main" val="1880692314"/>
+      </p:ext>
+    </p:extLst>
+  </p:cSld>
+  <p:clrMapOvr>
+    <a:masterClrMapping/>
+  </p:clrMapOvr>
+</p:notes>
+</file>
+
+<file path=ppt/notesSlides/notesSlide34.xml><?xml version="1.0" encoding="utf-8"?>
+<p:notes xmlns:a="http://schemas.openxmlformats.org/drawingml/2006/main" xmlns:r="http://schemas.openxmlformats.org/officeDocument/2006/relationships" xmlns:p="http://schemas.openxmlformats.org/presentationml/2006/main">
+  <p:cSld>
+    <p:spTree>
+      <p:nvGrpSpPr>
+        <p:cNvPr id="1" name=""/>
+        <p:cNvGrpSpPr/>
+        <p:nvPr/>
+      </p:nvGrpSpPr>
+      <p:grpSpPr>
+        <a:xfrm>
+          <a:off x="0" y="0"/>
+          <a:ext cx="0" cy="0"/>
+          <a:chOff x="0" y="0"/>
+          <a:chExt cx="0" cy="0"/>
+        </a:xfrm>
+      </p:grpSpPr>
+      <p:sp>
+        <p:nvSpPr>
+          <p:cNvPr id="95234" name="Rectangle 7"/>
+          <p:cNvSpPr>
+            <a:spLocks noGrp="1" noChangeArrowheads="1"/>
+          </p:cNvSpPr>
+          <p:nvPr>
+            <p:ph type="sldNum" sz="quarter" idx="5"/>
+          </p:nvPr>
+        </p:nvSpPr>
+        <p:spPr>
+          <a:noFill/>
+        </p:spPr>
+        <p:txBody>
+          <a:bodyPr/>
+          <a:lstStyle/>
+          <a:p>
+            <a:fld id="{86016DC7-F49B-4F50-9A32-E9E9CFA38878}" type="slidenum">
+              <a:rPr lang="en-US" smtClean="0"/>
+              <a:pPr/>
+              <a:t>38</a:t>
+            </a:fld>
+            <a:endParaRPr lang="en-US"/>
+          </a:p>
+        </p:txBody>
+      </p:sp>
+      <p:sp>
+        <p:nvSpPr>
+          <p:cNvPr id="95235" name="Rectangle 2"/>
+          <p:cNvSpPr>
+            <a:spLocks noGrp="1" noRot="1" noChangeAspect="1" noChangeArrowheads="1" noTextEdit="1"/>
+          </p:cNvSpPr>
+          <p:nvPr>
+            <p:ph type="sldImg"/>
+          </p:nvPr>
+        </p:nvSpPr>
+        <p:spPr>
+          <a:xfrm>
+            <a:off x="1169988" y="687388"/>
+            <a:ext cx="4673600" cy="3505200"/>
+          </a:xfrm>
+          <a:ln/>
+        </p:spPr>
+      </p:sp>
+      <p:sp>
+        <p:nvSpPr>
+          <p:cNvPr id="95236" name="Rectangle 3"/>
+          <p:cNvSpPr>
+            <a:spLocks noGrp="1" noChangeArrowheads="1"/>
+          </p:cNvSpPr>
+          <p:nvPr>
+            <p:ph type="body" idx="1"/>
+          </p:nvPr>
+        </p:nvSpPr>
+        <p:spPr>
+          <a:xfrm>
+            <a:off x="914400" y="4421188"/>
+            <a:ext cx="5184775" cy="4191000"/>
+          </a:xfrm>
+          <a:noFill/>
+          <a:ln w="9525"/>
+        </p:spPr>
+        <p:txBody>
+          <a:bodyPr/>
+          <a:lstStyle/>
+          <a:p>
+            <a:endParaRPr lang="en-US"/>
+          </a:p>
+        </p:txBody>
+      </p:sp>
+    </p:spTree>
+    <p:extLst>
+      <p:ext uri="{BB962C8B-B14F-4D97-AF65-F5344CB8AC3E}">
+        <p14:creationId xmlns:p14="http://schemas.microsoft.com/office/powerpoint/2010/main" val="34259583"/>
+      </p:ext>
+    </p:extLst>
+  </p:cSld>
+  <p:clrMapOvr>
+    <a:masterClrMapping/>
+  </p:clrMapOvr>
+</p:notes>
+</file>
+
+<file path=ppt/notesSlides/notesSlide35.xml><?xml version="1.0" encoding="utf-8"?>
+<p:notes xmlns:a="http://schemas.openxmlformats.org/drawingml/2006/main" xmlns:r="http://schemas.openxmlformats.org/officeDocument/2006/relationships" xmlns:p="http://schemas.openxmlformats.org/presentationml/2006/main">
+  <p:cSld>
+    <p:spTree>
+      <p:nvGrpSpPr>
+        <p:cNvPr id="1" name=""/>
+        <p:cNvGrpSpPr/>
+        <p:nvPr/>
+      </p:nvGrpSpPr>
+      <p:grpSpPr>
+        <a:xfrm>
+          <a:off x="0" y="0"/>
+          <a:ext cx="0" cy="0"/>
+          <a:chOff x="0" y="0"/>
+          <a:chExt cx="0" cy="0"/>
+        </a:xfrm>
+      </p:grpSpPr>
+      <p:sp>
+        <p:nvSpPr>
+          <p:cNvPr id="95234" name="Rectangle 7"/>
+          <p:cNvSpPr>
+            <a:spLocks noGrp="1" noChangeArrowheads="1"/>
+          </p:cNvSpPr>
+          <p:nvPr>
+            <p:ph type="sldNum" sz="quarter" idx="5"/>
+          </p:nvPr>
+        </p:nvSpPr>
+        <p:spPr>
+          <a:noFill/>
+        </p:spPr>
+        <p:txBody>
+          <a:bodyPr/>
+          <a:lstStyle/>
+          <a:p>
+            <a:fld id="{86016DC7-F49B-4F50-9A32-E9E9CFA38878}" type="slidenum">
+              <a:rPr lang="en-US" smtClean="0"/>
+              <a:pPr/>
+              <a:t>39</a:t>
+            </a:fld>
+            <a:endParaRPr lang="en-US"/>
+          </a:p>
+        </p:txBody>
+      </p:sp>
+      <p:sp>
+        <p:nvSpPr>
+          <p:cNvPr id="95235" name="Rectangle 2"/>
+          <p:cNvSpPr>
+            <a:spLocks noGrp="1" noRot="1" noChangeAspect="1" noChangeArrowheads="1" noTextEdit="1"/>
+          </p:cNvSpPr>
+          <p:nvPr>
+            <p:ph type="sldImg"/>
+          </p:nvPr>
+        </p:nvSpPr>
+        <p:spPr>
+          <a:xfrm>
+            <a:off x="1169988" y="687388"/>
+            <a:ext cx="4673600" cy="3505200"/>
+          </a:xfrm>
+          <a:ln/>
+        </p:spPr>
+      </p:sp>
+      <p:sp>
+        <p:nvSpPr>
+          <p:cNvPr id="95236" name="Rectangle 3"/>
+          <p:cNvSpPr>
+            <a:spLocks noGrp="1" noChangeArrowheads="1"/>
+          </p:cNvSpPr>
+          <p:nvPr>
+            <p:ph type="body" idx="1"/>
+          </p:nvPr>
+        </p:nvSpPr>
+        <p:spPr>
+          <a:xfrm>
+            <a:off x="914400" y="4421188"/>
+            <a:ext cx="5184775" cy="4191000"/>
+          </a:xfrm>
+          <a:noFill/>
+          <a:ln w="9525"/>
+        </p:spPr>
+        <p:txBody>
+          <a:bodyPr/>
+          <a:lstStyle/>
+          <a:p>
+            <a:endParaRPr lang="en-US"/>
+          </a:p>
+        </p:txBody>
+      </p:sp>
+    </p:spTree>
+    <p:extLst>
+      <p:ext uri="{BB962C8B-B14F-4D97-AF65-F5344CB8AC3E}">
+        <p14:creationId xmlns:p14="http://schemas.microsoft.com/office/powerpoint/2010/main" val="128029670"/>
       </p:ext>
     </p:extLst>
   </p:cSld>
@@ -9915,58 +10218,6 @@
       </p:sp>
       <p:sp>
         <p:nvSpPr>
-          <p:cNvPr id="16389" name="Text Box 5"/>
-          <p:cNvSpPr txBox="1">
-            <a:spLocks noChangeArrowheads="1"/>
-          </p:cNvSpPr>
-          <p:nvPr/>
-        </p:nvSpPr>
-        <p:spPr bwMode="auto">
-          <a:xfrm>
-            <a:off x="5104673" y="4256782"/>
-            <a:ext cx="3638261" cy="769441"/>
-          </a:xfrm>
-          <a:prstGeom prst="rect">
-            <a:avLst/>
-          </a:prstGeom>
-          <a:noFill/>
-          <a:ln w="12700" cap="sq">
-            <a:noFill/>
-            <a:miter lim="800000"/>
-            <a:headEnd type="none" w="sm" len="sm"/>
-            <a:tailEnd type="none" w="sm" len="sm"/>
-          </a:ln>
-        </p:spPr>
-        <p:txBody>
-          <a:bodyPr wrap="none">
-            <a:spAutoFit/>
-          </a:bodyPr>
-          <a:lstStyle/>
-          <a:p>
-            <a:pPr algn="r"/>
-            <a:r>
-              <a:rPr lang="en-US" sz="2400">
-                <a:latin typeface="Arial" charset="0"/>
-              </a:rPr>
-              <a:t>John Manferdelli</a:t>
-            </a:r>
-            <a:endParaRPr lang="en-US" sz="2000" dirty="0">
-              <a:latin typeface="Arial" charset="0"/>
-            </a:endParaRPr>
-          </a:p>
-          <a:p>
-            <a:pPr algn="r"/>
-            <a:r>
-              <a:rPr lang="en-US" sz="2000" dirty="0">
-                <a:latin typeface="Arial" charset="0"/>
-              </a:rPr>
-              <a:t>JohnManferdelli@hotmail.com</a:t>
-            </a:r>
-          </a:p>
-        </p:txBody>
-      </p:sp>
-      <p:sp>
-        <p:nvSpPr>
           <p:cNvPr id="16390" name="Text Box 1028"/>
           <p:cNvSpPr txBox="1">
             <a:spLocks noChangeArrowheads="1"/>
@@ -10023,6 +10274,64 @@
             <a:endParaRPr lang="en-US" sz="2400" dirty="0">
               <a:latin typeface="Arial" charset="0"/>
             </a:endParaRPr>
+          </a:p>
+        </p:txBody>
+      </p:sp>
+      <p:sp>
+        <p:nvSpPr>
+          <p:cNvPr id="6" name="Text Box 5">
+            <a:extLst>
+              <a:ext uri="{FF2B5EF4-FFF2-40B4-BE49-F238E27FC236}">
+                <a16:creationId xmlns:a16="http://schemas.microsoft.com/office/drawing/2014/main" id="{564F1712-0EEC-784E-BB3D-B70B186AF937}"/>
+              </a:ext>
+            </a:extLst>
+          </p:cNvPr>
+          <p:cNvSpPr txBox="1">
+            <a:spLocks noChangeArrowheads="1"/>
+          </p:cNvSpPr>
+          <p:nvPr/>
+        </p:nvSpPr>
+        <p:spPr bwMode="auto">
+          <a:xfrm>
+            <a:off x="5105400" y="4419600"/>
+            <a:ext cx="3638261" cy="769441"/>
+          </a:xfrm>
+          <a:prstGeom prst="rect">
+            <a:avLst/>
+          </a:prstGeom>
+          <a:noFill/>
+          <a:ln w="12700" cap="sq">
+            <a:noFill/>
+            <a:miter lim="800000"/>
+            <a:headEnd type="none" w="sm" len="sm"/>
+            <a:tailEnd type="none" w="sm" len="sm"/>
+          </a:ln>
+        </p:spPr>
+        <p:txBody>
+          <a:bodyPr wrap="none">
+            <a:spAutoFit/>
+          </a:bodyPr>
+          <a:lstStyle/>
+          <a:p>
+            <a:pPr algn="r"/>
+            <a:r>
+              <a:rPr lang="en-US" sz="2400">
+                <a:latin typeface="Arial" charset="0"/>
+              </a:rPr>
+              <a:t>John Manferdelli</a:t>
+            </a:r>
+            <a:endParaRPr lang="en-US" sz="2000" dirty="0">
+              <a:latin typeface="Arial" charset="0"/>
+            </a:endParaRPr>
+          </a:p>
+          <a:p>
+            <a:pPr algn="r"/>
+            <a:r>
+              <a:rPr lang="en-US" sz="2000" dirty="0">
+                <a:latin typeface="Arial" charset="0"/>
+              </a:rPr>
+              <a:t>JohnManferdelli@hotmail.com</a:t>
+            </a:r>
           </a:p>
         </p:txBody>
       </p:sp>
@@ -14946,7 +15255,7 @@
         </p:nvSpPr>
         <p:spPr>
           <a:xfrm>
-            <a:off x="363220" y="152400"/>
+            <a:off x="363220" y="183573"/>
             <a:ext cx="7791450" cy="1111827"/>
           </a:xfrm>
         </p:spPr>
@@ -19558,6 +19867,666 @@
     <p:extLst>
       <p:ext uri="{BB962C8B-B14F-4D97-AF65-F5344CB8AC3E}">
         <p14:creationId xmlns:p14="http://schemas.microsoft.com/office/powerpoint/2010/main" val="1468241226"/>
+      </p:ext>
+    </p:extLst>
+  </p:cSld>
+  <p:clrMapOvr>
+    <a:masterClrMapping/>
+  </p:clrMapOvr>
+  <p:transition/>
+</p:sld>
+</file>
+
+<file path=ppt/slides/slide37.xml><?xml version="1.0" encoding="utf-8"?>
+<p:sld xmlns:a="http://schemas.openxmlformats.org/drawingml/2006/main" xmlns:r="http://schemas.openxmlformats.org/officeDocument/2006/relationships" xmlns:p="http://schemas.openxmlformats.org/presentationml/2006/main">
+  <p:cSld>
+    <p:spTree>
+      <p:nvGrpSpPr>
+        <p:cNvPr id="1" name=""/>
+        <p:cNvGrpSpPr/>
+        <p:nvPr/>
+      </p:nvGrpSpPr>
+      <p:grpSpPr>
+        <a:xfrm>
+          <a:off x="0" y="0"/>
+          <a:ext cx="0" cy="0"/>
+          <a:chOff x="0" y="0"/>
+          <a:chExt cx="0" cy="0"/>
+        </a:xfrm>
+      </p:grpSpPr>
+      <p:sp>
+        <p:nvSpPr>
+          <p:cNvPr id="23556" name="Rectangle 2"/>
+          <p:cNvSpPr>
+            <a:spLocks noGrp="1" noChangeArrowheads="1"/>
+          </p:cNvSpPr>
+          <p:nvPr>
+            <p:ph type="title"/>
+          </p:nvPr>
+        </p:nvSpPr>
+        <p:spPr>
+          <a:xfrm>
+            <a:off x="682752" y="114300"/>
+            <a:ext cx="7772400" cy="838200"/>
+          </a:xfrm>
+        </p:spPr>
+        <p:txBody>
+          <a:bodyPr/>
+          <a:lstStyle/>
+          <a:p>
+            <a:r>
+              <a:rPr lang="en-US" sz="3600" dirty="0"/>
+              <a:t>Security Model</a:t>
+            </a:r>
+          </a:p>
+        </p:txBody>
+      </p:sp>
+      <p:sp>
+        <p:nvSpPr>
+          <p:cNvPr id="23557" name="Rectangle 3"/>
+          <p:cNvSpPr>
+            <a:spLocks noGrp="1" noChangeArrowheads="1"/>
+          </p:cNvSpPr>
+          <p:nvPr>
+            <p:ph type="body" idx="1"/>
+          </p:nvPr>
+        </p:nvSpPr>
+        <p:spPr>
+          <a:xfrm>
+            <a:off x="454152" y="1447800"/>
+            <a:ext cx="8229600" cy="4648200"/>
+          </a:xfrm>
+        </p:spPr>
+        <p:txBody>
+          <a:bodyPr/>
+          <a:lstStyle/>
+          <a:p>
+            <a:pPr>
+              <a:lnSpc>
+                <a:spcPct val="90000"/>
+              </a:lnSpc>
+            </a:pPr>
+            <a:r>
+              <a:rPr lang="en-US" sz="2000" dirty="0">
+                <a:latin typeface="Arial" panose="020B0604020202020204" pitchFamily="34" charset="0"/>
+                <a:cs typeface="Arial" panose="020B0604020202020204" pitchFamily="34" charset="0"/>
+              </a:rPr>
+              <a:t>There are two different security foundations for “execution jitter” as an entropy source.</a:t>
+            </a:r>
+          </a:p>
+          <a:p>
+            <a:pPr lvl="1">
+              <a:lnSpc>
+                <a:spcPct val="90000"/>
+              </a:lnSpc>
+            </a:pPr>
+            <a:r>
+              <a:rPr lang="en-US" sz="2000" dirty="0">
+                <a:latin typeface="Arial" panose="020B0604020202020204" pitchFamily="34" charset="0"/>
+                <a:cs typeface="Arial" panose="020B0604020202020204" pitchFamily="34" charset="0"/>
+              </a:rPr>
+              <a:t>Unpredictable timing artifacts that are caused by pure physical processes that affect jitter.  For example, cross domain clocking environments which affects timing jitter.  This is physical. </a:t>
+            </a:r>
+          </a:p>
+          <a:p>
+            <a:pPr lvl="1">
+              <a:lnSpc>
+                <a:spcPct val="90000"/>
+              </a:lnSpc>
+            </a:pPr>
+            <a:r>
+              <a:rPr lang="en-US" sz="2000" dirty="0">
+                <a:latin typeface="Arial" panose="020B0604020202020204" pitchFamily="34" charset="0"/>
+                <a:cs typeface="Arial" panose="020B0604020202020204" pitchFamily="34" charset="0"/>
+              </a:rPr>
+              <a:t>The computational barrier to recreate complex CPU state: caches, branch prediction, frequency scaling, intervening interrupts, locks, cross CPU performance differences, TLB misses, speculative execution.</a:t>
+            </a:r>
+          </a:p>
+          <a:p>
+            <a:pPr lvl="1">
+              <a:lnSpc>
+                <a:spcPct val="90000"/>
+              </a:lnSpc>
+            </a:pPr>
+            <a:r>
+              <a:rPr lang="en-US" sz="2000" dirty="0">
+                <a:latin typeface="Arial" panose="020B0604020202020204" pitchFamily="34" charset="0"/>
+                <a:cs typeface="Arial" panose="020B0604020202020204" pitchFamily="34" charset="0"/>
+              </a:rPr>
+              <a:t>Both are present.</a:t>
+            </a:r>
+          </a:p>
+        </p:txBody>
+      </p:sp>
+      <p:sp>
+        <p:nvSpPr>
+          <p:cNvPr id="8" name="Slide Number Placeholder 7"/>
+          <p:cNvSpPr>
+            <a:spLocks noGrp="1"/>
+          </p:cNvSpPr>
+          <p:nvPr>
+            <p:ph type="sldNum" sz="quarter" idx="12"/>
+          </p:nvPr>
+        </p:nvSpPr>
+        <p:spPr/>
+        <p:txBody>
+          <a:bodyPr/>
+          <a:lstStyle/>
+          <a:p>
+            <a:pPr>
+              <a:defRPr/>
+            </a:pPr>
+            <a:fld id="{8E09DF16-9352-46A7-97F1-1D13A8547ADD}" type="slidenum">
+              <a:rPr lang="en-US" smtClean="0"/>
+              <a:pPr>
+                <a:defRPr/>
+              </a:pPr>
+              <a:t>37</a:t>
+            </a:fld>
+            <a:endParaRPr lang="en-US"/>
+          </a:p>
+        </p:txBody>
+      </p:sp>
+    </p:spTree>
+    <p:extLst>
+      <p:ext uri="{BB962C8B-B14F-4D97-AF65-F5344CB8AC3E}">
+        <p14:creationId xmlns:p14="http://schemas.microsoft.com/office/powerpoint/2010/main" val="3416314446"/>
+      </p:ext>
+    </p:extLst>
+  </p:cSld>
+  <p:clrMapOvr>
+    <a:masterClrMapping/>
+  </p:clrMapOvr>
+  <p:transition/>
+</p:sld>
+</file>
+
+<file path=ppt/slides/slide38.xml><?xml version="1.0" encoding="utf-8"?>
+<p:sld xmlns:a="http://schemas.openxmlformats.org/drawingml/2006/main" xmlns:r="http://schemas.openxmlformats.org/officeDocument/2006/relationships" xmlns:p="http://schemas.openxmlformats.org/presentationml/2006/main">
+  <p:cSld>
+    <p:spTree>
+      <p:nvGrpSpPr>
+        <p:cNvPr id="1" name=""/>
+        <p:cNvGrpSpPr/>
+        <p:nvPr/>
+      </p:nvGrpSpPr>
+      <p:grpSpPr>
+        <a:xfrm>
+          <a:off x="0" y="0"/>
+          <a:ext cx="0" cy="0"/>
+          <a:chOff x="0" y="0"/>
+          <a:chExt cx="0" cy="0"/>
+        </a:xfrm>
+      </p:grpSpPr>
+      <p:sp>
+        <p:nvSpPr>
+          <p:cNvPr id="23556" name="Rectangle 2"/>
+          <p:cNvSpPr>
+            <a:spLocks noGrp="1" noChangeArrowheads="1"/>
+          </p:cNvSpPr>
+          <p:nvPr>
+            <p:ph type="title"/>
+          </p:nvPr>
+        </p:nvSpPr>
+        <p:spPr>
+          <a:xfrm>
+            <a:off x="682752" y="114300"/>
+            <a:ext cx="7772400" cy="838200"/>
+          </a:xfrm>
+        </p:spPr>
+        <p:txBody>
+          <a:bodyPr/>
+          <a:lstStyle/>
+          <a:p>
+            <a:r>
+              <a:rPr lang="en-US" sz="3600" dirty="0"/>
+              <a:t>Security Model --- symmetric crypto</a:t>
+            </a:r>
+          </a:p>
+        </p:txBody>
+      </p:sp>
+      <p:sp>
+        <p:nvSpPr>
+          <p:cNvPr id="23557" name="Rectangle 3"/>
+          <p:cNvSpPr>
+            <a:spLocks noGrp="1" noChangeArrowheads="1"/>
+          </p:cNvSpPr>
+          <p:nvPr>
+            <p:ph type="body" idx="1"/>
+          </p:nvPr>
+        </p:nvSpPr>
+        <p:spPr>
+          <a:xfrm>
+            <a:off x="228600" y="1143000"/>
+            <a:ext cx="8610600" cy="5105400"/>
+          </a:xfrm>
+        </p:spPr>
+        <p:txBody>
+          <a:bodyPr/>
+          <a:lstStyle/>
+          <a:p>
+            <a:pPr>
+              <a:lnSpc>
+                <a:spcPct val="90000"/>
+              </a:lnSpc>
+            </a:pPr>
+            <a:r>
+              <a:rPr lang="en-US" sz="2000" dirty="0">
+                <a:latin typeface="Arial" panose="020B0604020202020204" pitchFamily="34" charset="0"/>
+                <a:cs typeface="Arial" panose="020B0604020202020204" pitchFamily="34" charset="0"/>
+              </a:rPr>
+              <a:t>Two security models</a:t>
+            </a:r>
+          </a:p>
+          <a:p>
+            <a:pPr lvl="1">
+              <a:lnSpc>
+                <a:spcPct val="90000"/>
+              </a:lnSpc>
+            </a:pPr>
+            <a:r>
+              <a:rPr lang="en-US" sz="2000" dirty="0">
+                <a:latin typeface="Arial" panose="020B0604020202020204" pitchFamily="34" charset="0"/>
+                <a:cs typeface="Arial" panose="020B0604020202020204" pitchFamily="34" charset="0"/>
+              </a:rPr>
+              <a:t>One time pad corresponds to “physical entropy.”  Safe regardless of computational assumptions.</a:t>
+            </a:r>
+          </a:p>
+          <a:p>
+            <a:pPr lvl="1">
+              <a:lnSpc>
+                <a:spcPct val="90000"/>
+              </a:lnSpc>
+            </a:pPr>
+            <a:r>
+              <a:rPr lang="en-US" sz="2000" dirty="0">
+                <a:latin typeface="Arial" panose="020B0604020202020204" pitchFamily="34" charset="0"/>
+                <a:cs typeface="Arial" panose="020B0604020202020204" pitchFamily="34" charset="0"/>
+              </a:rPr>
+              <a:t>Real security based on computation</a:t>
+            </a:r>
+          </a:p>
+          <a:p>
+            <a:pPr lvl="2">
+              <a:lnSpc>
+                <a:spcPct val="90000"/>
+              </a:lnSpc>
+            </a:pPr>
+            <a:r>
+              <a:rPr lang="en-US" sz="1800" dirty="0">
+                <a:latin typeface="Arial" panose="020B0604020202020204" pitchFamily="34" charset="0"/>
+                <a:cs typeface="Arial" panose="020B0604020202020204" pitchFamily="34" charset="0"/>
+              </a:rPr>
+              <a:t>Model: Given a known cipher (say AES) with a prescribed key size (say 128 bits) and one block of corresponding known plain and ciphertext. What is “gold standard” to evaluate its security?</a:t>
+            </a:r>
+          </a:p>
+          <a:p>
+            <a:pPr lvl="2">
+              <a:lnSpc>
+                <a:spcPct val="90000"/>
+              </a:lnSpc>
+            </a:pPr>
+            <a:r>
+              <a:rPr lang="en-US" sz="1800" dirty="0">
+                <a:latin typeface="Arial" panose="020B0604020202020204" pitchFamily="34" charset="0"/>
+                <a:cs typeface="Arial" panose="020B0604020202020204" pitchFamily="34" charset="0"/>
+              </a:rPr>
+              <a:t>Answer: If best adversary’s most efficient attack is brute force, cipher is good.   Guaranteed success in 2</a:t>
+            </a:r>
+            <a:r>
+              <a:rPr lang="en-US" sz="1800" baseline="30000" dirty="0">
+                <a:latin typeface="Arial" panose="020B0604020202020204" pitchFamily="34" charset="0"/>
+                <a:cs typeface="Arial" panose="020B0604020202020204" pitchFamily="34" charset="0"/>
+              </a:rPr>
+              <a:t>128</a:t>
+            </a:r>
+            <a:r>
+              <a:rPr lang="en-US" sz="1800" dirty="0">
+                <a:latin typeface="Arial" panose="020B0604020202020204" pitchFamily="34" charset="0"/>
+                <a:cs typeface="Arial" panose="020B0604020202020204" pitchFamily="34" charset="0"/>
+              </a:rPr>
+              <a:t> steps, expected cost is 2</a:t>
+            </a:r>
+            <a:r>
+              <a:rPr lang="en-US" sz="1800" baseline="30000" dirty="0">
+                <a:latin typeface="Arial" panose="020B0604020202020204" pitchFamily="34" charset="0"/>
+                <a:cs typeface="Arial" panose="020B0604020202020204" pitchFamily="34" charset="0"/>
+              </a:rPr>
+              <a:t>127</a:t>
+            </a:r>
+            <a:r>
+              <a:rPr lang="en-US" sz="1800" dirty="0">
+                <a:latin typeface="Arial" panose="020B0604020202020204" pitchFamily="34" charset="0"/>
+                <a:cs typeface="Arial" panose="020B0604020202020204" pitchFamily="34" charset="0"/>
+              </a:rPr>
+              <a:t> steps.</a:t>
+            </a:r>
+          </a:p>
+          <a:p>
+            <a:pPr>
+              <a:lnSpc>
+                <a:spcPct val="90000"/>
+              </a:lnSpc>
+            </a:pPr>
+            <a:r>
+              <a:rPr lang="en-US" sz="2000" dirty="0">
+                <a:latin typeface="Arial" panose="020B0604020202020204" pitchFamily="34" charset="0"/>
+                <a:cs typeface="Arial" panose="020B0604020202020204" pitchFamily="34" charset="0"/>
+              </a:rPr>
+              <a:t>Computational entropy</a:t>
+            </a:r>
+          </a:p>
+          <a:p>
+            <a:pPr lvl="1">
+              <a:lnSpc>
+                <a:spcPct val="90000"/>
+              </a:lnSpc>
+            </a:pPr>
+            <a:r>
+              <a:rPr lang="en-US" sz="1800" dirty="0">
+                <a:latin typeface="Arial" panose="020B0604020202020204" pitchFamily="34" charset="0"/>
+                <a:cs typeface="Arial" panose="020B0604020202020204" pitchFamily="34" charset="0"/>
+              </a:rPr>
+              <a:t>If I produce n bits of entropy and any successful adversary must carry out 2</a:t>
+            </a:r>
+            <a:r>
+              <a:rPr lang="en-US" sz="1800" baseline="30000" dirty="0">
+                <a:latin typeface="Arial" panose="020B0604020202020204" pitchFamily="34" charset="0"/>
+                <a:cs typeface="Arial" panose="020B0604020202020204" pitchFamily="34" charset="0"/>
+              </a:rPr>
+              <a:t>n</a:t>
+            </a:r>
+            <a:r>
+              <a:rPr lang="en-US" sz="1800" dirty="0">
+                <a:latin typeface="Arial" panose="020B0604020202020204" pitchFamily="34" charset="0"/>
+                <a:cs typeface="Arial" panose="020B0604020202020204" pitchFamily="34" charset="0"/>
+              </a:rPr>
+              <a:t> operations (say, to recreate a deterministic process used to produce the entropy), the entropy generation has “equivalent” security to the underlying cipher that uses it.</a:t>
+            </a:r>
+          </a:p>
+          <a:p>
+            <a:pPr lvl="1">
+              <a:lnSpc>
+                <a:spcPct val="90000"/>
+              </a:lnSpc>
+            </a:pPr>
+            <a:r>
+              <a:rPr lang="en-US" sz="1800" dirty="0">
+                <a:latin typeface="Arial" panose="020B0604020202020204" pitchFamily="34" charset="0"/>
+                <a:cs typeface="Arial" panose="020B0604020202020204" pitchFamily="34" charset="0"/>
+              </a:rPr>
+              <a:t>So, we have to “prove” an adversary must perform 2</a:t>
+            </a:r>
+            <a:r>
+              <a:rPr lang="en-US" sz="1800" baseline="30000" dirty="0">
+                <a:latin typeface="Arial" panose="020B0604020202020204" pitchFamily="34" charset="0"/>
+                <a:cs typeface="Arial" panose="020B0604020202020204" pitchFamily="34" charset="0"/>
+              </a:rPr>
+              <a:t>n</a:t>
+            </a:r>
+            <a:r>
+              <a:rPr lang="en-US" sz="1800" dirty="0">
+                <a:latin typeface="Arial" panose="020B0604020202020204" pitchFamily="34" charset="0"/>
+                <a:cs typeface="Arial" panose="020B0604020202020204" pitchFamily="34" charset="0"/>
+              </a:rPr>
+              <a:t> operations to condition machine state to produce the environment that generated the entropy scheme.</a:t>
+            </a:r>
+          </a:p>
+        </p:txBody>
+      </p:sp>
+      <p:sp>
+        <p:nvSpPr>
+          <p:cNvPr id="8" name="Slide Number Placeholder 7"/>
+          <p:cNvSpPr>
+            <a:spLocks noGrp="1"/>
+          </p:cNvSpPr>
+          <p:nvPr>
+            <p:ph type="sldNum" sz="quarter" idx="12"/>
+          </p:nvPr>
+        </p:nvSpPr>
+        <p:spPr/>
+        <p:txBody>
+          <a:bodyPr/>
+          <a:lstStyle/>
+          <a:p>
+            <a:pPr>
+              <a:defRPr/>
+            </a:pPr>
+            <a:fld id="{8E09DF16-9352-46A7-97F1-1D13A8547ADD}" type="slidenum">
+              <a:rPr lang="en-US" smtClean="0"/>
+              <a:pPr>
+                <a:defRPr/>
+              </a:pPr>
+              <a:t>38</a:t>
+            </a:fld>
+            <a:endParaRPr lang="en-US"/>
+          </a:p>
+        </p:txBody>
+      </p:sp>
+    </p:spTree>
+    <p:extLst>
+      <p:ext uri="{BB962C8B-B14F-4D97-AF65-F5344CB8AC3E}">
+        <p14:creationId xmlns:p14="http://schemas.microsoft.com/office/powerpoint/2010/main" val="800163729"/>
+      </p:ext>
+    </p:extLst>
+  </p:cSld>
+  <p:clrMapOvr>
+    <a:masterClrMapping/>
+  </p:clrMapOvr>
+  <p:transition/>
+</p:sld>
+</file>
+
+<file path=ppt/slides/slide39.xml><?xml version="1.0" encoding="utf-8"?>
+<p:sld xmlns:a="http://schemas.openxmlformats.org/drawingml/2006/main" xmlns:r="http://schemas.openxmlformats.org/officeDocument/2006/relationships" xmlns:p="http://schemas.openxmlformats.org/presentationml/2006/main">
+  <p:cSld>
+    <p:spTree>
+      <p:nvGrpSpPr>
+        <p:cNvPr id="1" name=""/>
+        <p:cNvGrpSpPr/>
+        <p:nvPr/>
+      </p:nvGrpSpPr>
+      <p:grpSpPr>
+        <a:xfrm>
+          <a:off x="0" y="0"/>
+          <a:ext cx="0" cy="0"/>
+          <a:chOff x="0" y="0"/>
+          <a:chExt cx="0" cy="0"/>
+        </a:xfrm>
+      </p:grpSpPr>
+      <p:sp>
+        <p:nvSpPr>
+          <p:cNvPr id="23556" name="Rectangle 2"/>
+          <p:cNvSpPr>
+            <a:spLocks noGrp="1" noChangeArrowheads="1"/>
+          </p:cNvSpPr>
+          <p:nvPr>
+            <p:ph type="title"/>
+          </p:nvPr>
+        </p:nvSpPr>
+        <p:spPr>
+          <a:xfrm>
+            <a:off x="682752" y="114300"/>
+            <a:ext cx="7772400" cy="838200"/>
+          </a:xfrm>
+        </p:spPr>
+        <p:txBody>
+          <a:bodyPr/>
+          <a:lstStyle/>
+          <a:p>
+            <a:r>
+              <a:rPr lang="en-US" sz="3600" dirty="0"/>
+              <a:t>Translating this to execution jitter</a:t>
+            </a:r>
+          </a:p>
+        </p:txBody>
+      </p:sp>
+      <p:sp>
+        <p:nvSpPr>
+          <p:cNvPr id="23557" name="Rectangle 3"/>
+          <p:cNvSpPr>
+            <a:spLocks noGrp="1" noChangeArrowheads="1"/>
+          </p:cNvSpPr>
+          <p:nvPr>
+            <p:ph type="body" idx="1"/>
+          </p:nvPr>
+        </p:nvSpPr>
+        <p:spPr>
+          <a:xfrm>
+            <a:off x="228600" y="1295400"/>
+            <a:ext cx="8610600" cy="4953000"/>
+          </a:xfrm>
+        </p:spPr>
+        <p:txBody>
+          <a:bodyPr/>
+          <a:lstStyle/>
+          <a:p>
+            <a:pPr>
+              <a:lnSpc>
+                <a:spcPct val="90000"/>
+              </a:lnSpc>
+            </a:pPr>
+            <a:r>
+              <a:rPr lang="en-US" sz="2000" dirty="0">
+                <a:latin typeface="Arial" panose="020B0604020202020204" pitchFamily="34" charset="0"/>
+                <a:cs typeface="Arial" panose="020B0604020202020204" pitchFamily="34" charset="0"/>
+              </a:rPr>
+              <a:t>What we want to show is that the expected effort to “recreate” the machine state to successfully reproduce the execution jitter purporting to provide n bits of </a:t>
+            </a:r>
+            <a:r>
+              <a:rPr lang="en-US" sz="2000">
+                <a:latin typeface="Arial" panose="020B0604020202020204" pitchFamily="34" charset="0"/>
+                <a:cs typeface="Arial" panose="020B0604020202020204" pitchFamily="34" charset="0"/>
+              </a:rPr>
+              <a:t>entropy requires </a:t>
+            </a:r>
+            <a:r>
+              <a:rPr lang="en-US" sz="2000" dirty="0">
+                <a:latin typeface="Arial" panose="020B0604020202020204" pitchFamily="34" charset="0"/>
+                <a:cs typeface="Arial" panose="020B0604020202020204" pitchFamily="34" charset="0"/>
+              </a:rPr>
+              <a:t>2</a:t>
+            </a:r>
+            <a:r>
+              <a:rPr lang="en-US" sz="2000" baseline="30000" dirty="0">
+                <a:latin typeface="Arial" panose="020B0604020202020204" pitchFamily="34" charset="0"/>
+                <a:cs typeface="Arial" panose="020B0604020202020204" pitchFamily="34" charset="0"/>
+              </a:rPr>
+              <a:t>n</a:t>
+            </a:r>
+            <a:r>
+              <a:rPr lang="en-US" sz="2000" dirty="0">
+                <a:latin typeface="Arial" panose="020B0604020202020204" pitchFamily="34" charset="0"/>
+                <a:cs typeface="Arial" panose="020B0604020202020204" pitchFamily="34" charset="0"/>
+              </a:rPr>
+              <a:t> operations (this includes guesses or conditioning)</a:t>
+            </a:r>
+          </a:p>
+          <a:p>
+            <a:pPr>
+              <a:lnSpc>
+                <a:spcPct val="90000"/>
+              </a:lnSpc>
+            </a:pPr>
+            <a:r>
+              <a:rPr lang="en-US" sz="2000" dirty="0">
+                <a:latin typeface="Arial" panose="020B0604020202020204" pitchFamily="34" charset="0"/>
+                <a:cs typeface="Arial" panose="020B0604020202020204" pitchFamily="34" charset="0"/>
+              </a:rPr>
+              <a:t>How?</a:t>
+            </a:r>
+          </a:p>
+          <a:p>
+            <a:pPr lvl="1">
+              <a:lnSpc>
+                <a:spcPct val="90000"/>
+              </a:lnSpc>
+            </a:pPr>
+            <a:r>
+              <a:rPr lang="en-US" sz="2000" dirty="0">
+                <a:latin typeface="Arial" panose="020B0604020202020204" pitchFamily="34" charset="0"/>
+                <a:cs typeface="Arial" panose="020B0604020202020204" pitchFamily="34" charset="0"/>
+              </a:rPr>
+              <a:t>Reduction to scheduling problem (given actual physical jitter)</a:t>
+            </a:r>
+          </a:p>
+          <a:p>
+            <a:pPr lvl="1">
+              <a:lnSpc>
+                <a:spcPct val="90000"/>
+              </a:lnSpc>
+            </a:pPr>
+            <a:r>
+              <a:rPr lang="en-US" sz="2000" dirty="0">
+                <a:latin typeface="Arial" panose="020B0604020202020204" pitchFamily="34" charset="0"/>
+                <a:cs typeface="Arial" panose="020B0604020202020204" pitchFamily="34" charset="0"/>
+              </a:rPr>
+              <a:t>Thousands of bits of machine state contribute to producing the precise environment:</a:t>
+            </a:r>
+          </a:p>
+          <a:p>
+            <a:pPr lvl="2">
+              <a:lnSpc>
+                <a:spcPct val="90000"/>
+              </a:lnSpc>
+            </a:pPr>
+            <a:r>
+              <a:rPr lang="en-US" sz="1800" dirty="0">
+                <a:latin typeface="Arial" panose="020B0604020202020204" pitchFamily="34" charset="0"/>
+                <a:cs typeface="Arial" panose="020B0604020202020204" pitchFamily="34" charset="0"/>
+              </a:rPr>
+              <a:t>Cache state, TLB, branches, precise timing of board level interrupts and their affect on state, races that affect physical maps, microcode.</a:t>
+            </a:r>
+          </a:p>
+          <a:p>
+            <a:pPr lvl="2">
+              <a:lnSpc>
+                <a:spcPct val="90000"/>
+              </a:lnSpc>
+            </a:pPr>
+            <a:r>
+              <a:rPr lang="en-US" sz="1800" dirty="0">
+                <a:latin typeface="Arial" panose="020B0604020202020204" pitchFamily="34" charset="0"/>
+                <a:cs typeface="Arial" panose="020B0604020202020204" pitchFamily="34" charset="0"/>
+              </a:rPr>
+              <a:t>Not all internal state can be “set.” Some require reproducing execution traces and interrupts as well as full knowledge of all associated software affecting the platform and even data associated with the computation.</a:t>
+            </a:r>
+          </a:p>
+        </p:txBody>
+      </p:sp>
+      <p:sp>
+        <p:nvSpPr>
+          <p:cNvPr id="8" name="Slide Number Placeholder 7"/>
+          <p:cNvSpPr>
+            <a:spLocks noGrp="1"/>
+          </p:cNvSpPr>
+          <p:nvPr>
+            <p:ph type="sldNum" sz="quarter" idx="12"/>
+          </p:nvPr>
+        </p:nvSpPr>
+        <p:spPr/>
+        <p:txBody>
+          <a:bodyPr/>
+          <a:lstStyle/>
+          <a:p>
+            <a:pPr>
+              <a:defRPr/>
+            </a:pPr>
+            <a:fld id="{8E09DF16-9352-46A7-97F1-1D13A8547ADD}" type="slidenum">
+              <a:rPr lang="en-US" smtClean="0"/>
+              <a:pPr>
+                <a:defRPr/>
+              </a:pPr>
+              <a:t>39</a:t>
+            </a:fld>
+            <a:endParaRPr lang="en-US"/>
+          </a:p>
+        </p:txBody>
+      </p:sp>
+    </p:spTree>
+    <p:extLst>
+      <p:ext uri="{BB962C8B-B14F-4D97-AF65-F5344CB8AC3E}">
+        <p14:creationId xmlns:p14="http://schemas.microsoft.com/office/powerpoint/2010/main" val="1423581058"/>
       </p:ext>
     </p:extLst>
   </p:cSld>

--- a/BerkeleyClass/CS290Spring2013/Lectures/entropy_talk.pptx
+++ b/BerkeleyClass/CS290Spring2013/Lectures/entropy_talk.pptx
@@ -5,10 +5,10 @@
     <p:sldMasterId id="2147483649" r:id="rId1"/>
   </p:sldMasterIdLst>
   <p:notesMasterIdLst>
-    <p:notesMasterId r:id="rId41"/>
+    <p:notesMasterId r:id="rId47"/>
   </p:notesMasterIdLst>
   <p:handoutMasterIdLst>
-    <p:handoutMasterId r:id="rId42"/>
+    <p:handoutMasterId r:id="rId48"/>
   </p:handoutMasterIdLst>
   <p:sldIdLst>
     <p:sldId id="3175" r:id="rId2"/>
@@ -50,6 +50,12 @@
     <p:sldId id="3804" r:id="rId38"/>
     <p:sldId id="3805" r:id="rId39"/>
     <p:sldId id="3806" r:id="rId40"/>
+    <p:sldId id="3808" r:id="rId41"/>
+    <p:sldId id="3811" r:id="rId42"/>
+    <p:sldId id="3809" r:id="rId43"/>
+    <p:sldId id="3812" r:id="rId44"/>
+    <p:sldId id="3807" r:id="rId45"/>
+    <p:sldId id="3810" r:id="rId46"/>
   </p:sldIdLst>
   <p:sldSz cx="9144000" cy="6858000" type="screen4x3"/>
   <p:notesSz cx="7010400" cy="9296400"/>
@@ -3805,6 +3811,406 @@
 </p:notes>
 </file>
 
+<file path=ppt/notesSlides/notesSlide36.xml><?xml version="1.0" encoding="utf-8"?>
+<p:notes xmlns:a="http://schemas.openxmlformats.org/drawingml/2006/main" xmlns:r="http://schemas.openxmlformats.org/officeDocument/2006/relationships" xmlns:p="http://schemas.openxmlformats.org/presentationml/2006/main">
+  <p:cSld>
+    <p:spTree>
+      <p:nvGrpSpPr>
+        <p:cNvPr id="1" name=""/>
+        <p:cNvGrpSpPr/>
+        <p:nvPr/>
+      </p:nvGrpSpPr>
+      <p:grpSpPr>
+        <a:xfrm>
+          <a:off x="0" y="0"/>
+          <a:ext cx="0" cy="0"/>
+          <a:chOff x="0" y="0"/>
+          <a:chExt cx="0" cy="0"/>
+        </a:xfrm>
+      </p:grpSpPr>
+      <p:sp>
+        <p:nvSpPr>
+          <p:cNvPr id="95234" name="Rectangle 7"/>
+          <p:cNvSpPr>
+            <a:spLocks noGrp="1" noChangeArrowheads="1"/>
+          </p:cNvSpPr>
+          <p:nvPr>
+            <p:ph type="sldNum" sz="quarter" idx="5"/>
+          </p:nvPr>
+        </p:nvSpPr>
+        <p:spPr>
+          <a:noFill/>
+        </p:spPr>
+        <p:txBody>
+          <a:bodyPr/>
+          <a:lstStyle/>
+          <a:p>
+            <a:fld id="{86016DC7-F49B-4F50-9A32-E9E9CFA38878}" type="slidenum">
+              <a:rPr lang="en-US" smtClean="0"/>
+              <a:pPr/>
+              <a:t>40</a:t>
+            </a:fld>
+            <a:endParaRPr lang="en-US"/>
+          </a:p>
+        </p:txBody>
+      </p:sp>
+      <p:sp>
+        <p:nvSpPr>
+          <p:cNvPr id="95235" name="Rectangle 2"/>
+          <p:cNvSpPr>
+            <a:spLocks noGrp="1" noRot="1" noChangeAspect="1" noChangeArrowheads="1" noTextEdit="1"/>
+          </p:cNvSpPr>
+          <p:nvPr>
+            <p:ph type="sldImg"/>
+          </p:nvPr>
+        </p:nvSpPr>
+        <p:spPr>
+          <a:xfrm>
+            <a:off x="1169988" y="687388"/>
+            <a:ext cx="4673600" cy="3505200"/>
+          </a:xfrm>
+          <a:ln/>
+        </p:spPr>
+      </p:sp>
+      <p:sp>
+        <p:nvSpPr>
+          <p:cNvPr id="95236" name="Rectangle 3"/>
+          <p:cNvSpPr>
+            <a:spLocks noGrp="1" noChangeArrowheads="1"/>
+          </p:cNvSpPr>
+          <p:nvPr>
+            <p:ph type="body" idx="1"/>
+          </p:nvPr>
+        </p:nvSpPr>
+        <p:spPr>
+          <a:xfrm>
+            <a:off x="914400" y="4421188"/>
+            <a:ext cx="5184775" cy="4191000"/>
+          </a:xfrm>
+          <a:noFill/>
+          <a:ln w="9525"/>
+        </p:spPr>
+        <p:txBody>
+          <a:bodyPr/>
+          <a:lstStyle/>
+          <a:p>
+            <a:endParaRPr lang="en-US"/>
+          </a:p>
+        </p:txBody>
+      </p:sp>
+    </p:spTree>
+    <p:extLst>
+      <p:ext uri="{BB962C8B-B14F-4D97-AF65-F5344CB8AC3E}">
+        <p14:creationId xmlns:p14="http://schemas.microsoft.com/office/powerpoint/2010/main" val="351177776"/>
+      </p:ext>
+    </p:extLst>
+  </p:cSld>
+  <p:clrMapOvr>
+    <a:masterClrMapping/>
+  </p:clrMapOvr>
+</p:notes>
+</file>
+
+<file path=ppt/notesSlides/notesSlide37.xml><?xml version="1.0" encoding="utf-8"?>
+<p:notes xmlns:a="http://schemas.openxmlformats.org/drawingml/2006/main" xmlns:r="http://schemas.openxmlformats.org/officeDocument/2006/relationships" xmlns:p="http://schemas.openxmlformats.org/presentationml/2006/main">
+  <p:cSld>
+    <p:spTree>
+      <p:nvGrpSpPr>
+        <p:cNvPr id="1" name=""/>
+        <p:cNvGrpSpPr/>
+        <p:nvPr/>
+      </p:nvGrpSpPr>
+      <p:grpSpPr>
+        <a:xfrm>
+          <a:off x="0" y="0"/>
+          <a:ext cx="0" cy="0"/>
+          <a:chOff x="0" y="0"/>
+          <a:chExt cx="0" cy="0"/>
+        </a:xfrm>
+      </p:grpSpPr>
+      <p:sp>
+        <p:nvSpPr>
+          <p:cNvPr id="95234" name="Rectangle 7"/>
+          <p:cNvSpPr>
+            <a:spLocks noGrp="1" noChangeArrowheads="1"/>
+          </p:cNvSpPr>
+          <p:nvPr>
+            <p:ph type="sldNum" sz="quarter" idx="5"/>
+          </p:nvPr>
+        </p:nvSpPr>
+        <p:spPr>
+          <a:noFill/>
+        </p:spPr>
+        <p:txBody>
+          <a:bodyPr/>
+          <a:lstStyle/>
+          <a:p>
+            <a:fld id="{86016DC7-F49B-4F50-9A32-E9E9CFA38878}" type="slidenum">
+              <a:rPr lang="en-US" smtClean="0"/>
+              <a:pPr/>
+              <a:t>41</a:t>
+            </a:fld>
+            <a:endParaRPr lang="en-US"/>
+          </a:p>
+        </p:txBody>
+      </p:sp>
+      <p:sp>
+        <p:nvSpPr>
+          <p:cNvPr id="95235" name="Rectangle 2"/>
+          <p:cNvSpPr>
+            <a:spLocks noGrp="1" noRot="1" noChangeAspect="1" noChangeArrowheads="1" noTextEdit="1"/>
+          </p:cNvSpPr>
+          <p:nvPr>
+            <p:ph type="sldImg"/>
+          </p:nvPr>
+        </p:nvSpPr>
+        <p:spPr>
+          <a:xfrm>
+            <a:off x="1169988" y="687388"/>
+            <a:ext cx="4673600" cy="3505200"/>
+          </a:xfrm>
+          <a:ln/>
+        </p:spPr>
+      </p:sp>
+      <p:sp>
+        <p:nvSpPr>
+          <p:cNvPr id="95236" name="Rectangle 3"/>
+          <p:cNvSpPr>
+            <a:spLocks noGrp="1" noChangeArrowheads="1"/>
+          </p:cNvSpPr>
+          <p:nvPr>
+            <p:ph type="body" idx="1"/>
+          </p:nvPr>
+        </p:nvSpPr>
+        <p:spPr>
+          <a:xfrm>
+            <a:off x="914400" y="4421188"/>
+            <a:ext cx="5184775" cy="4191000"/>
+          </a:xfrm>
+          <a:noFill/>
+          <a:ln w="9525"/>
+        </p:spPr>
+        <p:txBody>
+          <a:bodyPr/>
+          <a:lstStyle/>
+          <a:p>
+            <a:endParaRPr lang="en-US"/>
+          </a:p>
+        </p:txBody>
+      </p:sp>
+    </p:spTree>
+    <p:extLst>
+      <p:ext uri="{BB962C8B-B14F-4D97-AF65-F5344CB8AC3E}">
+        <p14:creationId xmlns:p14="http://schemas.microsoft.com/office/powerpoint/2010/main" val="1624951326"/>
+      </p:ext>
+    </p:extLst>
+  </p:cSld>
+  <p:clrMapOvr>
+    <a:masterClrMapping/>
+  </p:clrMapOvr>
+</p:notes>
+</file>
+
+<file path=ppt/notesSlides/notesSlide38.xml><?xml version="1.0" encoding="utf-8"?>
+<p:notes xmlns:a="http://schemas.openxmlformats.org/drawingml/2006/main" xmlns:r="http://schemas.openxmlformats.org/officeDocument/2006/relationships" xmlns:p="http://schemas.openxmlformats.org/presentationml/2006/main">
+  <p:cSld>
+    <p:spTree>
+      <p:nvGrpSpPr>
+        <p:cNvPr id="1" name=""/>
+        <p:cNvGrpSpPr/>
+        <p:nvPr/>
+      </p:nvGrpSpPr>
+      <p:grpSpPr>
+        <a:xfrm>
+          <a:off x="0" y="0"/>
+          <a:ext cx="0" cy="0"/>
+          <a:chOff x="0" y="0"/>
+          <a:chExt cx="0" cy="0"/>
+        </a:xfrm>
+      </p:grpSpPr>
+      <p:sp>
+        <p:nvSpPr>
+          <p:cNvPr id="95234" name="Rectangle 7"/>
+          <p:cNvSpPr>
+            <a:spLocks noGrp="1" noChangeArrowheads="1"/>
+          </p:cNvSpPr>
+          <p:nvPr>
+            <p:ph type="sldNum" sz="quarter" idx="5"/>
+          </p:nvPr>
+        </p:nvSpPr>
+        <p:spPr>
+          <a:noFill/>
+        </p:spPr>
+        <p:txBody>
+          <a:bodyPr/>
+          <a:lstStyle/>
+          <a:p>
+            <a:fld id="{86016DC7-F49B-4F50-9A32-E9E9CFA38878}" type="slidenum">
+              <a:rPr lang="en-US" smtClean="0"/>
+              <a:pPr/>
+              <a:t>42</a:t>
+            </a:fld>
+            <a:endParaRPr lang="en-US"/>
+          </a:p>
+        </p:txBody>
+      </p:sp>
+      <p:sp>
+        <p:nvSpPr>
+          <p:cNvPr id="95235" name="Rectangle 2"/>
+          <p:cNvSpPr>
+            <a:spLocks noGrp="1" noRot="1" noChangeAspect="1" noChangeArrowheads="1" noTextEdit="1"/>
+          </p:cNvSpPr>
+          <p:nvPr>
+            <p:ph type="sldImg"/>
+          </p:nvPr>
+        </p:nvSpPr>
+        <p:spPr>
+          <a:xfrm>
+            <a:off x="1169988" y="687388"/>
+            <a:ext cx="4673600" cy="3505200"/>
+          </a:xfrm>
+          <a:ln/>
+        </p:spPr>
+      </p:sp>
+      <p:sp>
+        <p:nvSpPr>
+          <p:cNvPr id="95236" name="Rectangle 3"/>
+          <p:cNvSpPr>
+            <a:spLocks noGrp="1" noChangeArrowheads="1"/>
+          </p:cNvSpPr>
+          <p:nvPr>
+            <p:ph type="body" idx="1"/>
+          </p:nvPr>
+        </p:nvSpPr>
+        <p:spPr>
+          <a:xfrm>
+            <a:off x="914400" y="4421188"/>
+            <a:ext cx="5184775" cy="4191000"/>
+          </a:xfrm>
+          <a:noFill/>
+          <a:ln w="9525"/>
+        </p:spPr>
+        <p:txBody>
+          <a:bodyPr/>
+          <a:lstStyle/>
+          <a:p>
+            <a:endParaRPr lang="en-US"/>
+          </a:p>
+        </p:txBody>
+      </p:sp>
+    </p:spTree>
+    <p:extLst>
+      <p:ext uri="{BB962C8B-B14F-4D97-AF65-F5344CB8AC3E}">
+        <p14:creationId xmlns:p14="http://schemas.microsoft.com/office/powerpoint/2010/main" val="491209556"/>
+      </p:ext>
+    </p:extLst>
+  </p:cSld>
+  <p:clrMapOvr>
+    <a:masterClrMapping/>
+  </p:clrMapOvr>
+</p:notes>
+</file>
+
+<file path=ppt/notesSlides/notesSlide39.xml><?xml version="1.0" encoding="utf-8"?>
+<p:notes xmlns:a="http://schemas.openxmlformats.org/drawingml/2006/main" xmlns:r="http://schemas.openxmlformats.org/officeDocument/2006/relationships" xmlns:p="http://schemas.openxmlformats.org/presentationml/2006/main">
+  <p:cSld>
+    <p:spTree>
+      <p:nvGrpSpPr>
+        <p:cNvPr id="1" name=""/>
+        <p:cNvGrpSpPr/>
+        <p:nvPr/>
+      </p:nvGrpSpPr>
+      <p:grpSpPr>
+        <a:xfrm>
+          <a:off x="0" y="0"/>
+          <a:ext cx="0" cy="0"/>
+          <a:chOff x="0" y="0"/>
+          <a:chExt cx="0" cy="0"/>
+        </a:xfrm>
+      </p:grpSpPr>
+      <p:sp>
+        <p:nvSpPr>
+          <p:cNvPr id="95234" name="Rectangle 7"/>
+          <p:cNvSpPr>
+            <a:spLocks noGrp="1" noChangeArrowheads="1"/>
+          </p:cNvSpPr>
+          <p:nvPr>
+            <p:ph type="sldNum" sz="quarter" idx="5"/>
+          </p:nvPr>
+        </p:nvSpPr>
+        <p:spPr>
+          <a:noFill/>
+        </p:spPr>
+        <p:txBody>
+          <a:bodyPr/>
+          <a:lstStyle/>
+          <a:p>
+            <a:fld id="{86016DC7-F49B-4F50-9A32-E9E9CFA38878}" type="slidenum">
+              <a:rPr lang="en-US" smtClean="0"/>
+              <a:pPr/>
+              <a:t>43</a:t>
+            </a:fld>
+            <a:endParaRPr lang="en-US"/>
+          </a:p>
+        </p:txBody>
+      </p:sp>
+      <p:sp>
+        <p:nvSpPr>
+          <p:cNvPr id="95235" name="Rectangle 2"/>
+          <p:cNvSpPr>
+            <a:spLocks noGrp="1" noRot="1" noChangeAspect="1" noChangeArrowheads="1" noTextEdit="1"/>
+          </p:cNvSpPr>
+          <p:nvPr>
+            <p:ph type="sldImg"/>
+          </p:nvPr>
+        </p:nvSpPr>
+        <p:spPr>
+          <a:xfrm>
+            <a:off x="1169988" y="687388"/>
+            <a:ext cx="4673600" cy="3505200"/>
+          </a:xfrm>
+          <a:ln/>
+        </p:spPr>
+      </p:sp>
+      <p:sp>
+        <p:nvSpPr>
+          <p:cNvPr id="95236" name="Rectangle 3"/>
+          <p:cNvSpPr>
+            <a:spLocks noGrp="1" noChangeArrowheads="1"/>
+          </p:cNvSpPr>
+          <p:nvPr>
+            <p:ph type="body" idx="1"/>
+          </p:nvPr>
+        </p:nvSpPr>
+        <p:spPr>
+          <a:xfrm>
+            <a:off x="914400" y="4421188"/>
+            <a:ext cx="5184775" cy="4191000"/>
+          </a:xfrm>
+          <a:noFill/>
+          <a:ln w="9525"/>
+        </p:spPr>
+        <p:txBody>
+          <a:bodyPr/>
+          <a:lstStyle/>
+          <a:p>
+            <a:endParaRPr lang="en-US"/>
+          </a:p>
+        </p:txBody>
+      </p:sp>
+    </p:spTree>
+    <p:extLst>
+      <p:ext uri="{BB962C8B-B14F-4D97-AF65-F5344CB8AC3E}">
+        <p14:creationId xmlns:p14="http://schemas.microsoft.com/office/powerpoint/2010/main" val="1897063154"/>
+      </p:ext>
+    </p:extLst>
+  </p:cSld>
+  <p:clrMapOvr>
+    <a:masterClrMapping/>
+  </p:clrMapOvr>
+</p:notes>
+</file>
+
 <file path=ppt/notesSlides/notesSlide4.xml><?xml version="1.0" encoding="utf-8"?>
 <p:notes xmlns:a="http://schemas.openxmlformats.org/drawingml/2006/main" xmlns:r="http://schemas.openxmlformats.org/officeDocument/2006/relationships" xmlns:p="http://schemas.openxmlformats.org/presentationml/2006/main">
   <p:cSld>
@@ -3896,6 +4302,206 @@
     <p:extLst>
       <p:ext uri="{BB962C8B-B14F-4D97-AF65-F5344CB8AC3E}">
         <p14:creationId xmlns:p14="http://schemas.microsoft.com/office/powerpoint/2010/main" val="2070332326"/>
+      </p:ext>
+    </p:extLst>
+  </p:cSld>
+  <p:clrMapOvr>
+    <a:masterClrMapping/>
+  </p:clrMapOvr>
+</p:notes>
+</file>
+
+<file path=ppt/notesSlides/notesSlide40.xml><?xml version="1.0" encoding="utf-8"?>
+<p:notes xmlns:a="http://schemas.openxmlformats.org/drawingml/2006/main" xmlns:r="http://schemas.openxmlformats.org/officeDocument/2006/relationships" xmlns:p="http://schemas.openxmlformats.org/presentationml/2006/main">
+  <p:cSld>
+    <p:spTree>
+      <p:nvGrpSpPr>
+        <p:cNvPr id="1" name=""/>
+        <p:cNvGrpSpPr/>
+        <p:nvPr/>
+      </p:nvGrpSpPr>
+      <p:grpSpPr>
+        <a:xfrm>
+          <a:off x="0" y="0"/>
+          <a:ext cx="0" cy="0"/>
+          <a:chOff x="0" y="0"/>
+          <a:chExt cx="0" cy="0"/>
+        </a:xfrm>
+      </p:grpSpPr>
+      <p:sp>
+        <p:nvSpPr>
+          <p:cNvPr id="95234" name="Rectangle 7"/>
+          <p:cNvSpPr>
+            <a:spLocks noGrp="1" noChangeArrowheads="1"/>
+          </p:cNvSpPr>
+          <p:nvPr>
+            <p:ph type="sldNum" sz="quarter" idx="5"/>
+          </p:nvPr>
+        </p:nvSpPr>
+        <p:spPr>
+          <a:noFill/>
+        </p:spPr>
+        <p:txBody>
+          <a:bodyPr/>
+          <a:lstStyle/>
+          <a:p>
+            <a:fld id="{86016DC7-F49B-4F50-9A32-E9E9CFA38878}" type="slidenum">
+              <a:rPr lang="en-US" smtClean="0"/>
+              <a:pPr/>
+              <a:t>44</a:t>
+            </a:fld>
+            <a:endParaRPr lang="en-US"/>
+          </a:p>
+        </p:txBody>
+      </p:sp>
+      <p:sp>
+        <p:nvSpPr>
+          <p:cNvPr id="95235" name="Rectangle 2"/>
+          <p:cNvSpPr>
+            <a:spLocks noGrp="1" noRot="1" noChangeAspect="1" noChangeArrowheads="1" noTextEdit="1"/>
+          </p:cNvSpPr>
+          <p:nvPr>
+            <p:ph type="sldImg"/>
+          </p:nvPr>
+        </p:nvSpPr>
+        <p:spPr>
+          <a:xfrm>
+            <a:off x="1169988" y="687388"/>
+            <a:ext cx="4673600" cy="3505200"/>
+          </a:xfrm>
+          <a:ln/>
+        </p:spPr>
+      </p:sp>
+      <p:sp>
+        <p:nvSpPr>
+          <p:cNvPr id="95236" name="Rectangle 3"/>
+          <p:cNvSpPr>
+            <a:spLocks noGrp="1" noChangeArrowheads="1"/>
+          </p:cNvSpPr>
+          <p:nvPr>
+            <p:ph type="body" idx="1"/>
+          </p:nvPr>
+        </p:nvSpPr>
+        <p:spPr>
+          <a:xfrm>
+            <a:off x="914400" y="4421188"/>
+            <a:ext cx="5184775" cy="4191000"/>
+          </a:xfrm>
+          <a:noFill/>
+          <a:ln w="9525"/>
+        </p:spPr>
+        <p:txBody>
+          <a:bodyPr/>
+          <a:lstStyle/>
+          <a:p>
+            <a:endParaRPr lang="en-US"/>
+          </a:p>
+        </p:txBody>
+      </p:sp>
+    </p:spTree>
+    <p:extLst>
+      <p:ext uri="{BB962C8B-B14F-4D97-AF65-F5344CB8AC3E}">
+        <p14:creationId xmlns:p14="http://schemas.microsoft.com/office/powerpoint/2010/main" val="3196520579"/>
+      </p:ext>
+    </p:extLst>
+  </p:cSld>
+  <p:clrMapOvr>
+    <a:masterClrMapping/>
+  </p:clrMapOvr>
+</p:notes>
+</file>
+
+<file path=ppt/notesSlides/notesSlide41.xml><?xml version="1.0" encoding="utf-8"?>
+<p:notes xmlns:a="http://schemas.openxmlformats.org/drawingml/2006/main" xmlns:r="http://schemas.openxmlformats.org/officeDocument/2006/relationships" xmlns:p="http://schemas.openxmlformats.org/presentationml/2006/main">
+  <p:cSld>
+    <p:spTree>
+      <p:nvGrpSpPr>
+        <p:cNvPr id="1" name=""/>
+        <p:cNvGrpSpPr/>
+        <p:nvPr/>
+      </p:nvGrpSpPr>
+      <p:grpSpPr>
+        <a:xfrm>
+          <a:off x="0" y="0"/>
+          <a:ext cx="0" cy="0"/>
+          <a:chOff x="0" y="0"/>
+          <a:chExt cx="0" cy="0"/>
+        </a:xfrm>
+      </p:grpSpPr>
+      <p:sp>
+        <p:nvSpPr>
+          <p:cNvPr id="95234" name="Rectangle 7"/>
+          <p:cNvSpPr>
+            <a:spLocks noGrp="1" noChangeArrowheads="1"/>
+          </p:cNvSpPr>
+          <p:nvPr>
+            <p:ph type="sldNum" sz="quarter" idx="5"/>
+          </p:nvPr>
+        </p:nvSpPr>
+        <p:spPr>
+          <a:noFill/>
+        </p:spPr>
+        <p:txBody>
+          <a:bodyPr/>
+          <a:lstStyle/>
+          <a:p>
+            <a:fld id="{86016DC7-F49B-4F50-9A32-E9E9CFA38878}" type="slidenum">
+              <a:rPr lang="en-US" smtClean="0"/>
+              <a:pPr/>
+              <a:t>45</a:t>
+            </a:fld>
+            <a:endParaRPr lang="en-US"/>
+          </a:p>
+        </p:txBody>
+      </p:sp>
+      <p:sp>
+        <p:nvSpPr>
+          <p:cNvPr id="95235" name="Rectangle 2"/>
+          <p:cNvSpPr>
+            <a:spLocks noGrp="1" noRot="1" noChangeAspect="1" noChangeArrowheads="1" noTextEdit="1"/>
+          </p:cNvSpPr>
+          <p:nvPr>
+            <p:ph type="sldImg"/>
+          </p:nvPr>
+        </p:nvSpPr>
+        <p:spPr>
+          <a:xfrm>
+            <a:off x="1169988" y="687388"/>
+            <a:ext cx="4673600" cy="3505200"/>
+          </a:xfrm>
+          <a:ln/>
+        </p:spPr>
+      </p:sp>
+      <p:sp>
+        <p:nvSpPr>
+          <p:cNvPr id="95236" name="Rectangle 3"/>
+          <p:cNvSpPr>
+            <a:spLocks noGrp="1" noChangeArrowheads="1"/>
+          </p:cNvSpPr>
+          <p:nvPr>
+            <p:ph type="body" idx="1"/>
+          </p:nvPr>
+        </p:nvSpPr>
+        <p:spPr>
+          <a:xfrm>
+            <a:off x="914400" y="4421188"/>
+            <a:ext cx="5184775" cy="4191000"/>
+          </a:xfrm>
+          <a:noFill/>
+          <a:ln w="9525"/>
+        </p:spPr>
+        <p:txBody>
+          <a:bodyPr/>
+          <a:lstStyle/>
+          <a:p>
+            <a:endParaRPr lang="en-US"/>
+          </a:p>
+        </p:txBody>
+      </p:sp>
+    </p:spTree>
+    <p:extLst>
+      <p:ext uri="{BB962C8B-B14F-4D97-AF65-F5344CB8AC3E}">
+        <p14:creationId xmlns:p14="http://schemas.microsoft.com/office/powerpoint/2010/main" val="1296706833"/>
       </p:ext>
     </p:extLst>
   </p:cSld>
@@ -20723,6 +21329,3367 @@
 </p:sld>
 </file>
 
+<file path=ppt/slides/slide40.xml><?xml version="1.0" encoding="utf-8"?>
+<p:sld xmlns:a="http://schemas.openxmlformats.org/drawingml/2006/main" xmlns:r="http://schemas.openxmlformats.org/officeDocument/2006/relationships" xmlns:p="http://schemas.openxmlformats.org/presentationml/2006/main">
+  <p:cSld>
+    <p:spTree>
+      <p:nvGrpSpPr>
+        <p:cNvPr id="1" name=""/>
+        <p:cNvGrpSpPr/>
+        <p:nvPr/>
+      </p:nvGrpSpPr>
+      <p:grpSpPr>
+        <a:xfrm>
+          <a:off x="0" y="0"/>
+          <a:ext cx="0" cy="0"/>
+          <a:chOff x="0" y="0"/>
+          <a:chExt cx="0" cy="0"/>
+        </a:xfrm>
+      </p:grpSpPr>
+      <p:sp>
+        <p:nvSpPr>
+          <p:cNvPr id="23556" name="Rectangle 2"/>
+          <p:cNvSpPr>
+            <a:spLocks noGrp="1" noChangeArrowheads="1"/>
+          </p:cNvSpPr>
+          <p:nvPr>
+            <p:ph type="title"/>
+          </p:nvPr>
+        </p:nvSpPr>
+        <p:spPr>
+          <a:xfrm>
+            <a:off x="682752" y="114300"/>
+            <a:ext cx="7772400" cy="838200"/>
+          </a:xfrm>
+        </p:spPr>
+        <p:txBody>
+          <a:bodyPr/>
+          <a:lstStyle/>
+          <a:p>
+            <a:r>
+              <a:rPr lang="en-US" sz="3600" dirty="0"/>
+              <a:t>Machine state (Intel x64)</a:t>
+            </a:r>
+          </a:p>
+        </p:txBody>
+      </p:sp>
+      <p:sp>
+        <p:nvSpPr>
+          <p:cNvPr id="23557" name="Rectangle 3"/>
+          <p:cNvSpPr>
+            <a:spLocks noGrp="1" noChangeArrowheads="1"/>
+          </p:cNvSpPr>
+          <p:nvPr>
+            <p:ph type="body" idx="1"/>
+          </p:nvPr>
+        </p:nvSpPr>
+        <p:spPr>
+          <a:xfrm>
+            <a:off x="304800" y="2095500"/>
+            <a:ext cx="2743200" cy="2667000"/>
+          </a:xfrm>
+        </p:spPr>
+        <p:txBody>
+          <a:bodyPr/>
+          <a:lstStyle/>
+          <a:p>
+            <a:pPr lvl="0"/>
+            <a:r>
+              <a:rPr lang="en-US" sz="2000" dirty="0"/>
+              <a:t>x</a:t>
+            </a:r>
+            <a:endParaRPr lang="en-US" sz="2000" dirty="0">
+              <a:latin typeface="Arial" panose="020B0604020202020204" pitchFamily="34" charset="0"/>
+              <a:cs typeface="Arial" panose="020B0604020202020204" pitchFamily="34" charset="0"/>
+            </a:endParaRPr>
+          </a:p>
+        </p:txBody>
+      </p:sp>
+      <p:sp>
+        <p:nvSpPr>
+          <p:cNvPr id="8" name="Slide Number Placeholder 7"/>
+          <p:cNvSpPr>
+            <a:spLocks noGrp="1"/>
+          </p:cNvSpPr>
+          <p:nvPr>
+            <p:ph type="sldNum" sz="quarter" idx="12"/>
+          </p:nvPr>
+        </p:nvSpPr>
+        <p:spPr/>
+        <p:txBody>
+          <a:bodyPr/>
+          <a:lstStyle/>
+          <a:p>
+            <a:pPr>
+              <a:defRPr/>
+            </a:pPr>
+            <a:fld id="{8E09DF16-9352-46A7-97F1-1D13A8547ADD}" type="slidenum">
+              <a:rPr lang="en-US" smtClean="0"/>
+              <a:pPr>
+                <a:defRPr/>
+              </a:pPr>
+              <a:t>40</a:t>
+            </a:fld>
+            <a:endParaRPr lang="en-US"/>
+          </a:p>
+        </p:txBody>
+      </p:sp>
+      <p:sp>
+        <p:nvSpPr>
+          <p:cNvPr id="2" name="Rectangle 2">
+            <a:extLst>
+              <a:ext uri="{FF2B5EF4-FFF2-40B4-BE49-F238E27FC236}">
+                <a16:creationId xmlns:a16="http://schemas.microsoft.com/office/drawing/2014/main" id="{C0D3418F-80B0-844C-8418-6CC7A95790AB}"/>
+              </a:ext>
+            </a:extLst>
+          </p:cNvPr>
+          <p:cNvSpPr>
+            <a:spLocks noChangeArrowheads="1"/>
+          </p:cNvSpPr>
+          <p:nvPr/>
+        </p:nvSpPr>
+        <p:spPr bwMode="auto">
+          <a:xfrm>
+            <a:off x="0" y="0"/>
+            <a:ext cx="9144000" cy="0"/>
+          </a:xfrm>
+          <a:prstGeom prst="rect">
+            <a:avLst/>
+          </a:prstGeom>
+          <a:noFill/>
+          <a:ln>
+            <a:noFill/>
+          </a:ln>
+          <a:effectLst/>
+          <a:extLst>
+            <a:ext uri="{909E8E84-426E-40DD-AFC4-6F175D3DCCD1}">
+              <a14:hiddenFill xmlns:a14="http://schemas.microsoft.com/office/drawing/2010/main">
+                <a:solidFill>
+                  <a:schemeClr val="accent1"/>
+                </a:solidFill>
+              </a14:hiddenFill>
+            </a:ext>
+            <a:ext uri="{91240B29-F687-4F45-9708-019B960494DF}">
+              <a14:hiddenLine xmlns:a14="http://schemas.microsoft.com/office/drawing/2010/main" w="9525">
+                <a:solidFill>
+                  <a:schemeClr val="tx1"/>
+                </a:solidFill>
+                <a:miter lim="800000"/>
+                <a:headEnd/>
+                <a:tailEnd/>
+              </a14:hiddenLine>
+            </a:ext>
+            <a:ext uri="{AF507438-7753-43E0-B8FC-AC1667EBCBE1}">
+              <a14:hiddenEffects xmlns:a14="http://schemas.microsoft.com/office/drawing/2010/main">
+                <a:effectLst>
+                  <a:outerShdw dist="35921" dir="2700000" algn="ctr" rotWithShape="0">
+                    <a:schemeClr val="bg2"/>
+                  </a:outerShdw>
+                </a:effectLst>
+              </a14:hiddenEffects>
+            </a:ext>
+          </a:extLst>
+        </p:spPr>
+        <p:txBody>
+          <a:bodyPr vert="horz" wrap="none" lIns="91440" tIns="45720" rIns="91440" bIns="45720" numCol="1" anchor="ctr" anchorCtr="0" compatLnSpc="1">
+            <a:prstTxWarp prst="textNoShape">
+              <a:avLst/>
+            </a:prstTxWarp>
+            <a:spAutoFit/>
+          </a:bodyPr>
+          <a:lstStyle/>
+          <a:p>
+            <a:endParaRPr lang="en-US"/>
+          </a:p>
+        </p:txBody>
+      </p:sp>
+      <p:sp>
+        <p:nvSpPr>
+          <p:cNvPr id="3" name="Rectangle 4">
+            <a:extLst>
+              <a:ext uri="{FF2B5EF4-FFF2-40B4-BE49-F238E27FC236}">
+                <a16:creationId xmlns:a16="http://schemas.microsoft.com/office/drawing/2014/main" id="{5B22B34C-3652-FE4D-8A82-402D5A71DE64}"/>
+              </a:ext>
+            </a:extLst>
+          </p:cNvPr>
+          <p:cNvSpPr>
+            <a:spLocks noChangeArrowheads="1"/>
+          </p:cNvSpPr>
+          <p:nvPr/>
+        </p:nvSpPr>
+        <p:spPr bwMode="auto">
+          <a:xfrm>
+            <a:off x="0" y="0"/>
+            <a:ext cx="9144000" cy="0"/>
+          </a:xfrm>
+          <a:prstGeom prst="rect">
+            <a:avLst/>
+          </a:prstGeom>
+          <a:noFill/>
+          <a:ln>
+            <a:noFill/>
+          </a:ln>
+          <a:effectLst/>
+          <a:extLst>
+            <a:ext uri="{909E8E84-426E-40DD-AFC4-6F175D3DCCD1}">
+              <a14:hiddenFill xmlns:a14="http://schemas.microsoft.com/office/drawing/2010/main">
+                <a:solidFill>
+                  <a:schemeClr val="accent1"/>
+                </a:solidFill>
+              </a14:hiddenFill>
+            </a:ext>
+            <a:ext uri="{91240B29-F687-4F45-9708-019B960494DF}">
+              <a14:hiddenLine xmlns:a14="http://schemas.microsoft.com/office/drawing/2010/main" w="9525">
+                <a:solidFill>
+                  <a:schemeClr val="tx1"/>
+                </a:solidFill>
+                <a:miter lim="800000"/>
+                <a:headEnd/>
+                <a:tailEnd/>
+              </a14:hiddenLine>
+            </a:ext>
+            <a:ext uri="{AF507438-7753-43E0-B8FC-AC1667EBCBE1}">
+              <a14:hiddenEffects xmlns:a14="http://schemas.microsoft.com/office/drawing/2010/main">
+                <a:effectLst>
+                  <a:outerShdw dist="35921" dir="2700000" algn="ctr" rotWithShape="0">
+                    <a:schemeClr val="bg2"/>
+                  </a:outerShdw>
+                </a:effectLst>
+              </a14:hiddenEffects>
+            </a:ext>
+          </a:extLst>
+        </p:spPr>
+        <p:txBody>
+          <a:bodyPr vert="horz" wrap="none" lIns="91440" tIns="45720" rIns="91440" bIns="45720" numCol="1" anchor="ctr" anchorCtr="0" compatLnSpc="1">
+            <a:prstTxWarp prst="textNoShape">
+              <a:avLst/>
+            </a:prstTxWarp>
+            <a:spAutoFit/>
+          </a:bodyPr>
+          <a:lstStyle/>
+          <a:p>
+            <a:endParaRPr lang="en-US"/>
+          </a:p>
+        </p:txBody>
+      </p:sp>
+      <p:pic>
+        <p:nvPicPr>
+          <p:cNvPr id="9" name="Picture 8" descr="Diagram, timeline&#10;&#10;Description automatically generated">
+            <a:extLst>
+              <a:ext uri="{FF2B5EF4-FFF2-40B4-BE49-F238E27FC236}">
+                <a16:creationId xmlns:a16="http://schemas.microsoft.com/office/drawing/2014/main" id="{D958CABD-EC22-2241-BD8B-D26D3A0D337E}"/>
+              </a:ext>
+            </a:extLst>
+          </p:cNvPr>
+          <p:cNvPicPr/>
+          <p:nvPr/>
+        </p:nvPicPr>
+        <p:blipFill>
+          <a:blip r:embed="rId3">
+            <a:extLst>
+              <a:ext uri="{28A0092B-C50C-407E-A947-70E740481C1C}">
+                <a14:useLocalDpi xmlns:a14="http://schemas.microsoft.com/office/drawing/2010/main" val="0"/>
+              </a:ext>
+            </a:extLst>
+          </a:blip>
+          <a:stretch>
+            <a:fillRect/>
+          </a:stretch>
+        </p:blipFill>
+        <p:spPr>
+          <a:xfrm>
+            <a:off x="2490675" y="1064260"/>
+            <a:ext cx="5943600" cy="4803140"/>
+          </a:xfrm>
+          <a:prstGeom prst="rect">
+            <a:avLst/>
+          </a:prstGeom>
+        </p:spPr>
+      </p:pic>
+    </p:spTree>
+    <p:extLst>
+      <p:ext uri="{BB962C8B-B14F-4D97-AF65-F5344CB8AC3E}">
+        <p14:creationId xmlns:p14="http://schemas.microsoft.com/office/powerpoint/2010/main" val="205336496"/>
+      </p:ext>
+    </p:extLst>
+  </p:cSld>
+  <p:clrMapOvr>
+    <a:masterClrMapping/>
+  </p:clrMapOvr>
+  <p:transition/>
+</p:sld>
+</file>
+
+<file path=ppt/slides/slide41.xml><?xml version="1.0" encoding="utf-8"?>
+<p:sld xmlns:a="http://schemas.openxmlformats.org/drawingml/2006/main" xmlns:r="http://schemas.openxmlformats.org/officeDocument/2006/relationships" xmlns:p="http://schemas.openxmlformats.org/presentationml/2006/main">
+  <p:cSld>
+    <p:spTree>
+      <p:nvGrpSpPr>
+        <p:cNvPr id="1" name=""/>
+        <p:cNvGrpSpPr/>
+        <p:nvPr/>
+      </p:nvGrpSpPr>
+      <p:grpSpPr>
+        <a:xfrm>
+          <a:off x="0" y="0"/>
+          <a:ext cx="0" cy="0"/>
+          <a:chOff x="0" y="0"/>
+          <a:chExt cx="0" cy="0"/>
+        </a:xfrm>
+      </p:grpSpPr>
+      <p:sp>
+        <p:nvSpPr>
+          <p:cNvPr id="23556" name="Rectangle 2"/>
+          <p:cNvSpPr>
+            <a:spLocks noGrp="1" noChangeArrowheads="1"/>
+          </p:cNvSpPr>
+          <p:nvPr>
+            <p:ph type="title"/>
+          </p:nvPr>
+        </p:nvSpPr>
+        <p:spPr>
+          <a:xfrm>
+            <a:off x="682752" y="-76200"/>
+            <a:ext cx="7772400" cy="838200"/>
+          </a:xfrm>
+        </p:spPr>
+        <p:txBody>
+          <a:bodyPr/>
+          <a:lstStyle/>
+          <a:p>
+            <a:r>
+              <a:rPr lang="en-US" sz="3600" dirty="0"/>
+              <a:t>Machine state (Intel x64)</a:t>
+            </a:r>
+          </a:p>
+        </p:txBody>
+      </p:sp>
+      <p:sp>
+        <p:nvSpPr>
+          <p:cNvPr id="8" name="Slide Number Placeholder 7"/>
+          <p:cNvSpPr>
+            <a:spLocks noGrp="1"/>
+          </p:cNvSpPr>
+          <p:nvPr>
+            <p:ph type="sldNum" sz="quarter" idx="12"/>
+          </p:nvPr>
+        </p:nvSpPr>
+        <p:spPr/>
+        <p:txBody>
+          <a:bodyPr/>
+          <a:lstStyle/>
+          <a:p>
+            <a:pPr>
+              <a:defRPr/>
+            </a:pPr>
+            <a:fld id="{8E09DF16-9352-46A7-97F1-1D13A8547ADD}" type="slidenum">
+              <a:rPr lang="en-US" smtClean="0"/>
+              <a:pPr>
+                <a:defRPr/>
+              </a:pPr>
+              <a:t>41</a:t>
+            </a:fld>
+            <a:endParaRPr lang="en-US"/>
+          </a:p>
+        </p:txBody>
+      </p:sp>
+      <p:sp>
+        <p:nvSpPr>
+          <p:cNvPr id="2" name="Rectangle 2">
+            <a:extLst>
+              <a:ext uri="{FF2B5EF4-FFF2-40B4-BE49-F238E27FC236}">
+                <a16:creationId xmlns:a16="http://schemas.microsoft.com/office/drawing/2014/main" id="{C0D3418F-80B0-844C-8418-6CC7A95790AB}"/>
+              </a:ext>
+            </a:extLst>
+          </p:cNvPr>
+          <p:cNvSpPr>
+            <a:spLocks noChangeArrowheads="1"/>
+          </p:cNvSpPr>
+          <p:nvPr/>
+        </p:nvSpPr>
+        <p:spPr bwMode="auto">
+          <a:xfrm>
+            <a:off x="0" y="0"/>
+            <a:ext cx="9144000" cy="0"/>
+          </a:xfrm>
+          <a:prstGeom prst="rect">
+            <a:avLst/>
+          </a:prstGeom>
+          <a:noFill/>
+          <a:ln>
+            <a:noFill/>
+          </a:ln>
+          <a:effectLst/>
+          <a:extLst>
+            <a:ext uri="{909E8E84-426E-40DD-AFC4-6F175D3DCCD1}">
+              <a14:hiddenFill xmlns:a14="http://schemas.microsoft.com/office/drawing/2010/main">
+                <a:solidFill>
+                  <a:schemeClr val="accent1"/>
+                </a:solidFill>
+              </a14:hiddenFill>
+            </a:ext>
+            <a:ext uri="{91240B29-F687-4F45-9708-019B960494DF}">
+              <a14:hiddenLine xmlns:a14="http://schemas.microsoft.com/office/drawing/2010/main" w="9525">
+                <a:solidFill>
+                  <a:schemeClr val="tx1"/>
+                </a:solidFill>
+                <a:miter lim="800000"/>
+                <a:headEnd/>
+                <a:tailEnd/>
+              </a14:hiddenLine>
+            </a:ext>
+            <a:ext uri="{AF507438-7753-43E0-B8FC-AC1667EBCBE1}">
+              <a14:hiddenEffects xmlns:a14="http://schemas.microsoft.com/office/drawing/2010/main">
+                <a:effectLst>
+                  <a:outerShdw dist="35921" dir="2700000" algn="ctr" rotWithShape="0">
+                    <a:schemeClr val="bg2"/>
+                  </a:outerShdw>
+                </a:effectLst>
+              </a14:hiddenEffects>
+            </a:ext>
+          </a:extLst>
+        </p:spPr>
+        <p:txBody>
+          <a:bodyPr vert="horz" wrap="none" lIns="91440" tIns="45720" rIns="91440" bIns="45720" numCol="1" anchor="ctr" anchorCtr="0" compatLnSpc="1">
+            <a:prstTxWarp prst="textNoShape">
+              <a:avLst/>
+            </a:prstTxWarp>
+            <a:spAutoFit/>
+          </a:bodyPr>
+          <a:lstStyle/>
+          <a:p>
+            <a:endParaRPr lang="en-US"/>
+          </a:p>
+        </p:txBody>
+      </p:sp>
+      <p:sp>
+        <p:nvSpPr>
+          <p:cNvPr id="3" name="Rectangle 4">
+            <a:extLst>
+              <a:ext uri="{FF2B5EF4-FFF2-40B4-BE49-F238E27FC236}">
+                <a16:creationId xmlns:a16="http://schemas.microsoft.com/office/drawing/2014/main" id="{5B22B34C-3652-FE4D-8A82-402D5A71DE64}"/>
+              </a:ext>
+            </a:extLst>
+          </p:cNvPr>
+          <p:cNvSpPr>
+            <a:spLocks noChangeArrowheads="1"/>
+          </p:cNvSpPr>
+          <p:nvPr/>
+        </p:nvSpPr>
+        <p:spPr bwMode="auto">
+          <a:xfrm>
+            <a:off x="0" y="0"/>
+            <a:ext cx="9144000" cy="0"/>
+          </a:xfrm>
+          <a:prstGeom prst="rect">
+            <a:avLst/>
+          </a:prstGeom>
+          <a:noFill/>
+          <a:ln>
+            <a:noFill/>
+          </a:ln>
+          <a:effectLst/>
+          <a:extLst>
+            <a:ext uri="{909E8E84-426E-40DD-AFC4-6F175D3DCCD1}">
+              <a14:hiddenFill xmlns:a14="http://schemas.microsoft.com/office/drawing/2010/main">
+                <a:solidFill>
+                  <a:schemeClr val="accent1"/>
+                </a:solidFill>
+              </a14:hiddenFill>
+            </a:ext>
+            <a:ext uri="{91240B29-F687-4F45-9708-019B960494DF}">
+              <a14:hiddenLine xmlns:a14="http://schemas.microsoft.com/office/drawing/2010/main" w="9525">
+                <a:solidFill>
+                  <a:schemeClr val="tx1"/>
+                </a:solidFill>
+                <a:miter lim="800000"/>
+                <a:headEnd/>
+                <a:tailEnd/>
+              </a14:hiddenLine>
+            </a:ext>
+            <a:ext uri="{AF507438-7753-43E0-B8FC-AC1667EBCBE1}">
+              <a14:hiddenEffects xmlns:a14="http://schemas.microsoft.com/office/drawing/2010/main">
+                <a:effectLst>
+                  <a:outerShdw dist="35921" dir="2700000" algn="ctr" rotWithShape="0">
+                    <a:schemeClr val="bg2"/>
+                  </a:outerShdw>
+                </a:effectLst>
+              </a14:hiddenEffects>
+            </a:ext>
+          </a:extLst>
+        </p:spPr>
+        <p:txBody>
+          <a:bodyPr vert="horz" wrap="none" lIns="91440" tIns="45720" rIns="91440" bIns="45720" numCol="1" anchor="ctr" anchorCtr="0" compatLnSpc="1">
+            <a:prstTxWarp prst="textNoShape">
+              <a:avLst/>
+            </a:prstTxWarp>
+            <a:spAutoFit/>
+          </a:bodyPr>
+          <a:lstStyle/>
+          <a:p>
+            <a:endParaRPr lang="en-US"/>
+          </a:p>
+        </p:txBody>
+      </p:sp>
+      <p:pic>
+        <p:nvPicPr>
+          <p:cNvPr id="1027" name="Picture 7" descr="Sandy Bridge block diagram | Download Scientific Diagram">
+            <a:extLst>
+              <a:ext uri="{FF2B5EF4-FFF2-40B4-BE49-F238E27FC236}">
+                <a16:creationId xmlns:a16="http://schemas.microsoft.com/office/drawing/2014/main" id="{F26C9E90-6962-C249-ADFB-8393E40CF197}"/>
+              </a:ext>
+            </a:extLst>
+          </p:cNvPr>
+          <p:cNvPicPr>
+            <a:picLocks noChangeAspect="1" noChangeArrowheads="1"/>
+          </p:cNvPicPr>
+          <p:nvPr/>
+        </p:nvPicPr>
+        <p:blipFill>
+          <a:blip r:embed="rId3" r:link="rId4">
+            <a:extLst>
+              <a:ext uri="{28A0092B-C50C-407E-A947-70E740481C1C}">
+                <a14:useLocalDpi xmlns:a14="http://schemas.microsoft.com/office/drawing/2010/main" val="0"/>
+              </a:ext>
+            </a:extLst>
+          </a:blip>
+          <a:srcRect/>
+          <a:stretch>
+            <a:fillRect/>
+          </a:stretch>
+        </p:blipFill>
+        <p:spPr bwMode="auto">
+          <a:xfrm>
+            <a:off x="1219200" y="1181100"/>
+            <a:ext cx="6972300" cy="5067300"/>
+          </a:xfrm>
+          <a:prstGeom prst="rect">
+            <a:avLst/>
+          </a:prstGeom>
+          <a:noFill/>
+          <a:extLst>
+            <a:ext uri="{909E8E84-426E-40DD-AFC4-6F175D3DCCD1}">
+              <a14:hiddenFill xmlns:a14="http://schemas.microsoft.com/office/drawing/2010/main">
+                <a:solidFill>
+                  <a:srgbClr val="FFFFFF"/>
+                </a:solidFill>
+              </a14:hiddenFill>
+            </a:ext>
+          </a:extLst>
+        </p:spPr>
+      </p:pic>
+    </p:spTree>
+    <p:extLst>
+      <p:ext uri="{BB962C8B-B14F-4D97-AF65-F5344CB8AC3E}">
+        <p14:creationId xmlns:p14="http://schemas.microsoft.com/office/powerpoint/2010/main" val="1600723619"/>
+      </p:ext>
+    </p:extLst>
+  </p:cSld>
+  <p:clrMapOvr>
+    <a:masterClrMapping/>
+  </p:clrMapOvr>
+  <p:transition/>
+</p:sld>
+</file>
+
+<file path=ppt/slides/slide42.xml><?xml version="1.0" encoding="utf-8"?>
+<p:sld xmlns:a="http://schemas.openxmlformats.org/drawingml/2006/main" xmlns:r="http://schemas.openxmlformats.org/officeDocument/2006/relationships" xmlns:p="http://schemas.openxmlformats.org/presentationml/2006/main">
+  <p:cSld>
+    <p:spTree>
+      <p:nvGrpSpPr>
+        <p:cNvPr id="1" name=""/>
+        <p:cNvGrpSpPr/>
+        <p:nvPr/>
+      </p:nvGrpSpPr>
+      <p:grpSpPr>
+        <a:xfrm>
+          <a:off x="0" y="0"/>
+          <a:ext cx="0" cy="0"/>
+          <a:chOff x="0" y="0"/>
+          <a:chExt cx="0" cy="0"/>
+        </a:xfrm>
+      </p:grpSpPr>
+      <p:sp>
+        <p:nvSpPr>
+          <p:cNvPr id="23556" name="Rectangle 2"/>
+          <p:cNvSpPr>
+            <a:spLocks noGrp="1" noChangeArrowheads="1"/>
+          </p:cNvSpPr>
+          <p:nvPr>
+            <p:ph type="title"/>
+          </p:nvPr>
+        </p:nvSpPr>
+        <p:spPr>
+          <a:xfrm>
+            <a:off x="682752" y="114300"/>
+            <a:ext cx="7772400" cy="838200"/>
+          </a:xfrm>
+        </p:spPr>
+        <p:txBody>
+          <a:bodyPr/>
+          <a:lstStyle/>
+          <a:p>
+            <a:r>
+              <a:rPr lang="en-US" sz="3600" dirty="0"/>
+              <a:t>Machine state (Intel x64)</a:t>
+            </a:r>
+          </a:p>
+        </p:txBody>
+      </p:sp>
+      <p:sp>
+        <p:nvSpPr>
+          <p:cNvPr id="8" name="Slide Number Placeholder 7"/>
+          <p:cNvSpPr>
+            <a:spLocks noGrp="1"/>
+          </p:cNvSpPr>
+          <p:nvPr>
+            <p:ph type="sldNum" sz="quarter" idx="12"/>
+          </p:nvPr>
+        </p:nvSpPr>
+        <p:spPr/>
+        <p:txBody>
+          <a:bodyPr/>
+          <a:lstStyle/>
+          <a:p>
+            <a:pPr>
+              <a:defRPr/>
+            </a:pPr>
+            <a:fld id="{8E09DF16-9352-46A7-97F1-1D13A8547ADD}" type="slidenum">
+              <a:rPr lang="en-US" smtClean="0"/>
+              <a:pPr>
+                <a:defRPr/>
+              </a:pPr>
+              <a:t>42</a:t>
+            </a:fld>
+            <a:endParaRPr lang="en-US"/>
+          </a:p>
+        </p:txBody>
+      </p:sp>
+      <p:sp>
+        <p:nvSpPr>
+          <p:cNvPr id="2" name="Rectangle 2">
+            <a:extLst>
+              <a:ext uri="{FF2B5EF4-FFF2-40B4-BE49-F238E27FC236}">
+                <a16:creationId xmlns:a16="http://schemas.microsoft.com/office/drawing/2014/main" id="{C0D3418F-80B0-844C-8418-6CC7A95790AB}"/>
+              </a:ext>
+            </a:extLst>
+          </p:cNvPr>
+          <p:cNvSpPr>
+            <a:spLocks noChangeArrowheads="1"/>
+          </p:cNvSpPr>
+          <p:nvPr/>
+        </p:nvSpPr>
+        <p:spPr bwMode="auto">
+          <a:xfrm>
+            <a:off x="0" y="0"/>
+            <a:ext cx="9144000" cy="0"/>
+          </a:xfrm>
+          <a:prstGeom prst="rect">
+            <a:avLst/>
+          </a:prstGeom>
+          <a:noFill/>
+          <a:ln>
+            <a:noFill/>
+          </a:ln>
+          <a:effectLst/>
+          <a:extLst>
+            <a:ext uri="{909E8E84-426E-40DD-AFC4-6F175D3DCCD1}">
+              <a14:hiddenFill xmlns:a14="http://schemas.microsoft.com/office/drawing/2010/main">
+                <a:solidFill>
+                  <a:schemeClr val="accent1"/>
+                </a:solidFill>
+              </a14:hiddenFill>
+            </a:ext>
+            <a:ext uri="{91240B29-F687-4F45-9708-019B960494DF}">
+              <a14:hiddenLine xmlns:a14="http://schemas.microsoft.com/office/drawing/2010/main" w="9525">
+                <a:solidFill>
+                  <a:schemeClr val="tx1"/>
+                </a:solidFill>
+                <a:miter lim="800000"/>
+                <a:headEnd/>
+                <a:tailEnd/>
+              </a14:hiddenLine>
+            </a:ext>
+            <a:ext uri="{AF507438-7753-43E0-B8FC-AC1667EBCBE1}">
+              <a14:hiddenEffects xmlns:a14="http://schemas.microsoft.com/office/drawing/2010/main">
+                <a:effectLst>
+                  <a:outerShdw dist="35921" dir="2700000" algn="ctr" rotWithShape="0">
+                    <a:schemeClr val="bg2"/>
+                  </a:outerShdw>
+                </a:effectLst>
+              </a14:hiddenEffects>
+            </a:ext>
+          </a:extLst>
+        </p:spPr>
+        <p:txBody>
+          <a:bodyPr vert="horz" wrap="none" lIns="91440" tIns="45720" rIns="91440" bIns="45720" numCol="1" anchor="ctr" anchorCtr="0" compatLnSpc="1">
+            <a:prstTxWarp prst="textNoShape">
+              <a:avLst/>
+            </a:prstTxWarp>
+            <a:spAutoFit/>
+          </a:bodyPr>
+          <a:lstStyle/>
+          <a:p>
+            <a:endParaRPr lang="en-US"/>
+          </a:p>
+        </p:txBody>
+      </p:sp>
+      <p:graphicFrame>
+        <p:nvGraphicFramePr>
+          <p:cNvPr id="5" name="Table 4">
+            <a:extLst>
+              <a:ext uri="{FF2B5EF4-FFF2-40B4-BE49-F238E27FC236}">
+                <a16:creationId xmlns:a16="http://schemas.microsoft.com/office/drawing/2014/main" id="{F0FF8CD8-3266-0B41-91D2-9CDC0EA25019}"/>
+              </a:ext>
+            </a:extLst>
+          </p:cNvPr>
+          <p:cNvGraphicFramePr>
+            <a:graphicFrameLocks noGrp="1"/>
+          </p:cNvGraphicFramePr>
+          <p:nvPr>
+            <p:extLst>
+              <p:ext uri="{D42A27DB-BD31-4B8C-83A1-F6EECF244321}">
+                <p14:modId xmlns:p14="http://schemas.microsoft.com/office/powerpoint/2010/main" val="2132829059"/>
+              </p:ext>
+            </p:extLst>
+          </p:nvPr>
+        </p:nvGraphicFramePr>
+        <p:xfrm>
+          <a:off x="457200" y="1676414"/>
+          <a:ext cx="8153400" cy="4267185"/>
+        </p:xfrm>
+        <a:graphic>
+          <a:graphicData uri="http://schemas.openxmlformats.org/drawingml/2006/table">
+            <a:tbl>
+              <a:tblPr firstRow="1" firstCol="1" bandRow="1">
+                <a:tableStyleId>{5C22544A-7EE6-4342-B048-85BDC9FD1C3A}</a:tableStyleId>
+              </a:tblPr>
+              <a:tblGrid>
+                <a:gridCol w="4191000">
+                  <a:extLst>
+                    <a:ext uri="{9D8B030D-6E8A-4147-A177-3AD203B41FA5}">
+                      <a16:colId xmlns:a16="http://schemas.microsoft.com/office/drawing/2014/main" val="191467620"/>
+                    </a:ext>
+                  </a:extLst>
+                </a:gridCol>
+                <a:gridCol w="3962400">
+                  <a:extLst>
+                    <a:ext uri="{9D8B030D-6E8A-4147-A177-3AD203B41FA5}">
+                      <a16:colId xmlns:a16="http://schemas.microsoft.com/office/drawing/2014/main" val="1193095984"/>
+                    </a:ext>
+                  </a:extLst>
+                </a:gridCol>
+              </a:tblGrid>
+              <a:tr h="284479">
+                <a:tc>
+                  <a:txBody>
+                    <a:bodyPr/>
+                    <a:lstStyle/>
+                    <a:p>
+                      <a:pPr marL="0" marR="0">
+                        <a:spcBef>
+                          <a:spcPts val="0"/>
+                        </a:spcBef>
+                        <a:spcAft>
+                          <a:spcPts val="0"/>
+                        </a:spcAft>
+                      </a:pPr>
+                      <a:r>
+                        <a:rPr lang="en-US" sz="1200" dirty="0">
+                          <a:solidFill>
+                            <a:schemeClr val="tx1"/>
+                          </a:solidFill>
+                          <a:effectLst/>
+                        </a:rPr>
+                        <a:t>Feature</a:t>
+                      </a:r>
+                      <a:endParaRPr lang="en-US" sz="1200" dirty="0">
+                        <a:solidFill>
+                          <a:schemeClr val="tx1"/>
+                        </a:solidFill>
+                        <a:effectLst/>
+                        <a:latin typeface="Calibri" panose="020F0502020204030204" pitchFamily="34" charset="0"/>
+                        <a:ea typeface="DengXian" panose="02010600030101010101" pitchFamily="2" charset="-122"/>
+                        <a:cs typeface="Arial" panose="020B0604020202020204" pitchFamily="34" charset="0"/>
+                      </a:endParaRPr>
+                    </a:p>
+                  </a:txBody>
+                  <a:tcPr marL="68580" marR="68580" marT="0" marB="0"/>
+                </a:tc>
+                <a:tc>
+                  <a:txBody>
+                    <a:bodyPr/>
+                    <a:lstStyle/>
+                    <a:p>
+                      <a:pPr marL="0" marR="0">
+                        <a:spcBef>
+                          <a:spcPts val="0"/>
+                        </a:spcBef>
+                        <a:spcAft>
+                          <a:spcPts val="0"/>
+                        </a:spcAft>
+                      </a:pPr>
+                      <a:r>
+                        <a:rPr lang="en-US" sz="1200" dirty="0">
+                          <a:solidFill>
+                            <a:schemeClr val="tx1"/>
+                          </a:solidFill>
+                          <a:effectLst/>
+                        </a:rPr>
+                        <a:t>Core i7</a:t>
+                      </a:r>
+                      <a:endParaRPr lang="en-US" sz="1200" dirty="0">
+                        <a:solidFill>
+                          <a:schemeClr val="tx1"/>
+                        </a:solidFill>
+                        <a:effectLst/>
+                        <a:latin typeface="Calibri" panose="020F0502020204030204" pitchFamily="34" charset="0"/>
+                        <a:ea typeface="DengXian" panose="02010600030101010101" pitchFamily="2" charset="-122"/>
+                        <a:cs typeface="Arial" panose="020B0604020202020204" pitchFamily="34" charset="0"/>
+                      </a:endParaRPr>
+                    </a:p>
+                  </a:txBody>
+                  <a:tcPr marL="68580" marR="68580" marT="0" marB="0"/>
+                </a:tc>
+                <a:extLst>
+                  <a:ext uri="{0D108BD9-81ED-4DB2-BD59-A6C34878D82A}">
+                    <a16:rowId xmlns:a16="http://schemas.microsoft.com/office/drawing/2014/main" val="1329257411"/>
+                  </a:ext>
+                </a:extLst>
+              </a:tr>
+              <a:tr h="284479">
+                <a:tc>
+                  <a:txBody>
+                    <a:bodyPr/>
+                    <a:lstStyle/>
+                    <a:p>
+                      <a:pPr marL="0" marR="0">
+                        <a:spcBef>
+                          <a:spcPts val="0"/>
+                        </a:spcBef>
+                        <a:spcAft>
+                          <a:spcPts val="0"/>
+                        </a:spcAft>
+                      </a:pPr>
+                      <a:r>
+                        <a:rPr lang="en-US" sz="1200" b="0">
+                          <a:solidFill>
+                            <a:schemeClr val="tx1"/>
+                          </a:solidFill>
+                          <a:effectLst/>
+                        </a:rPr>
+                        <a:t>Pipeline</a:t>
+                      </a:r>
+                      <a:endParaRPr lang="en-US" sz="1200" b="0">
+                        <a:solidFill>
+                          <a:schemeClr val="tx1"/>
+                        </a:solidFill>
+                        <a:effectLst/>
+                        <a:latin typeface="Calibri" panose="020F0502020204030204" pitchFamily="34" charset="0"/>
+                        <a:ea typeface="DengXian" panose="02010600030101010101" pitchFamily="2" charset="-122"/>
+                        <a:cs typeface="Arial" panose="020B0604020202020204" pitchFamily="34" charset="0"/>
+                      </a:endParaRPr>
+                    </a:p>
+                  </a:txBody>
+                  <a:tcPr marL="68580" marR="68580" marT="0" marB="0">
+                    <a:noFill/>
+                  </a:tcPr>
+                </a:tc>
+                <a:tc>
+                  <a:txBody>
+                    <a:bodyPr/>
+                    <a:lstStyle/>
+                    <a:p>
+                      <a:pPr marL="0" marR="0">
+                        <a:spcBef>
+                          <a:spcPts val="0"/>
+                        </a:spcBef>
+                        <a:spcAft>
+                          <a:spcPts val="0"/>
+                        </a:spcAft>
+                      </a:pPr>
+                      <a:r>
+                        <a:rPr lang="en-US" sz="1200">
+                          <a:effectLst/>
+                        </a:rPr>
+                        <a:t>OoO</a:t>
+                      </a:r>
+                      <a:endParaRPr lang="en-US" sz="1200">
+                        <a:effectLst/>
+                        <a:latin typeface="Calibri" panose="020F0502020204030204" pitchFamily="34" charset="0"/>
+                        <a:ea typeface="DengXian" panose="02010600030101010101" pitchFamily="2" charset="-122"/>
+                        <a:cs typeface="Arial" panose="020B0604020202020204" pitchFamily="34" charset="0"/>
+                      </a:endParaRPr>
+                    </a:p>
+                  </a:txBody>
+                  <a:tcPr marL="68580" marR="68580" marT="0" marB="0"/>
+                </a:tc>
+                <a:extLst>
+                  <a:ext uri="{0D108BD9-81ED-4DB2-BD59-A6C34878D82A}">
+                    <a16:rowId xmlns:a16="http://schemas.microsoft.com/office/drawing/2014/main" val="1610799187"/>
+                  </a:ext>
+                </a:extLst>
+              </a:tr>
+              <a:tr h="284479">
+                <a:tc>
+                  <a:txBody>
+                    <a:bodyPr/>
+                    <a:lstStyle/>
+                    <a:p>
+                      <a:pPr marL="0" marR="0">
+                        <a:spcBef>
+                          <a:spcPts val="0"/>
+                        </a:spcBef>
+                        <a:spcAft>
+                          <a:spcPts val="0"/>
+                        </a:spcAft>
+                      </a:pPr>
+                      <a:r>
+                        <a:rPr lang="en-US" sz="1200" b="0">
+                          <a:solidFill>
+                            <a:schemeClr val="tx1"/>
+                          </a:solidFill>
+                          <a:effectLst/>
+                        </a:rPr>
+                        <a:t>Number of stages</a:t>
+                      </a:r>
+                      <a:endParaRPr lang="en-US" sz="1200" b="0">
+                        <a:solidFill>
+                          <a:schemeClr val="tx1"/>
+                        </a:solidFill>
+                        <a:effectLst/>
+                        <a:latin typeface="Calibri" panose="020F0502020204030204" pitchFamily="34" charset="0"/>
+                        <a:ea typeface="DengXian" panose="02010600030101010101" pitchFamily="2" charset="-122"/>
+                        <a:cs typeface="Arial" panose="020B0604020202020204" pitchFamily="34" charset="0"/>
+                      </a:endParaRPr>
+                    </a:p>
+                  </a:txBody>
+                  <a:tcPr marL="68580" marR="68580" marT="0" marB="0">
+                    <a:noFill/>
+                  </a:tcPr>
+                </a:tc>
+                <a:tc>
+                  <a:txBody>
+                    <a:bodyPr/>
+                    <a:lstStyle/>
+                    <a:p>
+                      <a:pPr marL="0" marR="0">
+                        <a:spcBef>
+                          <a:spcPts val="0"/>
+                        </a:spcBef>
+                        <a:spcAft>
+                          <a:spcPts val="0"/>
+                        </a:spcAft>
+                      </a:pPr>
+                      <a:r>
+                        <a:rPr lang="en-US" sz="1200">
+                          <a:effectLst/>
+                        </a:rPr>
+                        <a:t>19</a:t>
+                      </a:r>
+                      <a:endParaRPr lang="en-US" sz="1200">
+                        <a:effectLst/>
+                        <a:latin typeface="Calibri" panose="020F0502020204030204" pitchFamily="34" charset="0"/>
+                        <a:ea typeface="DengXian" panose="02010600030101010101" pitchFamily="2" charset="-122"/>
+                        <a:cs typeface="Arial" panose="020B0604020202020204" pitchFamily="34" charset="0"/>
+                      </a:endParaRPr>
+                    </a:p>
+                  </a:txBody>
+                  <a:tcPr marL="68580" marR="68580" marT="0" marB="0"/>
+                </a:tc>
+                <a:extLst>
+                  <a:ext uri="{0D108BD9-81ED-4DB2-BD59-A6C34878D82A}">
+                    <a16:rowId xmlns:a16="http://schemas.microsoft.com/office/drawing/2014/main" val="785710591"/>
+                  </a:ext>
+                </a:extLst>
+              </a:tr>
+              <a:tr h="284479">
+                <a:tc>
+                  <a:txBody>
+                    <a:bodyPr/>
+                    <a:lstStyle/>
+                    <a:p>
+                      <a:pPr marL="0" marR="0">
+                        <a:spcBef>
+                          <a:spcPts val="0"/>
+                        </a:spcBef>
+                        <a:spcAft>
+                          <a:spcPts val="0"/>
+                        </a:spcAft>
+                      </a:pPr>
+                      <a:r>
+                        <a:rPr lang="en-US" sz="1200" b="0">
+                          <a:solidFill>
+                            <a:schemeClr val="tx1"/>
+                          </a:solidFill>
+                          <a:effectLst/>
+                        </a:rPr>
+                        <a:t>Width of fetch</a:t>
+                      </a:r>
+                      <a:endParaRPr lang="en-US" sz="1200" b="0">
+                        <a:solidFill>
+                          <a:schemeClr val="tx1"/>
+                        </a:solidFill>
+                        <a:effectLst/>
+                        <a:latin typeface="Calibri" panose="020F0502020204030204" pitchFamily="34" charset="0"/>
+                        <a:ea typeface="DengXian" panose="02010600030101010101" pitchFamily="2" charset="-122"/>
+                        <a:cs typeface="Arial" panose="020B0604020202020204" pitchFamily="34" charset="0"/>
+                      </a:endParaRPr>
+                    </a:p>
+                  </a:txBody>
+                  <a:tcPr marL="68580" marR="68580" marT="0" marB="0">
+                    <a:noFill/>
+                  </a:tcPr>
+                </a:tc>
+                <a:tc>
+                  <a:txBody>
+                    <a:bodyPr/>
+                    <a:lstStyle/>
+                    <a:p>
+                      <a:pPr marL="0" marR="0">
+                        <a:spcBef>
+                          <a:spcPts val="0"/>
+                        </a:spcBef>
+                        <a:spcAft>
+                          <a:spcPts val="0"/>
+                        </a:spcAft>
+                      </a:pPr>
+                      <a:r>
+                        <a:rPr lang="en-US" sz="1200">
+                          <a:effectLst/>
+                        </a:rPr>
+                        <a:t>6 instructions</a:t>
+                      </a:r>
+                      <a:endParaRPr lang="en-US" sz="1200">
+                        <a:effectLst/>
+                        <a:latin typeface="Calibri" panose="020F0502020204030204" pitchFamily="34" charset="0"/>
+                        <a:ea typeface="DengXian" panose="02010600030101010101" pitchFamily="2" charset="-122"/>
+                        <a:cs typeface="Arial" panose="020B0604020202020204" pitchFamily="34" charset="0"/>
+                      </a:endParaRPr>
+                    </a:p>
+                  </a:txBody>
+                  <a:tcPr marL="68580" marR="68580" marT="0" marB="0"/>
+                </a:tc>
+                <a:extLst>
+                  <a:ext uri="{0D108BD9-81ED-4DB2-BD59-A6C34878D82A}">
+                    <a16:rowId xmlns:a16="http://schemas.microsoft.com/office/drawing/2014/main" val="30975939"/>
+                  </a:ext>
+                </a:extLst>
+              </a:tr>
+              <a:tr h="284479">
+                <a:tc>
+                  <a:txBody>
+                    <a:bodyPr/>
+                    <a:lstStyle/>
+                    <a:p>
+                      <a:pPr marL="0" marR="0">
+                        <a:spcBef>
+                          <a:spcPts val="0"/>
+                        </a:spcBef>
+                        <a:spcAft>
+                          <a:spcPts val="0"/>
+                        </a:spcAft>
+                      </a:pPr>
+                      <a:r>
+                        <a:rPr lang="en-US" sz="1200" b="0">
+                          <a:solidFill>
+                            <a:schemeClr val="tx1"/>
+                          </a:solidFill>
+                          <a:effectLst/>
+                        </a:rPr>
+                        <a:t>Width of decode</a:t>
+                      </a:r>
+                      <a:endParaRPr lang="en-US" sz="1200" b="0">
+                        <a:solidFill>
+                          <a:schemeClr val="tx1"/>
+                        </a:solidFill>
+                        <a:effectLst/>
+                        <a:latin typeface="Calibri" panose="020F0502020204030204" pitchFamily="34" charset="0"/>
+                        <a:ea typeface="DengXian" panose="02010600030101010101" pitchFamily="2" charset="-122"/>
+                        <a:cs typeface="Arial" panose="020B0604020202020204" pitchFamily="34" charset="0"/>
+                      </a:endParaRPr>
+                    </a:p>
+                  </a:txBody>
+                  <a:tcPr marL="68580" marR="68580" marT="0" marB="0">
+                    <a:noFill/>
+                  </a:tcPr>
+                </a:tc>
+                <a:tc>
+                  <a:txBody>
+                    <a:bodyPr/>
+                    <a:lstStyle/>
+                    <a:p>
+                      <a:pPr marL="0" marR="0">
+                        <a:spcBef>
+                          <a:spcPts val="0"/>
+                        </a:spcBef>
+                        <a:spcAft>
+                          <a:spcPts val="0"/>
+                        </a:spcAft>
+                      </a:pPr>
+                      <a:r>
+                        <a:rPr lang="en-US" sz="1200">
+                          <a:effectLst/>
+                        </a:rPr>
+                        <a:t>4-7 fused u-ops</a:t>
+                      </a:r>
+                      <a:endParaRPr lang="en-US" sz="1200">
+                        <a:effectLst/>
+                        <a:latin typeface="Calibri" panose="020F0502020204030204" pitchFamily="34" charset="0"/>
+                        <a:ea typeface="DengXian" panose="02010600030101010101" pitchFamily="2" charset="-122"/>
+                        <a:cs typeface="Arial" panose="020B0604020202020204" pitchFamily="34" charset="0"/>
+                      </a:endParaRPr>
+                    </a:p>
+                  </a:txBody>
+                  <a:tcPr marL="68580" marR="68580" marT="0" marB="0"/>
+                </a:tc>
+                <a:extLst>
+                  <a:ext uri="{0D108BD9-81ED-4DB2-BD59-A6C34878D82A}">
+                    <a16:rowId xmlns:a16="http://schemas.microsoft.com/office/drawing/2014/main" val="3300885499"/>
+                  </a:ext>
+                </a:extLst>
+              </a:tr>
+              <a:tr h="284479">
+                <a:tc>
+                  <a:txBody>
+                    <a:bodyPr/>
+                    <a:lstStyle/>
+                    <a:p>
+                      <a:pPr marL="0" marR="0">
+                        <a:spcBef>
+                          <a:spcPts val="0"/>
+                        </a:spcBef>
+                        <a:spcAft>
+                          <a:spcPts val="0"/>
+                        </a:spcAft>
+                      </a:pPr>
+                      <a:r>
+                        <a:rPr lang="en-US" sz="1200" b="0">
+                          <a:solidFill>
+                            <a:schemeClr val="tx1"/>
+                          </a:solidFill>
+                          <a:effectLst/>
+                        </a:rPr>
+                        <a:t>Size of decode queue</a:t>
+                      </a:r>
+                      <a:endParaRPr lang="en-US" sz="1200" b="0">
+                        <a:solidFill>
+                          <a:schemeClr val="tx1"/>
+                        </a:solidFill>
+                        <a:effectLst/>
+                        <a:latin typeface="Calibri" panose="020F0502020204030204" pitchFamily="34" charset="0"/>
+                        <a:ea typeface="DengXian" panose="02010600030101010101" pitchFamily="2" charset="-122"/>
+                        <a:cs typeface="Arial" panose="020B0604020202020204" pitchFamily="34" charset="0"/>
+                      </a:endParaRPr>
+                    </a:p>
+                  </a:txBody>
+                  <a:tcPr marL="68580" marR="68580" marT="0" marB="0">
+                    <a:noFill/>
+                  </a:tcPr>
+                </a:tc>
+                <a:tc>
+                  <a:txBody>
+                    <a:bodyPr/>
+                    <a:lstStyle/>
+                    <a:p>
+                      <a:pPr marL="0" marR="0">
+                        <a:spcBef>
+                          <a:spcPts val="0"/>
+                        </a:spcBef>
+                        <a:spcAft>
+                          <a:spcPts val="0"/>
+                        </a:spcAft>
+                      </a:pPr>
+                      <a:r>
+                        <a:rPr lang="en-US" sz="1200">
+                          <a:effectLst/>
+                        </a:rPr>
+                        <a:t>56 entries</a:t>
+                      </a:r>
+                      <a:endParaRPr lang="en-US" sz="1200">
+                        <a:effectLst/>
+                        <a:latin typeface="Calibri" panose="020F0502020204030204" pitchFamily="34" charset="0"/>
+                        <a:ea typeface="DengXian" panose="02010600030101010101" pitchFamily="2" charset="-122"/>
+                        <a:cs typeface="Arial" panose="020B0604020202020204" pitchFamily="34" charset="0"/>
+                      </a:endParaRPr>
+                    </a:p>
+                  </a:txBody>
+                  <a:tcPr marL="68580" marR="68580" marT="0" marB="0"/>
+                </a:tc>
+                <a:extLst>
+                  <a:ext uri="{0D108BD9-81ED-4DB2-BD59-A6C34878D82A}">
+                    <a16:rowId xmlns:a16="http://schemas.microsoft.com/office/drawing/2014/main" val="828008180"/>
+                  </a:ext>
+                </a:extLst>
+              </a:tr>
+              <a:tr h="284479">
+                <a:tc>
+                  <a:txBody>
+                    <a:bodyPr/>
+                    <a:lstStyle/>
+                    <a:p>
+                      <a:pPr marL="0" marR="0">
+                        <a:spcBef>
+                          <a:spcPts val="0"/>
+                        </a:spcBef>
+                        <a:spcAft>
+                          <a:spcPts val="0"/>
+                        </a:spcAft>
+                      </a:pPr>
+                      <a:r>
+                        <a:rPr lang="en-US" sz="1200" b="0">
+                          <a:solidFill>
+                            <a:schemeClr val="tx1"/>
+                          </a:solidFill>
+                          <a:effectLst/>
+                        </a:rPr>
+                        <a:t>Width of reissue/rename</a:t>
+                      </a:r>
+                      <a:endParaRPr lang="en-US" sz="1200" b="0">
+                        <a:solidFill>
+                          <a:schemeClr val="tx1"/>
+                        </a:solidFill>
+                        <a:effectLst/>
+                        <a:latin typeface="Calibri" panose="020F0502020204030204" pitchFamily="34" charset="0"/>
+                        <a:ea typeface="DengXian" panose="02010600030101010101" pitchFamily="2" charset="-122"/>
+                        <a:cs typeface="Arial" panose="020B0604020202020204" pitchFamily="34" charset="0"/>
+                      </a:endParaRPr>
+                    </a:p>
+                  </a:txBody>
+                  <a:tcPr marL="68580" marR="68580" marT="0" marB="0">
+                    <a:noFill/>
+                  </a:tcPr>
+                </a:tc>
+                <a:tc>
+                  <a:txBody>
+                    <a:bodyPr/>
+                    <a:lstStyle/>
+                    <a:p>
+                      <a:pPr marL="0" marR="0">
+                        <a:spcBef>
+                          <a:spcPts val="0"/>
+                        </a:spcBef>
+                        <a:spcAft>
+                          <a:spcPts val="0"/>
+                        </a:spcAft>
+                      </a:pPr>
+                      <a:r>
+                        <a:rPr lang="en-US" sz="1200" dirty="0">
+                          <a:effectLst/>
+                        </a:rPr>
+                        <a:t>4 fused u-ops</a:t>
+                      </a:r>
+                      <a:endParaRPr lang="en-US" sz="1200" dirty="0">
+                        <a:effectLst/>
+                        <a:latin typeface="Calibri" panose="020F0502020204030204" pitchFamily="34" charset="0"/>
+                        <a:ea typeface="DengXian" panose="02010600030101010101" pitchFamily="2" charset="-122"/>
+                        <a:cs typeface="Arial" panose="020B0604020202020204" pitchFamily="34" charset="0"/>
+                      </a:endParaRPr>
+                    </a:p>
+                  </a:txBody>
+                  <a:tcPr marL="68580" marR="68580" marT="0" marB="0"/>
+                </a:tc>
+                <a:extLst>
+                  <a:ext uri="{0D108BD9-81ED-4DB2-BD59-A6C34878D82A}">
+                    <a16:rowId xmlns:a16="http://schemas.microsoft.com/office/drawing/2014/main" val="3991439578"/>
+                  </a:ext>
+                </a:extLst>
+              </a:tr>
+              <a:tr h="284479">
+                <a:tc>
+                  <a:txBody>
+                    <a:bodyPr/>
+                    <a:lstStyle/>
+                    <a:p>
+                      <a:pPr marL="0" marR="0">
+                        <a:spcBef>
+                          <a:spcPts val="0"/>
+                        </a:spcBef>
+                        <a:spcAft>
+                          <a:spcPts val="0"/>
+                        </a:spcAft>
+                      </a:pPr>
+                      <a:r>
+                        <a:rPr lang="en-US" sz="1200" b="0">
+                          <a:solidFill>
+                            <a:schemeClr val="tx1"/>
+                          </a:solidFill>
+                          <a:effectLst/>
+                        </a:rPr>
+                        <a:t>Width of dispatch</a:t>
+                      </a:r>
+                      <a:endParaRPr lang="en-US" sz="1200" b="0">
+                        <a:solidFill>
+                          <a:schemeClr val="tx1"/>
+                        </a:solidFill>
+                        <a:effectLst/>
+                        <a:latin typeface="Calibri" panose="020F0502020204030204" pitchFamily="34" charset="0"/>
+                        <a:ea typeface="DengXian" panose="02010600030101010101" pitchFamily="2" charset="-122"/>
+                        <a:cs typeface="Arial" panose="020B0604020202020204" pitchFamily="34" charset="0"/>
+                      </a:endParaRPr>
+                    </a:p>
+                  </a:txBody>
+                  <a:tcPr marL="68580" marR="68580" marT="0" marB="0">
+                    <a:noFill/>
+                  </a:tcPr>
+                </a:tc>
+                <a:tc>
+                  <a:txBody>
+                    <a:bodyPr/>
+                    <a:lstStyle/>
+                    <a:p>
+                      <a:pPr marL="0" marR="0">
+                        <a:spcBef>
+                          <a:spcPts val="0"/>
+                        </a:spcBef>
+                        <a:spcAft>
+                          <a:spcPts val="0"/>
+                        </a:spcAft>
+                      </a:pPr>
+                      <a:r>
+                        <a:rPr lang="en-US" sz="1200" dirty="0">
+                          <a:effectLst/>
+                        </a:rPr>
+                        <a:t>8 u ops</a:t>
+                      </a:r>
+                      <a:endParaRPr lang="en-US" sz="1200" dirty="0">
+                        <a:effectLst/>
+                        <a:latin typeface="Calibri" panose="020F0502020204030204" pitchFamily="34" charset="0"/>
+                        <a:ea typeface="DengXian" panose="02010600030101010101" pitchFamily="2" charset="-122"/>
+                        <a:cs typeface="Arial" panose="020B0604020202020204" pitchFamily="34" charset="0"/>
+                      </a:endParaRPr>
+                    </a:p>
+                  </a:txBody>
+                  <a:tcPr marL="68580" marR="68580" marT="0" marB="0"/>
+                </a:tc>
+                <a:extLst>
+                  <a:ext uri="{0D108BD9-81ED-4DB2-BD59-A6C34878D82A}">
+                    <a16:rowId xmlns:a16="http://schemas.microsoft.com/office/drawing/2014/main" val="887935868"/>
+                  </a:ext>
+                </a:extLst>
+              </a:tr>
+              <a:tr h="284479">
+                <a:tc>
+                  <a:txBody>
+                    <a:bodyPr/>
+                    <a:lstStyle/>
+                    <a:p>
+                      <a:pPr marL="0" marR="0">
+                        <a:spcBef>
+                          <a:spcPts val="0"/>
+                        </a:spcBef>
+                        <a:spcAft>
+                          <a:spcPts val="0"/>
+                        </a:spcAft>
+                      </a:pPr>
+                      <a:r>
+                        <a:rPr lang="en-US" sz="1200" b="0">
+                          <a:solidFill>
+                            <a:schemeClr val="tx1"/>
+                          </a:solidFill>
+                          <a:effectLst/>
+                        </a:rPr>
+                        <a:t>Width of commit</a:t>
+                      </a:r>
+                      <a:endParaRPr lang="en-US" sz="1200" b="0">
+                        <a:solidFill>
+                          <a:schemeClr val="tx1"/>
+                        </a:solidFill>
+                        <a:effectLst/>
+                        <a:latin typeface="Calibri" panose="020F0502020204030204" pitchFamily="34" charset="0"/>
+                        <a:ea typeface="DengXian" panose="02010600030101010101" pitchFamily="2" charset="-122"/>
+                        <a:cs typeface="Arial" panose="020B0604020202020204" pitchFamily="34" charset="0"/>
+                      </a:endParaRPr>
+                    </a:p>
+                  </a:txBody>
+                  <a:tcPr marL="68580" marR="68580" marT="0" marB="0">
+                    <a:noFill/>
+                  </a:tcPr>
+                </a:tc>
+                <a:tc>
+                  <a:txBody>
+                    <a:bodyPr/>
+                    <a:lstStyle/>
+                    <a:p>
+                      <a:pPr marL="0" marR="0">
+                        <a:spcBef>
+                          <a:spcPts val="0"/>
+                        </a:spcBef>
+                        <a:spcAft>
+                          <a:spcPts val="0"/>
+                        </a:spcAft>
+                      </a:pPr>
+                      <a:r>
+                        <a:rPr lang="en-US" sz="1200">
+                          <a:effectLst/>
+                        </a:rPr>
+                        <a:t>4 fused u-ops</a:t>
+                      </a:r>
+                      <a:endParaRPr lang="en-US" sz="1200">
+                        <a:effectLst/>
+                        <a:latin typeface="Calibri" panose="020F0502020204030204" pitchFamily="34" charset="0"/>
+                        <a:ea typeface="DengXian" panose="02010600030101010101" pitchFamily="2" charset="-122"/>
+                        <a:cs typeface="Arial" panose="020B0604020202020204" pitchFamily="34" charset="0"/>
+                      </a:endParaRPr>
+                    </a:p>
+                  </a:txBody>
+                  <a:tcPr marL="68580" marR="68580" marT="0" marB="0"/>
+                </a:tc>
+                <a:extLst>
+                  <a:ext uri="{0D108BD9-81ED-4DB2-BD59-A6C34878D82A}">
+                    <a16:rowId xmlns:a16="http://schemas.microsoft.com/office/drawing/2014/main" val="668003173"/>
+                  </a:ext>
+                </a:extLst>
+              </a:tr>
+              <a:tr h="284479">
+                <a:tc>
+                  <a:txBody>
+                    <a:bodyPr/>
+                    <a:lstStyle/>
+                    <a:p>
+                      <a:pPr marL="0" marR="0">
+                        <a:spcBef>
+                          <a:spcPts val="0"/>
+                        </a:spcBef>
+                        <a:spcAft>
+                          <a:spcPts val="0"/>
+                        </a:spcAft>
+                      </a:pPr>
+                      <a:r>
+                        <a:rPr lang="en-US" sz="1200" b="0" dirty="0">
+                          <a:solidFill>
+                            <a:schemeClr val="tx1"/>
+                          </a:solidFill>
+                          <a:effectLst/>
+                        </a:rPr>
+                        <a:t>Reservation station</a:t>
+                      </a:r>
+                      <a:endParaRPr lang="en-US" sz="1200" b="0" dirty="0">
+                        <a:solidFill>
+                          <a:schemeClr val="tx1"/>
+                        </a:solidFill>
+                        <a:effectLst/>
+                        <a:latin typeface="Calibri" panose="020F0502020204030204" pitchFamily="34" charset="0"/>
+                        <a:ea typeface="DengXian" panose="02010600030101010101" pitchFamily="2" charset="-122"/>
+                        <a:cs typeface="Arial" panose="020B0604020202020204" pitchFamily="34" charset="0"/>
+                      </a:endParaRPr>
+                    </a:p>
+                  </a:txBody>
+                  <a:tcPr marL="68580" marR="68580" marT="0" marB="0">
+                    <a:noFill/>
+                  </a:tcPr>
+                </a:tc>
+                <a:tc>
+                  <a:txBody>
+                    <a:bodyPr/>
+                    <a:lstStyle/>
+                    <a:p>
+                      <a:pPr marL="0" marR="0">
+                        <a:spcBef>
+                          <a:spcPts val="0"/>
+                        </a:spcBef>
+                        <a:spcAft>
+                          <a:spcPts val="0"/>
+                        </a:spcAft>
+                      </a:pPr>
+                      <a:r>
+                        <a:rPr lang="en-US" sz="1200">
+                          <a:effectLst/>
+                        </a:rPr>
+                        <a:t>60 u-ops</a:t>
+                      </a:r>
+                      <a:endParaRPr lang="en-US" sz="1200">
+                        <a:effectLst/>
+                        <a:latin typeface="Calibri" panose="020F0502020204030204" pitchFamily="34" charset="0"/>
+                        <a:ea typeface="DengXian" panose="02010600030101010101" pitchFamily="2" charset="-122"/>
+                        <a:cs typeface="Arial" panose="020B0604020202020204" pitchFamily="34" charset="0"/>
+                      </a:endParaRPr>
+                    </a:p>
+                  </a:txBody>
+                  <a:tcPr marL="68580" marR="68580" marT="0" marB="0"/>
+                </a:tc>
+                <a:extLst>
+                  <a:ext uri="{0D108BD9-81ED-4DB2-BD59-A6C34878D82A}">
+                    <a16:rowId xmlns:a16="http://schemas.microsoft.com/office/drawing/2014/main" val="1459024853"/>
+                  </a:ext>
+                </a:extLst>
+              </a:tr>
+              <a:tr h="284479">
+                <a:tc>
+                  <a:txBody>
+                    <a:bodyPr/>
+                    <a:lstStyle/>
+                    <a:p>
+                      <a:pPr marL="0" marR="0">
+                        <a:spcBef>
+                          <a:spcPts val="0"/>
+                        </a:spcBef>
+                        <a:spcAft>
+                          <a:spcPts val="0"/>
+                        </a:spcAft>
+                      </a:pPr>
+                      <a:r>
+                        <a:rPr lang="en-US" sz="1200" b="0">
+                          <a:solidFill>
+                            <a:schemeClr val="tx1"/>
+                          </a:solidFill>
+                          <a:effectLst/>
+                        </a:rPr>
+                        <a:t>Reorder buffer</a:t>
+                      </a:r>
+                      <a:endParaRPr lang="en-US" sz="1200" b="0">
+                        <a:solidFill>
+                          <a:schemeClr val="tx1"/>
+                        </a:solidFill>
+                        <a:effectLst/>
+                        <a:latin typeface="Calibri" panose="020F0502020204030204" pitchFamily="34" charset="0"/>
+                        <a:ea typeface="DengXian" panose="02010600030101010101" pitchFamily="2" charset="-122"/>
+                        <a:cs typeface="Arial" panose="020B0604020202020204" pitchFamily="34" charset="0"/>
+                      </a:endParaRPr>
+                    </a:p>
+                  </a:txBody>
+                  <a:tcPr marL="68580" marR="68580" marT="0" marB="0">
+                    <a:noFill/>
+                  </a:tcPr>
+                </a:tc>
+                <a:tc>
+                  <a:txBody>
+                    <a:bodyPr/>
+                    <a:lstStyle/>
+                    <a:p>
+                      <a:pPr marL="0" marR="0">
+                        <a:spcBef>
+                          <a:spcPts val="0"/>
+                        </a:spcBef>
+                        <a:spcAft>
+                          <a:spcPts val="0"/>
+                        </a:spcAft>
+                      </a:pPr>
+                      <a:r>
+                        <a:rPr lang="en-US" sz="1200">
+                          <a:effectLst/>
+                        </a:rPr>
+                        <a:t>192 u-ops</a:t>
+                      </a:r>
+                      <a:endParaRPr lang="en-US" sz="1200">
+                        <a:effectLst/>
+                        <a:latin typeface="Calibri" panose="020F0502020204030204" pitchFamily="34" charset="0"/>
+                        <a:ea typeface="DengXian" panose="02010600030101010101" pitchFamily="2" charset="-122"/>
+                        <a:cs typeface="Arial" panose="020B0604020202020204" pitchFamily="34" charset="0"/>
+                      </a:endParaRPr>
+                    </a:p>
+                  </a:txBody>
+                  <a:tcPr marL="68580" marR="68580" marT="0" marB="0"/>
+                </a:tc>
+                <a:extLst>
+                  <a:ext uri="{0D108BD9-81ED-4DB2-BD59-A6C34878D82A}">
+                    <a16:rowId xmlns:a16="http://schemas.microsoft.com/office/drawing/2014/main" val="1424327760"/>
+                  </a:ext>
+                </a:extLst>
+              </a:tr>
+              <a:tr h="284479">
+                <a:tc>
+                  <a:txBody>
+                    <a:bodyPr/>
+                    <a:lstStyle/>
+                    <a:p>
+                      <a:pPr marL="0" marR="0">
+                        <a:spcBef>
+                          <a:spcPts val="0"/>
+                        </a:spcBef>
+                        <a:spcAft>
+                          <a:spcPts val="0"/>
+                        </a:spcAft>
+                      </a:pPr>
+                      <a:r>
+                        <a:rPr lang="en-US" sz="1200" b="0" dirty="0">
+                          <a:solidFill>
+                            <a:schemeClr val="tx1"/>
+                          </a:solidFill>
+                          <a:effectLst/>
+                        </a:rPr>
+                        <a:t>L1 (Data cache)</a:t>
+                      </a:r>
+                      <a:endParaRPr lang="en-US" sz="1200" b="0" dirty="0">
+                        <a:solidFill>
+                          <a:schemeClr val="tx1"/>
+                        </a:solidFill>
+                        <a:effectLst/>
+                        <a:latin typeface="Calibri" panose="020F0502020204030204" pitchFamily="34" charset="0"/>
+                        <a:ea typeface="DengXian" panose="02010600030101010101" pitchFamily="2" charset="-122"/>
+                        <a:cs typeface="Arial" panose="020B0604020202020204" pitchFamily="34" charset="0"/>
+                      </a:endParaRPr>
+                    </a:p>
+                  </a:txBody>
+                  <a:tcPr marL="68580" marR="68580" marT="0" marB="0">
+                    <a:noFill/>
+                  </a:tcPr>
+                </a:tc>
+                <a:tc>
+                  <a:txBody>
+                    <a:bodyPr/>
+                    <a:lstStyle/>
+                    <a:p>
+                      <a:pPr marL="0" marR="0">
+                        <a:spcBef>
+                          <a:spcPts val="0"/>
+                        </a:spcBef>
+                        <a:spcAft>
+                          <a:spcPts val="0"/>
+                        </a:spcAft>
+                      </a:pPr>
+                      <a:r>
+                        <a:rPr lang="en-US" sz="1200" dirty="0">
+                          <a:effectLst/>
+                        </a:rPr>
+                        <a:t>8 way, 32KB</a:t>
+                      </a:r>
+                      <a:endParaRPr lang="en-US" sz="1200" dirty="0">
+                        <a:effectLst/>
+                        <a:latin typeface="Calibri" panose="020F0502020204030204" pitchFamily="34" charset="0"/>
+                        <a:ea typeface="DengXian" panose="02010600030101010101" pitchFamily="2" charset="-122"/>
+                        <a:cs typeface="Arial" panose="020B0604020202020204" pitchFamily="34" charset="0"/>
+                      </a:endParaRPr>
+                    </a:p>
+                  </a:txBody>
+                  <a:tcPr marL="68580" marR="68580" marT="0" marB="0"/>
+                </a:tc>
+                <a:extLst>
+                  <a:ext uri="{0D108BD9-81ED-4DB2-BD59-A6C34878D82A}">
+                    <a16:rowId xmlns:a16="http://schemas.microsoft.com/office/drawing/2014/main" val="1186988297"/>
+                  </a:ext>
+                </a:extLst>
+              </a:tr>
+              <a:tr h="284479">
+                <a:tc>
+                  <a:txBody>
+                    <a:bodyPr/>
+                    <a:lstStyle/>
+                    <a:p>
+                      <a:pPr marL="0" marR="0">
+                        <a:spcBef>
+                          <a:spcPts val="0"/>
+                        </a:spcBef>
+                        <a:spcAft>
+                          <a:spcPts val="0"/>
+                        </a:spcAft>
+                      </a:pPr>
+                      <a:r>
+                        <a:rPr lang="en-US" sz="1200" b="0" dirty="0">
+                          <a:solidFill>
+                            <a:schemeClr val="tx1"/>
+                          </a:solidFill>
+                          <a:effectLst/>
+                        </a:rPr>
+                        <a:t>L1 (Instruction cache)</a:t>
+                      </a:r>
+                      <a:endParaRPr lang="en-US" sz="1200" b="0" dirty="0">
+                        <a:solidFill>
+                          <a:schemeClr val="tx1"/>
+                        </a:solidFill>
+                        <a:effectLst/>
+                        <a:latin typeface="Calibri" panose="020F0502020204030204" pitchFamily="34" charset="0"/>
+                        <a:ea typeface="DengXian" panose="02010600030101010101" pitchFamily="2" charset="-122"/>
+                        <a:cs typeface="Arial" panose="020B0604020202020204" pitchFamily="34" charset="0"/>
+                      </a:endParaRPr>
+                    </a:p>
+                  </a:txBody>
+                  <a:tcPr marL="68580" marR="68580" marT="0" marB="0">
+                    <a:noFill/>
+                  </a:tcPr>
+                </a:tc>
+                <a:tc>
+                  <a:txBody>
+                    <a:bodyPr/>
+                    <a:lstStyle/>
+                    <a:p>
+                      <a:pPr marL="0" marR="0">
+                        <a:spcBef>
+                          <a:spcPts val="0"/>
+                        </a:spcBef>
+                        <a:spcAft>
+                          <a:spcPts val="0"/>
+                        </a:spcAft>
+                      </a:pPr>
+                      <a:r>
+                        <a:rPr lang="en-US" sz="1200">
+                          <a:effectLst/>
+                        </a:rPr>
+                        <a:t>8 way 32 KB</a:t>
+                      </a:r>
+                      <a:endParaRPr lang="en-US" sz="1200">
+                        <a:effectLst/>
+                        <a:latin typeface="Calibri" panose="020F0502020204030204" pitchFamily="34" charset="0"/>
+                        <a:ea typeface="DengXian" panose="02010600030101010101" pitchFamily="2" charset="-122"/>
+                        <a:cs typeface="Arial" panose="020B0604020202020204" pitchFamily="34" charset="0"/>
+                      </a:endParaRPr>
+                    </a:p>
+                  </a:txBody>
+                  <a:tcPr marL="68580" marR="68580" marT="0" marB="0"/>
+                </a:tc>
+                <a:extLst>
+                  <a:ext uri="{0D108BD9-81ED-4DB2-BD59-A6C34878D82A}">
+                    <a16:rowId xmlns:a16="http://schemas.microsoft.com/office/drawing/2014/main" val="2384858705"/>
+                  </a:ext>
+                </a:extLst>
+              </a:tr>
+              <a:tr h="284479">
+                <a:tc>
+                  <a:txBody>
+                    <a:bodyPr/>
+                    <a:lstStyle/>
+                    <a:p>
+                      <a:pPr marL="0" marR="0">
+                        <a:spcBef>
+                          <a:spcPts val="0"/>
+                        </a:spcBef>
+                        <a:spcAft>
+                          <a:spcPts val="0"/>
+                        </a:spcAft>
+                      </a:pPr>
+                      <a:r>
+                        <a:rPr lang="en-US" sz="1200" b="0">
+                          <a:solidFill>
+                            <a:schemeClr val="tx1"/>
+                          </a:solidFill>
+                          <a:effectLst/>
+                        </a:rPr>
+                        <a:t>L2</a:t>
+                      </a:r>
+                      <a:endParaRPr lang="en-US" sz="1200" b="0">
+                        <a:solidFill>
+                          <a:schemeClr val="tx1"/>
+                        </a:solidFill>
+                        <a:effectLst/>
+                        <a:latin typeface="Calibri" panose="020F0502020204030204" pitchFamily="34" charset="0"/>
+                        <a:ea typeface="DengXian" panose="02010600030101010101" pitchFamily="2" charset="-122"/>
+                        <a:cs typeface="Arial" panose="020B0604020202020204" pitchFamily="34" charset="0"/>
+                      </a:endParaRPr>
+                    </a:p>
+                  </a:txBody>
+                  <a:tcPr marL="68580" marR="68580" marT="0" marB="0">
+                    <a:noFill/>
+                  </a:tcPr>
+                </a:tc>
+                <a:tc>
+                  <a:txBody>
+                    <a:bodyPr/>
+                    <a:lstStyle/>
+                    <a:p>
+                      <a:pPr marL="0" marR="0">
+                        <a:spcBef>
+                          <a:spcPts val="0"/>
+                        </a:spcBef>
+                        <a:spcAft>
+                          <a:spcPts val="0"/>
+                        </a:spcAft>
+                      </a:pPr>
+                      <a:r>
+                        <a:rPr lang="en-US" sz="1200">
+                          <a:effectLst/>
+                        </a:rPr>
+                        <a:t>8 way, 256 KB</a:t>
+                      </a:r>
+                      <a:endParaRPr lang="en-US" sz="1200">
+                        <a:effectLst/>
+                        <a:latin typeface="Calibri" panose="020F0502020204030204" pitchFamily="34" charset="0"/>
+                        <a:ea typeface="DengXian" panose="02010600030101010101" pitchFamily="2" charset="-122"/>
+                        <a:cs typeface="Arial" panose="020B0604020202020204" pitchFamily="34" charset="0"/>
+                      </a:endParaRPr>
+                    </a:p>
+                  </a:txBody>
+                  <a:tcPr marL="68580" marR="68580" marT="0" marB="0"/>
+                </a:tc>
+                <a:extLst>
+                  <a:ext uri="{0D108BD9-81ED-4DB2-BD59-A6C34878D82A}">
+                    <a16:rowId xmlns:a16="http://schemas.microsoft.com/office/drawing/2014/main" val="3718167368"/>
+                  </a:ext>
+                </a:extLst>
+              </a:tr>
+              <a:tr h="284479">
+                <a:tc>
+                  <a:txBody>
+                    <a:bodyPr/>
+                    <a:lstStyle/>
+                    <a:p>
+                      <a:pPr marL="0" marR="0">
+                        <a:spcBef>
+                          <a:spcPts val="0"/>
+                        </a:spcBef>
+                        <a:spcAft>
+                          <a:spcPts val="0"/>
+                        </a:spcAft>
+                      </a:pPr>
+                      <a:r>
+                        <a:rPr lang="en-US" sz="1200" b="0" dirty="0">
+                          <a:solidFill>
+                            <a:schemeClr val="tx1"/>
+                          </a:solidFill>
+                          <a:effectLst/>
+                        </a:rPr>
+                        <a:t>L3</a:t>
+                      </a:r>
+                      <a:endParaRPr lang="en-US" sz="1200" b="0" dirty="0">
+                        <a:solidFill>
+                          <a:schemeClr val="tx1"/>
+                        </a:solidFill>
+                        <a:effectLst/>
+                        <a:latin typeface="Calibri" panose="020F0502020204030204" pitchFamily="34" charset="0"/>
+                        <a:ea typeface="DengXian" panose="02010600030101010101" pitchFamily="2" charset="-122"/>
+                        <a:cs typeface="Arial" panose="020B0604020202020204" pitchFamily="34" charset="0"/>
+                      </a:endParaRPr>
+                    </a:p>
+                  </a:txBody>
+                  <a:tcPr marL="68580" marR="68580" marT="0" marB="0">
+                    <a:noFill/>
+                  </a:tcPr>
+                </a:tc>
+                <a:tc>
+                  <a:txBody>
+                    <a:bodyPr/>
+                    <a:lstStyle/>
+                    <a:p>
+                      <a:pPr marL="0" marR="0">
+                        <a:spcBef>
+                          <a:spcPts val="0"/>
+                        </a:spcBef>
+                        <a:spcAft>
+                          <a:spcPts val="0"/>
+                        </a:spcAft>
+                      </a:pPr>
+                      <a:r>
+                        <a:rPr lang="en-US" sz="1200" dirty="0">
+                          <a:effectLst/>
+                        </a:rPr>
+                        <a:t>16 way, 16MB</a:t>
+                      </a:r>
+                      <a:endParaRPr lang="en-US" sz="1200" dirty="0">
+                        <a:effectLst/>
+                        <a:latin typeface="Calibri" panose="020F0502020204030204" pitchFamily="34" charset="0"/>
+                        <a:ea typeface="DengXian" panose="02010600030101010101" pitchFamily="2" charset="-122"/>
+                        <a:cs typeface="Arial" panose="020B0604020202020204" pitchFamily="34" charset="0"/>
+                      </a:endParaRPr>
+                    </a:p>
+                  </a:txBody>
+                  <a:tcPr marL="68580" marR="68580" marT="0" marB="0"/>
+                </a:tc>
+                <a:extLst>
+                  <a:ext uri="{0D108BD9-81ED-4DB2-BD59-A6C34878D82A}">
+                    <a16:rowId xmlns:a16="http://schemas.microsoft.com/office/drawing/2014/main" val="2718675191"/>
+                  </a:ext>
+                </a:extLst>
+              </a:tr>
+            </a:tbl>
+          </a:graphicData>
+        </a:graphic>
+      </p:graphicFrame>
+    </p:spTree>
+    <p:extLst>
+      <p:ext uri="{BB962C8B-B14F-4D97-AF65-F5344CB8AC3E}">
+        <p14:creationId xmlns:p14="http://schemas.microsoft.com/office/powerpoint/2010/main" val="260481863"/>
+      </p:ext>
+    </p:extLst>
+  </p:cSld>
+  <p:clrMapOvr>
+    <a:masterClrMapping/>
+  </p:clrMapOvr>
+  <p:transition/>
+</p:sld>
+</file>
+
+<file path=ppt/slides/slide43.xml><?xml version="1.0" encoding="utf-8"?>
+<p:sld xmlns:a="http://schemas.openxmlformats.org/drawingml/2006/main" xmlns:r="http://schemas.openxmlformats.org/officeDocument/2006/relationships" xmlns:p="http://schemas.openxmlformats.org/presentationml/2006/main">
+  <p:cSld>
+    <p:spTree>
+      <p:nvGrpSpPr>
+        <p:cNvPr id="1" name=""/>
+        <p:cNvGrpSpPr/>
+        <p:nvPr/>
+      </p:nvGrpSpPr>
+      <p:grpSpPr>
+        <a:xfrm>
+          <a:off x="0" y="0"/>
+          <a:ext cx="0" cy="0"/>
+          <a:chOff x="0" y="0"/>
+          <a:chExt cx="0" cy="0"/>
+        </a:xfrm>
+      </p:grpSpPr>
+      <p:sp>
+        <p:nvSpPr>
+          <p:cNvPr id="23556" name="Rectangle 2"/>
+          <p:cNvSpPr>
+            <a:spLocks noGrp="1" noChangeArrowheads="1"/>
+          </p:cNvSpPr>
+          <p:nvPr>
+            <p:ph type="title"/>
+          </p:nvPr>
+        </p:nvSpPr>
+        <p:spPr>
+          <a:xfrm>
+            <a:off x="682752" y="114300"/>
+            <a:ext cx="7772400" cy="838200"/>
+          </a:xfrm>
+        </p:spPr>
+        <p:txBody>
+          <a:bodyPr/>
+          <a:lstStyle/>
+          <a:p>
+            <a:r>
+              <a:rPr lang="en-US" sz="3600" dirty="0"/>
+              <a:t>Machine state (Intel x64)</a:t>
+            </a:r>
+          </a:p>
+        </p:txBody>
+      </p:sp>
+      <p:sp>
+        <p:nvSpPr>
+          <p:cNvPr id="8" name="Slide Number Placeholder 7"/>
+          <p:cNvSpPr>
+            <a:spLocks noGrp="1"/>
+          </p:cNvSpPr>
+          <p:nvPr>
+            <p:ph type="sldNum" sz="quarter" idx="12"/>
+          </p:nvPr>
+        </p:nvSpPr>
+        <p:spPr/>
+        <p:txBody>
+          <a:bodyPr/>
+          <a:lstStyle/>
+          <a:p>
+            <a:pPr>
+              <a:defRPr/>
+            </a:pPr>
+            <a:fld id="{8E09DF16-9352-46A7-97F1-1D13A8547ADD}" type="slidenum">
+              <a:rPr lang="en-US" smtClean="0"/>
+              <a:pPr>
+                <a:defRPr/>
+              </a:pPr>
+              <a:t>43</a:t>
+            </a:fld>
+            <a:endParaRPr lang="en-US"/>
+          </a:p>
+        </p:txBody>
+      </p:sp>
+      <p:sp>
+        <p:nvSpPr>
+          <p:cNvPr id="2" name="Rectangle 2">
+            <a:extLst>
+              <a:ext uri="{FF2B5EF4-FFF2-40B4-BE49-F238E27FC236}">
+                <a16:creationId xmlns:a16="http://schemas.microsoft.com/office/drawing/2014/main" id="{C0D3418F-80B0-844C-8418-6CC7A95790AB}"/>
+              </a:ext>
+            </a:extLst>
+          </p:cNvPr>
+          <p:cNvSpPr>
+            <a:spLocks noChangeArrowheads="1"/>
+          </p:cNvSpPr>
+          <p:nvPr/>
+        </p:nvSpPr>
+        <p:spPr bwMode="auto">
+          <a:xfrm>
+            <a:off x="0" y="0"/>
+            <a:ext cx="9144000" cy="0"/>
+          </a:xfrm>
+          <a:prstGeom prst="rect">
+            <a:avLst/>
+          </a:prstGeom>
+          <a:noFill/>
+          <a:ln>
+            <a:noFill/>
+          </a:ln>
+          <a:effectLst/>
+          <a:extLst>
+            <a:ext uri="{909E8E84-426E-40DD-AFC4-6F175D3DCCD1}">
+              <a14:hiddenFill xmlns:a14="http://schemas.microsoft.com/office/drawing/2010/main">
+                <a:solidFill>
+                  <a:schemeClr val="accent1"/>
+                </a:solidFill>
+              </a14:hiddenFill>
+            </a:ext>
+            <a:ext uri="{91240B29-F687-4F45-9708-019B960494DF}">
+              <a14:hiddenLine xmlns:a14="http://schemas.microsoft.com/office/drawing/2010/main" w="9525">
+                <a:solidFill>
+                  <a:schemeClr val="tx1"/>
+                </a:solidFill>
+                <a:miter lim="800000"/>
+                <a:headEnd/>
+                <a:tailEnd/>
+              </a14:hiddenLine>
+            </a:ext>
+            <a:ext uri="{AF507438-7753-43E0-B8FC-AC1667EBCBE1}">
+              <a14:hiddenEffects xmlns:a14="http://schemas.microsoft.com/office/drawing/2010/main">
+                <a:effectLst>
+                  <a:outerShdw dist="35921" dir="2700000" algn="ctr" rotWithShape="0">
+                    <a:schemeClr val="bg2"/>
+                  </a:outerShdw>
+                </a:effectLst>
+              </a14:hiddenEffects>
+            </a:ext>
+          </a:extLst>
+        </p:spPr>
+        <p:txBody>
+          <a:bodyPr vert="horz" wrap="none" lIns="91440" tIns="45720" rIns="91440" bIns="45720" numCol="1" anchor="ctr" anchorCtr="0" compatLnSpc="1">
+            <a:prstTxWarp prst="textNoShape">
+              <a:avLst/>
+            </a:prstTxWarp>
+            <a:spAutoFit/>
+          </a:bodyPr>
+          <a:lstStyle/>
+          <a:p>
+            <a:endParaRPr lang="en-US"/>
+          </a:p>
+        </p:txBody>
+      </p:sp>
+      <p:graphicFrame>
+        <p:nvGraphicFramePr>
+          <p:cNvPr id="3" name="Table 2">
+            <a:extLst>
+              <a:ext uri="{FF2B5EF4-FFF2-40B4-BE49-F238E27FC236}">
+                <a16:creationId xmlns:a16="http://schemas.microsoft.com/office/drawing/2014/main" id="{8EB235B7-E2F5-C44F-A3B3-6B25F0C02723}"/>
+              </a:ext>
+            </a:extLst>
+          </p:cNvPr>
+          <p:cNvGraphicFramePr>
+            <a:graphicFrameLocks noGrp="1"/>
+          </p:cNvGraphicFramePr>
+          <p:nvPr>
+            <p:extLst>
+              <p:ext uri="{D42A27DB-BD31-4B8C-83A1-F6EECF244321}">
+                <p14:modId xmlns:p14="http://schemas.microsoft.com/office/powerpoint/2010/main" val="391327718"/>
+              </p:ext>
+            </p:extLst>
+          </p:nvPr>
+        </p:nvGraphicFramePr>
+        <p:xfrm>
+          <a:off x="493776" y="1804320"/>
+          <a:ext cx="8150352" cy="3592260"/>
+        </p:xfrm>
+        <a:graphic>
+          <a:graphicData uri="http://schemas.openxmlformats.org/drawingml/2006/table">
+            <a:tbl>
+              <a:tblPr firstRow="1" firstCol="1" bandRow="1">
+                <a:tableStyleId>{5C22544A-7EE6-4342-B048-85BDC9FD1C3A}</a:tableStyleId>
+              </a:tblPr>
+              <a:tblGrid>
+                <a:gridCol w="3886200">
+                  <a:extLst>
+                    <a:ext uri="{9D8B030D-6E8A-4147-A177-3AD203B41FA5}">
+                      <a16:colId xmlns:a16="http://schemas.microsoft.com/office/drawing/2014/main" val="872588650"/>
+                    </a:ext>
+                  </a:extLst>
+                </a:gridCol>
+                <a:gridCol w="4264152">
+                  <a:extLst>
+                    <a:ext uri="{9D8B030D-6E8A-4147-A177-3AD203B41FA5}">
+                      <a16:colId xmlns:a16="http://schemas.microsoft.com/office/drawing/2014/main" val="1150892001"/>
+                    </a:ext>
+                  </a:extLst>
+                </a:gridCol>
+              </a:tblGrid>
+              <a:tr h="299355">
+                <a:tc>
+                  <a:txBody>
+                    <a:bodyPr/>
+                    <a:lstStyle/>
+                    <a:p>
+                      <a:pPr marL="0" marR="0">
+                        <a:spcBef>
+                          <a:spcPts val="0"/>
+                        </a:spcBef>
+                        <a:spcAft>
+                          <a:spcPts val="0"/>
+                        </a:spcAft>
+                      </a:pPr>
+                      <a:r>
+                        <a:rPr lang="en-US" sz="1200" dirty="0">
+                          <a:solidFill>
+                            <a:schemeClr val="tx1"/>
+                          </a:solidFill>
+                          <a:effectLst/>
+                        </a:rPr>
+                        <a:t>Feature</a:t>
+                      </a:r>
+                      <a:endParaRPr lang="en-US" sz="1200" dirty="0">
+                        <a:solidFill>
+                          <a:schemeClr val="tx1"/>
+                        </a:solidFill>
+                        <a:effectLst/>
+                        <a:latin typeface="Calibri" panose="020F0502020204030204" pitchFamily="34" charset="0"/>
+                        <a:ea typeface="DengXian" panose="02010600030101010101" pitchFamily="2" charset="-122"/>
+                        <a:cs typeface="Arial" panose="020B0604020202020204" pitchFamily="34" charset="0"/>
+                      </a:endParaRPr>
+                    </a:p>
+                  </a:txBody>
+                  <a:tcPr marL="68580" marR="68580" marT="0" marB="0"/>
+                </a:tc>
+                <a:tc>
+                  <a:txBody>
+                    <a:bodyPr/>
+                    <a:lstStyle/>
+                    <a:p>
+                      <a:pPr marL="0" marR="0">
+                        <a:spcBef>
+                          <a:spcPts val="0"/>
+                        </a:spcBef>
+                        <a:spcAft>
+                          <a:spcPts val="0"/>
+                        </a:spcAft>
+                      </a:pPr>
+                      <a:r>
+                        <a:rPr lang="en-US" sz="1200" dirty="0">
+                          <a:solidFill>
+                            <a:schemeClr val="tx1"/>
+                          </a:solidFill>
+                          <a:effectLst/>
+                        </a:rPr>
+                        <a:t>Core i7</a:t>
+                      </a:r>
+                      <a:endParaRPr lang="en-US" sz="1200" dirty="0">
+                        <a:solidFill>
+                          <a:schemeClr val="tx1"/>
+                        </a:solidFill>
+                        <a:effectLst/>
+                        <a:latin typeface="Calibri" panose="020F0502020204030204" pitchFamily="34" charset="0"/>
+                        <a:ea typeface="DengXian" panose="02010600030101010101" pitchFamily="2" charset="-122"/>
+                        <a:cs typeface="Arial" panose="020B0604020202020204" pitchFamily="34" charset="0"/>
+                      </a:endParaRPr>
+                    </a:p>
+                  </a:txBody>
+                  <a:tcPr marL="68580" marR="68580" marT="0" marB="0"/>
+                </a:tc>
+                <a:extLst>
+                  <a:ext uri="{0D108BD9-81ED-4DB2-BD59-A6C34878D82A}">
+                    <a16:rowId xmlns:a16="http://schemas.microsoft.com/office/drawing/2014/main" val="3098079186"/>
+                  </a:ext>
+                </a:extLst>
+              </a:tr>
+              <a:tr h="299355">
+                <a:tc>
+                  <a:txBody>
+                    <a:bodyPr/>
+                    <a:lstStyle/>
+                    <a:p>
+                      <a:pPr marL="0" marR="0">
+                        <a:spcBef>
+                          <a:spcPts val="0"/>
+                        </a:spcBef>
+                        <a:spcAft>
+                          <a:spcPts val="0"/>
+                        </a:spcAft>
+                      </a:pPr>
+                      <a:r>
+                        <a:rPr lang="en-US" sz="1200" b="0">
+                          <a:solidFill>
+                            <a:schemeClr val="tx1"/>
+                          </a:solidFill>
+                          <a:effectLst/>
+                        </a:rPr>
+                        <a:t>L1 latency</a:t>
+                      </a:r>
+                      <a:endParaRPr lang="en-US" sz="1200" b="0">
+                        <a:solidFill>
+                          <a:schemeClr val="tx1"/>
+                        </a:solidFill>
+                        <a:effectLst/>
+                        <a:latin typeface="Calibri" panose="020F0502020204030204" pitchFamily="34" charset="0"/>
+                        <a:ea typeface="DengXian" panose="02010600030101010101" pitchFamily="2" charset="-122"/>
+                        <a:cs typeface="Arial" panose="020B0604020202020204" pitchFamily="34" charset="0"/>
+                      </a:endParaRPr>
+                    </a:p>
+                  </a:txBody>
+                  <a:tcPr marL="68580" marR="68580" marT="0" marB="0">
+                    <a:noFill/>
+                  </a:tcPr>
+                </a:tc>
+                <a:tc>
+                  <a:txBody>
+                    <a:bodyPr/>
+                    <a:lstStyle/>
+                    <a:p>
+                      <a:pPr marL="0" marR="0">
+                        <a:spcBef>
+                          <a:spcPts val="0"/>
+                        </a:spcBef>
+                        <a:spcAft>
+                          <a:spcPts val="0"/>
+                        </a:spcAft>
+                      </a:pPr>
+                      <a:r>
+                        <a:rPr lang="en-US" sz="1200">
+                          <a:effectLst/>
+                        </a:rPr>
+                        <a:t>4 cycles</a:t>
+                      </a:r>
+                      <a:endParaRPr lang="en-US" sz="1200">
+                        <a:effectLst/>
+                        <a:latin typeface="Calibri" panose="020F0502020204030204" pitchFamily="34" charset="0"/>
+                        <a:ea typeface="DengXian" panose="02010600030101010101" pitchFamily="2" charset="-122"/>
+                        <a:cs typeface="Arial" panose="020B0604020202020204" pitchFamily="34" charset="0"/>
+                      </a:endParaRPr>
+                    </a:p>
+                  </a:txBody>
+                  <a:tcPr marL="68580" marR="68580" marT="0" marB="0"/>
+                </a:tc>
+                <a:extLst>
+                  <a:ext uri="{0D108BD9-81ED-4DB2-BD59-A6C34878D82A}">
+                    <a16:rowId xmlns:a16="http://schemas.microsoft.com/office/drawing/2014/main" val="744803261"/>
+                  </a:ext>
+                </a:extLst>
+              </a:tr>
+              <a:tr h="299355">
+                <a:tc>
+                  <a:txBody>
+                    <a:bodyPr/>
+                    <a:lstStyle/>
+                    <a:p>
+                      <a:pPr marL="0" marR="0">
+                        <a:spcBef>
+                          <a:spcPts val="0"/>
+                        </a:spcBef>
+                        <a:spcAft>
+                          <a:spcPts val="0"/>
+                        </a:spcAft>
+                      </a:pPr>
+                      <a:r>
+                        <a:rPr lang="en-US" sz="1200" b="0">
+                          <a:solidFill>
+                            <a:schemeClr val="tx1"/>
+                          </a:solidFill>
+                          <a:effectLst/>
+                        </a:rPr>
+                        <a:t>L2 latency</a:t>
+                      </a:r>
+                      <a:endParaRPr lang="en-US" sz="1200" b="0">
+                        <a:solidFill>
+                          <a:schemeClr val="tx1"/>
+                        </a:solidFill>
+                        <a:effectLst/>
+                        <a:latin typeface="Calibri" panose="020F0502020204030204" pitchFamily="34" charset="0"/>
+                        <a:ea typeface="DengXian" panose="02010600030101010101" pitchFamily="2" charset="-122"/>
+                        <a:cs typeface="Arial" panose="020B0604020202020204" pitchFamily="34" charset="0"/>
+                      </a:endParaRPr>
+                    </a:p>
+                  </a:txBody>
+                  <a:tcPr marL="68580" marR="68580" marT="0" marB="0">
+                    <a:noFill/>
+                  </a:tcPr>
+                </a:tc>
+                <a:tc>
+                  <a:txBody>
+                    <a:bodyPr/>
+                    <a:lstStyle/>
+                    <a:p>
+                      <a:pPr marL="0" marR="0">
+                        <a:spcBef>
+                          <a:spcPts val="0"/>
+                        </a:spcBef>
+                        <a:spcAft>
+                          <a:spcPts val="0"/>
+                        </a:spcAft>
+                      </a:pPr>
+                      <a:r>
+                        <a:rPr lang="en-US" sz="1200">
+                          <a:effectLst/>
+                        </a:rPr>
+                        <a:t>12 cycles</a:t>
+                      </a:r>
+                      <a:endParaRPr lang="en-US" sz="1200">
+                        <a:effectLst/>
+                        <a:latin typeface="Calibri" panose="020F0502020204030204" pitchFamily="34" charset="0"/>
+                        <a:ea typeface="DengXian" panose="02010600030101010101" pitchFamily="2" charset="-122"/>
+                        <a:cs typeface="Arial" panose="020B0604020202020204" pitchFamily="34" charset="0"/>
+                      </a:endParaRPr>
+                    </a:p>
+                  </a:txBody>
+                  <a:tcPr marL="68580" marR="68580" marT="0" marB="0"/>
+                </a:tc>
+                <a:extLst>
+                  <a:ext uri="{0D108BD9-81ED-4DB2-BD59-A6C34878D82A}">
+                    <a16:rowId xmlns:a16="http://schemas.microsoft.com/office/drawing/2014/main" val="4141616736"/>
+                  </a:ext>
+                </a:extLst>
+              </a:tr>
+              <a:tr h="299355">
+                <a:tc>
+                  <a:txBody>
+                    <a:bodyPr/>
+                    <a:lstStyle/>
+                    <a:p>
+                      <a:pPr marL="0" marR="0">
+                        <a:spcBef>
+                          <a:spcPts val="0"/>
+                        </a:spcBef>
+                        <a:spcAft>
+                          <a:spcPts val="0"/>
+                        </a:spcAft>
+                      </a:pPr>
+                      <a:r>
+                        <a:rPr lang="en-US" sz="1200" b="0">
+                          <a:solidFill>
+                            <a:schemeClr val="tx1"/>
+                          </a:solidFill>
+                          <a:effectLst/>
+                        </a:rPr>
+                        <a:t>L3 latency</a:t>
+                      </a:r>
+                      <a:endParaRPr lang="en-US" sz="1200" b="0">
+                        <a:solidFill>
+                          <a:schemeClr val="tx1"/>
+                        </a:solidFill>
+                        <a:effectLst/>
+                        <a:latin typeface="Calibri" panose="020F0502020204030204" pitchFamily="34" charset="0"/>
+                        <a:ea typeface="DengXian" panose="02010600030101010101" pitchFamily="2" charset="-122"/>
+                        <a:cs typeface="Arial" panose="020B0604020202020204" pitchFamily="34" charset="0"/>
+                      </a:endParaRPr>
+                    </a:p>
+                  </a:txBody>
+                  <a:tcPr marL="68580" marR="68580" marT="0" marB="0">
+                    <a:noFill/>
+                  </a:tcPr>
+                </a:tc>
+                <a:tc>
+                  <a:txBody>
+                    <a:bodyPr/>
+                    <a:lstStyle/>
+                    <a:p>
+                      <a:pPr marL="0" marR="0">
+                        <a:spcBef>
+                          <a:spcPts val="0"/>
+                        </a:spcBef>
+                        <a:spcAft>
+                          <a:spcPts val="0"/>
+                        </a:spcAft>
+                      </a:pPr>
+                      <a:r>
+                        <a:rPr lang="en-US" sz="1200">
+                          <a:effectLst/>
+                        </a:rPr>
+                        <a:t>36 cycles</a:t>
+                      </a:r>
+                      <a:endParaRPr lang="en-US" sz="1200">
+                        <a:effectLst/>
+                        <a:latin typeface="Calibri" panose="020F0502020204030204" pitchFamily="34" charset="0"/>
+                        <a:ea typeface="DengXian" panose="02010600030101010101" pitchFamily="2" charset="-122"/>
+                        <a:cs typeface="Arial" panose="020B0604020202020204" pitchFamily="34" charset="0"/>
+                      </a:endParaRPr>
+                    </a:p>
+                  </a:txBody>
+                  <a:tcPr marL="68580" marR="68580" marT="0" marB="0"/>
+                </a:tc>
+                <a:extLst>
+                  <a:ext uri="{0D108BD9-81ED-4DB2-BD59-A6C34878D82A}">
+                    <a16:rowId xmlns:a16="http://schemas.microsoft.com/office/drawing/2014/main" val="150939457"/>
+                  </a:ext>
+                </a:extLst>
+              </a:tr>
+              <a:tr h="299355">
+                <a:tc>
+                  <a:txBody>
+                    <a:bodyPr/>
+                    <a:lstStyle/>
+                    <a:p>
+                      <a:pPr marL="0" marR="0">
+                        <a:spcBef>
+                          <a:spcPts val="0"/>
+                        </a:spcBef>
+                        <a:spcAft>
+                          <a:spcPts val="0"/>
+                        </a:spcAft>
+                      </a:pPr>
+                      <a:r>
+                        <a:rPr lang="en-US" sz="1200" b="0">
+                          <a:solidFill>
+                            <a:schemeClr val="tx1"/>
+                          </a:solidFill>
+                          <a:effectLst/>
+                        </a:rPr>
+                        <a:t>Size of cache block</a:t>
+                      </a:r>
+                      <a:endParaRPr lang="en-US" sz="1200" b="0">
+                        <a:solidFill>
+                          <a:schemeClr val="tx1"/>
+                        </a:solidFill>
+                        <a:effectLst/>
+                        <a:latin typeface="Calibri" panose="020F0502020204030204" pitchFamily="34" charset="0"/>
+                        <a:ea typeface="DengXian" panose="02010600030101010101" pitchFamily="2" charset="-122"/>
+                        <a:cs typeface="Arial" panose="020B0604020202020204" pitchFamily="34" charset="0"/>
+                      </a:endParaRPr>
+                    </a:p>
+                  </a:txBody>
+                  <a:tcPr marL="68580" marR="68580" marT="0" marB="0">
+                    <a:noFill/>
+                  </a:tcPr>
+                </a:tc>
+                <a:tc>
+                  <a:txBody>
+                    <a:bodyPr/>
+                    <a:lstStyle/>
+                    <a:p>
+                      <a:pPr marL="0" marR="0">
+                        <a:spcBef>
+                          <a:spcPts val="0"/>
+                        </a:spcBef>
+                        <a:spcAft>
+                          <a:spcPts val="0"/>
+                        </a:spcAft>
+                      </a:pPr>
+                      <a:r>
+                        <a:rPr lang="en-US" sz="1200">
+                          <a:effectLst/>
+                        </a:rPr>
+                        <a:t>64Bytes</a:t>
+                      </a:r>
+                      <a:endParaRPr lang="en-US" sz="1200">
+                        <a:effectLst/>
+                        <a:latin typeface="Calibri" panose="020F0502020204030204" pitchFamily="34" charset="0"/>
+                        <a:ea typeface="DengXian" panose="02010600030101010101" pitchFamily="2" charset="-122"/>
+                        <a:cs typeface="Arial" panose="020B0604020202020204" pitchFamily="34" charset="0"/>
+                      </a:endParaRPr>
+                    </a:p>
+                  </a:txBody>
+                  <a:tcPr marL="68580" marR="68580" marT="0" marB="0"/>
+                </a:tc>
+                <a:extLst>
+                  <a:ext uri="{0D108BD9-81ED-4DB2-BD59-A6C34878D82A}">
+                    <a16:rowId xmlns:a16="http://schemas.microsoft.com/office/drawing/2014/main" val="879061659"/>
+                  </a:ext>
+                </a:extLst>
+              </a:tr>
+              <a:tr h="299355">
+                <a:tc>
+                  <a:txBody>
+                    <a:bodyPr/>
+                    <a:lstStyle/>
+                    <a:p>
+                      <a:pPr marL="0" marR="0">
+                        <a:spcBef>
+                          <a:spcPts val="0"/>
+                        </a:spcBef>
+                        <a:spcAft>
+                          <a:spcPts val="0"/>
+                        </a:spcAft>
+                      </a:pPr>
+                      <a:r>
+                        <a:rPr lang="en-US" sz="1200" b="0">
+                          <a:solidFill>
+                            <a:schemeClr val="tx1"/>
+                          </a:solidFill>
+                          <a:effectLst/>
+                        </a:rPr>
+                        <a:t>BTB associativity</a:t>
+                      </a:r>
+                      <a:endParaRPr lang="en-US" sz="1200" b="0">
+                        <a:solidFill>
+                          <a:schemeClr val="tx1"/>
+                        </a:solidFill>
+                        <a:effectLst/>
+                        <a:latin typeface="Calibri" panose="020F0502020204030204" pitchFamily="34" charset="0"/>
+                        <a:ea typeface="DengXian" panose="02010600030101010101" pitchFamily="2" charset="-122"/>
+                        <a:cs typeface="Arial" panose="020B0604020202020204" pitchFamily="34" charset="0"/>
+                      </a:endParaRPr>
+                    </a:p>
+                  </a:txBody>
+                  <a:tcPr marL="68580" marR="68580" marT="0" marB="0">
+                    <a:noFill/>
+                  </a:tcPr>
+                </a:tc>
+                <a:tc>
+                  <a:txBody>
+                    <a:bodyPr/>
+                    <a:lstStyle/>
+                    <a:p>
+                      <a:pPr marL="0" marR="0">
+                        <a:spcBef>
+                          <a:spcPts val="0"/>
+                        </a:spcBef>
+                        <a:spcAft>
+                          <a:spcPts val="0"/>
+                        </a:spcAft>
+                      </a:pPr>
+                      <a:r>
+                        <a:rPr lang="en-US" sz="1200" dirty="0">
+                          <a:effectLst/>
+                        </a:rPr>
+                        <a:t>4096, 4 way</a:t>
+                      </a:r>
+                      <a:endParaRPr lang="en-US" sz="1200" dirty="0">
+                        <a:effectLst/>
+                        <a:latin typeface="Calibri" panose="020F0502020204030204" pitchFamily="34" charset="0"/>
+                        <a:ea typeface="DengXian" panose="02010600030101010101" pitchFamily="2" charset="-122"/>
+                        <a:cs typeface="Arial" panose="020B0604020202020204" pitchFamily="34" charset="0"/>
+                      </a:endParaRPr>
+                    </a:p>
+                  </a:txBody>
+                  <a:tcPr marL="68580" marR="68580" marT="0" marB="0"/>
+                </a:tc>
+                <a:extLst>
+                  <a:ext uri="{0D108BD9-81ED-4DB2-BD59-A6C34878D82A}">
+                    <a16:rowId xmlns:a16="http://schemas.microsoft.com/office/drawing/2014/main" val="1508163588"/>
+                  </a:ext>
+                </a:extLst>
+              </a:tr>
+              <a:tr h="299355">
+                <a:tc>
+                  <a:txBody>
+                    <a:bodyPr/>
+                    <a:lstStyle/>
+                    <a:p>
+                      <a:pPr marL="0" marR="0">
+                        <a:spcBef>
+                          <a:spcPts val="0"/>
+                        </a:spcBef>
+                        <a:spcAft>
+                          <a:spcPts val="0"/>
+                        </a:spcAft>
+                      </a:pPr>
+                      <a:r>
+                        <a:rPr lang="en-US" sz="1200" b="0">
+                          <a:solidFill>
+                            <a:schemeClr val="tx1"/>
+                          </a:solidFill>
+                          <a:effectLst/>
+                        </a:rPr>
+                        <a:t>RAS</a:t>
+                      </a:r>
+                      <a:endParaRPr lang="en-US" sz="1200" b="0">
+                        <a:solidFill>
+                          <a:schemeClr val="tx1"/>
+                        </a:solidFill>
+                        <a:effectLst/>
+                        <a:latin typeface="Calibri" panose="020F0502020204030204" pitchFamily="34" charset="0"/>
+                        <a:ea typeface="DengXian" panose="02010600030101010101" pitchFamily="2" charset="-122"/>
+                        <a:cs typeface="Arial" panose="020B0604020202020204" pitchFamily="34" charset="0"/>
+                      </a:endParaRPr>
+                    </a:p>
+                  </a:txBody>
+                  <a:tcPr marL="68580" marR="68580" marT="0" marB="0">
+                    <a:noFill/>
+                  </a:tcPr>
+                </a:tc>
+                <a:tc>
+                  <a:txBody>
+                    <a:bodyPr/>
+                    <a:lstStyle/>
+                    <a:p>
+                      <a:pPr marL="0" marR="0">
+                        <a:spcBef>
+                          <a:spcPts val="0"/>
+                        </a:spcBef>
+                        <a:spcAft>
+                          <a:spcPts val="0"/>
+                        </a:spcAft>
+                      </a:pPr>
+                      <a:r>
+                        <a:rPr lang="en-US" sz="1200" dirty="0">
+                          <a:effectLst/>
+                        </a:rPr>
+                        <a:t>16 entries</a:t>
+                      </a:r>
+                      <a:endParaRPr lang="en-US" sz="1200" dirty="0">
+                        <a:effectLst/>
+                        <a:latin typeface="Calibri" panose="020F0502020204030204" pitchFamily="34" charset="0"/>
+                        <a:ea typeface="DengXian" panose="02010600030101010101" pitchFamily="2" charset="-122"/>
+                        <a:cs typeface="Arial" panose="020B0604020202020204" pitchFamily="34" charset="0"/>
+                      </a:endParaRPr>
+                    </a:p>
+                  </a:txBody>
+                  <a:tcPr marL="68580" marR="68580" marT="0" marB="0"/>
+                </a:tc>
+                <a:extLst>
+                  <a:ext uri="{0D108BD9-81ED-4DB2-BD59-A6C34878D82A}">
+                    <a16:rowId xmlns:a16="http://schemas.microsoft.com/office/drawing/2014/main" val="757283273"/>
+                  </a:ext>
+                </a:extLst>
+              </a:tr>
+              <a:tr h="299355">
+                <a:tc>
+                  <a:txBody>
+                    <a:bodyPr/>
+                    <a:lstStyle/>
+                    <a:p>
+                      <a:pPr marL="0" marR="0">
+                        <a:spcBef>
+                          <a:spcPts val="0"/>
+                        </a:spcBef>
+                        <a:spcAft>
+                          <a:spcPts val="0"/>
+                        </a:spcAft>
+                      </a:pPr>
+                      <a:r>
+                        <a:rPr lang="en-US" sz="1200" b="0">
+                          <a:solidFill>
+                            <a:schemeClr val="tx1"/>
+                          </a:solidFill>
+                          <a:effectLst/>
+                        </a:rPr>
+                        <a:t>Branch mispredict penalty</a:t>
+                      </a:r>
+                      <a:endParaRPr lang="en-US" sz="1200" b="0">
+                        <a:solidFill>
+                          <a:schemeClr val="tx1"/>
+                        </a:solidFill>
+                        <a:effectLst/>
+                        <a:latin typeface="Calibri" panose="020F0502020204030204" pitchFamily="34" charset="0"/>
+                        <a:ea typeface="DengXian" panose="02010600030101010101" pitchFamily="2" charset="-122"/>
+                        <a:cs typeface="Arial" panose="020B0604020202020204" pitchFamily="34" charset="0"/>
+                      </a:endParaRPr>
+                    </a:p>
+                  </a:txBody>
+                  <a:tcPr marL="68580" marR="68580" marT="0" marB="0">
+                    <a:noFill/>
+                  </a:tcPr>
+                </a:tc>
+                <a:tc>
+                  <a:txBody>
+                    <a:bodyPr/>
+                    <a:lstStyle/>
+                    <a:p>
+                      <a:pPr marL="0" marR="0">
+                        <a:spcBef>
+                          <a:spcPts val="0"/>
+                        </a:spcBef>
+                        <a:spcAft>
+                          <a:spcPts val="0"/>
+                        </a:spcAft>
+                      </a:pPr>
+                      <a:r>
+                        <a:rPr lang="en-US" sz="1200">
+                          <a:effectLst/>
+                        </a:rPr>
+                        <a:t>14 cycles</a:t>
+                      </a:r>
+                      <a:endParaRPr lang="en-US" sz="1200">
+                        <a:effectLst/>
+                        <a:latin typeface="Calibri" panose="020F0502020204030204" pitchFamily="34" charset="0"/>
+                        <a:ea typeface="DengXian" panose="02010600030101010101" pitchFamily="2" charset="-122"/>
+                        <a:cs typeface="Arial" panose="020B0604020202020204" pitchFamily="34" charset="0"/>
+                      </a:endParaRPr>
+                    </a:p>
+                  </a:txBody>
+                  <a:tcPr marL="68580" marR="68580" marT="0" marB="0"/>
+                </a:tc>
+                <a:extLst>
+                  <a:ext uri="{0D108BD9-81ED-4DB2-BD59-A6C34878D82A}">
+                    <a16:rowId xmlns:a16="http://schemas.microsoft.com/office/drawing/2014/main" val="4027538635"/>
+                  </a:ext>
+                </a:extLst>
+              </a:tr>
+              <a:tr h="299355">
+                <a:tc>
+                  <a:txBody>
+                    <a:bodyPr/>
+                    <a:lstStyle/>
+                    <a:p>
+                      <a:pPr marL="0" marR="0">
+                        <a:spcBef>
+                          <a:spcPts val="0"/>
+                        </a:spcBef>
+                        <a:spcAft>
+                          <a:spcPts val="0"/>
+                        </a:spcAft>
+                      </a:pPr>
+                      <a:r>
+                        <a:rPr lang="en-US" sz="1200" b="0">
+                          <a:solidFill>
+                            <a:schemeClr val="tx1"/>
+                          </a:solidFill>
+                          <a:effectLst/>
+                        </a:rPr>
+                        <a:t>Integer/float registers</a:t>
+                      </a:r>
+                      <a:endParaRPr lang="en-US" sz="1200" b="0">
+                        <a:solidFill>
+                          <a:schemeClr val="tx1"/>
+                        </a:solidFill>
+                        <a:effectLst/>
+                        <a:latin typeface="Calibri" panose="020F0502020204030204" pitchFamily="34" charset="0"/>
+                        <a:ea typeface="DengXian" panose="02010600030101010101" pitchFamily="2" charset="-122"/>
+                        <a:cs typeface="Arial" panose="020B0604020202020204" pitchFamily="34" charset="0"/>
+                      </a:endParaRPr>
+                    </a:p>
+                  </a:txBody>
+                  <a:tcPr marL="68580" marR="68580" marT="0" marB="0">
+                    <a:noFill/>
+                  </a:tcPr>
+                </a:tc>
+                <a:tc>
+                  <a:txBody>
+                    <a:bodyPr/>
+                    <a:lstStyle/>
+                    <a:p>
+                      <a:pPr marL="0" marR="0">
+                        <a:spcBef>
+                          <a:spcPts val="0"/>
+                        </a:spcBef>
+                        <a:spcAft>
+                          <a:spcPts val="0"/>
+                        </a:spcAft>
+                      </a:pPr>
+                      <a:r>
+                        <a:rPr lang="en-US" sz="1200">
+                          <a:effectLst/>
+                        </a:rPr>
+                        <a:t>168/168</a:t>
+                      </a:r>
+                      <a:endParaRPr lang="en-US" sz="1200">
+                        <a:effectLst/>
+                        <a:latin typeface="Calibri" panose="020F0502020204030204" pitchFamily="34" charset="0"/>
+                        <a:ea typeface="DengXian" panose="02010600030101010101" pitchFamily="2" charset="-122"/>
+                        <a:cs typeface="Arial" panose="020B0604020202020204" pitchFamily="34" charset="0"/>
+                      </a:endParaRPr>
+                    </a:p>
+                  </a:txBody>
+                  <a:tcPr marL="68580" marR="68580" marT="0" marB="0"/>
+                </a:tc>
+                <a:extLst>
+                  <a:ext uri="{0D108BD9-81ED-4DB2-BD59-A6C34878D82A}">
+                    <a16:rowId xmlns:a16="http://schemas.microsoft.com/office/drawing/2014/main" val="4145350275"/>
+                  </a:ext>
+                </a:extLst>
+              </a:tr>
+              <a:tr h="299355">
+                <a:tc>
+                  <a:txBody>
+                    <a:bodyPr/>
+                    <a:lstStyle/>
+                    <a:p>
+                      <a:pPr marL="0" marR="0">
+                        <a:spcBef>
+                          <a:spcPts val="0"/>
+                        </a:spcBef>
+                        <a:spcAft>
+                          <a:spcPts val="0"/>
+                        </a:spcAft>
+                      </a:pPr>
+                      <a:r>
+                        <a:rPr lang="en-US" sz="1200" b="0">
+                          <a:solidFill>
+                            <a:schemeClr val="tx1"/>
+                          </a:solidFill>
+                          <a:effectLst/>
+                        </a:rPr>
+                        <a:t>Instruction TLB</a:t>
+                      </a:r>
+                      <a:endParaRPr lang="en-US" sz="1200" b="0">
+                        <a:solidFill>
+                          <a:schemeClr val="tx1"/>
+                        </a:solidFill>
+                        <a:effectLst/>
+                        <a:latin typeface="Calibri" panose="020F0502020204030204" pitchFamily="34" charset="0"/>
+                        <a:ea typeface="DengXian" panose="02010600030101010101" pitchFamily="2" charset="-122"/>
+                        <a:cs typeface="Arial" panose="020B0604020202020204" pitchFamily="34" charset="0"/>
+                      </a:endParaRPr>
+                    </a:p>
+                  </a:txBody>
+                  <a:tcPr marL="68580" marR="68580" marT="0" marB="0">
+                    <a:noFill/>
+                  </a:tcPr>
+                </a:tc>
+                <a:tc>
+                  <a:txBody>
+                    <a:bodyPr/>
+                    <a:lstStyle/>
+                    <a:p>
+                      <a:pPr marL="0" marR="0">
+                        <a:spcBef>
+                          <a:spcPts val="0"/>
+                        </a:spcBef>
+                        <a:spcAft>
+                          <a:spcPts val="0"/>
+                        </a:spcAft>
+                      </a:pPr>
+                      <a:r>
+                        <a:rPr lang="en-US" sz="1200" dirty="0">
+                          <a:effectLst/>
+                        </a:rPr>
+                        <a:t>128 entries</a:t>
+                      </a:r>
+                      <a:endParaRPr lang="en-US" sz="1200" dirty="0">
+                        <a:effectLst/>
+                        <a:latin typeface="Calibri" panose="020F0502020204030204" pitchFamily="34" charset="0"/>
+                        <a:ea typeface="DengXian" panose="02010600030101010101" pitchFamily="2" charset="-122"/>
+                        <a:cs typeface="Arial" panose="020B0604020202020204" pitchFamily="34" charset="0"/>
+                      </a:endParaRPr>
+                    </a:p>
+                  </a:txBody>
+                  <a:tcPr marL="68580" marR="68580" marT="0" marB="0"/>
+                </a:tc>
+                <a:extLst>
+                  <a:ext uri="{0D108BD9-81ED-4DB2-BD59-A6C34878D82A}">
+                    <a16:rowId xmlns:a16="http://schemas.microsoft.com/office/drawing/2014/main" val="1079634515"/>
+                  </a:ext>
+                </a:extLst>
+              </a:tr>
+              <a:tr h="299355">
+                <a:tc>
+                  <a:txBody>
+                    <a:bodyPr/>
+                    <a:lstStyle/>
+                    <a:p>
+                      <a:pPr marL="0" marR="0">
+                        <a:spcBef>
+                          <a:spcPts val="0"/>
+                        </a:spcBef>
+                        <a:spcAft>
+                          <a:spcPts val="0"/>
+                        </a:spcAft>
+                      </a:pPr>
+                      <a:r>
+                        <a:rPr lang="en-US" sz="1200" b="0">
+                          <a:solidFill>
+                            <a:schemeClr val="tx1"/>
+                          </a:solidFill>
+                          <a:effectLst/>
+                        </a:rPr>
+                        <a:t>Data TLB, associativity</a:t>
+                      </a:r>
+                      <a:endParaRPr lang="en-US" sz="1200" b="0">
+                        <a:solidFill>
+                          <a:schemeClr val="tx1"/>
+                        </a:solidFill>
+                        <a:effectLst/>
+                        <a:latin typeface="Calibri" panose="020F0502020204030204" pitchFamily="34" charset="0"/>
+                        <a:ea typeface="DengXian" panose="02010600030101010101" pitchFamily="2" charset="-122"/>
+                        <a:cs typeface="Arial" panose="020B0604020202020204" pitchFamily="34" charset="0"/>
+                      </a:endParaRPr>
+                    </a:p>
+                  </a:txBody>
+                  <a:tcPr marL="68580" marR="68580" marT="0" marB="0">
+                    <a:noFill/>
+                  </a:tcPr>
+                </a:tc>
+                <a:tc>
+                  <a:txBody>
+                    <a:bodyPr/>
+                    <a:lstStyle/>
+                    <a:p>
+                      <a:pPr marL="0" marR="0">
+                        <a:spcBef>
+                          <a:spcPts val="0"/>
+                        </a:spcBef>
+                        <a:spcAft>
+                          <a:spcPts val="0"/>
+                        </a:spcAft>
+                      </a:pPr>
+                      <a:r>
+                        <a:rPr lang="en-US" sz="1200">
+                          <a:effectLst/>
+                        </a:rPr>
+                        <a:t>64, 4 way</a:t>
+                      </a:r>
+                      <a:endParaRPr lang="en-US" sz="1200">
+                        <a:effectLst/>
+                        <a:latin typeface="Calibri" panose="020F0502020204030204" pitchFamily="34" charset="0"/>
+                        <a:ea typeface="DengXian" panose="02010600030101010101" pitchFamily="2" charset="-122"/>
+                        <a:cs typeface="Arial" panose="020B0604020202020204" pitchFamily="34" charset="0"/>
+                      </a:endParaRPr>
+                    </a:p>
+                  </a:txBody>
+                  <a:tcPr marL="68580" marR="68580" marT="0" marB="0"/>
+                </a:tc>
+                <a:extLst>
+                  <a:ext uri="{0D108BD9-81ED-4DB2-BD59-A6C34878D82A}">
+                    <a16:rowId xmlns:a16="http://schemas.microsoft.com/office/drawing/2014/main" val="1549102822"/>
+                  </a:ext>
+                </a:extLst>
+              </a:tr>
+              <a:tr h="299355">
+                <a:tc>
+                  <a:txBody>
+                    <a:bodyPr/>
+                    <a:lstStyle/>
+                    <a:p>
+                      <a:pPr marL="0" marR="0">
+                        <a:spcBef>
+                          <a:spcPts val="0"/>
+                        </a:spcBef>
+                        <a:spcAft>
+                          <a:spcPts val="0"/>
+                        </a:spcAft>
+                      </a:pPr>
+                      <a:r>
+                        <a:rPr lang="en-US" sz="1200" b="0" dirty="0">
+                          <a:solidFill>
+                            <a:schemeClr val="tx1"/>
+                          </a:solidFill>
+                          <a:effectLst/>
+                        </a:rPr>
+                        <a:t>L2 TLB size, associativity</a:t>
+                      </a:r>
+                      <a:endParaRPr lang="en-US" sz="1200" b="0" dirty="0">
+                        <a:solidFill>
+                          <a:schemeClr val="tx1"/>
+                        </a:solidFill>
+                        <a:effectLst/>
+                        <a:latin typeface="Calibri" panose="020F0502020204030204" pitchFamily="34" charset="0"/>
+                        <a:ea typeface="DengXian" panose="02010600030101010101" pitchFamily="2" charset="-122"/>
+                        <a:cs typeface="Arial" panose="020B0604020202020204" pitchFamily="34" charset="0"/>
+                      </a:endParaRPr>
+                    </a:p>
+                  </a:txBody>
+                  <a:tcPr marL="68580" marR="68580" marT="0" marB="0">
+                    <a:noFill/>
+                  </a:tcPr>
+                </a:tc>
+                <a:tc>
+                  <a:txBody>
+                    <a:bodyPr/>
+                    <a:lstStyle/>
+                    <a:p>
+                      <a:pPr marL="0" marR="0">
+                        <a:spcBef>
+                          <a:spcPts val="0"/>
+                        </a:spcBef>
+                        <a:spcAft>
+                          <a:spcPts val="0"/>
+                        </a:spcAft>
+                      </a:pPr>
+                      <a:r>
+                        <a:rPr lang="en-US" sz="1200" dirty="0">
+                          <a:effectLst/>
+                        </a:rPr>
+                        <a:t>1024 entries, 8 way</a:t>
+                      </a:r>
+                      <a:endParaRPr lang="en-US" sz="1200" dirty="0">
+                        <a:effectLst/>
+                        <a:latin typeface="Calibri" panose="020F0502020204030204" pitchFamily="34" charset="0"/>
+                        <a:ea typeface="DengXian" panose="02010600030101010101" pitchFamily="2" charset="-122"/>
+                        <a:cs typeface="Arial" panose="020B0604020202020204" pitchFamily="34" charset="0"/>
+                      </a:endParaRPr>
+                    </a:p>
+                  </a:txBody>
+                  <a:tcPr marL="68580" marR="68580" marT="0" marB="0"/>
+                </a:tc>
+                <a:extLst>
+                  <a:ext uri="{0D108BD9-81ED-4DB2-BD59-A6C34878D82A}">
+                    <a16:rowId xmlns:a16="http://schemas.microsoft.com/office/drawing/2014/main" val="3752851328"/>
+                  </a:ext>
+                </a:extLst>
+              </a:tr>
+            </a:tbl>
+          </a:graphicData>
+        </a:graphic>
+      </p:graphicFrame>
+    </p:spTree>
+    <p:extLst>
+      <p:ext uri="{BB962C8B-B14F-4D97-AF65-F5344CB8AC3E}">
+        <p14:creationId xmlns:p14="http://schemas.microsoft.com/office/powerpoint/2010/main" val="2437164257"/>
+      </p:ext>
+    </p:extLst>
+  </p:cSld>
+  <p:clrMapOvr>
+    <a:masterClrMapping/>
+  </p:clrMapOvr>
+  <p:transition/>
+</p:sld>
+</file>
+
+<file path=ppt/slides/slide44.xml><?xml version="1.0" encoding="utf-8"?>
+<p:sld xmlns:a="http://schemas.openxmlformats.org/drawingml/2006/main" xmlns:r="http://schemas.openxmlformats.org/officeDocument/2006/relationships" xmlns:p="http://schemas.openxmlformats.org/presentationml/2006/main">
+  <p:cSld>
+    <p:spTree>
+      <p:nvGrpSpPr>
+        <p:cNvPr id="1" name=""/>
+        <p:cNvGrpSpPr/>
+        <p:nvPr/>
+      </p:nvGrpSpPr>
+      <p:grpSpPr>
+        <a:xfrm>
+          <a:off x="0" y="0"/>
+          <a:ext cx="0" cy="0"/>
+          <a:chOff x="0" y="0"/>
+          <a:chExt cx="0" cy="0"/>
+        </a:xfrm>
+      </p:grpSpPr>
+      <p:sp>
+        <p:nvSpPr>
+          <p:cNvPr id="23556" name="Rectangle 2"/>
+          <p:cNvSpPr>
+            <a:spLocks noGrp="1" noChangeArrowheads="1"/>
+          </p:cNvSpPr>
+          <p:nvPr>
+            <p:ph type="title"/>
+          </p:nvPr>
+        </p:nvSpPr>
+        <p:spPr>
+          <a:xfrm>
+            <a:off x="682752" y="114300"/>
+            <a:ext cx="7772400" cy="838200"/>
+          </a:xfrm>
+        </p:spPr>
+        <p:txBody>
+          <a:bodyPr/>
+          <a:lstStyle/>
+          <a:p>
+            <a:r>
+              <a:rPr lang="en-US" sz="3600" dirty="0"/>
+              <a:t>Machine state (Intel x64)</a:t>
+            </a:r>
+          </a:p>
+        </p:txBody>
+      </p:sp>
+      <p:sp>
+        <p:nvSpPr>
+          <p:cNvPr id="23557" name="Rectangle 3"/>
+          <p:cNvSpPr>
+            <a:spLocks noGrp="1" noChangeArrowheads="1"/>
+          </p:cNvSpPr>
+          <p:nvPr>
+            <p:ph type="body" idx="1"/>
+          </p:nvPr>
+        </p:nvSpPr>
+        <p:spPr>
+          <a:xfrm>
+            <a:off x="228600" y="1295400"/>
+            <a:ext cx="8226552" cy="4953000"/>
+          </a:xfrm>
+        </p:spPr>
+        <p:txBody>
+          <a:bodyPr/>
+          <a:lstStyle/>
+          <a:p>
+            <a:pPr>
+              <a:lnSpc>
+                <a:spcPct val="90000"/>
+              </a:lnSpc>
+            </a:pPr>
+            <a:r>
+              <a:rPr lang="en-US" sz="2000" dirty="0">
+                <a:latin typeface="Arial" panose="020B0604020202020204" pitchFamily="34" charset="0"/>
+                <a:cs typeface="Arial" panose="020B0604020202020204" pitchFamily="34" charset="0"/>
+              </a:rPr>
+              <a:t>Time of day clock</a:t>
+            </a:r>
+          </a:p>
+          <a:p>
+            <a:pPr>
+              <a:lnSpc>
+                <a:spcPct val="90000"/>
+              </a:lnSpc>
+            </a:pPr>
+            <a:r>
+              <a:rPr lang="en-US" sz="2000" dirty="0">
+                <a:latin typeface="Arial" panose="020B0604020202020204" pitchFamily="34" charset="0"/>
+                <a:cs typeface="Arial" panose="020B0604020202020204" pitchFamily="34" charset="0"/>
+              </a:rPr>
+              <a:t>CPU cycle rate</a:t>
+            </a:r>
+          </a:p>
+          <a:p>
+            <a:pPr>
+              <a:lnSpc>
+                <a:spcPct val="90000"/>
+              </a:lnSpc>
+            </a:pPr>
+            <a:r>
+              <a:rPr lang="en-US" sz="2000" dirty="0">
+                <a:latin typeface="Arial" panose="020B0604020202020204" pitchFamily="34" charset="0"/>
+                <a:cs typeface="Arial" panose="020B0604020202020204" pitchFamily="34" charset="0"/>
+              </a:rPr>
+              <a:t>DRAM cycle and refresh rates</a:t>
+            </a:r>
+          </a:p>
+          <a:p>
+            <a:pPr lvl="0"/>
+            <a:r>
+              <a:rPr lang="en-US" sz="2000" dirty="0"/>
+              <a:t>CPU instruction pipelines fill level </a:t>
+            </a:r>
+          </a:p>
+          <a:p>
+            <a:pPr lvl="0"/>
+            <a:r>
+              <a:rPr lang="en-US" sz="2000" dirty="0"/>
+              <a:t> Wait states for the synchronization of memory access adds to time variances</a:t>
+            </a:r>
+          </a:p>
+          <a:p>
+            <a:pPr lvl="0"/>
+            <a:r>
+              <a:rPr lang="en-US" sz="2000" dirty="0"/>
+              <a:t>The CPU frequency scaling</a:t>
+            </a:r>
+          </a:p>
+          <a:p>
+            <a:pPr lvl="0"/>
+            <a:r>
+              <a:rPr lang="en-US" sz="2000" dirty="0"/>
+              <a:t>The CPU power management may disable CPU features. </a:t>
+            </a:r>
+          </a:p>
+          <a:p>
+            <a:pPr lvl="0"/>
+            <a:r>
+              <a:rPr lang="en-US" sz="2000" dirty="0"/>
+              <a:t>Instruction and data caches</a:t>
+            </a:r>
+          </a:p>
+          <a:p>
+            <a:pPr lvl="0"/>
+            <a:r>
+              <a:rPr lang="en-US" sz="2000" dirty="0"/>
+              <a:t>TLB</a:t>
+            </a:r>
+          </a:p>
+        </p:txBody>
+      </p:sp>
+      <p:sp>
+        <p:nvSpPr>
+          <p:cNvPr id="8" name="Slide Number Placeholder 7"/>
+          <p:cNvSpPr>
+            <a:spLocks noGrp="1"/>
+          </p:cNvSpPr>
+          <p:nvPr>
+            <p:ph type="sldNum" sz="quarter" idx="12"/>
+          </p:nvPr>
+        </p:nvSpPr>
+        <p:spPr/>
+        <p:txBody>
+          <a:bodyPr/>
+          <a:lstStyle/>
+          <a:p>
+            <a:pPr>
+              <a:defRPr/>
+            </a:pPr>
+            <a:fld id="{8E09DF16-9352-46A7-97F1-1D13A8547ADD}" type="slidenum">
+              <a:rPr lang="en-US" smtClean="0"/>
+              <a:pPr>
+                <a:defRPr/>
+              </a:pPr>
+              <a:t>44</a:t>
+            </a:fld>
+            <a:endParaRPr lang="en-US"/>
+          </a:p>
+        </p:txBody>
+      </p:sp>
+    </p:spTree>
+    <p:extLst>
+      <p:ext uri="{BB962C8B-B14F-4D97-AF65-F5344CB8AC3E}">
+        <p14:creationId xmlns:p14="http://schemas.microsoft.com/office/powerpoint/2010/main" val="2390703824"/>
+      </p:ext>
+    </p:extLst>
+  </p:cSld>
+  <p:clrMapOvr>
+    <a:masterClrMapping/>
+  </p:clrMapOvr>
+  <p:transition/>
+</p:sld>
+</file>
+
+<file path=ppt/slides/slide45.xml><?xml version="1.0" encoding="utf-8"?>
+<p:sld xmlns:a="http://schemas.openxmlformats.org/drawingml/2006/main" xmlns:r="http://schemas.openxmlformats.org/officeDocument/2006/relationships" xmlns:p="http://schemas.openxmlformats.org/presentationml/2006/main">
+  <p:cSld>
+    <p:spTree>
+      <p:nvGrpSpPr>
+        <p:cNvPr id="1" name=""/>
+        <p:cNvGrpSpPr/>
+        <p:nvPr/>
+      </p:nvGrpSpPr>
+      <p:grpSpPr>
+        <a:xfrm>
+          <a:off x="0" y="0"/>
+          <a:ext cx="0" cy="0"/>
+          <a:chOff x="0" y="0"/>
+          <a:chExt cx="0" cy="0"/>
+        </a:xfrm>
+      </p:grpSpPr>
+      <p:sp>
+        <p:nvSpPr>
+          <p:cNvPr id="23556" name="Rectangle 2"/>
+          <p:cNvSpPr>
+            <a:spLocks noGrp="1" noChangeArrowheads="1"/>
+          </p:cNvSpPr>
+          <p:nvPr>
+            <p:ph type="title"/>
+          </p:nvPr>
+        </p:nvSpPr>
+        <p:spPr>
+          <a:xfrm>
+            <a:off x="682752" y="114300"/>
+            <a:ext cx="7772400" cy="838200"/>
+          </a:xfrm>
+        </p:spPr>
+        <p:txBody>
+          <a:bodyPr/>
+          <a:lstStyle/>
+          <a:p>
+            <a:r>
+              <a:rPr lang="en-US" sz="3600" dirty="0"/>
+              <a:t>Machine state (Intel x64)</a:t>
+            </a:r>
+          </a:p>
+        </p:txBody>
+      </p:sp>
+      <p:sp>
+        <p:nvSpPr>
+          <p:cNvPr id="23557" name="Rectangle 3"/>
+          <p:cNvSpPr>
+            <a:spLocks noGrp="1" noChangeArrowheads="1"/>
+          </p:cNvSpPr>
+          <p:nvPr>
+            <p:ph type="body" idx="1"/>
+          </p:nvPr>
+        </p:nvSpPr>
+        <p:spPr>
+          <a:xfrm>
+            <a:off x="228600" y="1295400"/>
+            <a:ext cx="8610600" cy="4953000"/>
+          </a:xfrm>
+        </p:spPr>
+        <p:txBody>
+          <a:bodyPr/>
+          <a:lstStyle/>
+          <a:p>
+            <a:pPr lvl="0"/>
+            <a:r>
+              <a:rPr lang="en-US" sz="2000" dirty="0"/>
+              <a:t>CPU topology and caches used jointly by multiple CPUs affect execution time.</a:t>
+            </a:r>
+          </a:p>
+          <a:p>
+            <a:pPr lvl="0"/>
+            <a:r>
+              <a:rPr lang="en-US" sz="2000" dirty="0"/>
+              <a:t>Branch prediction units</a:t>
+            </a:r>
+          </a:p>
+          <a:p>
+            <a:pPr lvl="0"/>
+            <a:r>
+              <a:rPr lang="en-US" sz="2000" dirty="0"/>
+              <a:t>Kernel locks/barriers</a:t>
+            </a:r>
+          </a:p>
+          <a:p>
+            <a:pPr lvl="0"/>
+            <a:r>
+              <a:rPr lang="en-US" sz="2000" dirty="0"/>
+              <a:t>CPU configuration on multi-core machine</a:t>
+            </a:r>
+          </a:p>
+          <a:p>
+            <a:r>
+              <a:rPr lang="en-US" sz="2000" dirty="0"/>
+              <a:t>Hardware interrupts (See /proc/interrupts, /proc/stat, /proc/interrupts) </a:t>
+            </a:r>
+            <a:endParaRPr lang="en-US" sz="2000" dirty="0">
+              <a:latin typeface="Arial" panose="020B0604020202020204" pitchFamily="34" charset="0"/>
+              <a:cs typeface="Arial" panose="020B0604020202020204" pitchFamily="34" charset="0"/>
+            </a:endParaRPr>
+          </a:p>
+        </p:txBody>
+      </p:sp>
+      <p:sp>
+        <p:nvSpPr>
+          <p:cNvPr id="8" name="Slide Number Placeholder 7"/>
+          <p:cNvSpPr>
+            <a:spLocks noGrp="1"/>
+          </p:cNvSpPr>
+          <p:nvPr>
+            <p:ph type="sldNum" sz="quarter" idx="12"/>
+          </p:nvPr>
+        </p:nvSpPr>
+        <p:spPr/>
+        <p:txBody>
+          <a:bodyPr/>
+          <a:lstStyle/>
+          <a:p>
+            <a:pPr>
+              <a:defRPr/>
+            </a:pPr>
+            <a:fld id="{8E09DF16-9352-46A7-97F1-1D13A8547ADD}" type="slidenum">
+              <a:rPr lang="en-US" smtClean="0"/>
+              <a:pPr>
+                <a:defRPr/>
+              </a:pPr>
+              <a:t>45</a:t>
+            </a:fld>
+            <a:endParaRPr lang="en-US"/>
+          </a:p>
+        </p:txBody>
+      </p:sp>
+      <p:sp>
+        <p:nvSpPr>
+          <p:cNvPr id="2" name="Rectangle 2">
+            <a:extLst>
+              <a:ext uri="{FF2B5EF4-FFF2-40B4-BE49-F238E27FC236}">
+                <a16:creationId xmlns:a16="http://schemas.microsoft.com/office/drawing/2014/main" id="{C0D3418F-80B0-844C-8418-6CC7A95790AB}"/>
+              </a:ext>
+            </a:extLst>
+          </p:cNvPr>
+          <p:cNvSpPr>
+            <a:spLocks noChangeArrowheads="1"/>
+          </p:cNvSpPr>
+          <p:nvPr/>
+        </p:nvSpPr>
+        <p:spPr bwMode="auto">
+          <a:xfrm>
+            <a:off x="0" y="0"/>
+            <a:ext cx="9144000" cy="0"/>
+          </a:xfrm>
+          <a:prstGeom prst="rect">
+            <a:avLst/>
+          </a:prstGeom>
+          <a:noFill/>
+          <a:ln>
+            <a:noFill/>
+          </a:ln>
+          <a:effectLst/>
+          <a:extLst>
+            <a:ext uri="{909E8E84-426E-40DD-AFC4-6F175D3DCCD1}">
+              <a14:hiddenFill xmlns:a14="http://schemas.microsoft.com/office/drawing/2010/main">
+                <a:solidFill>
+                  <a:schemeClr val="accent1"/>
+                </a:solidFill>
+              </a14:hiddenFill>
+            </a:ext>
+            <a:ext uri="{91240B29-F687-4F45-9708-019B960494DF}">
+              <a14:hiddenLine xmlns:a14="http://schemas.microsoft.com/office/drawing/2010/main" w="9525">
+                <a:solidFill>
+                  <a:schemeClr val="tx1"/>
+                </a:solidFill>
+                <a:miter lim="800000"/>
+                <a:headEnd/>
+                <a:tailEnd/>
+              </a14:hiddenLine>
+            </a:ext>
+            <a:ext uri="{AF507438-7753-43E0-B8FC-AC1667EBCBE1}">
+              <a14:hiddenEffects xmlns:a14="http://schemas.microsoft.com/office/drawing/2010/main">
+                <a:effectLst>
+                  <a:outerShdw dist="35921" dir="2700000" algn="ctr" rotWithShape="0">
+                    <a:schemeClr val="bg2"/>
+                  </a:outerShdw>
+                </a:effectLst>
+              </a14:hiddenEffects>
+            </a:ext>
+          </a:extLst>
+        </p:spPr>
+        <p:txBody>
+          <a:bodyPr vert="horz" wrap="none" lIns="91440" tIns="45720" rIns="91440" bIns="45720" numCol="1" anchor="ctr" anchorCtr="0" compatLnSpc="1">
+            <a:prstTxWarp prst="textNoShape">
+              <a:avLst/>
+            </a:prstTxWarp>
+            <a:spAutoFit/>
+          </a:bodyPr>
+          <a:lstStyle/>
+          <a:p>
+            <a:endParaRPr lang="en-US"/>
+          </a:p>
+        </p:txBody>
+      </p:sp>
+    </p:spTree>
+    <p:extLst>
+      <p:ext uri="{BB962C8B-B14F-4D97-AF65-F5344CB8AC3E}">
+        <p14:creationId xmlns:p14="http://schemas.microsoft.com/office/powerpoint/2010/main" val="818219017"/>
+      </p:ext>
+    </p:extLst>
+  </p:cSld>
+  <p:clrMapOvr>
+    <a:masterClrMapping/>
+  </p:clrMapOvr>
+  <p:transition/>
+</p:sld>
+</file>
+
 <file path=ppt/slides/slide5.xml><?xml version="1.0" encoding="utf-8"?>
 <p:sld xmlns:a="http://schemas.openxmlformats.org/drawingml/2006/main" xmlns:r="http://schemas.openxmlformats.org/officeDocument/2006/relationships" xmlns:p="http://schemas.openxmlformats.org/presentationml/2006/main">
   <p:cSld>

--- a/BerkeleyClass/CS290Spring2013/Lectures/entropy_talk.pptx
+++ b/BerkeleyClass/CS290Spring2013/Lectures/entropy_talk.pptx
@@ -5,10 +5,10 @@
     <p:sldMasterId id="2147483649" r:id="rId1"/>
   </p:sldMasterIdLst>
   <p:notesMasterIdLst>
-    <p:notesMasterId r:id="rId47"/>
+    <p:notesMasterId r:id="rId48"/>
   </p:notesMasterIdLst>
   <p:handoutMasterIdLst>
-    <p:handoutMasterId r:id="rId48"/>
+    <p:handoutMasterId r:id="rId49"/>
   </p:handoutMasterIdLst>
   <p:sldIdLst>
     <p:sldId id="3175" r:id="rId2"/>
@@ -56,6 +56,7 @@
     <p:sldId id="3812" r:id="rId44"/>
     <p:sldId id="3807" r:id="rId45"/>
     <p:sldId id="3810" r:id="rId46"/>
+    <p:sldId id="3813" r:id="rId47"/>
   </p:sldIdLst>
   <p:sldSz cx="9144000" cy="6858000" type="screen4x3"/>
   <p:notesSz cx="7010400" cy="9296400"/>
@@ -4502,6 +4503,106 @@
     <p:extLst>
       <p:ext uri="{BB962C8B-B14F-4D97-AF65-F5344CB8AC3E}">
         <p14:creationId xmlns:p14="http://schemas.microsoft.com/office/powerpoint/2010/main" val="1296706833"/>
+      </p:ext>
+    </p:extLst>
+  </p:cSld>
+  <p:clrMapOvr>
+    <a:masterClrMapping/>
+  </p:clrMapOvr>
+</p:notes>
+</file>
+
+<file path=ppt/notesSlides/notesSlide42.xml><?xml version="1.0" encoding="utf-8"?>
+<p:notes xmlns:a="http://schemas.openxmlformats.org/drawingml/2006/main" xmlns:r="http://schemas.openxmlformats.org/officeDocument/2006/relationships" xmlns:p="http://schemas.openxmlformats.org/presentationml/2006/main">
+  <p:cSld>
+    <p:spTree>
+      <p:nvGrpSpPr>
+        <p:cNvPr id="1" name=""/>
+        <p:cNvGrpSpPr/>
+        <p:nvPr/>
+      </p:nvGrpSpPr>
+      <p:grpSpPr>
+        <a:xfrm>
+          <a:off x="0" y="0"/>
+          <a:ext cx="0" cy="0"/>
+          <a:chOff x="0" y="0"/>
+          <a:chExt cx="0" cy="0"/>
+        </a:xfrm>
+      </p:grpSpPr>
+      <p:sp>
+        <p:nvSpPr>
+          <p:cNvPr id="95234" name="Rectangle 7"/>
+          <p:cNvSpPr>
+            <a:spLocks noGrp="1" noChangeArrowheads="1"/>
+          </p:cNvSpPr>
+          <p:nvPr>
+            <p:ph type="sldNum" sz="quarter" idx="5"/>
+          </p:nvPr>
+        </p:nvSpPr>
+        <p:spPr>
+          <a:noFill/>
+        </p:spPr>
+        <p:txBody>
+          <a:bodyPr/>
+          <a:lstStyle/>
+          <a:p>
+            <a:fld id="{86016DC7-F49B-4F50-9A32-E9E9CFA38878}" type="slidenum">
+              <a:rPr lang="en-US" smtClean="0"/>
+              <a:pPr/>
+              <a:t>46</a:t>
+            </a:fld>
+            <a:endParaRPr lang="en-US"/>
+          </a:p>
+        </p:txBody>
+      </p:sp>
+      <p:sp>
+        <p:nvSpPr>
+          <p:cNvPr id="95235" name="Rectangle 2"/>
+          <p:cNvSpPr>
+            <a:spLocks noGrp="1" noRot="1" noChangeAspect="1" noChangeArrowheads="1" noTextEdit="1"/>
+          </p:cNvSpPr>
+          <p:nvPr>
+            <p:ph type="sldImg"/>
+          </p:nvPr>
+        </p:nvSpPr>
+        <p:spPr>
+          <a:xfrm>
+            <a:off x="1169988" y="687388"/>
+            <a:ext cx="4673600" cy="3505200"/>
+          </a:xfrm>
+          <a:ln/>
+        </p:spPr>
+      </p:sp>
+      <p:sp>
+        <p:nvSpPr>
+          <p:cNvPr id="95236" name="Rectangle 3"/>
+          <p:cNvSpPr>
+            <a:spLocks noGrp="1" noChangeArrowheads="1"/>
+          </p:cNvSpPr>
+          <p:nvPr>
+            <p:ph type="body" idx="1"/>
+          </p:nvPr>
+        </p:nvSpPr>
+        <p:spPr>
+          <a:xfrm>
+            <a:off x="914400" y="4421188"/>
+            <a:ext cx="5184775" cy="4191000"/>
+          </a:xfrm>
+          <a:noFill/>
+          <a:ln w="9525"/>
+        </p:spPr>
+        <p:txBody>
+          <a:bodyPr/>
+          <a:lstStyle/>
+          <a:p>
+            <a:endParaRPr lang="en-US"/>
+          </a:p>
+        </p:txBody>
+      </p:sp>
+    </p:spTree>
+    <p:extLst>
+      <p:ext uri="{BB962C8B-B14F-4D97-AF65-F5344CB8AC3E}">
+        <p14:creationId xmlns:p14="http://schemas.microsoft.com/office/powerpoint/2010/main" val="1899463085"/>
       </p:ext>
     </p:extLst>
   </p:cSld>
@@ -24690,6 +24791,313 @@
 </p:sld>
 </file>
 
+<file path=ppt/slides/slide46.xml><?xml version="1.0" encoding="utf-8"?>
+<p:sld xmlns:a="http://schemas.openxmlformats.org/drawingml/2006/main" xmlns:r="http://schemas.openxmlformats.org/officeDocument/2006/relationships" xmlns:p="http://schemas.openxmlformats.org/presentationml/2006/main">
+  <p:cSld>
+    <p:spTree>
+      <p:nvGrpSpPr>
+        <p:cNvPr id="1" name=""/>
+        <p:cNvGrpSpPr/>
+        <p:nvPr/>
+      </p:nvGrpSpPr>
+      <p:grpSpPr>
+        <a:xfrm>
+          <a:off x="0" y="0"/>
+          <a:ext cx="0" cy="0"/>
+          <a:chOff x="0" y="0"/>
+          <a:chExt cx="0" cy="0"/>
+        </a:xfrm>
+      </p:grpSpPr>
+      <p:sp>
+        <p:nvSpPr>
+          <p:cNvPr id="23556" name="Rectangle 2"/>
+          <p:cNvSpPr>
+            <a:spLocks noGrp="1" noChangeArrowheads="1"/>
+          </p:cNvSpPr>
+          <p:nvPr>
+            <p:ph type="title"/>
+          </p:nvPr>
+        </p:nvSpPr>
+        <p:spPr>
+          <a:xfrm>
+            <a:off x="682752" y="114300"/>
+            <a:ext cx="7772400" cy="838200"/>
+          </a:xfrm>
+        </p:spPr>
+        <p:txBody>
+          <a:bodyPr/>
+          <a:lstStyle/>
+          <a:p>
+            <a:r>
+              <a:rPr lang="en-US" sz="3600" dirty="0"/>
+              <a:t>Machine Data</a:t>
+            </a:r>
+          </a:p>
+        </p:txBody>
+      </p:sp>
+      <p:sp>
+        <p:nvSpPr>
+          <p:cNvPr id="23557" name="Rectangle 3"/>
+          <p:cNvSpPr>
+            <a:spLocks noGrp="1" noChangeArrowheads="1"/>
+          </p:cNvSpPr>
+          <p:nvPr>
+            <p:ph type="body" idx="1"/>
+          </p:nvPr>
+        </p:nvSpPr>
+        <p:spPr>
+          <a:xfrm>
+            <a:off x="228600" y="1295400"/>
+            <a:ext cx="8610600" cy="4953000"/>
+          </a:xfrm>
+        </p:spPr>
+        <p:txBody>
+          <a:bodyPr/>
+          <a:lstStyle/>
+          <a:p>
+            <a:pPr lvl="0"/>
+            <a:r>
+              <a:rPr lang="en-US" sz="2000" dirty="0"/>
+              <a:t>Intel i7-8650 @ 1.9GHz</a:t>
+            </a:r>
+          </a:p>
+          <a:p>
+            <a:pPr lvl="0"/>
+            <a:r>
+              <a:rPr lang="en-US" sz="2000" dirty="0">
+                <a:latin typeface="Arial" panose="020B0604020202020204" pitchFamily="34" charset="0"/>
+                <a:cs typeface="Arial" panose="020B0604020202020204" pitchFamily="34" charset="0"/>
+              </a:rPr>
+              <a:t>CPU MHz: 947-1710MHz</a:t>
+            </a:r>
+          </a:p>
+          <a:p>
+            <a:pPr lvl="0"/>
+            <a:r>
+              <a:rPr lang="en-US" sz="2000" dirty="0">
+                <a:latin typeface="Arial" panose="020B0604020202020204" pitchFamily="34" charset="0"/>
+                <a:cs typeface="Arial" panose="020B0604020202020204" pitchFamily="34" charset="0"/>
+              </a:rPr>
+              <a:t>8KB cache</a:t>
+            </a:r>
+          </a:p>
+          <a:p>
+            <a:pPr lvl="0"/>
+            <a:r>
+              <a:rPr lang="en-US" sz="2000" dirty="0">
+                <a:latin typeface="Arial" panose="020B0604020202020204" pitchFamily="34" charset="0"/>
+                <a:cs typeface="Arial" panose="020B0604020202020204" pitchFamily="34" charset="0"/>
+              </a:rPr>
+              <a:t>Quiet system</a:t>
+            </a:r>
+          </a:p>
+          <a:p>
+            <a:pPr lvl="0"/>
+            <a:r>
+              <a:rPr lang="en-US" sz="2000" dirty="0">
+                <a:latin typeface="Arial" panose="020B0604020202020204" pitchFamily="34" charset="0"/>
+                <a:cs typeface="Arial" panose="020B0604020202020204" pitchFamily="34" charset="0"/>
+              </a:rPr>
+              <a:t>253 soft </a:t>
+            </a:r>
+            <a:r>
+              <a:rPr lang="en-US" sz="2000" dirty="0" err="1">
+                <a:latin typeface="Arial" panose="020B0604020202020204" pitchFamily="34" charset="0"/>
+                <a:cs typeface="Arial" panose="020B0604020202020204" pitchFamily="34" charset="0"/>
+              </a:rPr>
+              <a:t>irqs</a:t>
+            </a:r>
+            <a:r>
+              <a:rPr lang="en-US" sz="2000" dirty="0">
+                <a:latin typeface="Arial" panose="020B0604020202020204" pitchFamily="34" charset="0"/>
+                <a:cs typeface="Arial" panose="020B0604020202020204" pitchFamily="34" charset="0"/>
+              </a:rPr>
+              <a:t>/sec, .25/</a:t>
+            </a:r>
+            <a:r>
+              <a:rPr lang="en-US" sz="2000" dirty="0" err="1">
+                <a:latin typeface="Arial" panose="020B0604020202020204" pitchFamily="34" charset="0"/>
+                <a:cs typeface="Arial" panose="020B0604020202020204" pitchFamily="34" charset="0"/>
+              </a:rPr>
+              <a:t>ms</a:t>
+            </a:r>
+            <a:endParaRPr lang="en-US" sz="2000" dirty="0">
+              <a:latin typeface="Arial" panose="020B0604020202020204" pitchFamily="34" charset="0"/>
+              <a:cs typeface="Arial" panose="020B0604020202020204" pitchFamily="34" charset="0"/>
+            </a:endParaRPr>
+          </a:p>
+          <a:p>
+            <a:pPr lvl="0"/>
+            <a:r>
+              <a:rPr lang="en-US" sz="2000" dirty="0">
+                <a:latin typeface="Arial" panose="020B0604020202020204" pitchFamily="34" charset="0"/>
+                <a:cs typeface="Arial" panose="020B0604020202020204" pitchFamily="34" charset="0"/>
+              </a:rPr>
+              <a:t>509 interrupts/sec, .51/</a:t>
+            </a:r>
+            <a:r>
+              <a:rPr lang="en-US" sz="2000" dirty="0" err="1">
+                <a:latin typeface="Arial" panose="020B0604020202020204" pitchFamily="34" charset="0"/>
+                <a:cs typeface="Arial" panose="020B0604020202020204" pitchFamily="34" charset="0"/>
+              </a:rPr>
+              <a:t>ms</a:t>
+            </a:r>
+            <a:endParaRPr lang="en-US" sz="2000" dirty="0">
+              <a:latin typeface="Arial" panose="020B0604020202020204" pitchFamily="34" charset="0"/>
+              <a:cs typeface="Arial" panose="020B0604020202020204" pitchFamily="34" charset="0"/>
+            </a:endParaRPr>
+          </a:p>
+          <a:p>
+            <a:pPr lvl="0"/>
+            <a:endParaRPr lang="en-US" sz="2000" dirty="0">
+              <a:latin typeface="Arial" panose="020B0604020202020204" pitchFamily="34" charset="0"/>
+              <a:cs typeface="Arial" panose="020B0604020202020204" pitchFamily="34" charset="0"/>
+            </a:endParaRPr>
+          </a:p>
+          <a:p>
+            <a:pPr lvl="0"/>
+            <a:r>
+              <a:rPr lang="en-US" sz="2000" dirty="0">
+                <a:latin typeface="Arial" panose="020B0604020202020204" pitchFamily="34" charset="0"/>
+                <a:cs typeface="Arial" panose="020B0604020202020204" pitchFamily="34" charset="0"/>
+              </a:rPr>
+              <a:t>For, say, hash jitter, what is the average running time?</a:t>
+            </a:r>
+          </a:p>
+          <a:p>
+            <a:pPr lvl="1"/>
+            <a:r>
+              <a:rPr lang="en-US" sz="1600" dirty="0">
+                <a:latin typeface="Arial" panose="020B0604020202020204" pitchFamily="34" charset="0"/>
+                <a:cs typeface="Arial" panose="020B0604020202020204" pitchFamily="34" charset="0"/>
+              </a:rPr>
+              <a:t>For has test with 10 repeats: 19200 cycles</a:t>
+            </a:r>
+          </a:p>
+          <a:p>
+            <a:pPr lvl="0"/>
+            <a:r>
+              <a:rPr lang="en-US" sz="2000" dirty="0">
+                <a:latin typeface="Arial" panose="020B0604020202020204" pitchFamily="34" charset="0"/>
+                <a:cs typeface="Arial" panose="020B0604020202020204" pitchFamily="34" charset="0"/>
+              </a:rPr>
+              <a:t>What is the probability of an interrupt during a run?</a:t>
+            </a:r>
+          </a:p>
+        </p:txBody>
+      </p:sp>
+      <p:sp>
+        <p:nvSpPr>
+          <p:cNvPr id="8" name="Slide Number Placeholder 7"/>
+          <p:cNvSpPr>
+            <a:spLocks noGrp="1"/>
+          </p:cNvSpPr>
+          <p:nvPr>
+            <p:ph type="sldNum" sz="quarter" idx="12"/>
+          </p:nvPr>
+        </p:nvSpPr>
+        <p:spPr/>
+        <p:txBody>
+          <a:bodyPr/>
+          <a:lstStyle/>
+          <a:p>
+            <a:pPr>
+              <a:defRPr/>
+            </a:pPr>
+            <a:fld id="{8E09DF16-9352-46A7-97F1-1D13A8547ADD}" type="slidenum">
+              <a:rPr lang="en-US" smtClean="0"/>
+              <a:pPr>
+                <a:defRPr/>
+              </a:pPr>
+              <a:t>46</a:t>
+            </a:fld>
+            <a:endParaRPr lang="en-US"/>
+          </a:p>
+        </p:txBody>
+      </p:sp>
+      <p:sp>
+        <p:nvSpPr>
+          <p:cNvPr id="2" name="Rectangle 2">
+            <a:extLst>
+              <a:ext uri="{FF2B5EF4-FFF2-40B4-BE49-F238E27FC236}">
+                <a16:creationId xmlns:a16="http://schemas.microsoft.com/office/drawing/2014/main" id="{C0D3418F-80B0-844C-8418-6CC7A95790AB}"/>
+              </a:ext>
+            </a:extLst>
+          </p:cNvPr>
+          <p:cNvSpPr>
+            <a:spLocks noChangeArrowheads="1"/>
+          </p:cNvSpPr>
+          <p:nvPr/>
+        </p:nvSpPr>
+        <p:spPr bwMode="auto">
+          <a:xfrm>
+            <a:off x="0" y="0"/>
+            <a:ext cx="9144000" cy="0"/>
+          </a:xfrm>
+          <a:prstGeom prst="rect">
+            <a:avLst/>
+          </a:prstGeom>
+          <a:noFill/>
+          <a:ln>
+            <a:noFill/>
+          </a:ln>
+          <a:effectLst/>
+          <a:extLst>
+            <a:ext uri="{909E8E84-426E-40DD-AFC4-6F175D3DCCD1}">
+              <a14:hiddenFill xmlns:a14="http://schemas.microsoft.com/office/drawing/2010/main">
+                <a:solidFill>
+                  <a:schemeClr val="accent1"/>
+                </a:solidFill>
+              </a14:hiddenFill>
+            </a:ext>
+            <a:ext uri="{91240B29-F687-4F45-9708-019B960494DF}">
+              <a14:hiddenLine xmlns:a14="http://schemas.microsoft.com/office/drawing/2010/main" w="9525">
+                <a:solidFill>
+                  <a:schemeClr val="tx1"/>
+                </a:solidFill>
+                <a:miter lim="800000"/>
+                <a:headEnd/>
+                <a:tailEnd/>
+              </a14:hiddenLine>
+            </a:ext>
+            <a:ext uri="{AF507438-7753-43E0-B8FC-AC1667EBCBE1}">
+              <a14:hiddenEffects xmlns:a14="http://schemas.microsoft.com/office/drawing/2010/main">
+                <a:effectLst>
+                  <a:outerShdw dist="35921" dir="2700000" algn="ctr" rotWithShape="0">
+                    <a:schemeClr val="bg2"/>
+                  </a:outerShdw>
+                </a:effectLst>
+              </a14:hiddenEffects>
+            </a:ext>
+          </a:extLst>
+        </p:spPr>
+        <p:txBody>
+          <a:bodyPr vert="horz" wrap="none" lIns="91440" tIns="45720" rIns="91440" bIns="45720" numCol="1" anchor="ctr" anchorCtr="0" compatLnSpc="1">
+            <a:prstTxWarp prst="textNoShape">
+              <a:avLst/>
+            </a:prstTxWarp>
+            <a:spAutoFit/>
+          </a:bodyPr>
+          <a:lstStyle/>
+          <a:p>
+            <a:endParaRPr lang="en-US"/>
+          </a:p>
+        </p:txBody>
+      </p:sp>
+    </p:spTree>
+    <p:extLst>
+      <p:ext uri="{BB962C8B-B14F-4D97-AF65-F5344CB8AC3E}">
+        <p14:creationId xmlns:p14="http://schemas.microsoft.com/office/powerpoint/2010/main" val="2298963172"/>
+      </p:ext>
+    </p:extLst>
+  </p:cSld>
+  <p:clrMapOvr>
+    <a:masterClrMapping/>
+  </p:clrMapOvr>
+  <p:transition/>
+</p:sld>
+</file>
+
 <file path=ppt/slides/slide5.xml><?xml version="1.0" encoding="utf-8"?>
 <p:sld xmlns:a="http://schemas.openxmlformats.org/drawingml/2006/main" xmlns:r="http://schemas.openxmlformats.org/officeDocument/2006/relationships" xmlns:p="http://schemas.openxmlformats.org/presentationml/2006/main">
   <p:cSld>

--- a/BerkeleyClass/CS290Spring2013/Lectures/entropy_talk.pptx
+++ b/BerkeleyClass/CS290Spring2013/Lectures/entropy_talk.pptx
@@ -5,10 +5,10 @@
     <p:sldMasterId id="2147483649" r:id="rId1"/>
   </p:sldMasterIdLst>
   <p:notesMasterIdLst>
-    <p:notesMasterId r:id="rId48"/>
+    <p:notesMasterId r:id="rId47"/>
   </p:notesMasterIdLst>
   <p:handoutMasterIdLst>
-    <p:handoutMasterId r:id="rId49"/>
+    <p:handoutMasterId r:id="rId48"/>
   </p:handoutMasterIdLst>
   <p:sldIdLst>
     <p:sldId id="3175" r:id="rId2"/>
@@ -55,8 +55,7 @@
     <p:sldId id="3809" r:id="rId43"/>
     <p:sldId id="3812" r:id="rId44"/>
     <p:sldId id="3807" r:id="rId45"/>
-    <p:sldId id="3810" r:id="rId46"/>
-    <p:sldId id="3813" r:id="rId47"/>
+    <p:sldId id="3813" r:id="rId46"/>
   </p:sldIdLst>
   <p:sldSz cx="9144000" cy="6858000" type="screen4x3"/>
   <p:notesSz cx="7010400" cy="9296400"/>
@@ -4450,106 +4449,6 @@
               <a:rPr lang="en-US" smtClean="0"/>
               <a:pPr/>
               <a:t>45</a:t>
-            </a:fld>
-            <a:endParaRPr lang="en-US"/>
-          </a:p>
-        </p:txBody>
-      </p:sp>
-      <p:sp>
-        <p:nvSpPr>
-          <p:cNvPr id="95235" name="Rectangle 2"/>
-          <p:cNvSpPr>
-            <a:spLocks noGrp="1" noRot="1" noChangeAspect="1" noChangeArrowheads="1" noTextEdit="1"/>
-          </p:cNvSpPr>
-          <p:nvPr>
-            <p:ph type="sldImg"/>
-          </p:nvPr>
-        </p:nvSpPr>
-        <p:spPr>
-          <a:xfrm>
-            <a:off x="1169988" y="687388"/>
-            <a:ext cx="4673600" cy="3505200"/>
-          </a:xfrm>
-          <a:ln/>
-        </p:spPr>
-      </p:sp>
-      <p:sp>
-        <p:nvSpPr>
-          <p:cNvPr id="95236" name="Rectangle 3"/>
-          <p:cNvSpPr>
-            <a:spLocks noGrp="1" noChangeArrowheads="1"/>
-          </p:cNvSpPr>
-          <p:nvPr>
-            <p:ph type="body" idx="1"/>
-          </p:nvPr>
-        </p:nvSpPr>
-        <p:spPr>
-          <a:xfrm>
-            <a:off x="914400" y="4421188"/>
-            <a:ext cx="5184775" cy="4191000"/>
-          </a:xfrm>
-          <a:noFill/>
-          <a:ln w="9525"/>
-        </p:spPr>
-        <p:txBody>
-          <a:bodyPr/>
-          <a:lstStyle/>
-          <a:p>
-            <a:endParaRPr lang="en-US"/>
-          </a:p>
-        </p:txBody>
-      </p:sp>
-    </p:spTree>
-    <p:extLst>
-      <p:ext uri="{BB962C8B-B14F-4D97-AF65-F5344CB8AC3E}">
-        <p14:creationId xmlns:p14="http://schemas.microsoft.com/office/powerpoint/2010/main" val="1296706833"/>
-      </p:ext>
-    </p:extLst>
-  </p:cSld>
-  <p:clrMapOvr>
-    <a:masterClrMapping/>
-  </p:clrMapOvr>
-</p:notes>
-</file>
-
-<file path=ppt/notesSlides/notesSlide42.xml><?xml version="1.0" encoding="utf-8"?>
-<p:notes xmlns:a="http://schemas.openxmlformats.org/drawingml/2006/main" xmlns:r="http://schemas.openxmlformats.org/officeDocument/2006/relationships" xmlns:p="http://schemas.openxmlformats.org/presentationml/2006/main">
-  <p:cSld>
-    <p:spTree>
-      <p:nvGrpSpPr>
-        <p:cNvPr id="1" name=""/>
-        <p:cNvGrpSpPr/>
-        <p:nvPr/>
-      </p:nvGrpSpPr>
-      <p:grpSpPr>
-        <a:xfrm>
-          <a:off x="0" y="0"/>
-          <a:ext cx="0" cy="0"/>
-          <a:chOff x="0" y="0"/>
-          <a:chExt cx="0" cy="0"/>
-        </a:xfrm>
-      </p:grpSpPr>
-      <p:sp>
-        <p:nvSpPr>
-          <p:cNvPr id="95234" name="Rectangle 7"/>
-          <p:cNvSpPr>
-            <a:spLocks noGrp="1" noChangeArrowheads="1"/>
-          </p:cNvSpPr>
-          <p:nvPr>
-            <p:ph type="sldNum" sz="quarter" idx="5"/>
-          </p:nvPr>
-        </p:nvSpPr>
-        <p:spPr>
-          <a:noFill/>
-        </p:spPr>
-        <p:txBody>
-          <a:bodyPr/>
-          <a:lstStyle/>
-          <a:p>
-            <a:fld id="{86016DC7-F49B-4F50-9A32-E9E9CFA38878}" type="slidenum">
-              <a:rPr lang="en-US" smtClean="0"/>
-              <a:pPr/>
-              <a:t>46</a:t>
             </a:fld>
             <a:endParaRPr lang="en-US"/>
           </a:p>
@@ -21476,38 +21375,6 @@
       </p:sp>
       <p:sp>
         <p:nvSpPr>
-          <p:cNvPr id="23557" name="Rectangle 3"/>
-          <p:cNvSpPr>
-            <a:spLocks noGrp="1" noChangeArrowheads="1"/>
-          </p:cNvSpPr>
-          <p:nvPr>
-            <p:ph type="body" idx="1"/>
-          </p:nvPr>
-        </p:nvSpPr>
-        <p:spPr>
-          <a:xfrm>
-            <a:off x="304800" y="2095500"/>
-            <a:ext cx="2743200" cy="2667000"/>
-          </a:xfrm>
-        </p:spPr>
-        <p:txBody>
-          <a:bodyPr/>
-          <a:lstStyle/>
-          <a:p>
-            <a:pPr lvl="0"/>
-            <a:r>
-              <a:rPr lang="en-US" sz="2000" dirty="0"/>
-              <a:t>x</a:t>
-            </a:r>
-            <a:endParaRPr lang="en-US" sz="2000" dirty="0">
-              <a:latin typeface="Arial" panose="020B0604020202020204" pitchFamily="34" charset="0"/>
-              <a:cs typeface="Arial" panose="020B0604020202020204" pitchFamily="34" charset="0"/>
-            </a:endParaRPr>
-          </a:p>
-        </p:txBody>
-      </p:sp>
-      <p:sp>
-        <p:nvSpPr>
           <p:cNvPr id="8" name="Slide Number Placeholder 7"/>
           <p:cNvSpPr>
             <a:spLocks noGrp="1"/>
@@ -21699,8 +21566,8 @@
         </p:blipFill>
         <p:spPr>
           <a:xfrm>
-            <a:off x="2490675" y="1064260"/>
-            <a:ext cx="5943600" cy="4803140"/>
+            <a:off x="914400" y="1027430"/>
+            <a:ext cx="6477000" cy="5068570"/>
           </a:xfrm>
           <a:prstGeom prst="rect">
             <a:avLst/>
@@ -24440,7 +24307,7 @@
         </p:nvSpPr>
         <p:spPr>
           <a:xfrm>
-            <a:off x="228600" y="1295400"/>
+            <a:off x="455676" y="1447800"/>
             <a:ext cx="8226552" cy="4953000"/>
           </a:xfrm>
         </p:spPr>
@@ -24500,13 +24367,6 @@
             <a:pPr lvl="0"/>
             <a:r>
               <a:rPr lang="en-US" sz="2000" dirty="0"/>
-              <a:t> Wait states for the synchronization of memory access adds to time variances</a:t>
-            </a:r>
-          </a:p>
-          <a:p>
-            <a:pPr lvl="0"/>
-            <a:r>
-              <a:rPr lang="en-US" sz="2000" dirty="0"/>
               <a:t>The CPU frequency scaling</a:t>
             </a:r>
           </a:p>
@@ -24528,8 +24388,52 @@
             <a:pPr lvl="0"/>
             <a:r>
               <a:rPr lang="en-US" sz="2000" dirty="0"/>
-              <a:t>TLB</a:t>
-            </a:r>
+              <a:t>TLB (Miss penalty: 9 cycles)</a:t>
+            </a:r>
+          </a:p>
+          <a:p>
+            <a:pPr lvl="0"/>
+            <a:r>
+              <a:rPr lang="en-US" sz="2000" dirty="0"/>
+              <a:t>CPU topology and caches used jointly by multiple CPUs affect execution time.</a:t>
+            </a:r>
+          </a:p>
+          <a:p>
+            <a:pPr lvl="0"/>
+            <a:r>
+              <a:rPr lang="en-US" sz="2000" dirty="0"/>
+              <a:t>Branch prediction (Mis-predict penalty between 10 and 40 cycles)</a:t>
+            </a:r>
+          </a:p>
+          <a:p>
+            <a:pPr lvl="0"/>
+            <a:r>
+              <a:rPr lang="en-US" sz="2000" dirty="0"/>
+              <a:t>Kernel locks/barriers</a:t>
+            </a:r>
+          </a:p>
+          <a:p>
+            <a:pPr lvl="0"/>
+            <a:r>
+              <a:rPr lang="en-US" sz="2000" dirty="0"/>
+              <a:t>CPU configuration on multi-core machine</a:t>
+            </a:r>
+          </a:p>
+          <a:p>
+            <a:r>
+              <a:rPr lang="en-US" sz="2000" dirty="0"/>
+              <a:t>Hardware interrupts</a:t>
+            </a:r>
+            <a:endParaRPr lang="en-US" sz="2000" dirty="0">
+              <a:latin typeface="Arial" panose="020B0604020202020204" pitchFamily="34" charset="0"/>
+              <a:cs typeface="Arial" panose="020B0604020202020204" pitchFamily="34" charset="0"/>
+            </a:endParaRPr>
+          </a:p>
+          <a:p>
+            <a:pPr marL="0" lvl="0" indent="0">
+              <a:buNone/>
+            </a:pPr>
+            <a:endParaRPr lang="en-US" sz="2000" dirty="0"/>
           </a:p>
         </p:txBody>
       </p:sp>
@@ -24615,70 +24519,298 @@
           <a:p>
             <a:r>
               <a:rPr lang="en-US" sz="3600" dirty="0"/>
-              <a:t>Machine state (Intel x64)</a:t>
-            </a:r>
-          </a:p>
-        </p:txBody>
-      </p:sp>
-      <p:sp>
-        <p:nvSpPr>
-          <p:cNvPr id="23557" name="Rectangle 3"/>
-          <p:cNvSpPr>
-            <a:spLocks noGrp="1" noChangeArrowheads="1"/>
-          </p:cNvSpPr>
-          <p:nvPr>
-            <p:ph type="body" idx="1"/>
-          </p:nvPr>
-        </p:nvSpPr>
-        <p:spPr>
-          <a:xfrm>
-            <a:off x="228600" y="1295400"/>
-            <a:ext cx="8610600" cy="4953000"/>
-          </a:xfrm>
-        </p:spPr>
-        <p:txBody>
-          <a:bodyPr/>
-          <a:lstStyle/>
-          <a:p>
-            <a:pPr lvl="0"/>
-            <a:r>
-              <a:rPr lang="en-US" sz="2000" dirty="0"/>
-              <a:t>CPU topology and caches used jointly by multiple CPUs affect execution time.</a:t>
-            </a:r>
-          </a:p>
-          <a:p>
-            <a:pPr lvl="0"/>
-            <a:r>
-              <a:rPr lang="en-US" sz="2000" dirty="0"/>
-              <a:t>Branch prediction units</a:t>
-            </a:r>
-          </a:p>
-          <a:p>
-            <a:pPr lvl="0"/>
-            <a:r>
-              <a:rPr lang="en-US" sz="2000" dirty="0"/>
-              <a:t>Kernel locks/barriers</a:t>
-            </a:r>
-          </a:p>
-          <a:p>
-            <a:pPr lvl="0"/>
-            <a:r>
-              <a:rPr lang="en-US" sz="2000" dirty="0"/>
-              <a:t>CPU configuration on multi-core machine</a:t>
-            </a:r>
-          </a:p>
-          <a:p>
-            <a:r>
-              <a:rPr lang="en-US" sz="2000" dirty="0"/>
-              <a:t>Hardware interrupts (See /proc/interrupts, /proc/stat, /proc/interrupts) </a:t>
-            </a:r>
-            <a:endParaRPr lang="en-US" sz="2000" dirty="0">
-              <a:latin typeface="Arial" panose="020B0604020202020204" pitchFamily="34" charset="0"/>
-              <a:cs typeface="Arial" panose="020B0604020202020204" pitchFamily="34" charset="0"/>
-            </a:endParaRPr>
-          </a:p>
-        </p:txBody>
-      </p:sp>
+              <a:t>Machine Data</a:t>
+            </a:r>
+          </a:p>
+        </p:txBody>
+      </p:sp>
+      <mc:AlternateContent xmlns:mc="http://schemas.openxmlformats.org/markup-compatibility/2006">
+        <mc:Choice xmlns:a14="http://schemas.microsoft.com/office/drawing/2010/main" Requires="a14">
+          <p:sp>
+            <p:nvSpPr>
+              <p:cNvPr id="23557" name="Rectangle 3"/>
+              <p:cNvSpPr>
+                <a:spLocks noGrp="1" noChangeArrowheads="1"/>
+              </p:cNvSpPr>
+              <p:nvPr>
+                <p:ph type="body" idx="1"/>
+              </p:nvPr>
+            </p:nvSpPr>
+            <p:spPr>
+              <a:xfrm>
+                <a:off x="228600" y="1295400"/>
+                <a:ext cx="8610600" cy="4953000"/>
+              </a:xfrm>
+            </p:spPr>
+            <p:txBody>
+              <a:bodyPr/>
+              <a:lstStyle/>
+              <a:p>
+                <a:pPr lvl="0"/>
+                <a:r>
+                  <a:rPr lang="en-US" sz="2000" dirty="0"/>
+                  <a:t>Client Intel i7-8650 @ 1.9GHz</a:t>
+                </a:r>
+              </a:p>
+              <a:p>
+                <a:pPr lvl="0"/>
+                <a:r>
+                  <a:rPr lang="en-US" sz="2000" dirty="0">
+                    <a:latin typeface="Arial" panose="020B0604020202020204" pitchFamily="34" charset="0"/>
+                    <a:cs typeface="Arial" panose="020B0604020202020204" pitchFamily="34" charset="0"/>
+                  </a:rPr>
+                  <a:t>CPU MHz: 947-1710MHz</a:t>
+                </a:r>
+              </a:p>
+              <a:p>
+                <a:pPr lvl="0"/>
+                <a:r>
+                  <a:rPr lang="en-US" sz="2000" dirty="0">
+                    <a:latin typeface="Arial" panose="020B0604020202020204" pitchFamily="34" charset="0"/>
+                    <a:cs typeface="Arial" panose="020B0604020202020204" pitchFamily="34" charset="0"/>
+                  </a:rPr>
+                  <a:t>8KB cache</a:t>
+                </a:r>
+              </a:p>
+              <a:p>
+                <a:pPr lvl="0"/>
+                <a:r>
+                  <a:rPr lang="en-US" sz="2000" dirty="0">
+                    <a:latin typeface="Arial" panose="020B0604020202020204" pitchFamily="34" charset="0"/>
+                    <a:cs typeface="Arial" panose="020B0604020202020204" pitchFamily="34" charset="0"/>
+                  </a:rPr>
+                  <a:t>Quiet system</a:t>
+                </a:r>
+              </a:p>
+              <a:p>
+                <a:r>
+                  <a:rPr lang="en-US" sz="2000" dirty="0">
+                    <a:latin typeface="Arial" panose="020B0604020202020204" pitchFamily="34" charset="0"/>
+                    <a:cs typeface="Arial" panose="020B0604020202020204" pitchFamily="34" charset="0"/>
+                  </a:rPr>
+                  <a:t>253 soft </a:t>
+                </a:r>
+                <a:r>
+                  <a:rPr lang="en-US" sz="2000" dirty="0" err="1">
+                    <a:latin typeface="Arial" panose="020B0604020202020204" pitchFamily="34" charset="0"/>
+                    <a:cs typeface="Arial" panose="020B0604020202020204" pitchFamily="34" charset="0"/>
+                  </a:rPr>
+                  <a:t>irqs</a:t>
+                </a:r>
+                <a:r>
+                  <a:rPr lang="en-US" sz="2000" dirty="0">
+                    <a:latin typeface="Arial" panose="020B0604020202020204" pitchFamily="34" charset="0"/>
+                    <a:cs typeface="Arial" panose="020B0604020202020204" pitchFamily="34" charset="0"/>
+                  </a:rPr>
+                  <a:t>/sec, .25/</a:t>
+                </a:r>
+                <a:r>
+                  <a:rPr lang="en-US" sz="2000" dirty="0" err="1">
+                    <a:latin typeface="Arial" panose="020B0604020202020204" pitchFamily="34" charset="0"/>
+                    <a:cs typeface="Arial" panose="020B0604020202020204" pitchFamily="34" charset="0"/>
+                  </a:rPr>
+                  <a:t>ms</a:t>
+                </a:r>
+                <a:r>
+                  <a:rPr lang="en-US" sz="2000" dirty="0">
+                    <a:latin typeface="Arial" panose="020B0604020202020204" pitchFamily="34" charset="0"/>
+                    <a:cs typeface="Arial" panose="020B0604020202020204" pitchFamily="34" charset="0"/>
+                  </a:rPr>
+                  <a:t> (250 </a:t>
+                </a:r>
+                <a14:m>
+                  <m:oMath xmlns:m="http://schemas.openxmlformats.org/officeDocument/2006/math">
+                    <m:r>
+                      <a:rPr lang="en-US" sz="2000" i="1">
+                        <a:latin typeface="Cambria Math" panose="02040503050406030204" pitchFamily="18" charset="0"/>
+                        <a:ea typeface="Cambria Math" panose="02040503050406030204" pitchFamily="18" charset="0"/>
+                        <a:cs typeface="Arial" panose="020B0604020202020204" pitchFamily="34" charset="0"/>
+                      </a:rPr>
+                      <m:t>𝜇</m:t>
+                    </m:r>
+                    <m:r>
+                      <a:rPr lang="en-US" sz="2000" i="1">
+                        <a:latin typeface="Cambria Math" panose="02040503050406030204" pitchFamily="18" charset="0"/>
+                        <a:ea typeface="Cambria Math" panose="02040503050406030204" pitchFamily="18" charset="0"/>
+                        <a:cs typeface="Arial" panose="020B0604020202020204" pitchFamily="34" charset="0"/>
+                      </a:rPr>
+                      <m:t>𝑠𝑒𝑐</m:t>
+                    </m:r>
+                  </m:oMath>
+                </a14:m>
+                <a:r>
+                  <a:rPr lang="en-US" sz="2000" dirty="0">
+                    <a:latin typeface="Arial" panose="020B0604020202020204" pitchFamily="34" charset="0"/>
+                    <a:cs typeface="Arial" panose="020B0604020202020204" pitchFamily="34" charset="0"/>
+                  </a:rPr>
+                  <a:t>)</a:t>
+                </a:r>
+              </a:p>
+              <a:p>
+                <a:r>
+                  <a:rPr lang="en-US" sz="2000" dirty="0">
+                    <a:latin typeface="Arial" panose="020B0604020202020204" pitchFamily="34" charset="0"/>
+                    <a:cs typeface="Arial" panose="020B0604020202020204" pitchFamily="34" charset="0"/>
+                  </a:rPr>
+                  <a:t>509 interrupts/sec, .51/</a:t>
+                </a:r>
+                <a:r>
+                  <a:rPr lang="en-US" sz="2000" dirty="0" err="1">
+                    <a:latin typeface="Arial" panose="020B0604020202020204" pitchFamily="34" charset="0"/>
+                    <a:cs typeface="Arial" panose="020B0604020202020204" pitchFamily="34" charset="0"/>
+                  </a:rPr>
+                  <a:t>ms</a:t>
+                </a:r>
+                <a:r>
+                  <a:rPr lang="en-US" sz="2000" dirty="0">
+                    <a:latin typeface="Arial" panose="020B0604020202020204" pitchFamily="34" charset="0"/>
+                    <a:cs typeface="Arial" panose="020B0604020202020204" pitchFamily="34" charset="0"/>
+                  </a:rPr>
+                  <a:t> (510 </a:t>
+                </a:r>
+                <a14:m>
+                  <m:oMath xmlns:m="http://schemas.openxmlformats.org/officeDocument/2006/math">
+                    <m:r>
+                      <a:rPr lang="en-US" sz="2000" i="1">
+                        <a:latin typeface="Cambria Math" panose="02040503050406030204" pitchFamily="18" charset="0"/>
+                        <a:ea typeface="Cambria Math" panose="02040503050406030204" pitchFamily="18" charset="0"/>
+                        <a:cs typeface="Arial" panose="020B0604020202020204" pitchFamily="34" charset="0"/>
+                      </a:rPr>
+                      <m:t>𝜇</m:t>
+                    </m:r>
+                    <m:r>
+                      <a:rPr lang="en-US" sz="2000" i="1">
+                        <a:latin typeface="Cambria Math" panose="02040503050406030204" pitchFamily="18" charset="0"/>
+                        <a:ea typeface="Cambria Math" panose="02040503050406030204" pitchFamily="18" charset="0"/>
+                        <a:cs typeface="Arial" panose="020B0604020202020204" pitchFamily="34" charset="0"/>
+                      </a:rPr>
+                      <m:t>𝑠𝑒𝑐</m:t>
+                    </m:r>
+                  </m:oMath>
+                </a14:m>
+                <a:r>
+                  <a:rPr lang="en-US" sz="2000" dirty="0">
+                    <a:latin typeface="Arial" panose="020B0604020202020204" pitchFamily="34" charset="0"/>
+                    <a:cs typeface="Arial" panose="020B0604020202020204" pitchFamily="34" charset="0"/>
+                  </a:rPr>
+                  <a:t>)</a:t>
+                </a:r>
+              </a:p>
+              <a:p>
+                <a:pPr lvl="0"/>
+                <a:r>
+                  <a:rPr lang="en-US" sz="2000" dirty="0">
+                    <a:latin typeface="Arial" panose="020B0604020202020204" pitchFamily="34" charset="0"/>
+                    <a:cs typeface="Arial" panose="020B0604020202020204" pitchFamily="34" charset="0"/>
+                  </a:rPr>
+                  <a:t>For, say, hash jitter, what is the average running time?</a:t>
+                </a:r>
+              </a:p>
+              <a:p>
+                <a:pPr lvl="1"/>
+                <a:r>
+                  <a:rPr lang="en-US" sz="2000" dirty="0">
+                    <a:latin typeface="Arial" panose="020B0604020202020204" pitchFamily="34" charset="0"/>
+                    <a:cs typeface="Arial" panose="020B0604020202020204" pitchFamily="34" charset="0"/>
+                  </a:rPr>
+                  <a:t>For has test with 10 repeats: 19200 cycles (19 </a:t>
+                </a:r>
+                <a14:m>
+                  <m:oMath xmlns:m="http://schemas.openxmlformats.org/officeDocument/2006/math">
+                    <m:r>
+                      <a:rPr lang="en-US" sz="2000" i="1" smtClean="0">
+                        <a:latin typeface="Cambria Math" panose="02040503050406030204" pitchFamily="18" charset="0"/>
+                        <a:ea typeface="Cambria Math" panose="02040503050406030204" pitchFamily="18" charset="0"/>
+                        <a:cs typeface="Arial" panose="020B0604020202020204" pitchFamily="34" charset="0"/>
+                      </a:rPr>
+                      <m:t>𝜇</m:t>
+                    </m:r>
+                    <m:r>
+                      <a:rPr lang="en-US" sz="2000" b="0" i="1" smtClean="0">
+                        <a:latin typeface="Cambria Math" panose="02040503050406030204" pitchFamily="18" charset="0"/>
+                        <a:ea typeface="Cambria Math" panose="02040503050406030204" pitchFamily="18" charset="0"/>
+                        <a:cs typeface="Arial" panose="020B0604020202020204" pitchFamily="34" charset="0"/>
+                      </a:rPr>
+                      <m:t>𝑠𝑒𝑐</m:t>
+                    </m:r>
+                  </m:oMath>
+                </a14:m>
+                <a:r>
+                  <a:rPr lang="en-US" sz="2000" dirty="0">
+                    <a:latin typeface="Arial" panose="020B0604020202020204" pitchFamily="34" charset="0"/>
+                    <a:cs typeface="Arial" panose="020B0604020202020204" pitchFamily="34" charset="0"/>
+                  </a:rPr>
+                  <a:t>)</a:t>
+                </a:r>
+              </a:p>
+              <a:p>
+                <a:pPr lvl="0"/>
+                <a:r>
+                  <a:rPr lang="en-US" sz="2000" dirty="0">
+                    <a:latin typeface="Arial" panose="020B0604020202020204" pitchFamily="34" charset="0"/>
+                    <a:cs typeface="Arial" panose="020B0604020202020204" pitchFamily="34" charset="0"/>
+                  </a:rPr>
+                  <a:t>What is the probability of an interrupt during a run?</a:t>
+                </a:r>
+              </a:p>
+              <a:p>
+                <a:pPr lvl="1"/>
+                <a:endParaRPr lang="en-US" sz="2000" dirty="0">
+                  <a:latin typeface="Arial" panose="020B0604020202020204" pitchFamily="34" charset="0"/>
+                  <a:cs typeface="Arial" panose="020B0604020202020204" pitchFamily="34" charset="0"/>
+                </a:endParaRPr>
+              </a:p>
+              <a:p>
+                <a:pPr lvl="0"/>
+                <a:r>
+                  <a:rPr lang="en-US" sz="2000" dirty="0">
+                    <a:latin typeface="Arial" panose="020B0604020202020204" pitchFamily="34" charset="0"/>
+                    <a:cs typeface="Arial" panose="020B0604020202020204" pitchFamily="34" charset="0"/>
+                  </a:rPr>
+                  <a:t>Need to know what CPU services interrupt</a:t>
+                </a:r>
+              </a:p>
+            </p:txBody>
+          </p:sp>
+        </mc:Choice>
+        <mc:Fallback>
+          <p:sp>
+            <p:nvSpPr>
+              <p:cNvPr id="23557" name="Rectangle 3"/>
+              <p:cNvSpPr>
+                <a:spLocks noGrp="1" noRot="1" noChangeAspect="1" noMove="1" noResize="1" noEditPoints="1" noAdjustHandles="1" noChangeArrowheads="1" noChangeShapeType="1" noTextEdit="1"/>
+              </p:cNvSpPr>
+              <p:nvPr>
+                <p:ph type="body" idx="1"/>
+              </p:nvPr>
+            </p:nvSpPr>
+            <p:spPr>
+              <a:xfrm>
+                <a:off x="228600" y="1295400"/>
+                <a:ext cx="8610600" cy="4953000"/>
+              </a:xfrm>
+              <a:blipFill>
+                <a:blip r:embed="rId3"/>
+                <a:stretch>
+                  <a:fillRect l="-737" t="-767"/>
+                </a:stretch>
+              </a:blipFill>
+            </p:spPr>
+            <p:txBody>
+              <a:bodyPr/>
+              <a:lstStyle/>
+              <a:p>
+                <a:r>
+                  <a:rPr lang="en-US">
+                    <a:noFill/>
+                  </a:rPr>
+                  <a:t> </a:t>
+                </a:r>
+              </a:p>
+            </p:txBody>
+          </p:sp>
+        </mc:Fallback>
+      </mc:AlternateContent>
       <p:sp>
         <p:nvSpPr>
           <p:cNvPr id="8" name="Slide Number Placeholder 7"/>
@@ -24703,313 +24835,6 @@
                 <a:defRPr/>
               </a:pPr>
               <a:t>45</a:t>
-            </a:fld>
-            <a:endParaRPr lang="en-US"/>
-          </a:p>
-        </p:txBody>
-      </p:sp>
-      <p:sp>
-        <p:nvSpPr>
-          <p:cNvPr id="2" name="Rectangle 2">
-            <a:extLst>
-              <a:ext uri="{FF2B5EF4-FFF2-40B4-BE49-F238E27FC236}">
-                <a16:creationId xmlns:a16="http://schemas.microsoft.com/office/drawing/2014/main" id="{C0D3418F-80B0-844C-8418-6CC7A95790AB}"/>
-              </a:ext>
-            </a:extLst>
-          </p:cNvPr>
-          <p:cNvSpPr>
-            <a:spLocks noChangeArrowheads="1"/>
-          </p:cNvSpPr>
-          <p:nvPr/>
-        </p:nvSpPr>
-        <p:spPr bwMode="auto">
-          <a:xfrm>
-            <a:off x="0" y="0"/>
-            <a:ext cx="9144000" cy="0"/>
-          </a:xfrm>
-          <a:prstGeom prst="rect">
-            <a:avLst/>
-          </a:prstGeom>
-          <a:noFill/>
-          <a:ln>
-            <a:noFill/>
-          </a:ln>
-          <a:effectLst/>
-          <a:extLst>
-            <a:ext uri="{909E8E84-426E-40DD-AFC4-6F175D3DCCD1}">
-              <a14:hiddenFill xmlns:a14="http://schemas.microsoft.com/office/drawing/2010/main">
-                <a:solidFill>
-                  <a:schemeClr val="accent1"/>
-                </a:solidFill>
-              </a14:hiddenFill>
-            </a:ext>
-            <a:ext uri="{91240B29-F687-4F45-9708-019B960494DF}">
-              <a14:hiddenLine xmlns:a14="http://schemas.microsoft.com/office/drawing/2010/main" w="9525">
-                <a:solidFill>
-                  <a:schemeClr val="tx1"/>
-                </a:solidFill>
-                <a:miter lim="800000"/>
-                <a:headEnd/>
-                <a:tailEnd/>
-              </a14:hiddenLine>
-            </a:ext>
-            <a:ext uri="{AF507438-7753-43E0-B8FC-AC1667EBCBE1}">
-              <a14:hiddenEffects xmlns:a14="http://schemas.microsoft.com/office/drawing/2010/main">
-                <a:effectLst>
-                  <a:outerShdw dist="35921" dir="2700000" algn="ctr" rotWithShape="0">
-                    <a:schemeClr val="bg2"/>
-                  </a:outerShdw>
-                </a:effectLst>
-              </a14:hiddenEffects>
-            </a:ext>
-          </a:extLst>
-        </p:spPr>
-        <p:txBody>
-          <a:bodyPr vert="horz" wrap="none" lIns="91440" tIns="45720" rIns="91440" bIns="45720" numCol="1" anchor="ctr" anchorCtr="0" compatLnSpc="1">
-            <a:prstTxWarp prst="textNoShape">
-              <a:avLst/>
-            </a:prstTxWarp>
-            <a:spAutoFit/>
-          </a:bodyPr>
-          <a:lstStyle/>
-          <a:p>
-            <a:endParaRPr lang="en-US"/>
-          </a:p>
-        </p:txBody>
-      </p:sp>
-    </p:spTree>
-    <p:extLst>
-      <p:ext uri="{BB962C8B-B14F-4D97-AF65-F5344CB8AC3E}">
-        <p14:creationId xmlns:p14="http://schemas.microsoft.com/office/powerpoint/2010/main" val="818219017"/>
-      </p:ext>
-    </p:extLst>
-  </p:cSld>
-  <p:clrMapOvr>
-    <a:masterClrMapping/>
-  </p:clrMapOvr>
-  <p:transition/>
-</p:sld>
-</file>
-
-<file path=ppt/slides/slide46.xml><?xml version="1.0" encoding="utf-8"?>
-<p:sld xmlns:a="http://schemas.openxmlformats.org/drawingml/2006/main" xmlns:r="http://schemas.openxmlformats.org/officeDocument/2006/relationships" xmlns:p="http://schemas.openxmlformats.org/presentationml/2006/main">
-  <p:cSld>
-    <p:spTree>
-      <p:nvGrpSpPr>
-        <p:cNvPr id="1" name=""/>
-        <p:cNvGrpSpPr/>
-        <p:nvPr/>
-      </p:nvGrpSpPr>
-      <p:grpSpPr>
-        <a:xfrm>
-          <a:off x="0" y="0"/>
-          <a:ext cx="0" cy="0"/>
-          <a:chOff x="0" y="0"/>
-          <a:chExt cx="0" cy="0"/>
-        </a:xfrm>
-      </p:grpSpPr>
-      <p:sp>
-        <p:nvSpPr>
-          <p:cNvPr id="23556" name="Rectangle 2"/>
-          <p:cNvSpPr>
-            <a:spLocks noGrp="1" noChangeArrowheads="1"/>
-          </p:cNvSpPr>
-          <p:nvPr>
-            <p:ph type="title"/>
-          </p:nvPr>
-        </p:nvSpPr>
-        <p:spPr>
-          <a:xfrm>
-            <a:off x="682752" y="114300"/>
-            <a:ext cx="7772400" cy="838200"/>
-          </a:xfrm>
-        </p:spPr>
-        <p:txBody>
-          <a:bodyPr/>
-          <a:lstStyle/>
-          <a:p>
-            <a:r>
-              <a:rPr lang="en-US" sz="3600" dirty="0"/>
-              <a:t>Machine Data</a:t>
-            </a:r>
-          </a:p>
-        </p:txBody>
-      </p:sp>
-      <p:sp>
-        <p:nvSpPr>
-          <p:cNvPr id="23557" name="Rectangle 3"/>
-          <p:cNvSpPr>
-            <a:spLocks noGrp="1" noChangeArrowheads="1"/>
-          </p:cNvSpPr>
-          <p:nvPr>
-            <p:ph type="body" idx="1"/>
-          </p:nvPr>
-        </p:nvSpPr>
-        <p:spPr>
-          <a:xfrm>
-            <a:off x="228600" y="1295400"/>
-            <a:ext cx="8610600" cy="4953000"/>
-          </a:xfrm>
-        </p:spPr>
-        <p:txBody>
-          <a:bodyPr/>
-          <a:lstStyle/>
-          <a:p>
-            <a:pPr lvl="0"/>
-            <a:r>
-              <a:rPr lang="en-US" sz="2000" dirty="0"/>
-              <a:t>Intel i7-8650 @ 1.9GHz</a:t>
-            </a:r>
-          </a:p>
-          <a:p>
-            <a:pPr lvl="0"/>
-            <a:r>
-              <a:rPr lang="en-US" sz="2000" dirty="0">
-                <a:latin typeface="Arial" panose="020B0604020202020204" pitchFamily="34" charset="0"/>
-                <a:cs typeface="Arial" panose="020B0604020202020204" pitchFamily="34" charset="0"/>
-              </a:rPr>
-              <a:t>CPU MHz: 947-1710MHz</a:t>
-            </a:r>
-          </a:p>
-          <a:p>
-            <a:pPr lvl="0"/>
-            <a:r>
-              <a:rPr lang="en-US" sz="2000" dirty="0">
-                <a:latin typeface="Arial" panose="020B0604020202020204" pitchFamily="34" charset="0"/>
-                <a:cs typeface="Arial" panose="020B0604020202020204" pitchFamily="34" charset="0"/>
-              </a:rPr>
-              <a:t>8KB cache</a:t>
-            </a:r>
-          </a:p>
-          <a:p>
-            <a:pPr lvl="0"/>
-            <a:r>
-              <a:rPr lang="en-US" sz="2000" dirty="0">
-                <a:latin typeface="Arial" panose="020B0604020202020204" pitchFamily="34" charset="0"/>
-                <a:cs typeface="Arial" panose="020B0604020202020204" pitchFamily="34" charset="0"/>
-              </a:rPr>
-              <a:t>Quiet system</a:t>
-            </a:r>
-          </a:p>
-          <a:p>
-            <a:pPr lvl="0"/>
-            <a:r>
-              <a:rPr lang="en-US" sz="2000" dirty="0">
-                <a:latin typeface="Arial" panose="020B0604020202020204" pitchFamily="34" charset="0"/>
-                <a:cs typeface="Arial" panose="020B0604020202020204" pitchFamily="34" charset="0"/>
-              </a:rPr>
-              <a:t>253 soft </a:t>
-            </a:r>
-            <a:r>
-              <a:rPr lang="en-US" sz="2000" dirty="0" err="1">
-                <a:latin typeface="Arial" panose="020B0604020202020204" pitchFamily="34" charset="0"/>
-                <a:cs typeface="Arial" panose="020B0604020202020204" pitchFamily="34" charset="0"/>
-              </a:rPr>
-              <a:t>irqs</a:t>
-            </a:r>
-            <a:r>
-              <a:rPr lang="en-US" sz="2000" dirty="0">
-                <a:latin typeface="Arial" panose="020B0604020202020204" pitchFamily="34" charset="0"/>
-                <a:cs typeface="Arial" panose="020B0604020202020204" pitchFamily="34" charset="0"/>
-              </a:rPr>
-              <a:t>/sec, .25/</a:t>
-            </a:r>
-            <a:r>
-              <a:rPr lang="en-US" sz="2000" dirty="0" err="1">
-                <a:latin typeface="Arial" panose="020B0604020202020204" pitchFamily="34" charset="0"/>
-                <a:cs typeface="Arial" panose="020B0604020202020204" pitchFamily="34" charset="0"/>
-              </a:rPr>
-              <a:t>ms</a:t>
-            </a:r>
-            <a:endParaRPr lang="en-US" sz="2000" dirty="0">
-              <a:latin typeface="Arial" panose="020B0604020202020204" pitchFamily="34" charset="0"/>
-              <a:cs typeface="Arial" panose="020B0604020202020204" pitchFamily="34" charset="0"/>
-            </a:endParaRPr>
-          </a:p>
-          <a:p>
-            <a:pPr lvl="0"/>
-            <a:r>
-              <a:rPr lang="en-US" sz="2000" dirty="0">
-                <a:latin typeface="Arial" panose="020B0604020202020204" pitchFamily="34" charset="0"/>
-                <a:cs typeface="Arial" panose="020B0604020202020204" pitchFamily="34" charset="0"/>
-              </a:rPr>
-              <a:t>509 interrupts/sec, .51/</a:t>
-            </a:r>
-            <a:r>
-              <a:rPr lang="en-US" sz="2000" dirty="0" err="1">
-                <a:latin typeface="Arial" panose="020B0604020202020204" pitchFamily="34" charset="0"/>
-                <a:cs typeface="Arial" panose="020B0604020202020204" pitchFamily="34" charset="0"/>
-              </a:rPr>
-              <a:t>ms</a:t>
-            </a:r>
-            <a:endParaRPr lang="en-US" sz="2000" dirty="0">
-              <a:latin typeface="Arial" panose="020B0604020202020204" pitchFamily="34" charset="0"/>
-              <a:cs typeface="Arial" panose="020B0604020202020204" pitchFamily="34" charset="0"/>
-            </a:endParaRPr>
-          </a:p>
-          <a:p>
-            <a:pPr lvl="0"/>
-            <a:endParaRPr lang="en-US" sz="2000" dirty="0">
-              <a:latin typeface="Arial" panose="020B0604020202020204" pitchFamily="34" charset="0"/>
-              <a:cs typeface="Arial" panose="020B0604020202020204" pitchFamily="34" charset="0"/>
-            </a:endParaRPr>
-          </a:p>
-          <a:p>
-            <a:pPr lvl="0"/>
-            <a:r>
-              <a:rPr lang="en-US" sz="2000" dirty="0">
-                <a:latin typeface="Arial" panose="020B0604020202020204" pitchFamily="34" charset="0"/>
-                <a:cs typeface="Arial" panose="020B0604020202020204" pitchFamily="34" charset="0"/>
-              </a:rPr>
-              <a:t>For, say, hash jitter, what is the average running time?</a:t>
-            </a:r>
-          </a:p>
-          <a:p>
-            <a:pPr lvl="1"/>
-            <a:r>
-              <a:rPr lang="en-US" sz="1600" dirty="0">
-                <a:latin typeface="Arial" panose="020B0604020202020204" pitchFamily="34" charset="0"/>
-                <a:cs typeface="Arial" panose="020B0604020202020204" pitchFamily="34" charset="0"/>
-              </a:rPr>
-              <a:t>For has test with 10 repeats: 19200 cycles</a:t>
-            </a:r>
-          </a:p>
-          <a:p>
-            <a:pPr lvl="0"/>
-            <a:r>
-              <a:rPr lang="en-US" sz="2000" dirty="0">
-                <a:latin typeface="Arial" panose="020B0604020202020204" pitchFamily="34" charset="0"/>
-                <a:cs typeface="Arial" panose="020B0604020202020204" pitchFamily="34" charset="0"/>
-              </a:rPr>
-              <a:t>What is the probability of an interrupt during a run?</a:t>
-            </a:r>
-          </a:p>
-        </p:txBody>
-      </p:sp>
-      <p:sp>
-        <p:nvSpPr>
-          <p:cNvPr id="8" name="Slide Number Placeholder 7"/>
-          <p:cNvSpPr>
-            <a:spLocks noGrp="1"/>
-          </p:cNvSpPr>
-          <p:nvPr>
-            <p:ph type="sldNum" sz="quarter" idx="12"/>
-          </p:nvPr>
-        </p:nvSpPr>
-        <p:spPr/>
-        <p:txBody>
-          <a:bodyPr/>
-          <a:lstStyle/>
-          <a:p>
-            <a:pPr>
-              <a:defRPr/>
-            </a:pPr>
-            <a:fld id="{8E09DF16-9352-46A7-97F1-1D13A8547ADD}" type="slidenum">
-              <a:rPr lang="en-US" smtClean="0"/>
-              <a:pPr>
-                <a:defRPr/>
-              </a:pPr>
-              <a:t>46</a:t>
             </a:fld>
             <a:endParaRPr lang="en-US"/>
           </a:p>

--- a/BerkeleyClass/CS290Spring2013/Lectures/entropy_talk.pptx
+++ b/BerkeleyClass/CS290Spring2013/Lectures/entropy_talk.pptx
@@ -5,10 +5,10 @@
     <p:sldMasterId id="2147483649" r:id="rId1"/>
   </p:sldMasterIdLst>
   <p:notesMasterIdLst>
-    <p:notesMasterId r:id="rId47"/>
+    <p:notesMasterId r:id="rId48"/>
   </p:notesMasterIdLst>
   <p:handoutMasterIdLst>
-    <p:handoutMasterId r:id="rId48"/>
+    <p:handoutMasterId r:id="rId49"/>
   </p:handoutMasterIdLst>
   <p:sldIdLst>
     <p:sldId id="3175" r:id="rId2"/>
@@ -56,6 +56,7 @@
     <p:sldId id="3812" r:id="rId44"/>
     <p:sldId id="3807" r:id="rId45"/>
     <p:sldId id="3813" r:id="rId46"/>
+    <p:sldId id="3814" r:id="rId47"/>
   </p:sldIdLst>
   <p:sldSz cx="9144000" cy="6858000" type="screen4x3"/>
   <p:notesSz cx="7010400" cy="9296400"/>
@@ -4502,6 +4503,106 @@
     <p:extLst>
       <p:ext uri="{BB962C8B-B14F-4D97-AF65-F5344CB8AC3E}">
         <p14:creationId xmlns:p14="http://schemas.microsoft.com/office/powerpoint/2010/main" val="1899463085"/>
+      </p:ext>
+    </p:extLst>
+  </p:cSld>
+  <p:clrMapOvr>
+    <a:masterClrMapping/>
+  </p:clrMapOvr>
+</p:notes>
+</file>
+
+<file path=ppt/notesSlides/notesSlide42.xml><?xml version="1.0" encoding="utf-8"?>
+<p:notes xmlns:a="http://schemas.openxmlformats.org/drawingml/2006/main" xmlns:r="http://schemas.openxmlformats.org/officeDocument/2006/relationships" xmlns:p="http://schemas.openxmlformats.org/presentationml/2006/main">
+  <p:cSld>
+    <p:spTree>
+      <p:nvGrpSpPr>
+        <p:cNvPr id="1" name=""/>
+        <p:cNvGrpSpPr/>
+        <p:nvPr/>
+      </p:nvGrpSpPr>
+      <p:grpSpPr>
+        <a:xfrm>
+          <a:off x="0" y="0"/>
+          <a:ext cx="0" cy="0"/>
+          <a:chOff x="0" y="0"/>
+          <a:chExt cx="0" cy="0"/>
+        </a:xfrm>
+      </p:grpSpPr>
+      <p:sp>
+        <p:nvSpPr>
+          <p:cNvPr id="95234" name="Rectangle 7"/>
+          <p:cNvSpPr>
+            <a:spLocks noGrp="1" noChangeArrowheads="1"/>
+          </p:cNvSpPr>
+          <p:nvPr>
+            <p:ph type="sldNum" sz="quarter" idx="5"/>
+          </p:nvPr>
+        </p:nvSpPr>
+        <p:spPr>
+          <a:noFill/>
+        </p:spPr>
+        <p:txBody>
+          <a:bodyPr/>
+          <a:lstStyle/>
+          <a:p>
+            <a:fld id="{86016DC7-F49B-4F50-9A32-E9E9CFA38878}" type="slidenum">
+              <a:rPr lang="en-US" smtClean="0"/>
+              <a:pPr/>
+              <a:t>46</a:t>
+            </a:fld>
+            <a:endParaRPr lang="en-US"/>
+          </a:p>
+        </p:txBody>
+      </p:sp>
+      <p:sp>
+        <p:nvSpPr>
+          <p:cNvPr id="95235" name="Rectangle 2"/>
+          <p:cNvSpPr>
+            <a:spLocks noGrp="1" noRot="1" noChangeAspect="1" noChangeArrowheads="1" noTextEdit="1"/>
+          </p:cNvSpPr>
+          <p:nvPr>
+            <p:ph type="sldImg"/>
+          </p:nvPr>
+        </p:nvSpPr>
+        <p:spPr>
+          <a:xfrm>
+            <a:off x="1169988" y="687388"/>
+            <a:ext cx="4673600" cy="3505200"/>
+          </a:xfrm>
+          <a:ln/>
+        </p:spPr>
+      </p:sp>
+      <p:sp>
+        <p:nvSpPr>
+          <p:cNvPr id="95236" name="Rectangle 3"/>
+          <p:cNvSpPr>
+            <a:spLocks noGrp="1" noChangeArrowheads="1"/>
+          </p:cNvSpPr>
+          <p:nvPr>
+            <p:ph type="body" idx="1"/>
+          </p:nvPr>
+        </p:nvSpPr>
+        <p:spPr>
+          <a:xfrm>
+            <a:off x="914400" y="4421188"/>
+            <a:ext cx="5184775" cy="4191000"/>
+          </a:xfrm>
+          <a:noFill/>
+          <a:ln w="9525"/>
+        </p:spPr>
+        <p:txBody>
+          <a:bodyPr/>
+          <a:lstStyle/>
+          <a:p>
+            <a:endParaRPr lang="en-US"/>
+          </a:p>
+        </p:txBody>
+      </p:sp>
+    </p:spTree>
+    <p:extLst>
+      <p:ext uri="{BB962C8B-B14F-4D97-AF65-F5344CB8AC3E}">
+        <p14:creationId xmlns:p14="http://schemas.microsoft.com/office/powerpoint/2010/main" val="4057268971"/>
       </p:ext>
     </p:extLst>
   </p:cSld>
@@ -20703,8 +20804,8 @@
         </p:nvSpPr>
         <p:spPr>
           <a:xfrm>
-            <a:off x="228600" y="1143000"/>
-            <a:ext cx="8610600" cy="5105400"/>
+            <a:off x="490728" y="1210849"/>
+            <a:ext cx="8156448" cy="5029200"/>
           </a:xfrm>
         </p:spPr>
         <p:txBody>
@@ -20979,8 +21080,8 @@
         </p:nvSpPr>
         <p:spPr>
           <a:xfrm>
-            <a:off x="228600" y="1295400"/>
-            <a:ext cx="8610600" cy="4953000"/>
+            <a:off x="490728" y="1524000"/>
+            <a:ext cx="8156448" cy="4724400"/>
           </a:xfrm>
         </p:spPr>
         <p:txBody>
@@ -20997,21 +21098,7 @@
                 <a:latin typeface="Arial" panose="020B0604020202020204" pitchFamily="34" charset="0"/>
                 <a:cs typeface="Arial" panose="020B0604020202020204" pitchFamily="34" charset="0"/>
               </a:rPr>
-              <a:t>What we want to show is that the expected effort to “recreate” the machine state to successfully reproduce the execution jitter purporting to provide n bits of </a:t>
-            </a:r>
-            <a:r>
-              <a:rPr lang="en-US" sz="2000">
-                <a:latin typeface="Arial" panose="020B0604020202020204" pitchFamily="34" charset="0"/>
-                <a:cs typeface="Arial" panose="020B0604020202020204" pitchFamily="34" charset="0"/>
-              </a:rPr>
-              <a:t>entropy requires </a:t>
-            </a:r>
-            <a:r>
-              <a:rPr lang="en-US" sz="2000" dirty="0">
-                <a:latin typeface="Arial" panose="020B0604020202020204" pitchFamily="34" charset="0"/>
-                <a:cs typeface="Arial" panose="020B0604020202020204" pitchFamily="34" charset="0"/>
-              </a:rPr>
-              <a:t>2</a:t>
+              <a:t>What we want to show is that the expected effort to “recreate” the machine state to successfully reproduce the execution jitter purporting to provide n bits of entropy requires 2</a:t>
             </a:r>
             <a:r>
               <a:rPr lang="en-US" sz="2000" baseline="30000" dirty="0">
@@ -22017,14 +22104,14 @@
           <p:nvPr>
             <p:extLst>
               <p:ext uri="{D42A27DB-BD31-4B8C-83A1-F6EECF244321}">
-                <p14:modId xmlns:p14="http://schemas.microsoft.com/office/powerpoint/2010/main" val="2132829059"/>
+                <p14:modId xmlns:p14="http://schemas.microsoft.com/office/powerpoint/2010/main" val="1700176014"/>
               </p:ext>
             </p:extLst>
           </p:nvPr>
         </p:nvGraphicFramePr>
         <p:xfrm>
-          <a:off x="457200" y="1676414"/>
-          <a:ext cx="8153400" cy="4267185"/>
+          <a:off x="1447800" y="1295399"/>
+          <a:ext cx="6629400" cy="5056201"/>
         </p:xfrm>
         <a:graphic>
           <a:graphicData uri="http://schemas.openxmlformats.org/drawingml/2006/table">
@@ -22033,14 +22120,14 @@
                 <a:tableStyleId>{5C22544A-7EE6-4342-B048-85BDC9FD1C3A}</a:tableStyleId>
               </a:tblPr>
               <a:tblGrid>
-                <a:gridCol w="4191000">
+                <a:gridCol w="2763187">
                   <a:extLst>
                     <a:ext uri="{9D8B030D-6E8A-4147-A177-3AD203B41FA5}">
                       <a16:colId xmlns:a16="http://schemas.microsoft.com/office/drawing/2014/main" val="191467620"/>
                     </a:ext>
                   </a:extLst>
                 </a:gridCol>
-                <a:gridCol w="3962400">
+                <a:gridCol w="3866213">
                   <a:extLst>
                     <a:ext uri="{9D8B030D-6E8A-4147-A177-3AD203B41FA5}">
                       <a16:colId xmlns:a16="http://schemas.microsoft.com/office/drawing/2014/main" val="1193095984"/>
@@ -22048,13 +22135,13 @@
                   </a:extLst>
                 </a:gridCol>
               </a:tblGrid>
-              <a:tr h="284479">
+              <a:tr h="308284">
                 <a:tc>
                   <a:txBody>
                     <a:bodyPr/>
                     <a:lstStyle/>
                     <a:p>
-                      <a:pPr marL="0" marR="0">
+                      <a:pPr marL="0" marR="0" algn="r">
                         <a:spcBef>
                           <a:spcPts val="0"/>
                         </a:spcBef>
@@ -22063,22 +22150,24 @@
                         </a:spcAft>
                       </a:pPr>
                       <a:r>
-                        <a:rPr lang="en-US" sz="1200" dirty="0">
+                        <a:rPr lang="en-US" sz="1600" dirty="0">
                           <a:solidFill>
                             <a:schemeClr val="tx1"/>
                           </a:solidFill>
                           <a:effectLst/>
+                          <a:latin typeface="Calibri" panose="020F0502020204030204" pitchFamily="34" charset="0"/>
+                          <a:cs typeface="Calibri" panose="020F0502020204030204" pitchFamily="34" charset="0"/>
                         </a:rPr>
                         <a:t>Feature</a:t>
                       </a:r>
-                      <a:endParaRPr lang="en-US" sz="1200" dirty="0">
+                      <a:endParaRPr lang="en-US" sz="1600" dirty="0">
                         <a:solidFill>
                           <a:schemeClr val="tx1"/>
                         </a:solidFill>
                         <a:effectLst/>
                         <a:latin typeface="Calibri" panose="020F0502020204030204" pitchFamily="34" charset="0"/>
                         <a:ea typeface="DengXian" panose="02010600030101010101" pitchFamily="2" charset="-122"/>
-                        <a:cs typeface="Arial" panose="020B0604020202020204" pitchFamily="34" charset="0"/>
+                        <a:cs typeface="Calibri" panose="020F0502020204030204" pitchFamily="34" charset="0"/>
                       </a:endParaRPr>
                     </a:p>
                   </a:txBody>
@@ -22089,7 +22178,7 @@
                     <a:bodyPr/>
                     <a:lstStyle/>
                     <a:p>
-                      <a:pPr marL="0" marR="0">
+                      <a:pPr marL="0" marR="0" algn="r">
                         <a:spcBef>
                           <a:spcPts val="0"/>
                         </a:spcBef>
@@ -22098,22 +22187,24 @@
                         </a:spcAft>
                       </a:pPr>
                       <a:r>
-                        <a:rPr lang="en-US" sz="1200" dirty="0">
+                        <a:rPr lang="en-US" sz="1600" dirty="0">
                           <a:solidFill>
                             <a:schemeClr val="tx1"/>
                           </a:solidFill>
                           <a:effectLst/>
+                          <a:latin typeface="Calibri" panose="020F0502020204030204" pitchFamily="34" charset="0"/>
+                          <a:cs typeface="Calibri" panose="020F0502020204030204" pitchFamily="34" charset="0"/>
                         </a:rPr>
                         <a:t>Core i7</a:t>
                       </a:r>
-                      <a:endParaRPr lang="en-US" sz="1200" dirty="0">
+                      <a:endParaRPr lang="en-US" sz="1600" dirty="0">
                         <a:solidFill>
                           <a:schemeClr val="tx1"/>
                         </a:solidFill>
                         <a:effectLst/>
                         <a:latin typeface="Calibri" panose="020F0502020204030204" pitchFamily="34" charset="0"/>
                         <a:ea typeface="DengXian" panose="02010600030101010101" pitchFamily="2" charset="-122"/>
-                        <a:cs typeface="Arial" panose="020B0604020202020204" pitchFamily="34" charset="0"/>
+                        <a:cs typeface="Calibri" panose="020F0502020204030204" pitchFamily="34" charset="0"/>
                       </a:endParaRPr>
                     </a:p>
                   </a:txBody>
@@ -22125,13 +22216,13 @@
                   </a:ext>
                 </a:extLst>
               </a:tr>
-              <a:tr h="284479">
+              <a:tr h="308284">
                 <a:tc>
                   <a:txBody>
                     <a:bodyPr/>
                     <a:lstStyle/>
                     <a:p>
-                      <a:pPr marL="0" marR="0">
+                      <a:pPr marL="0" marR="0" algn="r">
                         <a:spcBef>
                           <a:spcPts val="0"/>
                         </a:spcBef>
@@ -22140,27 +22231,25 @@
                         </a:spcAft>
                       </a:pPr>
                       <a:r>
-                        <a:rPr lang="en-US" sz="1200" b="0">
+                        <a:rPr lang="en-US" sz="1600" b="0" dirty="0">
                           <a:solidFill>
                             <a:schemeClr val="tx1"/>
                           </a:solidFill>
                           <a:effectLst/>
+                          <a:latin typeface="Calibri" panose="020F0502020204030204" pitchFamily="34" charset="0"/>
+                          <a:ea typeface="DengXian" panose="02010600030101010101" pitchFamily="2" charset="-122"/>
+                          <a:cs typeface="Calibri" panose="020F0502020204030204" pitchFamily="34" charset="0"/>
                         </a:rPr>
-                        <a:t>Pipeline</a:t>
+                        <a:t>Number of cores</a:t>
                       </a:r>
-                      <a:endParaRPr lang="en-US" sz="1200" b="0">
-                        <a:solidFill>
-                          <a:schemeClr val="tx1"/>
-                        </a:solidFill>
-                        <a:effectLst/>
-                        <a:latin typeface="Calibri" panose="020F0502020204030204" pitchFamily="34" charset="0"/>
-                        <a:ea typeface="DengXian" panose="02010600030101010101" pitchFamily="2" charset="-122"/>
-                        <a:cs typeface="Arial" panose="020B0604020202020204" pitchFamily="34" charset="0"/>
-                      </a:endParaRPr>
                     </a:p>
                   </a:txBody>
                   <a:tcPr marL="68580" marR="68580" marT="0" marB="0">
-                    <a:noFill/>
+                    <a:solidFill>
+                      <a:schemeClr val="accent1">
+                        <a:alpha val="50000"/>
+                      </a:schemeClr>
+                    </a:solidFill>
                   </a:tcPr>
                 </a:tc>
                 <a:tc>
@@ -22168,7 +22257,7 @@
                     <a:bodyPr/>
                     <a:lstStyle/>
                     <a:p>
-                      <a:pPr marL="0" marR="0">
+                      <a:pPr marL="0" marR="0" algn="r">
                         <a:spcBef>
                           <a:spcPts val="0"/>
                         </a:spcBef>
@@ -22177,16 +22266,94 @@
                         </a:spcAft>
                       </a:pPr>
                       <a:r>
-                        <a:rPr lang="en-US" sz="1200">
+                        <a:rPr lang="en-US" sz="1600" dirty="0">
                           <a:effectLst/>
+                          <a:latin typeface="Calibri" panose="020F0502020204030204" pitchFamily="34" charset="0"/>
+                          <a:ea typeface="DengXian" panose="02010600030101010101" pitchFamily="2" charset="-122"/>
+                          <a:cs typeface="Calibri" panose="020F0502020204030204" pitchFamily="34" charset="0"/>
+                        </a:rPr>
+                        <a:t>4 (each core hyperthreaded)</a:t>
+                      </a:r>
+                    </a:p>
+                  </a:txBody>
+                  <a:tcPr marL="68580" marR="68580" marT="0" marB="0"/>
+                </a:tc>
+                <a:extLst>
+                  <a:ext uri="{0D108BD9-81ED-4DB2-BD59-A6C34878D82A}">
+                    <a16:rowId xmlns:a16="http://schemas.microsoft.com/office/drawing/2014/main" val="3220837711"/>
+                  </a:ext>
+                </a:extLst>
+              </a:tr>
+              <a:tr h="308284">
+                <a:tc>
+                  <a:txBody>
+                    <a:bodyPr/>
+                    <a:lstStyle/>
+                    <a:p>
+                      <a:pPr marL="0" marR="0" algn="r">
+                        <a:spcBef>
+                          <a:spcPts val="0"/>
+                        </a:spcBef>
+                        <a:spcAft>
+                          <a:spcPts val="0"/>
+                        </a:spcAft>
+                      </a:pPr>
+                      <a:r>
+                        <a:rPr lang="en-US" sz="1600" b="0" dirty="0">
+                          <a:solidFill>
+                            <a:schemeClr val="tx1"/>
+                          </a:solidFill>
+                          <a:effectLst/>
+                          <a:latin typeface="Calibri" panose="020F0502020204030204" pitchFamily="34" charset="0"/>
+                          <a:cs typeface="Calibri" panose="020F0502020204030204" pitchFamily="34" charset="0"/>
+                        </a:rPr>
+                        <a:t>Pipeline</a:t>
+                      </a:r>
+                      <a:endParaRPr lang="en-US" sz="1600" b="0" dirty="0">
+                        <a:solidFill>
+                          <a:schemeClr val="tx1"/>
+                        </a:solidFill>
+                        <a:effectLst/>
+                        <a:latin typeface="Calibri" panose="020F0502020204030204" pitchFamily="34" charset="0"/>
+                        <a:ea typeface="DengXian" panose="02010600030101010101" pitchFamily="2" charset="-122"/>
+                        <a:cs typeface="Calibri" panose="020F0502020204030204" pitchFamily="34" charset="0"/>
+                      </a:endParaRPr>
+                    </a:p>
+                  </a:txBody>
+                  <a:tcPr marL="68580" marR="68580" marT="0" marB="0">
+                    <a:solidFill>
+                      <a:schemeClr val="accent1">
+                        <a:alpha val="50000"/>
+                      </a:schemeClr>
+                    </a:solidFill>
+                  </a:tcPr>
+                </a:tc>
+                <a:tc>
+                  <a:txBody>
+                    <a:bodyPr/>
+                    <a:lstStyle/>
+                    <a:p>
+                      <a:pPr marL="0" marR="0" algn="r">
+                        <a:spcBef>
+                          <a:spcPts val="0"/>
+                        </a:spcBef>
+                        <a:spcAft>
+                          <a:spcPts val="0"/>
+                        </a:spcAft>
+                      </a:pPr>
+                      <a:r>
+                        <a:rPr lang="en-US" sz="1600" dirty="0" err="1">
+                          <a:effectLst/>
+                          <a:latin typeface="Calibri" panose="020F0502020204030204" pitchFamily="34" charset="0"/>
+                          <a:cs typeface="Calibri" panose="020F0502020204030204" pitchFamily="34" charset="0"/>
                         </a:rPr>
                         <a:t>OoO</a:t>
                       </a:r>
-                      <a:endParaRPr lang="en-US" sz="1200">
+                      <a:endParaRPr lang="en-US" sz="1600" dirty="0">
                         <a:effectLst/>
                         <a:latin typeface="Calibri" panose="020F0502020204030204" pitchFamily="34" charset="0"/>
                         <a:ea typeface="DengXian" panose="02010600030101010101" pitchFamily="2" charset="-122"/>
-                        <a:cs typeface="Arial" panose="020B0604020202020204" pitchFamily="34" charset="0"/>
+                        <a:cs typeface="Calibri" panose="020F0502020204030204" pitchFamily="34" charset="0"/>
                       </a:endParaRPr>
                     </a:p>
                   </a:txBody>
@@ -22198,13 +22365,13 @@
                   </a:ext>
                 </a:extLst>
               </a:tr>
-              <a:tr h="284479">
+              <a:tr h="308284">
                 <a:tc>
                   <a:txBody>
                     <a:bodyPr/>
                     <a:lstStyle/>
                     <a:p>
-                      <a:pPr marL="0" marR="0">
+                      <a:pPr marL="0" marR="0" algn="r">
                         <a:spcBef>
                           <a:spcPts val="0"/>
                         </a:spcBef>
@@ -22213,27 +22380,33 @@
                         </a:spcAft>
                       </a:pPr>
                       <a:r>
-                        <a:rPr lang="en-US" sz="1200" b="0">
+                        <a:rPr lang="en-US" sz="1600" b="0" dirty="0">
                           <a:solidFill>
                             <a:schemeClr val="tx1"/>
                           </a:solidFill>
                           <a:effectLst/>
+                          <a:latin typeface="Calibri" panose="020F0502020204030204" pitchFamily="34" charset="0"/>
+                          <a:cs typeface="Calibri" panose="020F0502020204030204" pitchFamily="34" charset="0"/>
                         </a:rPr>
                         <a:t>Number of stages</a:t>
                       </a:r>
-                      <a:endParaRPr lang="en-US" sz="1200" b="0">
+                      <a:endParaRPr lang="en-US" sz="1600" b="0" dirty="0">
                         <a:solidFill>
                           <a:schemeClr val="tx1"/>
                         </a:solidFill>
                         <a:effectLst/>
                         <a:latin typeface="Calibri" panose="020F0502020204030204" pitchFamily="34" charset="0"/>
                         <a:ea typeface="DengXian" panose="02010600030101010101" pitchFamily="2" charset="-122"/>
-                        <a:cs typeface="Arial" panose="020B0604020202020204" pitchFamily="34" charset="0"/>
+                        <a:cs typeface="Calibri" panose="020F0502020204030204" pitchFamily="34" charset="0"/>
                       </a:endParaRPr>
                     </a:p>
                   </a:txBody>
                   <a:tcPr marL="68580" marR="68580" marT="0" marB="0">
-                    <a:noFill/>
+                    <a:solidFill>
+                      <a:schemeClr val="accent1">
+                        <a:alpha val="50000"/>
+                      </a:schemeClr>
+                    </a:solidFill>
                   </a:tcPr>
                 </a:tc>
                 <a:tc>
@@ -22241,7 +22414,7 @@
                     <a:bodyPr/>
                     <a:lstStyle/>
                     <a:p>
-                      <a:pPr marL="0" marR="0">
+                      <a:pPr marL="0" marR="0" algn="r">
                         <a:spcBef>
                           <a:spcPts val="0"/>
                         </a:spcBef>
@@ -22250,16 +22423,18 @@
                         </a:spcAft>
                       </a:pPr>
                       <a:r>
-                        <a:rPr lang="en-US" sz="1200">
+                        <a:rPr lang="en-US" sz="1600" dirty="0">
                           <a:effectLst/>
+                          <a:latin typeface="Calibri" panose="020F0502020204030204" pitchFamily="34" charset="0"/>
+                          <a:cs typeface="Calibri" panose="020F0502020204030204" pitchFamily="34" charset="0"/>
                         </a:rPr>
                         <a:t>19</a:t>
                       </a:r>
-                      <a:endParaRPr lang="en-US" sz="1200">
+                      <a:endParaRPr lang="en-US" sz="1600" dirty="0">
                         <a:effectLst/>
                         <a:latin typeface="Calibri" panose="020F0502020204030204" pitchFamily="34" charset="0"/>
                         <a:ea typeface="DengXian" panose="02010600030101010101" pitchFamily="2" charset="-122"/>
-                        <a:cs typeface="Arial" panose="020B0604020202020204" pitchFamily="34" charset="0"/>
+                        <a:cs typeface="Calibri" panose="020F0502020204030204" pitchFamily="34" charset="0"/>
                       </a:endParaRPr>
                     </a:p>
                   </a:txBody>
@@ -22271,13 +22446,13 @@
                   </a:ext>
                 </a:extLst>
               </a:tr>
-              <a:tr h="284479">
+              <a:tr h="308284">
                 <a:tc>
                   <a:txBody>
                     <a:bodyPr/>
                     <a:lstStyle/>
                     <a:p>
-                      <a:pPr marL="0" marR="0">
+                      <a:pPr marL="0" marR="0" algn="r">
                         <a:spcBef>
                           <a:spcPts val="0"/>
                         </a:spcBef>
@@ -22286,27 +22461,33 @@
                         </a:spcAft>
                       </a:pPr>
                       <a:r>
-                        <a:rPr lang="en-US" sz="1200" b="0">
+                        <a:rPr lang="en-US" sz="1600" b="0" dirty="0">
                           <a:solidFill>
                             <a:schemeClr val="tx1"/>
                           </a:solidFill>
                           <a:effectLst/>
+                          <a:latin typeface="Calibri" panose="020F0502020204030204" pitchFamily="34" charset="0"/>
+                          <a:cs typeface="Calibri" panose="020F0502020204030204" pitchFamily="34" charset="0"/>
                         </a:rPr>
                         <a:t>Width of fetch</a:t>
                       </a:r>
-                      <a:endParaRPr lang="en-US" sz="1200" b="0">
+                      <a:endParaRPr lang="en-US" sz="1600" b="0" dirty="0">
                         <a:solidFill>
                           <a:schemeClr val="tx1"/>
                         </a:solidFill>
                         <a:effectLst/>
                         <a:latin typeface="Calibri" panose="020F0502020204030204" pitchFamily="34" charset="0"/>
                         <a:ea typeface="DengXian" panose="02010600030101010101" pitchFamily="2" charset="-122"/>
-                        <a:cs typeface="Arial" panose="020B0604020202020204" pitchFamily="34" charset="0"/>
+                        <a:cs typeface="Calibri" panose="020F0502020204030204" pitchFamily="34" charset="0"/>
                       </a:endParaRPr>
                     </a:p>
                   </a:txBody>
                   <a:tcPr marL="68580" marR="68580" marT="0" marB="0">
-                    <a:noFill/>
+                    <a:solidFill>
+                      <a:schemeClr val="accent1">
+                        <a:alpha val="50000"/>
+                      </a:schemeClr>
+                    </a:solidFill>
                   </a:tcPr>
                 </a:tc>
                 <a:tc>
@@ -22314,7 +22495,7 @@
                     <a:bodyPr/>
                     <a:lstStyle/>
                     <a:p>
-                      <a:pPr marL="0" marR="0">
+                      <a:pPr marL="0" marR="0" algn="r">
                         <a:spcBef>
                           <a:spcPts val="0"/>
                         </a:spcBef>
@@ -22323,16 +22504,18 @@
                         </a:spcAft>
                       </a:pPr>
                       <a:r>
-                        <a:rPr lang="en-US" sz="1200">
+                        <a:rPr lang="en-US" sz="1600" dirty="0">
                           <a:effectLst/>
+                          <a:latin typeface="Calibri" panose="020F0502020204030204" pitchFamily="34" charset="0"/>
+                          <a:cs typeface="Calibri" panose="020F0502020204030204" pitchFamily="34" charset="0"/>
                         </a:rPr>
                         <a:t>6 instructions</a:t>
                       </a:r>
-                      <a:endParaRPr lang="en-US" sz="1200">
+                      <a:endParaRPr lang="en-US" sz="1600" dirty="0">
                         <a:effectLst/>
                         <a:latin typeface="Calibri" panose="020F0502020204030204" pitchFamily="34" charset="0"/>
                         <a:ea typeface="DengXian" panose="02010600030101010101" pitchFamily="2" charset="-122"/>
-                        <a:cs typeface="Arial" panose="020B0604020202020204" pitchFamily="34" charset="0"/>
+                        <a:cs typeface="Calibri" panose="020F0502020204030204" pitchFamily="34" charset="0"/>
                       </a:endParaRPr>
                     </a:p>
                   </a:txBody>
@@ -22344,13 +22527,13 @@
                   </a:ext>
                 </a:extLst>
               </a:tr>
-              <a:tr h="284479">
+              <a:tr h="308284">
                 <a:tc>
                   <a:txBody>
                     <a:bodyPr/>
                     <a:lstStyle/>
                     <a:p>
-                      <a:pPr marL="0" marR="0">
+                      <a:pPr marL="0" marR="0" algn="r">
                         <a:spcBef>
                           <a:spcPts val="0"/>
                         </a:spcBef>
@@ -22359,27 +22542,33 @@
                         </a:spcAft>
                       </a:pPr>
                       <a:r>
-                        <a:rPr lang="en-US" sz="1200" b="0">
+                        <a:rPr lang="en-US" sz="1600" b="0">
                           <a:solidFill>
                             <a:schemeClr val="tx1"/>
                           </a:solidFill>
                           <a:effectLst/>
+                          <a:latin typeface="Calibri" panose="020F0502020204030204" pitchFamily="34" charset="0"/>
+                          <a:cs typeface="Calibri" panose="020F0502020204030204" pitchFamily="34" charset="0"/>
                         </a:rPr>
                         <a:t>Width of decode</a:t>
                       </a:r>
-                      <a:endParaRPr lang="en-US" sz="1200" b="0">
+                      <a:endParaRPr lang="en-US" sz="1600" b="0">
                         <a:solidFill>
                           <a:schemeClr val="tx1"/>
                         </a:solidFill>
                         <a:effectLst/>
                         <a:latin typeface="Calibri" panose="020F0502020204030204" pitchFamily="34" charset="0"/>
                         <a:ea typeface="DengXian" panose="02010600030101010101" pitchFamily="2" charset="-122"/>
-                        <a:cs typeface="Arial" panose="020B0604020202020204" pitchFamily="34" charset="0"/>
+                        <a:cs typeface="Calibri" panose="020F0502020204030204" pitchFamily="34" charset="0"/>
                       </a:endParaRPr>
                     </a:p>
                   </a:txBody>
                   <a:tcPr marL="68580" marR="68580" marT="0" marB="0">
-                    <a:noFill/>
+                    <a:solidFill>
+                      <a:schemeClr val="accent1">
+                        <a:alpha val="50000"/>
+                      </a:schemeClr>
+                    </a:solidFill>
                   </a:tcPr>
                 </a:tc>
                 <a:tc>
@@ -22387,7 +22576,7 @@
                     <a:bodyPr/>
                     <a:lstStyle/>
                     <a:p>
-                      <a:pPr marL="0" marR="0">
+                      <a:pPr marL="0" marR="0" algn="r">
                         <a:spcBef>
                           <a:spcPts val="0"/>
                         </a:spcBef>
@@ -22396,16 +22585,18 @@
                         </a:spcAft>
                       </a:pPr>
                       <a:r>
-                        <a:rPr lang="en-US" sz="1200">
+                        <a:rPr lang="en-US" sz="1600" dirty="0">
                           <a:effectLst/>
+                          <a:latin typeface="Calibri" panose="020F0502020204030204" pitchFamily="34" charset="0"/>
+                          <a:cs typeface="Calibri" panose="020F0502020204030204" pitchFamily="34" charset="0"/>
                         </a:rPr>
                         <a:t>4-7 fused u-ops</a:t>
                       </a:r>
-                      <a:endParaRPr lang="en-US" sz="1200">
+                      <a:endParaRPr lang="en-US" sz="1600" dirty="0">
                         <a:effectLst/>
                         <a:latin typeface="Calibri" panose="020F0502020204030204" pitchFamily="34" charset="0"/>
                         <a:ea typeface="DengXian" panose="02010600030101010101" pitchFamily="2" charset="-122"/>
-                        <a:cs typeface="Arial" panose="020B0604020202020204" pitchFamily="34" charset="0"/>
+                        <a:cs typeface="Calibri" panose="020F0502020204030204" pitchFamily="34" charset="0"/>
                       </a:endParaRPr>
                     </a:p>
                   </a:txBody>
@@ -22417,13 +22608,13 @@
                   </a:ext>
                 </a:extLst>
               </a:tr>
-              <a:tr h="284479">
+              <a:tr h="308284">
                 <a:tc>
                   <a:txBody>
                     <a:bodyPr/>
                     <a:lstStyle/>
                     <a:p>
-                      <a:pPr marL="0" marR="0">
+                      <a:pPr marL="0" marR="0" algn="r">
                         <a:spcBef>
                           <a:spcPts val="0"/>
                         </a:spcBef>
@@ -22432,27 +22623,33 @@
                         </a:spcAft>
                       </a:pPr>
                       <a:r>
-                        <a:rPr lang="en-US" sz="1200" b="0">
+                        <a:rPr lang="en-US" sz="1600" b="0">
                           <a:solidFill>
                             <a:schemeClr val="tx1"/>
                           </a:solidFill>
                           <a:effectLst/>
+                          <a:latin typeface="Calibri" panose="020F0502020204030204" pitchFamily="34" charset="0"/>
+                          <a:cs typeface="Calibri" panose="020F0502020204030204" pitchFamily="34" charset="0"/>
                         </a:rPr>
                         <a:t>Size of decode queue</a:t>
                       </a:r>
-                      <a:endParaRPr lang="en-US" sz="1200" b="0">
+                      <a:endParaRPr lang="en-US" sz="1600" b="0">
                         <a:solidFill>
                           <a:schemeClr val="tx1"/>
                         </a:solidFill>
                         <a:effectLst/>
                         <a:latin typeface="Calibri" panose="020F0502020204030204" pitchFamily="34" charset="0"/>
                         <a:ea typeface="DengXian" panose="02010600030101010101" pitchFamily="2" charset="-122"/>
-                        <a:cs typeface="Arial" panose="020B0604020202020204" pitchFamily="34" charset="0"/>
+                        <a:cs typeface="Calibri" panose="020F0502020204030204" pitchFamily="34" charset="0"/>
                       </a:endParaRPr>
                     </a:p>
                   </a:txBody>
                   <a:tcPr marL="68580" marR="68580" marT="0" marB="0">
-                    <a:noFill/>
+                    <a:solidFill>
+                      <a:schemeClr val="accent1">
+                        <a:alpha val="50000"/>
+                      </a:schemeClr>
+                    </a:solidFill>
                   </a:tcPr>
                 </a:tc>
                 <a:tc>
@@ -22460,7 +22657,7 @@
                     <a:bodyPr/>
                     <a:lstStyle/>
                     <a:p>
-                      <a:pPr marL="0" marR="0">
+                      <a:pPr marL="0" marR="0" algn="r">
                         <a:spcBef>
                           <a:spcPts val="0"/>
                         </a:spcBef>
@@ -22469,16 +22666,18 @@
                         </a:spcAft>
                       </a:pPr>
                       <a:r>
-                        <a:rPr lang="en-US" sz="1200">
+                        <a:rPr lang="en-US" sz="1600" dirty="0">
                           <a:effectLst/>
+                          <a:latin typeface="Calibri" panose="020F0502020204030204" pitchFamily="34" charset="0"/>
+                          <a:cs typeface="Calibri" panose="020F0502020204030204" pitchFamily="34" charset="0"/>
                         </a:rPr>
                         <a:t>56 entries</a:t>
                       </a:r>
-                      <a:endParaRPr lang="en-US" sz="1200">
+                      <a:endParaRPr lang="en-US" sz="1600" dirty="0">
                         <a:effectLst/>
                         <a:latin typeface="Calibri" panose="020F0502020204030204" pitchFamily="34" charset="0"/>
                         <a:ea typeface="DengXian" panose="02010600030101010101" pitchFamily="2" charset="-122"/>
-                        <a:cs typeface="Arial" panose="020B0604020202020204" pitchFamily="34" charset="0"/>
+                        <a:cs typeface="Calibri" panose="020F0502020204030204" pitchFamily="34" charset="0"/>
                       </a:endParaRPr>
                     </a:p>
                   </a:txBody>
@@ -22490,13 +22689,13 @@
                   </a:ext>
                 </a:extLst>
               </a:tr>
-              <a:tr h="284479">
+              <a:tr h="308284">
                 <a:tc>
                   <a:txBody>
                     <a:bodyPr/>
                     <a:lstStyle/>
                     <a:p>
-                      <a:pPr marL="0" marR="0">
+                      <a:pPr marL="0" marR="0" algn="r">
                         <a:spcBef>
                           <a:spcPts val="0"/>
                         </a:spcBef>
@@ -22505,27 +22704,33 @@
                         </a:spcAft>
                       </a:pPr>
                       <a:r>
-                        <a:rPr lang="en-US" sz="1200" b="0">
+                        <a:rPr lang="en-US" sz="1600" b="0">
                           <a:solidFill>
                             <a:schemeClr val="tx1"/>
                           </a:solidFill>
                           <a:effectLst/>
+                          <a:latin typeface="Calibri" panose="020F0502020204030204" pitchFamily="34" charset="0"/>
+                          <a:cs typeface="Calibri" panose="020F0502020204030204" pitchFamily="34" charset="0"/>
                         </a:rPr>
                         <a:t>Width of reissue/rename</a:t>
                       </a:r>
-                      <a:endParaRPr lang="en-US" sz="1200" b="0">
+                      <a:endParaRPr lang="en-US" sz="1600" b="0">
                         <a:solidFill>
                           <a:schemeClr val="tx1"/>
                         </a:solidFill>
                         <a:effectLst/>
                         <a:latin typeface="Calibri" panose="020F0502020204030204" pitchFamily="34" charset="0"/>
                         <a:ea typeface="DengXian" panose="02010600030101010101" pitchFamily="2" charset="-122"/>
-                        <a:cs typeface="Arial" panose="020B0604020202020204" pitchFamily="34" charset="0"/>
+                        <a:cs typeface="Calibri" panose="020F0502020204030204" pitchFamily="34" charset="0"/>
                       </a:endParaRPr>
                     </a:p>
                   </a:txBody>
                   <a:tcPr marL="68580" marR="68580" marT="0" marB="0">
-                    <a:noFill/>
+                    <a:solidFill>
+                      <a:schemeClr val="accent1">
+                        <a:alpha val="50000"/>
+                      </a:schemeClr>
+                    </a:solidFill>
                   </a:tcPr>
                 </a:tc>
                 <a:tc>
@@ -22533,7 +22738,7 @@
                     <a:bodyPr/>
                     <a:lstStyle/>
                     <a:p>
-                      <a:pPr marL="0" marR="0">
+                      <a:pPr marL="0" marR="0" algn="r">
                         <a:spcBef>
                           <a:spcPts val="0"/>
                         </a:spcBef>
@@ -22542,16 +22747,18 @@
                         </a:spcAft>
                       </a:pPr>
                       <a:r>
-                        <a:rPr lang="en-US" sz="1200" dirty="0">
+                        <a:rPr lang="en-US" sz="1600" dirty="0">
                           <a:effectLst/>
+                          <a:latin typeface="Calibri" panose="020F0502020204030204" pitchFamily="34" charset="0"/>
+                          <a:cs typeface="Calibri" panose="020F0502020204030204" pitchFamily="34" charset="0"/>
                         </a:rPr>
                         <a:t>4 fused u-ops</a:t>
                       </a:r>
-                      <a:endParaRPr lang="en-US" sz="1200" dirty="0">
+                      <a:endParaRPr lang="en-US" sz="1600" dirty="0">
                         <a:effectLst/>
                         <a:latin typeface="Calibri" panose="020F0502020204030204" pitchFamily="34" charset="0"/>
                         <a:ea typeface="DengXian" panose="02010600030101010101" pitchFamily="2" charset="-122"/>
-                        <a:cs typeface="Arial" panose="020B0604020202020204" pitchFamily="34" charset="0"/>
+                        <a:cs typeface="Calibri" panose="020F0502020204030204" pitchFamily="34" charset="0"/>
                       </a:endParaRPr>
                     </a:p>
                   </a:txBody>
@@ -22563,13 +22770,13 @@
                   </a:ext>
                 </a:extLst>
               </a:tr>
-              <a:tr h="284479">
+              <a:tr h="308284">
                 <a:tc>
                   <a:txBody>
                     <a:bodyPr/>
                     <a:lstStyle/>
                     <a:p>
-                      <a:pPr marL="0" marR="0">
+                      <a:pPr marL="0" marR="0" algn="r">
                         <a:spcBef>
                           <a:spcPts val="0"/>
                         </a:spcBef>
@@ -22578,27 +22785,33 @@
                         </a:spcAft>
                       </a:pPr>
                       <a:r>
-                        <a:rPr lang="en-US" sz="1200" b="0">
+                        <a:rPr lang="en-US" sz="1600" b="0">
                           <a:solidFill>
                             <a:schemeClr val="tx1"/>
                           </a:solidFill>
                           <a:effectLst/>
+                          <a:latin typeface="Calibri" panose="020F0502020204030204" pitchFamily="34" charset="0"/>
+                          <a:cs typeface="Calibri" panose="020F0502020204030204" pitchFamily="34" charset="0"/>
                         </a:rPr>
                         <a:t>Width of dispatch</a:t>
                       </a:r>
-                      <a:endParaRPr lang="en-US" sz="1200" b="0">
+                      <a:endParaRPr lang="en-US" sz="1600" b="0">
                         <a:solidFill>
                           <a:schemeClr val="tx1"/>
                         </a:solidFill>
                         <a:effectLst/>
                         <a:latin typeface="Calibri" panose="020F0502020204030204" pitchFamily="34" charset="0"/>
                         <a:ea typeface="DengXian" panose="02010600030101010101" pitchFamily="2" charset="-122"/>
-                        <a:cs typeface="Arial" panose="020B0604020202020204" pitchFamily="34" charset="0"/>
+                        <a:cs typeface="Calibri" panose="020F0502020204030204" pitchFamily="34" charset="0"/>
                       </a:endParaRPr>
                     </a:p>
                   </a:txBody>
                   <a:tcPr marL="68580" marR="68580" marT="0" marB="0">
-                    <a:noFill/>
+                    <a:solidFill>
+                      <a:schemeClr val="accent1">
+                        <a:alpha val="50000"/>
+                      </a:schemeClr>
+                    </a:solidFill>
                   </a:tcPr>
                 </a:tc>
                 <a:tc>
@@ -22606,7 +22819,7 @@
                     <a:bodyPr/>
                     <a:lstStyle/>
                     <a:p>
-                      <a:pPr marL="0" marR="0">
+                      <a:pPr marL="0" marR="0" algn="r">
                         <a:spcBef>
                           <a:spcPts val="0"/>
                         </a:spcBef>
@@ -22615,16 +22828,18 @@
                         </a:spcAft>
                       </a:pPr>
                       <a:r>
-                        <a:rPr lang="en-US" sz="1200" dirty="0">
+                        <a:rPr lang="en-US" sz="1600" dirty="0">
                           <a:effectLst/>
+                          <a:latin typeface="Calibri" panose="020F0502020204030204" pitchFamily="34" charset="0"/>
+                          <a:cs typeface="Calibri" panose="020F0502020204030204" pitchFamily="34" charset="0"/>
                         </a:rPr>
                         <a:t>8 u ops</a:t>
                       </a:r>
-                      <a:endParaRPr lang="en-US" sz="1200" dirty="0">
+                      <a:endParaRPr lang="en-US" sz="1600" dirty="0">
                         <a:effectLst/>
                         <a:latin typeface="Calibri" panose="020F0502020204030204" pitchFamily="34" charset="0"/>
                         <a:ea typeface="DengXian" panose="02010600030101010101" pitchFamily="2" charset="-122"/>
-                        <a:cs typeface="Arial" panose="020B0604020202020204" pitchFamily="34" charset="0"/>
+                        <a:cs typeface="Calibri" panose="020F0502020204030204" pitchFamily="34" charset="0"/>
                       </a:endParaRPr>
                     </a:p>
                   </a:txBody>
@@ -22636,13 +22851,13 @@
                   </a:ext>
                 </a:extLst>
               </a:tr>
-              <a:tr h="284479">
+              <a:tr h="308284">
                 <a:tc>
                   <a:txBody>
                     <a:bodyPr/>
                     <a:lstStyle/>
                     <a:p>
-                      <a:pPr marL="0" marR="0">
+                      <a:pPr marL="0" marR="0" algn="r">
                         <a:spcBef>
                           <a:spcPts val="0"/>
                         </a:spcBef>
@@ -22651,27 +22866,33 @@
                         </a:spcAft>
                       </a:pPr>
                       <a:r>
-                        <a:rPr lang="en-US" sz="1200" b="0">
+                        <a:rPr lang="en-US" sz="1600" b="0">
                           <a:solidFill>
                             <a:schemeClr val="tx1"/>
                           </a:solidFill>
                           <a:effectLst/>
+                          <a:latin typeface="Calibri" panose="020F0502020204030204" pitchFamily="34" charset="0"/>
+                          <a:cs typeface="Calibri" panose="020F0502020204030204" pitchFamily="34" charset="0"/>
                         </a:rPr>
                         <a:t>Width of commit</a:t>
                       </a:r>
-                      <a:endParaRPr lang="en-US" sz="1200" b="0">
+                      <a:endParaRPr lang="en-US" sz="1600" b="0">
                         <a:solidFill>
                           <a:schemeClr val="tx1"/>
                         </a:solidFill>
                         <a:effectLst/>
                         <a:latin typeface="Calibri" panose="020F0502020204030204" pitchFamily="34" charset="0"/>
                         <a:ea typeface="DengXian" panose="02010600030101010101" pitchFamily="2" charset="-122"/>
-                        <a:cs typeface="Arial" panose="020B0604020202020204" pitchFamily="34" charset="0"/>
+                        <a:cs typeface="Calibri" panose="020F0502020204030204" pitchFamily="34" charset="0"/>
                       </a:endParaRPr>
                     </a:p>
                   </a:txBody>
                   <a:tcPr marL="68580" marR="68580" marT="0" marB="0">
-                    <a:noFill/>
+                    <a:solidFill>
+                      <a:schemeClr val="accent1">
+                        <a:alpha val="50000"/>
+                      </a:schemeClr>
+                    </a:solidFill>
                   </a:tcPr>
                 </a:tc>
                 <a:tc>
@@ -22679,7 +22900,7 @@
                     <a:bodyPr/>
                     <a:lstStyle/>
                     <a:p>
-                      <a:pPr marL="0" marR="0">
+                      <a:pPr marL="0" marR="0" algn="r">
                         <a:spcBef>
                           <a:spcPts val="0"/>
                         </a:spcBef>
@@ -22688,16 +22909,18 @@
                         </a:spcAft>
                       </a:pPr>
                       <a:r>
-                        <a:rPr lang="en-US" sz="1200">
+                        <a:rPr lang="en-US" sz="1600" dirty="0">
                           <a:effectLst/>
+                          <a:latin typeface="Calibri" panose="020F0502020204030204" pitchFamily="34" charset="0"/>
+                          <a:cs typeface="Calibri" panose="020F0502020204030204" pitchFamily="34" charset="0"/>
                         </a:rPr>
                         <a:t>4 fused u-ops</a:t>
                       </a:r>
-                      <a:endParaRPr lang="en-US" sz="1200">
+                      <a:endParaRPr lang="en-US" sz="1600" dirty="0">
                         <a:effectLst/>
                         <a:latin typeface="Calibri" panose="020F0502020204030204" pitchFamily="34" charset="0"/>
                         <a:ea typeface="DengXian" panose="02010600030101010101" pitchFamily="2" charset="-122"/>
-                        <a:cs typeface="Arial" panose="020B0604020202020204" pitchFamily="34" charset="0"/>
+                        <a:cs typeface="Calibri" panose="020F0502020204030204" pitchFamily="34" charset="0"/>
                       </a:endParaRPr>
                     </a:p>
                   </a:txBody>
@@ -22709,13 +22932,13 @@
                   </a:ext>
                 </a:extLst>
               </a:tr>
-              <a:tr h="284479">
+              <a:tr h="308284">
                 <a:tc>
                   <a:txBody>
                     <a:bodyPr/>
                     <a:lstStyle/>
                     <a:p>
-                      <a:pPr marL="0" marR="0">
+                      <a:pPr marL="0" marR="0" algn="r">
                         <a:spcBef>
                           <a:spcPts val="0"/>
                         </a:spcBef>
@@ -22724,27 +22947,33 @@
                         </a:spcAft>
                       </a:pPr>
                       <a:r>
-                        <a:rPr lang="en-US" sz="1200" b="0" dirty="0">
+                        <a:rPr lang="en-US" sz="1600" b="0" dirty="0">
                           <a:solidFill>
                             <a:schemeClr val="tx1"/>
                           </a:solidFill>
                           <a:effectLst/>
+                          <a:latin typeface="Calibri" panose="020F0502020204030204" pitchFamily="34" charset="0"/>
+                          <a:cs typeface="Calibri" panose="020F0502020204030204" pitchFamily="34" charset="0"/>
                         </a:rPr>
                         <a:t>Reservation station</a:t>
                       </a:r>
-                      <a:endParaRPr lang="en-US" sz="1200" b="0" dirty="0">
+                      <a:endParaRPr lang="en-US" sz="1600" b="0" dirty="0">
                         <a:solidFill>
                           <a:schemeClr val="tx1"/>
                         </a:solidFill>
                         <a:effectLst/>
                         <a:latin typeface="Calibri" panose="020F0502020204030204" pitchFamily="34" charset="0"/>
                         <a:ea typeface="DengXian" panose="02010600030101010101" pitchFamily="2" charset="-122"/>
-                        <a:cs typeface="Arial" panose="020B0604020202020204" pitchFamily="34" charset="0"/>
+                        <a:cs typeface="Calibri" panose="020F0502020204030204" pitchFamily="34" charset="0"/>
                       </a:endParaRPr>
                     </a:p>
                   </a:txBody>
                   <a:tcPr marL="68580" marR="68580" marT="0" marB="0">
-                    <a:noFill/>
+                    <a:solidFill>
+                      <a:schemeClr val="accent1">
+                        <a:alpha val="50000"/>
+                      </a:schemeClr>
+                    </a:solidFill>
                   </a:tcPr>
                 </a:tc>
                 <a:tc>
@@ -22752,7 +22981,7 @@
                     <a:bodyPr/>
                     <a:lstStyle/>
                     <a:p>
-                      <a:pPr marL="0" marR="0">
+                      <a:pPr marL="0" marR="0" algn="r">
                         <a:spcBef>
                           <a:spcPts val="0"/>
                         </a:spcBef>
@@ -22761,16 +22990,18 @@
                         </a:spcAft>
                       </a:pPr>
                       <a:r>
-                        <a:rPr lang="en-US" sz="1200">
+                        <a:rPr lang="en-US" sz="1600" dirty="0">
                           <a:effectLst/>
+                          <a:latin typeface="Calibri" panose="020F0502020204030204" pitchFamily="34" charset="0"/>
+                          <a:cs typeface="Calibri" panose="020F0502020204030204" pitchFamily="34" charset="0"/>
                         </a:rPr>
                         <a:t>60 u-ops</a:t>
                       </a:r>
-                      <a:endParaRPr lang="en-US" sz="1200">
+                      <a:endParaRPr lang="en-US" sz="1600" dirty="0">
                         <a:effectLst/>
                         <a:latin typeface="Calibri" panose="020F0502020204030204" pitchFamily="34" charset="0"/>
                         <a:ea typeface="DengXian" panose="02010600030101010101" pitchFamily="2" charset="-122"/>
-                        <a:cs typeface="Arial" panose="020B0604020202020204" pitchFamily="34" charset="0"/>
+                        <a:cs typeface="Calibri" panose="020F0502020204030204" pitchFamily="34" charset="0"/>
                       </a:endParaRPr>
                     </a:p>
                   </a:txBody>
@@ -22782,13 +23013,13 @@
                   </a:ext>
                 </a:extLst>
               </a:tr>
-              <a:tr h="284479">
+              <a:tr h="308284">
                 <a:tc>
                   <a:txBody>
                     <a:bodyPr/>
                     <a:lstStyle/>
                     <a:p>
-                      <a:pPr marL="0" marR="0">
+                      <a:pPr marL="0" marR="0" algn="r">
                         <a:spcBef>
                           <a:spcPts val="0"/>
                         </a:spcBef>
@@ -22797,27 +23028,33 @@
                         </a:spcAft>
                       </a:pPr>
                       <a:r>
-                        <a:rPr lang="en-US" sz="1200" b="0">
+                        <a:rPr lang="en-US" sz="1600" b="0">
                           <a:solidFill>
                             <a:schemeClr val="tx1"/>
                           </a:solidFill>
                           <a:effectLst/>
+                          <a:latin typeface="Calibri" panose="020F0502020204030204" pitchFamily="34" charset="0"/>
+                          <a:cs typeface="Calibri" panose="020F0502020204030204" pitchFamily="34" charset="0"/>
                         </a:rPr>
                         <a:t>Reorder buffer</a:t>
                       </a:r>
-                      <a:endParaRPr lang="en-US" sz="1200" b="0">
+                      <a:endParaRPr lang="en-US" sz="1600" b="0">
                         <a:solidFill>
                           <a:schemeClr val="tx1"/>
                         </a:solidFill>
                         <a:effectLst/>
                         <a:latin typeface="Calibri" panose="020F0502020204030204" pitchFamily="34" charset="0"/>
                         <a:ea typeface="DengXian" panose="02010600030101010101" pitchFamily="2" charset="-122"/>
-                        <a:cs typeface="Arial" panose="020B0604020202020204" pitchFamily="34" charset="0"/>
+                        <a:cs typeface="Calibri" panose="020F0502020204030204" pitchFamily="34" charset="0"/>
                       </a:endParaRPr>
                     </a:p>
                   </a:txBody>
                   <a:tcPr marL="68580" marR="68580" marT="0" marB="0">
-                    <a:noFill/>
+                    <a:solidFill>
+                      <a:schemeClr val="accent1">
+                        <a:alpha val="50000"/>
+                      </a:schemeClr>
+                    </a:solidFill>
                   </a:tcPr>
                 </a:tc>
                 <a:tc>
@@ -22825,7 +23062,7 @@
                     <a:bodyPr/>
                     <a:lstStyle/>
                     <a:p>
-                      <a:pPr marL="0" marR="0">
+                      <a:pPr marL="0" marR="0" algn="r">
                         <a:spcBef>
                           <a:spcPts val="0"/>
                         </a:spcBef>
@@ -22834,16 +23071,18 @@
                         </a:spcAft>
                       </a:pPr>
                       <a:r>
-                        <a:rPr lang="en-US" sz="1200">
+                        <a:rPr lang="en-US" sz="1600" dirty="0">
                           <a:effectLst/>
+                          <a:latin typeface="Calibri" panose="020F0502020204030204" pitchFamily="34" charset="0"/>
+                          <a:cs typeface="Calibri" panose="020F0502020204030204" pitchFamily="34" charset="0"/>
                         </a:rPr>
                         <a:t>192 u-ops</a:t>
                       </a:r>
-                      <a:endParaRPr lang="en-US" sz="1200">
+                      <a:endParaRPr lang="en-US" sz="1600" dirty="0">
                         <a:effectLst/>
                         <a:latin typeface="Calibri" panose="020F0502020204030204" pitchFamily="34" charset="0"/>
                         <a:ea typeface="DengXian" panose="02010600030101010101" pitchFamily="2" charset="-122"/>
-                        <a:cs typeface="Arial" panose="020B0604020202020204" pitchFamily="34" charset="0"/>
+                        <a:cs typeface="Calibri" panose="020F0502020204030204" pitchFamily="34" charset="0"/>
                       </a:endParaRPr>
                     </a:p>
                   </a:txBody>
@@ -22855,13 +23094,13 @@
                   </a:ext>
                 </a:extLst>
               </a:tr>
-              <a:tr h="284479">
+              <a:tr h="308284">
                 <a:tc>
                   <a:txBody>
                     <a:bodyPr/>
                     <a:lstStyle/>
                     <a:p>
-                      <a:pPr marL="0" marR="0">
+                      <a:pPr marL="0" marR="0" algn="r">
                         <a:spcBef>
                           <a:spcPts val="0"/>
                         </a:spcBef>
@@ -22870,27 +23109,33 @@
                         </a:spcAft>
                       </a:pPr>
                       <a:r>
-                        <a:rPr lang="en-US" sz="1200" b="0" dirty="0">
+                        <a:rPr lang="en-US" sz="1600" b="0" dirty="0">
                           <a:solidFill>
                             <a:schemeClr val="tx1"/>
                           </a:solidFill>
                           <a:effectLst/>
+                          <a:latin typeface="Calibri" panose="020F0502020204030204" pitchFamily="34" charset="0"/>
+                          <a:cs typeface="Calibri" panose="020F0502020204030204" pitchFamily="34" charset="0"/>
                         </a:rPr>
                         <a:t>L1 (Data cache)</a:t>
                       </a:r>
-                      <a:endParaRPr lang="en-US" sz="1200" b="0" dirty="0">
+                      <a:endParaRPr lang="en-US" sz="1600" b="0" dirty="0">
                         <a:solidFill>
                           <a:schemeClr val="tx1"/>
                         </a:solidFill>
                         <a:effectLst/>
                         <a:latin typeface="Calibri" panose="020F0502020204030204" pitchFamily="34" charset="0"/>
                         <a:ea typeface="DengXian" panose="02010600030101010101" pitchFamily="2" charset="-122"/>
-                        <a:cs typeface="Arial" panose="020B0604020202020204" pitchFamily="34" charset="0"/>
+                        <a:cs typeface="Calibri" panose="020F0502020204030204" pitchFamily="34" charset="0"/>
                       </a:endParaRPr>
                     </a:p>
                   </a:txBody>
                   <a:tcPr marL="68580" marR="68580" marT="0" marB="0">
-                    <a:noFill/>
+                    <a:solidFill>
+                      <a:schemeClr val="accent1">
+                        <a:alpha val="50000"/>
+                      </a:schemeClr>
+                    </a:solidFill>
                   </a:tcPr>
                 </a:tc>
                 <a:tc>
@@ -22898,7 +23143,7 @@
                     <a:bodyPr/>
                     <a:lstStyle/>
                     <a:p>
-                      <a:pPr marL="0" marR="0">
+                      <a:pPr marL="0" marR="0" algn="r">
                         <a:spcBef>
                           <a:spcPts val="0"/>
                         </a:spcBef>
@@ -22907,17 +23152,32 @@
                         </a:spcAft>
                       </a:pPr>
                       <a:r>
-                        <a:rPr lang="en-US" sz="1200" dirty="0">
+                        <a:rPr lang="en-US" sz="1600" dirty="0">
                           <a:effectLst/>
+                          <a:latin typeface="Calibri" panose="020F0502020204030204" pitchFamily="34" charset="0"/>
+                          <a:cs typeface="Calibri" panose="020F0502020204030204" pitchFamily="34" charset="0"/>
                         </a:rPr>
-                        <a:t>8 way, 32KB</a:t>
+                        <a:t>8 way, 32KB (8KB/core)</a:t>
                       </a:r>
-                      <a:endParaRPr lang="en-US" sz="1200" dirty="0">
-                        <a:effectLst/>
-                        <a:latin typeface="Calibri" panose="020F0502020204030204" pitchFamily="34" charset="0"/>
-                        <a:ea typeface="DengXian" panose="02010600030101010101" pitchFamily="2" charset="-122"/>
-                        <a:cs typeface="Arial" panose="020B0604020202020204" pitchFamily="34" charset="0"/>
-                      </a:endParaRPr>
+                    </a:p>
+                    <a:p>
+                      <a:pPr marL="0" marR="0" algn="r">
+                        <a:spcBef>
+                          <a:spcPts val="0"/>
+                        </a:spcBef>
+                        <a:spcAft>
+                          <a:spcPts val="0"/>
+                        </a:spcAft>
+                      </a:pPr>
+                      <a:r>
+                        <a:rPr lang="en-US" sz="1600" dirty="0">
+                          <a:effectLst/>
+                          <a:latin typeface="Calibri" panose="020F0502020204030204" pitchFamily="34" charset="0"/>
+                          <a:ea typeface="DengXian" panose="02010600030101010101" pitchFamily="2" charset="-122"/>
+                          <a:cs typeface="Calibri" panose="020F0502020204030204" pitchFamily="34" charset="0"/>
+                        </a:rPr>
+                        <a:t>128 64B cache blocks, 16 sets, </a:t>
+                      </a:r>
                     </a:p>
                   </a:txBody>
                   <a:tcPr marL="68580" marR="68580" marT="0" marB="0"/>
@@ -22928,13 +23188,13 @@
                   </a:ext>
                 </a:extLst>
               </a:tr>
-              <a:tr h="284479">
+              <a:tr h="308284">
                 <a:tc>
                   <a:txBody>
                     <a:bodyPr/>
                     <a:lstStyle/>
                     <a:p>
-                      <a:pPr marL="0" marR="0">
+                      <a:pPr marL="0" marR="0" algn="r">
                         <a:spcBef>
                           <a:spcPts val="0"/>
                         </a:spcBef>
@@ -22943,27 +23203,33 @@
                         </a:spcAft>
                       </a:pPr>
                       <a:r>
-                        <a:rPr lang="en-US" sz="1200" b="0" dirty="0">
+                        <a:rPr lang="en-US" sz="1600" b="0" dirty="0">
                           <a:solidFill>
                             <a:schemeClr val="tx1"/>
                           </a:solidFill>
                           <a:effectLst/>
+                          <a:latin typeface="Calibri" panose="020F0502020204030204" pitchFamily="34" charset="0"/>
+                          <a:cs typeface="Calibri" panose="020F0502020204030204" pitchFamily="34" charset="0"/>
                         </a:rPr>
                         <a:t>L1 (Instruction cache)</a:t>
                       </a:r>
-                      <a:endParaRPr lang="en-US" sz="1200" b="0" dirty="0">
+                      <a:endParaRPr lang="en-US" sz="1600" b="0" dirty="0">
                         <a:solidFill>
                           <a:schemeClr val="tx1"/>
                         </a:solidFill>
                         <a:effectLst/>
                         <a:latin typeface="Calibri" panose="020F0502020204030204" pitchFamily="34" charset="0"/>
                         <a:ea typeface="DengXian" panose="02010600030101010101" pitchFamily="2" charset="-122"/>
-                        <a:cs typeface="Arial" panose="020B0604020202020204" pitchFamily="34" charset="0"/>
+                        <a:cs typeface="Calibri" panose="020F0502020204030204" pitchFamily="34" charset="0"/>
                       </a:endParaRPr>
                     </a:p>
                   </a:txBody>
                   <a:tcPr marL="68580" marR="68580" marT="0" marB="0">
-                    <a:noFill/>
+                    <a:solidFill>
+                      <a:schemeClr val="accent1">
+                        <a:alpha val="50000"/>
+                      </a:schemeClr>
+                    </a:solidFill>
                   </a:tcPr>
                 </a:tc>
                 <a:tc>
@@ -22971,7 +23237,7 @@
                     <a:bodyPr/>
                     <a:lstStyle/>
                     <a:p>
-                      <a:pPr marL="0" marR="0">
+                      <a:pPr marL="0" marR="0" algn="r">
                         <a:spcBef>
                           <a:spcPts val="0"/>
                         </a:spcBef>
@@ -22980,16 +23246,18 @@
                         </a:spcAft>
                       </a:pPr>
                       <a:r>
-                        <a:rPr lang="en-US" sz="1200">
+                        <a:rPr lang="en-US" sz="1600" dirty="0">
                           <a:effectLst/>
+                          <a:latin typeface="Calibri" panose="020F0502020204030204" pitchFamily="34" charset="0"/>
+                          <a:cs typeface="Calibri" panose="020F0502020204030204" pitchFamily="34" charset="0"/>
                         </a:rPr>
-                        <a:t>8 way 32 KB</a:t>
+                        <a:t>8 way 32 KB (8KB/core)</a:t>
                       </a:r>
-                      <a:endParaRPr lang="en-US" sz="1200">
+                      <a:endParaRPr lang="en-US" sz="1600" dirty="0">
                         <a:effectLst/>
                         <a:latin typeface="Calibri" panose="020F0502020204030204" pitchFamily="34" charset="0"/>
                         <a:ea typeface="DengXian" panose="02010600030101010101" pitchFamily="2" charset="-122"/>
-                        <a:cs typeface="Arial" panose="020B0604020202020204" pitchFamily="34" charset="0"/>
+                        <a:cs typeface="Calibri" panose="020F0502020204030204" pitchFamily="34" charset="0"/>
                       </a:endParaRPr>
                     </a:p>
                   </a:txBody>
@@ -23001,13 +23269,13 @@
                   </a:ext>
                 </a:extLst>
               </a:tr>
-              <a:tr h="284479">
+              <a:tr h="252545">
                 <a:tc>
                   <a:txBody>
                     <a:bodyPr/>
                     <a:lstStyle/>
                     <a:p>
-                      <a:pPr marL="0" marR="0">
+                      <a:pPr marL="0" marR="0" algn="r">
                         <a:spcBef>
                           <a:spcPts val="0"/>
                         </a:spcBef>
@@ -23016,27 +23284,33 @@
                         </a:spcAft>
                       </a:pPr>
                       <a:r>
-                        <a:rPr lang="en-US" sz="1200" b="0">
+                        <a:rPr lang="en-US" sz="1600" b="0">
                           <a:solidFill>
                             <a:schemeClr val="tx1"/>
                           </a:solidFill>
                           <a:effectLst/>
+                          <a:latin typeface="Calibri" panose="020F0502020204030204" pitchFamily="34" charset="0"/>
+                          <a:cs typeface="Calibri" panose="020F0502020204030204" pitchFamily="34" charset="0"/>
                         </a:rPr>
                         <a:t>L2</a:t>
                       </a:r>
-                      <a:endParaRPr lang="en-US" sz="1200" b="0">
+                      <a:endParaRPr lang="en-US" sz="1600" b="0">
                         <a:solidFill>
                           <a:schemeClr val="tx1"/>
                         </a:solidFill>
                         <a:effectLst/>
                         <a:latin typeface="Calibri" panose="020F0502020204030204" pitchFamily="34" charset="0"/>
                         <a:ea typeface="DengXian" panose="02010600030101010101" pitchFamily="2" charset="-122"/>
-                        <a:cs typeface="Arial" panose="020B0604020202020204" pitchFamily="34" charset="0"/>
+                        <a:cs typeface="Calibri" panose="020F0502020204030204" pitchFamily="34" charset="0"/>
                       </a:endParaRPr>
                     </a:p>
                   </a:txBody>
                   <a:tcPr marL="68580" marR="68580" marT="0" marB="0">
-                    <a:noFill/>
+                    <a:solidFill>
+                      <a:schemeClr val="accent1">
+                        <a:alpha val="50000"/>
+                      </a:schemeClr>
+                    </a:solidFill>
                   </a:tcPr>
                 </a:tc>
                 <a:tc>
@@ -23044,7 +23318,7 @@
                     <a:bodyPr/>
                     <a:lstStyle/>
                     <a:p>
-                      <a:pPr marL="0" marR="0">
+                      <a:pPr marL="0" marR="0" algn="r">
                         <a:spcBef>
                           <a:spcPts val="0"/>
                         </a:spcBef>
@@ -23053,16 +23327,18 @@
                         </a:spcAft>
                       </a:pPr>
                       <a:r>
-                        <a:rPr lang="en-US" sz="1200">
+                        <a:rPr lang="en-US" sz="1600" dirty="0">
                           <a:effectLst/>
+                          <a:latin typeface="Calibri" panose="020F0502020204030204" pitchFamily="34" charset="0"/>
+                          <a:cs typeface="Calibri" panose="020F0502020204030204" pitchFamily="34" charset="0"/>
                         </a:rPr>
                         <a:t>8 way, 256 KB</a:t>
                       </a:r>
-                      <a:endParaRPr lang="en-US" sz="1200">
+                      <a:endParaRPr lang="en-US" sz="1600" dirty="0">
                         <a:effectLst/>
                         <a:latin typeface="Calibri" panose="020F0502020204030204" pitchFamily="34" charset="0"/>
                         <a:ea typeface="DengXian" panose="02010600030101010101" pitchFamily="2" charset="-122"/>
-                        <a:cs typeface="Arial" panose="020B0604020202020204" pitchFamily="34" charset="0"/>
+                        <a:cs typeface="Calibri" panose="020F0502020204030204" pitchFamily="34" charset="0"/>
                       </a:endParaRPr>
                     </a:p>
                   </a:txBody>
@@ -23074,13 +23350,13 @@
                   </a:ext>
                 </a:extLst>
               </a:tr>
-              <a:tr h="284479">
+              <a:tr h="308284">
                 <a:tc>
                   <a:txBody>
                     <a:bodyPr/>
                     <a:lstStyle/>
                     <a:p>
-                      <a:pPr marL="0" marR="0">
+                      <a:pPr marL="0" marR="0" algn="r">
                         <a:spcBef>
                           <a:spcPts val="0"/>
                         </a:spcBef>
@@ -23089,27 +23365,33 @@
                         </a:spcAft>
                       </a:pPr>
                       <a:r>
-                        <a:rPr lang="en-US" sz="1200" b="0" dirty="0">
+                        <a:rPr lang="en-US" sz="1600" b="0" dirty="0">
                           <a:solidFill>
                             <a:schemeClr val="tx1"/>
                           </a:solidFill>
                           <a:effectLst/>
+                          <a:latin typeface="Calibri" panose="020F0502020204030204" pitchFamily="34" charset="0"/>
+                          <a:cs typeface="Calibri" panose="020F0502020204030204" pitchFamily="34" charset="0"/>
                         </a:rPr>
                         <a:t>L3</a:t>
                       </a:r>
-                      <a:endParaRPr lang="en-US" sz="1200" b="0" dirty="0">
+                      <a:endParaRPr lang="en-US" sz="1600" b="0" dirty="0">
                         <a:solidFill>
                           <a:schemeClr val="tx1"/>
                         </a:solidFill>
                         <a:effectLst/>
                         <a:latin typeface="Calibri" panose="020F0502020204030204" pitchFamily="34" charset="0"/>
                         <a:ea typeface="DengXian" panose="02010600030101010101" pitchFamily="2" charset="-122"/>
-                        <a:cs typeface="Arial" panose="020B0604020202020204" pitchFamily="34" charset="0"/>
+                        <a:cs typeface="Calibri" panose="020F0502020204030204" pitchFamily="34" charset="0"/>
                       </a:endParaRPr>
                     </a:p>
                   </a:txBody>
                   <a:tcPr marL="68580" marR="68580" marT="0" marB="0">
-                    <a:noFill/>
+                    <a:solidFill>
+                      <a:schemeClr val="accent1">
+                        <a:alpha val="50000"/>
+                      </a:schemeClr>
+                    </a:solidFill>
                   </a:tcPr>
                 </a:tc>
                 <a:tc>
@@ -23117,7 +23399,7 @@
                     <a:bodyPr/>
                     <a:lstStyle/>
                     <a:p>
-                      <a:pPr marL="0" marR="0">
+                      <a:pPr marL="0" marR="0" algn="r">
                         <a:spcBef>
                           <a:spcPts val="0"/>
                         </a:spcBef>
@@ -23126,16 +23408,18 @@
                         </a:spcAft>
                       </a:pPr>
                       <a:r>
-                        <a:rPr lang="en-US" sz="1200" dirty="0">
+                        <a:rPr lang="en-US" sz="1600" dirty="0">
                           <a:effectLst/>
+                          <a:latin typeface="Calibri" panose="020F0502020204030204" pitchFamily="34" charset="0"/>
+                          <a:cs typeface="Calibri" panose="020F0502020204030204" pitchFamily="34" charset="0"/>
                         </a:rPr>
                         <a:t>16 way, 16MB</a:t>
                       </a:r>
-                      <a:endParaRPr lang="en-US" sz="1200" dirty="0">
+                      <a:endParaRPr lang="en-US" sz="1600" dirty="0">
                         <a:effectLst/>
                         <a:latin typeface="Calibri" panose="020F0502020204030204" pitchFamily="34" charset="0"/>
                         <a:ea typeface="DengXian" panose="02010600030101010101" pitchFamily="2" charset="-122"/>
-                        <a:cs typeface="Arial" panose="020B0604020202020204" pitchFamily="34" charset="0"/>
+                        <a:cs typeface="Calibri" panose="020F0502020204030204" pitchFamily="34" charset="0"/>
                       </a:endParaRPr>
                     </a:p>
                   </a:txBody>
@@ -23322,14 +23606,14 @@
           <p:nvPr>
             <p:extLst>
               <p:ext uri="{D42A27DB-BD31-4B8C-83A1-F6EECF244321}">
-                <p14:modId xmlns:p14="http://schemas.microsoft.com/office/powerpoint/2010/main" val="391327718"/>
+                <p14:modId xmlns:p14="http://schemas.microsoft.com/office/powerpoint/2010/main" val="1765301556"/>
               </p:ext>
             </p:extLst>
           </p:nvPr>
         </p:nvGraphicFramePr>
         <p:xfrm>
-          <a:off x="493776" y="1804320"/>
-          <a:ext cx="8150352" cy="3592260"/>
+          <a:off x="1805940" y="1804320"/>
+          <a:ext cx="5526024" cy="3592260"/>
         </p:xfrm>
         <a:graphic>
           <a:graphicData uri="http://schemas.openxmlformats.org/drawingml/2006/table">
@@ -23338,14 +23622,14 @@
                 <a:tableStyleId>{5C22544A-7EE6-4342-B048-85BDC9FD1C3A}</a:tableStyleId>
               </a:tblPr>
               <a:tblGrid>
-                <a:gridCol w="3886200">
+                <a:gridCol w="2766060">
                   <a:extLst>
                     <a:ext uri="{9D8B030D-6E8A-4147-A177-3AD203B41FA5}">
                       <a16:colId xmlns:a16="http://schemas.microsoft.com/office/drawing/2014/main" val="872588650"/>
                     </a:ext>
                   </a:extLst>
                 </a:gridCol>
-                <a:gridCol w="4264152">
+                <a:gridCol w="2759964">
                   <a:extLst>
                     <a:ext uri="{9D8B030D-6E8A-4147-A177-3AD203B41FA5}">
                       <a16:colId xmlns:a16="http://schemas.microsoft.com/office/drawing/2014/main" val="1150892001"/>
@@ -23359,7 +23643,7 @@
                     <a:bodyPr/>
                     <a:lstStyle/>
                     <a:p>
-                      <a:pPr marL="0" marR="0">
+                      <a:pPr marL="0" marR="0" algn="r">
                         <a:spcBef>
                           <a:spcPts val="0"/>
                         </a:spcBef>
@@ -23368,7 +23652,7 @@
                         </a:spcAft>
                       </a:pPr>
                       <a:r>
-                        <a:rPr lang="en-US" sz="1200" dirty="0">
+                        <a:rPr lang="en-US" sz="1600" dirty="0">
                           <a:solidFill>
                             <a:schemeClr val="tx1"/>
                           </a:solidFill>
@@ -23376,7 +23660,7 @@
                         </a:rPr>
                         <a:t>Feature</a:t>
                       </a:r>
-                      <a:endParaRPr lang="en-US" sz="1200" dirty="0">
+                      <a:endParaRPr lang="en-US" sz="1600" dirty="0">
                         <a:solidFill>
                           <a:schemeClr val="tx1"/>
                         </a:solidFill>
@@ -23394,7 +23678,7 @@
                     <a:bodyPr/>
                     <a:lstStyle/>
                     <a:p>
-                      <a:pPr marL="0" marR="0">
+                      <a:pPr marL="0" marR="0" algn="r">
                         <a:spcBef>
                           <a:spcPts val="0"/>
                         </a:spcBef>
@@ -23403,7 +23687,7 @@
                         </a:spcAft>
                       </a:pPr>
                       <a:r>
-                        <a:rPr lang="en-US" sz="1200" dirty="0">
+                        <a:rPr lang="en-US" sz="1600" dirty="0">
                           <a:solidFill>
                             <a:schemeClr val="tx1"/>
                           </a:solidFill>
@@ -23411,7 +23695,7 @@
                         </a:rPr>
                         <a:t>Core i7</a:t>
                       </a:r>
-                      <a:endParaRPr lang="en-US" sz="1200" dirty="0">
+                      <a:endParaRPr lang="en-US" sz="1600" dirty="0">
                         <a:solidFill>
                           <a:schemeClr val="tx1"/>
                         </a:solidFill>
@@ -23436,7 +23720,7 @@
                     <a:bodyPr/>
                     <a:lstStyle/>
                     <a:p>
-                      <a:pPr marL="0" marR="0">
+                      <a:pPr marL="0" marR="0" algn="r">
                         <a:spcBef>
                           <a:spcPts val="0"/>
                         </a:spcBef>
@@ -23445,27 +23729,34 @@
                         </a:spcAft>
                       </a:pPr>
                       <a:r>
-                        <a:rPr lang="en-US" sz="1200" b="0">
+                        <a:rPr lang="en-US" sz="1600" b="0" dirty="0">
                           <a:solidFill>
                             <a:schemeClr val="tx1"/>
                           </a:solidFill>
                           <a:effectLst/>
+                          <a:latin typeface="Calibri" panose="020F0502020204030204" pitchFamily="34" charset="0"/>
+                          <a:cs typeface="Calibri" panose="020F0502020204030204" pitchFamily="34" charset="0"/>
                         </a:rPr>
                         <a:t>L1 latency</a:t>
                       </a:r>
-                      <a:endParaRPr lang="en-US" sz="1200" b="0">
+                      <a:endParaRPr lang="en-US" sz="1600" b="0" dirty="0">
                         <a:solidFill>
                           <a:schemeClr val="tx1"/>
                         </a:solidFill>
                         <a:effectLst/>
                         <a:latin typeface="Calibri" panose="020F0502020204030204" pitchFamily="34" charset="0"/>
                         <a:ea typeface="DengXian" panose="02010600030101010101" pitchFamily="2" charset="-122"/>
-                        <a:cs typeface="Arial" panose="020B0604020202020204" pitchFamily="34" charset="0"/>
+                        <a:cs typeface="Calibri" panose="020F0502020204030204" pitchFamily="34" charset="0"/>
                       </a:endParaRPr>
                     </a:p>
                   </a:txBody>
                   <a:tcPr marL="68580" marR="68580" marT="0" marB="0">
-                    <a:noFill/>
+                    <a:solidFill>
+                      <a:schemeClr val="bg2">
+                        <a:lumMod val="20000"/>
+                        <a:lumOff val="80000"/>
+                      </a:schemeClr>
+                    </a:solidFill>
                   </a:tcPr>
                 </a:tc>
                 <a:tc>
@@ -23473,7 +23764,7 @@
                     <a:bodyPr/>
                     <a:lstStyle/>
                     <a:p>
-                      <a:pPr marL="0" marR="0">
+                      <a:pPr marL="0" marR="0" algn="r">
                         <a:spcBef>
                           <a:spcPts val="0"/>
                         </a:spcBef>
@@ -23482,16 +23773,18 @@
                         </a:spcAft>
                       </a:pPr>
                       <a:r>
-                        <a:rPr lang="en-US" sz="1200">
+                        <a:rPr lang="en-US" sz="1600" dirty="0">
                           <a:effectLst/>
+                          <a:latin typeface="Calibri" panose="020F0502020204030204" pitchFamily="34" charset="0"/>
+                          <a:cs typeface="Calibri" panose="020F0502020204030204" pitchFamily="34" charset="0"/>
                         </a:rPr>
                         <a:t>4 cycles</a:t>
                       </a:r>
-                      <a:endParaRPr lang="en-US" sz="1200">
+                      <a:endParaRPr lang="en-US" sz="1600" dirty="0">
                         <a:effectLst/>
                         <a:latin typeface="Calibri" panose="020F0502020204030204" pitchFamily="34" charset="0"/>
                         <a:ea typeface="DengXian" panose="02010600030101010101" pitchFamily="2" charset="-122"/>
-                        <a:cs typeface="Arial" panose="020B0604020202020204" pitchFamily="34" charset="0"/>
+                        <a:cs typeface="Calibri" panose="020F0502020204030204" pitchFamily="34" charset="0"/>
                       </a:endParaRPr>
                     </a:p>
                   </a:txBody>
@@ -23509,7 +23802,7 @@
                     <a:bodyPr/>
                     <a:lstStyle/>
                     <a:p>
-                      <a:pPr marL="0" marR="0">
+                      <a:pPr marL="0" marR="0" algn="r">
                         <a:spcBef>
                           <a:spcPts val="0"/>
                         </a:spcBef>
@@ -23518,27 +23811,34 @@
                         </a:spcAft>
                       </a:pPr>
                       <a:r>
-                        <a:rPr lang="en-US" sz="1200" b="0">
+                        <a:rPr lang="en-US" sz="1600" b="0">
                           <a:solidFill>
                             <a:schemeClr val="tx1"/>
                           </a:solidFill>
                           <a:effectLst/>
+                          <a:latin typeface="Calibri" panose="020F0502020204030204" pitchFamily="34" charset="0"/>
+                          <a:cs typeface="Calibri" panose="020F0502020204030204" pitchFamily="34" charset="0"/>
                         </a:rPr>
                         <a:t>L2 latency</a:t>
                       </a:r>
-                      <a:endParaRPr lang="en-US" sz="1200" b="0">
+                      <a:endParaRPr lang="en-US" sz="1600" b="0">
                         <a:solidFill>
                           <a:schemeClr val="tx1"/>
                         </a:solidFill>
                         <a:effectLst/>
                         <a:latin typeface="Calibri" panose="020F0502020204030204" pitchFamily="34" charset="0"/>
                         <a:ea typeface="DengXian" panose="02010600030101010101" pitchFamily="2" charset="-122"/>
-                        <a:cs typeface="Arial" panose="020B0604020202020204" pitchFamily="34" charset="0"/>
+                        <a:cs typeface="Calibri" panose="020F0502020204030204" pitchFamily="34" charset="0"/>
                       </a:endParaRPr>
                     </a:p>
                   </a:txBody>
                   <a:tcPr marL="68580" marR="68580" marT="0" marB="0">
-                    <a:noFill/>
+                    <a:solidFill>
+                      <a:schemeClr val="bg2">
+                        <a:lumMod val="20000"/>
+                        <a:lumOff val="80000"/>
+                      </a:schemeClr>
+                    </a:solidFill>
                   </a:tcPr>
                 </a:tc>
                 <a:tc>
@@ -23546,7 +23846,7 @@
                     <a:bodyPr/>
                     <a:lstStyle/>
                     <a:p>
-                      <a:pPr marL="0" marR="0">
+                      <a:pPr marL="0" marR="0" algn="r">
                         <a:spcBef>
                           <a:spcPts val="0"/>
                         </a:spcBef>
@@ -23555,16 +23855,18 @@
                         </a:spcAft>
                       </a:pPr>
                       <a:r>
-                        <a:rPr lang="en-US" sz="1200">
+                        <a:rPr lang="en-US" sz="1600">
                           <a:effectLst/>
+                          <a:latin typeface="Calibri" panose="020F0502020204030204" pitchFamily="34" charset="0"/>
+                          <a:cs typeface="Calibri" panose="020F0502020204030204" pitchFamily="34" charset="0"/>
                         </a:rPr>
                         <a:t>12 cycles</a:t>
                       </a:r>
-                      <a:endParaRPr lang="en-US" sz="1200">
+                      <a:endParaRPr lang="en-US" sz="1600">
                         <a:effectLst/>
                         <a:latin typeface="Calibri" panose="020F0502020204030204" pitchFamily="34" charset="0"/>
                         <a:ea typeface="DengXian" panose="02010600030101010101" pitchFamily="2" charset="-122"/>
-                        <a:cs typeface="Arial" panose="020B0604020202020204" pitchFamily="34" charset="0"/>
+                        <a:cs typeface="Calibri" panose="020F0502020204030204" pitchFamily="34" charset="0"/>
                       </a:endParaRPr>
                     </a:p>
                   </a:txBody>
@@ -23582,7 +23884,7 @@
                     <a:bodyPr/>
                     <a:lstStyle/>
                     <a:p>
-                      <a:pPr marL="0" marR="0">
+                      <a:pPr marL="0" marR="0" algn="r">
                         <a:spcBef>
                           <a:spcPts val="0"/>
                         </a:spcBef>
@@ -23591,27 +23893,34 @@
                         </a:spcAft>
                       </a:pPr>
                       <a:r>
-                        <a:rPr lang="en-US" sz="1200" b="0">
+                        <a:rPr lang="en-US" sz="1600" b="0">
                           <a:solidFill>
                             <a:schemeClr val="tx1"/>
                           </a:solidFill>
                           <a:effectLst/>
+                          <a:latin typeface="Calibri" panose="020F0502020204030204" pitchFamily="34" charset="0"/>
+                          <a:cs typeface="Calibri" panose="020F0502020204030204" pitchFamily="34" charset="0"/>
                         </a:rPr>
                         <a:t>L3 latency</a:t>
                       </a:r>
-                      <a:endParaRPr lang="en-US" sz="1200" b="0">
+                      <a:endParaRPr lang="en-US" sz="1600" b="0">
                         <a:solidFill>
                           <a:schemeClr val="tx1"/>
                         </a:solidFill>
                         <a:effectLst/>
                         <a:latin typeface="Calibri" panose="020F0502020204030204" pitchFamily="34" charset="0"/>
                         <a:ea typeface="DengXian" panose="02010600030101010101" pitchFamily="2" charset="-122"/>
-                        <a:cs typeface="Arial" panose="020B0604020202020204" pitchFamily="34" charset="0"/>
+                        <a:cs typeface="Calibri" panose="020F0502020204030204" pitchFamily="34" charset="0"/>
                       </a:endParaRPr>
                     </a:p>
                   </a:txBody>
                   <a:tcPr marL="68580" marR="68580" marT="0" marB="0">
-                    <a:noFill/>
+                    <a:solidFill>
+                      <a:schemeClr val="bg2">
+                        <a:lumMod val="20000"/>
+                        <a:lumOff val="80000"/>
+                      </a:schemeClr>
+                    </a:solidFill>
                   </a:tcPr>
                 </a:tc>
                 <a:tc>
@@ -23619,7 +23928,7 @@
                     <a:bodyPr/>
                     <a:lstStyle/>
                     <a:p>
-                      <a:pPr marL="0" marR="0">
+                      <a:pPr marL="0" marR="0" algn="r">
                         <a:spcBef>
                           <a:spcPts val="0"/>
                         </a:spcBef>
@@ -23628,16 +23937,18 @@
                         </a:spcAft>
                       </a:pPr>
                       <a:r>
-                        <a:rPr lang="en-US" sz="1200">
+                        <a:rPr lang="en-US" sz="1600">
                           <a:effectLst/>
+                          <a:latin typeface="Calibri" panose="020F0502020204030204" pitchFamily="34" charset="0"/>
+                          <a:cs typeface="Calibri" panose="020F0502020204030204" pitchFamily="34" charset="0"/>
                         </a:rPr>
                         <a:t>36 cycles</a:t>
                       </a:r>
-                      <a:endParaRPr lang="en-US" sz="1200">
+                      <a:endParaRPr lang="en-US" sz="1600">
                         <a:effectLst/>
                         <a:latin typeface="Calibri" panose="020F0502020204030204" pitchFamily="34" charset="0"/>
                         <a:ea typeface="DengXian" panose="02010600030101010101" pitchFamily="2" charset="-122"/>
-                        <a:cs typeface="Arial" panose="020B0604020202020204" pitchFamily="34" charset="0"/>
+                        <a:cs typeface="Calibri" panose="020F0502020204030204" pitchFamily="34" charset="0"/>
                       </a:endParaRPr>
                     </a:p>
                   </a:txBody>
@@ -23655,7 +23966,7 @@
                     <a:bodyPr/>
                     <a:lstStyle/>
                     <a:p>
-                      <a:pPr marL="0" marR="0">
+                      <a:pPr marL="0" marR="0" algn="r">
                         <a:spcBef>
                           <a:spcPts val="0"/>
                         </a:spcBef>
@@ -23664,27 +23975,34 @@
                         </a:spcAft>
                       </a:pPr>
                       <a:r>
-                        <a:rPr lang="en-US" sz="1200" b="0">
+                        <a:rPr lang="en-US" sz="1600" b="0">
                           <a:solidFill>
                             <a:schemeClr val="tx1"/>
                           </a:solidFill>
                           <a:effectLst/>
+                          <a:latin typeface="Calibri" panose="020F0502020204030204" pitchFamily="34" charset="0"/>
+                          <a:cs typeface="Calibri" panose="020F0502020204030204" pitchFamily="34" charset="0"/>
                         </a:rPr>
                         <a:t>Size of cache block</a:t>
                       </a:r>
-                      <a:endParaRPr lang="en-US" sz="1200" b="0">
+                      <a:endParaRPr lang="en-US" sz="1600" b="0">
                         <a:solidFill>
                           <a:schemeClr val="tx1"/>
                         </a:solidFill>
                         <a:effectLst/>
                         <a:latin typeface="Calibri" panose="020F0502020204030204" pitchFamily="34" charset="0"/>
                         <a:ea typeface="DengXian" panose="02010600030101010101" pitchFamily="2" charset="-122"/>
-                        <a:cs typeface="Arial" panose="020B0604020202020204" pitchFamily="34" charset="0"/>
+                        <a:cs typeface="Calibri" panose="020F0502020204030204" pitchFamily="34" charset="0"/>
                       </a:endParaRPr>
                     </a:p>
                   </a:txBody>
                   <a:tcPr marL="68580" marR="68580" marT="0" marB="0">
-                    <a:noFill/>
+                    <a:solidFill>
+                      <a:schemeClr val="bg2">
+                        <a:lumMod val="20000"/>
+                        <a:lumOff val="80000"/>
+                      </a:schemeClr>
+                    </a:solidFill>
                   </a:tcPr>
                 </a:tc>
                 <a:tc>
@@ -23692,7 +24010,7 @@
                     <a:bodyPr/>
                     <a:lstStyle/>
                     <a:p>
-                      <a:pPr marL="0" marR="0">
+                      <a:pPr marL="0" marR="0" algn="r">
                         <a:spcBef>
                           <a:spcPts val="0"/>
                         </a:spcBef>
@@ -23701,16 +24019,18 @@
                         </a:spcAft>
                       </a:pPr>
                       <a:r>
-                        <a:rPr lang="en-US" sz="1200">
+                        <a:rPr lang="en-US" sz="1600">
                           <a:effectLst/>
+                          <a:latin typeface="Calibri" panose="020F0502020204030204" pitchFamily="34" charset="0"/>
+                          <a:cs typeface="Calibri" panose="020F0502020204030204" pitchFamily="34" charset="0"/>
                         </a:rPr>
                         <a:t>64Bytes</a:t>
                       </a:r>
-                      <a:endParaRPr lang="en-US" sz="1200">
+                      <a:endParaRPr lang="en-US" sz="1600">
                         <a:effectLst/>
                         <a:latin typeface="Calibri" panose="020F0502020204030204" pitchFamily="34" charset="0"/>
                         <a:ea typeface="DengXian" panose="02010600030101010101" pitchFamily="2" charset="-122"/>
-                        <a:cs typeface="Arial" panose="020B0604020202020204" pitchFamily="34" charset="0"/>
+                        <a:cs typeface="Calibri" panose="020F0502020204030204" pitchFamily="34" charset="0"/>
                       </a:endParaRPr>
                     </a:p>
                   </a:txBody>
@@ -23728,7 +24048,7 @@
                     <a:bodyPr/>
                     <a:lstStyle/>
                     <a:p>
-                      <a:pPr marL="0" marR="0">
+                      <a:pPr marL="0" marR="0" algn="r">
                         <a:spcBef>
                           <a:spcPts val="0"/>
                         </a:spcBef>
@@ -23737,27 +24057,34 @@
                         </a:spcAft>
                       </a:pPr>
                       <a:r>
-                        <a:rPr lang="en-US" sz="1200" b="0">
+                        <a:rPr lang="en-US" sz="1600" b="0">
                           <a:solidFill>
                             <a:schemeClr val="tx1"/>
                           </a:solidFill>
                           <a:effectLst/>
+                          <a:latin typeface="Calibri" panose="020F0502020204030204" pitchFamily="34" charset="0"/>
+                          <a:cs typeface="Calibri" panose="020F0502020204030204" pitchFamily="34" charset="0"/>
                         </a:rPr>
                         <a:t>BTB associativity</a:t>
                       </a:r>
-                      <a:endParaRPr lang="en-US" sz="1200" b="0">
+                      <a:endParaRPr lang="en-US" sz="1600" b="0">
                         <a:solidFill>
                           <a:schemeClr val="tx1"/>
                         </a:solidFill>
                         <a:effectLst/>
                         <a:latin typeface="Calibri" panose="020F0502020204030204" pitchFamily="34" charset="0"/>
                         <a:ea typeface="DengXian" panose="02010600030101010101" pitchFamily="2" charset="-122"/>
-                        <a:cs typeface="Arial" panose="020B0604020202020204" pitchFamily="34" charset="0"/>
+                        <a:cs typeface="Calibri" panose="020F0502020204030204" pitchFamily="34" charset="0"/>
                       </a:endParaRPr>
                     </a:p>
                   </a:txBody>
                   <a:tcPr marL="68580" marR="68580" marT="0" marB="0">
-                    <a:noFill/>
+                    <a:solidFill>
+                      <a:schemeClr val="bg2">
+                        <a:lumMod val="20000"/>
+                        <a:lumOff val="80000"/>
+                      </a:schemeClr>
+                    </a:solidFill>
                   </a:tcPr>
                 </a:tc>
                 <a:tc>
@@ -23765,7 +24092,7 @@
                     <a:bodyPr/>
                     <a:lstStyle/>
                     <a:p>
-                      <a:pPr marL="0" marR="0">
+                      <a:pPr marL="0" marR="0" algn="r">
                         <a:spcBef>
                           <a:spcPts val="0"/>
                         </a:spcBef>
@@ -23774,16 +24101,18 @@
                         </a:spcAft>
                       </a:pPr>
                       <a:r>
-                        <a:rPr lang="en-US" sz="1200" dirty="0">
+                        <a:rPr lang="en-US" sz="1600" dirty="0">
                           <a:effectLst/>
+                          <a:latin typeface="Calibri" panose="020F0502020204030204" pitchFamily="34" charset="0"/>
+                          <a:cs typeface="Calibri" panose="020F0502020204030204" pitchFamily="34" charset="0"/>
                         </a:rPr>
                         <a:t>4096, 4 way</a:t>
                       </a:r>
-                      <a:endParaRPr lang="en-US" sz="1200" dirty="0">
+                      <a:endParaRPr lang="en-US" sz="1600" dirty="0">
                         <a:effectLst/>
                         <a:latin typeface="Calibri" panose="020F0502020204030204" pitchFamily="34" charset="0"/>
                         <a:ea typeface="DengXian" panose="02010600030101010101" pitchFamily="2" charset="-122"/>
-                        <a:cs typeface="Arial" panose="020B0604020202020204" pitchFamily="34" charset="0"/>
+                        <a:cs typeface="Calibri" panose="020F0502020204030204" pitchFamily="34" charset="0"/>
                       </a:endParaRPr>
                     </a:p>
                   </a:txBody>
@@ -23801,7 +24130,7 @@
                     <a:bodyPr/>
                     <a:lstStyle/>
                     <a:p>
-                      <a:pPr marL="0" marR="0">
+                      <a:pPr marL="0" marR="0" algn="r">
                         <a:spcBef>
                           <a:spcPts val="0"/>
                         </a:spcBef>
@@ -23810,27 +24139,34 @@
                         </a:spcAft>
                       </a:pPr>
                       <a:r>
-                        <a:rPr lang="en-US" sz="1200" b="0">
+                        <a:rPr lang="en-US" sz="1600" b="0">
                           <a:solidFill>
                             <a:schemeClr val="tx1"/>
                           </a:solidFill>
                           <a:effectLst/>
+                          <a:latin typeface="Calibri" panose="020F0502020204030204" pitchFamily="34" charset="0"/>
+                          <a:cs typeface="Calibri" panose="020F0502020204030204" pitchFamily="34" charset="0"/>
                         </a:rPr>
                         <a:t>RAS</a:t>
                       </a:r>
-                      <a:endParaRPr lang="en-US" sz="1200" b="0">
+                      <a:endParaRPr lang="en-US" sz="1600" b="0">
                         <a:solidFill>
                           <a:schemeClr val="tx1"/>
                         </a:solidFill>
                         <a:effectLst/>
                         <a:latin typeface="Calibri" panose="020F0502020204030204" pitchFamily="34" charset="0"/>
                         <a:ea typeface="DengXian" panose="02010600030101010101" pitchFamily="2" charset="-122"/>
-                        <a:cs typeface="Arial" panose="020B0604020202020204" pitchFamily="34" charset="0"/>
+                        <a:cs typeface="Calibri" panose="020F0502020204030204" pitchFamily="34" charset="0"/>
                       </a:endParaRPr>
                     </a:p>
                   </a:txBody>
                   <a:tcPr marL="68580" marR="68580" marT="0" marB="0">
-                    <a:noFill/>
+                    <a:solidFill>
+                      <a:schemeClr val="bg2">
+                        <a:lumMod val="20000"/>
+                        <a:lumOff val="80000"/>
+                      </a:schemeClr>
+                    </a:solidFill>
                   </a:tcPr>
                 </a:tc>
                 <a:tc>
@@ -23838,7 +24174,7 @@
                     <a:bodyPr/>
                     <a:lstStyle/>
                     <a:p>
-                      <a:pPr marL="0" marR="0">
+                      <a:pPr marL="0" marR="0" algn="r">
                         <a:spcBef>
                           <a:spcPts val="0"/>
                         </a:spcBef>
@@ -23847,16 +24183,18 @@
                         </a:spcAft>
                       </a:pPr>
                       <a:r>
-                        <a:rPr lang="en-US" sz="1200" dirty="0">
+                        <a:rPr lang="en-US" sz="1600" dirty="0">
                           <a:effectLst/>
+                          <a:latin typeface="Calibri" panose="020F0502020204030204" pitchFamily="34" charset="0"/>
+                          <a:cs typeface="Calibri" panose="020F0502020204030204" pitchFamily="34" charset="0"/>
                         </a:rPr>
                         <a:t>16 entries</a:t>
                       </a:r>
-                      <a:endParaRPr lang="en-US" sz="1200" dirty="0">
+                      <a:endParaRPr lang="en-US" sz="1600" dirty="0">
                         <a:effectLst/>
                         <a:latin typeface="Calibri" panose="020F0502020204030204" pitchFamily="34" charset="0"/>
                         <a:ea typeface="DengXian" panose="02010600030101010101" pitchFamily="2" charset="-122"/>
-                        <a:cs typeface="Arial" panose="020B0604020202020204" pitchFamily="34" charset="0"/>
+                        <a:cs typeface="Calibri" panose="020F0502020204030204" pitchFamily="34" charset="0"/>
                       </a:endParaRPr>
                     </a:p>
                   </a:txBody>
@@ -23874,7 +24212,7 @@
                     <a:bodyPr/>
                     <a:lstStyle/>
                     <a:p>
-                      <a:pPr marL="0" marR="0">
+                      <a:pPr marL="0" marR="0" algn="r">
                         <a:spcBef>
                           <a:spcPts val="0"/>
                         </a:spcBef>
@@ -23883,27 +24221,34 @@
                         </a:spcAft>
                       </a:pPr>
                       <a:r>
-                        <a:rPr lang="en-US" sz="1200" b="0">
+                        <a:rPr lang="en-US" sz="1600" b="0">
                           <a:solidFill>
                             <a:schemeClr val="tx1"/>
                           </a:solidFill>
                           <a:effectLst/>
+                          <a:latin typeface="Calibri" panose="020F0502020204030204" pitchFamily="34" charset="0"/>
+                          <a:cs typeface="Calibri" panose="020F0502020204030204" pitchFamily="34" charset="0"/>
                         </a:rPr>
                         <a:t>Branch mispredict penalty</a:t>
                       </a:r>
-                      <a:endParaRPr lang="en-US" sz="1200" b="0">
+                      <a:endParaRPr lang="en-US" sz="1600" b="0">
                         <a:solidFill>
                           <a:schemeClr val="tx1"/>
                         </a:solidFill>
                         <a:effectLst/>
                         <a:latin typeface="Calibri" panose="020F0502020204030204" pitchFamily="34" charset="0"/>
                         <a:ea typeface="DengXian" panose="02010600030101010101" pitchFamily="2" charset="-122"/>
-                        <a:cs typeface="Arial" panose="020B0604020202020204" pitchFamily="34" charset="0"/>
+                        <a:cs typeface="Calibri" panose="020F0502020204030204" pitchFamily="34" charset="0"/>
                       </a:endParaRPr>
                     </a:p>
                   </a:txBody>
                   <a:tcPr marL="68580" marR="68580" marT="0" marB="0">
-                    <a:noFill/>
+                    <a:solidFill>
+                      <a:schemeClr val="bg2">
+                        <a:lumMod val="20000"/>
+                        <a:lumOff val="80000"/>
+                      </a:schemeClr>
+                    </a:solidFill>
                   </a:tcPr>
                 </a:tc>
                 <a:tc>
@@ -23911,7 +24256,7 @@
                     <a:bodyPr/>
                     <a:lstStyle/>
                     <a:p>
-                      <a:pPr marL="0" marR="0">
+                      <a:pPr marL="0" marR="0" algn="r">
                         <a:spcBef>
                           <a:spcPts val="0"/>
                         </a:spcBef>
@@ -23920,16 +24265,18 @@
                         </a:spcAft>
                       </a:pPr>
                       <a:r>
-                        <a:rPr lang="en-US" sz="1200">
+                        <a:rPr lang="en-US" sz="1600">
                           <a:effectLst/>
+                          <a:latin typeface="Calibri" panose="020F0502020204030204" pitchFamily="34" charset="0"/>
+                          <a:cs typeface="Calibri" panose="020F0502020204030204" pitchFamily="34" charset="0"/>
                         </a:rPr>
                         <a:t>14 cycles</a:t>
                       </a:r>
-                      <a:endParaRPr lang="en-US" sz="1200">
+                      <a:endParaRPr lang="en-US" sz="1600">
                         <a:effectLst/>
                         <a:latin typeface="Calibri" panose="020F0502020204030204" pitchFamily="34" charset="0"/>
                         <a:ea typeface="DengXian" panose="02010600030101010101" pitchFamily="2" charset="-122"/>
-                        <a:cs typeface="Arial" panose="020B0604020202020204" pitchFamily="34" charset="0"/>
+                        <a:cs typeface="Calibri" panose="020F0502020204030204" pitchFamily="34" charset="0"/>
                       </a:endParaRPr>
                     </a:p>
                   </a:txBody>
@@ -23947,7 +24294,7 @@
                     <a:bodyPr/>
                     <a:lstStyle/>
                     <a:p>
-                      <a:pPr marL="0" marR="0">
+                      <a:pPr marL="0" marR="0" algn="r">
                         <a:spcBef>
                           <a:spcPts val="0"/>
                         </a:spcBef>
@@ -23956,27 +24303,34 @@
                         </a:spcAft>
                       </a:pPr>
                       <a:r>
-                        <a:rPr lang="en-US" sz="1200" b="0">
+                        <a:rPr lang="en-US" sz="1600" b="0">
                           <a:solidFill>
                             <a:schemeClr val="tx1"/>
                           </a:solidFill>
                           <a:effectLst/>
+                          <a:latin typeface="Calibri" panose="020F0502020204030204" pitchFamily="34" charset="0"/>
+                          <a:cs typeface="Calibri" panose="020F0502020204030204" pitchFamily="34" charset="0"/>
                         </a:rPr>
                         <a:t>Integer/float registers</a:t>
                       </a:r>
-                      <a:endParaRPr lang="en-US" sz="1200" b="0">
+                      <a:endParaRPr lang="en-US" sz="1600" b="0">
                         <a:solidFill>
                           <a:schemeClr val="tx1"/>
                         </a:solidFill>
                         <a:effectLst/>
                         <a:latin typeface="Calibri" panose="020F0502020204030204" pitchFamily="34" charset="0"/>
                         <a:ea typeface="DengXian" panose="02010600030101010101" pitchFamily="2" charset="-122"/>
-                        <a:cs typeface="Arial" panose="020B0604020202020204" pitchFamily="34" charset="0"/>
+                        <a:cs typeface="Calibri" panose="020F0502020204030204" pitchFamily="34" charset="0"/>
                       </a:endParaRPr>
                     </a:p>
                   </a:txBody>
                   <a:tcPr marL="68580" marR="68580" marT="0" marB="0">
-                    <a:noFill/>
+                    <a:solidFill>
+                      <a:schemeClr val="bg2">
+                        <a:lumMod val="20000"/>
+                        <a:lumOff val="80000"/>
+                      </a:schemeClr>
+                    </a:solidFill>
                   </a:tcPr>
                 </a:tc>
                 <a:tc>
@@ -23984,7 +24338,7 @@
                     <a:bodyPr/>
                     <a:lstStyle/>
                     <a:p>
-                      <a:pPr marL="0" marR="0">
+                      <a:pPr marL="0" marR="0" algn="r">
                         <a:spcBef>
                           <a:spcPts val="0"/>
                         </a:spcBef>
@@ -23993,16 +24347,18 @@
                         </a:spcAft>
                       </a:pPr>
                       <a:r>
-                        <a:rPr lang="en-US" sz="1200">
+                        <a:rPr lang="en-US" sz="1600">
                           <a:effectLst/>
+                          <a:latin typeface="Calibri" panose="020F0502020204030204" pitchFamily="34" charset="0"/>
+                          <a:cs typeface="Calibri" panose="020F0502020204030204" pitchFamily="34" charset="0"/>
                         </a:rPr>
                         <a:t>168/168</a:t>
                       </a:r>
-                      <a:endParaRPr lang="en-US" sz="1200">
+                      <a:endParaRPr lang="en-US" sz="1600">
                         <a:effectLst/>
                         <a:latin typeface="Calibri" panose="020F0502020204030204" pitchFamily="34" charset="0"/>
                         <a:ea typeface="DengXian" panose="02010600030101010101" pitchFamily="2" charset="-122"/>
-                        <a:cs typeface="Arial" panose="020B0604020202020204" pitchFamily="34" charset="0"/>
+                        <a:cs typeface="Calibri" panose="020F0502020204030204" pitchFamily="34" charset="0"/>
                       </a:endParaRPr>
                     </a:p>
                   </a:txBody>
@@ -24020,7 +24376,7 @@
                     <a:bodyPr/>
                     <a:lstStyle/>
                     <a:p>
-                      <a:pPr marL="0" marR="0">
+                      <a:pPr marL="0" marR="0" algn="r">
                         <a:spcBef>
                           <a:spcPts val="0"/>
                         </a:spcBef>
@@ -24029,27 +24385,34 @@
                         </a:spcAft>
                       </a:pPr>
                       <a:r>
-                        <a:rPr lang="en-US" sz="1200" b="0">
+                        <a:rPr lang="en-US" sz="1600" b="0">
                           <a:solidFill>
                             <a:schemeClr val="tx1"/>
                           </a:solidFill>
                           <a:effectLst/>
+                          <a:latin typeface="Calibri" panose="020F0502020204030204" pitchFamily="34" charset="0"/>
+                          <a:cs typeface="Calibri" panose="020F0502020204030204" pitchFamily="34" charset="0"/>
                         </a:rPr>
                         <a:t>Instruction TLB</a:t>
                       </a:r>
-                      <a:endParaRPr lang="en-US" sz="1200" b="0">
+                      <a:endParaRPr lang="en-US" sz="1600" b="0">
                         <a:solidFill>
                           <a:schemeClr val="tx1"/>
                         </a:solidFill>
                         <a:effectLst/>
                         <a:latin typeface="Calibri" panose="020F0502020204030204" pitchFamily="34" charset="0"/>
                         <a:ea typeface="DengXian" panose="02010600030101010101" pitchFamily="2" charset="-122"/>
-                        <a:cs typeface="Arial" panose="020B0604020202020204" pitchFamily="34" charset="0"/>
+                        <a:cs typeface="Calibri" panose="020F0502020204030204" pitchFamily="34" charset="0"/>
                       </a:endParaRPr>
                     </a:p>
                   </a:txBody>
                   <a:tcPr marL="68580" marR="68580" marT="0" marB="0">
-                    <a:noFill/>
+                    <a:solidFill>
+                      <a:schemeClr val="bg2">
+                        <a:lumMod val="20000"/>
+                        <a:lumOff val="80000"/>
+                      </a:schemeClr>
+                    </a:solidFill>
                   </a:tcPr>
                 </a:tc>
                 <a:tc>
@@ -24057,7 +24420,7 @@
                     <a:bodyPr/>
                     <a:lstStyle/>
                     <a:p>
-                      <a:pPr marL="0" marR="0">
+                      <a:pPr marL="0" marR="0" algn="r">
                         <a:spcBef>
                           <a:spcPts val="0"/>
                         </a:spcBef>
@@ -24066,16 +24429,18 @@
                         </a:spcAft>
                       </a:pPr>
                       <a:r>
-                        <a:rPr lang="en-US" sz="1200" dirty="0">
+                        <a:rPr lang="en-US" sz="1600" dirty="0">
                           <a:effectLst/>
+                          <a:latin typeface="Calibri" panose="020F0502020204030204" pitchFamily="34" charset="0"/>
+                          <a:cs typeface="Calibri" panose="020F0502020204030204" pitchFamily="34" charset="0"/>
                         </a:rPr>
                         <a:t>128 entries</a:t>
                       </a:r>
-                      <a:endParaRPr lang="en-US" sz="1200" dirty="0">
+                      <a:endParaRPr lang="en-US" sz="1600" dirty="0">
                         <a:effectLst/>
                         <a:latin typeface="Calibri" panose="020F0502020204030204" pitchFamily="34" charset="0"/>
                         <a:ea typeface="DengXian" panose="02010600030101010101" pitchFamily="2" charset="-122"/>
-                        <a:cs typeface="Arial" panose="020B0604020202020204" pitchFamily="34" charset="0"/>
+                        <a:cs typeface="Calibri" panose="020F0502020204030204" pitchFamily="34" charset="0"/>
                       </a:endParaRPr>
                     </a:p>
                   </a:txBody>
@@ -24093,7 +24458,7 @@
                     <a:bodyPr/>
                     <a:lstStyle/>
                     <a:p>
-                      <a:pPr marL="0" marR="0">
+                      <a:pPr marL="0" marR="0" algn="r">
                         <a:spcBef>
                           <a:spcPts val="0"/>
                         </a:spcBef>
@@ -24102,27 +24467,34 @@
                         </a:spcAft>
                       </a:pPr>
                       <a:r>
-                        <a:rPr lang="en-US" sz="1200" b="0">
+                        <a:rPr lang="en-US" sz="1600" b="0">
                           <a:solidFill>
                             <a:schemeClr val="tx1"/>
                           </a:solidFill>
                           <a:effectLst/>
+                          <a:latin typeface="Calibri" panose="020F0502020204030204" pitchFamily="34" charset="0"/>
+                          <a:cs typeface="Calibri" panose="020F0502020204030204" pitchFamily="34" charset="0"/>
                         </a:rPr>
                         <a:t>Data TLB, associativity</a:t>
                       </a:r>
-                      <a:endParaRPr lang="en-US" sz="1200" b="0">
+                      <a:endParaRPr lang="en-US" sz="1600" b="0">
                         <a:solidFill>
                           <a:schemeClr val="tx1"/>
                         </a:solidFill>
                         <a:effectLst/>
                         <a:latin typeface="Calibri" panose="020F0502020204030204" pitchFamily="34" charset="0"/>
                         <a:ea typeface="DengXian" panose="02010600030101010101" pitchFamily="2" charset="-122"/>
-                        <a:cs typeface="Arial" panose="020B0604020202020204" pitchFamily="34" charset="0"/>
+                        <a:cs typeface="Calibri" panose="020F0502020204030204" pitchFamily="34" charset="0"/>
                       </a:endParaRPr>
                     </a:p>
                   </a:txBody>
                   <a:tcPr marL="68580" marR="68580" marT="0" marB="0">
-                    <a:noFill/>
+                    <a:solidFill>
+                      <a:schemeClr val="bg2">
+                        <a:lumMod val="20000"/>
+                        <a:lumOff val="80000"/>
+                      </a:schemeClr>
+                    </a:solidFill>
                   </a:tcPr>
                 </a:tc>
                 <a:tc>
@@ -24130,7 +24502,7 @@
                     <a:bodyPr/>
                     <a:lstStyle/>
                     <a:p>
-                      <a:pPr marL="0" marR="0">
+                      <a:pPr marL="0" marR="0" algn="r">
                         <a:spcBef>
                           <a:spcPts val="0"/>
                         </a:spcBef>
@@ -24139,16 +24511,18 @@
                         </a:spcAft>
                       </a:pPr>
                       <a:r>
-                        <a:rPr lang="en-US" sz="1200">
+                        <a:rPr lang="en-US" sz="1600">
                           <a:effectLst/>
+                          <a:latin typeface="Calibri" panose="020F0502020204030204" pitchFamily="34" charset="0"/>
+                          <a:cs typeface="Calibri" panose="020F0502020204030204" pitchFamily="34" charset="0"/>
                         </a:rPr>
                         <a:t>64, 4 way</a:t>
                       </a:r>
-                      <a:endParaRPr lang="en-US" sz="1200">
+                      <a:endParaRPr lang="en-US" sz="1600">
                         <a:effectLst/>
                         <a:latin typeface="Calibri" panose="020F0502020204030204" pitchFamily="34" charset="0"/>
                         <a:ea typeface="DengXian" panose="02010600030101010101" pitchFamily="2" charset="-122"/>
-                        <a:cs typeface="Arial" panose="020B0604020202020204" pitchFamily="34" charset="0"/>
+                        <a:cs typeface="Calibri" panose="020F0502020204030204" pitchFamily="34" charset="0"/>
                       </a:endParaRPr>
                     </a:p>
                   </a:txBody>
@@ -24166,7 +24540,7 @@
                     <a:bodyPr/>
                     <a:lstStyle/>
                     <a:p>
-                      <a:pPr marL="0" marR="0">
+                      <a:pPr marL="0" marR="0" algn="r">
                         <a:spcBef>
                           <a:spcPts val="0"/>
                         </a:spcBef>
@@ -24175,27 +24549,34 @@
                         </a:spcAft>
                       </a:pPr>
                       <a:r>
-                        <a:rPr lang="en-US" sz="1200" b="0" dirty="0">
+                        <a:rPr lang="en-US" sz="1600" b="0" dirty="0">
                           <a:solidFill>
                             <a:schemeClr val="tx1"/>
                           </a:solidFill>
                           <a:effectLst/>
+                          <a:latin typeface="Calibri" panose="020F0502020204030204" pitchFamily="34" charset="0"/>
+                          <a:cs typeface="Calibri" panose="020F0502020204030204" pitchFamily="34" charset="0"/>
                         </a:rPr>
                         <a:t>L2 TLB size, associativity</a:t>
                       </a:r>
-                      <a:endParaRPr lang="en-US" sz="1200" b="0" dirty="0">
+                      <a:endParaRPr lang="en-US" sz="1600" b="0" dirty="0">
                         <a:solidFill>
                           <a:schemeClr val="tx1"/>
                         </a:solidFill>
                         <a:effectLst/>
                         <a:latin typeface="Calibri" panose="020F0502020204030204" pitchFamily="34" charset="0"/>
                         <a:ea typeface="DengXian" panose="02010600030101010101" pitchFamily="2" charset="-122"/>
-                        <a:cs typeface="Arial" panose="020B0604020202020204" pitchFamily="34" charset="0"/>
+                        <a:cs typeface="Calibri" panose="020F0502020204030204" pitchFamily="34" charset="0"/>
                       </a:endParaRPr>
                     </a:p>
                   </a:txBody>
                   <a:tcPr marL="68580" marR="68580" marT="0" marB="0">
-                    <a:noFill/>
+                    <a:solidFill>
+                      <a:schemeClr val="bg2">
+                        <a:lumMod val="20000"/>
+                        <a:lumOff val="80000"/>
+                      </a:schemeClr>
+                    </a:solidFill>
                   </a:tcPr>
                 </a:tc>
                 <a:tc>
@@ -24203,7 +24584,7 @@
                     <a:bodyPr/>
                     <a:lstStyle/>
                     <a:p>
-                      <a:pPr marL="0" marR="0">
+                      <a:pPr marL="0" marR="0" algn="r">
                         <a:spcBef>
                           <a:spcPts val="0"/>
                         </a:spcBef>
@@ -24212,16 +24593,18 @@
                         </a:spcAft>
                       </a:pPr>
                       <a:r>
-                        <a:rPr lang="en-US" sz="1200" dirty="0">
+                        <a:rPr lang="en-US" sz="1600" dirty="0">
                           <a:effectLst/>
+                          <a:latin typeface="Calibri" panose="020F0502020204030204" pitchFamily="34" charset="0"/>
+                          <a:cs typeface="Calibri" panose="020F0502020204030204" pitchFamily="34" charset="0"/>
                         </a:rPr>
                         <a:t>1024 entries, 8 way</a:t>
                       </a:r>
-                      <a:endParaRPr lang="en-US" sz="1200" dirty="0">
+                      <a:endParaRPr lang="en-US" sz="1600" dirty="0">
                         <a:effectLst/>
                         <a:latin typeface="Calibri" panose="020F0502020204030204" pitchFamily="34" charset="0"/>
                         <a:ea typeface="DengXian" panose="02010600030101010101" pitchFamily="2" charset="-122"/>
-                        <a:cs typeface="Arial" panose="020B0604020202020204" pitchFamily="34" charset="0"/>
+                        <a:cs typeface="Calibri" panose="020F0502020204030204" pitchFamily="34" charset="0"/>
                       </a:endParaRPr>
                     </a:p>
                   </a:txBody>
@@ -24307,7 +24690,7 @@
         </p:nvSpPr>
         <p:spPr>
           <a:xfrm>
-            <a:off x="455676" y="1447800"/>
+            <a:off x="455676" y="1302707"/>
             <a:ext cx="8226552" cy="4953000"/>
           </a:xfrm>
         </p:spPr>
@@ -24538,8 +24921,8 @@
             </p:nvSpPr>
             <p:spPr>
               <a:xfrm>
-                <a:off x="228600" y="1295400"/>
-                <a:ext cx="8610600" cy="4953000"/>
+                <a:off x="609600" y="1752605"/>
+                <a:ext cx="8001000" cy="4475963"/>
               </a:xfrm>
             </p:spPr>
             <p:txBody>
@@ -24569,7 +24952,7 @@
                     <a:latin typeface="Arial" panose="020B0604020202020204" pitchFamily="34" charset="0"/>
                     <a:cs typeface="Arial" panose="020B0604020202020204" pitchFamily="34" charset="0"/>
                   </a:rPr>
-                  <a:t>8KB cache</a:t>
+                  <a:t>8KB/core instruction and data cache</a:t>
                 </a:r>
               </a:p>
               <a:p>
@@ -24602,7 +24985,30 @@
                     <a:latin typeface="Arial" panose="020B0604020202020204" pitchFamily="34" charset="0"/>
                     <a:cs typeface="Arial" panose="020B0604020202020204" pitchFamily="34" charset="0"/>
                   </a:rPr>
-                  <a:t>/sec, .25/</a:t>
+                  <a:t>/sec, .25 interrupts/</a:t>
+                </a:r>
+                <a:r>
+                  <a:rPr lang="en-US" sz="2000" dirty="0" err="1">
+                    <a:latin typeface="Arial" panose="020B0604020202020204" pitchFamily="34" charset="0"/>
+                    <a:cs typeface="Arial" panose="020B0604020202020204" pitchFamily="34" charset="0"/>
+                  </a:rPr>
+                  <a:t>irq</a:t>
+                </a:r>
+                <a:r>
+                  <a:rPr lang="en-US" sz="2000" dirty="0">
+                    <a:latin typeface="Arial" panose="020B0604020202020204" pitchFamily="34" charset="0"/>
+                    <a:cs typeface="Arial" panose="020B0604020202020204" pitchFamily="34" charset="0"/>
+                  </a:rPr>
+                  <a:t> </a:t>
+                </a:r>
+              </a:p>
+              <a:p>
+                <a:r>
+                  <a:rPr lang="en-US" sz="2000" dirty="0">
+                    <a:latin typeface="Arial" panose="020B0604020202020204" pitchFamily="34" charset="0"/>
+                    <a:cs typeface="Arial" panose="020B0604020202020204" pitchFamily="34" charset="0"/>
+                  </a:rPr>
+                  <a:t>509 interrupts/sec, .51 interrupts/</a:t>
                 </a:r>
                 <a:r>
                   <a:rPr lang="en-US" sz="2000" dirty="0" err="1">
@@ -24611,90 +25017,10 @@
                   </a:rPr>
                   <a:t>ms</a:t>
                 </a:r>
-                <a:r>
-                  <a:rPr lang="en-US" sz="2000" dirty="0">
-                    <a:latin typeface="Arial" panose="020B0604020202020204" pitchFamily="34" charset="0"/>
-                    <a:cs typeface="Arial" panose="020B0604020202020204" pitchFamily="34" charset="0"/>
-                  </a:rPr>
-                  <a:t> (250 </a:t>
-                </a:r>
-                <a14:m>
-                  <m:oMath xmlns:m="http://schemas.openxmlformats.org/officeDocument/2006/math">
-                    <m:r>
-                      <a:rPr lang="en-US" sz="2000" i="1">
-                        <a:latin typeface="Cambria Math" panose="02040503050406030204" pitchFamily="18" charset="0"/>
-                        <a:ea typeface="Cambria Math" panose="02040503050406030204" pitchFamily="18" charset="0"/>
-                        <a:cs typeface="Arial" panose="020B0604020202020204" pitchFamily="34" charset="0"/>
-                      </a:rPr>
-                      <m:t>𝜇</m:t>
-                    </m:r>
-                    <m:r>
-                      <a:rPr lang="en-US" sz="2000" i="1">
-                        <a:latin typeface="Cambria Math" panose="02040503050406030204" pitchFamily="18" charset="0"/>
-                        <a:ea typeface="Cambria Math" panose="02040503050406030204" pitchFamily="18" charset="0"/>
-                        <a:cs typeface="Arial" panose="020B0604020202020204" pitchFamily="34" charset="0"/>
-                      </a:rPr>
-                      <m:t>𝑠𝑒𝑐</m:t>
-                    </m:r>
-                  </m:oMath>
-                </a14:m>
-                <a:r>
-                  <a:rPr lang="en-US" sz="2000" dirty="0">
-                    <a:latin typeface="Arial" panose="020B0604020202020204" pitchFamily="34" charset="0"/>
-                    <a:cs typeface="Arial" panose="020B0604020202020204" pitchFamily="34" charset="0"/>
-                  </a:rPr>
-                  <a:t>)</a:t>
-                </a:r>
-              </a:p>
-              <a:p>
-                <a:r>
-                  <a:rPr lang="en-US" sz="2000" dirty="0">
-                    <a:latin typeface="Arial" panose="020B0604020202020204" pitchFamily="34" charset="0"/>
-                    <a:cs typeface="Arial" panose="020B0604020202020204" pitchFamily="34" charset="0"/>
-                  </a:rPr>
-                  <a:t>509 interrupts/sec, .51/</a:t>
-                </a:r>
-                <a:r>
-                  <a:rPr lang="en-US" sz="2000" dirty="0" err="1">
-                    <a:latin typeface="Arial" panose="020B0604020202020204" pitchFamily="34" charset="0"/>
-                    <a:cs typeface="Arial" panose="020B0604020202020204" pitchFamily="34" charset="0"/>
-                  </a:rPr>
-                  <a:t>ms</a:t>
-                </a:r>
-                <a:r>
-                  <a:rPr lang="en-US" sz="2000" dirty="0">
-                    <a:latin typeface="Arial" panose="020B0604020202020204" pitchFamily="34" charset="0"/>
-                    <a:cs typeface="Arial" panose="020B0604020202020204" pitchFamily="34" charset="0"/>
-                  </a:rPr>
-                  <a:t> (510 </a:t>
-                </a:r>
-                <a14:m>
-                  <m:oMath xmlns:m="http://schemas.openxmlformats.org/officeDocument/2006/math">
-                    <m:r>
-                      <a:rPr lang="en-US" sz="2000" i="1">
-                        <a:latin typeface="Cambria Math" panose="02040503050406030204" pitchFamily="18" charset="0"/>
-                        <a:ea typeface="Cambria Math" panose="02040503050406030204" pitchFamily="18" charset="0"/>
-                        <a:cs typeface="Arial" panose="020B0604020202020204" pitchFamily="34" charset="0"/>
-                      </a:rPr>
-                      <m:t>𝜇</m:t>
-                    </m:r>
-                    <m:r>
-                      <a:rPr lang="en-US" sz="2000" i="1">
-                        <a:latin typeface="Cambria Math" panose="02040503050406030204" pitchFamily="18" charset="0"/>
-                        <a:ea typeface="Cambria Math" panose="02040503050406030204" pitchFamily="18" charset="0"/>
-                        <a:cs typeface="Arial" panose="020B0604020202020204" pitchFamily="34" charset="0"/>
-                      </a:rPr>
-                      <m:t>𝑠𝑒𝑐</m:t>
-                    </m:r>
-                  </m:oMath>
-                </a14:m>
-                <a:r>
-                  <a:rPr lang="en-US" sz="2000" dirty="0">
-                    <a:latin typeface="Arial" panose="020B0604020202020204" pitchFamily="34" charset="0"/>
-                    <a:cs typeface="Arial" panose="020B0604020202020204" pitchFamily="34" charset="0"/>
-                  </a:rPr>
-                  <a:t>)</a:t>
-                </a:r>
+                <a:endParaRPr lang="en-US" sz="2000" dirty="0">
+                  <a:latin typeface="Arial" panose="020B0604020202020204" pitchFamily="34" charset="0"/>
+                  <a:cs typeface="Arial" panose="020B0604020202020204" pitchFamily="34" charset="0"/>
+                </a:endParaRPr>
               </a:p>
               <a:p>
                 <a:pPr lvl="0"/>
@@ -24754,13 +25080,6 @@
                 </a:r>
               </a:p>
               <a:p>
-                <a:pPr lvl="1"/>
-                <a:endParaRPr lang="en-US" sz="2000" dirty="0">
-                  <a:latin typeface="Arial" panose="020B0604020202020204" pitchFamily="34" charset="0"/>
-                  <a:cs typeface="Arial" panose="020B0604020202020204" pitchFamily="34" charset="0"/>
-                </a:endParaRPr>
-              </a:p>
-              <a:p>
                 <a:pPr lvl="0"/>
                 <a:r>
                   <a:rPr lang="en-US" sz="2000" dirty="0">
@@ -24768,6 +25087,16 @@
                     <a:cs typeface="Arial" panose="020B0604020202020204" pitchFamily="34" charset="0"/>
                   </a:rPr>
                   <a:t>Need to know what CPU services interrupt</a:t>
+                </a:r>
+              </a:p>
+              <a:p>
+                <a:pPr lvl="1"/>
+                <a:r>
+                  <a:rPr lang="en-US" sz="1600" dirty="0">
+                    <a:latin typeface="Arial" panose="020B0604020202020204" pitchFamily="34" charset="0"/>
+                    <a:cs typeface="Arial" panose="020B0604020202020204" pitchFamily="34" charset="0"/>
+                  </a:rPr>
+                  <a:t>Probably balanced</a:t>
                 </a:r>
               </a:p>
             </p:txBody>
@@ -24786,13 +25115,13 @@
             </p:nvSpPr>
             <p:spPr>
               <a:xfrm>
-                <a:off x="228600" y="1295400"/>
-                <a:ext cx="8610600" cy="4953000"/>
+                <a:off x="609600" y="1752605"/>
+                <a:ext cx="8001000" cy="4475963"/>
               </a:xfrm>
               <a:blipFill>
                 <a:blip r:embed="rId3"/>
                 <a:stretch>
-                  <a:fillRect l="-737" t="-767"/>
+                  <a:fillRect l="-634" t="-850"/>
                 </a:stretch>
               </a:blipFill>
             </p:spPr>
@@ -24913,6 +25242,234 @@
     <p:extLst>
       <p:ext uri="{BB962C8B-B14F-4D97-AF65-F5344CB8AC3E}">
         <p14:creationId xmlns:p14="http://schemas.microsoft.com/office/powerpoint/2010/main" val="2298963172"/>
+      </p:ext>
+    </p:extLst>
+  </p:cSld>
+  <p:clrMapOvr>
+    <a:masterClrMapping/>
+  </p:clrMapOvr>
+  <p:transition/>
+</p:sld>
+</file>
+
+<file path=ppt/slides/slide46.xml><?xml version="1.0" encoding="utf-8"?>
+<p:sld xmlns:a="http://schemas.openxmlformats.org/drawingml/2006/main" xmlns:r="http://schemas.openxmlformats.org/officeDocument/2006/relationships" xmlns:p="http://schemas.openxmlformats.org/presentationml/2006/main">
+  <p:cSld>
+    <p:spTree>
+      <p:nvGrpSpPr>
+        <p:cNvPr id="1" name=""/>
+        <p:cNvGrpSpPr/>
+        <p:nvPr/>
+      </p:nvGrpSpPr>
+      <p:grpSpPr>
+        <a:xfrm>
+          <a:off x="0" y="0"/>
+          <a:ext cx="0" cy="0"/>
+          <a:chOff x="0" y="0"/>
+          <a:chExt cx="0" cy="0"/>
+        </a:xfrm>
+      </p:grpSpPr>
+      <p:sp>
+        <p:nvSpPr>
+          <p:cNvPr id="23556" name="Rectangle 2"/>
+          <p:cNvSpPr>
+            <a:spLocks noGrp="1" noChangeArrowheads="1"/>
+          </p:cNvSpPr>
+          <p:nvPr>
+            <p:ph type="title"/>
+          </p:nvPr>
+        </p:nvSpPr>
+        <p:spPr>
+          <a:xfrm>
+            <a:off x="682752" y="114300"/>
+            <a:ext cx="7772400" cy="838200"/>
+          </a:xfrm>
+        </p:spPr>
+        <p:txBody>
+          <a:bodyPr/>
+          <a:lstStyle/>
+          <a:p>
+            <a:r>
+              <a:rPr lang="en-US" sz="3600" dirty="0"/>
+              <a:t>Machine Data</a:t>
+            </a:r>
+          </a:p>
+        </p:txBody>
+      </p:sp>
+      <p:sp>
+        <p:nvSpPr>
+          <p:cNvPr id="23557" name="Rectangle 3"/>
+          <p:cNvSpPr>
+            <a:spLocks noGrp="1" noChangeArrowheads="1"/>
+          </p:cNvSpPr>
+          <p:nvPr>
+            <p:ph type="body" idx="1"/>
+          </p:nvPr>
+        </p:nvSpPr>
+        <p:spPr>
+          <a:xfrm>
+            <a:off x="609600" y="1752605"/>
+            <a:ext cx="8001000" cy="4475963"/>
+          </a:xfrm>
+        </p:spPr>
+        <p:txBody>
+          <a:bodyPr/>
+          <a:lstStyle/>
+          <a:p>
+            <a:pPr lvl="0"/>
+            <a:r>
+              <a:rPr lang="en-US" sz="2000" dirty="0"/>
+              <a:t>20% code is branches</a:t>
+            </a:r>
+          </a:p>
+          <a:p>
+            <a:pPr lvl="0"/>
+            <a:r>
+              <a:rPr lang="en-US" sz="2000" dirty="0">
+                <a:latin typeface="Arial" panose="020B0604020202020204" pitchFamily="34" charset="0"/>
+                <a:cs typeface="Arial" panose="020B0604020202020204" pitchFamily="34" charset="0"/>
+              </a:rPr>
+              <a:t>Correct prediction 80% </a:t>
+            </a:r>
+          </a:p>
+          <a:p>
+            <a:pPr lvl="0"/>
+            <a:r>
+              <a:rPr lang="en-US" sz="2000" dirty="0">
+                <a:latin typeface="Arial" panose="020B0604020202020204" pitchFamily="34" charset="0"/>
+                <a:cs typeface="Arial" panose="020B0604020202020204" pitchFamily="34" charset="0"/>
+              </a:rPr>
+              <a:t>2% L1 cache miss</a:t>
+            </a:r>
+          </a:p>
+          <a:p>
+            <a:pPr lvl="0"/>
+            <a:r>
+              <a:rPr lang="en-US" sz="2000" dirty="0">
+                <a:latin typeface="Arial" panose="020B0604020202020204" pitchFamily="34" charset="0"/>
+                <a:cs typeface="Arial" panose="020B0604020202020204" pitchFamily="34" charset="0"/>
+              </a:rPr>
+              <a:t>Locks and barriers in kernel</a:t>
+            </a:r>
+          </a:p>
+          <a:p>
+            <a:pPr lvl="0"/>
+            <a:r>
+              <a:rPr lang="en-US" sz="2000" dirty="0">
+                <a:latin typeface="Arial" panose="020B0604020202020204" pitchFamily="34" charset="0"/>
+                <a:cs typeface="Arial" panose="020B0604020202020204" pitchFamily="34" charset="0"/>
+              </a:rPr>
+              <a:t>Pipeline improves perf by 20 – 100% (1 cycle deviation)</a:t>
+            </a:r>
+            <a:endParaRPr lang="en-US" sz="1600" dirty="0">
+              <a:latin typeface="Arial" panose="020B0604020202020204" pitchFamily="34" charset="0"/>
+              <a:cs typeface="Arial" panose="020B0604020202020204" pitchFamily="34" charset="0"/>
+            </a:endParaRPr>
+          </a:p>
+        </p:txBody>
+      </p:sp>
+      <p:sp>
+        <p:nvSpPr>
+          <p:cNvPr id="8" name="Slide Number Placeholder 7"/>
+          <p:cNvSpPr>
+            <a:spLocks noGrp="1"/>
+          </p:cNvSpPr>
+          <p:nvPr>
+            <p:ph type="sldNum" sz="quarter" idx="12"/>
+          </p:nvPr>
+        </p:nvSpPr>
+        <p:spPr/>
+        <p:txBody>
+          <a:bodyPr/>
+          <a:lstStyle/>
+          <a:p>
+            <a:pPr>
+              <a:defRPr/>
+            </a:pPr>
+            <a:fld id="{8E09DF16-9352-46A7-97F1-1D13A8547ADD}" type="slidenum">
+              <a:rPr lang="en-US" smtClean="0"/>
+              <a:pPr>
+                <a:defRPr/>
+              </a:pPr>
+              <a:t>46</a:t>
+            </a:fld>
+            <a:endParaRPr lang="en-US"/>
+          </a:p>
+        </p:txBody>
+      </p:sp>
+      <p:sp>
+        <p:nvSpPr>
+          <p:cNvPr id="2" name="Rectangle 2">
+            <a:extLst>
+              <a:ext uri="{FF2B5EF4-FFF2-40B4-BE49-F238E27FC236}">
+                <a16:creationId xmlns:a16="http://schemas.microsoft.com/office/drawing/2014/main" id="{C0D3418F-80B0-844C-8418-6CC7A95790AB}"/>
+              </a:ext>
+            </a:extLst>
+          </p:cNvPr>
+          <p:cNvSpPr>
+            <a:spLocks noChangeArrowheads="1"/>
+          </p:cNvSpPr>
+          <p:nvPr/>
+        </p:nvSpPr>
+        <p:spPr bwMode="auto">
+          <a:xfrm>
+            <a:off x="0" y="0"/>
+            <a:ext cx="9144000" cy="0"/>
+          </a:xfrm>
+          <a:prstGeom prst="rect">
+            <a:avLst/>
+          </a:prstGeom>
+          <a:noFill/>
+          <a:ln>
+            <a:noFill/>
+          </a:ln>
+          <a:effectLst/>
+          <a:extLst>
+            <a:ext uri="{909E8E84-426E-40DD-AFC4-6F175D3DCCD1}">
+              <a14:hiddenFill xmlns:a14="http://schemas.microsoft.com/office/drawing/2010/main">
+                <a:solidFill>
+                  <a:schemeClr val="accent1"/>
+                </a:solidFill>
+              </a14:hiddenFill>
+            </a:ext>
+            <a:ext uri="{91240B29-F687-4F45-9708-019B960494DF}">
+              <a14:hiddenLine xmlns:a14="http://schemas.microsoft.com/office/drawing/2010/main" w="9525">
+                <a:solidFill>
+                  <a:schemeClr val="tx1"/>
+                </a:solidFill>
+                <a:miter lim="800000"/>
+                <a:headEnd/>
+                <a:tailEnd/>
+              </a14:hiddenLine>
+            </a:ext>
+            <a:ext uri="{AF507438-7753-43E0-B8FC-AC1667EBCBE1}">
+              <a14:hiddenEffects xmlns:a14="http://schemas.microsoft.com/office/drawing/2010/main">
+                <a:effectLst>
+                  <a:outerShdw dist="35921" dir="2700000" algn="ctr" rotWithShape="0">
+                    <a:schemeClr val="bg2"/>
+                  </a:outerShdw>
+                </a:effectLst>
+              </a14:hiddenEffects>
+            </a:ext>
+          </a:extLst>
+        </p:spPr>
+        <p:txBody>
+          <a:bodyPr vert="horz" wrap="none" lIns="91440" tIns="45720" rIns="91440" bIns="45720" numCol="1" anchor="ctr" anchorCtr="0" compatLnSpc="1">
+            <a:prstTxWarp prst="textNoShape">
+              <a:avLst/>
+            </a:prstTxWarp>
+            <a:spAutoFit/>
+          </a:bodyPr>
+          <a:lstStyle/>
+          <a:p>
+            <a:endParaRPr lang="en-US"/>
+          </a:p>
+        </p:txBody>
+      </p:sp>
+    </p:spTree>
+    <p:extLst>
+      <p:ext uri="{BB962C8B-B14F-4D97-AF65-F5344CB8AC3E}">
+        <p14:creationId xmlns:p14="http://schemas.microsoft.com/office/powerpoint/2010/main" val="1725289121"/>
       </p:ext>
     </p:extLst>
   </p:cSld>

--- a/BerkeleyClass/CS290Spring2013/Lectures/entropy_talk.pptx
+++ b/BerkeleyClass/CS290Spring2013/Lectures/entropy_talk.pptx
@@ -5,10 +5,10 @@
     <p:sldMasterId id="2147483649" r:id="rId1"/>
   </p:sldMasterIdLst>
   <p:notesMasterIdLst>
-    <p:notesMasterId r:id="rId48"/>
+    <p:notesMasterId r:id="rId52"/>
   </p:notesMasterIdLst>
   <p:handoutMasterIdLst>
-    <p:handoutMasterId r:id="rId49"/>
+    <p:handoutMasterId r:id="rId53"/>
   </p:handoutMasterIdLst>
   <p:sldIdLst>
     <p:sldId id="3175" r:id="rId2"/>
@@ -56,7 +56,11 @@
     <p:sldId id="3812" r:id="rId44"/>
     <p:sldId id="3807" r:id="rId45"/>
     <p:sldId id="3813" r:id="rId46"/>
-    <p:sldId id="3814" r:id="rId47"/>
+    <p:sldId id="3815" r:id="rId47"/>
+    <p:sldId id="3814" r:id="rId48"/>
+    <p:sldId id="3816" r:id="rId49"/>
+    <p:sldId id="3817" r:id="rId50"/>
+    <p:sldId id="3818" r:id="rId51"/>
   </p:sldIdLst>
   <p:sldSz cx="9144000" cy="6858000" type="screen4x3"/>
   <p:notesSz cx="7010400" cy="9296400"/>
@@ -4602,7 +4606,407 @@
     </p:spTree>
     <p:extLst>
       <p:ext uri="{BB962C8B-B14F-4D97-AF65-F5344CB8AC3E}">
+        <p14:creationId xmlns:p14="http://schemas.microsoft.com/office/powerpoint/2010/main" val="154025237"/>
+      </p:ext>
+    </p:extLst>
+  </p:cSld>
+  <p:clrMapOvr>
+    <a:masterClrMapping/>
+  </p:clrMapOvr>
+</p:notes>
+</file>
+
+<file path=ppt/notesSlides/notesSlide43.xml><?xml version="1.0" encoding="utf-8"?>
+<p:notes xmlns:a="http://schemas.openxmlformats.org/drawingml/2006/main" xmlns:r="http://schemas.openxmlformats.org/officeDocument/2006/relationships" xmlns:p="http://schemas.openxmlformats.org/presentationml/2006/main">
+  <p:cSld>
+    <p:spTree>
+      <p:nvGrpSpPr>
+        <p:cNvPr id="1" name=""/>
+        <p:cNvGrpSpPr/>
+        <p:nvPr/>
+      </p:nvGrpSpPr>
+      <p:grpSpPr>
+        <a:xfrm>
+          <a:off x="0" y="0"/>
+          <a:ext cx="0" cy="0"/>
+          <a:chOff x="0" y="0"/>
+          <a:chExt cx="0" cy="0"/>
+        </a:xfrm>
+      </p:grpSpPr>
+      <p:sp>
+        <p:nvSpPr>
+          <p:cNvPr id="95234" name="Rectangle 7"/>
+          <p:cNvSpPr>
+            <a:spLocks noGrp="1" noChangeArrowheads="1"/>
+          </p:cNvSpPr>
+          <p:nvPr>
+            <p:ph type="sldNum" sz="quarter" idx="5"/>
+          </p:nvPr>
+        </p:nvSpPr>
+        <p:spPr>
+          <a:noFill/>
+        </p:spPr>
+        <p:txBody>
+          <a:bodyPr/>
+          <a:lstStyle/>
+          <a:p>
+            <a:fld id="{86016DC7-F49B-4F50-9A32-E9E9CFA38878}" type="slidenum">
+              <a:rPr lang="en-US" smtClean="0"/>
+              <a:pPr/>
+              <a:t>47</a:t>
+            </a:fld>
+            <a:endParaRPr lang="en-US"/>
+          </a:p>
+        </p:txBody>
+      </p:sp>
+      <p:sp>
+        <p:nvSpPr>
+          <p:cNvPr id="95235" name="Rectangle 2"/>
+          <p:cNvSpPr>
+            <a:spLocks noGrp="1" noRot="1" noChangeAspect="1" noChangeArrowheads="1" noTextEdit="1"/>
+          </p:cNvSpPr>
+          <p:nvPr>
+            <p:ph type="sldImg"/>
+          </p:nvPr>
+        </p:nvSpPr>
+        <p:spPr>
+          <a:xfrm>
+            <a:off x="1169988" y="687388"/>
+            <a:ext cx="4673600" cy="3505200"/>
+          </a:xfrm>
+          <a:ln/>
+        </p:spPr>
+      </p:sp>
+      <p:sp>
+        <p:nvSpPr>
+          <p:cNvPr id="95236" name="Rectangle 3"/>
+          <p:cNvSpPr>
+            <a:spLocks noGrp="1" noChangeArrowheads="1"/>
+          </p:cNvSpPr>
+          <p:nvPr>
+            <p:ph type="body" idx="1"/>
+          </p:nvPr>
+        </p:nvSpPr>
+        <p:spPr>
+          <a:xfrm>
+            <a:off x="914400" y="4421188"/>
+            <a:ext cx="5184775" cy="4191000"/>
+          </a:xfrm>
+          <a:noFill/>
+          <a:ln w="9525"/>
+        </p:spPr>
+        <p:txBody>
+          <a:bodyPr/>
+          <a:lstStyle/>
+          <a:p>
+            <a:endParaRPr lang="en-US"/>
+          </a:p>
+        </p:txBody>
+      </p:sp>
+    </p:spTree>
+    <p:extLst>
+      <p:ext uri="{BB962C8B-B14F-4D97-AF65-F5344CB8AC3E}">
         <p14:creationId xmlns:p14="http://schemas.microsoft.com/office/powerpoint/2010/main" val="4057268971"/>
+      </p:ext>
+    </p:extLst>
+  </p:cSld>
+  <p:clrMapOvr>
+    <a:masterClrMapping/>
+  </p:clrMapOvr>
+</p:notes>
+</file>
+
+<file path=ppt/notesSlides/notesSlide44.xml><?xml version="1.0" encoding="utf-8"?>
+<p:notes xmlns:a="http://schemas.openxmlformats.org/drawingml/2006/main" xmlns:r="http://schemas.openxmlformats.org/officeDocument/2006/relationships" xmlns:p="http://schemas.openxmlformats.org/presentationml/2006/main">
+  <p:cSld>
+    <p:spTree>
+      <p:nvGrpSpPr>
+        <p:cNvPr id="1" name=""/>
+        <p:cNvGrpSpPr/>
+        <p:nvPr/>
+      </p:nvGrpSpPr>
+      <p:grpSpPr>
+        <a:xfrm>
+          <a:off x="0" y="0"/>
+          <a:ext cx="0" cy="0"/>
+          <a:chOff x="0" y="0"/>
+          <a:chExt cx="0" cy="0"/>
+        </a:xfrm>
+      </p:grpSpPr>
+      <p:sp>
+        <p:nvSpPr>
+          <p:cNvPr id="95234" name="Rectangle 7"/>
+          <p:cNvSpPr>
+            <a:spLocks noGrp="1" noChangeArrowheads="1"/>
+          </p:cNvSpPr>
+          <p:nvPr>
+            <p:ph type="sldNum" sz="quarter" idx="5"/>
+          </p:nvPr>
+        </p:nvSpPr>
+        <p:spPr>
+          <a:noFill/>
+        </p:spPr>
+        <p:txBody>
+          <a:bodyPr/>
+          <a:lstStyle/>
+          <a:p>
+            <a:fld id="{86016DC7-F49B-4F50-9A32-E9E9CFA38878}" type="slidenum">
+              <a:rPr lang="en-US" smtClean="0"/>
+              <a:pPr/>
+              <a:t>48</a:t>
+            </a:fld>
+            <a:endParaRPr lang="en-US"/>
+          </a:p>
+        </p:txBody>
+      </p:sp>
+      <p:sp>
+        <p:nvSpPr>
+          <p:cNvPr id="95235" name="Rectangle 2"/>
+          <p:cNvSpPr>
+            <a:spLocks noGrp="1" noRot="1" noChangeAspect="1" noChangeArrowheads="1" noTextEdit="1"/>
+          </p:cNvSpPr>
+          <p:nvPr>
+            <p:ph type="sldImg"/>
+          </p:nvPr>
+        </p:nvSpPr>
+        <p:spPr>
+          <a:xfrm>
+            <a:off x="1169988" y="687388"/>
+            <a:ext cx="4673600" cy="3505200"/>
+          </a:xfrm>
+          <a:ln/>
+        </p:spPr>
+      </p:sp>
+      <p:sp>
+        <p:nvSpPr>
+          <p:cNvPr id="95236" name="Rectangle 3"/>
+          <p:cNvSpPr>
+            <a:spLocks noGrp="1" noChangeArrowheads="1"/>
+          </p:cNvSpPr>
+          <p:nvPr>
+            <p:ph type="body" idx="1"/>
+          </p:nvPr>
+        </p:nvSpPr>
+        <p:spPr>
+          <a:xfrm>
+            <a:off x="914400" y="4421188"/>
+            <a:ext cx="5184775" cy="4191000"/>
+          </a:xfrm>
+          <a:noFill/>
+          <a:ln w="9525"/>
+        </p:spPr>
+        <p:txBody>
+          <a:bodyPr/>
+          <a:lstStyle/>
+          <a:p>
+            <a:endParaRPr lang="en-US"/>
+          </a:p>
+        </p:txBody>
+      </p:sp>
+    </p:spTree>
+    <p:extLst>
+      <p:ext uri="{BB962C8B-B14F-4D97-AF65-F5344CB8AC3E}">
+        <p14:creationId xmlns:p14="http://schemas.microsoft.com/office/powerpoint/2010/main" val="1500504016"/>
+      </p:ext>
+    </p:extLst>
+  </p:cSld>
+  <p:clrMapOvr>
+    <a:masterClrMapping/>
+  </p:clrMapOvr>
+</p:notes>
+</file>
+
+<file path=ppt/notesSlides/notesSlide45.xml><?xml version="1.0" encoding="utf-8"?>
+<p:notes xmlns:a="http://schemas.openxmlformats.org/drawingml/2006/main" xmlns:r="http://schemas.openxmlformats.org/officeDocument/2006/relationships" xmlns:p="http://schemas.openxmlformats.org/presentationml/2006/main">
+  <p:cSld>
+    <p:spTree>
+      <p:nvGrpSpPr>
+        <p:cNvPr id="1" name=""/>
+        <p:cNvGrpSpPr/>
+        <p:nvPr/>
+      </p:nvGrpSpPr>
+      <p:grpSpPr>
+        <a:xfrm>
+          <a:off x="0" y="0"/>
+          <a:ext cx="0" cy="0"/>
+          <a:chOff x="0" y="0"/>
+          <a:chExt cx="0" cy="0"/>
+        </a:xfrm>
+      </p:grpSpPr>
+      <p:sp>
+        <p:nvSpPr>
+          <p:cNvPr id="95234" name="Rectangle 7"/>
+          <p:cNvSpPr>
+            <a:spLocks noGrp="1" noChangeArrowheads="1"/>
+          </p:cNvSpPr>
+          <p:nvPr>
+            <p:ph type="sldNum" sz="quarter" idx="5"/>
+          </p:nvPr>
+        </p:nvSpPr>
+        <p:spPr>
+          <a:noFill/>
+        </p:spPr>
+        <p:txBody>
+          <a:bodyPr/>
+          <a:lstStyle/>
+          <a:p>
+            <a:fld id="{86016DC7-F49B-4F50-9A32-E9E9CFA38878}" type="slidenum">
+              <a:rPr lang="en-US" smtClean="0"/>
+              <a:pPr/>
+              <a:t>49</a:t>
+            </a:fld>
+            <a:endParaRPr lang="en-US"/>
+          </a:p>
+        </p:txBody>
+      </p:sp>
+      <p:sp>
+        <p:nvSpPr>
+          <p:cNvPr id="95235" name="Rectangle 2"/>
+          <p:cNvSpPr>
+            <a:spLocks noGrp="1" noRot="1" noChangeAspect="1" noChangeArrowheads="1" noTextEdit="1"/>
+          </p:cNvSpPr>
+          <p:nvPr>
+            <p:ph type="sldImg"/>
+          </p:nvPr>
+        </p:nvSpPr>
+        <p:spPr>
+          <a:xfrm>
+            <a:off x="1169988" y="687388"/>
+            <a:ext cx="4673600" cy="3505200"/>
+          </a:xfrm>
+          <a:ln/>
+        </p:spPr>
+      </p:sp>
+      <p:sp>
+        <p:nvSpPr>
+          <p:cNvPr id="95236" name="Rectangle 3"/>
+          <p:cNvSpPr>
+            <a:spLocks noGrp="1" noChangeArrowheads="1"/>
+          </p:cNvSpPr>
+          <p:nvPr>
+            <p:ph type="body" idx="1"/>
+          </p:nvPr>
+        </p:nvSpPr>
+        <p:spPr>
+          <a:xfrm>
+            <a:off x="914400" y="4421188"/>
+            <a:ext cx="5184775" cy="4191000"/>
+          </a:xfrm>
+          <a:noFill/>
+          <a:ln w="9525"/>
+        </p:spPr>
+        <p:txBody>
+          <a:bodyPr/>
+          <a:lstStyle/>
+          <a:p>
+            <a:endParaRPr lang="en-US"/>
+          </a:p>
+        </p:txBody>
+      </p:sp>
+    </p:spTree>
+    <p:extLst>
+      <p:ext uri="{BB962C8B-B14F-4D97-AF65-F5344CB8AC3E}">
+        <p14:creationId xmlns:p14="http://schemas.microsoft.com/office/powerpoint/2010/main" val="1348965095"/>
+      </p:ext>
+    </p:extLst>
+  </p:cSld>
+  <p:clrMapOvr>
+    <a:masterClrMapping/>
+  </p:clrMapOvr>
+</p:notes>
+</file>
+
+<file path=ppt/notesSlides/notesSlide46.xml><?xml version="1.0" encoding="utf-8"?>
+<p:notes xmlns:a="http://schemas.openxmlformats.org/drawingml/2006/main" xmlns:r="http://schemas.openxmlformats.org/officeDocument/2006/relationships" xmlns:p="http://schemas.openxmlformats.org/presentationml/2006/main">
+  <p:cSld>
+    <p:spTree>
+      <p:nvGrpSpPr>
+        <p:cNvPr id="1" name=""/>
+        <p:cNvGrpSpPr/>
+        <p:nvPr/>
+      </p:nvGrpSpPr>
+      <p:grpSpPr>
+        <a:xfrm>
+          <a:off x="0" y="0"/>
+          <a:ext cx="0" cy="0"/>
+          <a:chOff x="0" y="0"/>
+          <a:chExt cx="0" cy="0"/>
+        </a:xfrm>
+      </p:grpSpPr>
+      <p:sp>
+        <p:nvSpPr>
+          <p:cNvPr id="95234" name="Rectangle 7"/>
+          <p:cNvSpPr>
+            <a:spLocks noGrp="1" noChangeArrowheads="1"/>
+          </p:cNvSpPr>
+          <p:nvPr>
+            <p:ph type="sldNum" sz="quarter" idx="5"/>
+          </p:nvPr>
+        </p:nvSpPr>
+        <p:spPr>
+          <a:noFill/>
+        </p:spPr>
+        <p:txBody>
+          <a:bodyPr/>
+          <a:lstStyle/>
+          <a:p>
+            <a:fld id="{86016DC7-F49B-4F50-9A32-E9E9CFA38878}" type="slidenum">
+              <a:rPr lang="en-US" smtClean="0"/>
+              <a:pPr/>
+              <a:t>50</a:t>
+            </a:fld>
+            <a:endParaRPr lang="en-US"/>
+          </a:p>
+        </p:txBody>
+      </p:sp>
+      <p:sp>
+        <p:nvSpPr>
+          <p:cNvPr id="95235" name="Rectangle 2"/>
+          <p:cNvSpPr>
+            <a:spLocks noGrp="1" noRot="1" noChangeAspect="1" noChangeArrowheads="1" noTextEdit="1"/>
+          </p:cNvSpPr>
+          <p:nvPr>
+            <p:ph type="sldImg"/>
+          </p:nvPr>
+        </p:nvSpPr>
+        <p:spPr>
+          <a:xfrm>
+            <a:off x="1169988" y="687388"/>
+            <a:ext cx="4673600" cy="3505200"/>
+          </a:xfrm>
+          <a:ln/>
+        </p:spPr>
+      </p:sp>
+      <p:sp>
+        <p:nvSpPr>
+          <p:cNvPr id="95236" name="Rectangle 3"/>
+          <p:cNvSpPr>
+            <a:spLocks noGrp="1" noChangeArrowheads="1"/>
+          </p:cNvSpPr>
+          <p:nvPr>
+            <p:ph type="body" idx="1"/>
+          </p:nvPr>
+        </p:nvSpPr>
+        <p:spPr>
+          <a:xfrm>
+            <a:off x="914400" y="4421188"/>
+            <a:ext cx="5184775" cy="4191000"/>
+          </a:xfrm>
+          <a:noFill/>
+          <a:ln w="9525"/>
+        </p:spPr>
+        <p:txBody>
+          <a:bodyPr/>
+          <a:lstStyle/>
+          <a:p>
+            <a:endParaRPr lang="en-US"/>
+          </a:p>
+        </p:txBody>
+      </p:sp>
+    </p:spTree>
+    <p:extLst>
+      <p:ext uri="{BB962C8B-B14F-4D97-AF65-F5344CB8AC3E}">
+        <p14:creationId xmlns:p14="http://schemas.microsoft.com/office/powerpoint/2010/main" val="3708428463"/>
       </p:ext>
     </p:extLst>
   </p:cSld>
@@ -24907,8 +25311,8 @@
           </a:p>
         </p:txBody>
       </p:sp>
-      <mc:AlternateContent xmlns:mc="http://schemas.openxmlformats.org/markup-compatibility/2006">
-        <mc:Choice xmlns:a14="http://schemas.microsoft.com/office/drawing/2010/main" Requires="a14">
+      <mc:AlternateContent xmlns:mc="http://schemas.openxmlformats.org/markup-compatibility/2006" xmlns:a14="http://schemas.microsoft.com/office/drawing/2010/main">
+        <mc:Choice Requires="a14">
           <p:sp>
             <p:nvSpPr>
               <p:cNvPr id="23557" name="Rectangle 3"/>
@@ -25102,7 +25506,7 @@
             </p:txBody>
           </p:sp>
         </mc:Choice>
-        <mc:Fallback>
+        <mc:Fallback xmlns="">
           <p:sp>
             <p:nvSpPr>
               <p:cNvPr id="23557" name="Rectangle 3"/>
@@ -25281,8 +25685,8 @@
         </p:nvSpPr>
         <p:spPr>
           <a:xfrm>
-            <a:off x="682752" y="114300"/>
-            <a:ext cx="7772400" cy="838200"/>
+            <a:off x="682752" y="114299"/>
+            <a:ext cx="7772400" cy="1104881"/>
           </a:xfrm>
         </p:spPr>
         <p:txBody>
@@ -25291,7 +25695,7 @@
           <a:p>
             <a:r>
               <a:rPr lang="en-US" sz="3600" dirty="0"/>
-              <a:t>Machine Data</a:t>
+              <a:t>Sources of Equivocation in Execution Jitter</a:t>
             </a:r>
           </a:p>
         </p:txBody>
@@ -25318,18 +25722,11 @@
           <a:p>
             <a:pPr lvl="0"/>
             <a:r>
-              <a:rPr lang="en-US" sz="2000" dirty="0"/>
-              <a:t>20% code is branches</a:t>
-            </a:r>
-          </a:p>
-          <a:p>
-            <a:pPr lvl="0"/>
-            <a:r>
               <a:rPr lang="en-US" sz="2000" dirty="0">
                 <a:latin typeface="Arial" panose="020B0604020202020204" pitchFamily="34" charset="0"/>
                 <a:cs typeface="Arial" panose="020B0604020202020204" pitchFamily="34" charset="0"/>
               </a:rPr>
-              <a:t>Correct prediction 80% </a:t>
+              <a:t>CPU/DRAM jitter in cache misses</a:t>
             </a:r>
           </a:p>
           <a:p>
@@ -25339,32 +25736,68 @@
                 <a:latin typeface="Arial" panose="020B0604020202020204" pitchFamily="34" charset="0"/>
                 <a:cs typeface="Arial" panose="020B0604020202020204" pitchFamily="34" charset="0"/>
               </a:rPr>
-              <a:t>2% L1 cache miss</a:t>
-            </a:r>
-          </a:p>
-          <a:p>
-            <a:pPr lvl="0"/>
+              <a:t>Unpredictability of initial state of caches, branch predictors, pipelines on entry to jitter execution sampling caused by evolution of state prior to entry.</a:t>
+            </a:r>
+          </a:p>
+          <a:p>
+            <a:pPr lvl="1"/>
             <a:r>
               <a:rPr lang="en-US" sz="2000" dirty="0">
                 <a:latin typeface="Arial" panose="020B0604020202020204" pitchFamily="34" charset="0"/>
                 <a:cs typeface="Arial" panose="020B0604020202020204" pitchFamily="34" charset="0"/>
               </a:rPr>
-              <a:t>Locks and barriers in kernel</a:t>
-            </a:r>
-          </a:p>
-          <a:p>
-            <a:pPr lvl="0"/>
+              <a:t>Evolution caused by planned intermediate execution</a:t>
+            </a:r>
+          </a:p>
+          <a:p>
+            <a:pPr lvl="1"/>
             <a:r>
               <a:rPr lang="en-US" sz="2000" dirty="0">
                 <a:latin typeface="Arial" panose="020B0604020202020204" pitchFamily="34" charset="0"/>
                 <a:cs typeface="Arial" panose="020B0604020202020204" pitchFamily="34" charset="0"/>
               </a:rPr>
-              <a:t>Pipeline improves perf by 20 – 100% (1 cycle deviation)</a:t>
-            </a:r>
-            <a:endParaRPr lang="en-US" sz="1600" dirty="0">
-              <a:latin typeface="Arial" panose="020B0604020202020204" pitchFamily="34" charset="0"/>
-              <a:cs typeface="Arial" panose="020B0604020202020204" pitchFamily="34" charset="0"/>
-            </a:endParaRPr>
+              <a:t>Core assignment </a:t>
+            </a:r>
+          </a:p>
+          <a:p>
+            <a:pPr lvl="1"/>
+            <a:r>
+              <a:rPr lang="en-US" sz="2000" dirty="0">
+                <a:latin typeface="Arial" panose="020B0604020202020204" pitchFamily="34" charset="0"/>
+                <a:cs typeface="Arial" panose="020B0604020202020204" pitchFamily="34" charset="0"/>
+              </a:rPr>
+              <a:t>Interrupts affected state evolution</a:t>
+            </a:r>
+          </a:p>
+          <a:p>
+            <a:pPr lvl="0"/>
+            <a:r>
+              <a:rPr lang="en-US" sz="2000" dirty="0">
+                <a:latin typeface="Arial" panose="020B0604020202020204" pitchFamily="34" charset="0"/>
+                <a:cs typeface="Arial" panose="020B0604020202020204" pitchFamily="34" charset="0"/>
+              </a:rPr>
+              <a:t>Interrupts occurring during an execution jitter sample</a:t>
+            </a:r>
+          </a:p>
+          <a:p>
+            <a:pPr lvl="1"/>
+            <a:r>
+              <a:rPr lang="en-US" sz="2000" dirty="0">
+                <a:latin typeface="Arial" panose="020B0604020202020204" pitchFamily="34" charset="0"/>
+                <a:cs typeface="Arial" panose="020B0604020202020204" pitchFamily="34" charset="0"/>
+              </a:rPr>
+              <a:t>Delay processing</a:t>
+            </a:r>
+          </a:p>
+          <a:p>
+            <a:pPr lvl="1"/>
+            <a:r>
+              <a:rPr lang="en-US" sz="2000" dirty="0">
+                <a:latin typeface="Arial" panose="020B0604020202020204" pitchFamily="34" charset="0"/>
+                <a:cs typeface="Arial" panose="020B0604020202020204" pitchFamily="34" charset="0"/>
+              </a:rPr>
+              <a:t>Changed processor state</a:t>
+            </a:r>
           </a:p>
         </p:txBody>
       </p:sp>
@@ -25469,7 +25902,628 @@
     </p:spTree>
     <p:extLst>
       <p:ext uri="{BB962C8B-B14F-4D97-AF65-F5344CB8AC3E}">
+        <p14:creationId xmlns:p14="http://schemas.microsoft.com/office/powerpoint/2010/main" val="705655480"/>
+      </p:ext>
+    </p:extLst>
+  </p:cSld>
+  <p:clrMapOvr>
+    <a:masterClrMapping/>
+  </p:clrMapOvr>
+  <p:transition/>
+</p:sld>
+</file>
+
+<file path=ppt/slides/slide47.xml><?xml version="1.0" encoding="utf-8"?>
+<p:sld xmlns:a="http://schemas.openxmlformats.org/drawingml/2006/main" xmlns:r="http://schemas.openxmlformats.org/officeDocument/2006/relationships" xmlns:p="http://schemas.openxmlformats.org/presentationml/2006/main">
+  <p:cSld>
+    <p:spTree>
+      <p:nvGrpSpPr>
+        <p:cNvPr id="1" name=""/>
+        <p:cNvGrpSpPr/>
+        <p:nvPr/>
+      </p:nvGrpSpPr>
+      <p:grpSpPr>
+        <a:xfrm>
+          <a:off x="0" y="0"/>
+          <a:ext cx="0" cy="0"/>
+          <a:chOff x="0" y="0"/>
+          <a:chExt cx="0" cy="0"/>
+        </a:xfrm>
+      </p:grpSpPr>
+      <p:sp>
+        <p:nvSpPr>
+          <p:cNvPr id="23556" name="Rectangle 2"/>
+          <p:cNvSpPr>
+            <a:spLocks noGrp="1" noChangeArrowheads="1"/>
+          </p:cNvSpPr>
+          <p:nvPr>
+            <p:ph type="title"/>
+          </p:nvPr>
+        </p:nvSpPr>
+        <p:spPr>
+          <a:xfrm>
+            <a:off x="682752" y="114300"/>
+            <a:ext cx="7772400" cy="838200"/>
+          </a:xfrm>
+        </p:spPr>
+        <p:txBody>
+          <a:bodyPr/>
+          <a:lstStyle/>
+          <a:p>
+            <a:r>
+              <a:rPr lang="en-US" sz="3600" dirty="0"/>
+              <a:t>Effect of state on execution</a:t>
+            </a:r>
+          </a:p>
+        </p:txBody>
+      </p:sp>
+      <p:sp>
+        <p:nvSpPr>
+          <p:cNvPr id="23557" name="Rectangle 3"/>
+          <p:cNvSpPr>
+            <a:spLocks noGrp="1" noChangeArrowheads="1"/>
+          </p:cNvSpPr>
+          <p:nvPr>
+            <p:ph type="body" idx="1"/>
+          </p:nvPr>
+        </p:nvSpPr>
+        <p:spPr>
+          <a:xfrm>
+            <a:off x="609600" y="1752605"/>
+            <a:ext cx="8001000" cy="4475963"/>
+          </a:xfrm>
+        </p:spPr>
+        <p:txBody>
+          <a:bodyPr/>
+          <a:lstStyle/>
+          <a:p>
+            <a:pPr lvl="0"/>
+            <a:r>
+              <a:rPr lang="en-US" sz="2000" dirty="0"/>
+              <a:t>20% of code is branches</a:t>
+            </a:r>
+          </a:p>
+          <a:p>
+            <a:pPr lvl="0"/>
+            <a:r>
+              <a:rPr lang="en-US" sz="2000" dirty="0">
+                <a:latin typeface="Arial" panose="020B0604020202020204" pitchFamily="34" charset="0"/>
+                <a:cs typeface="Arial" panose="020B0604020202020204" pitchFamily="34" charset="0"/>
+              </a:rPr>
+              <a:t>Correct prediction 80% </a:t>
+            </a:r>
+          </a:p>
+          <a:p>
+            <a:pPr lvl="0"/>
+            <a:r>
+              <a:rPr lang="en-US" sz="2000" dirty="0">
+                <a:latin typeface="Arial" panose="020B0604020202020204" pitchFamily="34" charset="0"/>
+                <a:cs typeface="Arial" panose="020B0604020202020204" pitchFamily="34" charset="0"/>
+              </a:rPr>
+              <a:t>2% L1 cache miss</a:t>
+            </a:r>
+          </a:p>
+          <a:p>
+            <a:pPr lvl="0"/>
+            <a:r>
+              <a:rPr lang="en-US" sz="2000" dirty="0">
+                <a:latin typeface="Arial" panose="020B0604020202020204" pitchFamily="34" charset="0"/>
+                <a:cs typeface="Arial" panose="020B0604020202020204" pitchFamily="34" charset="0"/>
+              </a:rPr>
+              <a:t>L2 and L3 caches also effect execution.  Should we model this?</a:t>
+            </a:r>
+          </a:p>
+          <a:p>
+            <a:pPr lvl="0"/>
+            <a:r>
+              <a:rPr lang="en-US" sz="2000" dirty="0">
+                <a:latin typeface="Arial" panose="020B0604020202020204" pitchFamily="34" charset="0"/>
+                <a:cs typeface="Arial" panose="020B0604020202020204" pitchFamily="34" charset="0"/>
+              </a:rPr>
+              <a:t>Locks and barriers in kernel</a:t>
+            </a:r>
+          </a:p>
+          <a:p>
+            <a:pPr lvl="0"/>
+            <a:r>
+              <a:rPr lang="en-US" sz="2000" dirty="0">
+                <a:latin typeface="Arial" panose="020B0604020202020204" pitchFamily="34" charset="0"/>
+                <a:cs typeface="Arial" panose="020B0604020202020204" pitchFamily="34" charset="0"/>
+              </a:rPr>
+              <a:t>Pipeline improves performance by 20 – 100% (10 cycle deviation)</a:t>
+            </a:r>
+          </a:p>
+          <a:p>
+            <a:r>
+              <a:rPr lang="en-US" sz="2000" dirty="0">
+                <a:latin typeface="Arial" panose="020B0604020202020204" pitchFamily="34" charset="0"/>
+                <a:cs typeface="Arial" panose="020B0604020202020204" pitchFamily="34" charset="0"/>
+              </a:rPr>
+              <a:t>Effect of virtual to physical memory assignment and paging and TLB misses</a:t>
+            </a:r>
+            <a:endParaRPr lang="en-US" sz="1600" dirty="0">
+              <a:latin typeface="Arial" panose="020B0604020202020204" pitchFamily="34" charset="0"/>
+              <a:cs typeface="Arial" panose="020B0604020202020204" pitchFamily="34" charset="0"/>
+            </a:endParaRPr>
+          </a:p>
+        </p:txBody>
+      </p:sp>
+      <p:sp>
+        <p:nvSpPr>
+          <p:cNvPr id="8" name="Slide Number Placeholder 7"/>
+          <p:cNvSpPr>
+            <a:spLocks noGrp="1"/>
+          </p:cNvSpPr>
+          <p:nvPr>
+            <p:ph type="sldNum" sz="quarter" idx="12"/>
+          </p:nvPr>
+        </p:nvSpPr>
+        <p:spPr/>
+        <p:txBody>
+          <a:bodyPr/>
+          <a:lstStyle/>
+          <a:p>
+            <a:pPr>
+              <a:defRPr/>
+            </a:pPr>
+            <a:fld id="{8E09DF16-9352-46A7-97F1-1D13A8547ADD}" type="slidenum">
+              <a:rPr lang="en-US" smtClean="0"/>
+              <a:pPr>
+                <a:defRPr/>
+              </a:pPr>
+              <a:t>47</a:t>
+            </a:fld>
+            <a:endParaRPr lang="en-US"/>
+          </a:p>
+        </p:txBody>
+      </p:sp>
+      <p:sp>
+        <p:nvSpPr>
+          <p:cNvPr id="2" name="Rectangle 2">
+            <a:extLst>
+              <a:ext uri="{FF2B5EF4-FFF2-40B4-BE49-F238E27FC236}">
+                <a16:creationId xmlns:a16="http://schemas.microsoft.com/office/drawing/2014/main" id="{C0D3418F-80B0-844C-8418-6CC7A95790AB}"/>
+              </a:ext>
+            </a:extLst>
+          </p:cNvPr>
+          <p:cNvSpPr>
+            <a:spLocks noChangeArrowheads="1"/>
+          </p:cNvSpPr>
+          <p:nvPr/>
+        </p:nvSpPr>
+        <p:spPr bwMode="auto">
+          <a:xfrm>
+            <a:off x="0" y="0"/>
+            <a:ext cx="9144000" cy="0"/>
+          </a:xfrm>
+          <a:prstGeom prst="rect">
+            <a:avLst/>
+          </a:prstGeom>
+          <a:noFill/>
+          <a:ln>
+            <a:noFill/>
+          </a:ln>
+          <a:effectLst/>
+          <a:extLst>
+            <a:ext uri="{909E8E84-426E-40DD-AFC4-6F175D3DCCD1}">
+              <a14:hiddenFill xmlns:a14="http://schemas.microsoft.com/office/drawing/2010/main">
+                <a:solidFill>
+                  <a:schemeClr val="accent1"/>
+                </a:solidFill>
+              </a14:hiddenFill>
+            </a:ext>
+            <a:ext uri="{91240B29-F687-4F45-9708-019B960494DF}">
+              <a14:hiddenLine xmlns:a14="http://schemas.microsoft.com/office/drawing/2010/main" w="9525">
+                <a:solidFill>
+                  <a:schemeClr val="tx1"/>
+                </a:solidFill>
+                <a:miter lim="800000"/>
+                <a:headEnd/>
+                <a:tailEnd/>
+              </a14:hiddenLine>
+            </a:ext>
+            <a:ext uri="{AF507438-7753-43E0-B8FC-AC1667EBCBE1}">
+              <a14:hiddenEffects xmlns:a14="http://schemas.microsoft.com/office/drawing/2010/main">
+                <a:effectLst>
+                  <a:outerShdw dist="35921" dir="2700000" algn="ctr" rotWithShape="0">
+                    <a:schemeClr val="bg2"/>
+                  </a:outerShdw>
+                </a:effectLst>
+              </a14:hiddenEffects>
+            </a:ext>
+          </a:extLst>
+        </p:spPr>
+        <p:txBody>
+          <a:bodyPr vert="horz" wrap="none" lIns="91440" tIns="45720" rIns="91440" bIns="45720" numCol="1" anchor="ctr" anchorCtr="0" compatLnSpc="1">
+            <a:prstTxWarp prst="textNoShape">
+              <a:avLst/>
+            </a:prstTxWarp>
+            <a:spAutoFit/>
+          </a:bodyPr>
+          <a:lstStyle/>
+          <a:p>
+            <a:endParaRPr lang="en-US"/>
+          </a:p>
+        </p:txBody>
+      </p:sp>
+    </p:spTree>
+    <p:extLst>
+      <p:ext uri="{BB962C8B-B14F-4D97-AF65-F5344CB8AC3E}">
         <p14:creationId xmlns:p14="http://schemas.microsoft.com/office/powerpoint/2010/main" val="1725289121"/>
+      </p:ext>
+    </p:extLst>
+  </p:cSld>
+  <p:clrMapOvr>
+    <a:masterClrMapping/>
+  </p:clrMapOvr>
+  <p:transition/>
+</p:sld>
+</file>
+
+<file path=ppt/slides/slide48.xml><?xml version="1.0" encoding="utf-8"?>
+<p:sld xmlns:a="http://schemas.openxmlformats.org/drawingml/2006/main" xmlns:r="http://schemas.openxmlformats.org/officeDocument/2006/relationships" xmlns:p="http://schemas.openxmlformats.org/presentationml/2006/main">
+  <p:cSld>
+    <p:spTree>
+      <p:nvGrpSpPr>
+        <p:cNvPr id="1" name=""/>
+        <p:cNvGrpSpPr/>
+        <p:nvPr/>
+      </p:nvGrpSpPr>
+      <p:grpSpPr>
+        <a:xfrm>
+          <a:off x="0" y="0"/>
+          <a:ext cx="0" cy="0"/>
+          <a:chOff x="0" y="0"/>
+          <a:chExt cx="0" cy="0"/>
+        </a:xfrm>
+      </p:grpSpPr>
+      <p:sp>
+        <p:nvSpPr>
+          <p:cNvPr id="23556" name="Rectangle 2"/>
+          <p:cNvSpPr>
+            <a:spLocks noGrp="1" noChangeArrowheads="1"/>
+          </p:cNvSpPr>
+          <p:nvPr>
+            <p:ph type="title"/>
+          </p:nvPr>
+        </p:nvSpPr>
+        <p:spPr>
+          <a:xfrm>
+            <a:off x="682752" y="114299"/>
+            <a:ext cx="7772400" cy="1104881"/>
+          </a:xfrm>
+        </p:spPr>
+        <p:txBody>
+          <a:bodyPr/>
+          <a:lstStyle/>
+          <a:p>
+            <a:r>
+              <a:rPr lang="en-US" sz="3600" dirty="0"/>
+              <a:t>Effect of memory jitter</a:t>
+            </a:r>
+          </a:p>
+        </p:txBody>
+      </p:sp>
+      <p:sp>
+        <p:nvSpPr>
+          <p:cNvPr id="23557" name="Rectangle 3"/>
+          <p:cNvSpPr>
+            <a:spLocks noGrp="1" noChangeArrowheads="1"/>
+          </p:cNvSpPr>
+          <p:nvPr>
+            <p:ph type="body" idx="1"/>
+          </p:nvPr>
+        </p:nvSpPr>
+        <p:spPr>
+          <a:xfrm>
+            <a:off x="609600" y="1752605"/>
+            <a:ext cx="8001000" cy="4475963"/>
+          </a:xfrm>
+        </p:spPr>
+        <p:txBody>
+          <a:bodyPr/>
+          <a:lstStyle/>
+          <a:p>
+            <a:pPr lvl="0"/>
+            <a:r>
+              <a:rPr lang="en-US" sz="2000" dirty="0">
+                <a:latin typeface="Arial" panose="020B0604020202020204" pitchFamily="34" charset="0"/>
+                <a:cs typeface="Arial" panose="020B0604020202020204" pitchFamily="34" charset="0"/>
+              </a:rPr>
+              <a:t>x</a:t>
+            </a:r>
+          </a:p>
+        </p:txBody>
+      </p:sp>
+      <p:sp>
+        <p:nvSpPr>
+          <p:cNvPr id="8" name="Slide Number Placeholder 7"/>
+          <p:cNvSpPr>
+            <a:spLocks noGrp="1"/>
+          </p:cNvSpPr>
+          <p:nvPr>
+            <p:ph type="sldNum" sz="quarter" idx="12"/>
+          </p:nvPr>
+        </p:nvSpPr>
+        <p:spPr/>
+        <p:txBody>
+          <a:bodyPr/>
+          <a:lstStyle/>
+          <a:p>
+            <a:pPr>
+              <a:defRPr/>
+            </a:pPr>
+            <a:fld id="{8E09DF16-9352-46A7-97F1-1D13A8547ADD}" type="slidenum">
+              <a:rPr lang="en-US" smtClean="0"/>
+              <a:pPr>
+                <a:defRPr/>
+              </a:pPr>
+              <a:t>48</a:t>
+            </a:fld>
+            <a:endParaRPr lang="en-US"/>
+          </a:p>
+        </p:txBody>
+      </p:sp>
+      <p:sp>
+        <p:nvSpPr>
+          <p:cNvPr id="2" name="Rectangle 2">
+            <a:extLst>
+              <a:ext uri="{FF2B5EF4-FFF2-40B4-BE49-F238E27FC236}">
+                <a16:creationId xmlns:a16="http://schemas.microsoft.com/office/drawing/2014/main" id="{C0D3418F-80B0-844C-8418-6CC7A95790AB}"/>
+              </a:ext>
+            </a:extLst>
+          </p:cNvPr>
+          <p:cNvSpPr>
+            <a:spLocks noChangeArrowheads="1"/>
+          </p:cNvSpPr>
+          <p:nvPr/>
+        </p:nvSpPr>
+        <p:spPr bwMode="auto">
+          <a:xfrm>
+            <a:off x="0" y="0"/>
+            <a:ext cx="9144000" cy="0"/>
+          </a:xfrm>
+          <a:prstGeom prst="rect">
+            <a:avLst/>
+          </a:prstGeom>
+          <a:noFill/>
+          <a:ln>
+            <a:noFill/>
+          </a:ln>
+          <a:effectLst/>
+          <a:extLst>
+            <a:ext uri="{909E8E84-426E-40DD-AFC4-6F175D3DCCD1}">
+              <a14:hiddenFill xmlns:a14="http://schemas.microsoft.com/office/drawing/2010/main">
+                <a:solidFill>
+                  <a:schemeClr val="accent1"/>
+                </a:solidFill>
+              </a14:hiddenFill>
+            </a:ext>
+            <a:ext uri="{91240B29-F687-4F45-9708-019B960494DF}">
+              <a14:hiddenLine xmlns:a14="http://schemas.microsoft.com/office/drawing/2010/main" w="9525">
+                <a:solidFill>
+                  <a:schemeClr val="tx1"/>
+                </a:solidFill>
+                <a:miter lim="800000"/>
+                <a:headEnd/>
+                <a:tailEnd/>
+              </a14:hiddenLine>
+            </a:ext>
+            <a:ext uri="{AF507438-7753-43E0-B8FC-AC1667EBCBE1}">
+              <a14:hiddenEffects xmlns:a14="http://schemas.microsoft.com/office/drawing/2010/main">
+                <a:effectLst>
+                  <a:outerShdw dist="35921" dir="2700000" algn="ctr" rotWithShape="0">
+                    <a:schemeClr val="bg2"/>
+                  </a:outerShdw>
+                </a:effectLst>
+              </a14:hiddenEffects>
+            </a:ext>
+          </a:extLst>
+        </p:spPr>
+        <p:txBody>
+          <a:bodyPr vert="horz" wrap="none" lIns="91440" tIns="45720" rIns="91440" bIns="45720" numCol="1" anchor="ctr" anchorCtr="0" compatLnSpc="1">
+            <a:prstTxWarp prst="textNoShape">
+              <a:avLst/>
+            </a:prstTxWarp>
+            <a:spAutoFit/>
+          </a:bodyPr>
+          <a:lstStyle/>
+          <a:p>
+            <a:endParaRPr lang="en-US"/>
+          </a:p>
+        </p:txBody>
+      </p:sp>
+    </p:spTree>
+    <p:extLst>
+      <p:ext uri="{BB962C8B-B14F-4D97-AF65-F5344CB8AC3E}">
+        <p14:creationId xmlns:p14="http://schemas.microsoft.com/office/powerpoint/2010/main" val="81670045"/>
+      </p:ext>
+    </p:extLst>
+  </p:cSld>
+  <p:clrMapOvr>
+    <a:masterClrMapping/>
+  </p:clrMapOvr>
+  <p:transition/>
+</p:sld>
+</file>
+
+<file path=ppt/slides/slide49.xml><?xml version="1.0" encoding="utf-8"?>
+<p:sld xmlns:a="http://schemas.openxmlformats.org/drawingml/2006/main" xmlns:r="http://schemas.openxmlformats.org/officeDocument/2006/relationships" xmlns:p="http://schemas.openxmlformats.org/presentationml/2006/main">
+  <p:cSld>
+    <p:spTree>
+      <p:nvGrpSpPr>
+        <p:cNvPr id="1" name=""/>
+        <p:cNvGrpSpPr/>
+        <p:nvPr/>
+      </p:nvGrpSpPr>
+      <p:grpSpPr>
+        <a:xfrm>
+          <a:off x="0" y="0"/>
+          <a:ext cx="0" cy="0"/>
+          <a:chOff x="0" y="0"/>
+          <a:chExt cx="0" cy="0"/>
+        </a:xfrm>
+      </p:grpSpPr>
+      <p:sp>
+        <p:nvSpPr>
+          <p:cNvPr id="23556" name="Rectangle 2"/>
+          <p:cNvSpPr>
+            <a:spLocks noGrp="1" noChangeArrowheads="1"/>
+          </p:cNvSpPr>
+          <p:nvPr>
+            <p:ph type="title"/>
+          </p:nvPr>
+        </p:nvSpPr>
+        <p:spPr>
+          <a:xfrm>
+            <a:off x="682752" y="114299"/>
+            <a:ext cx="7772400" cy="1104881"/>
+          </a:xfrm>
+        </p:spPr>
+        <p:txBody>
+          <a:bodyPr/>
+          <a:lstStyle/>
+          <a:p>
+            <a:r>
+              <a:rPr lang="en-US" sz="3600" dirty="0"/>
+              <a:t>Effect of state randomization prior to entry</a:t>
+            </a:r>
+          </a:p>
+        </p:txBody>
+      </p:sp>
+      <p:sp>
+        <p:nvSpPr>
+          <p:cNvPr id="23557" name="Rectangle 3"/>
+          <p:cNvSpPr>
+            <a:spLocks noGrp="1" noChangeArrowheads="1"/>
+          </p:cNvSpPr>
+          <p:nvPr>
+            <p:ph type="body" idx="1"/>
+          </p:nvPr>
+        </p:nvSpPr>
+        <p:spPr>
+          <a:xfrm>
+            <a:off x="609600" y="1752605"/>
+            <a:ext cx="8001000" cy="4475963"/>
+          </a:xfrm>
+        </p:spPr>
+        <p:txBody>
+          <a:bodyPr/>
+          <a:lstStyle/>
+          <a:p>
+            <a:pPr lvl="0"/>
+            <a:r>
+              <a:rPr lang="en-US" sz="2000" dirty="0">
+                <a:latin typeface="Arial" panose="020B0604020202020204" pitchFamily="34" charset="0"/>
+                <a:cs typeface="Arial" panose="020B0604020202020204" pitchFamily="34" charset="0"/>
+              </a:rPr>
+              <a:t>x</a:t>
+            </a:r>
+          </a:p>
+        </p:txBody>
+      </p:sp>
+      <p:sp>
+        <p:nvSpPr>
+          <p:cNvPr id="8" name="Slide Number Placeholder 7"/>
+          <p:cNvSpPr>
+            <a:spLocks noGrp="1"/>
+          </p:cNvSpPr>
+          <p:nvPr>
+            <p:ph type="sldNum" sz="quarter" idx="12"/>
+          </p:nvPr>
+        </p:nvSpPr>
+        <p:spPr/>
+        <p:txBody>
+          <a:bodyPr/>
+          <a:lstStyle/>
+          <a:p>
+            <a:pPr>
+              <a:defRPr/>
+            </a:pPr>
+            <a:fld id="{8E09DF16-9352-46A7-97F1-1D13A8547ADD}" type="slidenum">
+              <a:rPr lang="en-US" smtClean="0"/>
+              <a:pPr>
+                <a:defRPr/>
+              </a:pPr>
+              <a:t>49</a:t>
+            </a:fld>
+            <a:endParaRPr lang="en-US"/>
+          </a:p>
+        </p:txBody>
+      </p:sp>
+      <p:sp>
+        <p:nvSpPr>
+          <p:cNvPr id="2" name="Rectangle 2">
+            <a:extLst>
+              <a:ext uri="{FF2B5EF4-FFF2-40B4-BE49-F238E27FC236}">
+                <a16:creationId xmlns:a16="http://schemas.microsoft.com/office/drawing/2014/main" id="{C0D3418F-80B0-844C-8418-6CC7A95790AB}"/>
+              </a:ext>
+            </a:extLst>
+          </p:cNvPr>
+          <p:cNvSpPr>
+            <a:spLocks noChangeArrowheads="1"/>
+          </p:cNvSpPr>
+          <p:nvPr/>
+        </p:nvSpPr>
+        <p:spPr bwMode="auto">
+          <a:xfrm>
+            <a:off x="0" y="0"/>
+            <a:ext cx="9144000" cy="0"/>
+          </a:xfrm>
+          <a:prstGeom prst="rect">
+            <a:avLst/>
+          </a:prstGeom>
+          <a:noFill/>
+          <a:ln>
+            <a:noFill/>
+          </a:ln>
+          <a:effectLst/>
+          <a:extLst>
+            <a:ext uri="{909E8E84-426E-40DD-AFC4-6F175D3DCCD1}">
+              <a14:hiddenFill xmlns:a14="http://schemas.microsoft.com/office/drawing/2010/main">
+                <a:solidFill>
+                  <a:schemeClr val="accent1"/>
+                </a:solidFill>
+              </a14:hiddenFill>
+            </a:ext>
+            <a:ext uri="{91240B29-F687-4F45-9708-019B960494DF}">
+              <a14:hiddenLine xmlns:a14="http://schemas.microsoft.com/office/drawing/2010/main" w="9525">
+                <a:solidFill>
+                  <a:schemeClr val="tx1"/>
+                </a:solidFill>
+                <a:miter lim="800000"/>
+                <a:headEnd/>
+                <a:tailEnd/>
+              </a14:hiddenLine>
+            </a:ext>
+            <a:ext uri="{AF507438-7753-43E0-B8FC-AC1667EBCBE1}">
+              <a14:hiddenEffects xmlns:a14="http://schemas.microsoft.com/office/drawing/2010/main">
+                <a:effectLst>
+                  <a:outerShdw dist="35921" dir="2700000" algn="ctr" rotWithShape="0">
+                    <a:schemeClr val="bg2"/>
+                  </a:outerShdw>
+                </a:effectLst>
+              </a14:hiddenEffects>
+            </a:ext>
+          </a:extLst>
+        </p:spPr>
+        <p:txBody>
+          <a:bodyPr vert="horz" wrap="none" lIns="91440" tIns="45720" rIns="91440" bIns="45720" numCol="1" anchor="ctr" anchorCtr="0" compatLnSpc="1">
+            <a:prstTxWarp prst="textNoShape">
+              <a:avLst/>
+            </a:prstTxWarp>
+            <a:spAutoFit/>
+          </a:bodyPr>
+          <a:lstStyle/>
+          <a:p>
+            <a:endParaRPr lang="en-US"/>
+          </a:p>
+        </p:txBody>
+      </p:sp>
+    </p:spTree>
+    <p:extLst>
+      <p:ext uri="{BB962C8B-B14F-4D97-AF65-F5344CB8AC3E}">
+        <p14:creationId xmlns:p14="http://schemas.microsoft.com/office/powerpoint/2010/main" val="2847634256"/>
       </p:ext>
     </p:extLst>
   </p:cSld>
@@ -25633,6 +26687,193 @@
         </p:spPr>
       </p:pic>
     </p:spTree>
+  </p:cSld>
+  <p:clrMapOvr>
+    <a:masterClrMapping/>
+  </p:clrMapOvr>
+  <p:transition/>
+</p:sld>
+</file>
+
+<file path=ppt/slides/slide50.xml><?xml version="1.0" encoding="utf-8"?>
+<p:sld xmlns:a="http://schemas.openxmlformats.org/drawingml/2006/main" xmlns:r="http://schemas.openxmlformats.org/officeDocument/2006/relationships" xmlns:p="http://schemas.openxmlformats.org/presentationml/2006/main">
+  <p:cSld>
+    <p:spTree>
+      <p:nvGrpSpPr>
+        <p:cNvPr id="1" name=""/>
+        <p:cNvGrpSpPr/>
+        <p:nvPr/>
+      </p:nvGrpSpPr>
+      <p:grpSpPr>
+        <a:xfrm>
+          <a:off x="0" y="0"/>
+          <a:ext cx="0" cy="0"/>
+          <a:chOff x="0" y="0"/>
+          <a:chExt cx="0" cy="0"/>
+        </a:xfrm>
+      </p:grpSpPr>
+      <p:sp>
+        <p:nvSpPr>
+          <p:cNvPr id="23556" name="Rectangle 2"/>
+          <p:cNvSpPr>
+            <a:spLocks noGrp="1" noChangeArrowheads="1"/>
+          </p:cNvSpPr>
+          <p:nvPr>
+            <p:ph type="title"/>
+          </p:nvPr>
+        </p:nvSpPr>
+        <p:spPr>
+          <a:xfrm>
+            <a:off x="682752" y="114299"/>
+            <a:ext cx="7772400" cy="1104881"/>
+          </a:xfrm>
+        </p:spPr>
+        <p:txBody>
+          <a:bodyPr/>
+          <a:lstStyle/>
+          <a:p>
+            <a:r>
+              <a:rPr lang="en-US" sz="3600" dirty="0"/>
+              <a:t>Effect of interrupts on state and execution time during sampling</a:t>
+            </a:r>
+          </a:p>
+        </p:txBody>
+      </p:sp>
+      <p:sp>
+        <p:nvSpPr>
+          <p:cNvPr id="23557" name="Rectangle 3"/>
+          <p:cNvSpPr>
+            <a:spLocks noGrp="1" noChangeArrowheads="1"/>
+          </p:cNvSpPr>
+          <p:nvPr>
+            <p:ph type="body" idx="1"/>
+          </p:nvPr>
+        </p:nvSpPr>
+        <p:spPr>
+          <a:xfrm>
+            <a:off x="609600" y="1752605"/>
+            <a:ext cx="8001000" cy="4475963"/>
+          </a:xfrm>
+        </p:spPr>
+        <p:txBody>
+          <a:bodyPr/>
+          <a:lstStyle/>
+          <a:p>
+            <a:pPr lvl="0"/>
+            <a:r>
+              <a:rPr lang="en-US" sz="2000" dirty="0">
+                <a:latin typeface="Arial" panose="020B0604020202020204" pitchFamily="34" charset="0"/>
+                <a:cs typeface="Arial" panose="020B0604020202020204" pitchFamily="34" charset="0"/>
+              </a:rPr>
+              <a:t>x</a:t>
+            </a:r>
+          </a:p>
+        </p:txBody>
+      </p:sp>
+      <p:sp>
+        <p:nvSpPr>
+          <p:cNvPr id="8" name="Slide Number Placeholder 7"/>
+          <p:cNvSpPr>
+            <a:spLocks noGrp="1"/>
+          </p:cNvSpPr>
+          <p:nvPr>
+            <p:ph type="sldNum" sz="quarter" idx="12"/>
+          </p:nvPr>
+        </p:nvSpPr>
+        <p:spPr/>
+        <p:txBody>
+          <a:bodyPr/>
+          <a:lstStyle/>
+          <a:p>
+            <a:pPr>
+              <a:defRPr/>
+            </a:pPr>
+            <a:fld id="{8E09DF16-9352-46A7-97F1-1D13A8547ADD}" type="slidenum">
+              <a:rPr lang="en-US" smtClean="0"/>
+              <a:pPr>
+                <a:defRPr/>
+              </a:pPr>
+              <a:t>50</a:t>
+            </a:fld>
+            <a:endParaRPr lang="en-US"/>
+          </a:p>
+        </p:txBody>
+      </p:sp>
+      <p:sp>
+        <p:nvSpPr>
+          <p:cNvPr id="2" name="Rectangle 2">
+            <a:extLst>
+              <a:ext uri="{FF2B5EF4-FFF2-40B4-BE49-F238E27FC236}">
+                <a16:creationId xmlns:a16="http://schemas.microsoft.com/office/drawing/2014/main" id="{C0D3418F-80B0-844C-8418-6CC7A95790AB}"/>
+              </a:ext>
+            </a:extLst>
+          </p:cNvPr>
+          <p:cNvSpPr>
+            <a:spLocks noChangeArrowheads="1"/>
+          </p:cNvSpPr>
+          <p:nvPr/>
+        </p:nvSpPr>
+        <p:spPr bwMode="auto">
+          <a:xfrm>
+            <a:off x="0" y="0"/>
+            <a:ext cx="9144000" cy="0"/>
+          </a:xfrm>
+          <a:prstGeom prst="rect">
+            <a:avLst/>
+          </a:prstGeom>
+          <a:noFill/>
+          <a:ln>
+            <a:noFill/>
+          </a:ln>
+          <a:effectLst/>
+          <a:extLst>
+            <a:ext uri="{909E8E84-426E-40DD-AFC4-6F175D3DCCD1}">
+              <a14:hiddenFill xmlns:a14="http://schemas.microsoft.com/office/drawing/2010/main">
+                <a:solidFill>
+                  <a:schemeClr val="accent1"/>
+                </a:solidFill>
+              </a14:hiddenFill>
+            </a:ext>
+            <a:ext uri="{91240B29-F687-4F45-9708-019B960494DF}">
+              <a14:hiddenLine xmlns:a14="http://schemas.microsoft.com/office/drawing/2010/main" w="9525">
+                <a:solidFill>
+                  <a:schemeClr val="tx1"/>
+                </a:solidFill>
+                <a:miter lim="800000"/>
+                <a:headEnd/>
+                <a:tailEnd/>
+              </a14:hiddenLine>
+            </a:ext>
+            <a:ext uri="{AF507438-7753-43E0-B8FC-AC1667EBCBE1}">
+              <a14:hiddenEffects xmlns:a14="http://schemas.microsoft.com/office/drawing/2010/main">
+                <a:effectLst>
+                  <a:outerShdw dist="35921" dir="2700000" algn="ctr" rotWithShape="0">
+                    <a:schemeClr val="bg2"/>
+                  </a:outerShdw>
+                </a:effectLst>
+              </a14:hiddenEffects>
+            </a:ext>
+          </a:extLst>
+        </p:spPr>
+        <p:txBody>
+          <a:bodyPr vert="horz" wrap="none" lIns="91440" tIns="45720" rIns="91440" bIns="45720" numCol="1" anchor="ctr" anchorCtr="0" compatLnSpc="1">
+            <a:prstTxWarp prst="textNoShape">
+              <a:avLst/>
+            </a:prstTxWarp>
+            <a:spAutoFit/>
+          </a:bodyPr>
+          <a:lstStyle/>
+          <a:p>
+            <a:endParaRPr lang="en-US"/>
+          </a:p>
+        </p:txBody>
+      </p:sp>
+    </p:spTree>
+    <p:extLst>
+      <p:ext uri="{BB962C8B-B14F-4D97-AF65-F5344CB8AC3E}">
+        <p14:creationId xmlns:p14="http://schemas.microsoft.com/office/powerpoint/2010/main" val="1065804976"/>
+      </p:ext>
+    </p:extLst>
   </p:cSld>
   <p:clrMapOvr>
     <a:masterClrMapping/>

--- a/BerkeleyClass/CS290Spring2013/Lectures/entropy_talk.pptx
+++ b/BerkeleyClass/CS290Spring2013/Lectures/entropy_talk.pptx
@@ -25952,7 +25952,7 @@
           <a:p>
             <a:r>
               <a:rPr lang="en-US" sz="3600" dirty="0"/>
-              <a:t>Effect of state on execution</a:t>
+              <a:t>Effect of state on execution (wishful thinking version)</a:t>
             </a:r>
           </a:p>
         </p:txBody>
@@ -26040,6 +26040,15 @@
                 <a:cs typeface="Arial" panose="020B0604020202020204" pitchFamily="34" charset="0"/>
               </a:rPr>
               <a:t>Effect of virtual to physical memory assignment and paging and TLB misses</a:t>
+            </a:r>
+          </a:p>
+          <a:p>
+            <a:r>
+              <a:rPr lang="en-US" sz="2000" dirty="0">
+                <a:latin typeface="Arial" panose="020B0604020202020204" pitchFamily="34" charset="0"/>
+                <a:cs typeface="Arial" panose="020B0604020202020204" pitchFamily="34" charset="0"/>
+              </a:rPr>
+              <a:t>Serial run of 500000 samples collected serially, establish lower bound of 2.5 bits of variability due to state randomization discounting interrupts during execution and memory jitter.</a:t>
             </a:r>
             <a:endParaRPr lang="en-US" sz="1600" dirty="0">
               <a:latin typeface="Arial" panose="020B0604020202020204" pitchFamily="34" charset="0"/>
@@ -26199,7 +26208,7 @@
           <a:p>
             <a:r>
               <a:rPr lang="en-US" sz="3600" dirty="0"/>
-              <a:t>Effect of memory jitter</a:t>
+              <a:t>Effect of memory jitter (wishful thinking version)</a:t>
             </a:r>
           </a:p>
         </p:txBody>
@@ -26226,11 +26235,41 @@
           <a:p>
             <a:pPr lvl="0"/>
             <a:r>
-              <a:rPr lang="en-US" sz="2000" dirty="0">
+              <a:rPr lang="en-US" sz="1800" dirty="0">
                 <a:latin typeface="Arial" panose="020B0604020202020204" pitchFamily="34" charset="0"/>
                 <a:cs typeface="Arial" panose="020B0604020202020204" pitchFamily="34" charset="0"/>
               </a:rPr>
-              <a:t>x</a:t>
+              <a:t>Variability attributable or cache misses:</a:t>
+            </a:r>
+          </a:p>
+          <a:p>
+            <a:pPr lvl="1"/>
+            <a:r>
+              <a:rPr lang="en-US" sz="1800" dirty="0">
+                <a:latin typeface="Arial" panose="020B0604020202020204" pitchFamily="34" charset="0"/>
+                <a:cs typeface="Arial" panose="020B0604020202020204" pitchFamily="34" charset="0"/>
+              </a:rPr>
+              <a:t> -(.98 lg(.98)+.02lg(.02))= .14 bit per access</a:t>
+            </a:r>
+          </a:p>
+          <a:p>
+            <a:pPr lvl="1"/>
+            <a:r>
+              <a:rPr lang="en-US" sz="1800" dirty="0">
+                <a:latin typeface="Arial" panose="020B0604020202020204" pitchFamily="34" charset="0"/>
+                <a:cs typeface="Arial" panose="020B0604020202020204" pitchFamily="34" charset="0"/>
+              </a:rPr>
+              <a:t>Each miss causes 8 cycle difference</a:t>
+            </a:r>
+          </a:p>
+          <a:p>
+            <a:pPr lvl="1"/>
+            <a:r>
+              <a:rPr lang="en-US" sz="1800" dirty="0">
+                <a:latin typeface="Arial" panose="020B0604020202020204" pitchFamily="34" charset="0"/>
+                <a:cs typeface="Arial" panose="020B0604020202020204" pitchFamily="34" charset="0"/>
+              </a:rPr>
+              <a:t>1 bit on entropy?</a:t>
             </a:r>
           </a:p>
         </p:txBody>
@@ -26386,7 +26425,7 @@
           <a:p>
             <a:r>
               <a:rPr lang="en-US" sz="3600" dirty="0"/>
-              <a:t>Effect of state randomization prior to entry</a:t>
+              <a:t>Effect of state randomization prior to entry (wishful thinking version)</a:t>
             </a:r>
           </a:p>
         </p:txBody>
@@ -26411,13 +26450,26 @@
           <a:bodyPr/>
           <a:lstStyle/>
           <a:p>
-            <a:pPr lvl="0"/>
             <a:r>
               <a:rPr lang="en-US" sz="2000" dirty="0">
                 <a:latin typeface="Arial" panose="020B0604020202020204" pitchFamily="34" charset="0"/>
                 <a:cs typeface="Arial" panose="020B0604020202020204" pitchFamily="34" charset="0"/>
               </a:rPr>
-              <a:t>x</a:t>
+              <a:t>Serial run of 500000 samples collected serially, establish lower bound of 2.5 bits of variability due to state randomization discounting interrupts during execution and memory jitter.  This includes TLB, branch and speculation.  Almost no paging.</a:t>
+            </a:r>
+            <a:endParaRPr lang="en-US" sz="1600" dirty="0">
+              <a:latin typeface="Arial" panose="020B0604020202020204" pitchFamily="34" charset="0"/>
+              <a:cs typeface="Arial" panose="020B0604020202020204" pitchFamily="34" charset="0"/>
+            </a:endParaRPr>
+          </a:p>
+          <a:p>
+            <a:pPr lvl="0"/>
+            <a:r>
+              <a:rPr lang="en-US" sz="2000" dirty="0">
+                <a:latin typeface="Arial" panose="020B0604020202020204" pitchFamily="34" charset="0"/>
+                <a:cs typeface="Arial" panose="020B0604020202020204" pitchFamily="34" charset="0"/>
+              </a:rPr>
+              <a:t>Branch prediction succeeds 80% of the time and each failure results in a 40-80 cycle difference.</a:t>
             </a:r>
           </a:p>
         </p:txBody>
@@ -26724,7 +26776,7 @@
         </p:nvSpPr>
         <p:spPr>
           <a:xfrm>
-            <a:off x="682752" y="114299"/>
+            <a:off x="682752" y="342919"/>
             <a:ext cx="7772400" cy="1104881"/>
           </a:xfrm>
         </p:spPr>
@@ -26734,7 +26786,7 @@
           <a:p>
             <a:r>
               <a:rPr lang="en-US" sz="3600" dirty="0"/>
-              <a:t>Effect of interrupts on state and execution time during sampling</a:t>
+              <a:t>Effect of interrupts on state and execution time during sampling (wishful thinking version)</a:t>
             </a:r>
           </a:p>
         </p:txBody>
@@ -26751,7 +26803,7 @@
         </p:nvSpPr>
         <p:spPr>
           <a:xfrm>
-            <a:off x="609600" y="1752605"/>
+            <a:off x="568452" y="2039118"/>
             <a:ext cx="8001000" cy="4475963"/>
           </a:xfrm>
         </p:spPr>
@@ -26765,8 +26817,59 @@
                 <a:latin typeface="Arial" panose="020B0604020202020204" pitchFamily="34" charset="0"/>
                 <a:cs typeface="Arial" panose="020B0604020202020204" pitchFamily="34" charset="0"/>
               </a:rPr>
-              <a:t>x</a:t>
-            </a:r>
+              <a:t>Approximately 600 interrupts per sec.  150 per core, one per 6.7 </a:t>
+            </a:r>
+            <a:r>
+              <a:rPr lang="en-US" sz="2000" dirty="0" err="1">
+                <a:latin typeface="Arial" panose="020B0604020202020204" pitchFamily="34" charset="0"/>
+                <a:cs typeface="Arial" panose="020B0604020202020204" pitchFamily="34" charset="0"/>
+              </a:rPr>
+              <a:t>ms.</a:t>
+            </a:r>
+            <a:endParaRPr lang="en-US" sz="2000" dirty="0">
+              <a:latin typeface="Arial" panose="020B0604020202020204" pitchFamily="34" charset="0"/>
+              <a:cs typeface="Arial" panose="020B0604020202020204" pitchFamily="34" charset="0"/>
+            </a:endParaRPr>
+          </a:p>
+          <a:p>
+            <a:pPr lvl="0"/>
+            <a:r>
+              <a:rPr lang="en-US" sz="2000" dirty="0">
+                <a:latin typeface="Arial" panose="020B0604020202020204" pitchFamily="34" charset="0"/>
+                <a:cs typeface="Arial" panose="020B0604020202020204" pitchFamily="34" charset="0"/>
+              </a:rPr>
+              <a:t>Average duration of hash sample is 19200 cycles</a:t>
+            </a:r>
+          </a:p>
+          <a:p>
+            <a:pPr lvl="0"/>
+            <a:r>
+              <a:rPr lang="en-US" sz="2000" dirty="0">
+                <a:latin typeface="Arial" panose="020B0604020202020204" pitchFamily="34" charset="0"/>
+                <a:cs typeface="Arial" panose="020B0604020202020204" pitchFamily="34" charset="0"/>
+              </a:rPr>
+              <a:t>Total duration for 500 calls to jitter is 9.6 </a:t>
+            </a:r>
+            <a:r>
+              <a:rPr lang="en-US" sz="2000" dirty="0" err="1">
+                <a:latin typeface="Arial" panose="020B0604020202020204" pitchFamily="34" charset="0"/>
+                <a:cs typeface="Arial" panose="020B0604020202020204" pitchFamily="34" charset="0"/>
+              </a:rPr>
+              <a:t>ms</a:t>
+            </a:r>
+            <a:endParaRPr lang="en-US" sz="2000" dirty="0">
+              <a:latin typeface="Arial" panose="020B0604020202020204" pitchFamily="34" charset="0"/>
+              <a:cs typeface="Arial" panose="020B0604020202020204" pitchFamily="34" charset="0"/>
+            </a:endParaRPr>
+          </a:p>
+          <a:p>
+            <a:pPr marL="0" lvl="0" indent="0">
+              <a:buNone/>
+            </a:pPr>
+            <a:endParaRPr lang="en-US" sz="2000" dirty="0">
+              <a:latin typeface="Arial" panose="020B0604020202020204" pitchFamily="34" charset="0"/>
+              <a:cs typeface="Arial" panose="020B0604020202020204" pitchFamily="34" charset="0"/>
+            </a:endParaRPr>
           </a:p>
         </p:txBody>
       </p:sp>

--- a/BerkeleyClass/CS290Spring2013/Lectures/entropy_talk.pptx
+++ b/BerkeleyClass/CS290Spring2013/Lectures/entropy_talk.pptx
@@ -25766,7 +25766,7 @@
                 <a:latin typeface="Arial" panose="020B0604020202020204" pitchFamily="34" charset="0"/>
                 <a:cs typeface="Arial" panose="020B0604020202020204" pitchFamily="34" charset="0"/>
               </a:rPr>
-              <a:t>Interrupts affected state evolution</a:t>
+              <a:t>“Unpredictable” interrupts affecting state evolution prior to sampling.</a:t>
             </a:r>
           </a:p>
           <a:p>
@@ -25776,17 +25776,21 @@
                 <a:latin typeface="Arial" panose="020B0604020202020204" pitchFamily="34" charset="0"/>
                 <a:cs typeface="Arial" panose="020B0604020202020204" pitchFamily="34" charset="0"/>
               </a:rPr>
-              <a:t>Interrupts occurring during an execution jitter sample</a:t>
-            </a:r>
-          </a:p>
-          <a:p>
-            <a:pPr lvl="1"/>
+              <a:t>Interrupts occurring </a:t>
+            </a:r>
+            <a:r>
+              <a:rPr lang="en-US" sz="2000" i="1" dirty="0">
+                <a:latin typeface="Arial" panose="020B0604020202020204" pitchFamily="34" charset="0"/>
+                <a:cs typeface="Arial" panose="020B0604020202020204" pitchFamily="34" charset="0"/>
+              </a:rPr>
+              <a:t>during</a:t>
+            </a:r>
             <a:r>
               <a:rPr lang="en-US" sz="2000" dirty="0">
                 <a:latin typeface="Arial" panose="020B0604020202020204" pitchFamily="34" charset="0"/>
                 <a:cs typeface="Arial" panose="020B0604020202020204" pitchFamily="34" charset="0"/>
               </a:rPr>
-              <a:t>Delay processing</a:t>
+              <a:t> an execution jitter sample</a:t>
             </a:r>
           </a:p>
           <a:p>
@@ -25796,7 +25800,28 @@
                 <a:latin typeface="Arial" panose="020B0604020202020204" pitchFamily="34" charset="0"/>
                 <a:cs typeface="Arial" panose="020B0604020202020204" pitchFamily="34" charset="0"/>
               </a:rPr>
-              <a:t>Changed processor state</a:t>
+              <a:t>Delays processing (hence </a:t>
+            </a:r>
+            <a:r>
+              <a:rPr lang="en-US" sz="2000">
+                <a:latin typeface="Arial" panose="020B0604020202020204" pitchFamily="34" charset="0"/>
+                <a:cs typeface="Arial" panose="020B0604020202020204" pitchFamily="34" charset="0"/>
+              </a:rPr>
+              <a:t>sample time)</a:t>
+            </a:r>
+            <a:endParaRPr lang="en-US" sz="2000" dirty="0">
+              <a:latin typeface="Arial" panose="020B0604020202020204" pitchFamily="34" charset="0"/>
+              <a:cs typeface="Arial" panose="020B0604020202020204" pitchFamily="34" charset="0"/>
+            </a:endParaRPr>
+          </a:p>
+          <a:p>
+            <a:pPr lvl="1"/>
+            <a:r>
+              <a:rPr lang="en-US" sz="2000" dirty="0">
+                <a:latin typeface="Arial" panose="020B0604020202020204" pitchFamily="34" charset="0"/>
+                <a:cs typeface="Arial" panose="020B0604020202020204" pitchFamily="34" charset="0"/>
+              </a:rPr>
+              <a:t>Changes processor state</a:t>
             </a:r>
           </a:p>
         </p:txBody>
@@ -26269,7 +26294,7 @@
                 <a:latin typeface="Arial" panose="020B0604020202020204" pitchFamily="34" charset="0"/>
                 <a:cs typeface="Arial" panose="020B0604020202020204" pitchFamily="34" charset="0"/>
               </a:rPr>
-              <a:t>1 bit on entropy?</a:t>
+              <a:t>1 bit on entropy/sample (Rambus data)</a:t>
             </a:r>
           </a:p>
         </p:txBody>

--- a/BerkeleyClass/CS290Spring2013/Lectures/entropy_talk.pptx
+++ b/BerkeleyClass/CS290Spring2013/Lectures/entropy_talk.pptx
@@ -21044,7 +21044,7 @@
         </p:nvSpPr>
         <p:spPr>
           <a:xfrm>
-            <a:off x="454152" y="1447800"/>
+            <a:off x="454152" y="1618445"/>
             <a:ext cx="8229600" cy="4648200"/>
           </a:xfrm>
         </p:spPr>
@@ -22508,7 +22508,7 @@
           <p:nvPr>
             <p:extLst>
               <p:ext uri="{D42A27DB-BD31-4B8C-83A1-F6EECF244321}">
-                <p14:modId xmlns:p14="http://schemas.microsoft.com/office/powerpoint/2010/main" val="1700176014"/>
+                <p14:modId xmlns:p14="http://schemas.microsoft.com/office/powerpoint/2010/main" val="2014539111"/>
               </p:ext>
             </p:extLst>
           </p:nvPr>
@@ -23580,7 +23580,7 @@
                           <a:ea typeface="DengXian" panose="02010600030101010101" pitchFamily="2" charset="-122"/>
                           <a:cs typeface="Calibri" panose="020F0502020204030204" pitchFamily="34" charset="0"/>
                         </a:rPr>
-                        <a:t>128 64B cache blocks, 16 sets, </a:t>
+                        <a:t>128 64B cache blocks, 16 sets </a:t>
                       </a:r>
                     </a:p>
                   </a:txBody>
@@ -25147,8 +25147,13 @@
             <a:pPr lvl="0"/>
             <a:r>
               <a:rPr lang="en-US" sz="2000" dirty="0"/>
-              <a:t>CPU instruction pipelines fill level </a:t>
-            </a:r>
+              <a:t>CPU instruction pipelines fill levels </a:t>
+            </a:r>
+            <a:r>
+              <a:rPr lang="en-US" sz="2000"/>
+              <a:t>and stalls </a:t>
+            </a:r>
+            <a:endParaRPr lang="en-US" sz="2000" dirty="0"/>
           </a:p>
           <a:p>
             <a:pPr lvl="0"/>
@@ -25311,8 +25316,8 @@
           </a:p>
         </p:txBody>
       </p:sp>
-      <mc:AlternateContent xmlns:mc="http://schemas.openxmlformats.org/markup-compatibility/2006" xmlns:a14="http://schemas.microsoft.com/office/drawing/2010/main">
-        <mc:Choice Requires="a14">
+      <mc:AlternateContent xmlns:mc="http://schemas.openxmlformats.org/markup-compatibility/2006">
+        <mc:Choice xmlns:a14="http://schemas.microsoft.com/office/drawing/2010/main" Requires="a14">
           <p:sp>
             <p:nvSpPr>
               <p:cNvPr id="23557" name="Rectangle 3"/>
@@ -25443,7 +25448,7 @@
                     <a:latin typeface="Arial" panose="020B0604020202020204" pitchFamily="34" charset="0"/>
                     <a:cs typeface="Arial" panose="020B0604020202020204" pitchFamily="34" charset="0"/>
                   </a:rPr>
-                  <a:t>For has test with 10 repeats: 19200 cycles (19 </a:t>
+                  <a:t>With 10 repeats: 19200 cycles (10 </a:t>
                 </a:r>
                 <a14:m>
                   <m:oMath xmlns:m="http://schemas.openxmlformats.org/officeDocument/2006/math">
@@ -25506,7 +25511,7 @@
             </p:txBody>
           </p:sp>
         </mc:Choice>
-        <mc:Fallback xmlns="">
+        <mc:Fallback>
           <p:sp>
             <p:nvSpPr>
               <p:cNvPr id="23557" name="Rectangle 3"/>
@@ -25967,8 +25972,8 @@
         </p:nvSpPr>
         <p:spPr>
           <a:xfrm>
-            <a:off x="682752" y="114300"/>
-            <a:ext cx="7772400" cy="838200"/>
+            <a:off x="682752" y="190511"/>
+            <a:ext cx="7772400" cy="952489"/>
           </a:xfrm>
         </p:spPr>
         <p:txBody>
@@ -26223,8 +26228,8 @@
         </p:nvSpPr>
         <p:spPr>
           <a:xfrm>
-            <a:off x="682752" y="114299"/>
-            <a:ext cx="7772400" cy="1104881"/>
+            <a:off x="228600" y="114299"/>
+            <a:ext cx="8686800" cy="1104881"/>
           </a:xfrm>
         </p:spPr>
         <p:txBody>
@@ -26440,7 +26445,7 @@
         </p:nvSpPr>
         <p:spPr>
           <a:xfrm>
-            <a:off x="682752" y="114299"/>
+            <a:off x="682752" y="190519"/>
             <a:ext cx="7772400" cy="1104881"/>
           </a:xfrm>
         </p:spPr>

--- a/BerkeleyClass/CS290Spring2013/Lectures/entropy_talk.pptx
+++ b/BerkeleyClass/CS290Spring2013/Lectures/entropy_talk.pptx
@@ -25501,7 +25501,7 @@
               <a:p>
                 <a:pPr lvl="1"/>
                 <a:r>
-                  <a:rPr lang="en-US" sz="1600" dirty="0">
+                  <a:rPr lang="en-US" sz="2000" dirty="0">
                     <a:latin typeface="Arial" panose="020B0604020202020204" pitchFamily="34" charset="0"/>
                     <a:cs typeface="Arial" panose="020B0604020202020204" pitchFamily="34" charset="0"/>
                   </a:rPr>
@@ -26078,7 +26078,7 @@
                 <a:latin typeface="Arial" panose="020B0604020202020204" pitchFamily="34" charset="0"/>
                 <a:cs typeface="Arial" panose="020B0604020202020204" pitchFamily="34" charset="0"/>
               </a:rPr>
-              <a:t>Serial run of 500000 samples collected serially, establish lower bound of 2.5 bits of variability due to state randomization discounting interrupts during execution and memory jitter.</a:t>
+              <a:t>Serial run of 500000 samples collected serially, establishes lower bound of 2.5 bits of variability due to state randomization discounting interrupts during execution and memory jitter.</a:t>
             </a:r>
             <a:endParaRPr lang="en-US" sz="1600" dirty="0">
               <a:latin typeface="Arial" panose="020B0604020202020204" pitchFamily="34" charset="0"/>
@@ -26833,8 +26833,8 @@
         </p:nvSpPr>
         <p:spPr>
           <a:xfrm>
-            <a:off x="568452" y="2039118"/>
-            <a:ext cx="8001000" cy="4475963"/>
+            <a:off x="568452" y="2343918"/>
+            <a:ext cx="8001000" cy="4056882"/>
           </a:xfrm>
         </p:spPr>
         <p:txBody>
@@ -26878,7 +26878,7 @@
                 <a:latin typeface="Arial" panose="020B0604020202020204" pitchFamily="34" charset="0"/>
                 <a:cs typeface="Arial" panose="020B0604020202020204" pitchFamily="34" charset="0"/>
               </a:rPr>
-              <a:t>Total duration for 500 calls to jitter is 9.6 </a:t>
+              <a:t>Total duration for 500 calls to jitter is 4.8 </a:t>
             </a:r>
             <a:r>
               <a:rPr lang="en-US" sz="2000" dirty="0" err="1">

--- a/BerkeleyClass/CS290Spring2013/Lectures/entropy_talk.pptx
+++ b/BerkeleyClass/CS290Spring2013/Lectures/entropy_talk.pptx
@@ -21457,7 +21457,7 @@
         </p:nvSpPr>
         <p:spPr>
           <a:xfrm>
-            <a:off x="682752" y="114300"/>
+            <a:off x="682752" y="0"/>
             <a:ext cx="7772400" cy="838200"/>
           </a:xfrm>
         </p:spPr>
@@ -21484,8 +21484,8 @@
         </p:nvSpPr>
         <p:spPr>
           <a:xfrm>
-            <a:off x="490728" y="1524000"/>
-            <a:ext cx="8156448" cy="4724400"/>
+            <a:off x="152400" y="1325564"/>
+            <a:ext cx="8686800" cy="3475036"/>
           </a:xfrm>
         </p:spPr>
         <p:txBody>
@@ -21502,7 +21502,7 @@
                 <a:latin typeface="Arial" panose="020B0604020202020204" pitchFamily="34" charset="0"/>
                 <a:cs typeface="Arial" panose="020B0604020202020204" pitchFamily="34" charset="0"/>
               </a:rPr>
-              <a:t>What we want to show is that the expected effort to “recreate” the machine state to successfully reproduce the execution jitter purporting to provide n bits of entropy requires 2</a:t>
+              <a:t>We want to show that the expected effort to “recreate” the machine state to successfully reproduce execution jitter purporting to provide n bits of entropy requires 2</a:t>
             </a:r>
             <a:r>
               <a:rPr lang="en-US" sz="2000" baseline="30000" dirty="0">
@@ -21520,27 +21520,13 @@
             </a:r>
           </a:p>
           <a:p>
-            <a:pPr>
-              <a:lnSpc>
-                <a:spcPct val="90000"/>
-              </a:lnSpc>
-            </a:pPr>
-            <a:r>
-              <a:rPr lang="en-US" sz="2000" dirty="0">
-                <a:latin typeface="Arial" panose="020B0604020202020204" pitchFamily="34" charset="0"/>
-                <a:cs typeface="Arial" panose="020B0604020202020204" pitchFamily="34" charset="0"/>
-              </a:rPr>
-              <a:t>How?</a:t>
-            </a:r>
-          </a:p>
-          <a:p>
             <a:pPr lvl="1">
               <a:lnSpc>
                 <a:spcPct val="90000"/>
               </a:lnSpc>
             </a:pPr>
             <a:r>
-              <a:rPr lang="en-US" sz="2000" dirty="0">
+              <a:rPr lang="en-US" sz="1800" dirty="0">
                 <a:latin typeface="Arial" panose="020B0604020202020204" pitchFamily="34" charset="0"/>
                 <a:cs typeface="Arial" panose="020B0604020202020204" pitchFamily="34" charset="0"/>
               </a:rPr>
@@ -21554,7 +21540,7 @@
               </a:lnSpc>
             </a:pPr>
             <a:r>
-              <a:rPr lang="en-US" sz="2000" dirty="0">
+              <a:rPr lang="en-US" sz="1800" dirty="0">
                 <a:latin typeface="Arial" panose="020B0604020202020204" pitchFamily="34" charset="0"/>
                 <a:cs typeface="Arial" panose="020B0604020202020204" pitchFamily="34" charset="0"/>
               </a:rPr>
@@ -21617,6 +21603,414 @@
               <a:t>39</a:t>
             </a:fld>
             <a:endParaRPr lang="en-US"/>
+          </a:p>
+        </p:txBody>
+      </p:sp>
+      <p:sp>
+        <p:nvSpPr>
+          <p:cNvPr id="2" name="TextBox 1">
+            <a:extLst>
+              <a:ext uri="{FF2B5EF4-FFF2-40B4-BE49-F238E27FC236}">
+                <a16:creationId xmlns:a16="http://schemas.microsoft.com/office/drawing/2014/main" id="{A40095AC-5BFA-B145-8283-D67505AFA400}"/>
+              </a:ext>
+            </a:extLst>
+          </p:cNvPr>
+          <p:cNvSpPr txBox="1"/>
+          <p:nvPr/>
+        </p:nvSpPr>
+        <p:spPr>
+          <a:xfrm>
+            <a:off x="3048000" y="5207299"/>
+            <a:ext cx="1447800" cy="338554"/>
+          </a:xfrm>
+          <a:prstGeom prst="rect">
+            <a:avLst/>
+          </a:prstGeom>
+          <a:noFill/>
+        </p:spPr>
+        <p:txBody>
+          <a:bodyPr wrap="square" rtlCol="0">
+            <a:spAutoFit/>
+          </a:bodyPr>
+          <a:lstStyle/>
+          <a:p>
+            <a:r>
+              <a:rPr lang="en-US" sz="1600" dirty="0">
+                <a:latin typeface="Calibri" panose="020F0502020204030204" pitchFamily="34" charset="0"/>
+                <a:cs typeface="Calibri" panose="020F0502020204030204" pitchFamily="34" charset="0"/>
+              </a:rPr>
+              <a:t>Machine State</a:t>
+            </a:r>
+          </a:p>
+        </p:txBody>
+      </p:sp>
+      <p:sp>
+        <p:nvSpPr>
+          <p:cNvPr id="6" name="TextBox 5">
+            <a:extLst>
+              <a:ext uri="{FF2B5EF4-FFF2-40B4-BE49-F238E27FC236}">
+                <a16:creationId xmlns:a16="http://schemas.microsoft.com/office/drawing/2014/main" id="{D23C20CC-F503-494D-896A-2ECA9247C0F6}"/>
+              </a:ext>
+            </a:extLst>
+          </p:cNvPr>
+          <p:cNvSpPr txBox="1"/>
+          <p:nvPr/>
+        </p:nvSpPr>
+        <p:spPr>
+          <a:xfrm>
+            <a:off x="419100" y="4648200"/>
+            <a:ext cx="1676400" cy="584775"/>
+          </a:xfrm>
+          <a:prstGeom prst="rect">
+            <a:avLst/>
+          </a:prstGeom>
+          <a:noFill/>
+        </p:spPr>
+        <p:txBody>
+          <a:bodyPr wrap="square" rtlCol="0">
+            <a:spAutoFit/>
+          </a:bodyPr>
+          <a:lstStyle/>
+          <a:p>
+            <a:r>
+              <a:rPr lang="en-US" sz="1600" dirty="0">
+                <a:latin typeface="Calibri" panose="020F0502020204030204" pitchFamily="34" charset="0"/>
+                <a:cs typeface="Calibri" panose="020F0502020204030204" pitchFamily="34" charset="0"/>
+              </a:rPr>
+              <a:t>Evolution, predictable state</a:t>
+            </a:r>
+          </a:p>
+        </p:txBody>
+      </p:sp>
+      <p:sp>
+        <p:nvSpPr>
+          <p:cNvPr id="7" name="TextBox 6">
+            <a:extLst>
+              <a:ext uri="{FF2B5EF4-FFF2-40B4-BE49-F238E27FC236}">
+                <a16:creationId xmlns:a16="http://schemas.microsoft.com/office/drawing/2014/main" id="{586CA140-502A-D649-9A02-5BC018088307}"/>
+              </a:ext>
+            </a:extLst>
+          </p:cNvPr>
+          <p:cNvSpPr txBox="1"/>
+          <p:nvPr/>
+        </p:nvSpPr>
+        <p:spPr>
+          <a:xfrm>
+            <a:off x="407377" y="5317253"/>
+            <a:ext cx="1447800" cy="338554"/>
+          </a:xfrm>
+          <a:prstGeom prst="rect">
+            <a:avLst/>
+          </a:prstGeom>
+          <a:noFill/>
+        </p:spPr>
+        <p:txBody>
+          <a:bodyPr wrap="square" rtlCol="0">
+            <a:spAutoFit/>
+          </a:bodyPr>
+          <a:lstStyle/>
+          <a:p>
+            <a:r>
+              <a:rPr lang="en-US" sz="1600" dirty="0">
+                <a:latin typeface="Calibri" panose="020F0502020204030204" pitchFamily="34" charset="0"/>
+                <a:cs typeface="Calibri" panose="020F0502020204030204" pitchFamily="34" charset="0"/>
+              </a:rPr>
+              <a:t>Physical jitter</a:t>
+            </a:r>
+          </a:p>
+        </p:txBody>
+      </p:sp>
+      <p:sp>
+        <p:nvSpPr>
+          <p:cNvPr id="9" name="TextBox 8">
+            <a:extLst>
+              <a:ext uri="{FF2B5EF4-FFF2-40B4-BE49-F238E27FC236}">
+                <a16:creationId xmlns:a16="http://schemas.microsoft.com/office/drawing/2014/main" id="{F2D237A4-37C4-6D42-B079-411BE8EE5E70}"/>
+              </a:ext>
+            </a:extLst>
+          </p:cNvPr>
+          <p:cNvSpPr txBox="1"/>
+          <p:nvPr/>
+        </p:nvSpPr>
+        <p:spPr>
+          <a:xfrm>
+            <a:off x="419100" y="5816899"/>
+            <a:ext cx="1447800" cy="338554"/>
+          </a:xfrm>
+          <a:prstGeom prst="rect">
+            <a:avLst/>
+          </a:prstGeom>
+          <a:noFill/>
+        </p:spPr>
+        <p:txBody>
+          <a:bodyPr wrap="square" rtlCol="0">
+            <a:spAutoFit/>
+          </a:bodyPr>
+          <a:lstStyle/>
+          <a:p>
+            <a:r>
+              <a:rPr lang="en-US" sz="1600" dirty="0">
+                <a:latin typeface="Calibri" panose="020F0502020204030204" pitchFamily="34" charset="0"/>
+                <a:cs typeface="Calibri" panose="020F0502020204030204" pitchFamily="34" charset="0"/>
+              </a:rPr>
+              <a:t>Interrupts</a:t>
+            </a:r>
+          </a:p>
+        </p:txBody>
+      </p:sp>
+      <p:sp>
+        <p:nvSpPr>
+          <p:cNvPr id="3" name="Rectangle 2">
+            <a:extLst>
+              <a:ext uri="{FF2B5EF4-FFF2-40B4-BE49-F238E27FC236}">
+                <a16:creationId xmlns:a16="http://schemas.microsoft.com/office/drawing/2014/main" id="{F98A81E1-02DB-D043-AC2A-C68DD86FA9C0}"/>
+              </a:ext>
+            </a:extLst>
+          </p:cNvPr>
+          <p:cNvSpPr/>
+          <p:nvPr/>
+        </p:nvSpPr>
+        <p:spPr bwMode="auto">
+          <a:xfrm>
+            <a:off x="2857500" y="4860053"/>
+            <a:ext cx="2019300" cy="1066800"/>
+          </a:xfrm>
+          <a:prstGeom prst="rect">
+            <a:avLst/>
+          </a:prstGeom>
+          <a:noFill/>
+          <a:ln w="25400" cap="flat" cmpd="sng" algn="ctr">
+            <a:solidFill>
+              <a:srgbClr val="0066CC"/>
+            </a:solidFill>
+            <a:prstDash val="solid"/>
+            <a:round/>
+            <a:headEnd type="none" w="med" len="med"/>
+            <a:tailEnd type="none" w="med" len="med"/>
+          </a:ln>
+          <a:effectLst/>
+        </p:spPr>
+        <p:txBody>
+          <a:bodyPr vert="horz" wrap="none" lIns="91440" tIns="45720" rIns="91440" bIns="45720" numCol="1" rtlCol="0" anchor="t" anchorCtr="0" compatLnSpc="1">
+            <a:prstTxWarp prst="textNoShape">
+              <a:avLst/>
+            </a:prstTxWarp>
+            <a:spAutoFit/>
+          </a:bodyPr>
+          <a:lstStyle/>
+          <a:p>
+            <a:pPr marL="0" marR="0" indent="0" algn="l" defTabSz="914400" rtl="0" eaLnBrk="0" fontAlgn="base" latinLnBrk="0" hangingPunct="0">
+              <a:lnSpc>
+                <a:spcPct val="100000"/>
+              </a:lnSpc>
+              <a:spcBef>
+                <a:spcPct val="0"/>
+              </a:spcBef>
+              <a:spcAft>
+                <a:spcPct val="0"/>
+              </a:spcAft>
+              <a:buClrTx/>
+              <a:buSzTx/>
+              <a:buFontTx/>
+              <a:buNone/>
+              <a:tabLst/>
+            </a:pPr>
+            <a:endParaRPr kumimoji="0" lang="en-US" sz="1000" b="0" i="0" u="none" strike="noStrike" cap="none" normalizeH="0" baseline="0">
+              <a:ln>
+                <a:noFill/>
+              </a:ln>
+              <a:solidFill>
+                <a:schemeClr val="tx1"/>
+              </a:solidFill>
+              <a:effectLst/>
+              <a:latin typeface="Courier New" pitchFamily="49" charset="0"/>
+            </a:endParaRPr>
+          </a:p>
+        </p:txBody>
+      </p:sp>
+      <p:cxnSp>
+        <p:nvCxnSpPr>
+          <p:cNvPr id="5" name="Straight Arrow Connector 4">
+            <a:extLst>
+              <a:ext uri="{FF2B5EF4-FFF2-40B4-BE49-F238E27FC236}">
+                <a16:creationId xmlns:a16="http://schemas.microsoft.com/office/drawing/2014/main" id="{AB1D0C9F-8D6F-244B-9A4E-B10A956B7B3D}"/>
+              </a:ext>
+            </a:extLst>
+          </p:cNvPr>
+          <p:cNvCxnSpPr>
+            <a:cxnSpLocks/>
+          </p:cNvCxnSpPr>
+          <p:nvPr/>
+        </p:nvCxnSpPr>
+        <p:spPr bwMode="auto">
+          <a:xfrm>
+            <a:off x="1524000" y="4860053"/>
+            <a:ext cx="1257300" cy="228600"/>
+          </a:xfrm>
+          <a:prstGeom prst="straightConnector1">
+            <a:avLst/>
+          </a:prstGeom>
+          <a:solidFill>
+            <a:schemeClr val="accent1"/>
+          </a:solidFill>
+          <a:ln w="25400" cap="flat" cmpd="sng" algn="ctr">
+            <a:solidFill>
+              <a:srgbClr val="0066CC"/>
+            </a:solidFill>
+            <a:prstDash val="solid"/>
+            <a:round/>
+            <a:headEnd type="none" w="med" len="med"/>
+            <a:tailEnd type="triangle"/>
+          </a:ln>
+          <a:effectLst/>
+        </p:spPr>
+      </p:cxnSp>
+      <p:cxnSp>
+        <p:nvCxnSpPr>
+          <p:cNvPr id="14" name="Straight Arrow Connector 13">
+            <a:extLst>
+              <a:ext uri="{FF2B5EF4-FFF2-40B4-BE49-F238E27FC236}">
+                <a16:creationId xmlns:a16="http://schemas.microsoft.com/office/drawing/2014/main" id="{02D96EAA-513F-F048-9BBF-6E7501F76407}"/>
+              </a:ext>
+            </a:extLst>
+          </p:cNvPr>
+          <p:cNvCxnSpPr>
+            <a:cxnSpLocks/>
+          </p:cNvCxnSpPr>
+          <p:nvPr/>
+        </p:nvCxnSpPr>
+        <p:spPr bwMode="auto">
+          <a:xfrm>
+            <a:off x="1600200" y="5486530"/>
+            <a:ext cx="1181100" cy="0"/>
+          </a:xfrm>
+          <a:prstGeom prst="straightConnector1">
+            <a:avLst/>
+          </a:prstGeom>
+          <a:solidFill>
+            <a:schemeClr val="accent1"/>
+          </a:solidFill>
+          <a:ln w="25400" cap="flat" cmpd="sng" algn="ctr">
+            <a:solidFill>
+              <a:srgbClr val="0066CC"/>
+            </a:solidFill>
+            <a:prstDash val="solid"/>
+            <a:round/>
+            <a:headEnd type="none" w="med" len="med"/>
+            <a:tailEnd type="triangle"/>
+          </a:ln>
+          <a:effectLst/>
+        </p:spPr>
+      </p:cxnSp>
+      <p:cxnSp>
+        <p:nvCxnSpPr>
+          <p:cNvPr id="16" name="Straight Arrow Connector 15">
+            <a:extLst>
+              <a:ext uri="{FF2B5EF4-FFF2-40B4-BE49-F238E27FC236}">
+                <a16:creationId xmlns:a16="http://schemas.microsoft.com/office/drawing/2014/main" id="{52834325-4BE9-A64D-A35A-AF40E0A963E6}"/>
+              </a:ext>
+            </a:extLst>
+          </p:cNvPr>
+          <p:cNvCxnSpPr>
+            <a:cxnSpLocks/>
+          </p:cNvCxnSpPr>
+          <p:nvPr/>
+        </p:nvCxnSpPr>
+        <p:spPr bwMode="auto">
+          <a:xfrm flipV="1">
+            <a:off x="1374322" y="5816899"/>
+            <a:ext cx="1406978" cy="169276"/>
+          </a:xfrm>
+          <a:prstGeom prst="straightConnector1">
+            <a:avLst/>
+          </a:prstGeom>
+          <a:solidFill>
+            <a:schemeClr val="accent1"/>
+          </a:solidFill>
+          <a:ln w="25400" cap="flat" cmpd="sng" algn="ctr">
+            <a:solidFill>
+              <a:srgbClr val="0066CC"/>
+            </a:solidFill>
+            <a:prstDash val="solid"/>
+            <a:round/>
+            <a:headEnd type="none" w="med" len="med"/>
+            <a:tailEnd type="triangle"/>
+          </a:ln>
+          <a:effectLst/>
+        </p:spPr>
+      </p:cxnSp>
+      <p:cxnSp>
+        <p:nvCxnSpPr>
+          <p:cNvPr id="18" name="Straight Arrow Connector 17">
+            <a:extLst>
+              <a:ext uri="{FF2B5EF4-FFF2-40B4-BE49-F238E27FC236}">
+                <a16:creationId xmlns:a16="http://schemas.microsoft.com/office/drawing/2014/main" id="{0D718516-59FC-1044-BB58-B9EEFD109A5F}"/>
+              </a:ext>
+            </a:extLst>
+          </p:cNvPr>
+          <p:cNvCxnSpPr>
+            <a:cxnSpLocks/>
+          </p:cNvCxnSpPr>
+          <p:nvPr/>
+        </p:nvCxnSpPr>
+        <p:spPr bwMode="auto">
+          <a:xfrm>
+            <a:off x="4876800" y="5377673"/>
+            <a:ext cx="3657600" cy="0"/>
+          </a:xfrm>
+          <a:prstGeom prst="straightConnector1">
+            <a:avLst/>
+          </a:prstGeom>
+          <a:solidFill>
+            <a:schemeClr val="accent1"/>
+          </a:solidFill>
+          <a:ln w="25400" cap="flat" cmpd="sng" algn="ctr">
+            <a:solidFill>
+              <a:srgbClr val="0066CC"/>
+            </a:solidFill>
+            <a:prstDash val="solid"/>
+            <a:round/>
+            <a:headEnd type="none" w="med" len="med"/>
+            <a:tailEnd type="triangle"/>
+          </a:ln>
+          <a:effectLst/>
+        </p:spPr>
+      </p:cxnSp>
+      <p:sp>
+        <p:nvSpPr>
+          <p:cNvPr id="20" name="TextBox 19">
+            <a:extLst>
+              <a:ext uri="{FF2B5EF4-FFF2-40B4-BE49-F238E27FC236}">
+                <a16:creationId xmlns:a16="http://schemas.microsoft.com/office/drawing/2014/main" id="{0D100D5F-F284-B94B-BA27-402851156086}"/>
+              </a:ext>
+            </a:extLst>
+          </p:cNvPr>
+          <p:cNvSpPr txBox="1"/>
+          <p:nvPr/>
+        </p:nvSpPr>
+        <p:spPr>
+          <a:xfrm>
+            <a:off x="5029200" y="4914911"/>
+            <a:ext cx="3505200" cy="338554"/>
+          </a:xfrm>
+          <a:prstGeom prst="rect">
+            <a:avLst/>
+          </a:prstGeom>
+          <a:noFill/>
+        </p:spPr>
+        <p:txBody>
+          <a:bodyPr wrap="square" rtlCol="0">
+            <a:spAutoFit/>
+          </a:bodyPr>
+          <a:lstStyle/>
+          <a:p>
+            <a:r>
+              <a:rPr lang="en-US" sz="1600" dirty="0">
+                <a:latin typeface="Calibri" panose="020F0502020204030204" pitchFamily="34" charset="0"/>
+                <a:cs typeface="Calibri" panose="020F0502020204030204" pitchFamily="34" charset="0"/>
+              </a:rPr>
+              <a:t>Computationally protected entropy</a:t>
+            </a:r>
           </a:p>
         </p:txBody>
       </p:sp>
@@ -25316,8 +25710,8 @@
           </a:p>
         </p:txBody>
       </p:sp>
-      <mc:AlternateContent xmlns:mc="http://schemas.openxmlformats.org/markup-compatibility/2006">
-        <mc:Choice xmlns:a14="http://schemas.microsoft.com/office/drawing/2010/main" Requires="a14">
+      <mc:AlternateContent xmlns:mc="http://schemas.openxmlformats.org/markup-compatibility/2006" xmlns:a14="http://schemas.microsoft.com/office/drawing/2010/main">
+        <mc:Choice Requires="a14">
           <p:sp>
             <p:nvSpPr>
               <p:cNvPr id="23557" name="Rectangle 3"/>
@@ -25511,7 +25905,7 @@
             </p:txBody>
           </p:sp>
         </mc:Choice>
-        <mc:Fallback>
+        <mc:Fallback xmlns="">
           <p:sp>
             <p:nvSpPr>
               <p:cNvPr id="23557" name="Rectangle 3"/>
@@ -25999,7 +26393,7 @@
         </p:nvSpPr>
         <p:spPr>
           <a:xfrm>
-            <a:off x="609600" y="1752605"/>
+            <a:off x="609600" y="1848637"/>
             <a:ext cx="8001000" cy="4475963"/>
           </a:xfrm>
         </p:spPr>
@@ -26078,7 +26472,7 @@
                 <a:latin typeface="Arial" panose="020B0604020202020204" pitchFamily="34" charset="0"/>
                 <a:cs typeface="Arial" panose="020B0604020202020204" pitchFamily="34" charset="0"/>
               </a:rPr>
-              <a:t>Serial run of 500000 samples collected serially, establishes lower bound of 2.5 bits of variability due to state randomization discounting interrupts during execution and memory jitter.</a:t>
+              <a:t>Serial run of 50000 samples collected serially, establishes lower bound of 2.5 bits of “entropy” due to state randomization discounting interrupts during execution and memory jitter.</a:t>
             </a:r>
             <a:endParaRPr lang="en-US" sz="1600" dirty="0">
               <a:latin typeface="Arial" panose="020B0604020202020204" pitchFamily="34" charset="0"/>
@@ -26265,7 +26659,7 @@
           <a:p>
             <a:pPr lvl="0"/>
             <a:r>
-              <a:rPr lang="en-US" sz="1800" dirty="0">
+              <a:rPr lang="en-US" sz="2000" dirty="0">
                 <a:latin typeface="Arial" panose="020B0604020202020204" pitchFamily="34" charset="0"/>
                 <a:cs typeface="Arial" panose="020B0604020202020204" pitchFamily="34" charset="0"/>
               </a:rPr>
@@ -26275,7 +26669,7 @@
           <a:p>
             <a:pPr lvl="1"/>
             <a:r>
-              <a:rPr lang="en-US" sz="1800" dirty="0">
+              <a:rPr lang="en-US" sz="2000" dirty="0">
                 <a:latin typeface="Arial" panose="020B0604020202020204" pitchFamily="34" charset="0"/>
                 <a:cs typeface="Arial" panose="020B0604020202020204" pitchFamily="34" charset="0"/>
               </a:rPr>
@@ -26285,7 +26679,7 @@
           <a:p>
             <a:pPr lvl="1"/>
             <a:r>
-              <a:rPr lang="en-US" sz="1800" dirty="0">
+              <a:rPr lang="en-US" sz="2000" dirty="0">
                 <a:latin typeface="Arial" panose="020B0604020202020204" pitchFamily="34" charset="0"/>
                 <a:cs typeface="Arial" panose="020B0604020202020204" pitchFamily="34" charset="0"/>
               </a:rPr>
@@ -26295,7 +26689,7 @@
           <a:p>
             <a:pPr lvl="1"/>
             <a:r>
-              <a:rPr lang="en-US" sz="1800" dirty="0">
+              <a:rPr lang="en-US" sz="2000" dirty="0">
                 <a:latin typeface="Arial" panose="020B0604020202020204" pitchFamily="34" charset="0"/>
                 <a:cs typeface="Arial" panose="020B0604020202020204" pitchFamily="34" charset="0"/>
               </a:rPr>
@@ -26472,7 +26866,7 @@
         </p:nvSpPr>
         <p:spPr>
           <a:xfrm>
-            <a:off x="609600" y="1752605"/>
+            <a:off x="609600" y="1848637"/>
             <a:ext cx="8001000" cy="4475963"/>
           </a:xfrm>
         </p:spPr>
@@ -26485,7 +26879,7 @@
                 <a:latin typeface="Arial" panose="020B0604020202020204" pitchFamily="34" charset="0"/>
                 <a:cs typeface="Arial" panose="020B0604020202020204" pitchFamily="34" charset="0"/>
               </a:rPr>
-              <a:t>Serial run of 500000 samples collected serially, establish lower bound of 2.5 bits of variability due to state randomization discounting interrupts during execution and memory jitter.  This includes TLB, branch and speculation.  Almost no paging.</a:t>
+              <a:t>Serial run of 50000 samples collected serially, establish lower bound of 2.5 bits of variability due to state randomization discounting interrupts during execution and memory jitter.  This includes TLB, branch and speculation.  Almost no paging.</a:t>
             </a:r>
             <a:endParaRPr lang="en-US" sz="1600" dirty="0">
               <a:latin typeface="Arial" panose="020B0604020202020204" pitchFamily="34" charset="0"/>

--- a/BerkeleyClass/CS290Spring2013/Lectures/entropy_talk.pptx
+++ b/BerkeleyClass/CS290Spring2013/Lectures/entropy_talk.pptx
@@ -5,10 +5,10 @@
     <p:sldMasterId id="2147483649" r:id="rId1"/>
   </p:sldMasterIdLst>
   <p:notesMasterIdLst>
-    <p:notesMasterId r:id="rId52"/>
+    <p:notesMasterId r:id="rId55"/>
   </p:notesMasterIdLst>
   <p:handoutMasterIdLst>
-    <p:handoutMasterId r:id="rId53"/>
+    <p:handoutMasterId r:id="rId56"/>
   </p:handoutMasterIdLst>
   <p:sldIdLst>
     <p:sldId id="3175" r:id="rId2"/>
@@ -61,6 +61,9 @@
     <p:sldId id="3816" r:id="rId49"/>
     <p:sldId id="3817" r:id="rId50"/>
     <p:sldId id="3818" r:id="rId51"/>
+    <p:sldId id="3819" r:id="rId52"/>
+    <p:sldId id="3820" r:id="rId53"/>
+    <p:sldId id="3821" r:id="rId54"/>
   </p:sldIdLst>
   <p:sldSz cx="9144000" cy="6858000" type="screen4x3"/>
   <p:notesSz cx="7010400" cy="9296400"/>
@@ -5007,6 +5010,306 @@
     <p:extLst>
       <p:ext uri="{BB962C8B-B14F-4D97-AF65-F5344CB8AC3E}">
         <p14:creationId xmlns:p14="http://schemas.microsoft.com/office/powerpoint/2010/main" val="3708428463"/>
+      </p:ext>
+    </p:extLst>
+  </p:cSld>
+  <p:clrMapOvr>
+    <a:masterClrMapping/>
+  </p:clrMapOvr>
+</p:notes>
+</file>
+
+<file path=ppt/notesSlides/notesSlide47.xml><?xml version="1.0" encoding="utf-8"?>
+<p:notes xmlns:a="http://schemas.openxmlformats.org/drawingml/2006/main" xmlns:r="http://schemas.openxmlformats.org/officeDocument/2006/relationships" xmlns:p="http://schemas.openxmlformats.org/presentationml/2006/main">
+  <p:cSld>
+    <p:spTree>
+      <p:nvGrpSpPr>
+        <p:cNvPr id="1" name=""/>
+        <p:cNvGrpSpPr/>
+        <p:nvPr/>
+      </p:nvGrpSpPr>
+      <p:grpSpPr>
+        <a:xfrm>
+          <a:off x="0" y="0"/>
+          <a:ext cx="0" cy="0"/>
+          <a:chOff x="0" y="0"/>
+          <a:chExt cx="0" cy="0"/>
+        </a:xfrm>
+      </p:grpSpPr>
+      <p:sp>
+        <p:nvSpPr>
+          <p:cNvPr id="95234" name="Rectangle 7"/>
+          <p:cNvSpPr>
+            <a:spLocks noGrp="1" noChangeArrowheads="1"/>
+          </p:cNvSpPr>
+          <p:nvPr>
+            <p:ph type="sldNum" sz="quarter" idx="5"/>
+          </p:nvPr>
+        </p:nvSpPr>
+        <p:spPr>
+          <a:noFill/>
+        </p:spPr>
+        <p:txBody>
+          <a:bodyPr/>
+          <a:lstStyle/>
+          <a:p>
+            <a:fld id="{86016DC7-F49B-4F50-9A32-E9E9CFA38878}" type="slidenum">
+              <a:rPr lang="en-US" smtClean="0"/>
+              <a:pPr/>
+              <a:t>51</a:t>
+            </a:fld>
+            <a:endParaRPr lang="en-US"/>
+          </a:p>
+        </p:txBody>
+      </p:sp>
+      <p:sp>
+        <p:nvSpPr>
+          <p:cNvPr id="95235" name="Rectangle 2"/>
+          <p:cNvSpPr>
+            <a:spLocks noGrp="1" noRot="1" noChangeAspect="1" noChangeArrowheads="1" noTextEdit="1"/>
+          </p:cNvSpPr>
+          <p:nvPr>
+            <p:ph type="sldImg"/>
+          </p:nvPr>
+        </p:nvSpPr>
+        <p:spPr>
+          <a:xfrm>
+            <a:off x="1169988" y="687388"/>
+            <a:ext cx="4673600" cy="3505200"/>
+          </a:xfrm>
+          <a:ln/>
+        </p:spPr>
+      </p:sp>
+      <p:sp>
+        <p:nvSpPr>
+          <p:cNvPr id="95236" name="Rectangle 3"/>
+          <p:cNvSpPr>
+            <a:spLocks noGrp="1" noChangeArrowheads="1"/>
+          </p:cNvSpPr>
+          <p:nvPr>
+            <p:ph type="body" idx="1"/>
+          </p:nvPr>
+        </p:nvSpPr>
+        <p:spPr>
+          <a:xfrm>
+            <a:off x="914400" y="4421188"/>
+            <a:ext cx="5184775" cy="4191000"/>
+          </a:xfrm>
+          <a:noFill/>
+          <a:ln w="9525"/>
+        </p:spPr>
+        <p:txBody>
+          <a:bodyPr/>
+          <a:lstStyle/>
+          <a:p>
+            <a:endParaRPr lang="en-US"/>
+          </a:p>
+        </p:txBody>
+      </p:sp>
+    </p:spTree>
+    <p:extLst>
+      <p:ext uri="{BB962C8B-B14F-4D97-AF65-F5344CB8AC3E}">
+        <p14:creationId xmlns:p14="http://schemas.microsoft.com/office/powerpoint/2010/main" val="192672573"/>
+      </p:ext>
+    </p:extLst>
+  </p:cSld>
+  <p:clrMapOvr>
+    <a:masterClrMapping/>
+  </p:clrMapOvr>
+</p:notes>
+</file>
+
+<file path=ppt/notesSlides/notesSlide48.xml><?xml version="1.0" encoding="utf-8"?>
+<p:notes xmlns:a="http://schemas.openxmlformats.org/drawingml/2006/main" xmlns:r="http://schemas.openxmlformats.org/officeDocument/2006/relationships" xmlns:p="http://schemas.openxmlformats.org/presentationml/2006/main">
+  <p:cSld>
+    <p:spTree>
+      <p:nvGrpSpPr>
+        <p:cNvPr id="1" name=""/>
+        <p:cNvGrpSpPr/>
+        <p:nvPr/>
+      </p:nvGrpSpPr>
+      <p:grpSpPr>
+        <a:xfrm>
+          <a:off x="0" y="0"/>
+          <a:ext cx="0" cy="0"/>
+          <a:chOff x="0" y="0"/>
+          <a:chExt cx="0" cy="0"/>
+        </a:xfrm>
+      </p:grpSpPr>
+      <p:sp>
+        <p:nvSpPr>
+          <p:cNvPr id="95234" name="Rectangle 7"/>
+          <p:cNvSpPr>
+            <a:spLocks noGrp="1" noChangeArrowheads="1"/>
+          </p:cNvSpPr>
+          <p:nvPr>
+            <p:ph type="sldNum" sz="quarter" idx="5"/>
+          </p:nvPr>
+        </p:nvSpPr>
+        <p:spPr>
+          <a:noFill/>
+        </p:spPr>
+        <p:txBody>
+          <a:bodyPr/>
+          <a:lstStyle/>
+          <a:p>
+            <a:fld id="{86016DC7-F49B-4F50-9A32-E9E9CFA38878}" type="slidenum">
+              <a:rPr lang="en-US" smtClean="0"/>
+              <a:pPr/>
+              <a:t>52</a:t>
+            </a:fld>
+            <a:endParaRPr lang="en-US"/>
+          </a:p>
+        </p:txBody>
+      </p:sp>
+      <p:sp>
+        <p:nvSpPr>
+          <p:cNvPr id="95235" name="Rectangle 2"/>
+          <p:cNvSpPr>
+            <a:spLocks noGrp="1" noRot="1" noChangeAspect="1" noChangeArrowheads="1" noTextEdit="1"/>
+          </p:cNvSpPr>
+          <p:nvPr>
+            <p:ph type="sldImg"/>
+          </p:nvPr>
+        </p:nvSpPr>
+        <p:spPr>
+          <a:xfrm>
+            <a:off x="1169988" y="687388"/>
+            <a:ext cx="4673600" cy="3505200"/>
+          </a:xfrm>
+          <a:ln/>
+        </p:spPr>
+      </p:sp>
+      <p:sp>
+        <p:nvSpPr>
+          <p:cNvPr id="95236" name="Rectangle 3"/>
+          <p:cNvSpPr>
+            <a:spLocks noGrp="1" noChangeArrowheads="1"/>
+          </p:cNvSpPr>
+          <p:nvPr>
+            <p:ph type="body" idx="1"/>
+          </p:nvPr>
+        </p:nvSpPr>
+        <p:spPr>
+          <a:xfrm>
+            <a:off x="914400" y="4421188"/>
+            <a:ext cx="5184775" cy="4191000"/>
+          </a:xfrm>
+          <a:noFill/>
+          <a:ln w="9525"/>
+        </p:spPr>
+        <p:txBody>
+          <a:bodyPr/>
+          <a:lstStyle/>
+          <a:p>
+            <a:endParaRPr lang="en-US"/>
+          </a:p>
+        </p:txBody>
+      </p:sp>
+    </p:spTree>
+    <p:extLst>
+      <p:ext uri="{BB962C8B-B14F-4D97-AF65-F5344CB8AC3E}">
+        <p14:creationId xmlns:p14="http://schemas.microsoft.com/office/powerpoint/2010/main" val="3460875710"/>
+      </p:ext>
+    </p:extLst>
+  </p:cSld>
+  <p:clrMapOvr>
+    <a:masterClrMapping/>
+  </p:clrMapOvr>
+</p:notes>
+</file>
+
+<file path=ppt/notesSlides/notesSlide49.xml><?xml version="1.0" encoding="utf-8"?>
+<p:notes xmlns:a="http://schemas.openxmlformats.org/drawingml/2006/main" xmlns:r="http://schemas.openxmlformats.org/officeDocument/2006/relationships" xmlns:p="http://schemas.openxmlformats.org/presentationml/2006/main">
+  <p:cSld>
+    <p:spTree>
+      <p:nvGrpSpPr>
+        <p:cNvPr id="1" name=""/>
+        <p:cNvGrpSpPr/>
+        <p:nvPr/>
+      </p:nvGrpSpPr>
+      <p:grpSpPr>
+        <a:xfrm>
+          <a:off x="0" y="0"/>
+          <a:ext cx="0" cy="0"/>
+          <a:chOff x="0" y="0"/>
+          <a:chExt cx="0" cy="0"/>
+        </a:xfrm>
+      </p:grpSpPr>
+      <p:sp>
+        <p:nvSpPr>
+          <p:cNvPr id="95234" name="Rectangle 7"/>
+          <p:cNvSpPr>
+            <a:spLocks noGrp="1" noChangeArrowheads="1"/>
+          </p:cNvSpPr>
+          <p:nvPr>
+            <p:ph type="sldNum" sz="quarter" idx="5"/>
+          </p:nvPr>
+        </p:nvSpPr>
+        <p:spPr>
+          <a:noFill/>
+        </p:spPr>
+        <p:txBody>
+          <a:bodyPr/>
+          <a:lstStyle/>
+          <a:p>
+            <a:fld id="{86016DC7-F49B-4F50-9A32-E9E9CFA38878}" type="slidenum">
+              <a:rPr lang="en-US" smtClean="0"/>
+              <a:pPr/>
+              <a:t>53</a:t>
+            </a:fld>
+            <a:endParaRPr lang="en-US"/>
+          </a:p>
+        </p:txBody>
+      </p:sp>
+      <p:sp>
+        <p:nvSpPr>
+          <p:cNvPr id="95235" name="Rectangle 2"/>
+          <p:cNvSpPr>
+            <a:spLocks noGrp="1" noRot="1" noChangeAspect="1" noChangeArrowheads="1" noTextEdit="1"/>
+          </p:cNvSpPr>
+          <p:nvPr>
+            <p:ph type="sldImg"/>
+          </p:nvPr>
+        </p:nvSpPr>
+        <p:spPr>
+          <a:xfrm>
+            <a:off x="1169988" y="687388"/>
+            <a:ext cx="4673600" cy="3505200"/>
+          </a:xfrm>
+          <a:ln/>
+        </p:spPr>
+      </p:sp>
+      <p:sp>
+        <p:nvSpPr>
+          <p:cNvPr id="95236" name="Rectangle 3"/>
+          <p:cNvSpPr>
+            <a:spLocks noGrp="1" noChangeArrowheads="1"/>
+          </p:cNvSpPr>
+          <p:nvPr>
+            <p:ph type="body" idx="1"/>
+          </p:nvPr>
+        </p:nvSpPr>
+        <p:spPr>
+          <a:xfrm>
+            <a:off x="914400" y="4421188"/>
+            <a:ext cx="5184775" cy="4191000"/>
+          </a:xfrm>
+          <a:noFill/>
+          <a:ln w="9525"/>
+        </p:spPr>
+        <p:txBody>
+          <a:bodyPr/>
+          <a:lstStyle/>
+          <a:p>
+            <a:endParaRPr lang="en-US"/>
+          </a:p>
+        </p:txBody>
+      </p:sp>
+    </p:spTree>
+    <p:extLst>
+      <p:ext uri="{BB962C8B-B14F-4D97-AF65-F5344CB8AC3E}">
+        <p14:creationId xmlns:p14="http://schemas.microsoft.com/office/powerpoint/2010/main" val="957494749"/>
       </p:ext>
     </p:extLst>
   </p:cSld>
@@ -26366,7 +26669,7 @@
         </p:nvSpPr>
         <p:spPr>
           <a:xfrm>
-            <a:off x="682752" y="190511"/>
+            <a:off x="682752" y="38111"/>
             <a:ext cx="7772400" cy="952489"/>
           </a:xfrm>
         </p:spPr>
@@ -26376,7 +26679,7 @@
           <a:p>
             <a:r>
               <a:rPr lang="en-US" sz="3600" dirty="0"/>
-              <a:t>Effect of state on execution (wishful thinking version)</a:t>
+              <a:t>State evolution on x64</a:t>
             </a:r>
           </a:p>
         </p:txBody>
@@ -26393,8 +26696,8 @@
         </p:nvSpPr>
         <p:spPr>
           <a:xfrm>
-            <a:off x="609600" y="1848637"/>
-            <a:ext cx="8001000" cy="4475963"/>
+            <a:off x="609600" y="1524005"/>
+            <a:ext cx="8001000" cy="4800596"/>
           </a:xfrm>
         </p:spPr>
         <p:txBody>
@@ -26414,7 +26717,7 @@
                 <a:latin typeface="Arial" panose="020B0604020202020204" pitchFamily="34" charset="0"/>
                 <a:cs typeface="Arial" panose="020B0604020202020204" pitchFamily="34" charset="0"/>
               </a:rPr>
-              <a:t>Correct prediction 80% </a:t>
+              <a:t>Branches correctly predicted about 80% of the time</a:t>
             </a:r>
           </a:p>
           <a:p>
@@ -26424,7 +26727,7 @@
                 <a:latin typeface="Arial" panose="020B0604020202020204" pitchFamily="34" charset="0"/>
                 <a:cs typeface="Arial" panose="020B0604020202020204" pitchFamily="34" charset="0"/>
               </a:rPr>
-              <a:t>2% L1 cache miss</a:t>
+              <a:t>L1 cache misses about 2% of the time</a:t>
             </a:r>
           </a:p>
           <a:p>
@@ -26458,6 +26761,16 @@
             </a:r>
           </a:p>
           <a:p>
+            <a:pPr lvl="1"/>
+            <a:r>
+              <a:rPr lang="en-US" sz="2000" dirty="0">
+                <a:latin typeface="Arial" panose="020B0604020202020204" pitchFamily="34" charset="0"/>
+                <a:cs typeface="Arial" panose="020B0604020202020204" pitchFamily="34" charset="0"/>
+              </a:rPr>
+              <a:t>When does pipeline flush?</a:t>
+            </a:r>
+          </a:p>
+          <a:p>
             <a:r>
               <a:rPr lang="en-US" sz="2000" dirty="0">
                 <a:latin typeface="Arial" panose="020B0604020202020204" pitchFamily="34" charset="0"/>
@@ -26472,7 +26785,7 @@
                 <a:latin typeface="Arial" panose="020B0604020202020204" pitchFamily="34" charset="0"/>
                 <a:cs typeface="Arial" panose="020B0604020202020204" pitchFamily="34" charset="0"/>
               </a:rPr>
-              <a:t>Serial run of 50000 samples collected serially, establishes lower bound of 2.5 bits of “entropy” due to state randomization discounting interrupts during execution and memory jitter.</a:t>
+              <a:t>Serial run of 50000 samples collected serially (jitter_block_0), establishes lower bound of 2 bits of “variability” in execution time caused by a routine of about 30 instructions .</a:t>
             </a:r>
             <a:endParaRPr lang="en-US" sz="1600" dirty="0">
               <a:latin typeface="Arial" panose="020B0604020202020204" pitchFamily="34" charset="0"/>
@@ -26622,7 +26935,7 @@
         </p:nvSpPr>
         <p:spPr>
           <a:xfrm>
-            <a:off x="228600" y="114299"/>
+            <a:off x="228600" y="190519"/>
             <a:ext cx="8686800" cy="1104881"/>
           </a:xfrm>
         </p:spPr>
@@ -26632,7 +26945,7 @@
           <a:p>
             <a:r>
               <a:rPr lang="en-US" sz="3600" dirty="0"/>
-              <a:t>Effect of memory jitter (wishful thinking version)</a:t>
+              <a:t>Effect of memory jitter (More needed)</a:t>
             </a:r>
           </a:p>
         </p:txBody>
@@ -26694,6 +27007,16 @@
                 <a:cs typeface="Arial" panose="020B0604020202020204" pitchFamily="34" charset="0"/>
               </a:rPr>
               <a:t>1 bit on entropy/sample (Rambus data)</a:t>
+            </a:r>
+          </a:p>
+          <a:p>
+            <a:pPr lvl="1"/>
+            <a:r>
+              <a:rPr lang="en-US" sz="2000" dirty="0">
+                <a:latin typeface="Arial" panose="020B0604020202020204" pitchFamily="34" charset="0"/>
+                <a:cs typeface="Arial" panose="020B0604020202020204" pitchFamily="34" charset="0"/>
+              </a:rPr>
+              <a:t>How much physical jitter happens per cache miss</a:t>
             </a:r>
           </a:p>
         </p:txBody>
@@ -26849,7 +27172,7 @@
           <a:p>
             <a:r>
               <a:rPr lang="en-US" sz="3600" dirty="0"/>
-              <a:t>Effect of state randomization prior to entry (wishful thinking version)</a:t>
+              <a:t>Effect of state randomization on jitter execution</a:t>
             </a:r>
           </a:p>
         </p:txBody>
@@ -27200,7 +27523,7 @@
         </p:nvSpPr>
         <p:spPr>
           <a:xfrm>
-            <a:off x="682752" y="342919"/>
+            <a:off x="682752" y="152400"/>
             <a:ext cx="7772400" cy="1104881"/>
           </a:xfrm>
         </p:spPr>
@@ -27210,7 +27533,7 @@
           <a:p>
             <a:r>
               <a:rPr lang="en-US" sz="3600" dirty="0"/>
-              <a:t>Effect of interrupts on state and execution time during sampling (wishful thinking version)</a:t>
+              <a:t>Interrupts and state evolution</a:t>
             </a:r>
           </a:p>
         </p:txBody>
@@ -27241,59 +27564,17 @@
                 <a:latin typeface="Arial" panose="020B0604020202020204" pitchFamily="34" charset="0"/>
                 <a:cs typeface="Arial" panose="020B0604020202020204" pitchFamily="34" charset="0"/>
               </a:rPr>
-              <a:t>Approximately 600 interrupts per sec.  150 per core, one per 6.7 </a:t>
-            </a:r>
-            <a:r>
-              <a:rPr lang="en-US" sz="2000" dirty="0" err="1">
-                <a:latin typeface="Arial" panose="020B0604020202020204" pitchFamily="34" charset="0"/>
-                <a:cs typeface="Arial" panose="020B0604020202020204" pitchFamily="34" charset="0"/>
-              </a:rPr>
-              <a:t>ms.</a:t>
-            </a:r>
-            <a:endParaRPr lang="en-US" sz="2000" dirty="0">
-              <a:latin typeface="Arial" panose="020B0604020202020204" pitchFamily="34" charset="0"/>
-              <a:cs typeface="Arial" panose="020B0604020202020204" pitchFamily="34" charset="0"/>
-            </a:endParaRPr>
-          </a:p>
-          <a:p>
-            <a:pPr lvl="0"/>
+              <a:t>The data collected on my NUC shows that there are approximately 600 interrupts per sec.  </a:t>
+            </a:r>
+          </a:p>
+          <a:p>
             <a:r>
               <a:rPr lang="en-US" sz="2000" dirty="0">
                 <a:latin typeface="Arial" panose="020B0604020202020204" pitchFamily="34" charset="0"/>
                 <a:cs typeface="Arial" panose="020B0604020202020204" pitchFamily="34" charset="0"/>
               </a:rPr>
-              <a:t>Average duration of hash sample is 19200 cycles</a:t>
-            </a:r>
-          </a:p>
-          <a:p>
-            <a:pPr lvl="0"/>
-            <a:r>
-              <a:rPr lang="en-US" sz="2000" dirty="0">
-                <a:latin typeface="Arial" panose="020B0604020202020204" pitchFamily="34" charset="0"/>
-                <a:cs typeface="Arial" panose="020B0604020202020204" pitchFamily="34" charset="0"/>
-              </a:rPr>
-              <a:t>Total duration for 500 calls to jitter is 4.8 </a:t>
-            </a:r>
-            <a:r>
-              <a:rPr lang="en-US" sz="2000" dirty="0" err="1">
-                <a:latin typeface="Arial" panose="020B0604020202020204" pitchFamily="34" charset="0"/>
-                <a:cs typeface="Arial" panose="020B0604020202020204" pitchFamily="34" charset="0"/>
-              </a:rPr>
-              <a:t>ms</a:t>
-            </a:r>
-            <a:endParaRPr lang="en-US" sz="2000" dirty="0">
-              <a:latin typeface="Arial" panose="020B0604020202020204" pitchFamily="34" charset="0"/>
-              <a:cs typeface="Arial" panose="020B0604020202020204" pitchFamily="34" charset="0"/>
-            </a:endParaRPr>
-          </a:p>
-          <a:p>
-            <a:pPr marL="0" lvl="0" indent="0">
-              <a:buNone/>
-            </a:pPr>
-            <a:endParaRPr lang="en-US" sz="2000" dirty="0">
-              <a:latin typeface="Arial" panose="020B0604020202020204" pitchFamily="34" charset="0"/>
-              <a:cs typeface="Arial" panose="020B0604020202020204" pitchFamily="34" charset="0"/>
-            </a:endParaRPr>
+              <a:t>Each interrupt results in more than 40 instructions executed.</a:t>
+            </a:r>
           </a:p>
         </p:txBody>
       </p:sp>
@@ -27399,6 +27680,984 @@
     <p:extLst>
       <p:ext uri="{BB962C8B-B14F-4D97-AF65-F5344CB8AC3E}">
         <p14:creationId xmlns:p14="http://schemas.microsoft.com/office/powerpoint/2010/main" val="1065804976"/>
+      </p:ext>
+    </p:extLst>
+  </p:cSld>
+  <p:clrMapOvr>
+    <a:masterClrMapping/>
+  </p:clrMapOvr>
+  <p:transition/>
+</p:sld>
+</file>
+
+<file path=ppt/slides/slide51.xml><?xml version="1.0" encoding="utf-8"?>
+<p:sld xmlns:a="http://schemas.openxmlformats.org/drawingml/2006/main" xmlns:r="http://schemas.openxmlformats.org/officeDocument/2006/relationships" xmlns:p="http://schemas.openxmlformats.org/presentationml/2006/main">
+  <p:cSld>
+    <p:spTree>
+      <p:nvGrpSpPr>
+        <p:cNvPr id="1" name=""/>
+        <p:cNvGrpSpPr/>
+        <p:nvPr/>
+      </p:nvGrpSpPr>
+      <p:grpSpPr>
+        <a:xfrm>
+          <a:off x="0" y="0"/>
+          <a:ext cx="0" cy="0"/>
+          <a:chOff x="0" y="0"/>
+          <a:chExt cx="0" cy="0"/>
+        </a:xfrm>
+      </p:grpSpPr>
+      <p:sp>
+        <p:nvSpPr>
+          <p:cNvPr id="23556" name="Rectangle 2"/>
+          <p:cNvSpPr>
+            <a:spLocks noGrp="1" noChangeArrowheads="1"/>
+          </p:cNvSpPr>
+          <p:nvPr>
+            <p:ph type="title"/>
+          </p:nvPr>
+        </p:nvSpPr>
+        <p:spPr>
+          <a:xfrm>
+            <a:off x="682752" y="342919"/>
+            <a:ext cx="7772400" cy="1104881"/>
+          </a:xfrm>
+        </p:spPr>
+        <p:txBody>
+          <a:bodyPr/>
+          <a:lstStyle/>
+          <a:p>
+            <a:r>
+              <a:rPr lang="en-US" sz="3600" dirty="0"/>
+              <a:t>Effect of interrupts on state evolution and execution time - I</a:t>
+            </a:r>
+          </a:p>
+        </p:txBody>
+      </p:sp>
+      <mc:AlternateContent xmlns:mc="http://schemas.openxmlformats.org/markup-compatibility/2006">
+        <mc:Choice xmlns:a14="http://schemas.microsoft.com/office/drawing/2010/main" Requires="a14">
+          <p:sp>
+            <p:nvSpPr>
+              <p:cNvPr id="23557" name="Rectangle 3"/>
+              <p:cNvSpPr>
+                <a:spLocks noGrp="1" noChangeArrowheads="1"/>
+              </p:cNvSpPr>
+              <p:nvPr>
+                <p:ph type="body" idx="1"/>
+              </p:nvPr>
+            </p:nvSpPr>
+            <p:spPr>
+              <a:xfrm>
+                <a:off x="381000" y="1905009"/>
+                <a:ext cx="8188452" cy="4495791"/>
+              </a:xfrm>
+            </p:spPr>
+            <p:txBody>
+              <a:bodyPr/>
+              <a:lstStyle/>
+              <a:p>
+                <a:pPr lvl="0"/>
+                <a:r>
+                  <a:rPr lang="en-US" sz="2000" dirty="0">
+                    <a:latin typeface="Arial" panose="020B0604020202020204" pitchFamily="34" charset="0"/>
+                    <a:cs typeface="Arial" panose="020B0604020202020204" pitchFamily="34" charset="0"/>
+                  </a:rPr>
+                  <a:t>As “jitter_block_0” shows, every series of 30 instructions contributes about 2 bits of apparent entropy to jitter execution, even in a single execution context, indicating that 15 instructions are sufficient to cause a state change which causes a difference in jitter execution time between two jitter execution measurements.</a:t>
+                </a:r>
+              </a:p>
+              <a:p>
+                <a:pPr lvl="0"/>
+                <a:r>
+                  <a:rPr lang="en-US" sz="2000" dirty="0">
+                    <a:latin typeface="Arial" panose="020B0604020202020204" pitchFamily="34" charset="0"/>
+                    <a:cs typeface="Arial" panose="020B0604020202020204" pitchFamily="34" charset="0"/>
+                  </a:rPr>
+                  <a:t>Consider a single core with 150 expected interrupts where each interrupt introduces about 40 instructions.  </a:t>
+                </a:r>
+              </a:p>
+              <a:p>
+                <a:pPr lvl="0"/>
+                <a:r>
+                  <a:rPr lang="en-US" sz="2000" dirty="0">
+                    <a:latin typeface="Arial" panose="020B0604020202020204" pitchFamily="34" charset="0"/>
+                    <a:cs typeface="Arial" panose="020B0604020202020204" pitchFamily="34" charset="0"/>
+                  </a:rPr>
+                  <a:t>An adversary must model </a:t>
+                </a:r>
+                <a14:m>
+                  <m:oMath xmlns:m="http://schemas.openxmlformats.org/officeDocument/2006/math">
+                    <m:f>
+                      <m:fPr>
+                        <m:ctrlPr>
+                          <a:rPr lang="en-US" sz="2000" i="1" smtClean="0">
+                            <a:latin typeface="Cambria Math" panose="02040503050406030204" pitchFamily="18" charset="0"/>
+                            <a:cs typeface="Arial" panose="020B0604020202020204" pitchFamily="34" charset="0"/>
+                          </a:rPr>
+                        </m:ctrlPr>
+                      </m:fPr>
+                      <m:num>
+                        <m:r>
+                          <a:rPr lang="en-US" sz="2000" b="0" i="1" smtClean="0">
+                            <a:latin typeface="Cambria Math" panose="02040503050406030204" pitchFamily="18" charset="0"/>
+                            <a:cs typeface="Arial" panose="020B0604020202020204" pitchFamily="34" charset="0"/>
+                          </a:rPr>
+                          <m:t>150 </m:t>
+                        </m:r>
+                        <m:r>
+                          <a:rPr lang="en-US" sz="2000" b="0" i="1" smtClean="0">
+                            <a:latin typeface="Cambria Math" panose="02040503050406030204" pitchFamily="18" charset="0"/>
+                            <a:ea typeface="Cambria Math" panose="02040503050406030204" pitchFamily="18" charset="0"/>
+                            <a:cs typeface="Arial" panose="020B0604020202020204" pitchFamily="34" charset="0"/>
+                          </a:rPr>
+                          <m:t>×40</m:t>
+                        </m:r>
+                      </m:num>
+                      <m:den>
+                        <m:r>
+                          <a:rPr lang="en-US" sz="2000" b="0" i="1" smtClean="0">
+                            <a:latin typeface="Cambria Math" panose="02040503050406030204" pitchFamily="18" charset="0"/>
+                            <a:cs typeface="Arial" panose="020B0604020202020204" pitchFamily="34" charset="0"/>
+                          </a:rPr>
+                          <m:t>15</m:t>
+                        </m:r>
+                      </m:den>
+                    </m:f>
+                    <m:r>
+                      <a:rPr lang="en-US" sz="2000" b="0" i="1" smtClean="0">
+                        <a:latin typeface="Cambria Math" panose="02040503050406030204" pitchFamily="18" charset="0"/>
+                        <a:cs typeface="Arial" panose="020B0604020202020204" pitchFamily="34" charset="0"/>
+                      </a:rPr>
+                      <m:t>=400</m:t>
+                    </m:r>
+                  </m:oMath>
+                </a14:m>
+                <a:r>
+                  <a:rPr lang="en-US" sz="2000" dirty="0">
+                    <a:latin typeface="Arial" panose="020B0604020202020204" pitchFamily="34" charset="0"/>
+                    <a:cs typeface="Arial" panose="020B0604020202020204" pitchFamily="34" charset="0"/>
+                  </a:rPr>
+                  <a:t> possible state changes every second to accurate model the jitter execution time.  </a:t>
+                </a:r>
+              </a:p>
+              <a:p>
+                <a:pPr lvl="0"/>
+                <a:r>
+                  <a:rPr lang="en-US" sz="2000" dirty="0">
+                    <a:latin typeface="Arial" panose="020B0604020202020204" pitchFamily="34" charset="0"/>
+                    <a:cs typeface="Arial" panose="020B0604020202020204" pitchFamily="34" charset="0"/>
+                  </a:rPr>
+                  <a:t>Thus, an adversary’s jitter prediction model requires a work factor of 2</a:t>
+                </a:r>
+                <a:r>
+                  <a:rPr lang="en-US" sz="2000" baseline="30000" dirty="0">
+                    <a:latin typeface="Arial" panose="020B0604020202020204" pitchFamily="34" charset="0"/>
+                    <a:cs typeface="Arial" panose="020B0604020202020204" pitchFamily="34" charset="0"/>
+                  </a:rPr>
+                  <a:t>400</a:t>
+                </a:r>
+                <a:r>
+                  <a:rPr lang="en-US" sz="2000" dirty="0">
+                    <a:latin typeface="Arial" panose="020B0604020202020204" pitchFamily="34" charset="0"/>
+                    <a:cs typeface="Arial" panose="020B0604020202020204" pitchFamily="34" charset="0"/>
+                  </a:rPr>
+                  <a:t> after 1 second of “random” interrupts to guess the initial state affecting jitter execution performance.</a:t>
+                </a:r>
+              </a:p>
+            </p:txBody>
+          </p:sp>
+        </mc:Choice>
+        <mc:Fallback>
+          <p:sp>
+            <p:nvSpPr>
+              <p:cNvPr id="23557" name="Rectangle 3"/>
+              <p:cNvSpPr>
+                <a:spLocks noGrp="1" noRot="1" noChangeAspect="1" noMove="1" noResize="1" noEditPoints="1" noAdjustHandles="1" noChangeArrowheads="1" noChangeShapeType="1" noTextEdit="1"/>
+              </p:cNvSpPr>
+              <p:nvPr>
+                <p:ph type="body" idx="1"/>
+              </p:nvPr>
+            </p:nvSpPr>
+            <p:spPr>
+              <a:xfrm>
+                <a:off x="381000" y="1905009"/>
+                <a:ext cx="8188452" cy="4495791"/>
+              </a:xfrm>
+              <a:blipFill>
+                <a:blip r:embed="rId3"/>
+                <a:stretch>
+                  <a:fillRect l="-775" t="-845" r="-1240"/>
+                </a:stretch>
+              </a:blipFill>
+            </p:spPr>
+            <p:txBody>
+              <a:bodyPr/>
+              <a:lstStyle/>
+              <a:p>
+                <a:r>
+                  <a:rPr lang="en-US">
+                    <a:noFill/>
+                  </a:rPr>
+                  <a:t> </a:t>
+                </a:r>
+              </a:p>
+            </p:txBody>
+          </p:sp>
+        </mc:Fallback>
+      </mc:AlternateContent>
+      <p:sp>
+        <p:nvSpPr>
+          <p:cNvPr id="8" name="Slide Number Placeholder 7"/>
+          <p:cNvSpPr>
+            <a:spLocks noGrp="1"/>
+          </p:cNvSpPr>
+          <p:nvPr>
+            <p:ph type="sldNum" sz="quarter" idx="12"/>
+          </p:nvPr>
+        </p:nvSpPr>
+        <p:spPr/>
+        <p:txBody>
+          <a:bodyPr/>
+          <a:lstStyle/>
+          <a:p>
+            <a:pPr>
+              <a:defRPr/>
+            </a:pPr>
+            <a:fld id="{8E09DF16-9352-46A7-97F1-1D13A8547ADD}" type="slidenum">
+              <a:rPr lang="en-US" smtClean="0"/>
+              <a:pPr>
+                <a:defRPr/>
+              </a:pPr>
+              <a:t>51</a:t>
+            </a:fld>
+            <a:endParaRPr lang="en-US"/>
+          </a:p>
+        </p:txBody>
+      </p:sp>
+      <p:sp>
+        <p:nvSpPr>
+          <p:cNvPr id="2" name="Rectangle 2">
+            <a:extLst>
+              <a:ext uri="{FF2B5EF4-FFF2-40B4-BE49-F238E27FC236}">
+                <a16:creationId xmlns:a16="http://schemas.microsoft.com/office/drawing/2014/main" id="{C0D3418F-80B0-844C-8418-6CC7A95790AB}"/>
+              </a:ext>
+            </a:extLst>
+          </p:cNvPr>
+          <p:cNvSpPr>
+            <a:spLocks noChangeArrowheads="1"/>
+          </p:cNvSpPr>
+          <p:nvPr/>
+        </p:nvSpPr>
+        <p:spPr bwMode="auto">
+          <a:xfrm>
+            <a:off x="0" y="0"/>
+            <a:ext cx="9144000" cy="0"/>
+          </a:xfrm>
+          <a:prstGeom prst="rect">
+            <a:avLst/>
+          </a:prstGeom>
+          <a:noFill/>
+          <a:ln>
+            <a:noFill/>
+          </a:ln>
+          <a:effectLst/>
+          <a:extLst>
+            <a:ext uri="{909E8E84-426E-40DD-AFC4-6F175D3DCCD1}">
+              <a14:hiddenFill xmlns:a14="http://schemas.microsoft.com/office/drawing/2010/main">
+                <a:solidFill>
+                  <a:schemeClr val="accent1"/>
+                </a:solidFill>
+              </a14:hiddenFill>
+            </a:ext>
+            <a:ext uri="{91240B29-F687-4F45-9708-019B960494DF}">
+              <a14:hiddenLine xmlns:a14="http://schemas.microsoft.com/office/drawing/2010/main" w="9525">
+                <a:solidFill>
+                  <a:schemeClr val="tx1"/>
+                </a:solidFill>
+                <a:miter lim="800000"/>
+                <a:headEnd/>
+                <a:tailEnd/>
+              </a14:hiddenLine>
+            </a:ext>
+            <a:ext uri="{AF507438-7753-43E0-B8FC-AC1667EBCBE1}">
+              <a14:hiddenEffects xmlns:a14="http://schemas.microsoft.com/office/drawing/2010/main">
+                <a:effectLst>
+                  <a:outerShdw dist="35921" dir="2700000" algn="ctr" rotWithShape="0">
+                    <a:schemeClr val="bg2"/>
+                  </a:outerShdw>
+                </a:effectLst>
+              </a14:hiddenEffects>
+            </a:ext>
+          </a:extLst>
+        </p:spPr>
+        <p:txBody>
+          <a:bodyPr vert="horz" wrap="none" lIns="91440" tIns="45720" rIns="91440" bIns="45720" numCol="1" anchor="ctr" anchorCtr="0" compatLnSpc="1">
+            <a:prstTxWarp prst="textNoShape">
+              <a:avLst/>
+            </a:prstTxWarp>
+            <a:spAutoFit/>
+          </a:bodyPr>
+          <a:lstStyle/>
+          <a:p>
+            <a:endParaRPr lang="en-US"/>
+          </a:p>
+        </p:txBody>
+      </p:sp>
+    </p:spTree>
+    <p:extLst>
+      <p:ext uri="{BB962C8B-B14F-4D97-AF65-F5344CB8AC3E}">
+        <p14:creationId xmlns:p14="http://schemas.microsoft.com/office/powerpoint/2010/main" val="333385643"/>
+      </p:ext>
+    </p:extLst>
+  </p:cSld>
+  <p:clrMapOvr>
+    <a:masterClrMapping/>
+  </p:clrMapOvr>
+  <p:transition/>
+</p:sld>
+</file>
+
+<file path=ppt/slides/slide52.xml><?xml version="1.0" encoding="utf-8"?>
+<p:sld xmlns:a="http://schemas.openxmlformats.org/drawingml/2006/main" xmlns:r="http://schemas.openxmlformats.org/officeDocument/2006/relationships" xmlns:p="http://schemas.openxmlformats.org/presentationml/2006/main">
+  <p:cSld>
+    <p:spTree>
+      <p:nvGrpSpPr>
+        <p:cNvPr id="1" name=""/>
+        <p:cNvGrpSpPr/>
+        <p:nvPr/>
+      </p:nvGrpSpPr>
+      <p:grpSpPr>
+        <a:xfrm>
+          <a:off x="0" y="0"/>
+          <a:ext cx="0" cy="0"/>
+          <a:chOff x="0" y="0"/>
+          <a:chExt cx="0" cy="0"/>
+        </a:xfrm>
+      </p:grpSpPr>
+      <p:sp>
+        <p:nvSpPr>
+          <p:cNvPr id="23556" name="Rectangle 2"/>
+          <p:cNvSpPr>
+            <a:spLocks noGrp="1" noChangeArrowheads="1"/>
+          </p:cNvSpPr>
+          <p:nvPr>
+            <p:ph type="title"/>
+          </p:nvPr>
+        </p:nvSpPr>
+        <p:spPr>
+          <a:xfrm>
+            <a:off x="682752" y="342919"/>
+            <a:ext cx="7772400" cy="1104881"/>
+          </a:xfrm>
+        </p:spPr>
+        <p:txBody>
+          <a:bodyPr/>
+          <a:lstStyle/>
+          <a:p>
+            <a:r>
+              <a:rPr lang="en-US" sz="3600" dirty="0"/>
+              <a:t>Effect of interrupts on state evolution and execution time -- II</a:t>
+            </a:r>
+          </a:p>
+        </p:txBody>
+      </p:sp>
+      <mc:AlternateContent xmlns:mc="http://schemas.openxmlformats.org/markup-compatibility/2006">
+        <mc:Choice xmlns:a14="http://schemas.microsoft.com/office/drawing/2010/main" Requires="a14">
+          <p:sp>
+            <p:nvSpPr>
+              <p:cNvPr id="23557" name="Rectangle 3"/>
+              <p:cNvSpPr>
+                <a:spLocks noGrp="1" noChangeArrowheads="1"/>
+              </p:cNvSpPr>
+              <p:nvPr>
+                <p:ph type="body" idx="1"/>
+              </p:nvPr>
+            </p:nvSpPr>
+            <p:spPr>
+              <a:xfrm>
+                <a:off x="381000" y="1905009"/>
+                <a:ext cx="8188452" cy="4495791"/>
+              </a:xfrm>
+            </p:spPr>
+            <p:txBody>
+              <a:bodyPr/>
+              <a:lstStyle/>
+              <a:p>
+                <a:pPr lvl="0"/>
+                <a:r>
+                  <a:rPr lang="en-US" sz="2000" dirty="0">
+                    <a:latin typeface="Arial" panose="020B0604020202020204" pitchFamily="34" charset="0"/>
+                    <a:cs typeface="Arial" panose="020B0604020202020204" pitchFamily="34" charset="0"/>
+                  </a:rPr>
+                  <a:t>So, if we delay collecting execution jitter for 1 second on a device experiencing 150 interrupts/sec interrupts, an adversary cannot compute the deterministic state to reproduce the first jitter execution sequence with a probability of more than 2</a:t>
+                </a:r>
+                <a:r>
+                  <a:rPr lang="en-US" sz="2000" baseline="30000" dirty="0">
+                    <a:latin typeface="Arial" panose="020B0604020202020204" pitchFamily="34" charset="0"/>
+                    <a:cs typeface="Arial" panose="020B0604020202020204" pitchFamily="34" charset="0"/>
+                  </a:rPr>
+                  <a:t>-400</a:t>
+                </a:r>
+                <a:r>
+                  <a:rPr lang="en-US" sz="2000" dirty="0">
+                    <a:latin typeface="Arial" panose="020B0604020202020204" pitchFamily="34" charset="0"/>
+                    <a:cs typeface="Arial" panose="020B0604020202020204" pitchFamily="34" charset="0"/>
+                  </a:rPr>
+                  <a:t>.  [This needs more justification.]</a:t>
+                </a:r>
+              </a:p>
+              <a:p>
+                <a:pPr lvl="0"/>
+                <a:r>
+                  <a:rPr lang="en-US" sz="2000" dirty="0">
+                    <a:latin typeface="Arial" panose="020B0604020202020204" pitchFamily="34" charset="0"/>
+                    <a:cs typeface="Arial" panose="020B0604020202020204" pitchFamily="34" charset="0"/>
+                  </a:rPr>
+                  <a:t>Thereafter, interrupts contribute no less than </a:t>
+                </a:r>
+                <a14:m>
+                  <m:oMath xmlns:m="http://schemas.openxmlformats.org/officeDocument/2006/math">
+                    <m:f>
+                      <m:fPr>
+                        <m:ctrlPr>
+                          <a:rPr lang="en-US" sz="2000" i="1" smtClean="0">
+                            <a:latin typeface="Cambria Math" panose="02040503050406030204" pitchFamily="18" charset="0"/>
+                            <a:cs typeface="Arial" panose="020B0604020202020204" pitchFamily="34" charset="0"/>
+                          </a:rPr>
+                        </m:ctrlPr>
+                      </m:fPr>
+                      <m:num>
+                        <m:r>
+                          <a:rPr lang="en-US" sz="2000" b="0" i="1" smtClean="0">
+                            <a:latin typeface="Cambria Math" panose="02040503050406030204" pitchFamily="18" charset="0"/>
+                            <a:cs typeface="Arial" panose="020B0604020202020204" pitchFamily="34" charset="0"/>
+                          </a:rPr>
+                          <m:t>150 </m:t>
+                        </m:r>
+                        <m:r>
+                          <a:rPr lang="en-US" sz="2000" b="0" i="1" smtClean="0">
+                            <a:latin typeface="Cambria Math" panose="02040503050406030204" pitchFamily="18" charset="0"/>
+                            <a:ea typeface="Cambria Math" panose="02040503050406030204" pitchFamily="18" charset="0"/>
+                            <a:cs typeface="Arial" panose="020B0604020202020204" pitchFamily="34" charset="0"/>
+                          </a:rPr>
+                          <m:t>×40</m:t>
+                        </m:r>
+                      </m:num>
+                      <m:den>
+                        <m:r>
+                          <a:rPr lang="en-US" sz="2000" b="0" i="1" smtClean="0">
+                            <a:latin typeface="Cambria Math" panose="02040503050406030204" pitchFamily="18" charset="0"/>
+                            <a:cs typeface="Arial" panose="020B0604020202020204" pitchFamily="34" charset="0"/>
+                          </a:rPr>
+                          <m:t>15</m:t>
+                        </m:r>
+                      </m:den>
+                    </m:f>
+                  </m:oMath>
+                </a14:m>
+                <a:r>
+                  <a:rPr lang="en-US" sz="2000" dirty="0">
+                    <a:latin typeface="Arial" panose="020B0604020202020204" pitchFamily="34" charset="0"/>
+                    <a:cs typeface="Arial" panose="020B0604020202020204" pitchFamily="34" charset="0"/>
+                  </a:rPr>
+                  <a:t> bits of entropy per second to jitter measurements.</a:t>
+                </a:r>
+              </a:p>
+              <a:p>
+                <a:pPr lvl="0"/>
+                <a:r>
+                  <a:rPr lang="en-US" sz="2000" dirty="0">
+                    <a:latin typeface="Arial" panose="020B0604020202020204" pitchFamily="34" charset="0"/>
+                    <a:cs typeface="Arial" panose="020B0604020202020204" pitchFamily="34" charset="0"/>
+                  </a:rPr>
+                  <a:t>It remains to schedule execution jitter sampling to ensure a minimum entropy (due to state) of 1 bit which we can achieve by sampling no more frequently than every 2.5 </a:t>
+                </a:r>
+                <a:r>
+                  <a:rPr lang="en-US" sz="2000" dirty="0" err="1">
+                    <a:latin typeface="Arial" panose="020B0604020202020204" pitchFamily="34" charset="0"/>
+                    <a:cs typeface="Arial" panose="020B0604020202020204" pitchFamily="34" charset="0"/>
+                  </a:rPr>
+                  <a:t>ms.</a:t>
+                </a:r>
+                <a:r>
+                  <a:rPr lang="en-US" sz="2000" dirty="0">
+                    <a:latin typeface="Arial" panose="020B0604020202020204" pitchFamily="34" charset="0"/>
+                    <a:cs typeface="Arial" panose="020B0604020202020204" pitchFamily="34" charset="0"/>
+                  </a:rPr>
+                  <a:t>  Each such sample has “at least” 1 bit of entropy.</a:t>
+                </a:r>
+              </a:p>
+            </p:txBody>
+          </p:sp>
+        </mc:Choice>
+        <mc:Fallback>
+          <p:sp>
+            <p:nvSpPr>
+              <p:cNvPr id="23557" name="Rectangle 3"/>
+              <p:cNvSpPr>
+                <a:spLocks noGrp="1" noRot="1" noChangeAspect="1" noMove="1" noResize="1" noEditPoints="1" noAdjustHandles="1" noChangeArrowheads="1" noChangeShapeType="1" noTextEdit="1"/>
+              </p:cNvSpPr>
+              <p:nvPr>
+                <p:ph type="body" idx="1"/>
+              </p:nvPr>
+            </p:nvSpPr>
+            <p:spPr>
+              <a:xfrm>
+                <a:off x="381000" y="1905009"/>
+                <a:ext cx="8188452" cy="4495791"/>
+              </a:xfrm>
+              <a:blipFill>
+                <a:blip r:embed="rId3"/>
+                <a:stretch>
+                  <a:fillRect l="-775" t="-845" r="-1085"/>
+                </a:stretch>
+              </a:blipFill>
+            </p:spPr>
+            <p:txBody>
+              <a:bodyPr/>
+              <a:lstStyle/>
+              <a:p>
+                <a:r>
+                  <a:rPr lang="en-US">
+                    <a:noFill/>
+                  </a:rPr>
+                  <a:t> </a:t>
+                </a:r>
+              </a:p>
+            </p:txBody>
+          </p:sp>
+        </mc:Fallback>
+      </mc:AlternateContent>
+      <p:sp>
+        <p:nvSpPr>
+          <p:cNvPr id="8" name="Slide Number Placeholder 7"/>
+          <p:cNvSpPr>
+            <a:spLocks noGrp="1"/>
+          </p:cNvSpPr>
+          <p:nvPr>
+            <p:ph type="sldNum" sz="quarter" idx="12"/>
+          </p:nvPr>
+        </p:nvSpPr>
+        <p:spPr/>
+        <p:txBody>
+          <a:bodyPr/>
+          <a:lstStyle/>
+          <a:p>
+            <a:pPr>
+              <a:defRPr/>
+            </a:pPr>
+            <a:fld id="{8E09DF16-9352-46A7-97F1-1D13A8547ADD}" type="slidenum">
+              <a:rPr lang="en-US" smtClean="0"/>
+              <a:pPr>
+                <a:defRPr/>
+              </a:pPr>
+              <a:t>52</a:t>
+            </a:fld>
+            <a:endParaRPr lang="en-US"/>
+          </a:p>
+        </p:txBody>
+      </p:sp>
+      <p:sp>
+        <p:nvSpPr>
+          <p:cNvPr id="2" name="Rectangle 2">
+            <a:extLst>
+              <a:ext uri="{FF2B5EF4-FFF2-40B4-BE49-F238E27FC236}">
+                <a16:creationId xmlns:a16="http://schemas.microsoft.com/office/drawing/2014/main" id="{C0D3418F-80B0-844C-8418-6CC7A95790AB}"/>
+              </a:ext>
+            </a:extLst>
+          </p:cNvPr>
+          <p:cNvSpPr>
+            <a:spLocks noChangeArrowheads="1"/>
+          </p:cNvSpPr>
+          <p:nvPr/>
+        </p:nvSpPr>
+        <p:spPr bwMode="auto">
+          <a:xfrm>
+            <a:off x="0" y="0"/>
+            <a:ext cx="9144000" cy="0"/>
+          </a:xfrm>
+          <a:prstGeom prst="rect">
+            <a:avLst/>
+          </a:prstGeom>
+          <a:noFill/>
+          <a:ln>
+            <a:noFill/>
+          </a:ln>
+          <a:effectLst/>
+          <a:extLst>
+            <a:ext uri="{909E8E84-426E-40DD-AFC4-6F175D3DCCD1}">
+              <a14:hiddenFill xmlns:a14="http://schemas.microsoft.com/office/drawing/2010/main">
+                <a:solidFill>
+                  <a:schemeClr val="accent1"/>
+                </a:solidFill>
+              </a14:hiddenFill>
+            </a:ext>
+            <a:ext uri="{91240B29-F687-4F45-9708-019B960494DF}">
+              <a14:hiddenLine xmlns:a14="http://schemas.microsoft.com/office/drawing/2010/main" w="9525">
+                <a:solidFill>
+                  <a:schemeClr val="tx1"/>
+                </a:solidFill>
+                <a:miter lim="800000"/>
+                <a:headEnd/>
+                <a:tailEnd/>
+              </a14:hiddenLine>
+            </a:ext>
+            <a:ext uri="{AF507438-7753-43E0-B8FC-AC1667EBCBE1}">
+              <a14:hiddenEffects xmlns:a14="http://schemas.microsoft.com/office/drawing/2010/main">
+                <a:effectLst>
+                  <a:outerShdw dist="35921" dir="2700000" algn="ctr" rotWithShape="0">
+                    <a:schemeClr val="bg2"/>
+                  </a:outerShdw>
+                </a:effectLst>
+              </a14:hiddenEffects>
+            </a:ext>
+          </a:extLst>
+        </p:spPr>
+        <p:txBody>
+          <a:bodyPr vert="horz" wrap="none" lIns="91440" tIns="45720" rIns="91440" bIns="45720" numCol="1" anchor="ctr" anchorCtr="0" compatLnSpc="1">
+            <a:prstTxWarp prst="textNoShape">
+              <a:avLst/>
+            </a:prstTxWarp>
+            <a:spAutoFit/>
+          </a:bodyPr>
+          <a:lstStyle/>
+          <a:p>
+            <a:endParaRPr lang="en-US"/>
+          </a:p>
+        </p:txBody>
+      </p:sp>
+    </p:spTree>
+    <p:extLst>
+      <p:ext uri="{BB962C8B-B14F-4D97-AF65-F5344CB8AC3E}">
+        <p14:creationId xmlns:p14="http://schemas.microsoft.com/office/powerpoint/2010/main" val="3694215710"/>
+      </p:ext>
+    </p:extLst>
+  </p:cSld>
+  <p:clrMapOvr>
+    <a:masterClrMapping/>
+  </p:clrMapOvr>
+  <p:transition/>
+</p:sld>
+</file>
+
+<file path=ppt/slides/slide53.xml><?xml version="1.0" encoding="utf-8"?>
+<p:sld xmlns:a="http://schemas.openxmlformats.org/drawingml/2006/main" xmlns:r="http://schemas.openxmlformats.org/officeDocument/2006/relationships" xmlns:p="http://schemas.openxmlformats.org/presentationml/2006/main">
+  <p:cSld>
+    <p:spTree>
+      <p:nvGrpSpPr>
+        <p:cNvPr id="1" name=""/>
+        <p:cNvGrpSpPr/>
+        <p:nvPr/>
+      </p:nvGrpSpPr>
+      <p:grpSpPr>
+        <a:xfrm>
+          <a:off x="0" y="0"/>
+          <a:ext cx="0" cy="0"/>
+          <a:chOff x="0" y="0"/>
+          <a:chExt cx="0" cy="0"/>
+        </a:xfrm>
+      </p:grpSpPr>
+      <p:sp>
+        <p:nvSpPr>
+          <p:cNvPr id="23556" name="Rectangle 2"/>
+          <p:cNvSpPr>
+            <a:spLocks noGrp="1" noChangeArrowheads="1"/>
+          </p:cNvSpPr>
+          <p:nvPr>
+            <p:ph type="title"/>
+          </p:nvPr>
+        </p:nvSpPr>
+        <p:spPr>
+          <a:xfrm>
+            <a:off x="682752" y="342919"/>
+            <a:ext cx="7772400" cy="1104881"/>
+          </a:xfrm>
+        </p:spPr>
+        <p:txBody>
+          <a:bodyPr/>
+          <a:lstStyle/>
+          <a:p>
+            <a:r>
+              <a:rPr lang="en-US" sz="3600" dirty="0"/>
+              <a:t>Bottom line</a:t>
+            </a:r>
+          </a:p>
+        </p:txBody>
+      </p:sp>
+      <mc:AlternateContent xmlns:mc="http://schemas.openxmlformats.org/markup-compatibility/2006">
+        <mc:Choice xmlns:a14="http://schemas.microsoft.com/office/drawing/2010/main" Requires="a14">
+          <p:sp>
+            <p:nvSpPr>
+              <p:cNvPr id="23557" name="Rectangle 3"/>
+              <p:cNvSpPr>
+                <a:spLocks noGrp="1" noChangeArrowheads="1"/>
+              </p:cNvSpPr>
+              <p:nvPr>
+                <p:ph type="body" idx="1"/>
+              </p:nvPr>
+            </p:nvSpPr>
+            <p:spPr>
+              <a:xfrm>
+                <a:off x="381000" y="1905010"/>
+                <a:ext cx="8188452" cy="3886190"/>
+              </a:xfrm>
+            </p:spPr>
+            <p:txBody>
+              <a:bodyPr/>
+              <a:lstStyle/>
+              <a:p>
+                <a:pPr lvl="0"/>
+                <a:r>
+                  <a:rPr lang="en-US" sz="2000" dirty="0">
+                    <a:latin typeface="Arial" panose="020B0604020202020204" pitchFamily="34" charset="0"/>
+                    <a:cs typeface="Arial" panose="020B0604020202020204" pitchFamily="34" charset="0"/>
+                  </a:rPr>
+                  <a:t>Memory jitter and execution jitter caused by state evolution supports estimated entropy provided we sample less frequently than every 2.5 </a:t>
+                </a:r>
+                <a:r>
+                  <a:rPr lang="en-US" sz="2000" dirty="0" err="1">
+                    <a:latin typeface="Arial" panose="020B0604020202020204" pitchFamily="34" charset="0"/>
+                    <a:cs typeface="Arial" panose="020B0604020202020204" pitchFamily="34" charset="0"/>
+                  </a:rPr>
+                  <a:t>ms</a:t>
+                </a:r>
+                <a:r>
+                  <a:rPr lang="en-US" sz="2000" dirty="0">
+                    <a:latin typeface="Arial" panose="020B0604020202020204" pitchFamily="34" charset="0"/>
+                    <a:cs typeface="Arial" panose="020B0604020202020204" pitchFamily="34" charset="0"/>
+                  </a:rPr>
+                  <a:t> and these estimates are very conservative.</a:t>
+                </a:r>
+              </a:p>
+              <a:p>
+                <a:pPr lvl="0"/>
+                <a:r>
+                  <a:rPr lang="en-US" sz="2000" dirty="0">
+                    <a:latin typeface="Arial" panose="020B0604020202020204" pitchFamily="34" charset="0"/>
+                    <a:cs typeface="Arial" panose="020B0604020202020204" pitchFamily="34" charset="0"/>
+                  </a:rPr>
+                  <a:t>We have not included effects adding to entropy based on interrupts that occur during a jitter sample execution.</a:t>
+                </a:r>
+              </a:p>
+              <a:p>
+                <a:pPr lvl="0"/>
+                <a:r>
+                  <a:rPr lang="en-US" sz="2000" dirty="0">
+                    <a:latin typeface="Arial" panose="020B0604020202020204" pitchFamily="34" charset="0"/>
+                    <a:cs typeface="Arial" panose="020B0604020202020204" pitchFamily="34" charset="0"/>
+                  </a:rPr>
+                  <a:t>We do not assume that interrupts are randomly distributed</a:t>
+                </a:r>
+                <a:r>
+                  <a:rPr lang="en-US" sz="2000">
+                    <a:latin typeface="Arial" panose="020B0604020202020204" pitchFamily="34" charset="0"/>
+                    <a:cs typeface="Arial" panose="020B0604020202020204" pitchFamily="34" charset="0"/>
+                  </a:rPr>
+                  <a:t>. We </a:t>
+                </a:r>
+                <a:r>
+                  <a:rPr lang="en-US" sz="2000" dirty="0">
+                    <a:latin typeface="Arial" panose="020B0604020202020204" pitchFamily="34" charset="0"/>
+                    <a:cs typeface="Arial" panose="020B0604020202020204" pitchFamily="34" charset="0"/>
+                  </a:rPr>
+                  <a:t>only require that the number of interrupts occurring every 2.5 </a:t>
+                </a:r>
+                <a:r>
+                  <a:rPr lang="en-US" sz="2000" dirty="0" err="1">
+                    <a:latin typeface="Arial" panose="020B0604020202020204" pitchFamily="34" charset="0"/>
+                    <a:cs typeface="Arial" panose="020B0604020202020204" pitchFamily="34" charset="0"/>
+                  </a:rPr>
+                  <a:t>ms</a:t>
+                </a:r>
+                <a:r>
+                  <a:rPr lang="en-US" sz="2000" dirty="0">
+                    <a:latin typeface="Arial" panose="020B0604020202020204" pitchFamily="34" charset="0"/>
+                    <a:cs typeface="Arial" panose="020B0604020202020204" pitchFamily="34" charset="0"/>
+                  </a:rPr>
+                  <a:t> can be predicted with a probability of no better than </a:t>
+                </a:r>
+                <a14:m>
+                  <m:oMath xmlns:m="http://schemas.openxmlformats.org/officeDocument/2006/math">
+                    <m:f>
+                      <m:fPr>
+                        <m:ctrlPr>
+                          <a:rPr lang="en-US" sz="2000" i="1" smtClean="0">
+                            <a:latin typeface="Cambria Math" panose="02040503050406030204" pitchFamily="18" charset="0"/>
+                            <a:cs typeface="Arial" panose="020B0604020202020204" pitchFamily="34" charset="0"/>
+                          </a:rPr>
+                        </m:ctrlPr>
+                      </m:fPr>
+                      <m:num>
+                        <m:r>
+                          <a:rPr lang="en-US" sz="2000" b="0" i="1" smtClean="0">
+                            <a:latin typeface="Cambria Math" panose="02040503050406030204" pitchFamily="18" charset="0"/>
+                            <a:cs typeface="Arial" panose="020B0604020202020204" pitchFamily="34" charset="0"/>
+                          </a:rPr>
+                          <m:t>1</m:t>
+                        </m:r>
+                      </m:num>
+                      <m:den>
+                        <m:r>
+                          <a:rPr lang="en-US" sz="2000" b="0" i="1" smtClean="0">
+                            <a:latin typeface="Cambria Math" panose="02040503050406030204" pitchFamily="18" charset="0"/>
+                            <a:cs typeface="Arial" panose="020B0604020202020204" pitchFamily="34" charset="0"/>
+                          </a:rPr>
+                          <m:t>2</m:t>
+                        </m:r>
+                      </m:den>
+                    </m:f>
+                  </m:oMath>
+                </a14:m>
+                <a:r>
+                  <a:rPr lang="en-US" sz="2000" dirty="0">
+                    <a:latin typeface="Arial" panose="020B0604020202020204" pitchFamily="34" charset="0"/>
+                    <a:cs typeface="Arial" panose="020B0604020202020204" pitchFamily="34" charset="0"/>
+                  </a:rPr>
+                  <a:t>.</a:t>
+                </a:r>
+              </a:p>
+            </p:txBody>
+          </p:sp>
+        </mc:Choice>
+        <mc:Fallback>
+          <p:sp>
+            <p:nvSpPr>
+              <p:cNvPr id="23557" name="Rectangle 3"/>
+              <p:cNvSpPr>
+                <a:spLocks noGrp="1" noRot="1" noChangeAspect="1" noMove="1" noResize="1" noEditPoints="1" noAdjustHandles="1" noChangeArrowheads="1" noChangeShapeType="1" noTextEdit="1"/>
+              </p:cNvSpPr>
+              <p:nvPr>
+                <p:ph type="body" idx="1"/>
+              </p:nvPr>
+            </p:nvSpPr>
+            <p:spPr>
+              <a:xfrm>
+                <a:off x="381000" y="1905010"/>
+                <a:ext cx="8188452" cy="3886190"/>
+              </a:xfrm>
+              <a:blipFill>
+                <a:blip r:embed="rId3"/>
+                <a:stretch>
+                  <a:fillRect l="-775" t="-977" r="-1395"/>
+                </a:stretch>
+              </a:blipFill>
+            </p:spPr>
+            <p:txBody>
+              <a:bodyPr/>
+              <a:lstStyle/>
+              <a:p>
+                <a:r>
+                  <a:rPr lang="en-US">
+                    <a:noFill/>
+                  </a:rPr>
+                  <a:t> </a:t>
+                </a:r>
+              </a:p>
+            </p:txBody>
+          </p:sp>
+        </mc:Fallback>
+      </mc:AlternateContent>
+      <p:sp>
+        <p:nvSpPr>
+          <p:cNvPr id="8" name="Slide Number Placeholder 7"/>
+          <p:cNvSpPr>
+            <a:spLocks noGrp="1"/>
+          </p:cNvSpPr>
+          <p:nvPr>
+            <p:ph type="sldNum" sz="quarter" idx="12"/>
+          </p:nvPr>
+        </p:nvSpPr>
+        <p:spPr/>
+        <p:txBody>
+          <a:bodyPr/>
+          <a:lstStyle/>
+          <a:p>
+            <a:pPr>
+              <a:defRPr/>
+            </a:pPr>
+            <a:fld id="{8E09DF16-9352-46A7-97F1-1D13A8547ADD}" type="slidenum">
+              <a:rPr lang="en-US" smtClean="0"/>
+              <a:pPr>
+                <a:defRPr/>
+              </a:pPr>
+              <a:t>53</a:t>
+            </a:fld>
+            <a:endParaRPr lang="en-US"/>
+          </a:p>
+        </p:txBody>
+      </p:sp>
+      <p:sp>
+        <p:nvSpPr>
+          <p:cNvPr id="2" name="Rectangle 2">
+            <a:extLst>
+              <a:ext uri="{FF2B5EF4-FFF2-40B4-BE49-F238E27FC236}">
+                <a16:creationId xmlns:a16="http://schemas.microsoft.com/office/drawing/2014/main" id="{C0D3418F-80B0-844C-8418-6CC7A95790AB}"/>
+              </a:ext>
+            </a:extLst>
+          </p:cNvPr>
+          <p:cNvSpPr>
+            <a:spLocks noChangeArrowheads="1"/>
+          </p:cNvSpPr>
+          <p:nvPr/>
+        </p:nvSpPr>
+        <p:spPr bwMode="auto">
+          <a:xfrm>
+            <a:off x="0" y="0"/>
+            <a:ext cx="9144000" cy="0"/>
+          </a:xfrm>
+          <a:prstGeom prst="rect">
+            <a:avLst/>
+          </a:prstGeom>
+          <a:noFill/>
+          <a:ln>
+            <a:noFill/>
+          </a:ln>
+          <a:effectLst/>
+          <a:extLst>
+            <a:ext uri="{909E8E84-426E-40DD-AFC4-6F175D3DCCD1}">
+              <a14:hiddenFill xmlns:a14="http://schemas.microsoft.com/office/drawing/2010/main">
+                <a:solidFill>
+                  <a:schemeClr val="accent1"/>
+                </a:solidFill>
+              </a14:hiddenFill>
+            </a:ext>
+            <a:ext uri="{91240B29-F687-4F45-9708-019B960494DF}">
+              <a14:hiddenLine xmlns:a14="http://schemas.microsoft.com/office/drawing/2010/main" w="9525">
+                <a:solidFill>
+                  <a:schemeClr val="tx1"/>
+                </a:solidFill>
+                <a:miter lim="800000"/>
+                <a:headEnd/>
+                <a:tailEnd/>
+              </a14:hiddenLine>
+            </a:ext>
+            <a:ext uri="{AF507438-7753-43E0-B8FC-AC1667EBCBE1}">
+              <a14:hiddenEffects xmlns:a14="http://schemas.microsoft.com/office/drawing/2010/main">
+                <a:effectLst>
+                  <a:outerShdw dist="35921" dir="2700000" algn="ctr" rotWithShape="0">
+                    <a:schemeClr val="bg2"/>
+                  </a:outerShdw>
+                </a:effectLst>
+              </a14:hiddenEffects>
+            </a:ext>
+          </a:extLst>
+        </p:spPr>
+        <p:txBody>
+          <a:bodyPr vert="horz" wrap="none" lIns="91440" tIns="45720" rIns="91440" bIns="45720" numCol="1" anchor="ctr" anchorCtr="0" compatLnSpc="1">
+            <a:prstTxWarp prst="textNoShape">
+              <a:avLst/>
+            </a:prstTxWarp>
+            <a:spAutoFit/>
+          </a:bodyPr>
+          <a:lstStyle/>
+          <a:p>
+            <a:endParaRPr lang="en-US"/>
+          </a:p>
+        </p:txBody>
+      </p:sp>
+    </p:spTree>
+    <p:extLst>
+      <p:ext uri="{BB962C8B-B14F-4D97-AF65-F5344CB8AC3E}">
+        <p14:creationId xmlns:p14="http://schemas.microsoft.com/office/powerpoint/2010/main" val="218563822"/>
       </p:ext>
     </p:extLst>
   </p:cSld>

--- a/BerkeleyClass/CS290Spring2013/Lectures/entropy_talk.pptx
+++ b/BerkeleyClass/CS290Spring2013/Lectures/entropy_talk.pptx
@@ -5,10 +5,10 @@
     <p:sldMasterId id="2147483649" r:id="rId1"/>
   </p:sldMasterIdLst>
   <p:notesMasterIdLst>
-    <p:notesMasterId r:id="rId55"/>
+    <p:notesMasterId r:id="rId56"/>
   </p:notesMasterIdLst>
   <p:handoutMasterIdLst>
-    <p:handoutMasterId r:id="rId56"/>
+    <p:handoutMasterId r:id="rId57"/>
   </p:handoutMasterIdLst>
   <p:sldIdLst>
     <p:sldId id="3175" r:id="rId2"/>
@@ -64,6 +64,7 @@
     <p:sldId id="3819" r:id="rId52"/>
     <p:sldId id="3820" r:id="rId53"/>
     <p:sldId id="3821" r:id="rId54"/>
+    <p:sldId id="3822" r:id="rId55"/>
   </p:sldIdLst>
   <p:sldSz cx="9144000" cy="6858000" type="screen4x3"/>
   <p:notesSz cx="7010400" cy="9296400"/>
@@ -5410,6 +5411,106 @@
     <p:extLst>
       <p:ext uri="{BB962C8B-B14F-4D97-AF65-F5344CB8AC3E}">
         <p14:creationId xmlns:p14="http://schemas.microsoft.com/office/powerpoint/2010/main" val="225374429"/>
+      </p:ext>
+    </p:extLst>
+  </p:cSld>
+  <p:clrMapOvr>
+    <a:masterClrMapping/>
+  </p:clrMapOvr>
+</p:notes>
+</file>
+
+<file path=ppt/notesSlides/notesSlide50.xml><?xml version="1.0" encoding="utf-8"?>
+<p:notes xmlns:a="http://schemas.openxmlformats.org/drawingml/2006/main" xmlns:r="http://schemas.openxmlformats.org/officeDocument/2006/relationships" xmlns:p="http://schemas.openxmlformats.org/presentationml/2006/main">
+  <p:cSld>
+    <p:spTree>
+      <p:nvGrpSpPr>
+        <p:cNvPr id="1" name=""/>
+        <p:cNvGrpSpPr/>
+        <p:nvPr/>
+      </p:nvGrpSpPr>
+      <p:grpSpPr>
+        <a:xfrm>
+          <a:off x="0" y="0"/>
+          <a:ext cx="0" cy="0"/>
+          <a:chOff x="0" y="0"/>
+          <a:chExt cx="0" cy="0"/>
+        </a:xfrm>
+      </p:grpSpPr>
+      <p:sp>
+        <p:nvSpPr>
+          <p:cNvPr id="95234" name="Rectangle 7"/>
+          <p:cNvSpPr>
+            <a:spLocks noGrp="1" noChangeArrowheads="1"/>
+          </p:cNvSpPr>
+          <p:nvPr>
+            <p:ph type="sldNum" sz="quarter" idx="5"/>
+          </p:nvPr>
+        </p:nvSpPr>
+        <p:spPr>
+          <a:noFill/>
+        </p:spPr>
+        <p:txBody>
+          <a:bodyPr/>
+          <a:lstStyle/>
+          <a:p>
+            <a:fld id="{86016DC7-F49B-4F50-9A32-E9E9CFA38878}" type="slidenum">
+              <a:rPr lang="en-US" smtClean="0"/>
+              <a:pPr/>
+              <a:t>54</a:t>
+            </a:fld>
+            <a:endParaRPr lang="en-US"/>
+          </a:p>
+        </p:txBody>
+      </p:sp>
+      <p:sp>
+        <p:nvSpPr>
+          <p:cNvPr id="95235" name="Rectangle 2"/>
+          <p:cNvSpPr>
+            <a:spLocks noGrp="1" noRot="1" noChangeAspect="1" noChangeArrowheads="1" noTextEdit="1"/>
+          </p:cNvSpPr>
+          <p:nvPr>
+            <p:ph type="sldImg"/>
+          </p:nvPr>
+        </p:nvSpPr>
+        <p:spPr>
+          <a:xfrm>
+            <a:off x="1169988" y="687388"/>
+            <a:ext cx="4673600" cy="3505200"/>
+          </a:xfrm>
+          <a:ln/>
+        </p:spPr>
+      </p:sp>
+      <p:sp>
+        <p:nvSpPr>
+          <p:cNvPr id="95236" name="Rectangle 3"/>
+          <p:cNvSpPr>
+            <a:spLocks noGrp="1" noChangeArrowheads="1"/>
+          </p:cNvSpPr>
+          <p:nvPr>
+            <p:ph type="body" idx="1"/>
+          </p:nvPr>
+        </p:nvSpPr>
+        <p:spPr>
+          <a:xfrm>
+            <a:off x="914400" y="4421188"/>
+            <a:ext cx="5184775" cy="4191000"/>
+          </a:xfrm>
+          <a:noFill/>
+          <a:ln w="9525"/>
+        </p:spPr>
+        <p:txBody>
+          <a:bodyPr/>
+          <a:lstStyle/>
+          <a:p>
+            <a:endParaRPr lang="en-US"/>
+          </a:p>
+        </p:txBody>
+      </p:sp>
+    </p:spTree>
+    <p:extLst>
+      <p:ext uri="{BB962C8B-B14F-4D97-AF65-F5344CB8AC3E}">
+        <p14:creationId xmlns:p14="http://schemas.microsoft.com/office/powerpoint/2010/main" val="2116627047"/>
       </p:ext>
     </p:extLst>
   </p:cSld>
@@ -27564,7 +27665,17 @@
                 <a:latin typeface="Arial" panose="020B0604020202020204" pitchFamily="34" charset="0"/>
                 <a:cs typeface="Arial" panose="020B0604020202020204" pitchFamily="34" charset="0"/>
               </a:rPr>
-              <a:t>The data collected on my NUC shows that there are approximately 600 interrupts per sec.  </a:t>
+              <a:t>Things that are monotonic: TOD clock, counters</a:t>
+            </a:r>
+          </a:p>
+          <a:p>
+            <a:pPr lvl="0"/>
+            <a:r>
+              <a:rPr lang="en-US" sz="2000" dirty="0">
+                <a:latin typeface="Arial" panose="020B0604020202020204" pitchFamily="34" charset="0"/>
+                <a:cs typeface="Arial" panose="020B0604020202020204" pitchFamily="34" charset="0"/>
+              </a:rPr>
+              <a:t>The data collected on my NUC shows that there are approximately 600 interrupts per sec on my 4 core i7.  </a:t>
             </a:r>
           </a:p>
           <a:p>
@@ -27574,6 +27685,26 @@
                 <a:cs typeface="Arial" panose="020B0604020202020204" pitchFamily="34" charset="0"/>
               </a:rPr>
               <a:t>Each interrupt results in more than 40 instructions executed.</a:t>
+            </a:r>
+          </a:p>
+          <a:p>
+            <a:pPr lvl="1"/>
+            <a:r>
+              <a:rPr lang="en-US" sz="1600" dirty="0">
+                <a:latin typeface="Arial" panose="020B0604020202020204" pitchFamily="34" charset="0"/>
+                <a:cs typeface="Arial" panose="020B0604020202020204" pitchFamily="34" charset="0"/>
+              </a:rPr>
+              <a:t>Give an example</a:t>
+            </a:r>
+          </a:p>
+          <a:p>
+            <a:pPr lvl="1"/>
+            <a:r>
+              <a:rPr lang="en-US" sz="1600" dirty="0">
+                <a:latin typeface="Arial" panose="020B0604020202020204" pitchFamily="34" charset="0"/>
+                <a:cs typeface="Arial" panose="020B0604020202020204" pitchFamily="34" charset="0"/>
+              </a:rPr>
+              <a:t>Markov model of state affecting jitter samples</a:t>
             </a:r>
           </a:p>
         </p:txBody>
@@ -27734,8 +27865,8 @@
           </a:p>
         </p:txBody>
       </p:sp>
-      <mc:AlternateContent xmlns:mc="http://schemas.openxmlformats.org/markup-compatibility/2006">
-        <mc:Choice xmlns:a14="http://schemas.microsoft.com/office/drawing/2010/main" Requires="a14">
+      <mc:AlternateContent xmlns:mc="http://schemas.openxmlformats.org/markup-compatibility/2006" xmlns:a14="http://schemas.microsoft.com/office/drawing/2010/main">
+        <mc:Choice Requires="a14">
           <p:sp>
             <p:nvSpPr>
               <p:cNvPr id="23557" name="Rectangle 3"/>
@@ -27866,7 +27997,7 @@
             </p:txBody>
           </p:sp>
         </mc:Choice>
-        <mc:Fallback>
+        <mc:Fallback xmlns="">
           <p:sp>
             <p:nvSpPr>
               <p:cNvPr id="23557" name="Rectangle 3"/>
@@ -28084,11 +28215,18 @@
               <a:p>
                 <a:pPr lvl="0"/>
                 <a:r>
+                  <a:rPr lang="en-US" sz="2000">
+                    <a:latin typeface="Arial" panose="020B0604020202020204" pitchFamily="34" charset="0"/>
+                    <a:cs typeface="Arial" panose="020B0604020202020204" pitchFamily="34" charset="0"/>
+                  </a:rPr>
+                  <a:t>If we </a:t>
+                </a:r>
+                <a:r>
                   <a:rPr lang="en-US" sz="2000" dirty="0">
                     <a:latin typeface="Arial" panose="020B0604020202020204" pitchFamily="34" charset="0"/>
                     <a:cs typeface="Arial" panose="020B0604020202020204" pitchFamily="34" charset="0"/>
                   </a:rPr>
-                  <a:t>So, if we delay collecting execution jitter for 1 second on a device experiencing 150 interrupts/sec interrupts, an adversary cannot compute the deterministic state to reproduce the first jitter execution sequence with a probability of more than 2</a:t>
+                  <a:t>delay collecting execution jitter for 1 second on a device experiencing 150 interrupts/sec interrupts, an adversary cannot compute the deterministic state to reproduce the first jitter execution sequence with a probability of more than 2</a:t>
                 </a:r>
                 <a:r>
                   <a:rPr lang="en-US" sz="2000" baseline="30000" dirty="0">
@@ -28383,8 +28521,8 @@
           </a:p>
         </p:txBody>
       </p:sp>
-      <mc:AlternateContent xmlns:mc="http://schemas.openxmlformats.org/markup-compatibility/2006">
-        <mc:Choice xmlns:a14="http://schemas.microsoft.com/office/drawing/2010/main" Requires="a14">
+      <mc:AlternateContent xmlns:mc="http://schemas.openxmlformats.org/markup-compatibility/2006" xmlns:a14="http://schemas.microsoft.com/office/drawing/2010/main">
+        <mc:Choice Requires="a14">
           <p:sp>
             <p:nvSpPr>
               <p:cNvPr id="23557" name="Rectangle 3"/>
@@ -28518,7 +28656,7 @@
             </p:txBody>
           </p:sp>
         </mc:Choice>
-        <mc:Fallback>
+        <mc:Fallback xmlns="">
           <p:sp>
             <p:nvSpPr>
               <p:cNvPr id="23557" name="Rectangle 3"/>
@@ -28658,6 +28796,207 @@
     <p:extLst>
       <p:ext uri="{BB962C8B-B14F-4D97-AF65-F5344CB8AC3E}">
         <p14:creationId xmlns:p14="http://schemas.microsoft.com/office/powerpoint/2010/main" val="218563822"/>
+      </p:ext>
+    </p:extLst>
+  </p:cSld>
+  <p:clrMapOvr>
+    <a:masterClrMapping/>
+  </p:clrMapOvr>
+  <p:transition/>
+</p:sld>
+</file>
+
+<file path=ppt/slides/slide54.xml><?xml version="1.0" encoding="utf-8"?>
+<p:sld xmlns:a="http://schemas.openxmlformats.org/drawingml/2006/main" xmlns:r="http://schemas.openxmlformats.org/officeDocument/2006/relationships" xmlns:p="http://schemas.openxmlformats.org/presentationml/2006/main">
+  <p:cSld>
+    <p:spTree>
+      <p:nvGrpSpPr>
+        <p:cNvPr id="1" name=""/>
+        <p:cNvGrpSpPr/>
+        <p:nvPr/>
+      </p:nvGrpSpPr>
+      <p:grpSpPr>
+        <a:xfrm>
+          <a:off x="0" y="0"/>
+          <a:ext cx="0" cy="0"/>
+          <a:chOff x="0" y="0"/>
+          <a:chExt cx="0" cy="0"/>
+        </a:xfrm>
+      </p:grpSpPr>
+      <p:sp>
+        <p:nvSpPr>
+          <p:cNvPr id="23556" name="Rectangle 2"/>
+          <p:cNvSpPr>
+            <a:spLocks noGrp="1" noChangeArrowheads="1"/>
+          </p:cNvSpPr>
+          <p:nvPr>
+            <p:ph type="title"/>
+          </p:nvPr>
+        </p:nvSpPr>
+        <p:spPr>
+          <a:xfrm>
+            <a:off x="682752" y="342919"/>
+            <a:ext cx="7772400" cy="1104881"/>
+          </a:xfrm>
+        </p:spPr>
+        <p:txBody>
+          <a:bodyPr/>
+          <a:lstStyle/>
+          <a:p>
+            <a:r>
+              <a:rPr lang="en-US" sz="3600" dirty="0"/>
+              <a:t>Notes</a:t>
+            </a:r>
+          </a:p>
+        </p:txBody>
+      </p:sp>
+      <p:sp>
+        <p:nvSpPr>
+          <p:cNvPr id="23557" name="Rectangle 3"/>
+          <p:cNvSpPr>
+            <a:spLocks noGrp="1" noChangeArrowheads="1"/>
+          </p:cNvSpPr>
+          <p:nvPr>
+            <p:ph type="body" idx="1"/>
+          </p:nvPr>
+        </p:nvSpPr>
+        <p:spPr>
+          <a:xfrm>
+            <a:off x="381000" y="1905010"/>
+            <a:ext cx="8188452" cy="3886190"/>
+          </a:xfrm>
+        </p:spPr>
+        <p:txBody>
+          <a:bodyPr/>
+          <a:lstStyle/>
+          <a:p>
+            <a:pPr lvl="0"/>
+            <a:r>
+              <a:rPr lang="en-US" sz="1800" dirty="0" err="1">
+                <a:latin typeface="Arial" panose="020B0604020202020204" pitchFamily="34" charset="0"/>
+                <a:cs typeface="Arial" panose="020B0604020202020204" pitchFamily="34" charset="0"/>
+              </a:rPr>
+              <a:t>mpstat</a:t>
+            </a:r>
+            <a:r>
+              <a:rPr lang="en-US" sz="1800" dirty="0">
+                <a:latin typeface="Arial" panose="020B0604020202020204" pitchFamily="34" charset="0"/>
+                <a:cs typeface="Arial" panose="020B0604020202020204" pitchFamily="34" charset="0"/>
+              </a:rPr>
+              <a:t> –I ALL –P ALL</a:t>
+            </a:r>
+          </a:p>
+          <a:p>
+            <a:pPr lvl="0"/>
+            <a:endParaRPr lang="en-US" sz="1800" dirty="0">
+              <a:latin typeface="Arial" panose="020B0604020202020204" pitchFamily="34" charset="0"/>
+              <a:cs typeface="Arial" panose="020B0604020202020204" pitchFamily="34" charset="0"/>
+            </a:endParaRPr>
+          </a:p>
+        </p:txBody>
+      </p:sp>
+      <p:sp>
+        <p:nvSpPr>
+          <p:cNvPr id="8" name="Slide Number Placeholder 7"/>
+          <p:cNvSpPr>
+            <a:spLocks noGrp="1"/>
+          </p:cNvSpPr>
+          <p:nvPr>
+            <p:ph type="sldNum" sz="quarter" idx="12"/>
+          </p:nvPr>
+        </p:nvSpPr>
+        <p:spPr/>
+        <p:txBody>
+          <a:bodyPr/>
+          <a:lstStyle/>
+          <a:p>
+            <a:pPr>
+              <a:defRPr/>
+            </a:pPr>
+            <a:fld id="{8E09DF16-9352-46A7-97F1-1D13A8547ADD}" type="slidenum">
+              <a:rPr lang="en-US" smtClean="0"/>
+              <a:pPr>
+                <a:defRPr/>
+              </a:pPr>
+              <a:t>54</a:t>
+            </a:fld>
+            <a:endParaRPr lang="en-US"/>
+          </a:p>
+        </p:txBody>
+      </p:sp>
+      <p:sp>
+        <p:nvSpPr>
+          <p:cNvPr id="2" name="Rectangle 2">
+            <a:extLst>
+              <a:ext uri="{FF2B5EF4-FFF2-40B4-BE49-F238E27FC236}">
+                <a16:creationId xmlns:a16="http://schemas.microsoft.com/office/drawing/2014/main" id="{C0D3418F-80B0-844C-8418-6CC7A95790AB}"/>
+              </a:ext>
+            </a:extLst>
+          </p:cNvPr>
+          <p:cNvSpPr>
+            <a:spLocks noChangeArrowheads="1"/>
+          </p:cNvSpPr>
+          <p:nvPr/>
+        </p:nvSpPr>
+        <p:spPr bwMode="auto">
+          <a:xfrm>
+            <a:off x="0" y="0"/>
+            <a:ext cx="9144000" cy="0"/>
+          </a:xfrm>
+          <a:prstGeom prst="rect">
+            <a:avLst/>
+          </a:prstGeom>
+          <a:noFill/>
+          <a:ln>
+            <a:noFill/>
+          </a:ln>
+          <a:effectLst/>
+          <a:extLst>
+            <a:ext uri="{909E8E84-426E-40DD-AFC4-6F175D3DCCD1}">
+              <a14:hiddenFill xmlns:a14="http://schemas.microsoft.com/office/drawing/2010/main">
+                <a:solidFill>
+                  <a:schemeClr val="accent1"/>
+                </a:solidFill>
+              </a14:hiddenFill>
+            </a:ext>
+            <a:ext uri="{91240B29-F687-4F45-9708-019B960494DF}">
+              <a14:hiddenLine xmlns:a14="http://schemas.microsoft.com/office/drawing/2010/main" w="9525">
+                <a:solidFill>
+                  <a:schemeClr val="tx1"/>
+                </a:solidFill>
+                <a:miter lim="800000"/>
+                <a:headEnd/>
+                <a:tailEnd/>
+              </a14:hiddenLine>
+            </a:ext>
+            <a:ext uri="{AF507438-7753-43E0-B8FC-AC1667EBCBE1}">
+              <a14:hiddenEffects xmlns:a14="http://schemas.microsoft.com/office/drawing/2010/main">
+                <a:effectLst>
+                  <a:outerShdw dist="35921" dir="2700000" algn="ctr" rotWithShape="0">
+                    <a:schemeClr val="bg2"/>
+                  </a:outerShdw>
+                </a:effectLst>
+              </a14:hiddenEffects>
+            </a:ext>
+          </a:extLst>
+        </p:spPr>
+        <p:txBody>
+          <a:bodyPr vert="horz" wrap="none" lIns="91440" tIns="45720" rIns="91440" bIns="45720" numCol="1" anchor="ctr" anchorCtr="0" compatLnSpc="1">
+            <a:prstTxWarp prst="textNoShape">
+              <a:avLst/>
+            </a:prstTxWarp>
+            <a:spAutoFit/>
+          </a:bodyPr>
+          <a:lstStyle/>
+          <a:p>
+            <a:endParaRPr lang="en-US"/>
+          </a:p>
+        </p:txBody>
+      </p:sp>
+    </p:spTree>
+    <p:extLst>
+      <p:ext uri="{BB962C8B-B14F-4D97-AF65-F5344CB8AC3E}">
+        <p14:creationId xmlns:p14="http://schemas.microsoft.com/office/powerpoint/2010/main" val="3585900762"/>
       </p:ext>
     </p:extLst>
   </p:cSld>

--- a/BerkeleyClass/CS290Spring2013/Lectures/entropy_talk.pptx
+++ b/BerkeleyClass/CS290Spring2013/Lectures/entropy_talk.pptx
@@ -5,10 +5,10 @@
     <p:sldMasterId id="2147483649" r:id="rId1"/>
   </p:sldMasterIdLst>
   <p:notesMasterIdLst>
-    <p:notesMasterId r:id="rId56"/>
+    <p:notesMasterId r:id="rId59"/>
   </p:notesMasterIdLst>
   <p:handoutMasterIdLst>
-    <p:handoutMasterId r:id="rId57"/>
+    <p:handoutMasterId r:id="rId60"/>
   </p:handoutMasterIdLst>
   <p:sldIdLst>
     <p:sldId id="3175" r:id="rId2"/>
@@ -59,12 +59,15 @@
     <p:sldId id="3815" r:id="rId47"/>
     <p:sldId id="3814" r:id="rId48"/>
     <p:sldId id="3816" r:id="rId49"/>
-    <p:sldId id="3817" r:id="rId50"/>
-    <p:sldId id="3818" r:id="rId51"/>
-    <p:sldId id="3819" r:id="rId52"/>
-    <p:sldId id="3820" r:id="rId53"/>
-    <p:sldId id="3821" r:id="rId54"/>
-    <p:sldId id="3822" r:id="rId55"/>
+    <p:sldId id="3825" r:id="rId50"/>
+    <p:sldId id="3817" r:id="rId51"/>
+    <p:sldId id="3818" r:id="rId52"/>
+    <p:sldId id="3823" r:id="rId53"/>
+    <p:sldId id="3824" r:id="rId54"/>
+    <p:sldId id="3819" r:id="rId55"/>
+    <p:sldId id="3820" r:id="rId56"/>
+    <p:sldId id="3821" r:id="rId57"/>
+    <p:sldId id="3822" r:id="rId58"/>
   </p:sldIdLst>
   <p:sldSz cx="9144000" cy="6858000" type="screen4x3"/>
   <p:notesSz cx="7010400" cy="9296400"/>
@@ -4910,7 +4913,7 @@
     </p:spTree>
     <p:extLst>
       <p:ext uri="{BB962C8B-B14F-4D97-AF65-F5344CB8AC3E}">
-        <p14:creationId xmlns:p14="http://schemas.microsoft.com/office/powerpoint/2010/main" val="1348965095"/>
+        <p14:creationId xmlns:p14="http://schemas.microsoft.com/office/powerpoint/2010/main" val="94544178"/>
       </p:ext>
     </p:extLst>
   </p:cSld>
@@ -5010,7 +5013,7 @@
     </p:spTree>
     <p:extLst>
       <p:ext uri="{BB962C8B-B14F-4D97-AF65-F5344CB8AC3E}">
-        <p14:creationId xmlns:p14="http://schemas.microsoft.com/office/powerpoint/2010/main" val="3708428463"/>
+        <p14:creationId xmlns:p14="http://schemas.microsoft.com/office/powerpoint/2010/main" val="1348965095"/>
       </p:ext>
     </p:extLst>
   </p:cSld>
@@ -5110,7 +5113,7 @@
     </p:spTree>
     <p:extLst>
       <p:ext uri="{BB962C8B-B14F-4D97-AF65-F5344CB8AC3E}">
-        <p14:creationId xmlns:p14="http://schemas.microsoft.com/office/powerpoint/2010/main" val="192672573"/>
+        <p14:creationId xmlns:p14="http://schemas.microsoft.com/office/powerpoint/2010/main" val="3708428463"/>
       </p:ext>
     </p:extLst>
   </p:cSld>
@@ -5210,7 +5213,7 @@
     </p:spTree>
     <p:extLst>
       <p:ext uri="{BB962C8B-B14F-4D97-AF65-F5344CB8AC3E}">
-        <p14:creationId xmlns:p14="http://schemas.microsoft.com/office/powerpoint/2010/main" val="3460875710"/>
+        <p14:creationId xmlns:p14="http://schemas.microsoft.com/office/powerpoint/2010/main" val="3633900453"/>
       </p:ext>
     </p:extLst>
   </p:cSld>
@@ -5310,7 +5313,7 @@
     </p:spTree>
     <p:extLst>
       <p:ext uri="{BB962C8B-B14F-4D97-AF65-F5344CB8AC3E}">
-        <p14:creationId xmlns:p14="http://schemas.microsoft.com/office/powerpoint/2010/main" val="957494749"/>
+        <p14:creationId xmlns:p14="http://schemas.microsoft.com/office/powerpoint/2010/main" val="3565826773"/>
       </p:ext>
     </p:extLst>
   </p:cSld>
@@ -5458,6 +5461,306 @@
               <a:rPr lang="en-US" smtClean="0"/>
               <a:pPr/>
               <a:t>54</a:t>
+            </a:fld>
+            <a:endParaRPr lang="en-US"/>
+          </a:p>
+        </p:txBody>
+      </p:sp>
+      <p:sp>
+        <p:nvSpPr>
+          <p:cNvPr id="95235" name="Rectangle 2"/>
+          <p:cNvSpPr>
+            <a:spLocks noGrp="1" noRot="1" noChangeAspect="1" noChangeArrowheads="1" noTextEdit="1"/>
+          </p:cNvSpPr>
+          <p:nvPr>
+            <p:ph type="sldImg"/>
+          </p:nvPr>
+        </p:nvSpPr>
+        <p:spPr>
+          <a:xfrm>
+            <a:off x="1169988" y="687388"/>
+            <a:ext cx="4673600" cy="3505200"/>
+          </a:xfrm>
+          <a:ln/>
+        </p:spPr>
+      </p:sp>
+      <p:sp>
+        <p:nvSpPr>
+          <p:cNvPr id="95236" name="Rectangle 3"/>
+          <p:cNvSpPr>
+            <a:spLocks noGrp="1" noChangeArrowheads="1"/>
+          </p:cNvSpPr>
+          <p:nvPr>
+            <p:ph type="body" idx="1"/>
+          </p:nvPr>
+        </p:nvSpPr>
+        <p:spPr>
+          <a:xfrm>
+            <a:off x="914400" y="4421188"/>
+            <a:ext cx="5184775" cy="4191000"/>
+          </a:xfrm>
+          <a:noFill/>
+          <a:ln w="9525"/>
+        </p:spPr>
+        <p:txBody>
+          <a:bodyPr/>
+          <a:lstStyle/>
+          <a:p>
+            <a:endParaRPr lang="en-US"/>
+          </a:p>
+        </p:txBody>
+      </p:sp>
+    </p:spTree>
+    <p:extLst>
+      <p:ext uri="{BB962C8B-B14F-4D97-AF65-F5344CB8AC3E}">
+        <p14:creationId xmlns:p14="http://schemas.microsoft.com/office/powerpoint/2010/main" val="192672573"/>
+      </p:ext>
+    </p:extLst>
+  </p:cSld>
+  <p:clrMapOvr>
+    <a:masterClrMapping/>
+  </p:clrMapOvr>
+</p:notes>
+</file>
+
+<file path=ppt/notesSlides/notesSlide51.xml><?xml version="1.0" encoding="utf-8"?>
+<p:notes xmlns:a="http://schemas.openxmlformats.org/drawingml/2006/main" xmlns:r="http://schemas.openxmlformats.org/officeDocument/2006/relationships" xmlns:p="http://schemas.openxmlformats.org/presentationml/2006/main">
+  <p:cSld>
+    <p:spTree>
+      <p:nvGrpSpPr>
+        <p:cNvPr id="1" name=""/>
+        <p:cNvGrpSpPr/>
+        <p:nvPr/>
+      </p:nvGrpSpPr>
+      <p:grpSpPr>
+        <a:xfrm>
+          <a:off x="0" y="0"/>
+          <a:ext cx="0" cy="0"/>
+          <a:chOff x="0" y="0"/>
+          <a:chExt cx="0" cy="0"/>
+        </a:xfrm>
+      </p:grpSpPr>
+      <p:sp>
+        <p:nvSpPr>
+          <p:cNvPr id="95234" name="Rectangle 7"/>
+          <p:cNvSpPr>
+            <a:spLocks noGrp="1" noChangeArrowheads="1"/>
+          </p:cNvSpPr>
+          <p:nvPr>
+            <p:ph type="sldNum" sz="quarter" idx="5"/>
+          </p:nvPr>
+        </p:nvSpPr>
+        <p:spPr>
+          <a:noFill/>
+        </p:spPr>
+        <p:txBody>
+          <a:bodyPr/>
+          <a:lstStyle/>
+          <a:p>
+            <a:fld id="{86016DC7-F49B-4F50-9A32-E9E9CFA38878}" type="slidenum">
+              <a:rPr lang="en-US" smtClean="0"/>
+              <a:pPr/>
+              <a:t>55</a:t>
+            </a:fld>
+            <a:endParaRPr lang="en-US"/>
+          </a:p>
+        </p:txBody>
+      </p:sp>
+      <p:sp>
+        <p:nvSpPr>
+          <p:cNvPr id="95235" name="Rectangle 2"/>
+          <p:cNvSpPr>
+            <a:spLocks noGrp="1" noRot="1" noChangeAspect="1" noChangeArrowheads="1" noTextEdit="1"/>
+          </p:cNvSpPr>
+          <p:nvPr>
+            <p:ph type="sldImg"/>
+          </p:nvPr>
+        </p:nvSpPr>
+        <p:spPr>
+          <a:xfrm>
+            <a:off x="1169988" y="687388"/>
+            <a:ext cx="4673600" cy="3505200"/>
+          </a:xfrm>
+          <a:ln/>
+        </p:spPr>
+      </p:sp>
+      <p:sp>
+        <p:nvSpPr>
+          <p:cNvPr id="95236" name="Rectangle 3"/>
+          <p:cNvSpPr>
+            <a:spLocks noGrp="1" noChangeArrowheads="1"/>
+          </p:cNvSpPr>
+          <p:nvPr>
+            <p:ph type="body" idx="1"/>
+          </p:nvPr>
+        </p:nvSpPr>
+        <p:spPr>
+          <a:xfrm>
+            <a:off x="914400" y="4421188"/>
+            <a:ext cx="5184775" cy="4191000"/>
+          </a:xfrm>
+          <a:noFill/>
+          <a:ln w="9525"/>
+        </p:spPr>
+        <p:txBody>
+          <a:bodyPr/>
+          <a:lstStyle/>
+          <a:p>
+            <a:endParaRPr lang="en-US"/>
+          </a:p>
+        </p:txBody>
+      </p:sp>
+    </p:spTree>
+    <p:extLst>
+      <p:ext uri="{BB962C8B-B14F-4D97-AF65-F5344CB8AC3E}">
+        <p14:creationId xmlns:p14="http://schemas.microsoft.com/office/powerpoint/2010/main" val="3460875710"/>
+      </p:ext>
+    </p:extLst>
+  </p:cSld>
+  <p:clrMapOvr>
+    <a:masterClrMapping/>
+  </p:clrMapOvr>
+</p:notes>
+</file>
+
+<file path=ppt/notesSlides/notesSlide52.xml><?xml version="1.0" encoding="utf-8"?>
+<p:notes xmlns:a="http://schemas.openxmlformats.org/drawingml/2006/main" xmlns:r="http://schemas.openxmlformats.org/officeDocument/2006/relationships" xmlns:p="http://schemas.openxmlformats.org/presentationml/2006/main">
+  <p:cSld>
+    <p:spTree>
+      <p:nvGrpSpPr>
+        <p:cNvPr id="1" name=""/>
+        <p:cNvGrpSpPr/>
+        <p:nvPr/>
+      </p:nvGrpSpPr>
+      <p:grpSpPr>
+        <a:xfrm>
+          <a:off x="0" y="0"/>
+          <a:ext cx="0" cy="0"/>
+          <a:chOff x="0" y="0"/>
+          <a:chExt cx="0" cy="0"/>
+        </a:xfrm>
+      </p:grpSpPr>
+      <p:sp>
+        <p:nvSpPr>
+          <p:cNvPr id="95234" name="Rectangle 7"/>
+          <p:cNvSpPr>
+            <a:spLocks noGrp="1" noChangeArrowheads="1"/>
+          </p:cNvSpPr>
+          <p:nvPr>
+            <p:ph type="sldNum" sz="quarter" idx="5"/>
+          </p:nvPr>
+        </p:nvSpPr>
+        <p:spPr>
+          <a:noFill/>
+        </p:spPr>
+        <p:txBody>
+          <a:bodyPr/>
+          <a:lstStyle/>
+          <a:p>
+            <a:fld id="{86016DC7-F49B-4F50-9A32-E9E9CFA38878}" type="slidenum">
+              <a:rPr lang="en-US" smtClean="0"/>
+              <a:pPr/>
+              <a:t>56</a:t>
+            </a:fld>
+            <a:endParaRPr lang="en-US"/>
+          </a:p>
+        </p:txBody>
+      </p:sp>
+      <p:sp>
+        <p:nvSpPr>
+          <p:cNvPr id="95235" name="Rectangle 2"/>
+          <p:cNvSpPr>
+            <a:spLocks noGrp="1" noRot="1" noChangeAspect="1" noChangeArrowheads="1" noTextEdit="1"/>
+          </p:cNvSpPr>
+          <p:nvPr>
+            <p:ph type="sldImg"/>
+          </p:nvPr>
+        </p:nvSpPr>
+        <p:spPr>
+          <a:xfrm>
+            <a:off x="1169988" y="687388"/>
+            <a:ext cx="4673600" cy="3505200"/>
+          </a:xfrm>
+          <a:ln/>
+        </p:spPr>
+      </p:sp>
+      <p:sp>
+        <p:nvSpPr>
+          <p:cNvPr id="95236" name="Rectangle 3"/>
+          <p:cNvSpPr>
+            <a:spLocks noGrp="1" noChangeArrowheads="1"/>
+          </p:cNvSpPr>
+          <p:nvPr>
+            <p:ph type="body" idx="1"/>
+          </p:nvPr>
+        </p:nvSpPr>
+        <p:spPr>
+          <a:xfrm>
+            <a:off x="914400" y="4421188"/>
+            <a:ext cx="5184775" cy="4191000"/>
+          </a:xfrm>
+          <a:noFill/>
+          <a:ln w="9525"/>
+        </p:spPr>
+        <p:txBody>
+          <a:bodyPr/>
+          <a:lstStyle/>
+          <a:p>
+            <a:endParaRPr lang="en-US"/>
+          </a:p>
+        </p:txBody>
+      </p:sp>
+    </p:spTree>
+    <p:extLst>
+      <p:ext uri="{BB962C8B-B14F-4D97-AF65-F5344CB8AC3E}">
+        <p14:creationId xmlns:p14="http://schemas.microsoft.com/office/powerpoint/2010/main" val="957494749"/>
+      </p:ext>
+    </p:extLst>
+  </p:cSld>
+  <p:clrMapOvr>
+    <a:masterClrMapping/>
+  </p:clrMapOvr>
+</p:notes>
+</file>
+
+<file path=ppt/notesSlides/notesSlide53.xml><?xml version="1.0" encoding="utf-8"?>
+<p:notes xmlns:a="http://schemas.openxmlformats.org/drawingml/2006/main" xmlns:r="http://schemas.openxmlformats.org/officeDocument/2006/relationships" xmlns:p="http://schemas.openxmlformats.org/presentationml/2006/main">
+  <p:cSld>
+    <p:spTree>
+      <p:nvGrpSpPr>
+        <p:cNvPr id="1" name=""/>
+        <p:cNvGrpSpPr/>
+        <p:nvPr/>
+      </p:nvGrpSpPr>
+      <p:grpSpPr>
+        <a:xfrm>
+          <a:off x="0" y="0"/>
+          <a:ext cx="0" cy="0"/>
+          <a:chOff x="0" y="0"/>
+          <a:chExt cx="0" cy="0"/>
+        </a:xfrm>
+      </p:grpSpPr>
+      <p:sp>
+        <p:nvSpPr>
+          <p:cNvPr id="95234" name="Rectangle 7"/>
+          <p:cNvSpPr>
+            <a:spLocks noGrp="1" noChangeArrowheads="1"/>
+          </p:cNvSpPr>
+          <p:nvPr>
+            <p:ph type="sldNum" sz="quarter" idx="5"/>
+          </p:nvPr>
+        </p:nvSpPr>
+        <p:spPr>
+          <a:noFill/>
+        </p:spPr>
+        <p:txBody>
+          <a:bodyPr/>
+          <a:lstStyle/>
+          <a:p>
+            <a:fld id="{86016DC7-F49B-4F50-9A32-E9E9CFA38878}" type="slidenum">
+              <a:rPr lang="en-US" smtClean="0"/>
+              <a:pPr/>
+              <a:t>57</a:t>
             </a:fld>
             <a:endParaRPr lang="en-US"/>
           </a:p>
@@ -26797,8 +27100,8 @@
         </p:nvSpPr>
         <p:spPr>
           <a:xfrm>
-            <a:off x="609600" y="1524005"/>
-            <a:ext cx="8001000" cy="4800596"/>
+            <a:off x="381000" y="1600206"/>
+            <a:ext cx="8458200" cy="4571994"/>
           </a:xfrm>
         </p:spPr>
         <p:txBody>
@@ -26808,11 +27111,8 @@
             <a:pPr lvl="0"/>
             <a:r>
               <a:rPr lang="en-US" sz="2000" dirty="0"/>
-              <a:t>20% of code is branches</a:t>
-            </a:r>
-          </a:p>
-          <a:p>
-            <a:pPr lvl="0"/>
+              <a:t>20% of code is branches.  </a:t>
+            </a:r>
             <a:r>
               <a:rPr lang="en-US" sz="2000" dirty="0">
                 <a:latin typeface="Arial" panose="020B0604020202020204" pitchFamily="34" charset="0"/>
@@ -26822,6 +27122,16 @@
             </a:r>
           </a:p>
           <a:p>
+            <a:pPr lvl="1"/>
+            <a:r>
+              <a:rPr lang="en-US" sz="1800" dirty="0">
+                <a:latin typeface="Arial" panose="020B0604020202020204" pitchFamily="34" charset="0"/>
+                <a:cs typeface="Arial" panose="020B0604020202020204" pitchFamily="34" charset="0"/>
+              </a:rPr>
+              <a:t>Penalty: 40-80 cycles</a:t>
+            </a:r>
+          </a:p>
+          <a:p>
             <a:pPr lvl="0"/>
             <a:r>
               <a:rPr lang="en-US" sz="2000" dirty="0">
@@ -26832,6 +27142,16 @@
             </a:r>
           </a:p>
           <a:p>
+            <a:pPr lvl="1"/>
+            <a:r>
+              <a:rPr lang="en-US" sz="1800" dirty="0">
+                <a:latin typeface="Arial" panose="020B0604020202020204" pitchFamily="34" charset="0"/>
+                <a:cs typeface="Arial" panose="020B0604020202020204" pitchFamily="34" charset="0"/>
+              </a:rPr>
+              <a:t>Cost: 4-5 cycles, penalty: 7-8 cycles.</a:t>
+            </a:r>
+          </a:p>
+          <a:p>
             <a:pPr lvl="0"/>
             <a:r>
               <a:rPr lang="en-US" sz="2000" dirty="0">
@@ -26842,6 +27162,16 @@
             </a:r>
           </a:p>
           <a:p>
+            <a:pPr lvl="1"/>
+            <a:r>
+              <a:rPr lang="en-US" sz="1800" dirty="0">
+                <a:latin typeface="Arial" panose="020B0604020202020204" pitchFamily="34" charset="0"/>
+                <a:cs typeface="Arial" panose="020B0604020202020204" pitchFamily="34" charset="0"/>
+              </a:rPr>
+              <a:t>Cost for L2: 12 cycles, penalty: 24 cycles.  Cost for L3: 36 cycles, penalty: 62 cycles + 100 ns.</a:t>
+            </a:r>
+          </a:p>
+          <a:p>
             <a:pPr lvl="0"/>
             <a:r>
               <a:rPr lang="en-US" sz="2000" dirty="0">
@@ -26862,36 +27192,13 @@
             </a:r>
           </a:p>
           <a:p>
-            <a:pPr lvl="1"/>
             <a:r>
               <a:rPr lang="en-US" sz="2000" dirty="0">
                 <a:latin typeface="Arial" panose="020B0604020202020204" pitchFamily="34" charset="0"/>
                 <a:cs typeface="Arial" panose="020B0604020202020204" pitchFamily="34" charset="0"/>
               </a:rPr>
-              <a:t>When does pipeline flush?</a:t>
-            </a:r>
-          </a:p>
-          <a:p>
-            <a:r>
-              <a:rPr lang="en-US" sz="2000" dirty="0">
-                <a:latin typeface="Arial" panose="020B0604020202020204" pitchFamily="34" charset="0"/>
-                <a:cs typeface="Arial" panose="020B0604020202020204" pitchFamily="34" charset="0"/>
-              </a:rPr>
               <a:t>Effect of virtual to physical memory assignment and paging and TLB misses</a:t>
             </a:r>
-          </a:p>
-          <a:p>
-            <a:r>
-              <a:rPr lang="en-US" sz="2000" dirty="0">
-                <a:latin typeface="Arial" panose="020B0604020202020204" pitchFamily="34" charset="0"/>
-                <a:cs typeface="Arial" panose="020B0604020202020204" pitchFamily="34" charset="0"/>
-              </a:rPr>
-              <a:t>Serial run of 50000 samples collected serially (jitter_block_0), establishes lower bound of 2 bits of “variability” in execution time caused by a routine of about 30 instructions .</a:t>
-            </a:r>
-            <a:endParaRPr lang="en-US" sz="1600" dirty="0">
-              <a:latin typeface="Arial" panose="020B0604020202020204" pitchFamily="34" charset="0"/>
-              <a:cs typeface="Arial" panose="020B0604020202020204" pitchFamily="34" charset="0"/>
-            </a:endParaRPr>
           </a:p>
         </p:txBody>
       </p:sp>
@@ -27046,7 +27353,7 @@
           <a:p>
             <a:r>
               <a:rPr lang="en-US" sz="3600" dirty="0"/>
-              <a:t>Effect of memory jitter (More needed)</a:t>
+              <a:t>Effect of CPU/DRAM physical jitter</a:t>
             </a:r>
           </a:p>
         </p:txBody>
@@ -27077,47 +27384,7 @@
                 <a:latin typeface="Arial" panose="020B0604020202020204" pitchFamily="34" charset="0"/>
                 <a:cs typeface="Arial" panose="020B0604020202020204" pitchFamily="34" charset="0"/>
               </a:rPr>
-              <a:t>Variability attributable or cache misses:</a:t>
-            </a:r>
-          </a:p>
-          <a:p>
-            <a:pPr lvl="1"/>
-            <a:r>
-              <a:rPr lang="en-US" sz="2000" dirty="0">
-                <a:latin typeface="Arial" panose="020B0604020202020204" pitchFamily="34" charset="0"/>
-                <a:cs typeface="Arial" panose="020B0604020202020204" pitchFamily="34" charset="0"/>
-              </a:rPr>
-              <a:t> -(.98 lg(.98)+.02lg(.02))= .14 bit per access</a:t>
-            </a:r>
-          </a:p>
-          <a:p>
-            <a:pPr lvl="1"/>
-            <a:r>
-              <a:rPr lang="en-US" sz="2000" dirty="0">
-                <a:latin typeface="Arial" panose="020B0604020202020204" pitchFamily="34" charset="0"/>
-                <a:cs typeface="Arial" panose="020B0604020202020204" pitchFamily="34" charset="0"/>
-              </a:rPr>
-              <a:t>Each miss causes 8 cycle difference</a:t>
-            </a:r>
-          </a:p>
-          <a:p>
-            <a:pPr lvl="1"/>
-            <a:r>
-              <a:rPr lang="en-US" sz="2000" dirty="0">
-                <a:latin typeface="Arial" panose="020B0604020202020204" pitchFamily="34" charset="0"/>
-                <a:cs typeface="Arial" panose="020B0604020202020204" pitchFamily="34" charset="0"/>
-              </a:rPr>
-              <a:t>1 bit on entropy/sample (Rambus data)</a:t>
-            </a:r>
-          </a:p>
-          <a:p>
-            <a:pPr lvl="1"/>
-            <a:r>
-              <a:rPr lang="en-US" sz="2000" dirty="0">
-                <a:latin typeface="Arial" panose="020B0604020202020204" pitchFamily="34" charset="0"/>
-                <a:cs typeface="Arial" panose="020B0604020202020204" pitchFamily="34" charset="0"/>
-              </a:rPr>
-              <a:t>How much physical jitter happens per cache miss</a:t>
+              <a:t>Rambus</a:t>
             </a:r>
           </a:p>
         </p:txBody>
@@ -27263,8 +27530,8 @@
         </p:nvSpPr>
         <p:spPr>
           <a:xfrm>
-            <a:off x="682752" y="190519"/>
-            <a:ext cx="7772400" cy="1104881"/>
+            <a:off x="228600" y="0"/>
+            <a:ext cx="8686800" cy="647680"/>
           </a:xfrm>
         </p:spPr>
         <p:txBody>
@@ -27273,7 +27540,7 @@
           <a:p>
             <a:r>
               <a:rPr lang="en-US" sz="3600" dirty="0"/>
-              <a:t>Effect of state randomization on jitter execution</a:t>
+              <a:t>Effect of L1 miss jitter</a:t>
             </a:r>
           </a:p>
         </p:txBody>
@@ -27290,7 +27557,7 @@
         </p:nvSpPr>
         <p:spPr>
           <a:xfrm>
-            <a:off x="609600" y="1848637"/>
+            <a:off x="609600" y="1752605"/>
             <a:ext cx="8001000" cy="4475963"/>
           </a:xfrm>
         </p:spPr>
@@ -27298,26 +27565,53 @@
           <a:bodyPr/>
           <a:lstStyle/>
           <a:p>
+            <a:pPr lvl="0"/>
             <a:r>
               <a:rPr lang="en-US" sz="2000" dirty="0">
                 <a:latin typeface="Arial" panose="020B0604020202020204" pitchFamily="34" charset="0"/>
                 <a:cs typeface="Arial" panose="020B0604020202020204" pitchFamily="34" charset="0"/>
               </a:rPr>
-              <a:t>Serial run of 50000 samples collected serially, establish lower bound of 2.5 bits of variability due to state randomization discounting interrupts during execution and memory jitter.  This includes TLB, branch and speculation.  Almost no paging.</a:t>
-            </a:r>
-            <a:endParaRPr lang="en-US" sz="1600" dirty="0">
-              <a:latin typeface="Arial" panose="020B0604020202020204" pitchFamily="34" charset="0"/>
-              <a:cs typeface="Arial" panose="020B0604020202020204" pitchFamily="34" charset="0"/>
-            </a:endParaRPr>
-          </a:p>
-          <a:p>
-            <a:pPr lvl="0"/>
+              <a:t>Variability attributable or cache misses:</a:t>
+            </a:r>
+          </a:p>
+          <a:p>
+            <a:pPr lvl="1"/>
             <a:r>
               <a:rPr lang="en-US" sz="2000" dirty="0">
                 <a:latin typeface="Arial" panose="020B0604020202020204" pitchFamily="34" charset="0"/>
                 <a:cs typeface="Arial" panose="020B0604020202020204" pitchFamily="34" charset="0"/>
               </a:rPr>
-              <a:t>Branch prediction succeeds 80% of the time and each failure results in a 40-80 cycle difference.</a:t>
+              <a:t> -(.98 lg(.98)+.02lg(.02))= .14 bit per access</a:t>
+            </a:r>
+          </a:p>
+          <a:p>
+            <a:pPr lvl="1"/>
+            <a:r>
+              <a:rPr lang="en-US" sz="2000" dirty="0">
+                <a:latin typeface="Arial" panose="020B0604020202020204" pitchFamily="34" charset="0"/>
+                <a:cs typeface="Arial" panose="020B0604020202020204" pitchFamily="34" charset="0"/>
+              </a:rPr>
+              <a:t>Each miss causes 8 cycle difference</a:t>
+            </a:r>
+          </a:p>
+          <a:p>
+            <a:pPr lvl="1"/>
+            <a:r>
+              <a:rPr lang="en-US" sz="2000" dirty="0">
+                <a:latin typeface="Arial" panose="020B0604020202020204" pitchFamily="34" charset="0"/>
+                <a:cs typeface="Arial" panose="020B0604020202020204" pitchFamily="34" charset="0"/>
+              </a:rPr>
+              <a:t>1 bit on entropy/sample (Rambus data)</a:t>
+            </a:r>
+          </a:p>
+          <a:p>
+            <a:pPr lvl="1"/>
+            <a:r>
+              <a:rPr lang="en-US" sz="2000" dirty="0">
+                <a:latin typeface="Arial" panose="020B0604020202020204" pitchFamily="34" charset="0"/>
+                <a:cs typeface="Arial" panose="020B0604020202020204" pitchFamily="34" charset="0"/>
+              </a:rPr>
+              <a:t>How much physical jitter happens per cache miss</a:t>
             </a:r>
           </a:p>
         </p:txBody>
@@ -27423,7 +27717,7 @@
     </p:spTree>
     <p:extLst>
       <p:ext uri="{BB962C8B-B14F-4D97-AF65-F5344CB8AC3E}">
-        <p14:creationId xmlns:p14="http://schemas.microsoft.com/office/powerpoint/2010/main" val="2847634256"/>
+        <p14:creationId xmlns:p14="http://schemas.microsoft.com/office/powerpoint/2010/main" val="1450903558"/>
       </p:ext>
     </p:extLst>
   </p:cSld>
@@ -27624,7 +27918,7 @@
         </p:nvSpPr>
         <p:spPr>
           <a:xfrm>
-            <a:off x="682752" y="152400"/>
+            <a:off x="682752" y="190519"/>
             <a:ext cx="7772400" cy="1104881"/>
           </a:xfrm>
         </p:spPr>
@@ -27634,7 +27928,7 @@
           <a:p>
             <a:r>
               <a:rPr lang="en-US" sz="3600" dirty="0"/>
-              <a:t>Interrupts and state evolution</a:t>
+              <a:t>Effect of state randomization on jitter execution</a:t>
             </a:r>
           </a:p>
         </p:txBody>
@@ -27651,31 +27945,29 @@
         </p:nvSpPr>
         <p:spPr>
           <a:xfrm>
-            <a:off x="568452" y="2343918"/>
-            <a:ext cx="8001000" cy="4056882"/>
+            <a:off x="609600" y="1848637"/>
+            <a:ext cx="8001000" cy="4475963"/>
           </a:xfrm>
         </p:spPr>
         <p:txBody>
           <a:bodyPr/>
           <a:lstStyle/>
           <a:p>
-            <a:pPr lvl="0"/>
             <a:r>
               <a:rPr lang="en-US" sz="2000" dirty="0">
                 <a:latin typeface="Arial" panose="020B0604020202020204" pitchFamily="34" charset="0"/>
                 <a:cs typeface="Arial" panose="020B0604020202020204" pitchFamily="34" charset="0"/>
               </a:rPr>
-              <a:t>Things that are monotonic: TOD clock, counters</a:t>
-            </a:r>
-          </a:p>
-          <a:p>
-            <a:pPr lvl="0"/>
+              <a:t>Serial run of 50000 samples collected serially (jitter_block_0), establishes lower bound of 2 bits of “variability” in execution time caused by a routine of about 30 instructions.</a:t>
+            </a:r>
+          </a:p>
+          <a:p>
             <a:r>
               <a:rPr lang="en-US" sz="2000" dirty="0">
                 <a:latin typeface="Arial" panose="020B0604020202020204" pitchFamily="34" charset="0"/>
                 <a:cs typeface="Arial" panose="020B0604020202020204" pitchFamily="34" charset="0"/>
               </a:rPr>
-              <a:t>The data collected on my NUC shows that there are approximately 600 interrupts per sec on my 4 core i7.  </a:t>
+              <a:t>As “jitter_block_0” shows, every series of 30 instructions contributes about 2 bits of apparent entropy to jitter execution, even in a single execution context, indicating that 15 instructions are sufficient to cause a state change which causes a difference in jitter execution time between two jitter execution measurements.</a:t>
             </a:r>
           </a:p>
           <a:p>
@@ -27684,28 +27976,28 @@
                 <a:latin typeface="Arial" panose="020B0604020202020204" pitchFamily="34" charset="0"/>
                 <a:cs typeface="Arial" panose="020B0604020202020204" pitchFamily="34" charset="0"/>
               </a:rPr>
-              <a:t>Each interrupt results in more than 40 instructions executed.</a:t>
-            </a:r>
-          </a:p>
-          <a:p>
-            <a:pPr lvl="1"/>
-            <a:r>
-              <a:rPr lang="en-US" sz="1600" dirty="0">
-                <a:latin typeface="Arial" panose="020B0604020202020204" pitchFamily="34" charset="0"/>
-                <a:cs typeface="Arial" panose="020B0604020202020204" pitchFamily="34" charset="0"/>
-              </a:rPr>
-              <a:t>Give an example</a:t>
-            </a:r>
-          </a:p>
-          <a:p>
-            <a:pPr lvl="1"/>
-            <a:r>
-              <a:rPr lang="en-US" sz="1600" dirty="0">
-                <a:latin typeface="Arial" panose="020B0604020202020204" pitchFamily="34" charset="0"/>
-                <a:cs typeface="Arial" panose="020B0604020202020204" pitchFamily="34" charset="0"/>
-              </a:rPr>
-              <a:t>Markov model of state affecting jitter samples</a:t>
-            </a:r>
+              <a:t>Markov model</a:t>
+            </a:r>
+            <a:endParaRPr lang="en-US" sz="1600" dirty="0">
+              <a:latin typeface="Arial" panose="020B0604020202020204" pitchFamily="34" charset="0"/>
+              <a:cs typeface="Arial" panose="020B0604020202020204" pitchFamily="34" charset="0"/>
+            </a:endParaRPr>
+          </a:p>
+          <a:p>
+            <a:pPr marL="0" lvl="0" indent="0">
+              <a:buNone/>
+            </a:pPr>
+            <a:endParaRPr lang="en-US" sz="1600" dirty="0">
+              <a:latin typeface="Arial" panose="020B0604020202020204" pitchFamily="34" charset="0"/>
+              <a:cs typeface="Arial" panose="020B0604020202020204" pitchFamily="34" charset="0"/>
+            </a:endParaRPr>
+          </a:p>
+          <a:p>
+            <a:pPr lvl="0"/>
+            <a:endParaRPr lang="en-US" sz="2000" dirty="0">
+              <a:latin typeface="Arial" panose="020B0604020202020204" pitchFamily="34" charset="0"/>
+              <a:cs typeface="Arial" panose="020B0604020202020204" pitchFamily="34" charset="0"/>
+            </a:endParaRPr>
           </a:p>
         </p:txBody>
       </p:sp>
@@ -27810,7 +28102,7 @@
     </p:spTree>
     <p:extLst>
       <p:ext uri="{BB962C8B-B14F-4D97-AF65-F5344CB8AC3E}">
-        <p14:creationId xmlns:p14="http://schemas.microsoft.com/office/powerpoint/2010/main" val="1065804976"/>
+        <p14:creationId xmlns:p14="http://schemas.microsoft.com/office/powerpoint/2010/main" val="2847634256"/>
       </p:ext>
     </p:extLst>
   </p:cSld>
@@ -27850,6 +28142,2136 @@
         </p:nvSpPr>
         <p:spPr>
           <a:xfrm>
+            <a:off x="682752" y="76200"/>
+            <a:ext cx="7772400" cy="762000"/>
+          </a:xfrm>
+        </p:spPr>
+        <p:txBody>
+          <a:bodyPr/>
+          <a:lstStyle/>
+          <a:p>
+            <a:r>
+              <a:rPr lang="en-US" sz="3600" dirty="0"/>
+              <a:t>Interrupts and state evolution</a:t>
+            </a:r>
+          </a:p>
+        </p:txBody>
+      </p:sp>
+      <p:sp>
+        <p:nvSpPr>
+          <p:cNvPr id="23557" name="Rectangle 3"/>
+          <p:cNvSpPr>
+            <a:spLocks noGrp="1" noChangeArrowheads="1"/>
+          </p:cNvSpPr>
+          <p:nvPr>
+            <p:ph type="body" idx="1"/>
+          </p:nvPr>
+        </p:nvSpPr>
+        <p:spPr>
+          <a:xfrm>
+            <a:off x="454152" y="1600200"/>
+            <a:ext cx="8001000" cy="4056882"/>
+          </a:xfrm>
+        </p:spPr>
+        <p:txBody>
+          <a:bodyPr/>
+          <a:lstStyle/>
+          <a:p>
+            <a:pPr lvl="0"/>
+            <a:r>
+              <a:rPr lang="en-US" sz="2000" dirty="0">
+                <a:latin typeface="Arial" panose="020B0604020202020204" pitchFamily="34" charset="0"/>
+                <a:cs typeface="Arial" panose="020B0604020202020204" pitchFamily="34" charset="0"/>
+              </a:rPr>
+              <a:t>Things that are monotonic: TOD clock, counters</a:t>
+            </a:r>
+          </a:p>
+          <a:p>
+            <a:pPr lvl="0"/>
+            <a:r>
+              <a:rPr lang="en-US" sz="2000" dirty="0">
+                <a:latin typeface="Arial" panose="020B0604020202020204" pitchFamily="34" charset="0"/>
+                <a:cs typeface="Arial" panose="020B0604020202020204" pitchFamily="34" charset="0"/>
+              </a:rPr>
+              <a:t>The data collected on my NUC which has a 4 core i7 running Ubuntu.  </a:t>
+            </a:r>
+          </a:p>
+          <a:p>
+            <a:r>
+              <a:rPr lang="en-US" sz="2000" dirty="0">
+                <a:latin typeface="Arial" panose="020B0604020202020204" pitchFamily="34" charset="0"/>
+                <a:cs typeface="Arial" panose="020B0604020202020204" pitchFamily="34" charset="0"/>
+              </a:rPr>
+              <a:t>Each interrupt results in more than 40 instructions executed.</a:t>
+            </a:r>
+          </a:p>
+          <a:p>
+            <a:pPr lvl="1"/>
+            <a:r>
+              <a:rPr lang="en-US" sz="2000" dirty="0">
+                <a:latin typeface="Arial" panose="020B0604020202020204" pitchFamily="34" charset="0"/>
+                <a:cs typeface="Arial" panose="020B0604020202020204" pitchFamily="34" charset="0"/>
+              </a:rPr>
+              <a:t>Give an example</a:t>
+            </a:r>
+          </a:p>
+          <a:p>
+            <a:pPr lvl="1"/>
+            <a:r>
+              <a:rPr lang="en-US" sz="2000" dirty="0">
+                <a:latin typeface="Arial" panose="020B0604020202020204" pitchFamily="34" charset="0"/>
+                <a:cs typeface="Arial" panose="020B0604020202020204" pitchFamily="34" charset="0"/>
+              </a:rPr>
+              <a:t>Markov model of state affecting jitter samples</a:t>
+            </a:r>
+          </a:p>
+          <a:p>
+            <a:pPr lvl="1"/>
+            <a:endParaRPr lang="en-US" sz="2000" dirty="0">
+              <a:latin typeface="Arial" panose="020B0604020202020204" pitchFamily="34" charset="0"/>
+              <a:cs typeface="Arial" panose="020B0604020202020204" pitchFamily="34" charset="0"/>
+            </a:endParaRPr>
+          </a:p>
+          <a:p>
+            <a:pPr marL="400050"/>
+            <a:r>
+              <a:rPr lang="en-US" sz="2000" dirty="0">
+                <a:latin typeface="Arial" panose="020B0604020202020204" pitchFamily="34" charset="0"/>
+                <a:cs typeface="Arial" panose="020B0604020202020204" pitchFamily="34" charset="0"/>
+              </a:rPr>
+              <a:t>Data on the following pages, data was collected via</a:t>
+            </a:r>
+          </a:p>
+          <a:p>
+            <a:pPr marL="800100" lvl="1"/>
+            <a:r>
+              <a:rPr lang="en-US" sz="2000" dirty="0" err="1">
+                <a:latin typeface="Courier New" panose="02070309020205020404" pitchFamily="49" charset="0"/>
+                <a:cs typeface="Courier New" panose="02070309020205020404" pitchFamily="49" charset="0"/>
+              </a:rPr>
+              <a:t>mpstat</a:t>
+            </a:r>
+            <a:r>
+              <a:rPr lang="en-US" sz="2000" dirty="0">
+                <a:latin typeface="Courier New" panose="02070309020205020404" pitchFamily="49" charset="0"/>
+                <a:cs typeface="Courier New" panose="02070309020205020404" pitchFamily="49" charset="0"/>
+              </a:rPr>
+              <a:t> -I ALL 5 10 -P ALL</a:t>
+            </a:r>
+          </a:p>
+          <a:p>
+            <a:pPr marL="800100" lvl="1"/>
+            <a:endParaRPr lang="en-US" sz="1600" dirty="0">
+              <a:latin typeface="Arial" panose="020B0604020202020204" pitchFamily="34" charset="0"/>
+              <a:cs typeface="Arial" panose="020B0604020202020204" pitchFamily="34" charset="0"/>
+            </a:endParaRPr>
+          </a:p>
+        </p:txBody>
+      </p:sp>
+      <p:sp>
+        <p:nvSpPr>
+          <p:cNvPr id="8" name="Slide Number Placeholder 7"/>
+          <p:cNvSpPr>
+            <a:spLocks noGrp="1"/>
+          </p:cNvSpPr>
+          <p:nvPr>
+            <p:ph type="sldNum" sz="quarter" idx="12"/>
+          </p:nvPr>
+        </p:nvSpPr>
+        <p:spPr/>
+        <p:txBody>
+          <a:bodyPr/>
+          <a:lstStyle/>
+          <a:p>
+            <a:pPr>
+              <a:defRPr/>
+            </a:pPr>
+            <a:fld id="{8E09DF16-9352-46A7-97F1-1D13A8547ADD}" type="slidenum">
+              <a:rPr lang="en-US" smtClean="0"/>
+              <a:pPr>
+                <a:defRPr/>
+              </a:pPr>
+              <a:t>51</a:t>
+            </a:fld>
+            <a:endParaRPr lang="en-US"/>
+          </a:p>
+        </p:txBody>
+      </p:sp>
+      <p:sp>
+        <p:nvSpPr>
+          <p:cNvPr id="2" name="Rectangle 2">
+            <a:extLst>
+              <a:ext uri="{FF2B5EF4-FFF2-40B4-BE49-F238E27FC236}">
+                <a16:creationId xmlns:a16="http://schemas.microsoft.com/office/drawing/2014/main" id="{C0D3418F-80B0-844C-8418-6CC7A95790AB}"/>
+              </a:ext>
+            </a:extLst>
+          </p:cNvPr>
+          <p:cNvSpPr>
+            <a:spLocks noChangeArrowheads="1"/>
+          </p:cNvSpPr>
+          <p:nvPr/>
+        </p:nvSpPr>
+        <p:spPr bwMode="auto">
+          <a:xfrm>
+            <a:off x="0" y="0"/>
+            <a:ext cx="9144000" cy="0"/>
+          </a:xfrm>
+          <a:prstGeom prst="rect">
+            <a:avLst/>
+          </a:prstGeom>
+          <a:noFill/>
+          <a:ln>
+            <a:noFill/>
+          </a:ln>
+          <a:effectLst/>
+          <a:extLst>
+            <a:ext uri="{909E8E84-426E-40DD-AFC4-6F175D3DCCD1}">
+              <a14:hiddenFill xmlns:a14="http://schemas.microsoft.com/office/drawing/2010/main">
+                <a:solidFill>
+                  <a:schemeClr val="accent1"/>
+                </a:solidFill>
+              </a14:hiddenFill>
+            </a:ext>
+            <a:ext uri="{91240B29-F687-4F45-9708-019B960494DF}">
+              <a14:hiddenLine xmlns:a14="http://schemas.microsoft.com/office/drawing/2010/main" w="9525">
+                <a:solidFill>
+                  <a:schemeClr val="tx1"/>
+                </a:solidFill>
+                <a:miter lim="800000"/>
+                <a:headEnd/>
+                <a:tailEnd/>
+              </a14:hiddenLine>
+            </a:ext>
+            <a:ext uri="{AF507438-7753-43E0-B8FC-AC1667EBCBE1}">
+              <a14:hiddenEffects xmlns:a14="http://schemas.microsoft.com/office/drawing/2010/main">
+                <a:effectLst>
+                  <a:outerShdw dist="35921" dir="2700000" algn="ctr" rotWithShape="0">
+                    <a:schemeClr val="bg2"/>
+                  </a:outerShdw>
+                </a:effectLst>
+              </a14:hiddenEffects>
+            </a:ext>
+          </a:extLst>
+        </p:spPr>
+        <p:txBody>
+          <a:bodyPr vert="horz" wrap="none" lIns="91440" tIns="45720" rIns="91440" bIns="45720" numCol="1" anchor="ctr" anchorCtr="0" compatLnSpc="1">
+            <a:prstTxWarp prst="textNoShape">
+              <a:avLst/>
+            </a:prstTxWarp>
+            <a:spAutoFit/>
+          </a:bodyPr>
+          <a:lstStyle/>
+          <a:p>
+            <a:endParaRPr lang="en-US"/>
+          </a:p>
+        </p:txBody>
+      </p:sp>
+    </p:spTree>
+    <p:extLst>
+      <p:ext uri="{BB962C8B-B14F-4D97-AF65-F5344CB8AC3E}">
+        <p14:creationId xmlns:p14="http://schemas.microsoft.com/office/powerpoint/2010/main" val="1065804976"/>
+      </p:ext>
+    </p:extLst>
+  </p:cSld>
+  <p:clrMapOvr>
+    <a:masterClrMapping/>
+  </p:clrMapOvr>
+  <p:transition/>
+</p:sld>
+</file>
+
+<file path=ppt/slides/slide52.xml><?xml version="1.0" encoding="utf-8"?>
+<p:sld xmlns:a="http://schemas.openxmlformats.org/drawingml/2006/main" xmlns:r="http://schemas.openxmlformats.org/officeDocument/2006/relationships" xmlns:p="http://schemas.openxmlformats.org/presentationml/2006/main">
+  <p:cSld>
+    <p:spTree>
+      <p:nvGrpSpPr>
+        <p:cNvPr id="1" name=""/>
+        <p:cNvGrpSpPr/>
+        <p:nvPr/>
+      </p:nvGrpSpPr>
+      <p:grpSpPr>
+        <a:xfrm>
+          <a:off x="0" y="0"/>
+          <a:ext cx="0" cy="0"/>
+          <a:chOff x="0" y="0"/>
+          <a:chExt cx="0" cy="0"/>
+        </a:xfrm>
+      </p:grpSpPr>
+      <p:sp>
+        <p:nvSpPr>
+          <p:cNvPr id="23556" name="Rectangle 2"/>
+          <p:cNvSpPr>
+            <a:spLocks noGrp="1" noChangeArrowheads="1"/>
+          </p:cNvSpPr>
+          <p:nvPr>
+            <p:ph type="title"/>
+          </p:nvPr>
+        </p:nvSpPr>
+        <p:spPr>
+          <a:xfrm>
+            <a:off x="682752" y="1"/>
+            <a:ext cx="7772400" cy="685798"/>
+          </a:xfrm>
+        </p:spPr>
+        <p:txBody>
+          <a:bodyPr/>
+          <a:lstStyle/>
+          <a:p>
+            <a:r>
+              <a:rPr lang="en-US" sz="3600" dirty="0"/>
+              <a:t>Interrupt data, 1</a:t>
+            </a:r>
+          </a:p>
+        </p:txBody>
+      </p:sp>
+      <p:sp>
+        <p:nvSpPr>
+          <p:cNvPr id="23557" name="Rectangle 3"/>
+          <p:cNvSpPr>
+            <a:spLocks noGrp="1" noChangeArrowheads="1"/>
+          </p:cNvSpPr>
+          <p:nvPr>
+            <p:ph type="body" idx="1"/>
+          </p:nvPr>
+        </p:nvSpPr>
+        <p:spPr>
+          <a:xfrm>
+            <a:off x="304800" y="1066805"/>
+            <a:ext cx="3505200" cy="5562595"/>
+          </a:xfrm>
+        </p:spPr>
+        <p:txBody>
+          <a:bodyPr/>
+          <a:lstStyle/>
+          <a:p>
+            <a:pPr marL="0" indent="0">
+              <a:buNone/>
+            </a:pPr>
+            <a:r>
+              <a:rPr lang="en-US" sz="1400" dirty="0">
+                <a:latin typeface="Courier New" panose="02070309020205020404" pitchFamily="49" charset="0"/>
+                <a:cs typeface="Courier New" panose="02070309020205020404" pitchFamily="49" charset="0"/>
+              </a:rPr>
+              <a:t>04:34:06 PM  CPU    </a:t>
+            </a:r>
+            <a:r>
+              <a:rPr lang="en-US" sz="1400" dirty="0" err="1">
+                <a:latin typeface="Courier New" panose="02070309020205020404" pitchFamily="49" charset="0"/>
+                <a:cs typeface="Courier New" panose="02070309020205020404" pitchFamily="49" charset="0"/>
+              </a:rPr>
+              <a:t>intr</a:t>
+            </a:r>
+            <a:r>
+              <a:rPr lang="en-US" sz="1400" dirty="0">
+                <a:latin typeface="Courier New" panose="02070309020205020404" pitchFamily="49" charset="0"/>
+                <a:cs typeface="Courier New" panose="02070309020205020404" pitchFamily="49" charset="0"/>
+              </a:rPr>
+              <a:t>/s</a:t>
+            </a:r>
+          </a:p>
+          <a:p>
+            <a:pPr marL="0" indent="0">
+              <a:buNone/>
+            </a:pPr>
+            <a:r>
+              <a:rPr lang="en-US" sz="1400" dirty="0">
+                <a:latin typeface="Courier New" panose="02070309020205020404" pitchFamily="49" charset="0"/>
+                <a:cs typeface="Courier New" panose="02070309020205020404" pitchFamily="49" charset="0"/>
+              </a:rPr>
+              <a:t>04:34:11 PM  all     70.40</a:t>
+            </a:r>
+          </a:p>
+          <a:p>
+            <a:pPr marL="0" indent="0">
+              <a:buNone/>
+            </a:pPr>
+            <a:r>
+              <a:rPr lang="en-US" sz="1400" dirty="0">
+                <a:latin typeface="Courier New" panose="02070309020205020404" pitchFamily="49" charset="0"/>
+                <a:cs typeface="Courier New" panose="02070309020205020404" pitchFamily="49" charset="0"/>
+              </a:rPr>
+              <a:t>04:34:11 PM    0     12.80</a:t>
+            </a:r>
+          </a:p>
+          <a:p>
+            <a:pPr marL="0" indent="0">
+              <a:buNone/>
+            </a:pPr>
+            <a:r>
+              <a:rPr lang="en-US" sz="1400" dirty="0">
+                <a:latin typeface="Courier New" panose="02070309020205020404" pitchFamily="49" charset="0"/>
+                <a:cs typeface="Courier New" panose="02070309020205020404" pitchFamily="49" charset="0"/>
+              </a:rPr>
+              <a:t>04:34:11 PM    1      6.00</a:t>
+            </a:r>
+          </a:p>
+          <a:p>
+            <a:pPr marL="0" indent="0">
+              <a:buNone/>
+            </a:pPr>
+            <a:r>
+              <a:rPr lang="en-US" sz="1400" dirty="0">
+                <a:latin typeface="Courier New" panose="02070309020205020404" pitchFamily="49" charset="0"/>
+                <a:cs typeface="Courier New" panose="02070309020205020404" pitchFamily="49" charset="0"/>
+              </a:rPr>
+              <a:t>04:34:11 PM    2      0.60</a:t>
+            </a:r>
+          </a:p>
+          <a:p>
+            <a:pPr marL="0" indent="0">
+              <a:buNone/>
+            </a:pPr>
+            <a:r>
+              <a:rPr lang="en-US" sz="1400" dirty="0">
+                <a:latin typeface="Courier New" panose="02070309020205020404" pitchFamily="49" charset="0"/>
+                <a:cs typeface="Courier New" panose="02070309020205020404" pitchFamily="49" charset="0"/>
+              </a:rPr>
+              <a:t>04:34:11 PM    3      1.00</a:t>
+            </a:r>
+          </a:p>
+          <a:p>
+            <a:pPr marL="0" indent="0">
+              <a:buNone/>
+            </a:pPr>
+            <a:r>
+              <a:rPr lang="en-US" sz="1400" dirty="0">
+                <a:latin typeface="Courier New" panose="02070309020205020404" pitchFamily="49" charset="0"/>
+                <a:cs typeface="Courier New" panose="02070309020205020404" pitchFamily="49" charset="0"/>
+              </a:rPr>
+              <a:t>04:34:11 PM    4     24.20</a:t>
+            </a:r>
+          </a:p>
+          <a:p>
+            <a:pPr marL="0" indent="0">
+              <a:buNone/>
+            </a:pPr>
+            <a:r>
+              <a:rPr lang="en-US" sz="1400" dirty="0">
+                <a:latin typeface="Courier New" panose="02070309020205020404" pitchFamily="49" charset="0"/>
+                <a:cs typeface="Courier New" panose="02070309020205020404" pitchFamily="49" charset="0"/>
+              </a:rPr>
+              <a:t>04:34:11 PM    5     10.20</a:t>
+            </a:r>
+          </a:p>
+          <a:p>
+            <a:pPr marL="0" indent="0">
+              <a:buNone/>
+            </a:pPr>
+            <a:r>
+              <a:rPr lang="en-US" sz="1400" dirty="0">
+                <a:latin typeface="Courier New" panose="02070309020205020404" pitchFamily="49" charset="0"/>
+                <a:cs typeface="Courier New" panose="02070309020205020404" pitchFamily="49" charset="0"/>
+              </a:rPr>
+              <a:t>04:34:11 PM    6     34.00</a:t>
+            </a:r>
+          </a:p>
+          <a:p>
+            <a:pPr marL="0" indent="0">
+              <a:buNone/>
+            </a:pPr>
+            <a:r>
+              <a:rPr lang="en-US" sz="1400" dirty="0">
+                <a:latin typeface="Courier New" panose="02070309020205020404" pitchFamily="49" charset="0"/>
+                <a:cs typeface="Courier New" panose="02070309020205020404" pitchFamily="49" charset="0"/>
+              </a:rPr>
+              <a:t>04:34:11 PM    7      6.80</a:t>
+            </a:r>
+            <a:br>
+              <a:rPr lang="en-US" sz="1400" dirty="0">
+                <a:latin typeface="Courier New" panose="02070309020205020404" pitchFamily="49" charset="0"/>
+                <a:cs typeface="Courier New" panose="02070309020205020404" pitchFamily="49" charset="0"/>
+              </a:rPr>
+            </a:br>
+            <a:endParaRPr lang="en-US" sz="1400" dirty="0">
+              <a:latin typeface="Courier New" panose="02070309020205020404" pitchFamily="49" charset="0"/>
+              <a:cs typeface="Courier New" panose="02070309020205020404" pitchFamily="49" charset="0"/>
+            </a:endParaRPr>
+          </a:p>
+          <a:p>
+            <a:pPr marL="0" indent="0">
+              <a:buNone/>
+            </a:pPr>
+            <a:r>
+              <a:rPr lang="en-US" sz="1400" dirty="0">
+                <a:latin typeface="Courier New" panose="02070309020205020404" pitchFamily="49" charset="0"/>
+                <a:cs typeface="Courier New" panose="02070309020205020404" pitchFamily="49" charset="0"/>
+              </a:rPr>
+              <a:t>04:34:11 PM  CPU    </a:t>
+            </a:r>
+            <a:r>
+              <a:rPr lang="en-US" sz="1400" dirty="0" err="1">
+                <a:latin typeface="Courier New" panose="02070309020205020404" pitchFamily="49" charset="0"/>
+                <a:cs typeface="Courier New" panose="02070309020205020404" pitchFamily="49" charset="0"/>
+              </a:rPr>
+              <a:t>intr</a:t>
+            </a:r>
+            <a:r>
+              <a:rPr lang="en-US" sz="1400" dirty="0">
+                <a:latin typeface="Courier New" panose="02070309020205020404" pitchFamily="49" charset="0"/>
+                <a:cs typeface="Courier New" panose="02070309020205020404" pitchFamily="49" charset="0"/>
+              </a:rPr>
+              <a:t>/s</a:t>
+            </a:r>
+          </a:p>
+          <a:p>
+            <a:pPr marL="0" indent="0">
+              <a:buNone/>
+            </a:pPr>
+            <a:r>
+              <a:rPr lang="en-US" sz="1400" dirty="0">
+                <a:latin typeface="Courier New" panose="02070309020205020404" pitchFamily="49" charset="0"/>
+                <a:cs typeface="Courier New" panose="02070309020205020404" pitchFamily="49" charset="0"/>
+              </a:rPr>
+              <a:t>04:34:16 PM  all     40.20</a:t>
+            </a:r>
+          </a:p>
+          <a:p>
+            <a:pPr marL="0" indent="0">
+              <a:buNone/>
+            </a:pPr>
+            <a:r>
+              <a:rPr lang="en-US" sz="1400" dirty="0">
+                <a:latin typeface="Courier New" panose="02070309020205020404" pitchFamily="49" charset="0"/>
+                <a:cs typeface="Courier New" panose="02070309020205020404" pitchFamily="49" charset="0"/>
+              </a:rPr>
+              <a:t>04:34:16 PM    0      4.40</a:t>
+            </a:r>
+          </a:p>
+          <a:p>
+            <a:pPr marL="0" indent="0">
+              <a:buNone/>
+            </a:pPr>
+            <a:r>
+              <a:rPr lang="en-US" sz="1400" dirty="0">
+                <a:latin typeface="Courier New" panose="02070309020205020404" pitchFamily="49" charset="0"/>
+                <a:cs typeface="Courier New" panose="02070309020205020404" pitchFamily="49" charset="0"/>
+              </a:rPr>
+              <a:t>04:34:16 PM    1      6.60</a:t>
+            </a:r>
+          </a:p>
+          <a:p>
+            <a:pPr marL="0" indent="0">
+              <a:buNone/>
+            </a:pPr>
+            <a:r>
+              <a:rPr lang="en-US" sz="1400" dirty="0">
+                <a:latin typeface="Courier New" panose="02070309020205020404" pitchFamily="49" charset="0"/>
+                <a:cs typeface="Courier New" panose="02070309020205020404" pitchFamily="49" charset="0"/>
+              </a:rPr>
+              <a:t>04:34:16 PM    2      0.60</a:t>
+            </a:r>
+          </a:p>
+          <a:p>
+            <a:pPr marL="0" indent="0">
+              <a:buNone/>
+            </a:pPr>
+            <a:r>
+              <a:rPr lang="en-US" sz="1400" dirty="0">
+                <a:latin typeface="Courier New" panose="02070309020205020404" pitchFamily="49" charset="0"/>
+                <a:cs typeface="Courier New" panose="02070309020205020404" pitchFamily="49" charset="0"/>
+              </a:rPr>
+              <a:t>04:34:16 PM    3      1.20</a:t>
+            </a:r>
+          </a:p>
+          <a:p>
+            <a:pPr marL="0" indent="0">
+              <a:buNone/>
+            </a:pPr>
+            <a:r>
+              <a:rPr lang="en-US" sz="1400" dirty="0">
+                <a:latin typeface="Courier New" panose="02070309020205020404" pitchFamily="49" charset="0"/>
+                <a:cs typeface="Courier New" panose="02070309020205020404" pitchFamily="49" charset="0"/>
+              </a:rPr>
+              <a:t>04:34:16 PM    4      7.20</a:t>
+            </a:r>
+          </a:p>
+          <a:p>
+            <a:pPr marL="0" indent="0">
+              <a:buNone/>
+            </a:pPr>
+            <a:r>
+              <a:rPr lang="en-US" sz="1400" dirty="0">
+                <a:latin typeface="Courier New" panose="02070309020205020404" pitchFamily="49" charset="0"/>
+                <a:cs typeface="Courier New" panose="02070309020205020404" pitchFamily="49" charset="0"/>
+              </a:rPr>
+              <a:t>04:34:16 PM    5      3.40</a:t>
+            </a:r>
+          </a:p>
+          <a:p>
+            <a:pPr marL="0" indent="0">
+              <a:buNone/>
+            </a:pPr>
+            <a:r>
+              <a:rPr lang="en-US" sz="1400" dirty="0">
+                <a:latin typeface="Courier New" panose="02070309020205020404" pitchFamily="49" charset="0"/>
+                <a:cs typeface="Courier New" panose="02070309020205020404" pitchFamily="49" charset="0"/>
+              </a:rPr>
+              <a:t>04:34:16 PM    6     15.60</a:t>
+            </a:r>
+          </a:p>
+          <a:p>
+            <a:pPr marL="0" indent="0">
+              <a:buNone/>
+            </a:pPr>
+            <a:r>
+              <a:rPr lang="en-US" sz="1400" dirty="0">
+                <a:latin typeface="Courier New" panose="02070309020205020404" pitchFamily="49" charset="0"/>
+                <a:cs typeface="Courier New" panose="02070309020205020404" pitchFamily="49" charset="0"/>
+              </a:rPr>
+              <a:t>04:34:16 PM    7      9.00</a:t>
+            </a:r>
+          </a:p>
+          <a:p>
+            <a:pPr marL="0" indent="0">
+              <a:buNone/>
+            </a:pPr>
+            <a:br>
+              <a:rPr lang="en-US" sz="1600" dirty="0">
+                <a:latin typeface="Courier New" panose="02070309020205020404" pitchFamily="49" charset="0"/>
+                <a:cs typeface="Courier New" panose="02070309020205020404" pitchFamily="49" charset="0"/>
+              </a:rPr>
+            </a:br>
+            <a:endParaRPr lang="en-US" sz="2000" dirty="0">
+              <a:latin typeface="Arial" panose="020B0604020202020204" pitchFamily="34" charset="0"/>
+              <a:cs typeface="Arial" panose="020B0604020202020204" pitchFamily="34" charset="0"/>
+            </a:endParaRPr>
+          </a:p>
+        </p:txBody>
+      </p:sp>
+      <p:sp>
+        <p:nvSpPr>
+          <p:cNvPr id="8" name="Slide Number Placeholder 7"/>
+          <p:cNvSpPr>
+            <a:spLocks noGrp="1"/>
+          </p:cNvSpPr>
+          <p:nvPr>
+            <p:ph type="sldNum" sz="quarter" idx="12"/>
+          </p:nvPr>
+        </p:nvSpPr>
+        <p:spPr/>
+        <p:txBody>
+          <a:bodyPr/>
+          <a:lstStyle/>
+          <a:p>
+            <a:pPr>
+              <a:defRPr/>
+            </a:pPr>
+            <a:fld id="{8E09DF16-9352-46A7-97F1-1D13A8547ADD}" type="slidenum">
+              <a:rPr lang="en-US" smtClean="0"/>
+              <a:pPr>
+                <a:defRPr/>
+              </a:pPr>
+              <a:t>52</a:t>
+            </a:fld>
+            <a:endParaRPr lang="en-US"/>
+          </a:p>
+        </p:txBody>
+      </p:sp>
+      <p:sp>
+        <p:nvSpPr>
+          <p:cNvPr id="2" name="Rectangle 2">
+            <a:extLst>
+              <a:ext uri="{FF2B5EF4-FFF2-40B4-BE49-F238E27FC236}">
+                <a16:creationId xmlns:a16="http://schemas.microsoft.com/office/drawing/2014/main" id="{C0D3418F-80B0-844C-8418-6CC7A95790AB}"/>
+              </a:ext>
+            </a:extLst>
+          </p:cNvPr>
+          <p:cNvSpPr>
+            <a:spLocks noChangeArrowheads="1"/>
+          </p:cNvSpPr>
+          <p:nvPr/>
+        </p:nvSpPr>
+        <p:spPr bwMode="auto">
+          <a:xfrm>
+            <a:off x="0" y="0"/>
+            <a:ext cx="9144000" cy="0"/>
+          </a:xfrm>
+          <a:prstGeom prst="rect">
+            <a:avLst/>
+          </a:prstGeom>
+          <a:noFill/>
+          <a:ln>
+            <a:noFill/>
+          </a:ln>
+          <a:effectLst/>
+          <a:extLst>
+            <a:ext uri="{909E8E84-426E-40DD-AFC4-6F175D3DCCD1}">
+              <a14:hiddenFill xmlns:a14="http://schemas.microsoft.com/office/drawing/2010/main">
+                <a:solidFill>
+                  <a:schemeClr val="accent1"/>
+                </a:solidFill>
+              </a14:hiddenFill>
+            </a:ext>
+            <a:ext uri="{91240B29-F687-4F45-9708-019B960494DF}">
+              <a14:hiddenLine xmlns:a14="http://schemas.microsoft.com/office/drawing/2010/main" w="9525">
+                <a:solidFill>
+                  <a:schemeClr val="tx1"/>
+                </a:solidFill>
+                <a:miter lim="800000"/>
+                <a:headEnd/>
+                <a:tailEnd/>
+              </a14:hiddenLine>
+            </a:ext>
+            <a:ext uri="{AF507438-7753-43E0-B8FC-AC1667EBCBE1}">
+              <a14:hiddenEffects xmlns:a14="http://schemas.microsoft.com/office/drawing/2010/main">
+                <a:effectLst>
+                  <a:outerShdw dist="35921" dir="2700000" algn="ctr" rotWithShape="0">
+                    <a:schemeClr val="bg2"/>
+                  </a:outerShdw>
+                </a:effectLst>
+              </a14:hiddenEffects>
+            </a:ext>
+          </a:extLst>
+        </p:spPr>
+        <p:txBody>
+          <a:bodyPr vert="horz" wrap="none" lIns="91440" tIns="45720" rIns="91440" bIns="45720" numCol="1" anchor="ctr" anchorCtr="0" compatLnSpc="1">
+            <a:prstTxWarp prst="textNoShape">
+              <a:avLst/>
+            </a:prstTxWarp>
+            <a:spAutoFit/>
+          </a:bodyPr>
+          <a:lstStyle/>
+          <a:p>
+            <a:endParaRPr lang="en-US"/>
+          </a:p>
+        </p:txBody>
+      </p:sp>
+      <p:sp>
+        <p:nvSpPr>
+          <p:cNvPr id="7" name="Rectangle 3">
+            <a:extLst>
+              <a:ext uri="{FF2B5EF4-FFF2-40B4-BE49-F238E27FC236}">
+                <a16:creationId xmlns:a16="http://schemas.microsoft.com/office/drawing/2014/main" id="{DB392FB8-8CCA-5744-B85E-35FF77A09558}"/>
+              </a:ext>
+            </a:extLst>
+          </p:cNvPr>
+          <p:cNvSpPr txBox="1">
+            <a:spLocks noChangeArrowheads="1"/>
+          </p:cNvSpPr>
+          <p:nvPr/>
+        </p:nvSpPr>
+        <p:spPr bwMode="auto">
+          <a:xfrm>
+            <a:off x="4267200" y="1066800"/>
+            <a:ext cx="3962400" cy="5181600"/>
+          </a:xfrm>
+          <a:prstGeom prst="rect">
+            <a:avLst/>
+          </a:prstGeom>
+          <a:noFill/>
+          <a:ln w="9525">
+            <a:noFill/>
+            <a:miter lim="800000"/>
+            <a:headEnd/>
+            <a:tailEnd/>
+          </a:ln>
+        </p:spPr>
+        <p:txBody>
+          <a:bodyPr vert="horz" wrap="square" lIns="92075" tIns="46038" rIns="92075" bIns="46038" numCol="1" anchor="t" anchorCtr="0" compatLnSpc="1">
+            <a:prstTxWarp prst="textNoShape">
+              <a:avLst/>
+            </a:prstTxWarp>
+          </a:bodyPr>
+          <a:lstStyle>
+            <a:lvl1pPr marL="342900" indent="-342900" algn="l" rtl="0" eaLnBrk="0" fontAlgn="base" hangingPunct="0">
+              <a:spcBef>
+                <a:spcPct val="20000"/>
+              </a:spcBef>
+              <a:spcAft>
+                <a:spcPct val="0"/>
+              </a:spcAft>
+              <a:buChar char="•"/>
+              <a:defRPr kumimoji="1" sz="3200">
+                <a:solidFill>
+                  <a:schemeClr val="tx1"/>
+                </a:solidFill>
+                <a:latin typeface="+mn-lt"/>
+                <a:ea typeface="+mn-ea"/>
+                <a:cs typeface="+mn-cs"/>
+              </a:defRPr>
+            </a:lvl1pPr>
+            <a:lvl2pPr marL="742950" indent="-285750" algn="l" rtl="0" eaLnBrk="0" fontAlgn="base" hangingPunct="0">
+              <a:spcBef>
+                <a:spcPct val="20000"/>
+              </a:spcBef>
+              <a:spcAft>
+                <a:spcPct val="0"/>
+              </a:spcAft>
+              <a:buChar char="–"/>
+              <a:defRPr kumimoji="1" sz="2800">
+                <a:solidFill>
+                  <a:schemeClr val="tx1"/>
+                </a:solidFill>
+                <a:latin typeface="+mn-lt"/>
+              </a:defRPr>
+            </a:lvl2pPr>
+            <a:lvl3pPr marL="1143000" indent="-228600" algn="l" rtl="0" eaLnBrk="0" fontAlgn="base" hangingPunct="0">
+              <a:spcBef>
+                <a:spcPct val="20000"/>
+              </a:spcBef>
+              <a:spcAft>
+                <a:spcPct val="0"/>
+              </a:spcAft>
+              <a:buChar char="•"/>
+              <a:defRPr kumimoji="1" sz="2400">
+                <a:solidFill>
+                  <a:schemeClr val="tx1"/>
+                </a:solidFill>
+                <a:latin typeface="+mn-lt"/>
+              </a:defRPr>
+            </a:lvl3pPr>
+            <a:lvl4pPr marL="1600200" indent="-228600" algn="l" rtl="0" eaLnBrk="0" fontAlgn="base" hangingPunct="0">
+              <a:spcBef>
+                <a:spcPct val="20000"/>
+              </a:spcBef>
+              <a:spcAft>
+                <a:spcPct val="0"/>
+              </a:spcAft>
+              <a:buChar char="–"/>
+              <a:defRPr kumimoji="1" sz="2000">
+                <a:solidFill>
+                  <a:schemeClr val="tx1"/>
+                </a:solidFill>
+                <a:latin typeface="+mn-lt"/>
+              </a:defRPr>
+            </a:lvl4pPr>
+            <a:lvl5pPr marL="2057400" indent="-228600" algn="l" rtl="0" eaLnBrk="0" fontAlgn="base" hangingPunct="0">
+              <a:spcBef>
+                <a:spcPct val="20000"/>
+              </a:spcBef>
+              <a:spcAft>
+                <a:spcPct val="0"/>
+              </a:spcAft>
+              <a:buChar char="•"/>
+              <a:defRPr kumimoji="1" sz="2000">
+                <a:solidFill>
+                  <a:schemeClr val="tx1"/>
+                </a:solidFill>
+                <a:latin typeface="+mn-lt"/>
+              </a:defRPr>
+            </a:lvl5pPr>
+            <a:lvl6pPr marL="2514600" indent="-228600" algn="l" rtl="0" eaLnBrk="0" fontAlgn="base" hangingPunct="0">
+              <a:spcBef>
+                <a:spcPct val="20000"/>
+              </a:spcBef>
+              <a:spcAft>
+                <a:spcPct val="0"/>
+              </a:spcAft>
+              <a:buChar char="•"/>
+              <a:defRPr kumimoji="1" sz="2000">
+                <a:solidFill>
+                  <a:schemeClr val="tx1"/>
+                </a:solidFill>
+                <a:latin typeface="+mn-lt"/>
+              </a:defRPr>
+            </a:lvl6pPr>
+            <a:lvl7pPr marL="2971800" indent="-228600" algn="l" rtl="0" eaLnBrk="0" fontAlgn="base" hangingPunct="0">
+              <a:spcBef>
+                <a:spcPct val="20000"/>
+              </a:spcBef>
+              <a:spcAft>
+                <a:spcPct val="0"/>
+              </a:spcAft>
+              <a:buChar char="•"/>
+              <a:defRPr kumimoji="1" sz="2000">
+                <a:solidFill>
+                  <a:schemeClr val="tx1"/>
+                </a:solidFill>
+                <a:latin typeface="+mn-lt"/>
+              </a:defRPr>
+            </a:lvl7pPr>
+            <a:lvl8pPr marL="3429000" indent="-228600" algn="l" rtl="0" eaLnBrk="0" fontAlgn="base" hangingPunct="0">
+              <a:spcBef>
+                <a:spcPct val="20000"/>
+              </a:spcBef>
+              <a:spcAft>
+                <a:spcPct val="0"/>
+              </a:spcAft>
+              <a:buChar char="•"/>
+              <a:defRPr kumimoji="1" sz="2000">
+                <a:solidFill>
+                  <a:schemeClr val="tx1"/>
+                </a:solidFill>
+                <a:latin typeface="+mn-lt"/>
+              </a:defRPr>
+            </a:lvl8pPr>
+            <a:lvl9pPr marL="3886200" indent="-228600" algn="l" rtl="0" eaLnBrk="0" fontAlgn="base" hangingPunct="0">
+              <a:spcBef>
+                <a:spcPct val="20000"/>
+              </a:spcBef>
+              <a:spcAft>
+                <a:spcPct val="0"/>
+              </a:spcAft>
+              <a:buChar char="•"/>
+              <a:defRPr kumimoji="1" sz="2000">
+                <a:solidFill>
+                  <a:schemeClr val="tx1"/>
+                </a:solidFill>
+                <a:latin typeface="+mn-lt"/>
+              </a:defRPr>
+            </a:lvl9pPr>
+          </a:lstStyle>
+          <a:p>
+            <a:pPr marL="0" indent="0">
+              <a:buNone/>
+            </a:pPr>
+            <a:r>
+              <a:rPr lang="en-US" sz="1400" kern="0" dirty="0">
+                <a:latin typeface="Courier New" panose="02070309020205020404" pitchFamily="49" charset="0"/>
+                <a:cs typeface="Courier New" panose="02070309020205020404" pitchFamily="49" charset="0"/>
+              </a:rPr>
+              <a:t>04:34:16 PM  CPU    </a:t>
+            </a:r>
+            <a:r>
+              <a:rPr lang="en-US" sz="1400" kern="0" dirty="0" err="1">
+                <a:latin typeface="Courier New" panose="02070309020205020404" pitchFamily="49" charset="0"/>
+                <a:cs typeface="Courier New" panose="02070309020205020404" pitchFamily="49" charset="0"/>
+              </a:rPr>
+              <a:t>intr</a:t>
+            </a:r>
+            <a:r>
+              <a:rPr lang="en-US" sz="1400" kern="0" dirty="0">
+                <a:latin typeface="Courier New" panose="02070309020205020404" pitchFamily="49" charset="0"/>
+                <a:cs typeface="Courier New" panose="02070309020205020404" pitchFamily="49" charset="0"/>
+              </a:rPr>
+              <a:t>/s</a:t>
+            </a:r>
+          </a:p>
+          <a:p>
+            <a:pPr marL="0" indent="0">
+              <a:buNone/>
+            </a:pPr>
+            <a:r>
+              <a:rPr lang="en-US" sz="1400" kern="0" dirty="0">
+                <a:latin typeface="Courier New" panose="02070309020205020404" pitchFamily="49" charset="0"/>
+                <a:cs typeface="Courier New" panose="02070309020205020404" pitchFamily="49" charset="0"/>
+              </a:rPr>
+              <a:t>04:34:21 PM  all     54.60</a:t>
+            </a:r>
+          </a:p>
+          <a:p>
+            <a:pPr marL="0" indent="0">
+              <a:buNone/>
+            </a:pPr>
+            <a:r>
+              <a:rPr lang="en-US" sz="1400" kern="0" dirty="0">
+                <a:latin typeface="Courier New" panose="02070309020205020404" pitchFamily="49" charset="0"/>
+                <a:cs typeface="Courier New" panose="02070309020205020404" pitchFamily="49" charset="0"/>
+              </a:rPr>
+              <a:t>04:34:21 PM    0     17.60</a:t>
+            </a:r>
+          </a:p>
+          <a:p>
+            <a:pPr marL="0" indent="0">
+              <a:buNone/>
+            </a:pPr>
+            <a:r>
+              <a:rPr lang="en-US" sz="1400" kern="0" dirty="0">
+                <a:latin typeface="Courier New" panose="02070309020205020404" pitchFamily="49" charset="0"/>
+                <a:cs typeface="Courier New" panose="02070309020205020404" pitchFamily="49" charset="0"/>
+              </a:rPr>
+              <a:t>04:34:21 PM    1      6.80</a:t>
+            </a:r>
+          </a:p>
+          <a:p>
+            <a:pPr marL="0" indent="0">
+              <a:buNone/>
+            </a:pPr>
+            <a:r>
+              <a:rPr lang="en-US" sz="1400" kern="0" dirty="0">
+                <a:latin typeface="Courier New" panose="02070309020205020404" pitchFamily="49" charset="0"/>
+                <a:cs typeface="Courier New" panose="02070309020205020404" pitchFamily="49" charset="0"/>
+              </a:rPr>
+              <a:t>04:34:21 PM    2      1.80</a:t>
+            </a:r>
+          </a:p>
+          <a:p>
+            <a:pPr marL="0" indent="0">
+              <a:buNone/>
+            </a:pPr>
+            <a:r>
+              <a:rPr lang="en-US" sz="1400" kern="0" dirty="0">
+                <a:latin typeface="Courier New" panose="02070309020205020404" pitchFamily="49" charset="0"/>
+                <a:cs typeface="Courier New" panose="02070309020205020404" pitchFamily="49" charset="0"/>
+              </a:rPr>
+              <a:t>04:34:21 PM    3     11.40</a:t>
+            </a:r>
+          </a:p>
+          <a:p>
+            <a:pPr marL="0" indent="0">
+              <a:buNone/>
+            </a:pPr>
+            <a:r>
+              <a:rPr lang="en-US" sz="1400" kern="0" dirty="0">
+                <a:latin typeface="Courier New" panose="02070309020205020404" pitchFamily="49" charset="0"/>
+                <a:cs typeface="Courier New" panose="02070309020205020404" pitchFamily="49" charset="0"/>
+              </a:rPr>
+              <a:t>04:34:21 PM    4     10.80</a:t>
+            </a:r>
+          </a:p>
+          <a:p>
+            <a:pPr marL="0" indent="0">
+              <a:buNone/>
+            </a:pPr>
+            <a:r>
+              <a:rPr lang="en-US" sz="1400" kern="0" dirty="0">
+                <a:latin typeface="Courier New" panose="02070309020205020404" pitchFamily="49" charset="0"/>
+                <a:cs typeface="Courier New" panose="02070309020205020404" pitchFamily="49" charset="0"/>
+              </a:rPr>
+              <a:t>04:34:21 PM    5      3.00</a:t>
+            </a:r>
+          </a:p>
+          <a:p>
+            <a:pPr marL="0" indent="0">
+              <a:buNone/>
+            </a:pPr>
+            <a:r>
+              <a:rPr lang="en-US" sz="1400" kern="0" dirty="0">
+                <a:latin typeface="Courier New" panose="02070309020205020404" pitchFamily="49" charset="0"/>
+                <a:cs typeface="Courier New" panose="02070309020205020404" pitchFamily="49" charset="0"/>
+              </a:rPr>
+              <a:t>04:34:21 PM    6     14.80</a:t>
+            </a:r>
+          </a:p>
+          <a:p>
+            <a:pPr marL="0" indent="0">
+              <a:buNone/>
+            </a:pPr>
+            <a:r>
+              <a:rPr lang="en-US" sz="1400" kern="0" dirty="0">
+                <a:latin typeface="Courier New" panose="02070309020205020404" pitchFamily="49" charset="0"/>
+                <a:cs typeface="Courier New" panose="02070309020205020404" pitchFamily="49" charset="0"/>
+              </a:rPr>
+              <a:t>04:34:21 PM    7     15.80</a:t>
+            </a:r>
+            <a:br>
+              <a:rPr lang="en-US" sz="1400" kern="0" dirty="0">
+                <a:latin typeface="Courier New" panose="02070309020205020404" pitchFamily="49" charset="0"/>
+                <a:cs typeface="Courier New" panose="02070309020205020404" pitchFamily="49" charset="0"/>
+              </a:rPr>
+            </a:br>
+            <a:endParaRPr lang="en-US" sz="1400" kern="0" dirty="0">
+              <a:latin typeface="Courier New" panose="02070309020205020404" pitchFamily="49" charset="0"/>
+              <a:cs typeface="Courier New" panose="02070309020205020404" pitchFamily="49" charset="0"/>
+            </a:endParaRPr>
+          </a:p>
+          <a:p>
+            <a:pPr marL="0" indent="0">
+              <a:buNone/>
+            </a:pPr>
+            <a:r>
+              <a:rPr lang="en-US" sz="1400" kern="0" dirty="0">
+                <a:latin typeface="Courier New" panose="02070309020205020404" pitchFamily="49" charset="0"/>
+                <a:cs typeface="Courier New" panose="02070309020205020404" pitchFamily="49" charset="0"/>
+              </a:rPr>
+              <a:t>04:34:21 PM  CPU    </a:t>
+            </a:r>
+            <a:r>
+              <a:rPr lang="en-US" sz="1400" kern="0" dirty="0" err="1">
+                <a:latin typeface="Courier New" panose="02070309020205020404" pitchFamily="49" charset="0"/>
+                <a:cs typeface="Courier New" panose="02070309020205020404" pitchFamily="49" charset="0"/>
+              </a:rPr>
+              <a:t>intr</a:t>
+            </a:r>
+            <a:r>
+              <a:rPr lang="en-US" sz="1400" kern="0" dirty="0">
+                <a:latin typeface="Courier New" panose="02070309020205020404" pitchFamily="49" charset="0"/>
+                <a:cs typeface="Courier New" panose="02070309020205020404" pitchFamily="49" charset="0"/>
+              </a:rPr>
+              <a:t>/s</a:t>
+            </a:r>
+          </a:p>
+          <a:p>
+            <a:pPr marL="0" indent="0">
+              <a:buNone/>
+            </a:pPr>
+            <a:r>
+              <a:rPr lang="en-US" sz="1400" kern="0" dirty="0">
+                <a:latin typeface="Courier New" panose="02070309020205020404" pitchFamily="49" charset="0"/>
+                <a:cs typeface="Courier New" panose="02070309020205020404" pitchFamily="49" charset="0"/>
+              </a:rPr>
+              <a:t>04:34:26 PM  all     27.60</a:t>
+            </a:r>
+          </a:p>
+          <a:p>
+            <a:pPr marL="0" indent="0">
+              <a:buNone/>
+            </a:pPr>
+            <a:r>
+              <a:rPr lang="en-US" sz="1400" kern="0" dirty="0">
+                <a:latin typeface="Courier New" panose="02070309020205020404" pitchFamily="49" charset="0"/>
+                <a:cs typeface="Courier New" panose="02070309020205020404" pitchFamily="49" charset="0"/>
+              </a:rPr>
+              <a:t>04:34:26 PM    0     11.20</a:t>
+            </a:r>
+          </a:p>
+          <a:p>
+            <a:pPr marL="0" indent="0">
+              <a:buNone/>
+            </a:pPr>
+            <a:r>
+              <a:rPr lang="en-US" sz="1400" kern="0" dirty="0">
+                <a:latin typeface="Courier New" panose="02070309020205020404" pitchFamily="49" charset="0"/>
+                <a:cs typeface="Courier New" panose="02070309020205020404" pitchFamily="49" charset="0"/>
+              </a:rPr>
+              <a:t>04:34:26 PM    1      6.20</a:t>
+            </a:r>
+          </a:p>
+          <a:p>
+            <a:pPr marL="0" indent="0">
+              <a:buNone/>
+            </a:pPr>
+            <a:r>
+              <a:rPr lang="en-US" sz="1400" kern="0" dirty="0">
+                <a:latin typeface="Courier New" panose="02070309020205020404" pitchFamily="49" charset="0"/>
+                <a:cs typeface="Courier New" panose="02070309020205020404" pitchFamily="49" charset="0"/>
+              </a:rPr>
+              <a:t>04:34:26 PM    2      1.20</a:t>
+            </a:r>
+          </a:p>
+          <a:p>
+            <a:pPr marL="0" indent="0">
+              <a:buNone/>
+            </a:pPr>
+            <a:r>
+              <a:rPr lang="en-US" sz="1400" kern="0" dirty="0">
+                <a:latin typeface="Courier New" panose="02070309020205020404" pitchFamily="49" charset="0"/>
+                <a:cs typeface="Courier New" panose="02070309020205020404" pitchFamily="49" charset="0"/>
+              </a:rPr>
+              <a:t>04:34:26 PM    3      2.20</a:t>
+            </a:r>
+          </a:p>
+          <a:p>
+            <a:pPr marL="0" indent="0">
+              <a:buNone/>
+            </a:pPr>
+            <a:r>
+              <a:rPr lang="en-US" sz="1400" kern="0" dirty="0">
+                <a:latin typeface="Courier New" panose="02070309020205020404" pitchFamily="49" charset="0"/>
+                <a:cs typeface="Courier New" panose="02070309020205020404" pitchFamily="49" charset="0"/>
+              </a:rPr>
+              <a:t>04:34:26 PM    4      5.20</a:t>
+            </a:r>
+          </a:p>
+          <a:p>
+            <a:pPr marL="0" indent="0">
+              <a:buNone/>
+            </a:pPr>
+            <a:r>
+              <a:rPr lang="en-US" sz="1400" kern="0" dirty="0">
+                <a:latin typeface="Courier New" panose="02070309020205020404" pitchFamily="49" charset="0"/>
+                <a:cs typeface="Courier New" panose="02070309020205020404" pitchFamily="49" charset="0"/>
+              </a:rPr>
+              <a:t>04:34:26 PM    5      1.80</a:t>
+            </a:r>
+          </a:p>
+          <a:p>
+            <a:pPr marL="0" indent="0">
+              <a:buNone/>
+            </a:pPr>
+            <a:r>
+              <a:rPr lang="en-US" sz="1400" kern="0" dirty="0">
+                <a:latin typeface="Courier New" panose="02070309020205020404" pitchFamily="49" charset="0"/>
+                <a:cs typeface="Courier New" panose="02070309020205020404" pitchFamily="49" charset="0"/>
+              </a:rPr>
+              <a:t>04:34:26 PM    6      6.40</a:t>
+            </a:r>
+          </a:p>
+          <a:p>
+            <a:pPr marL="0" indent="0">
+              <a:buNone/>
+            </a:pPr>
+            <a:r>
+              <a:rPr lang="en-US" sz="1400" kern="0" dirty="0">
+                <a:latin typeface="Courier New" panose="02070309020205020404" pitchFamily="49" charset="0"/>
+                <a:cs typeface="Courier New" panose="02070309020205020404" pitchFamily="49" charset="0"/>
+              </a:rPr>
+              <a:t>04:34:26 PM    7      8.00</a:t>
+            </a:r>
+          </a:p>
+          <a:p>
+            <a:pPr marL="0" indent="0">
+              <a:buNone/>
+            </a:pPr>
+            <a:br>
+              <a:rPr lang="en-US" sz="1600" kern="0" dirty="0">
+                <a:latin typeface="Courier New" panose="02070309020205020404" pitchFamily="49" charset="0"/>
+                <a:cs typeface="Courier New" panose="02070309020205020404" pitchFamily="49" charset="0"/>
+              </a:rPr>
+            </a:br>
+            <a:endParaRPr lang="en-US" sz="2000" kern="0" dirty="0">
+              <a:latin typeface="Arial" panose="020B0604020202020204" pitchFamily="34" charset="0"/>
+              <a:cs typeface="Arial" panose="020B0604020202020204" pitchFamily="34" charset="0"/>
+            </a:endParaRPr>
+          </a:p>
+        </p:txBody>
+      </p:sp>
+    </p:spTree>
+    <p:extLst>
+      <p:ext uri="{BB962C8B-B14F-4D97-AF65-F5344CB8AC3E}">
+        <p14:creationId xmlns:p14="http://schemas.microsoft.com/office/powerpoint/2010/main" val="1831878587"/>
+      </p:ext>
+    </p:extLst>
+  </p:cSld>
+  <p:clrMapOvr>
+    <a:masterClrMapping/>
+  </p:clrMapOvr>
+  <p:transition/>
+</p:sld>
+</file>
+
+<file path=ppt/slides/slide53.xml><?xml version="1.0" encoding="utf-8"?>
+<p:sld xmlns:a="http://schemas.openxmlformats.org/drawingml/2006/main" xmlns:r="http://schemas.openxmlformats.org/officeDocument/2006/relationships" xmlns:p="http://schemas.openxmlformats.org/presentationml/2006/main">
+  <p:cSld>
+    <p:spTree>
+      <p:nvGrpSpPr>
+        <p:cNvPr id="1" name=""/>
+        <p:cNvGrpSpPr/>
+        <p:nvPr/>
+      </p:nvGrpSpPr>
+      <p:grpSpPr>
+        <a:xfrm>
+          <a:off x="0" y="0"/>
+          <a:ext cx="0" cy="0"/>
+          <a:chOff x="0" y="0"/>
+          <a:chExt cx="0" cy="0"/>
+        </a:xfrm>
+      </p:grpSpPr>
+      <p:sp>
+        <p:nvSpPr>
+          <p:cNvPr id="23556" name="Rectangle 2"/>
+          <p:cNvSpPr>
+            <a:spLocks noGrp="1" noChangeArrowheads="1"/>
+          </p:cNvSpPr>
+          <p:nvPr>
+            <p:ph type="title"/>
+          </p:nvPr>
+        </p:nvSpPr>
+        <p:spPr>
+          <a:xfrm>
+            <a:off x="682752" y="1"/>
+            <a:ext cx="7772400" cy="685798"/>
+          </a:xfrm>
+        </p:spPr>
+        <p:txBody>
+          <a:bodyPr/>
+          <a:lstStyle/>
+          <a:p>
+            <a:r>
+              <a:rPr lang="en-US" sz="3600" dirty="0"/>
+              <a:t>Interrupt data, 2</a:t>
+            </a:r>
+          </a:p>
+        </p:txBody>
+      </p:sp>
+      <p:sp>
+        <p:nvSpPr>
+          <p:cNvPr id="23557" name="Rectangle 3"/>
+          <p:cNvSpPr>
+            <a:spLocks noGrp="1" noChangeArrowheads="1"/>
+          </p:cNvSpPr>
+          <p:nvPr>
+            <p:ph type="body" idx="1"/>
+          </p:nvPr>
+        </p:nvSpPr>
+        <p:spPr>
+          <a:xfrm>
+            <a:off x="304800" y="1048518"/>
+            <a:ext cx="3429000" cy="4056882"/>
+          </a:xfrm>
+        </p:spPr>
+        <p:txBody>
+          <a:bodyPr/>
+          <a:lstStyle/>
+          <a:p>
+            <a:pPr marL="0" indent="0">
+              <a:buNone/>
+            </a:pPr>
+            <a:r>
+              <a:rPr lang="en-US" sz="1400" dirty="0">
+                <a:latin typeface="Courier New" panose="02070309020205020404" pitchFamily="49" charset="0"/>
+                <a:cs typeface="Courier New" panose="02070309020205020404" pitchFamily="49" charset="0"/>
+              </a:rPr>
+              <a:t>04:34:26 PM  CPU    </a:t>
+            </a:r>
+            <a:r>
+              <a:rPr lang="en-US" sz="1400" dirty="0" err="1">
+                <a:latin typeface="Courier New" panose="02070309020205020404" pitchFamily="49" charset="0"/>
+                <a:cs typeface="Courier New" panose="02070309020205020404" pitchFamily="49" charset="0"/>
+              </a:rPr>
+              <a:t>intr</a:t>
+            </a:r>
+            <a:r>
+              <a:rPr lang="en-US" sz="1400" dirty="0">
+                <a:latin typeface="Courier New" panose="02070309020205020404" pitchFamily="49" charset="0"/>
+                <a:cs typeface="Courier New" panose="02070309020205020404" pitchFamily="49" charset="0"/>
+              </a:rPr>
+              <a:t>/s</a:t>
+            </a:r>
+          </a:p>
+          <a:p>
+            <a:pPr marL="0" indent="0">
+              <a:buNone/>
+            </a:pPr>
+            <a:r>
+              <a:rPr lang="en-US" sz="1400" dirty="0">
+                <a:latin typeface="Courier New" panose="02070309020205020404" pitchFamily="49" charset="0"/>
+                <a:cs typeface="Courier New" panose="02070309020205020404" pitchFamily="49" charset="0"/>
+              </a:rPr>
+              <a:t>04:34:31 PM  all     25.20</a:t>
+            </a:r>
+          </a:p>
+          <a:p>
+            <a:pPr marL="0" indent="0">
+              <a:buNone/>
+            </a:pPr>
+            <a:r>
+              <a:rPr lang="en-US" sz="1400" dirty="0">
+                <a:latin typeface="Courier New" panose="02070309020205020404" pitchFamily="49" charset="0"/>
+                <a:cs typeface="Courier New" panose="02070309020205020404" pitchFamily="49" charset="0"/>
+              </a:rPr>
+              <a:t>04:34:31 PM    0      7.60</a:t>
+            </a:r>
+          </a:p>
+          <a:p>
+            <a:pPr marL="0" indent="0">
+              <a:buNone/>
+            </a:pPr>
+            <a:r>
+              <a:rPr lang="en-US" sz="1400" dirty="0">
+                <a:latin typeface="Courier New" panose="02070309020205020404" pitchFamily="49" charset="0"/>
+                <a:cs typeface="Courier New" panose="02070309020205020404" pitchFamily="49" charset="0"/>
+              </a:rPr>
+              <a:t>04:34:31 PM    1      4.00</a:t>
+            </a:r>
+          </a:p>
+          <a:p>
+            <a:pPr marL="0" indent="0">
+              <a:buNone/>
+            </a:pPr>
+            <a:r>
+              <a:rPr lang="en-US" sz="1400" dirty="0">
+                <a:latin typeface="Courier New" panose="02070309020205020404" pitchFamily="49" charset="0"/>
+                <a:cs typeface="Courier New" panose="02070309020205020404" pitchFamily="49" charset="0"/>
+              </a:rPr>
+              <a:t>04:34:31 PM    2      0.80</a:t>
+            </a:r>
+          </a:p>
+          <a:p>
+            <a:pPr marL="0" indent="0">
+              <a:buNone/>
+            </a:pPr>
+            <a:r>
+              <a:rPr lang="en-US" sz="1400" dirty="0">
+                <a:latin typeface="Courier New" panose="02070309020205020404" pitchFamily="49" charset="0"/>
+                <a:cs typeface="Courier New" panose="02070309020205020404" pitchFamily="49" charset="0"/>
+              </a:rPr>
+              <a:t>04:34:31 PM    3      2.20</a:t>
+            </a:r>
+          </a:p>
+          <a:p>
+            <a:pPr marL="0" indent="0">
+              <a:buNone/>
+            </a:pPr>
+            <a:r>
+              <a:rPr lang="en-US" sz="1400" dirty="0">
+                <a:latin typeface="Courier New" panose="02070309020205020404" pitchFamily="49" charset="0"/>
+                <a:cs typeface="Courier New" panose="02070309020205020404" pitchFamily="49" charset="0"/>
+              </a:rPr>
+              <a:t>04:34:31 PM    4      7.00</a:t>
+            </a:r>
+          </a:p>
+          <a:p>
+            <a:pPr marL="0" indent="0">
+              <a:buNone/>
+            </a:pPr>
+            <a:r>
+              <a:rPr lang="en-US" sz="1400" dirty="0">
+                <a:latin typeface="Courier New" panose="02070309020205020404" pitchFamily="49" charset="0"/>
+                <a:cs typeface="Courier New" panose="02070309020205020404" pitchFamily="49" charset="0"/>
+              </a:rPr>
+              <a:t>04:34:31 PM    5      3.00</a:t>
+            </a:r>
+          </a:p>
+          <a:p>
+            <a:pPr marL="0" indent="0">
+              <a:buNone/>
+            </a:pPr>
+            <a:r>
+              <a:rPr lang="en-US" sz="1400" dirty="0">
+                <a:latin typeface="Courier New" panose="02070309020205020404" pitchFamily="49" charset="0"/>
+                <a:cs typeface="Courier New" panose="02070309020205020404" pitchFamily="49" charset="0"/>
+              </a:rPr>
+              <a:t>04:34:31 PM    6      4.40</a:t>
+            </a:r>
+          </a:p>
+          <a:p>
+            <a:pPr marL="0" indent="0">
+              <a:buNone/>
+            </a:pPr>
+            <a:r>
+              <a:rPr lang="en-US" sz="1400" dirty="0">
+                <a:latin typeface="Courier New" panose="02070309020205020404" pitchFamily="49" charset="0"/>
+                <a:cs typeface="Courier New" panose="02070309020205020404" pitchFamily="49" charset="0"/>
+              </a:rPr>
+              <a:t>04:34:31 PM    7      6.80</a:t>
+            </a:r>
+          </a:p>
+          <a:p>
+            <a:pPr marL="0" indent="0">
+              <a:buNone/>
+            </a:pPr>
+            <a:endParaRPr lang="en-US" sz="1400" dirty="0">
+              <a:latin typeface="Courier New" panose="02070309020205020404" pitchFamily="49" charset="0"/>
+              <a:cs typeface="Courier New" panose="02070309020205020404" pitchFamily="49" charset="0"/>
+            </a:endParaRPr>
+          </a:p>
+          <a:p>
+            <a:pPr marL="0" indent="0">
+              <a:buNone/>
+            </a:pPr>
+            <a:r>
+              <a:rPr lang="en-US" sz="1400" dirty="0">
+                <a:latin typeface="Courier New" panose="02070309020205020404" pitchFamily="49" charset="0"/>
+                <a:cs typeface="Courier New" panose="02070309020205020404" pitchFamily="49" charset="0"/>
+              </a:rPr>
+              <a:t>04:34:31 PM  CPU    </a:t>
+            </a:r>
+            <a:r>
+              <a:rPr lang="en-US" sz="1400" dirty="0" err="1">
+                <a:latin typeface="Courier New" panose="02070309020205020404" pitchFamily="49" charset="0"/>
+                <a:cs typeface="Courier New" panose="02070309020205020404" pitchFamily="49" charset="0"/>
+              </a:rPr>
+              <a:t>intr</a:t>
+            </a:r>
+            <a:r>
+              <a:rPr lang="en-US" sz="1400" dirty="0">
+                <a:latin typeface="Courier New" panose="02070309020205020404" pitchFamily="49" charset="0"/>
+                <a:cs typeface="Courier New" panose="02070309020205020404" pitchFamily="49" charset="0"/>
+              </a:rPr>
+              <a:t>/s</a:t>
+            </a:r>
+          </a:p>
+          <a:p>
+            <a:pPr marL="0" indent="0">
+              <a:buNone/>
+            </a:pPr>
+            <a:r>
+              <a:rPr lang="en-US" sz="1400" dirty="0">
+                <a:latin typeface="Courier New" panose="02070309020205020404" pitchFamily="49" charset="0"/>
+                <a:cs typeface="Courier New" panose="02070309020205020404" pitchFamily="49" charset="0"/>
+              </a:rPr>
+              <a:t>04:34:36 PM  all     33.60</a:t>
+            </a:r>
+          </a:p>
+          <a:p>
+            <a:pPr marL="0" indent="0">
+              <a:buNone/>
+            </a:pPr>
+            <a:r>
+              <a:rPr lang="en-US" sz="1400" dirty="0">
+                <a:latin typeface="Courier New" panose="02070309020205020404" pitchFamily="49" charset="0"/>
+                <a:cs typeface="Courier New" panose="02070309020205020404" pitchFamily="49" charset="0"/>
+              </a:rPr>
+              <a:t>04:34:36 PM    0     11.40</a:t>
+            </a:r>
+          </a:p>
+          <a:p>
+            <a:pPr marL="0" indent="0">
+              <a:buNone/>
+            </a:pPr>
+            <a:r>
+              <a:rPr lang="en-US" sz="1400" dirty="0">
+                <a:latin typeface="Courier New" panose="02070309020205020404" pitchFamily="49" charset="0"/>
+                <a:cs typeface="Courier New" panose="02070309020205020404" pitchFamily="49" charset="0"/>
+              </a:rPr>
+              <a:t>04:34:36 PM    1      4.80</a:t>
+            </a:r>
+          </a:p>
+          <a:p>
+            <a:pPr marL="0" indent="0">
+              <a:buNone/>
+            </a:pPr>
+            <a:r>
+              <a:rPr lang="en-US" sz="1400" dirty="0">
+                <a:latin typeface="Courier New" panose="02070309020205020404" pitchFamily="49" charset="0"/>
+                <a:cs typeface="Courier New" panose="02070309020205020404" pitchFamily="49" charset="0"/>
+              </a:rPr>
+              <a:t>04:34:36 PM    2      1.80</a:t>
+            </a:r>
+          </a:p>
+          <a:p>
+            <a:pPr marL="0" indent="0">
+              <a:buNone/>
+            </a:pPr>
+            <a:r>
+              <a:rPr lang="en-US" sz="1400" dirty="0">
+                <a:latin typeface="Courier New" panose="02070309020205020404" pitchFamily="49" charset="0"/>
+                <a:cs typeface="Courier New" panose="02070309020205020404" pitchFamily="49" charset="0"/>
+              </a:rPr>
+              <a:t>04:34:36 PM    3      1.00</a:t>
+            </a:r>
+          </a:p>
+          <a:p>
+            <a:pPr marL="0" indent="0">
+              <a:buNone/>
+            </a:pPr>
+            <a:r>
+              <a:rPr lang="en-US" sz="1400" dirty="0">
+                <a:latin typeface="Courier New" panose="02070309020205020404" pitchFamily="49" charset="0"/>
+                <a:cs typeface="Courier New" panose="02070309020205020404" pitchFamily="49" charset="0"/>
+              </a:rPr>
+              <a:t>04:34:36 PM    4      2.20</a:t>
+            </a:r>
+          </a:p>
+          <a:p>
+            <a:pPr marL="0" indent="0">
+              <a:buNone/>
+            </a:pPr>
+            <a:r>
+              <a:rPr lang="en-US" sz="1400" dirty="0">
+                <a:latin typeface="Courier New" panose="02070309020205020404" pitchFamily="49" charset="0"/>
+                <a:cs typeface="Courier New" panose="02070309020205020404" pitchFamily="49" charset="0"/>
+              </a:rPr>
+              <a:t>04:34:36 PM    5      2.20</a:t>
+            </a:r>
+          </a:p>
+          <a:p>
+            <a:pPr marL="0" indent="0">
+              <a:buNone/>
+            </a:pPr>
+            <a:r>
+              <a:rPr lang="en-US" sz="1400" dirty="0">
+                <a:latin typeface="Courier New" panose="02070309020205020404" pitchFamily="49" charset="0"/>
+                <a:cs typeface="Courier New" panose="02070309020205020404" pitchFamily="49" charset="0"/>
+              </a:rPr>
+              <a:t>04:34:36 PM    6      9.40</a:t>
+            </a:r>
+          </a:p>
+          <a:p>
+            <a:pPr marL="0" indent="0">
+              <a:buNone/>
+            </a:pPr>
+            <a:r>
+              <a:rPr lang="en-US" sz="1400" dirty="0">
+                <a:latin typeface="Courier New" panose="02070309020205020404" pitchFamily="49" charset="0"/>
+                <a:cs typeface="Courier New" panose="02070309020205020404" pitchFamily="49" charset="0"/>
+              </a:rPr>
+              <a:t>04:34:36 PM    7      6.60</a:t>
+            </a:r>
+          </a:p>
+        </p:txBody>
+      </p:sp>
+      <p:sp>
+        <p:nvSpPr>
+          <p:cNvPr id="8" name="Slide Number Placeholder 7"/>
+          <p:cNvSpPr>
+            <a:spLocks noGrp="1"/>
+          </p:cNvSpPr>
+          <p:nvPr>
+            <p:ph type="sldNum" sz="quarter" idx="12"/>
+          </p:nvPr>
+        </p:nvSpPr>
+        <p:spPr/>
+        <p:txBody>
+          <a:bodyPr/>
+          <a:lstStyle/>
+          <a:p>
+            <a:pPr>
+              <a:defRPr/>
+            </a:pPr>
+            <a:fld id="{8E09DF16-9352-46A7-97F1-1D13A8547ADD}" type="slidenum">
+              <a:rPr lang="en-US" smtClean="0"/>
+              <a:pPr>
+                <a:defRPr/>
+              </a:pPr>
+              <a:t>53</a:t>
+            </a:fld>
+            <a:endParaRPr lang="en-US"/>
+          </a:p>
+        </p:txBody>
+      </p:sp>
+      <p:sp>
+        <p:nvSpPr>
+          <p:cNvPr id="2" name="Rectangle 2">
+            <a:extLst>
+              <a:ext uri="{FF2B5EF4-FFF2-40B4-BE49-F238E27FC236}">
+                <a16:creationId xmlns:a16="http://schemas.microsoft.com/office/drawing/2014/main" id="{C0D3418F-80B0-844C-8418-6CC7A95790AB}"/>
+              </a:ext>
+            </a:extLst>
+          </p:cNvPr>
+          <p:cNvSpPr>
+            <a:spLocks noChangeArrowheads="1"/>
+          </p:cNvSpPr>
+          <p:nvPr/>
+        </p:nvSpPr>
+        <p:spPr bwMode="auto">
+          <a:xfrm>
+            <a:off x="0" y="0"/>
+            <a:ext cx="9144000" cy="0"/>
+          </a:xfrm>
+          <a:prstGeom prst="rect">
+            <a:avLst/>
+          </a:prstGeom>
+          <a:noFill/>
+          <a:ln>
+            <a:noFill/>
+          </a:ln>
+          <a:effectLst/>
+          <a:extLst>
+            <a:ext uri="{909E8E84-426E-40DD-AFC4-6F175D3DCCD1}">
+              <a14:hiddenFill xmlns:a14="http://schemas.microsoft.com/office/drawing/2010/main">
+                <a:solidFill>
+                  <a:schemeClr val="accent1"/>
+                </a:solidFill>
+              </a14:hiddenFill>
+            </a:ext>
+            <a:ext uri="{91240B29-F687-4F45-9708-019B960494DF}">
+              <a14:hiddenLine xmlns:a14="http://schemas.microsoft.com/office/drawing/2010/main" w="9525">
+                <a:solidFill>
+                  <a:schemeClr val="tx1"/>
+                </a:solidFill>
+                <a:miter lim="800000"/>
+                <a:headEnd/>
+                <a:tailEnd/>
+              </a14:hiddenLine>
+            </a:ext>
+            <a:ext uri="{AF507438-7753-43E0-B8FC-AC1667EBCBE1}">
+              <a14:hiddenEffects xmlns:a14="http://schemas.microsoft.com/office/drawing/2010/main">
+                <a:effectLst>
+                  <a:outerShdw dist="35921" dir="2700000" algn="ctr" rotWithShape="0">
+                    <a:schemeClr val="bg2"/>
+                  </a:outerShdw>
+                </a:effectLst>
+              </a14:hiddenEffects>
+            </a:ext>
+          </a:extLst>
+        </p:spPr>
+        <p:txBody>
+          <a:bodyPr vert="horz" wrap="none" lIns="91440" tIns="45720" rIns="91440" bIns="45720" numCol="1" anchor="ctr" anchorCtr="0" compatLnSpc="1">
+            <a:prstTxWarp prst="textNoShape">
+              <a:avLst/>
+            </a:prstTxWarp>
+            <a:spAutoFit/>
+          </a:bodyPr>
+          <a:lstStyle/>
+          <a:p>
+            <a:endParaRPr lang="en-US"/>
+          </a:p>
+        </p:txBody>
+      </p:sp>
+      <p:sp>
+        <p:nvSpPr>
+          <p:cNvPr id="7" name="Rectangle 3">
+            <a:extLst>
+              <a:ext uri="{FF2B5EF4-FFF2-40B4-BE49-F238E27FC236}">
+                <a16:creationId xmlns:a16="http://schemas.microsoft.com/office/drawing/2014/main" id="{DB392FB8-8CCA-5744-B85E-35FF77A09558}"/>
+              </a:ext>
+            </a:extLst>
+          </p:cNvPr>
+          <p:cNvSpPr txBox="1">
+            <a:spLocks noChangeArrowheads="1"/>
+          </p:cNvSpPr>
+          <p:nvPr/>
+        </p:nvSpPr>
+        <p:spPr bwMode="auto">
+          <a:xfrm>
+            <a:off x="4267200" y="1066800"/>
+            <a:ext cx="3962400" cy="5181600"/>
+          </a:xfrm>
+          <a:prstGeom prst="rect">
+            <a:avLst/>
+          </a:prstGeom>
+          <a:noFill/>
+          <a:ln w="9525">
+            <a:noFill/>
+            <a:miter lim="800000"/>
+            <a:headEnd/>
+            <a:tailEnd/>
+          </a:ln>
+        </p:spPr>
+        <p:txBody>
+          <a:bodyPr vert="horz" wrap="square" lIns="92075" tIns="46038" rIns="92075" bIns="46038" numCol="1" anchor="t" anchorCtr="0" compatLnSpc="1">
+            <a:prstTxWarp prst="textNoShape">
+              <a:avLst/>
+            </a:prstTxWarp>
+          </a:bodyPr>
+          <a:lstStyle>
+            <a:lvl1pPr marL="342900" indent="-342900" algn="l" rtl="0" eaLnBrk="0" fontAlgn="base" hangingPunct="0">
+              <a:spcBef>
+                <a:spcPct val="20000"/>
+              </a:spcBef>
+              <a:spcAft>
+                <a:spcPct val="0"/>
+              </a:spcAft>
+              <a:buChar char="•"/>
+              <a:defRPr kumimoji="1" sz="3200">
+                <a:solidFill>
+                  <a:schemeClr val="tx1"/>
+                </a:solidFill>
+                <a:latin typeface="+mn-lt"/>
+                <a:ea typeface="+mn-ea"/>
+                <a:cs typeface="+mn-cs"/>
+              </a:defRPr>
+            </a:lvl1pPr>
+            <a:lvl2pPr marL="742950" indent="-285750" algn="l" rtl="0" eaLnBrk="0" fontAlgn="base" hangingPunct="0">
+              <a:spcBef>
+                <a:spcPct val="20000"/>
+              </a:spcBef>
+              <a:spcAft>
+                <a:spcPct val="0"/>
+              </a:spcAft>
+              <a:buChar char="–"/>
+              <a:defRPr kumimoji="1" sz="2800">
+                <a:solidFill>
+                  <a:schemeClr val="tx1"/>
+                </a:solidFill>
+                <a:latin typeface="+mn-lt"/>
+              </a:defRPr>
+            </a:lvl2pPr>
+            <a:lvl3pPr marL="1143000" indent="-228600" algn="l" rtl="0" eaLnBrk="0" fontAlgn="base" hangingPunct="0">
+              <a:spcBef>
+                <a:spcPct val="20000"/>
+              </a:spcBef>
+              <a:spcAft>
+                <a:spcPct val="0"/>
+              </a:spcAft>
+              <a:buChar char="•"/>
+              <a:defRPr kumimoji="1" sz="2400">
+                <a:solidFill>
+                  <a:schemeClr val="tx1"/>
+                </a:solidFill>
+                <a:latin typeface="+mn-lt"/>
+              </a:defRPr>
+            </a:lvl3pPr>
+            <a:lvl4pPr marL="1600200" indent="-228600" algn="l" rtl="0" eaLnBrk="0" fontAlgn="base" hangingPunct="0">
+              <a:spcBef>
+                <a:spcPct val="20000"/>
+              </a:spcBef>
+              <a:spcAft>
+                <a:spcPct val="0"/>
+              </a:spcAft>
+              <a:buChar char="–"/>
+              <a:defRPr kumimoji="1" sz="2000">
+                <a:solidFill>
+                  <a:schemeClr val="tx1"/>
+                </a:solidFill>
+                <a:latin typeface="+mn-lt"/>
+              </a:defRPr>
+            </a:lvl4pPr>
+            <a:lvl5pPr marL="2057400" indent="-228600" algn="l" rtl="0" eaLnBrk="0" fontAlgn="base" hangingPunct="0">
+              <a:spcBef>
+                <a:spcPct val="20000"/>
+              </a:spcBef>
+              <a:spcAft>
+                <a:spcPct val="0"/>
+              </a:spcAft>
+              <a:buChar char="•"/>
+              <a:defRPr kumimoji="1" sz="2000">
+                <a:solidFill>
+                  <a:schemeClr val="tx1"/>
+                </a:solidFill>
+                <a:latin typeface="+mn-lt"/>
+              </a:defRPr>
+            </a:lvl5pPr>
+            <a:lvl6pPr marL="2514600" indent="-228600" algn="l" rtl="0" eaLnBrk="0" fontAlgn="base" hangingPunct="0">
+              <a:spcBef>
+                <a:spcPct val="20000"/>
+              </a:spcBef>
+              <a:spcAft>
+                <a:spcPct val="0"/>
+              </a:spcAft>
+              <a:buChar char="•"/>
+              <a:defRPr kumimoji="1" sz="2000">
+                <a:solidFill>
+                  <a:schemeClr val="tx1"/>
+                </a:solidFill>
+                <a:latin typeface="+mn-lt"/>
+              </a:defRPr>
+            </a:lvl6pPr>
+            <a:lvl7pPr marL="2971800" indent="-228600" algn="l" rtl="0" eaLnBrk="0" fontAlgn="base" hangingPunct="0">
+              <a:spcBef>
+                <a:spcPct val="20000"/>
+              </a:spcBef>
+              <a:spcAft>
+                <a:spcPct val="0"/>
+              </a:spcAft>
+              <a:buChar char="•"/>
+              <a:defRPr kumimoji="1" sz="2000">
+                <a:solidFill>
+                  <a:schemeClr val="tx1"/>
+                </a:solidFill>
+                <a:latin typeface="+mn-lt"/>
+              </a:defRPr>
+            </a:lvl7pPr>
+            <a:lvl8pPr marL="3429000" indent="-228600" algn="l" rtl="0" eaLnBrk="0" fontAlgn="base" hangingPunct="0">
+              <a:spcBef>
+                <a:spcPct val="20000"/>
+              </a:spcBef>
+              <a:spcAft>
+                <a:spcPct val="0"/>
+              </a:spcAft>
+              <a:buChar char="•"/>
+              <a:defRPr kumimoji="1" sz="2000">
+                <a:solidFill>
+                  <a:schemeClr val="tx1"/>
+                </a:solidFill>
+                <a:latin typeface="+mn-lt"/>
+              </a:defRPr>
+            </a:lvl8pPr>
+            <a:lvl9pPr marL="3886200" indent="-228600" algn="l" rtl="0" eaLnBrk="0" fontAlgn="base" hangingPunct="0">
+              <a:spcBef>
+                <a:spcPct val="20000"/>
+              </a:spcBef>
+              <a:spcAft>
+                <a:spcPct val="0"/>
+              </a:spcAft>
+              <a:buChar char="•"/>
+              <a:defRPr kumimoji="1" sz="2000">
+                <a:solidFill>
+                  <a:schemeClr val="tx1"/>
+                </a:solidFill>
+                <a:latin typeface="+mn-lt"/>
+              </a:defRPr>
+            </a:lvl9pPr>
+          </a:lstStyle>
+          <a:p>
+            <a:pPr marL="0" indent="0">
+              <a:buNone/>
+            </a:pPr>
+            <a:r>
+              <a:rPr lang="en-US" sz="1400" kern="0" dirty="0">
+                <a:latin typeface="Courier New" panose="02070309020205020404" pitchFamily="49" charset="0"/>
+                <a:cs typeface="Courier New" panose="02070309020205020404" pitchFamily="49" charset="0"/>
+              </a:rPr>
+              <a:t>04:34:36 PM  CPU    </a:t>
+            </a:r>
+            <a:r>
+              <a:rPr lang="en-US" sz="1400" kern="0" dirty="0" err="1">
+                <a:latin typeface="Courier New" panose="02070309020205020404" pitchFamily="49" charset="0"/>
+                <a:cs typeface="Courier New" panose="02070309020205020404" pitchFamily="49" charset="0"/>
+              </a:rPr>
+              <a:t>intr</a:t>
+            </a:r>
+            <a:r>
+              <a:rPr lang="en-US" sz="1400" kern="0" dirty="0">
+                <a:latin typeface="Courier New" panose="02070309020205020404" pitchFamily="49" charset="0"/>
+                <a:cs typeface="Courier New" panose="02070309020205020404" pitchFamily="49" charset="0"/>
+              </a:rPr>
+              <a:t>/s</a:t>
+            </a:r>
+          </a:p>
+          <a:p>
+            <a:pPr marL="0" indent="0">
+              <a:buNone/>
+            </a:pPr>
+            <a:r>
+              <a:rPr lang="en-US" sz="1400" kern="0" dirty="0">
+                <a:latin typeface="Courier New" panose="02070309020205020404" pitchFamily="49" charset="0"/>
+                <a:cs typeface="Courier New" panose="02070309020205020404" pitchFamily="49" charset="0"/>
+              </a:rPr>
+              <a:t>04:34:41 PM  all    448.60</a:t>
+            </a:r>
+          </a:p>
+          <a:p>
+            <a:pPr marL="0" indent="0">
+              <a:buNone/>
+            </a:pPr>
+            <a:r>
+              <a:rPr lang="en-US" sz="1400" kern="0" dirty="0">
+                <a:latin typeface="Courier New" panose="02070309020205020404" pitchFamily="49" charset="0"/>
+                <a:cs typeface="Courier New" panose="02070309020205020404" pitchFamily="49" charset="0"/>
+              </a:rPr>
+              <a:t>04:34:41 PM    0     81.80</a:t>
+            </a:r>
+          </a:p>
+          <a:p>
+            <a:pPr marL="0" indent="0">
+              <a:buNone/>
+            </a:pPr>
+            <a:r>
+              <a:rPr lang="en-US" sz="1400" kern="0" dirty="0">
+                <a:latin typeface="Courier New" panose="02070309020205020404" pitchFamily="49" charset="0"/>
+                <a:cs typeface="Courier New" panose="02070309020205020404" pitchFamily="49" charset="0"/>
+              </a:rPr>
+              <a:t>04:34:41 PM    1     43.40</a:t>
+            </a:r>
+          </a:p>
+          <a:p>
+            <a:pPr marL="0" indent="0">
+              <a:buNone/>
+            </a:pPr>
+            <a:r>
+              <a:rPr lang="en-US" sz="1400" kern="0" dirty="0">
+                <a:latin typeface="Courier New" panose="02070309020205020404" pitchFamily="49" charset="0"/>
+                <a:cs typeface="Courier New" panose="02070309020205020404" pitchFamily="49" charset="0"/>
+              </a:rPr>
+              <a:t>04:34:41 PM    2      6.60</a:t>
+            </a:r>
+          </a:p>
+          <a:p>
+            <a:pPr marL="0" indent="0">
+              <a:buNone/>
+            </a:pPr>
+            <a:r>
+              <a:rPr lang="en-US" sz="1400" kern="0" dirty="0">
+                <a:latin typeface="Courier New" panose="02070309020205020404" pitchFamily="49" charset="0"/>
+                <a:cs typeface="Courier New" panose="02070309020205020404" pitchFamily="49" charset="0"/>
+              </a:rPr>
+              <a:t>04:34:41 PM    3     19.80</a:t>
+            </a:r>
+          </a:p>
+          <a:p>
+            <a:pPr marL="0" indent="0">
+              <a:buNone/>
+            </a:pPr>
+            <a:r>
+              <a:rPr lang="en-US" sz="1400" kern="0" dirty="0">
+                <a:latin typeface="Courier New" panose="02070309020205020404" pitchFamily="49" charset="0"/>
+                <a:cs typeface="Courier New" panose="02070309020205020404" pitchFamily="49" charset="0"/>
+              </a:rPr>
+              <a:t>04:34:41 PM    4     70.60</a:t>
+            </a:r>
+          </a:p>
+          <a:p>
+            <a:pPr marL="0" indent="0">
+              <a:buNone/>
+            </a:pPr>
+            <a:r>
+              <a:rPr lang="en-US" sz="1400" kern="0" dirty="0">
+                <a:latin typeface="Courier New" panose="02070309020205020404" pitchFamily="49" charset="0"/>
+                <a:cs typeface="Courier New" panose="02070309020205020404" pitchFamily="49" charset="0"/>
+              </a:rPr>
+              <a:t>04:34:41 PM    5     25.60</a:t>
+            </a:r>
+          </a:p>
+          <a:p>
+            <a:pPr marL="0" indent="0">
+              <a:buNone/>
+            </a:pPr>
+            <a:r>
+              <a:rPr lang="en-US" sz="1400" kern="0" dirty="0">
+                <a:latin typeface="Courier New" panose="02070309020205020404" pitchFamily="49" charset="0"/>
+                <a:cs typeface="Courier New" panose="02070309020205020404" pitchFamily="49" charset="0"/>
+              </a:rPr>
+              <a:t>04:34:41 PM    6    252.80</a:t>
+            </a:r>
+          </a:p>
+          <a:p>
+            <a:pPr marL="0" indent="0">
+              <a:buNone/>
+            </a:pPr>
+            <a:r>
+              <a:rPr lang="en-US" sz="1400" kern="0" dirty="0">
+                <a:latin typeface="Courier New" panose="02070309020205020404" pitchFamily="49" charset="0"/>
+                <a:cs typeface="Courier New" panose="02070309020205020404" pitchFamily="49" charset="0"/>
+              </a:rPr>
+              <a:t>04:34:41 PM    7     46.60</a:t>
+            </a:r>
+          </a:p>
+          <a:p>
+            <a:pPr marL="0" indent="0">
+              <a:buNone/>
+            </a:pPr>
+            <a:endParaRPr lang="en-US" sz="1400" kern="0" dirty="0">
+              <a:latin typeface="Courier New" panose="02070309020205020404" pitchFamily="49" charset="0"/>
+              <a:cs typeface="Courier New" panose="02070309020205020404" pitchFamily="49" charset="0"/>
+            </a:endParaRPr>
+          </a:p>
+          <a:p>
+            <a:pPr marL="0" indent="0">
+              <a:buNone/>
+            </a:pPr>
+            <a:r>
+              <a:rPr lang="en-US" sz="1400" kern="0" dirty="0">
+                <a:latin typeface="Courier New" panose="02070309020205020404" pitchFamily="49" charset="0"/>
+                <a:cs typeface="Courier New" panose="02070309020205020404" pitchFamily="49" charset="0"/>
+              </a:rPr>
+              <a:t>04:34:41 PM  CPU    </a:t>
+            </a:r>
+            <a:r>
+              <a:rPr lang="en-US" sz="1400" kern="0" dirty="0" err="1">
+                <a:latin typeface="Courier New" panose="02070309020205020404" pitchFamily="49" charset="0"/>
+                <a:cs typeface="Courier New" panose="02070309020205020404" pitchFamily="49" charset="0"/>
+              </a:rPr>
+              <a:t>intr</a:t>
+            </a:r>
+            <a:r>
+              <a:rPr lang="en-US" sz="1400" kern="0" dirty="0">
+                <a:latin typeface="Courier New" panose="02070309020205020404" pitchFamily="49" charset="0"/>
+                <a:cs typeface="Courier New" panose="02070309020205020404" pitchFamily="49" charset="0"/>
+              </a:rPr>
+              <a:t>/s</a:t>
+            </a:r>
+          </a:p>
+          <a:p>
+            <a:pPr marL="0" indent="0">
+              <a:buNone/>
+            </a:pPr>
+            <a:r>
+              <a:rPr lang="en-US" sz="1400" kern="0" dirty="0">
+                <a:latin typeface="Courier New" panose="02070309020205020404" pitchFamily="49" charset="0"/>
+                <a:cs typeface="Courier New" panose="02070309020205020404" pitchFamily="49" charset="0"/>
+              </a:rPr>
+              <a:t>04:34:46 PM  all    226.80</a:t>
+            </a:r>
+          </a:p>
+          <a:p>
+            <a:pPr marL="0" indent="0">
+              <a:buNone/>
+            </a:pPr>
+            <a:r>
+              <a:rPr lang="en-US" sz="1400" kern="0" dirty="0">
+                <a:latin typeface="Courier New" panose="02070309020205020404" pitchFamily="49" charset="0"/>
+                <a:cs typeface="Courier New" panose="02070309020205020404" pitchFamily="49" charset="0"/>
+              </a:rPr>
+              <a:t>04:34:46 PM    0     21.20</a:t>
+            </a:r>
+          </a:p>
+          <a:p>
+            <a:pPr marL="0" indent="0">
+              <a:buNone/>
+            </a:pPr>
+            <a:r>
+              <a:rPr lang="en-US" sz="1400" kern="0" dirty="0">
+                <a:latin typeface="Courier New" panose="02070309020205020404" pitchFamily="49" charset="0"/>
+                <a:cs typeface="Courier New" panose="02070309020205020404" pitchFamily="49" charset="0"/>
+              </a:rPr>
+              <a:t>04:34:46 PM    1     29.00</a:t>
+            </a:r>
+          </a:p>
+          <a:p>
+            <a:pPr marL="0" indent="0">
+              <a:buNone/>
+            </a:pPr>
+            <a:r>
+              <a:rPr lang="en-US" sz="1400" kern="0" dirty="0">
+                <a:latin typeface="Courier New" panose="02070309020205020404" pitchFamily="49" charset="0"/>
+                <a:cs typeface="Courier New" panose="02070309020205020404" pitchFamily="49" charset="0"/>
+              </a:rPr>
+              <a:t>04:34:46 PM    2      4.60</a:t>
+            </a:r>
+          </a:p>
+          <a:p>
+            <a:pPr marL="0" indent="0">
+              <a:buNone/>
+            </a:pPr>
+            <a:r>
+              <a:rPr lang="en-US" sz="1400" kern="0" dirty="0">
+                <a:latin typeface="Courier New" panose="02070309020205020404" pitchFamily="49" charset="0"/>
+                <a:cs typeface="Courier New" panose="02070309020205020404" pitchFamily="49" charset="0"/>
+              </a:rPr>
+              <a:t>04:34:46 PM    3     18.00</a:t>
+            </a:r>
+          </a:p>
+          <a:p>
+            <a:pPr marL="0" indent="0">
+              <a:buNone/>
+            </a:pPr>
+            <a:r>
+              <a:rPr lang="en-US" sz="1400" kern="0" dirty="0">
+                <a:latin typeface="Courier New" panose="02070309020205020404" pitchFamily="49" charset="0"/>
+                <a:cs typeface="Courier New" panose="02070309020205020404" pitchFamily="49" charset="0"/>
+              </a:rPr>
+              <a:t>04:34:46 PM    4     19.20</a:t>
+            </a:r>
+          </a:p>
+          <a:p>
+            <a:pPr marL="0" indent="0">
+              <a:buNone/>
+            </a:pPr>
+            <a:r>
+              <a:rPr lang="en-US" sz="1400" kern="0" dirty="0">
+                <a:latin typeface="Courier New" panose="02070309020205020404" pitchFamily="49" charset="0"/>
+                <a:cs typeface="Courier New" panose="02070309020205020404" pitchFamily="49" charset="0"/>
+              </a:rPr>
+              <a:t>04:34:46 PM    5     15.20</a:t>
+            </a:r>
+          </a:p>
+          <a:p>
+            <a:pPr marL="0" indent="0">
+              <a:buNone/>
+            </a:pPr>
+            <a:r>
+              <a:rPr lang="en-US" sz="1400" kern="0" dirty="0">
+                <a:latin typeface="Courier New" panose="02070309020205020404" pitchFamily="49" charset="0"/>
+                <a:cs typeface="Courier New" panose="02070309020205020404" pitchFamily="49" charset="0"/>
+              </a:rPr>
+              <a:t>04:34:46 PM    6    103.40</a:t>
+            </a:r>
+          </a:p>
+          <a:p>
+            <a:pPr marL="0" indent="0">
+              <a:buNone/>
+            </a:pPr>
+            <a:r>
+              <a:rPr lang="en-US" sz="1400" kern="0" dirty="0">
+                <a:latin typeface="Courier New" panose="02070309020205020404" pitchFamily="49" charset="0"/>
+                <a:cs typeface="Courier New" panose="02070309020205020404" pitchFamily="49" charset="0"/>
+              </a:rPr>
+              <a:t>04:34:46 PM    7     28.00</a:t>
+            </a:r>
+          </a:p>
+          <a:p>
+            <a:pPr marL="0" indent="0">
+              <a:buNone/>
+            </a:pPr>
+            <a:br>
+              <a:rPr lang="en-US" sz="1600" kern="0" dirty="0">
+                <a:latin typeface="Courier New" panose="02070309020205020404" pitchFamily="49" charset="0"/>
+                <a:cs typeface="Courier New" panose="02070309020205020404" pitchFamily="49" charset="0"/>
+              </a:rPr>
+            </a:br>
+            <a:endParaRPr lang="en-US" sz="2000" kern="0" dirty="0">
+              <a:latin typeface="Arial" panose="020B0604020202020204" pitchFamily="34" charset="0"/>
+              <a:cs typeface="Arial" panose="020B0604020202020204" pitchFamily="34" charset="0"/>
+            </a:endParaRPr>
+          </a:p>
+        </p:txBody>
+      </p:sp>
+    </p:spTree>
+    <p:extLst>
+      <p:ext uri="{BB962C8B-B14F-4D97-AF65-F5344CB8AC3E}">
+        <p14:creationId xmlns:p14="http://schemas.microsoft.com/office/powerpoint/2010/main" val="102188316"/>
+      </p:ext>
+    </p:extLst>
+  </p:cSld>
+  <p:clrMapOvr>
+    <a:masterClrMapping/>
+  </p:clrMapOvr>
+  <p:transition/>
+</p:sld>
+</file>
+
+<file path=ppt/slides/slide54.xml><?xml version="1.0" encoding="utf-8"?>
+<p:sld xmlns:a="http://schemas.openxmlformats.org/drawingml/2006/main" xmlns:r="http://schemas.openxmlformats.org/officeDocument/2006/relationships" xmlns:p="http://schemas.openxmlformats.org/presentationml/2006/main">
+  <p:cSld>
+    <p:spTree>
+      <p:nvGrpSpPr>
+        <p:cNvPr id="1" name=""/>
+        <p:cNvGrpSpPr/>
+        <p:nvPr/>
+      </p:nvGrpSpPr>
+      <p:grpSpPr>
+        <a:xfrm>
+          <a:off x="0" y="0"/>
+          <a:ext cx="0" cy="0"/>
+          <a:chOff x="0" y="0"/>
+          <a:chExt cx="0" cy="0"/>
+        </a:xfrm>
+      </p:grpSpPr>
+      <p:sp>
+        <p:nvSpPr>
+          <p:cNvPr id="23556" name="Rectangle 2"/>
+          <p:cNvSpPr>
+            <a:spLocks noGrp="1" noChangeArrowheads="1"/>
+          </p:cNvSpPr>
+          <p:nvPr>
+            <p:ph type="title"/>
+          </p:nvPr>
+        </p:nvSpPr>
+        <p:spPr>
+          <a:xfrm>
             <a:off x="682752" y="342919"/>
             <a:ext cx="7772400" cy="1104881"/>
           </a:xfrm>
@@ -27865,8 +30287,8 @@
           </a:p>
         </p:txBody>
       </p:sp>
-      <mc:AlternateContent xmlns:mc="http://schemas.openxmlformats.org/markup-compatibility/2006" xmlns:a14="http://schemas.microsoft.com/office/drawing/2010/main">
-        <mc:Choice Requires="a14">
+      <mc:AlternateContent xmlns:mc="http://schemas.openxmlformats.org/markup-compatibility/2006">
+        <mc:Choice xmlns:a14="http://schemas.microsoft.com/office/drawing/2010/main" Requires="a14">
           <p:sp>
             <p:nvSpPr>
               <p:cNvPr id="23557" name="Rectangle 3"/>
@@ -27886,16 +30308,6 @@
             <p:txBody>
               <a:bodyPr/>
               <a:lstStyle/>
-              <a:p>
-                <a:pPr lvl="0"/>
-                <a:r>
-                  <a:rPr lang="en-US" sz="2000" dirty="0">
-                    <a:latin typeface="Arial" panose="020B0604020202020204" pitchFamily="34" charset="0"/>
-                    <a:cs typeface="Arial" panose="020B0604020202020204" pitchFamily="34" charset="0"/>
-                  </a:rPr>
-                  <a:t>As “jitter_block_0” shows, every series of 30 instructions contributes about 2 bits of apparent entropy to jitter execution, even in a single execution context, indicating that 15 instructions are sufficient to cause a state change which causes a difference in jitter execution time between two jitter execution measurements.</a:t>
-                </a:r>
-              </a:p>
               <a:p>
                 <a:pPr lvl="0"/>
                 <a:r>
@@ -27997,7 +30409,7 @@
             </p:txBody>
           </p:sp>
         </mc:Choice>
-        <mc:Fallback xmlns="">
+        <mc:Fallback>
           <p:sp>
             <p:nvSpPr>
               <p:cNvPr id="23557" name="Rectangle 3"/>
@@ -28058,7 +30470,7 @@
               <a:pPr>
                 <a:defRPr/>
               </a:pPr>
-              <a:t>51</a:t>
+              <a:t>54</a:t>
             </a:fld>
             <a:endParaRPr lang="en-US"/>
           </a:p>
@@ -28147,7 +30559,7 @@
 </p:sld>
 </file>
 
-<file path=ppt/slides/slide52.xml><?xml version="1.0" encoding="utf-8"?>
+<file path=ppt/slides/slide55.xml><?xml version="1.0" encoding="utf-8"?>
 <p:sld xmlns:a="http://schemas.openxmlformats.org/drawingml/2006/main" xmlns:r="http://schemas.openxmlformats.org/officeDocument/2006/relationships" xmlns:p="http://schemas.openxmlformats.org/presentationml/2006/main">
   <p:cSld>
     <p:spTree>
@@ -28176,7 +30588,7 @@
         </p:nvSpPr>
         <p:spPr>
           <a:xfrm>
-            <a:off x="682752" y="342919"/>
+            <a:off x="682752" y="152400"/>
             <a:ext cx="7772400" cy="1104881"/>
           </a:xfrm>
         </p:spPr>
@@ -28191,8 +30603,8 @@
           </a:p>
         </p:txBody>
       </p:sp>
-      <mc:AlternateContent xmlns:mc="http://schemas.openxmlformats.org/markup-compatibility/2006">
-        <mc:Choice xmlns:a14="http://schemas.microsoft.com/office/drawing/2010/main" Requires="a14">
+      <mc:AlternateContent xmlns:mc="http://schemas.openxmlformats.org/markup-compatibility/2006" xmlns:a14="http://schemas.microsoft.com/office/drawing/2010/main">
+        <mc:Choice Requires="a14">
           <p:sp>
             <p:nvSpPr>
               <p:cNvPr id="23557" name="Rectangle 3"/>
@@ -28327,7 +30739,7 @@
             </p:txBody>
           </p:sp>
         </mc:Choice>
-        <mc:Fallback>
+        <mc:Fallback xmlns="">
           <p:sp>
             <p:nvSpPr>
               <p:cNvPr id="23557" name="Rectangle 3"/>
@@ -28388,7 +30800,7 @@
               <a:pPr>
                 <a:defRPr/>
               </a:pPr>
-              <a:t>52</a:t>
+              <a:t>55</a:t>
             </a:fld>
             <a:endParaRPr lang="en-US"/>
           </a:p>
@@ -28477,7 +30889,7 @@
 </p:sld>
 </file>
 
-<file path=ppt/slides/slide53.xml><?xml version="1.0" encoding="utf-8"?>
+<file path=ppt/slides/slide56.xml><?xml version="1.0" encoding="utf-8"?>
 <p:sld xmlns:a="http://schemas.openxmlformats.org/drawingml/2006/main" xmlns:r="http://schemas.openxmlformats.org/officeDocument/2006/relationships" xmlns:p="http://schemas.openxmlformats.org/presentationml/2006/main">
   <p:cSld>
     <p:spTree>
@@ -28506,8 +30918,8 @@
         </p:nvSpPr>
         <p:spPr>
           <a:xfrm>
-            <a:off x="682752" y="342919"/>
-            <a:ext cx="7772400" cy="1104881"/>
+            <a:off x="682752" y="76200"/>
+            <a:ext cx="7772400" cy="838200"/>
           </a:xfrm>
         </p:spPr>
         <p:txBody>
@@ -28717,7 +31129,7 @@
               <a:pPr>
                 <a:defRPr/>
               </a:pPr>
-              <a:t>53</a:t>
+              <a:t>56</a:t>
             </a:fld>
             <a:endParaRPr lang="en-US"/>
           </a:p>
@@ -28806,7 +31218,7 @@
 </p:sld>
 </file>
 
-<file path=ppt/slides/slide54.xml><?xml version="1.0" encoding="utf-8"?>
+<file path=ppt/slides/slide57.xml><?xml version="1.0" encoding="utf-8"?>
 <p:sld xmlns:a="http://schemas.openxmlformats.org/drawingml/2006/main" xmlns:r="http://schemas.openxmlformats.org/officeDocument/2006/relationships" xmlns:p="http://schemas.openxmlformats.org/presentationml/2006/main">
   <p:cSld>
     <p:spTree>
@@ -28835,7 +31247,7 @@
         </p:nvSpPr>
         <p:spPr>
           <a:xfrm>
-            <a:off x="682752" y="342919"/>
+            <a:off x="682752" y="0"/>
             <a:ext cx="7772400" cy="1104881"/>
           </a:xfrm>
         </p:spPr>
@@ -28870,28 +31282,46 @@
           <a:bodyPr/>
           <a:lstStyle/>
           <a:p>
-            <a:pPr lvl="0"/>
-            <a:r>
-              <a:rPr lang="en-US" sz="1800" dirty="0" err="1">
-                <a:latin typeface="Arial" panose="020B0604020202020204" pitchFamily="34" charset="0"/>
-                <a:cs typeface="Arial" panose="020B0604020202020204" pitchFamily="34" charset="0"/>
-              </a:rPr>
-              <a:t>mpstat</a:t>
-            </a:r>
-            <a:r>
-              <a:rPr lang="en-US" sz="1800" dirty="0">
-                <a:latin typeface="Arial" panose="020B0604020202020204" pitchFamily="34" charset="0"/>
-                <a:cs typeface="Arial" panose="020B0604020202020204" pitchFamily="34" charset="0"/>
-              </a:rPr>
-              <a:t> –I ALL –P ALL</a:t>
-            </a:r>
-          </a:p>
-          <a:p>
-            <a:pPr lvl="0"/>
-            <a:endParaRPr lang="en-US" sz="1800" dirty="0">
-              <a:latin typeface="Arial" panose="020B0604020202020204" pitchFamily="34" charset="0"/>
-              <a:cs typeface="Arial" panose="020B0604020202020204" pitchFamily="34" charset="0"/>
-            </a:endParaRPr>
+            <a:r>
+              <a:rPr lang="en-US" sz="2000" dirty="0"/>
+              <a:t>L1 Data Cache Latency: 4 cycles for simple access via pointer</a:t>
+            </a:r>
+          </a:p>
+          <a:p>
+            <a:r>
+              <a:rPr lang="en-US" sz="2000" dirty="0"/>
+              <a:t>L1 Data Cache Latency: 5 cycles for access with complex address calculation.</a:t>
+            </a:r>
+          </a:p>
+          <a:p>
+            <a:r>
+              <a:rPr lang="en-US" sz="2000" dirty="0"/>
+              <a:t>L2 Cache Latency: 12 cycles</a:t>
+            </a:r>
+          </a:p>
+          <a:p>
+            <a:r>
+              <a:rPr lang="en-US" sz="2000" dirty="0"/>
+              <a:t>L3 Cache Latency: 36 cycles </a:t>
+            </a:r>
+          </a:p>
+          <a:p>
+            <a:r>
+              <a:rPr lang="en-US" sz="2000" dirty="0"/>
+              <a:t>L3 Cache Latency: 43 cycles </a:t>
+            </a:r>
+          </a:p>
+          <a:p>
+            <a:r>
+              <a:rPr lang="en-US" sz="2000" dirty="0"/>
+              <a:t>L3 Cache Latency: 58 cycles - 66 cycles </a:t>
+            </a:r>
+          </a:p>
+          <a:p>
+            <a:r>
+              <a:rPr lang="en-US" sz="2000" dirty="0"/>
+              <a:t>RAM Latency: 36-62 cycles + 57-100 ns </a:t>
+            </a:r>
           </a:p>
         </p:txBody>
       </p:sp>
@@ -28918,7 +31348,7 @@
               <a:pPr>
                 <a:defRPr/>
               </a:pPr>
-              <a:t>54</a:t>
+              <a:t>57</a:t>
             </a:fld>
             <a:endParaRPr lang="en-US"/>
           </a:p>

--- a/BerkeleyClass/CS290Spring2013/Lectures/entropy_talk.pptx
+++ b/BerkeleyClass/CS290Spring2013/Lectures/entropy_talk.pptx
@@ -12331,8 +12331,8 @@
           </a:p>
         </p:txBody>
       </p:sp>
-      <mc:AlternateContent xmlns:mc="http://schemas.openxmlformats.org/markup-compatibility/2006">
-        <mc:Choice xmlns:a14="http://schemas.microsoft.com/office/drawing/2010/main" Requires="a14">
+      <mc:AlternateContent xmlns:mc="http://schemas.openxmlformats.org/markup-compatibility/2006" xmlns:a14="http://schemas.microsoft.com/office/drawing/2010/main">
+        <mc:Choice Requires="a14">
           <p:sp>
             <p:nvSpPr>
               <p:cNvPr id="23557" name="Rectangle 3"/>
@@ -13322,7 +13322,7 @@
             </p:txBody>
           </p:sp>
         </mc:Choice>
-        <mc:Fallback>
+        <mc:Fallback xmlns="">
           <p:sp>
             <p:nvSpPr>
               <p:cNvPr id="23557" name="Rectangle 3"/>
@@ -13445,8 +13445,8 @@
           </a:p>
         </p:txBody>
       </p:sp>
-      <mc:AlternateContent xmlns:mc="http://schemas.openxmlformats.org/markup-compatibility/2006">
-        <mc:Choice xmlns:a14="http://schemas.microsoft.com/office/drawing/2010/main" Requires="a14">
+      <mc:AlternateContent xmlns:mc="http://schemas.openxmlformats.org/markup-compatibility/2006" xmlns:a14="http://schemas.microsoft.com/office/drawing/2010/main">
+        <mc:Choice Requires="a14">
           <p:sp>
             <p:nvSpPr>
               <p:cNvPr id="24581" name="Rectangle 3"/>
@@ -14756,7 +14756,7 @@
             </p:txBody>
           </p:sp>
         </mc:Choice>
-        <mc:Fallback>
+        <mc:Fallback xmlns="">
           <p:sp>
             <p:nvSpPr>
               <p:cNvPr id="24581" name="Rectangle 3"/>
@@ -16295,8 +16295,8 @@
           </a:p>
         </p:txBody>
       </p:sp>
-      <mc:AlternateContent xmlns:mc="http://schemas.openxmlformats.org/markup-compatibility/2006">
-        <mc:Choice xmlns:a14="http://schemas.microsoft.com/office/drawing/2010/main" Requires="a14">
+      <mc:AlternateContent xmlns:mc="http://schemas.openxmlformats.org/markup-compatibility/2006" xmlns:a14="http://schemas.microsoft.com/office/drawing/2010/main">
+        <mc:Choice Requires="a14">
           <p:sp>
             <p:nvSpPr>
               <p:cNvPr id="23557" name="Rectangle 3"/>
@@ -16693,7 +16693,7 @@
             </p:txBody>
           </p:sp>
         </mc:Choice>
-        <mc:Fallback>
+        <mc:Fallback xmlns="">
           <p:sp>
             <p:nvSpPr>
               <p:cNvPr id="23557" name="Rectangle 3"/>
@@ -16791,8 +16791,8 @@
           <a:chExt cx="0" cy="0"/>
         </a:xfrm>
       </p:grpSpPr>
-      <mc:AlternateContent xmlns:mc="http://schemas.openxmlformats.org/markup-compatibility/2006">
-        <mc:Choice xmlns:a14="http://schemas.microsoft.com/office/drawing/2010/main" Requires="a14">
+      <mc:AlternateContent xmlns:mc="http://schemas.openxmlformats.org/markup-compatibility/2006" xmlns:a14="http://schemas.microsoft.com/office/drawing/2010/main">
+        <mc:Choice Requires="a14">
           <p:sp>
             <p:nvSpPr>
               <p:cNvPr id="23556" name="Rectangle 2"/>
@@ -16875,7 +16875,7 @@
             </p:txBody>
           </p:sp>
         </mc:Choice>
-        <mc:Fallback>
+        <mc:Fallback xmlns="">
           <p:sp>
             <p:nvSpPr>
               <p:cNvPr id="23556" name="Rectangle 2"/>
@@ -17656,8 +17656,8 @@
           </a:p>
         </p:txBody>
       </p:sp>
-      <mc:AlternateContent xmlns:mc="http://schemas.openxmlformats.org/markup-compatibility/2006">
-        <mc:Choice xmlns:a14="http://schemas.microsoft.com/office/drawing/2010/main" Requires="a14">
+      <mc:AlternateContent xmlns:mc="http://schemas.openxmlformats.org/markup-compatibility/2006" xmlns:a14="http://schemas.microsoft.com/office/drawing/2010/main">
+        <mc:Choice Requires="a14">
           <p:sp>
             <p:nvSpPr>
               <p:cNvPr id="24581" name="Rectangle 3"/>
@@ -17942,7 +17942,7 @@
             </p:txBody>
           </p:sp>
         </mc:Choice>
-        <mc:Fallback>
+        <mc:Fallback xmlns="">
           <p:sp>
             <p:nvSpPr>
               <p:cNvPr id="24581" name="Rectangle 3"/>
@@ -18933,8 +18933,8 @@
         </p:nvSpPr>
         <p:spPr>
           <a:xfrm>
-            <a:off x="228600" y="0"/>
-            <a:ext cx="8763000" cy="990600"/>
+            <a:off x="190500" y="76200"/>
+            <a:ext cx="8877300" cy="990600"/>
           </a:xfrm>
         </p:spPr>
         <p:txBody>
@@ -18946,7 +18946,7 @@
                 <a:latin typeface="Calibri" panose="020F0502020204030204" pitchFamily="34" charset="0"/>
                 <a:cs typeface="Calibri" panose="020F0502020204030204" pitchFamily="34" charset="0"/>
               </a:rPr>
-              <a:t>Why are other sources problematic</a:t>
+              <a:t>Why interrupt arrival time sources are problematic</a:t>
             </a:r>
           </a:p>
         </p:txBody>
@@ -18998,7 +18998,7 @@
         </p:nvSpPr>
         <p:spPr>
           <a:xfrm>
-            <a:off x="190500" y="1295400"/>
+            <a:off x="190500" y="1600200"/>
             <a:ext cx="8763000" cy="4648200"/>
           </a:xfrm>
         </p:spPr>
@@ -27314,7 +27314,10 @@
           <a:lstStyle/>
           <a:p>
             <a:r>
-              <a:rPr lang="en-US" sz="3600" dirty="0"/>
+              <a:rPr lang="en-US" sz="3600" dirty="0">
+                <a:latin typeface="Calibri" panose="020F0502020204030204" pitchFamily="34" charset="0"/>
+                <a:cs typeface="Calibri" panose="020F0502020204030204" pitchFamily="34" charset="0"/>
+              </a:rPr>
               <a:t>Machine Data</a:t>
             </a:r>
           </a:p>
@@ -31198,8 +31201,8 @@
           </a:p>
         </p:txBody>
       </p:sp>
-      <mc:AlternateContent xmlns:mc="http://schemas.openxmlformats.org/markup-compatibility/2006">
-        <mc:Choice xmlns:a14="http://schemas.microsoft.com/office/drawing/2010/main" Requires="a14">
+      <mc:AlternateContent xmlns:mc="http://schemas.openxmlformats.org/markup-compatibility/2006" xmlns:a14="http://schemas.microsoft.com/office/drawing/2010/main">
+        <mc:Choice Requires="a14">
           <p:sp>
             <p:nvSpPr>
               <p:cNvPr id="23557" name="Rectangle 3"/>
@@ -31320,7 +31323,7 @@
             </p:txBody>
           </p:sp>
         </mc:Choice>
-        <mc:Fallback>
+        <mc:Fallback xmlns="">
           <p:sp>
             <p:nvSpPr>
               <p:cNvPr id="23557" name="Rectangle 3"/>
@@ -31517,8 +31520,8 @@
           </a:p>
         </p:txBody>
       </p:sp>
-      <mc:AlternateContent xmlns:mc="http://schemas.openxmlformats.org/markup-compatibility/2006">
-        <mc:Choice xmlns:a14="http://schemas.microsoft.com/office/drawing/2010/main" Requires="a14">
+      <mc:AlternateContent xmlns:mc="http://schemas.openxmlformats.org/markup-compatibility/2006" xmlns:a14="http://schemas.microsoft.com/office/drawing/2010/main">
+        <mc:Choice Requires="a14">
           <p:sp>
             <p:nvSpPr>
               <p:cNvPr id="23557" name="Rectangle 3"/>
@@ -31646,7 +31649,7 @@
             </p:txBody>
           </p:sp>
         </mc:Choice>
-        <mc:Fallback>
+        <mc:Fallback xmlns="">
           <p:sp>
             <p:nvSpPr>
               <p:cNvPr id="23557" name="Rectangle 3"/>
@@ -31843,8 +31846,8 @@
           </a:p>
         </p:txBody>
       </p:sp>
-      <mc:AlternateContent xmlns:mc="http://schemas.openxmlformats.org/markup-compatibility/2006">
-        <mc:Choice xmlns:a14="http://schemas.microsoft.com/office/drawing/2010/main" Requires="a14">
+      <mc:AlternateContent xmlns:mc="http://schemas.openxmlformats.org/markup-compatibility/2006" xmlns:a14="http://schemas.microsoft.com/office/drawing/2010/main">
+        <mc:Choice Requires="a14">
           <p:sp>
             <p:nvSpPr>
               <p:cNvPr id="23557" name="Rectangle 3"/>
@@ -31964,7 +31967,7 @@
             </p:txBody>
           </p:sp>
         </mc:Choice>
-        <mc:Fallback>
+        <mc:Fallback xmlns="">
           <p:sp>
             <p:nvSpPr>
               <p:cNvPr id="23557" name="Rectangle 3"/>
@@ -33124,8 +33127,8 @@
           </a:p>
         </p:txBody>
       </p:sp>
-      <mc:AlternateContent xmlns:mc="http://schemas.openxmlformats.org/markup-compatibility/2006">
-        <mc:Choice xmlns:a14="http://schemas.microsoft.com/office/drawing/2010/main" Requires="a14">
+      <mc:AlternateContent xmlns:mc="http://schemas.openxmlformats.org/markup-compatibility/2006" xmlns:a14="http://schemas.microsoft.com/office/drawing/2010/main">
+        <mc:Choice Requires="a14">
           <p:sp>
             <p:nvSpPr>
               <p:cNvPr id="24581" name="Rectangle 3"/>
@@ -33491,7 +33494,7 @@
             </p:txBody>
           </p:sp>
         </mc:Choice>
-        <mc:Fallback>
+        <mc:Fallback xmlns="">
           <p:sp>
             <p:nvSpPr>
               <p:cNvPr id="24581" name="Rectangle 3"/>
@@ -33619,8 +33622,8 @@
           </a:p>
         </p:txBody>
       </p:sp>
-      <mc:AlternateContent xmlns:mc="http://schemas.openxmlformats.org/markup-compatibility/2006">
-        <mc:Choice xmlns:a14="http://schemas.microsoft.com/office/drawing/2010/main" Requires="a14">
+      <mc:AlternateContent xmlns:mc="http://schemas.openxmlformats.org/markup-compatibility/2006" xmlns:a14="http://schemas.microsoft.com/office/drawing/2010/main">
+        <mc:Choice Requires="a14">
           <p:sp>
             <p:nvSpPr>
               <p:cNvPr id="24581" name="Rectangle 3"/>
@@ -34520,7 +34523,7 @@
             </p:txBody>
           </p:sp>
         </mc:Choice>
-        <mc:Fallback>
+        <mc:Fallback xmlns="">
           <p:sp>
             <p:nvSpPr>
               <p:cNvPr id="24581" name="Rectangle 3"/>

--- a/BerkeleyClass/CS290Spring2013/Lectures/entropy_talk.pptx
+++ b/BerkeleyClass/CS290Spring2013/Lectures/entropy_talk.pptx
@@ -12331,8 +12331,8 @@
           </a:p>
         </p:txBody>
       </p:sp>
-      <mc:AlternateContent xmlns:mc="http://schemas.openxmlformats.org/markup-compatibility/2006">
-        <mc:Choice xmlns:a14="http://schemas.microsoft.com/office/drawing/2010/main" Requires="a14">
+      <mc:AlternateContent xmlns:mc="http://schemas.openxmlformats.org/markup-compatibility/2006" xmlns:a14="http://schemas.microsoft.com/office/drawing/2010/main">
+        <mc:Choice Requires="a14">
           <p:sp>
             <p:nvSpPr>
               <p:cNvPr id="24581" name="Rectangle 3"/>
@@ -13666,7 +13666,7 @@
             </p:txBody>
           </p:sp>
         </mc:Choice>
-        <mc:Fallback>
+        <mc:Fallback xmlns="">
           <p:sp>
             <p:nvSpPr>
               <p:cNvPr id="24581" name="Rectangle 3"/>
@@ -15205,8 +15205,8 @@
           </a:p>
         </p:txBody>
       </p:sp>
-      <mc:AlternateContent xmlns:mc="http://schemas.openxmlformats.org/markup-compatibility/2006">
-        <mc:Choice xmlns:a14="http://schemas.microsoft.com/office/drawing/2010/main" Requires="a14">
+      <mc:AlternateContent xmlns:mc="http://schemas.openxmlformats.org/markup-compatibility/2006" xmlns:a14="http://schemas.microsoft.com/office/drawing/2010/main">
+        <mc:Choice Requires="a14">
           <p:sp>
             <p:nvSpPr>
               <p:cNvPr id="23557" name="Rectangle 3"/>
@@ -15603,7 +15603,7 @@
             </p:txBody>
           </p:sp>
         </mc:Choice>
-        <mc:Fallback>
+        <mc:Fallback xmlns="">
           <p:sp>
             <p:nvSpPr>
               <p:cNvPr id="23557" name="Rectangle 3"/>
@@ -16603,7 +16603,7 @@
                 <a:latin typeface="Calibri" panose="020F0502020204030204" pitchFamily="34" charset="0"/>
                 <a:cs typeface="Calibri" panose="020F0502020204030204" pitchFamily="34" charset="0"/>
               </a:rPr>
-              <a:t>We want to show that the evolution of the machine state as modified by “unpredictable” events in recreating execution jitter purporting to provide n bits of entropy requires 2</a:t>
+              <a:t>We want to show that the evolution of the machine state as modified by “unpredictable” events which need to be modelled to recreate the execution jitter purporting to provide n bits of entropy requires 2</a:t>
             </a:r>
             <a:r>
               <a:rPr lang="en-US" sz="2000" baseline="30000" dirty="0">
@@ -16631,8 +16631,19 @@
                 <a:latin typeface="Calibri" panose="020F0502020204030204" pitchFamily="34" charset="0"/>
                 <a:cs typeface="Calibri" panose="020F0502020204030204" pitchFamily="34" charset="0"/>
               </a:rPr>
-              <a:t>Reduction to scheduling problem (given actual physical jitter)</a:t>
-            </a:r>
+              <a:t>Reduction to a scheduling problem for deterministic differences in state and actual physical jitter affecting </a:t>
+            </a:r>
+            <a:r>
+              <a:rPr lang="en-US" sz="1800">
+                <a:latin typeface="Calibri" panose="020F0502020204030204" pitchFamily="34" charset="0"/>
+                <a:cs typeface="Calibri" panose="020F0502020204030204" pitchFamily="34" charset="0"/>
+              </a:rPr>
+              <a:t>machine state.</a:t>
+            </a:r>
+            <a:endParaRPr lang="en-US" sz="1800" dirty="0">
+              <a:latin typeface="Calibri" panose="020F0502020204030204" pitchFamily="34" charset="0"/>
+              <a:cs typeface="Calibri" panose="020F0502020204030204" pitchFamily="34" charset="0"/>
+            </a:endParaRPr>
           </a:p>
           <a:p>
             <a:pPr lvl="1">

--- a/BerkeleyClass/CS290Spring2013/Lectures/entropy_talk.pptx
+++ b/BerkeleyClass/CS290Spring2013/Lectures/entropy_talk.pptx
@@ -15225,8 +15225,8 @@
           </a:p>
         </p:txBody>
       </p:sp>
-      <mc:AlternateContent xmlns:mc="http://schemas.openxmlformats.org/markup-compatibility/2006">
-        <mc:Choice xmlns:a14="http://schemas.microsoft.com/office/drawing/2010/main" Requires="a14">
+      <mc:AlternateContent xmlns:mc="http://schemas.openxmlformats.org/markup-compatibility/2006" xmlns:a14="http://schemas.microsoft.com/office/drawing/2010/main">
+        <mc:Choice Requires="a14">
           <p:sp>
             <p:nvSpPr>
               <p:cNvPr id="23557" name="Rectangle 3"/>
@@ -15623,7 +15623,7 @@
             </p:txBody>
           </p:sp>
         </mc:Choice>
-        <mc:Fallback>
+        <mc:Fallback xmlns="">
           <p:sp>
             <p:nvSpPr>
               <p:cNvPr id="23557" name="Rectangle 3"/>
@@ -15721,8 +15721,8 @@
           <a:chExt cx="0" cy="0"/>
         </a:xfrm>
       </p:grpSpPr>
-      <mc:AlternateContent xmlns:mc="http://schemas.openxmlformats.org/markup-compatibility/2006">
-        <mc:Choice xmlns:a14="http://schemas.microsoft.com/office/drawing/2010/main" Requires="a14">
+      <mc:AlternateContent xmlns:mc="http://schemas.openxmlformats.org/markup-compatibility/2006" xmlns:a14="http://schemas.microsoft.com/office/drawing/2010/main">
+        <mc:Choice Requires="a14">
           <p:sp>
             <p:nvSpPr>
               <p:cNvPr id="23556" name="Rectangle 2"/>
@@ -15760,7 +15760,7 @@
                     <m:sSub>
                       <m:sSubPr>
                         <m:ctrlPr>
-                          <a:rPr lang="el-GR" sz="3600">
+                          <a:rPr lang="el-GR" sz="3600" i="1">
                             <a:latin typeface="Cambria Math" panose="02040503050406030204" pitchFamily="18" charset="0"/>
                             <a:ea typeface="Cambria Math" panose="02040503050406030204" pitchFamily="18" charset="0"/>
                           </a:rPr>
@@ -15808,7 +15808,7 @@
             </p:txBody>
           </p:sp>
         </mc:Choice>
-        <mc:Fallback>
+        <mc:Fallback xmlns="">
           <p:sp>
             <p:nvSpPr>
               <p:cNvPr id="23556" name="Rectangle 2"/>
@@ -23010,7 +23010,21 @@
                 <a:latin typeface="Calibri" panose="020F0502020204030204" pitchFamily="34" charset="0"/>
                 <a:cs typeface="Calibri" panose="020F0502020204030204" pitchFamily="34" charset="0"/>
               </a:rPr>
-              <a:t>We want to use these to show an adversary must do 2n units of work to recreate the machine state that produces n bits of jitter execution entropy.</a:t>
+              <a:t>We want to use these to show an adversary must do 2</a:t>
+            </a:r>
+            <a:r>
+              <a:rPr lang="en-US" sz="2000" baseline="30000" dirty="0">
+                <a:latin typeface="Calibri" panose="020F0502020204030204" pitchFamily="34" charset="0"/>
+                <a:cs typeface="Calibri" panose="020F0502020204030204" pitchFamily="34" charset="0"/>
+              </a:rPr>
+              <a:t>n</a:t>
+            </a:r>
+            <a:r>
+              <a:rPr lang="en-US" sz="2000" dirty="0">
+                <a:latin typeface="Calibri" panose="020F0502020204030204" pitchFamily="34" charset="0"/>
+                <a:cs typeface="Calibri" panose="020F0502020204030204" pitchFamily="34" charset="0"/>
+              </a:rPr>
+              <a:t> units of work to recreate the machine state that produces n bits of jitter execution entropy.</a:t>
             </a:r>
           </a:p>
         </p:txBody>
@@ -27609,8 +27623,8 @@
           </a:p>
         </p:txBody>
       </p:sp>
-      <mc:AlternateContent xmlns:mc="http://schemas.openxmlformats.org/markup-compatibility/2006">
-        <mc:Choice xmlns:a14="http://schemas.microsoft.com/office/drawing/2010/main" Requires="a14">
+      <mc:AlternateContent xmlns:mc="http://schemas.openxmlformats.org/markup-compatibility/2006" xmlns:a14="http://schemas.microsoft.com/office/drawing/2010/main">
+        <mc:Choice Requires="a14">
           <p:sp>
             <p:nvSpPr>
               <p:cNvPr id="23557" name="Rectangle 3"/>
@@ -27730,7 +27744,7 @@
             </p:txBody>
           </p:sp>
         </mc:Choice>
-        <mc:Fallback>
+        <mc:Fallback xmlns="">
           <p:sp>
             <p:nvSpPr>
               <p:cNvPr id="23557" name="Rectangle 3"/>

--- a/BerkeleyClass/CS290Spring2013/Lectures/entropy_talk.pptx
+++ b/BerkeleyClass/CS290Spring2013/Lectures/entropy_talk.pptx
@@ -5,10 +5,10 @@
     <p:sldMasterId id="2147483649" r:id="rId1"/>
   </p:sldMasterIdLst>
   <p:notesMasterIdLst>
-    <p:notesMasterId r:id="rId60"/>
+    <p:notesMasterId r:id="rId61"/>
   </p:notesMasterIdLst>
   <p:handoutMasterIdLst>
-    <p:handoutMasterId r:id="rId61"/>
+    <p:handoutMasterId r:id="rId62"/>
   </p:handoutMasterIdLst>
   <p:sldIdLst>
     <p:sldId id="3175" r:id="rId2"/>
@@ -69,6 +69,7 @@
     <p:sldId id="3812" r:id="rId57"/>
     <p:sldId id="3807" r:id="rId58"/>
     <p:sldId id="3813" r:id="rId59"/>
+    <p:sldId id="3829" r:id="rId60"/>
   </p:sldIdLst>
   <p:sldSz cx="9144000" cy="6858000" type="screen4x3"/>
   <p:notesSz cx="7010400" cy="9296400"/>
@@ -5915,6 +5916,106 @@
     <p:extLst>
       <p:ext uri="{BB962C8B-B14F-4D97-AF65-F5344CB8AC3E}">
         <p14:creationId xmlns:p14="http://schemas.microsoft.com/office/powerpoint/2010/main" val="1405192464"/>
+      </p:ext>
+    </p:extLst>
+  </p:cSld>
+  <p:clrMapOvr>
+    <a:masterClrMapping/>
+  </p:clrMapOvr>
+</p:notes>
+</file>
+
+<file path=ppt/notesSlides/notesSlide55.xml><?xml version="1.0" encoding="utf-8"?>
+<p:notes xmlns:a="http://schemas.openxmlformats.org/drawingml/2006/main" xmlns:r="http://schemas.openxmlformats.org/officeDocument/2006/relationships" xmlns:p="http://schemas.openxmlformats.org/presentationml/2006/main">
+  <p:cSld>
+    <p:spTree>
+      <p:nvGrpSpPr>
+        <p:cNvPr id="1" name=""/>
+        <p:cNvGrpSpPr/>
+        <p:nvPr/>
+      </p:nvGrpSpPr>
+      <p:grpSpPr>
+        <a:xfrm>
+          <a:off x="0" y="0"/>
+          <a:ext cx="0" cy="0"/>
+          <a:chOff x="0" y="0"/>
+          <a:chExt cx="0" cy="0"/>
+        </a:xfrm>
+      </p:grpSpPr>
+      <p:sp>
+        <p:nvSpPr>
+          <p:cNvPr id="95234" name="Rectangle 7"/>
+          <p:cNvSpPr>
+            <a:spLocks noGrp="1" noChangeArrowheads="1"/>
+          </p:cNvSpPr>
+          <p:nvPr>
+            <p:ph type="sldNum" sz="quarter" idx="5"/>
+          </p:nvPr>
+        </p:nvSpPr>
+        <p:spPr>
+          <a:noFill/>
+        </p:spPr>
+        <p:txBody>
+          <a:bodyPr/>
+          <a:lstStyle/>
+          <a:p>
+            <a:fld id="{86016DC7-F49B-4F50-9A32-E9E9CFA38878}" type="slidenum">
+              <a:rPr lang="en-US" smtClean="0"/>
+              <a:pPr/>
+              <a:t>59</a:t>
+            </a:fld>
+            <a:endParaRPr lang="en-US"/>
+          </a:p>
+        </p:txBody>
+      </p:sp>
+      <p:sp>
+        <p:nvSpPr>
+          <p:cNvPr id="95235" name="Rectangle 2"/>
+          <p:cNvSpPr>
+            <a:spLocks noGrp="1" noRot="1" noChangeAspect="1" noChangeArrowheads="1" noTextEdit="1"/>
+          </p:cNvSpPr>
+          <p:nvPr>
+            <p:ph type="sldImg"/>
+          </p:nvPr>
+        </p:nvSpPr>
+        <p:spPr>
+          <a:xfrm>
+            <a:off x="1169988" y="687388"/>
+            <a:ext cx="4673600" cy="3505200"/>
+          </a:xfrm>
+          <a:ln/>
+        </p:spPr>
+      </p:sp>
+      <p:sp>
+        <p:nvSpPr>
+          <p:cNvPr id="95236" name="Rectangle 3"/>
+          <p:cNvSpPr>
+            <a:spLocks noGrp="1" noChangeArrowheads="1"/>
+          </p:cNvSpPr>
+          <p:nvPr>
+            <p:ph type="body" idx="1"/>
+          </p:nvPr>
+        </p:nvSpPr>
+        <p:spPr>
+          <a:xfrm>
+            <a:off x="914400" y="4421188"/>
+            <a:ext cx="5184775" cy="4191000"/>
+          </a:xfrm>
+          <a:noFill/>
+          <a:ln w="9525"/>
+        </p:spPr>
+        <p:txBody>
+          <a:bodyPr/>
+          <a:lstStyle/>
+          <a:p>
+            <a:endParaRPr lang="en-US"/>
+          </a:p>
+        </p:txBody>
+      </p:sp>
+    </p:spTree>
+    <p:extLst>
+      <p:ext uri="{BB962C8B-B14F-4D97-AF65-F5344CB8AC3E}">
+        <p14:creationId xmlns:p14="http://schemas.microsoft.com/office/powerpoint/2010/main" val="1032529494"/>
       </p:ext>
     </p:extLst>
   </p:cSld>
@@ -31903,6 +32004,321 @@
 </p:sld>
 </file>
 
+<file path=ppt/slides/slide59.xml><?xml version="1.0" encoding="utf-8"?>
+<p:sld xmlns:a="http://schemas.openxmlformats.org/drawingml/2006/main" xmlns:r="http://schemas.openxmlformats.org/officeDocument/2006/relationships" xmlns:p="http://schemas.openxmlformats.org/presentationml/2006/main">
+  <p:cSld>
+    <p:spTree>
+      <p:nvGrpSpPr>
+        <p:cNvPr id="1" name=""/>
+        <p:cNvGrpSpPr/>
+        <p:nvPr/>
+      </p:nvGrpSpPr>
+      <p:grpSpPr>
+        <a:xfrm>
+          <a:off x="0" y="0"/>
+          <a:ext cx="0" cy="0"/>
+          <a:chOff x="0" y="0"/>
+          <a:chExt cx="0" cy="0"/>
+        </a:xfrm>
+      </p:grpSpPr>
+      <p:sp>
+        <p:nvSpPr>
+          <p:cNvPr id="23556" name="Rectangle 2"/>
+          <p:cNvSpPr>
+            <a:spLocks noGrp="1" noChangeArrowheads="1"/>
+          </p:cNvSpPr>
+          <p:nvPr>
+            <p:ph type="title"/>
+          </p:nvPr>
+        </p:nvSpPr>
+        <p:spPr>
+          <a:xfrm>
+            <a:off x="682752" y="0"/>
+            <a:ext cx="7772400" cy="1104881"/>
+          </a:xfrm>
+        </p:spPr>
+        <p:txBody>
+          <a:bodyPr/>
+          <a:lstStyle/>
+          <a:p>
+            <a:r>
+              <a:rPr lang="en-US" sz="3600" dirty="0">
+                <a:latin typeface="Calibri Light" panose="020F0302020204030204" pitchFamily="34" charset="0"/>
+                <a:cs typeface="Calibri Light" panose="020F0302020204030204" pitchFamily="34" charset="0"/>
+              </a:rPr>
+              <a:t>Sources of differences</a:t>
+            </a:r>
+          </a:p>
+        </p:txBody>
+      </p:sp>
+      <p:sp>
+        <p:nvSpPr>
+          <p:cNvPr id="23557" name="Rectangle 3"/>
+          <p:cNvSpPr>
+            <a:spLocks noGrp="1" noChangeArrowheads="1"/>
+          </p:cNvSpPr>
+          <p:nvPr>
+            <p:ph type="body" idx="1"/>
+          </p:nvPr>
+        </p:nvSpPr>
+        <p:spPr>
+          <a:xfrm>
+            <a:off x="228600" y="1295415"/>
+            <a:ext cx="8610600" cy="4952977"/>
+          </a:xfrm>
+        </p:spPr>
+        <p:txBody>
+          <a:bodyPr/>
+          <a:lstStyle/>
+          <a:p>
+            <a:pPr marL="457200" indent="-457200">
+              <a:buFont typeface="+mj-lt"/>
+              <a:buAutoNum type="arabicPeriod"/>
+            </a:pPr>
+            <a:r>
+              <a:rPr lang="en-US" sz="2000" dirty="0">
+                <a:latin typeface="Calibri" panose="020F0502020204030204" pitchFamily="34" charset="0"/>
+                <a:cs typeface="Calibri" panose="020F0502020204030204" pitchFamily="34" charset="0"/>
+              </a:rPr>
+              <a:t>Unpredictable wait states in memory refresh</a:t>
+            </a:r>
+          </a:p>
+          <a:p>
+            <a:pPr marL="457200" indent="-457200">
+              <a:buFont typeface="+mj-lt"/>
+              <a:buAutoNum type="arabicPeriod"/>
+            </a:pPr>
+            <a:r>
+              <a:rPr lang="en-US" sz="2000" dirty="0">
+                <a:latin typeface="Calibri" panose="020F0502020204030204" pitchFamily="34" charset="0"/>
+                <a:cs typeface="Calibri" panose="020F0502020204030204" pitchFamily="34" charset="0"/>
+              </a:rPr>
+              <a:t>Unpredictable core assignment</a:t>
+            </a:r>
+          </a:p>
+          <a:p>
+            <a:pPr marL="457200" indent="-457200">
+              <a:buFont typeface="+mj-lt"/>
+              <a:buAutoNum type="arabicPeriod"/>
+            </a:pPr>
+            <a:r>
+              <a:rPr lang="en-US" sz="2000" dirty="0">
+                <a:latin typeface="Calibri" panose="020F0502020204030204" pitchFamily="34" charset="0"/>
+                <a:cs typeface="Calibri" panose="020F0502020204030204" pitchFamily="34" charset="0"/>
+              </a:rPr>
+              <a:t>Interrupts number and order prior to measurement</a:t>
+            </a:r>
+          </a:p>
+          <a:p>
+            <a:pPr marL="457200" indent="-457200">
+              <a:buFont typeface="+mj-lt"/>
+              <a:buAutoNum type="arabicPeriod"/>
+            </a:pPr>
+            <a:r>
+              <a:rPr lang="en-US" sz="2000" dirty="0">
+                <a:latin typeface="Calibri" panose="020F0502020204030204" pitchFamily="34" charset="0"/>
+                <a:cs typeface="Calibri" panose="020F0502020204030204" pitchFamily="34" charset="0"/>
+              </a:rPr>
+              <a:t>Interrupts during measurement</a:t>
+            </a:r>
+          </a:p>
+          <a:p>
+            <a:pPr marL="457200" indent="-457200">
+              <a:buFont typeface="+mj-lt"/>
+              <a:buAutoNum type="arabicPeriod"/>
+            </a:pPr>
+            <a:r>
+              <a:rPr lang="en-US" sz="2000" dirty="0">
+                <a:latin typeface="Calibri" panose="020F0502020204030204" pitchFamily="34" charset="0"/>
+                <a:cs typeface="Calibri" panose="020F0502020204030204" pitchFamily="34" charset="0"/>
+              </a:rPr>
+              <a:t>Uncertainties based on data: branches, locks</a:t>
+            </a:r>
+          </a:p>
+          <a:p>
+            <a:pPr marL="457200" indent="-457200">
+              <a:buFont typeface="+mj-lt"/>
+              <a:buAutoNum type="arabicPeriod"/>
+            </a:pPr>
+            <a:r>
+              <a:rPr lang="en-US" sz="2000" dirty="0">
+                <a:latin typeface="Calibri" panose="020F0502020204030204" pitchFamily="34" charset="0"/>
+                <a:cs typeface="Calibri" panose="020F0502020204030204" pitchFamily="34" charset="0"/>
+              </a:rPr>
+              <a:t>Time of day</a:t>
+            </a:r>
+          </a:p>
+          <a:p>
+            <a:pPr marL="457200" indent="-457200">
+              <a:buFont typeface="+mj-lt"/>
+              <a:buAutoNum type="arabicPeriod"/>
+            </a:pPr>
+            <a:endParaRPr lang="en-US" sz="2000" dirty="0">
+              <a:latin typeface="Calibri" panose="020F0502020204030204" pitchFamily="34" charset="0"/>
+              <a:cs typeface="Calibri" panose="020F0502020204030204" pitchFamily="34" charset="0"/>
+            </a:endParaRPr>
+          </a:p>
+          <a:p>
+            <a:pPr marL="457200" indent="-457200">
+              <a:buFont typeface="+mj-lt"/>
+              <a:buAutoNum type="arabicPeriod"/>
+            </a:pPr>
+            <a:endParaRPr lang="en-US" sz="2000" dirty="0">
+              <a:latin typeface="Calibri" panose="020F0502020204030204" pitchFamily="34" charset="0"/>
+              <a:cs typeface="Calibri" panose="020F0502020204030204" pitchFamily="34" charset="0"/>
+            </a:endParaRPr>
+          </a:p>
+          <a:p>
+            <a:r>
+              <a:rPr lang="en-US" sz="2000" dirty="0">
+                <a:latin typeface="Calibri" panose="020F0502020204030204" pitchFamily="34" charset="0"/>
+                <a:cs typeface="Calibri" panose="020F0502020204030204" pitchFamily="34" charset="0"/>
+              </a:rPr>
+              <a:t>Model changes affecting memory, branches, TLB misses, scheduling of tasks, stalls, data induced waits, micro-op scheduling, core difference, power variations, data induced access differences, data induced, interrupt order or arrival </a:t>
+            </a:r>
+            <a:r>
+              <a:rPr lang="en-US" sz="2000" dirty="0" err="1">
+                <a:latin typeface="Calibri" panose="020F0502020204030204" pitchFamily="34" charset="0"/>
+                <a:cs typeface="Calibri" panose="020F0502020204030204" pitchFamily="34" charset="0"/>
+              </a:rPr>
+              <a:t>wrt</a:t>
+            </a:r>
+            <a:r>
+              <a:rPr lang="en-US" sz="2000">
+                <a:latin typeface="Calibri" panose="020F0502020204030204" pitchFamily="34" charset="0"/>
+                <a:cs typeface="Calibri" panose="020F0502020204030204" pitchFamily="34" charset="0"/>
+              </a:rPr>
+              <a:t> measurements</a:t>
+            </a:r>
+            <a:endParaRPr lang="en-US" sz="2000" dirty="0">
+              <a:latin typeface="Calibri" panose="020F0502020204030204" pitchFamily="34" charset="0"/>
+              <a:cs typeface="Calibri" panose="020F0502020204030204" pitchFamily="34" charset="0"/>
+            </a:endParaRPr>
+          </a:p>
+          <a:p>
+            <a:pPr marL="457200" indent="-457200">
+              <a:buFont typeface="+mj-lt"/>
+              <a:buAutoNum type="arabicPeriod"/>
+            </a:pPr>
+            <a:endParaRPr lang="en-US" sz="2000" dirty="0">
+              <a:latin typeface="Calibri" panose="020F0502020204030204" pitchFamily="34" charset="0"/>
+              <a:cs typeface="Calibri" panose="020F0502020204030204" pitchFamily="34" charset="0"/>
+            </a:endParaRPr>
+          </a:p>
+        </p:txBody>
+      </p:sp>
+      <p:sp>
+        <p:nvSpPr>
+          <p:cNvPr id="8" name="Slide Number Placeholder 7"/>
+          <p:cNvSpPr>
+            <a:spLocks noGrp="1"/>
+          </p:cNvSpPr>
+          <p:nvPr>
+            <p:ph type="sldNum" sz="quarter" idx="12"/>
+          </p:nvPr>
+        </p:nvSpPr>
+        <p:spPr/>
+        <p:txBody>
+          <a:bodyPr/>
+          <a:lstStyle/>
+          <a:p>
+            <a:pPr>
+              <a:defRPr/>
+            </a:pPr>
+            <a:fld id="{8E09DF16-9352-46A7-97F1-1D13A8547ADD}" type="slidenum">
+              <a:rPr lang="en-US" smtClean="0"/>
+              <a:pPr>
+                <a:defRPr/>
+              </a:pPr>
+              <a:t>59</a:t>
+            </a:fld>
+            <a:endParaRPr lang="en-US"/>
+          </a:p>
+        </p:txBody>
+      </p:sp>
+      <p:sp>
+        <p:nvSpPr>
+          <p:cNvPr id="2" name="Rectangle 2">
+            <a:extLst>
+              <a:ext uri="{FF2B5EF4-FFF2-40B4-BE49-F238E27FC236}">
+                <a16:creationId xmlns:a16="http://schemas.microsoft.com/office/drawing/2014/main" id="{C0D3418F-80B0-844C-8418-6CC7A95790AB}"/>
+              </a:ext>
+            </a:extLst>
+          </p:cNvPr>
+          <p:cNvSpPr>
+            <a:spLocks noChangeArrowheads="1"/>
+          </p:cNvSpPr>
+          <p:nvPr/>
+        </p:nvSpPr>
+        <p:spPr bwMode="auto">
+          <a:xfrm>
+            <a:off x="0" y="0"/>
+            <a:ext cx="9144000" cy="0"/>
+          </a:xfrm>
+          <a:prstGeom prst="rect">
+            <a:avLst/>
+          </a:prstGeom>
+          <a:noFill/>
+          <a:ln>
+            <a:noFill/>
+          </a:ln>
+          <a:effectLst/>
+          <a:extLst>
+            <a:ext uri="{909E8E84-426E-40DD-AFC4-6F175D3DCCD1}">
+              <a14:hiddenFill xmlns:a14="http://schemas.microsoft.com/office/drawing/2010/main">
+                <a:solidFill>
+                  <a:schemeClr val="accent1"/>
+                </a:solidFill>
+              </a14:hiddenFill>
+            </a:ext>
+            <a:ext uri="{91240B29-F687-4F45-9708-019B960494DF}">
+              <a14:hiddenLine xmlns:a14="http://schemas.microsoft.com/office/drawing/2010/main" w="9525">
+                <a:solidFill>
+                  <a:schemeClr val="tx1"/>
+                </a:solidFill>
+                <a:miter lim="800000"/>
+                <a:headEnd/>
+                <a:tailEnd/>
+              </a14:hiddenLine>
+            </a:ext>
+            <a:ext uri="{AF507438-7753-43E0-B8FC-AC1667EBCBE1}">
+              <a14:hiddenEffects xmlns:a14="http://schemas.microsoft.com/office/drawing/2010/main">
+                <a:effectLst>
+                  <a:outerShdw dist="35921" dir="2700000" algn="ctr" rotWithShape="0">
+                    <a:schemeClr val="bg2"/>
+                  </a:outerShdw>
+                </a:effectLst>
+              </a14:hiddenEffects>
+            </a:ext>
+          </a:extLst>
+        </p:spPr>
+        <p:txBody>
+          <a:bodyPr vert="horz" wrap="none" lIns="91440" tIns="45720" rIns="91440" bIns="45720" numCol="1" anchor="ctr" anchorCtr="0" compatLnSpc="1">
+            <a:prstTxWarp prst="textNoShape">
+              <a:avLst/>
+            </a:prstTxWarp>
+            <a:spAutoFit/>
+          </a:bodyPr>
+          <a:lstStyle/>
+          <a:p>
+            <a:endParaRPr lang="en-US"/>
+          </a:p>
+        </p:txBody>
+      </p:sp>
+    </p:spTree>
+    <p:extLst>
+      <p:ext uri="{BB962C8B-B14F-4D97-AF65-F5344CB8AC3E}">
+        <p14:creationId xmlns:p14="http://schemas.microsoft.com/office/powerpoint/2010/main" val="1216302430"/>
+      </p:ext>
+    </p:extLst>
+  </p:cSld>
+  <p:clrMapOvr>
+    <a:masterClrMapping/>
+  </p:clrMapOvr>
+  <p:transition/>
+</p:sld>
+</file>
+
 <file path=ppt/slides/slide6.xml><?xml version="1.0" encoding="utf-8"?>
 <p:sld xmlns:a="http://schemas.openxmlformats.org/drawingml/2006/main" xmlns:r="http://schemas.openxmlformats.org/officeDocument/2006/relationships" xmlns:p="http://schemas.openxmlformats.org/presentationml/2006/main">
   <p:cSld>
